--- a/Präsentation/Präsentation.pptx
+++ b/Präsentation/Präsentation.pptx
@@ -12,9 +12,9 @@
   </p:handoutMasterIdLst>
   <p:sldIdLst>
     <p:sldId id="264" r:id="rId2"/>
-    <p:sldId id="263" r:id="rId3"/>
-    <p:sldId id="265" r:id="rId4"/>
-    <p:sldId id="266" r:id="rId5"/>
+    <p:sldId id="266" r:id="rId3"/>
+    <p:sldId id="263" r:id="rId4"/>
+    <p:sldId id="265" r:id="rId5"/>
     <p:sldId id="267" r:id="rId6"/>
     <p:sldId id="268" r:id="rId7"/>
     <p:sldId id="269" r:id="rId8"/>
@@ -887,7 +887,7 @@
               <a:defRPr/>
             </a:pPr>
             <a:r>
-              <a:rPr lang="de-DE"/>
+              <a:rPr lang="de-DE" dirty="0"/>
               <a:t>29.01.2018</a:t>
             </a:r>
           </a:p>
@@ -912,7 +912,7 @@
               <a:defRPr/>
             </a:pPr>
             <a:r>
-              <a:rPr lang="de-DE"/>
+              <a:rPr lang="de-DE" dirty="0"/>
               <a:t>Niko Benkler       Betreuer: Robert Heinrich</a:t>
             </a:r>
           </a:p>
@@ -943,7 +943,7 @@
               </a:pPr>
               <a:t>1</a:t>
             </a:fld>
-            <a:endParaRPr lang="de-DE"/>
+            <a:endParaRPr lang="de-DE" dirty="0"/>
           </a:p>
         </p:txBody>
       </p:sp>
@@ -1027,7 +1027,7 @@
               <a:defRPr/>
             </a:pPr>
             <a:r>
-              <a:rPr lang="de-DE"/>
+              <a:rPr lang="de-DE" dirty="0"/>
               <a:t>29.01.2018</a:t>
             </a:r>
           </a:p>
@@ -1052,7 +1052,7 @@
               <a:defRPr/>
             </a:pPr>
             <a:r>
-              <a:rPr lang="de-DE"/>
+              <a:rPr lang="de-DE" dirty="0"/>
               <a:t>Niko Benkler       Betreuer: Robert Heinrich</a:t>
             </a:r>
           </a:p>
@@ -1083,7 +1083,7 @@
               </a:pPr>
               <a:t>10</a:t>
             </a:fld>
-            <a:endParaRPr lang="de-DE"/>
+            <a:endParaRPr lang="de-DE" dirty="0"/>
           </a:p>
         </p:txBody>
       </p:sp>
@@ -1167,7 +1167,7 @@
               <a:defRPr/>
             </a:pPr>
             <a:r>
-              <a:rPr lang="de-DE"/>
+              <a:rPr lang="de-DE" dirty="0"/>
               <a:t>29.01.2018</a:t>
             </a:r>
           </a:p>
@@ -1192,7 +1192,7 @@
               <a:defRPr/>
             </a:pPr>
             <a:r>
-              <a:rPr lang="de-DE"/>
+              <a:rPr lang="de-DE" dirty="0"/>
               <a:t>Niko Benkler       Betreuer: Robert Heinrich</a:t>
             </a:r>
           </a:p>
@@ -1223,7 +1223,7 @@
               </a:pPr>
               <a:t>11</a:t>
             </a:fld>
-            <a:endParaRPr lang="de-DE"/>
+            <a:endParaRPr lang="de-DE" dirty="0"/>
           </a:p>
         </p:txBody>
       </p:sp>
@@ -1307,7 +1307,7 @@
               <a:defRPr/>
             </a:pPr>
             <a:r>
-              <a:rPr lang="de-DE"/>
+              <a:rPr lang="de-DE" dirty="0"/>
               <a:t>29.01.2018</a:t>
             </a:r>
           </a:p>
@@ -1332,7 +1332,7 @@
               <a:defRPr/>
             </a:pPr>
             <a:r>
-              <a:rPr lang="de-DE"/>
+              <a:rPr lang="de-DE" dirty="0"/>
               <a:t>Niko Benkler       Betreuer: Robert Heinrich</a:t>
             </a:r>
           </a:p>
@@ -1363,7 +1363,7 @@
               </a:pPr>
               <a:t>12</a:t>
             </a:fld>
-            <a:endParaRPr lang="de-DE"/>
+            <a:endParaRPr lang="de-DE" dirty="0"/>
           </a:p>
         </p:txBody>
       </p:sp>
@@ -1447,7 +1447,7 @@
               <a:defRPr/>
             </a:pPr>
             <a:r>
-              <a:rPr lang="de-DE"/>
+              <a:rPr lang="de-DE" dirty="0"/>
               <a:t>29.01.2018</a:t>
             </a:r>
           </a:p>
@@ -1472,7 +1472,7 @@
               <a:defRPr/>
             </a:pPr>
             <a:r>
-              <a:rPr lang="de-DE"/>
+              <a:rPr lang="de-DE" dirty="0"/>
               <a:t>Niko Benkler       Betreuer: Robert Heinrich</a:t>
             </a:r>
           </a:p>
@@ -1503,7 +1503,7 @@
               </a:pPr>
               <a:t>13</a:t>
             </a:fld>
-            <a:endParaRPr lang="de-DE"/>
+            <a:endParaRPr lang="de-DE" dirty="0"/>
           </a:p>
         </p:txBody>
       </p:sp>
@@ -1587,7 +1587,7 @@
               <a:defRPr/>
             </a:pPr>
             <a:r>
-              <a:rPr lang="de-DE"/>
+              <a:rPr lang="de-DE" dirty="0"/>
               <a:t>29.01.2018</a:t>
             </a:r>
           </a:p>
@@ -1612,7 +1612,7 @@
               <a:defRPr/>
             </a:pPr>
             <a:r>
-              <a:rPr lang="de-DE"/>
+              <a:rPr lang="de-DE" dirty="0"/>
               <a:t>Niko Benkler       Betreuer: Robert Heinrich</a:t>
             </a:r>
           </a:p>
@@ -1643,7 +1643,7 @@
               </a:pPr>
               <a:t>14</a:t>
             </a:fld>
-            <a:endParaRPr lang="de-DE"/>
+            <a:endParaRPr lang="de-DE" dirty="0"/>
           </a:p>
         </p:txBody>
       </p:sp>
@@ -1727,7 +1727,7 @@
               <a:defRPr/>
             </a:pPr>
             <a:r>
-              <a:rPr lang="de-DE"/>
+              <a:rPr lang="de-DE" dirty="0"/>
               <a:t>29.01.2018</a:t>
             </a:r>
           </a:p>
@@ -1752,7 +1752,7 @@
               <a:defRPr/>
             </a:pPr>
             <a:r>
-              <a:rPr lang="de-DE"/>
+              <a:rPr lang="de-DE" dirty="0"/>
               <a:t>Niko Benkler       Betreuer: Robert Heinrich</a:t>
             </a:r>
           </a:p>
@@ -1783,7 +1783,7 @@
               </a:pPr>
               <a:t>15</a:t>
             </a:fld>
-            <a:endParaRPr lang="de-DE"/>
+            <a:endParaRPr lang="de-DE" dirty="0"/>
           </a:p>
         </p:txBody>
       </p:sp>
@@ -1867,7 +1867,7 @@
               <a:defRPr/>
             </a:pPr>
             <a:r>
-              <a:rPr lang="de-DE"/>
+              <a:rPr lang="de-DE" dirty="0"/>
               <a:t>29.01.2018</a:t>
             </a:r>
           </a:p>
@@ -1892,7 +1892,7 @@
               <a:defRPr/>
             </a:pPr>
             <a:r>
-              <a:rPr lang="de-DE"/>
+              <a:rPr lang="de-DE" dirty="0"/>
               <a:t>Niko Benkler       Betreuer: Robert Heinrich</a:t>
             </a:r>
           </a:p>
@@ -1923,7 +1923,7 @@
               </a:pPr>
               <a:t>16</a:t>
             </a:fld>
-            <a:endParaRPr lang="de-DE"/>
+            <a:endParaRPr lang="de-DE" dirty="0"/>
           </a:p>
         </p:txBody>
       </p:sp>
@@ -2007,7 +2007,7 @@
               <a:defRPr/>
             </a:pPr>
             <a:r>
-              <a:rPr lang="de-DE"/>
+              <a:rPr lang="de-DE" dirty="0"/>
               <a:t>29.01.2018</a:t>
             </a:r>
           </a:p>
@@ -2032,7 +2032,7 @@
               <a:defRPr/>
             </a:pPr>
             <a:r>
-              <a:rPr lang="de-DE"/>
+              <a:rPr lang="de-DE" dirty="0"/>
               <a:t>Niko Benkler       Betreuer: Robert Heinrich</a:t>
             </a:r>
           </a:p>
@@ -2063,14 +2063,14 @@
               </a:pPr>
               <a:t>2</a:t>
             </a:fld>
-            <a:endParaRPr lang="de-DE"/>
+            <a:endParaRPr lang="de-DE" dirty="0"/>
           </a:p>
         </p:txBody>
       </p:sp>
     </p:spTree>
     <p:extLst>
       <p:ext uri="{BB962C8B-B14F-4D97-AF65-F5344CB8AC3E}">
-        <p14:creationId xmlns:p14="http://schemas.microsoft.com/office/powerpoint/2010/main" val="575318107"/>
+        <p14:creationId xmlns:p14="http://schemas.microsoft.com/office/powerpoint/2010/main" val="759143100"/>
       </p:ext>
     </p:extLst>
   </p:cSld>
@@ -2147,7 +2147,7 @@
               <a:defRPr/>
             </a:pPr>
             <a:r>
-              <a:rPr lang="de-DE"/>
+              <a:rPr lang="de-DE" dirty="0"/>
               <a:t>29.01.2018</a:t>
             </a:r>
           </a:p>
@@ -2172,7 +2172,7 @@
               <a:defRPr/>
             </a:pPr>
             <a:r>
-              <a:rPr lang="de-DE"/>
+              <a:rPr lang="de-DE" dirty="0"/>
               <a:t>Niko Benkler       Betreuer: Robert Heinrich</a:t>
             </a:r>
           </a:p>
@@ -2203,14 +2203,14 @@
               </a:pPr>
               <a:t>3</a:t>
             </a:fld>
-            <a:endParaRPr lang="de-DE"/>
+            <a:endParaRPr lang="de-DE" dirty="0"/>
           </a:p>
         </p:txBody>
       </p:sp>
     </p:spTree>
     <p:extLst>
       <p:ext uri="{BB962C8B-B14F-4D97-AF65-F5344CB8AC3E}">
-        <p14:creationId xmlns:p14="http://schemas.microsoft.com/office/powerpoint/2010/main" val="902407903"/>
+        <p14:creationId xmlns:p14="http://schemas.microsoft.com/office/powerpoint/2010/main" val="575318107"/>
       </p:ext>
     </p:extLst>
   </p:cSld>
@@ -2287,7 +2287,7 @@
               <a:defRPr/>
             </a:pPr>
             <a:r>
-              <a:rPr lang="de-DE"/>
+              <a:rPr lang="de-DE" dirty="0"/>
               <a:t>29.01.2018</a:t>
             </a:r>
           </a:p>
@@ -2312,7 +2312,7 @@
               <a:defRPr/>
             </a:pPr>
             <a:r>
-              <a:rPr lang="de-DE"/>
+              <a:rPr lang="de-DE" dirty="0"/>
               <a:t>Niko Benkler       Betreuer: Robert Heinrich</a:t>
             </a:r>
           </a:p>
@@ -2343,14 +2343,14 @@
               </a:pPr>
               <a:t>4</a:t>
             </a:fld>
-            <a:endParaRPr lang="de-DE"/>
+            <a:endParaRPr lang="de-DE" dirty="0"/>
           </a:p>
         </p:txBody>
       </p:sp>
     </p:spTree>
     <p:extLst>
       <p:ext uri="{BB962C8B-B14F-4D97-AF65-F5344CB8AC3E}">
-        <p14:creationId xmlns:p14="http://schemas.microsoft.com/office/powerpoint/2010/main" val="759143100"/>
+        <p14:creationId xmlns:p14="http://schemas.microsoft.com/office/powerpoint/2010/main" val="902407903"/>
       </p:ext>
     </p:extLst>
   </p:cSld>
@@ -2427,7 +2427,7 @@
               <a:defRPr/>
             </a:pPr>
             <a:r>
-              <a:rPr lang="de-DE"/>
+              <a:rPr lang="de-DE" dirty="0"/>
               <a:t>29.01.2018</a:t>
             </a:r>
           </a:p>
@@ -2452,7 +2452,7 @@
               <a:defRPr/>
             </a:pPr>
             <a:r>
-              <a:rPr lang="de-DE"/>
+              <a:rPr lang="de-DE" dirty="0"/>
               <a:t>Niko Benkler       Betreuer: Robert Heinrich</a:t>
             </a:r>
           </a:p>
@@ -2483,7 +2483,7 @@
               </a:pPr>
               <a:t>5</a:t>
             </a:fld>
-            <a:endParaRPr lang="de-DE"/>
+            <a:endParaRPr lang="de-DE" dirty="0"/>
           </a:p>
         </p:txBody>
       </p:sp>
@@ -2567,7 +2567,7 @@
               <a:defRPr/>
             </a:pPr>
             <a:r>
-              <a:rPr lang="de-DE"/>
+              <a:rPr lang="de-DE" dirty="0"/>
               <a:t>29.01.2018</a:t>
             </a:r>
           </a:p>
@@ -2592,7 +2592,7 @@
               <a:defRPr/>
             </a:pPr>
             <a:r>
-              <a:rPr lang="de-DE"/>
+              <a:rPr lang="de-DE" dirty="0"/>
               <a:t>Niko Benkler       Betreuer: Robert Heinrich</a:t>
             </a:r>
           </a:p>
@@ -2623,7 +2623,7 @@
               </a:pPr>
               <a:t>6</a:t>
             </a:fld>
-            <a:endParaRPr lang="de-DE"/>
+            <a:endParaRPr lang="de-DE" dirty="0"/>
           </a:p>
         </p:txBody>
       </p:sp>
@@ -2707,7 +2707,7 @@
               <a:defRPr/>
             </a:pPr>
             <a:r>
-              <a:rPr lang="de-DE"/>
+              <a:rPr lang="de-DE" dirty="0"/>
               <a:t>29.01.2018</a:t>
             </a:r>
           </a:p>
@@ -2732,7 +2732,7 @@
               <a:defRPr/>
             </a:pPr>
             <a:r>
-              <a:rPr lang="de-DE"/>
+              <a:rPr lang="de-DE" dirty="0"/>
               <a:t>Niko Benkler       Betreuer: Robert Heinrich</a:t>
             </a:r>
           </a:p>
@@ -2763,7 +2763,7 @@
               </a:pPr>
               <a:t>7</a:t>
             </a:fld>
-            <a:endParaRPr lang="de-DE"/>
+            <a:endParaRPr lang="de-DE" dirty="0"/>
           </a:p>
         </p:txBody>
       </p:sp>
@@ -2847,7 +2847,7 @@
               <a:defRPr/>
             </a:pPr>
             <a:r>
-              <a:rPr lang="de-DE"/>
+              <a:rPr lang="de-DE" dirty="0"/>
               <a:t>29.01.2018</a:t>
             </a:r>
           </a:p>
@@ -2872,7 +2872,7 @@
               <a:defRPr/>
             </a:pPr>
             <a:r>
-              <a:rPr lang="de-DE"/>
+              <a:rPr lang="de-DE" dirty="0"/>
               <a:t>Niko Benkler       Betreuer: Robert Heinrich</a:t>
             </a:r>
           </a:p>
@@ -2903,7 +2903,7 @@
               </a:pPr>
               <a:t>8</a:t>
             </a:fld>
-            <a:endParaRPr lang="de-DE"/>
+            <a:endParaRPr lang="de-DE" dirty="0"/>
           </a:p>
         </p:txBody>
       </p:sp>
@@ -2987,7 +2987,7 @@
               <a:defRPr/>
             </a:pPr>
             <a:r>
-              <a:rPr lang="de-DE"/>
+              <a:rPr lang="de-DE" dirty="0"/>
               <a:t>29.01.2018</a:t>
             </a:r>
           </a:p>
@@ -3012,7 +3012,7 @@
               <a:defRPr/>
             </a:pPr>
             <a:r>
-              <a:rPr lang="de-DE"/>
+              <a:rPr lang="de-DE" dirty="0"/>
               <a:t>Niko Benkler       Betreuer: Robert Heinrich</a:t>
             </a:r>
           </a:p>
@@ -3043,7 +3043,7 @@
               </a:pPr>
               <a:t>9</a:t>
             </a:fld>
-            <a:endParaRPr lang="de-DE"/>
+            <a:endParaRPr lang="de-DE" dirty="0"/>
           </a:p>
         </p:txBody>
       </p:sp>
@@ -3198,7 +3198,7 @@
               <a:t> Research University in </a:t>
             </a:r>
             <a:r>
-              <a:rPr lang="de-DE" sz="800" baseline="0" dirty="0" err="1"/>
+              <a:rPr lang="en-GB" sz="800" baseline="0" noProof="0" dirty="0"/>
               <a:t>the</a:t>
             </a:r>
             <a:r>
@@ -6016,7 +6016,7 @@
               </a:pPr>
               <a:t>‹Nr.›</a:t>
             </a:fld>
-            <a:endParaRPr lang="de-DE" sz="900" b="1"/>
+            <a:endParaRPr lang="de-DE" sz="900" b="1" dirty="0"/>
           </a:p>
         </p:txBody>
       </p:sp>
@@ -6664,7 +6664,7 @@
           <a:bodyPr/>
           <a:lstStyle/>
           <a:p>
-            <a:endParaRPr lang="de-DE" dirty="0"/>
+            <a:endParaRPr lang="en-US" dirty="0"/>
           </a:p>
         </p:txBody>
       </p:sp>
@@ -7061,7 +7061,7 @@
             <a:lstStyle/>
             <a:p>
               <a:pPr algn="ctr"/>
-              <a:endParaRPr lang="de-DE">
+              <a:endParaRPr lang="de-DE" dirty="0">
                 <a:solidFill>
                   <a:schemeClr val="tx1"/>
                 </a:solidFill>
@@ -7109,7 +7109,7 @@
             <a:lstStyle/>
             <a:p>
               <a:pPr algn="ctr"/>
-              <a:endParaRPr lang="de-DE">
+              <a:endParaRPr lang="de-DE" dirty="0">
                 <a:solidFill>
                   <a:schemeClr val="tx1"/>
                 </a:solidFill>
@@ -7209,7 +7209,7 @@
             <a:lstStyle/>
             <a:p>
               <a:pPr algn="ctr"/>
-              <a:endParaRPr lang="de-DE">
+              <a:endParaRPr lang="de-DE" dirty="0">
                 <a:solidFill>
                   <a:schemeClr val="tx1"/>
                 </a:solidFill>
@@ -7300,7 +7300,7 @@
             <a:lstStyle/>
             <a:p>
               <a:pPr algn="ctr"/>
-              <a:endParaRPr lang="de-DE">
+              <a:endParaRPr lang="de-DE" dirty="0">
                 <a:solidFill>
                   <a:schemeClr val="tx1"/>
                 </a:solidFill>
@@ -7354,7 +7354,7 @@
           <a:bodyPr/>
           <a:lstStyle/>
           <a:p>
-            <a:endParaRPr lang="de-DE" dirty="0"/>
+            <a:endParaRPr lang="en-US" dirty="0"/>
           </a:p>
         </p:txBody>
       </p:sp>
@@ -7751,7 +7751,7 @@
             <a:lstStyle/>
             <a:p>
               <a:pPr algn="ctr"/>
-              <a:endParaRPr lang="de-DE">
+              <a:endParaRPr lang="de-DE" dirty="0">
                 <a:solidFill>
                   <a:schemeClr val="tx1"/>
                 </a:solidFill>
@@ -7799,7 +7799,7 @@
             <a:lstStyle/>
             <a:p>
               <a:pPr algn="ctr"/>
-              <a:endParaRPr lang="de-DE">
+              <a:endParaRPr lang="de-DE" dirty="0">
                 <a:solidFill>
                   <a:schemeClr val="tx1"/>
                 </a:solidFill>
@@ -7899,7 +7899,7 @@
             <a:lstStyle/>
             <a:p>
               <a:pPr algn="ctr"/>
-              <a:endParaRPr lang="de-DE">
+              <a:endParaRPr lang="de-DE" dirty="0">
                 <a:solidFill>
                   <a:schemeClr val="tx1"/>
                 </a:solidFill>
@@ -7990,7 +7990,7 @@
             <a:lstStyle/>
             <a:p>
               <a:pPr algn="ctr"/>
-              <a:endParaRPr lang="de-DE">
+              <a:endParaRPr lang="de-DE" dirty="0">
                 <a:solidFill>
                   <a:schemeClr val="tx1"/>
                 </a:solidFill>
@@ -8044,7 +8044,7 @@
           <a:bodyPr/>
           <a:lstStyle/>
           <a:p>
-            <a:endParaRPr lang="de-DE" dirty="0"/>
+            <a:endParaRPr lang="en-US" dirty="0"/>
           </a:p>
         </p:txBody>
       </p:sp>
@@ -8441,7 +8441,7 @@
             <a:lstStyle/>
             <a:p>
               <a:pPr algn="ctr"/>
-              <a:endParaRPr lang="de-DE">
+              <a:endParaRPr lang="de-DE" dirty="0">
                 <a:solidFill>
                   <a:schemeClr val="tx1"/>
                 </a:solidFill>
@@ -8489,7 +8489,7 @@
             <a:lstStyle/>
             <a:p>
               <a:pPr algn="ctr"/>
-              <a:endParaRPr lang="de-DE">
+              <a:endParaRPr lang="de-DE" dirty="0">
                 <a:solidFill>
                   <a:schemeClr val="tx1"/>
                 </a:solidFill>
@@ -8589,7 +8589,7 @@
             <a:lstStyle/>
             <a:p>
               <a:pPr algn="ctr"/>
-              <a:endParaRPr lang="de-DE">
+              <a:endParaRPr lang="de-DE" dirty="0">
                 <a:solidFill>
                   <a:schemeClr val="tx1"/>
                 </a:solidFill>
@@ -8680,7 +8680,7 @@
             <a:lstStyle/>
             <a:p>
               <a:pPr algn="ctr"/>
-              <a:endParaRPr lang="de-DE">
+              <a:endParaRPr lang="de-DE" dirty="0">
                 <a:solidFill>
                   <a:schemeClr val="tx1"/>
                 </a:solidFill>
@@ -8734,7 +8734,7 @@
           <a:bodyPr/>
           <a:lstStyle/>
           <a:p>
-            <a:endParaRPr lang="de-DE" dirty="0"/>
+            <a:endParaRPr lang="en-US" dirty="0"/>
           </a:p>
         </p:txBody>
       </p:sp>
@@ -9131,7 +9131,7 @@
             <a:lstStyle/>
             <a:p>
               <a:pPr algn="ctr"/>
-              <a:endParaRPr lang="de-DE">
+              <a:endParaRPr lang="de-DE" dirty="0">
                 <a:solidFill>
                   <a:schemeClr val="tx1"/>
                 </a:solidFill>
@@ -9179,7 +9179,7 @@
             <a:lstStyle/>
             <a:p>
               <a:pPr algn="ctr"/>
-              <a:endParaRPr lang="de-DE">
+              <a:endParaRPr lang="de-DE" dirty="0">
                 <a:solidFill>
                   <a:schemeClr val="tx1"/>
                 </a:solidFill>
@@ -9279,7 +9279,7 @@
             <a:lstStyle/>
             <a:p>
               <a:pPr algn="ctr"/>
-              <a:endParaRPr lang="de-DE">
+              <a:endParaRPr lang="de-DE" dirty="0">
                 <a:solidFill>
                   <a:schemeClr val="tx1"/>
                 </a:solidFill>
@@ -9370,7 +9370,7 @@
             <a:lstStyle/>
             <a:p>
               <a:pPr algn="ctr"/>
-              <a:endParaRPr lang="de-DE">
+              <a:endParaRPr lang="de-DE" dirty="0">
                 <a:solidFill>
                   <a:schemeClr val="tx1"/>
                 </a:solidFill>
@@ -9424,7 +9424,7 @@
           <a:bodyPr/>
           <a:lstStyle/>
           <a:p>
-            <a:endParaRPr lang="de-DE" dirty="0"/>
+            <a:endParaRPr lang="en-US" dirty="0"/>
           </a:p>
         </p:txBody>
       </p:sp>
@@ -9821,7 +9821,7 @@
             <a:lstStyle/>
             <a:p>
               <a:pPr algn="ctr"/>
-              <a:endParaRPr lang="de-DE">
+              <a:endParaRPr lang="de-DE" dirty="0">
                 <a:solidFill>
                   <a:schemeClr val="tx1"/>
                 </a:solidFill>
@@ -9869,7 +9869,7 @@
             <a:lstStyle/>
             <a:p>
               <a:pPr algn="ctr"/>
-              <a:endParaRPr lang="de-DE">
+              <a:endParaRPr lang="de-DE" dirty="0">
                 <a:solidFill>
                   <a:schemeClr val="tx1"/>
                 </a:solidFill>
@@ -9969,7 +9969,7 @@
             <a:lstStyle/>
             <a:p>
               <a:pPr algn="ctr"/>
-              <a:endParaRPr lang="de-DE">
+              <a:endParaRPr lang="de-DE" dirty="0">
                 <a:solidFill>
                   <a:schemeClr val="tx1"/>
                 </a:solidFill>
@@ -10060,7 +10060,7 @@
             <a:lstStyle/>
             <a:p>
               <a:pPr algn="ctr"/>
-              <a:endParaRPr lang="de-DE">
+              <a:endParaRPr lang="de-DE" dirty="0">
                 <a:solidFill>
                   <a:schemeClr val="tx1"/>
                 </a:solidFill>
@@ -10114,7 +10114,7 @@
           <a:bodyPr/>
           <a:lstStyle/>
           <a:p>
-            <a:endParaRPr lang="de-DE" dirty="0"/>
+            <a:endParaRPr lang="en-US" dirty="0"/>
           </a:p>
         </p:txBody>
       </p:sp>
@@ -10511,7 +10511,7 @@
             <a:lstStyle/>
             <a:p>
               <a:pPr algn="ctr"/>
-              <a:endParaRPr lang="de-DE">
+              <a:endParaRPr lang="de-DE" dirty="0">
                 <a:solidFill>
                   <a:schemeClr val="tx1"/>
                 </a:solidFill>
@@ -10559,7 +10559,7 @@
             <a:lstStyle/>
             <a:p>
               <a:pPr algn="ctr"/>
-              <a:endParaRPr lang="de-DE">
+              <a:endParaRPr lang="de-DE" dirty="0">
                 <a:solidFill>
                   <a:schemeClr val="tx1"/>
                 </a:solidFill>
@@ -10659,7 +10659,7 @@
             <a:lstStyle/>
             <a:p>
               <a:pPr algn="ctr"/>
-              <a:endParaRPr lang="de-DE">
+              <a:endParaRPr lang="de-DE" dirty="0">
                 <a:solidFill>
                   <a:schemeClr val="tx1"/>
                 </a:solidFill>
@@ -10750,7 +10750,7 @@
             <a:lstStyle/>
             <a:p>
               <a:pPr algn="ctr"/>
-              <a:endParaRPr lang="de-DE">
+              <a:endParaRPr lang="de-DE" dirty="0">
                 <a:solidFill>
                   <a:schemeClr val="tx1"/>
                 </a:solidFill>
@@ -11182,7 +11182,7 @@
             <a:lstStyle/>
             <a:p>
               <a:pPr algn="ctr"/>
-              <a:endParaRPr lang="de-DE">
+              <a:endParaRPr lang="de-DE" dirty="0">
                 <a:solidFill>
                   <a:schemeClr val="tx1"/>
                 </a:solidFill>
@@ -11230,7 +11230,7 @@
             <a:lstStyle/>
             <a:p>
               <a:pPr algn="ctr"/>
-              <a:endParaRPr lang="de-DE">
+              <a:endParaRPr lang="de-DE" dirty="0">
                 <a:solidFill>
                   <a:schemeClr val="tx1"/>
                 </a:solidFill>
@@ -11330,7 +11330,7 @@
             <a:lstStyle/>
             <a:p>
               <a:pPr algn="ctr"/>
-              <a:endParaRPr lang="de-DE">
+              <a:endParaRPr lang="de-DE" dirty="0">
                 <a:solidFill>
                   <a:schemeClr val="tx1"/>
                 </a:solidFill>
@@ -11421,7 +11421,7 @@
             <a:lstStyle/>
             <a:p>
               <a:pPr algn="ctr"/>
-              <a:endParaRPr lang="de-DE">
+              <a:endParaRPr lang="de-DE" dirty="0">
                 <a:solidFill>
                   <a:schemeClr val="tx1"/>
                 </a:solidFill>
@@ -11522,7 +11522,10 @@
           <a:bodyPr/>
           <a:lstStyle/>
           <a:p>
-            <a:endParaRPr lang="de-DE" dirty="0"/>
+            <a:r>
+              <a:rPr lang="en-US" dirty="0"/>
+              <a:t>Continuous Software Engineering (CSE)</a:t>
+            </a:r>
           </a:p>
         </p:txBody>
       </p:sp>
@@ -11538,15 +11541,91 @@
         </p:nvSpPr>
         <p:spPr>
           <a:xfrm>
-            <a:off x="392113" y="898923"/>
-            <a:ext cx="8356600" cy="3397698"/>
+            <a:off x="416445" y="498872"/>
+            <a:ext cx="8356600" cy="4028598"/>
           </a:xfrm>
         </p:spPr>
         <p:txBody>
           <a:bodyPr/>
           <a:lstStyle/>
           <a:p>
-            <a:endParaRPr lang="de-DE" dirty="0"/>
+            <a:pPr marL="0" indent="0">
+              <a:buNone/>
+            </a:pPr>
+            <a:endParaRPr lang="en-US" dirty="0"/>
+          </a:p>
+          <a:p>
+            <a:r>
+              <a:rPr lang="en-US" dirty="0"/>
+              <a:t>Software development strategy to deliver software more frequently</a:t>
+            </a:r>
+          </a:p>
+          <a:p>
+            <a:r>
+              <a:rPr lang="en-US" dirty="0"/>
+              <a:t>Practices: </a:t>
+            </a:r>
+          </a:p>
+          <a:p>
+            <a:pPr lvl="1"/>
+            <a:r>
+              <a:rPr lang="en-US" dirty="0"/>
+              <a:t>Continuous Integration (CI)</a:t>
+            </a:r>
+          </a:p>
+          <a:p>
+            <a:pPr lvl="1"/>
+            <a:r>
+              <a:rPr lang="en-US" dirty="0"/>
+              <a:t>Continuous Delivery (CDE)  </a:t>
+            </a:r>
+          </a:p>
+          <a:p>
+            <a:pPr lvl="1"/>
+            <a:r>
+              <a:rPr lang="en-US" dirty="0"/>
+              <a:t>Continuous Deployment (CD)</a:t>
+            </a:r>
+          </a:p>
+          <a:p>
+            <a:r>
+              <a:rPr lang="en-US" dirty="0"/>
+              <a:t>Benefits:</a:t>
+            </a:r>
+          </a:p>
+          <a:p>
+            <a:pPr lvl="1"/>
+            <a:r>
+              <a:rPr lang="en-US" dirty="0"/>
+              <a:t>Reduced time-to-market</a:t>
+            </a:r>
+          </a:p>
+          <a:p>
+            <a:pPr lvl="1"/>
+            <a:r>
+              <a:rPr lang="en-US" dirty="0"/>
+              <a:t>Quick user feedback	</a:t>
+            </a:r>
+          </a:p>
+          <a:p>
+            <a:r>
+              <a:rPr lang="en-US" dirty="0"/>
+              <a:t>Challenges:</a:t>
+            </a:r>
+          </a:p>
+          <a:p>
+            <a:pPr lvl="1"/>
+            <a:r>
+              <a:rPr lang="en-US" dirty="0"/>
+              <a:t>Organizational, Social, Technical, Architectural Challenges</a:t>
+            </a:r>
+          </a:p>
+          <a:p>
+            <a:endParaRPr lang="en-US" dirty="0"/>
+          </a:p>
+          <a:p>
+            <a:pPr lvl="1"/>
+            <a:endParaRPr lang="en-US" dirty="0"/>
           </a:p>
         </p:txBody>
       </p:sp>
@@ -11919,7 +11998,7 @@
             <a:lstStyle/>
             <a:p>
               <a:pPr algn="ctr"/>
-              <a:endParaRPr lang="de-DE">
+              <a:endParaRPr lang="de-DE" dirty="0">
                 <a:solidFill>
                   <a:schemeClr val="tx1"/>
                 </a:solidFill>
@@ -11967,7 +12046,7 @@
             <a:lstStyle/>
             <a:p>
               <a:pPr algn="ctr"/>
-              <a:endParaRPr lang="de-DE">
+              <a:endParaRPr lang="de-DE" dirty="0">
                 <a:solidFill>
                   <a:schemeClr val="tx1"/>
                 </a:solidFill>
@@ -12067,7 +12146,7 @@
             <a:lstStyle/>
             <a:p>
               <a:pPr algn="ctr"/>
-              <a:endParaRPr lang="de-DE">
+              <a:endParaRPr lang="de-DE" dirty="0">
                 <a:solidFill>
                   <a:schemeClr val="tx1"/>
                 </a:solidFill>
@@ -12158,7 +12237,7 @@
             <a:lstStyle/>
             <a:p>
               <a:pPr algn="ctr"/>
-              <a:endParaRPr lang="de-DE">
+              <a:endParaRPr lang="de-DE" dirty="0">
                 <a:solidFill>
                   <a:schemeClr val="tx1"/>
                 </a:solidFill>
@@ -12168,6 +12247,11 @@
         </p:sp>
       </p:grpSp>
     </p:spTree>
+    <p:extLst>
+      <p:ext uri="{BB962C8B-B14F-4D97-AF65-F5344CB8AC3E}">
+        <p14:creationId xmlns:p14="http://schemas.microsoft.com/office/powerpoint/2010/main" val="1363703684"/>
+      </p:ext>
+    </p:extLst>
   </p:cSld>
   <p:clrMapOvr>
     <a:masterClrMapping/>
@@ -12207,7 +12291,2937 @@
           <a:bodyPr/>
           <a:lstStyle/>
           <a:p>
-            <a:endParaRPr lang="de-DE" dirty="0"/>
+            <a:r>
+              <a:rPr lang="en-US" dirty="0"/>
+              <a:t>Continuous Integration (CI)</a:t>
+            </a:r>
+          </a:p>
+        </p:txBody>
+      </p:sp>
+      <p:sp>
+        <p:nvSpPr>
+          <p:cNvPr id="29699" name="Rectangle 3"/>
+          <p:cNvSpPr>
+            <a:spLocks noGrp="1" noChangeArrowheads="1"/>
+          </p:cNvSpPr>
+          <p:nvPr>
+            <p:ph type="body" idx="1"/>
+          </p:nvPr>
+        </p:nvSpPr>
+        <p:spPr>
+          <a:xfrm>
+            <a:off x="392113" y="898923"/>
+            <a:ext cx="8356600" cy="3397698"/>
+          </a:xfrm>
+        </p:spPr>
+        <p:txBody>
+          <a:bodyPr/>
+          <a:lstStyle/>
+          <a:p>
+            <a:r>
+              <a:rPr lang="en-US" dirty="0"/>
+              <a:t>Frequent integration of code into a shared repository</a:t>
+            </a:r>
+          </a:p>
+          <a:p>
+            <a:r>
+              <a:rPr lang="en-US" dirty="0"/>
+              <a:t>Automated builds and tests (Unit tests, regression tests)</a:t>
+            </a:r>
+          </a:p>
+          <a:p>
+            <a:r>
+              <a:rPr lang="en-US" dirty="0"/>
+              <a:t>Code Management and Analysis</a:t>
+            </a:r>
+          </a:p>
+          <a:p>
+            <a:pPr lvl="1"/>
+            <a:r>
+              <a:rPr lang="en-US" dirty="0"/>
+              <a:t>Test coverage</a:t>
+            </a:r>
+          </a:p>
+          <a:p>
+            <a:pPr lvl="1"/>
+            <a:r>
+              <a:rPr lang="en-US" dirty="0"/>
+              <a:t>Coding standards (comments, alignment)</a:t>
+            </a:r>
+          </a:p>
+          <a:p>
+            <a:r>
+              <a:rPr lang="en-US" dirty="0"/>
+              <a:t>Benefits: </a:t>
+            </a:r>
+          </a:p>
+          <a:p>
+            <a:pPr lvl="1"/>
+            <a:r>
+              <a:rPr lang="en-US" dirty="0"/>
+              <a:t>Effective software development process</a:t>
+            </a:r>
+          </a:p>
+          <a:p>
+            <a:pPr lvl="1"/>
+            <a:r>
+              <a:rPr lang="en-US" dirty="0"/>
+              <a:t>Improved software quality</a:t>
+            </a:r>
+          </a:p>
+          <a:p>
+            <a:pPr lvl="1"/>
+            <a:r>
+              <a:rPr lang="en-US" dirty="0"/>
+              <a:t>Software is always in a ready to deploy state</a:t>
+            </a:r>
+          </a:p>
+        </p:txBody>
+      </p:sp>
+      <p:grpSp>
+        <p:nvGrpSpPr>
+          <p:cNvPr id="4" name="Gruppieren 21">
+            <a:extLst>
+              <a:ext uri="{FF2B5EF4-FFF2-40B4-BE49-F238E27FC236}">
+                <a16:creationId xmlns:a16="http://schemas.microsoft.com/office/drawing/2014/main" id="{AA131601-72E5-4228-A286-1E3E6D78B764}"/>
+              </a:ext>
+            </a:extLst>
+          </p:cNvPr>
+          <p:cNvGrpSpPr/>
+          <p:nvPr/>
+        </p:nvGrpSpPr>
+        <p:grpSpPr>
+          <a:xfrm>
+            <a:off x="72000" y="4424179"/>
+            <a:ext cx="9072000" cy="322630"/>
+            <a:chOff x="25400" y="5986694"/>
+            <a:chExt cx="9072000" cy="322630"/>
+          </a:xfrm>
+        </p:grpSpPr>
+        <p:sp>
+          <p:nvSpPr>
+            <p:cNvPr id="5" name="Textfeld 13">
+              <a:extLst>
+                <a:ext uri="{FF2B5EF4-FFF2-40B4-BE49-F238E27FC236}">
+                  <a16:creationId xmlns:a16="http://schemas.microsoft.com/office/drawing/2014/main" id="{2BCE988F-F02A-4D6D-B2E3-D098FA90D670}"/>
+                </a:ext>
+              </a:extLst>
+            </p:cNvPr>
+            <p:cNvSpPr txBox="1"/>
+            <p:nvPr/>
+          </p:nvSpPr>
+          <p:spPr>
+            <a:xfrm>
+              <a:off x="1493183" y="6032322"/>
+              <a:ext cx="554389" cy="276999"/>
+            </a:xfrm>
+            <a:prstGeom prst="rect">
+              <a:avLst/>
+            </a:prstGeom>
+            <a:noFill/>
+            <a:ln>
+              <a:noFill/>
+            </a:ln>
+          </p:spPr>
+          <p:style>
+            <a:lnRef idx="2">
+              <a:schemeClr val="accent3"/>
+            </a:lnRef>
+            <a:fillRef idx="1">
+              <a:schemeClr val="lt1"/>
+            </a:fillRef>
+            <a:effectRef idx="0">
+              <a:schemeClr val="accent3"/>
+            </a:effectRef>
+            <a:fontRef idx="minor">
+              <a:schemeClr val="dk1"/>
+            </a:fontRef>
+          </p:style>
+          <p:txBody>
+            <a:bodyPr wrap="square" rtlCol="0">
+              <a:spAutoFit/>
+            </a:bodyPr>
+            <a:lstStyle/>
+            <a:p>
+              <a:pPr algn="ctr"/>
+              <a:r>
+                <a:rPr lang="en-US" sz="1200" b="1" dirty="0"/>
+                <a:t>CSE</a:t>
+              </a:r>
+            </a:p>
+          </p:txBody>
+        </p:sp>
+        <p:sp>
+          <p:nvSpPr>
+            <p:cNvPr id="6" name="Textfeld 14">
+              <a:extLst>
+                <a:ext uri="{FF2B5EF4-FFF2-40B4-BE49-F238E27FC236}">
+                  <a16:creationId xmlns:a16="http://schemas.microsoft.com/office/drawing/2014/main" id="{C8E64975-DD4E-484D-9EF4-CB11AB9E264F}"/>
+                </a:ext>
+              </a:extLst>
+            </p:cNvPr>
+            <p:cNvSpPr txBox="1"/>
+            <p:nvPr/>
+          </p:nvSpPr>
+          <p:spPr>
+            <a:xfrm>
+              <a:off x="6282440" y="6032325"/>
+              <a:ext cx="949299" cy="276999"/>
+            </a:xfrm>
+            <a:prstGeom prst="rect">
+              <a:avLst/>
+            </a:prstGeom>
+            <a:noFill/>
+            <a:ln>
+              <a:noFill/>
+            </a:ln>
+          </p:spPr>
+          <p:style>
+            <a:lnRef idx="2">
+              <a:schemeClr val="accent3"/>
+            </a:lnRef>
+            <a:fillRef idx="1">
+              <a:schemeClr val="lt1"/>
+            </a:fillRef>
+            <a:effectRef idx="0">
+              <a:schemeClr val="accent3"/>
+            </a:effectRef>
+            <a:fontRef idx="minor">
+              <a:schemeClr val="dk1"/>
+            </a:fontRef>
+          </p:style>
+          <p:txBody>
+            <a:bodyPr wrap="none" rtlCol="0">
+              <a:spAutoFit/>
+            </a:bodyPr>
+            <a:lstStyle/>
+            <a:p>
+              <a:r>
+                <a:rPr lang="en-US" sz="1200" dirty="0"/>
+                <a:t>Challenges</a:t>
+              </a:r>
+            </a:p>
+          </p:txBody>
+        </p:sp>
+        <p:sp>
+          <p:nvSpPr>
+            <p:cNvPr id="7" name="Textfeld 6">
+              <a:extLst>
+                <a:ext uri="{FF2B5EF4-FFF2-40B4-BE49-F238E27FC236}">
+                  <a16:creationId xmlns:a16="http://schemas.microsoft.com/office/drawing/2014/main" id="{5B1D65DE-7E84-4D4A-AD1F-FC54B535CB1E}"/>
+                </a:ext>
+              </a:extLst>
+            </p:cNvPr>
+            <p:cNvSpPr txBox="1"/>
+            <p:nvPr/>
+          </p:nvSpPr>
+          <p:spPr>
+            <a:xfrm>
+              <a:off x="2361122" y="6032320"/>
+              <a:ext cx="1774155" cy="276999"/>
+            </a:xfrm>
+            <a:prstGeom prst="rect">
+              <a:avLst/>
+            </a:prstGeom>
+            <a:noFill/>
+            <a:ln>
+              <a:noFill/>
+            </a:ln>
+          </p:spPr>
+          <p:style>
+            <a:lnRef idx="2">
+              <a:schemeClr val="accent3"/>
+            </a:lnRef>
+            <a:fillRef idx="1">
+              <a:schemeClr val="lt1"/>
+            </a:fillRef>
+            <a:effectRef idx="0">
+              <a:schemeClr val="accent3"/>
+            </a:effectRef>
+            <a:fontRef idx="minor">
+              <a:schemeClr val="dk1"/>
+            </a:fontRef>
+          </p:style>
+          <p:txBody>
+            <a:bodyPr wrap="square" rtlCol="0">
+              <a:spAutoFit/>
+            </a:bodyPr>
+            <a:lstStyle/>
+            <a:p>
+              <a:r>
+                <a:rPr lang="en-US" sz="1200" dirty="0"/>
+                <a:t>The Stairway to Haven</a:t>
+              </a:r>
+            </a:p>
+          </p:txBody>
+        </p:sp>
+        <p:sp>
+          <p:nvSpPr>
+            <p:cNvPr id="8" name="Textfeld 7">
+              <a:extLst>
+                <a:ext uri="{FF2B5EF4-FFF2-40B4-BE49-F238E27FC236}">
+                  <a16:creationId xmlns:a16="http://schemas.microsoft.com/office/drawing/2014/main" id="{8544E219-3395-4D35-AB47-83E797162EF8}"/>
+                </a:ext>
+              </a:extLst>
+            </p:cNvPr>
+            <p:cNvSpPr txBox="1"/>
+            <p:nvPr/>
+          </p:nvSpPr>
+          <p:spPr>
+            <a:xfrm>
+              <a:off x="7763010" y="6032321"/>
+              <a:ext cx="1278028" cy="276999"/>
+            </a:xfrm>
+            <a:prstGeom prst="rect">
+              <a:avLst/>
+            </a:prstGeom>
+            <a:noFill/>
+            <a:ln>
+              <a:noFill/>
+            </a:ln>
+          </p:spPr>
+          <p:style>
+            <a:lnRef idx="2">
+              <a:schemeClr val="accent3"/>
+            </a:lnRef>
+            <a:fillRef idx="1">
+              <a:schemeClr val="lt1"/>
+            </a:fillRef>
+            <a:effectRef idx="0">
+              <a:schemeClr val="accent3"/>
+            </a:effectRef>
+            <a:fontRef idx="minor">
+              <a:schemeClr val="dk1"/>
+            </a:fontRef>
+          </p:style>
+          <p:txBody>
+            <a:bodyPr wrap="square" rtlCol="0">
+              <a:spAutoFit/>
+            </a:bodyPr>
+            <a:lstStyle/>
+            <a:p>
+              <a:r>
+                <a:rPr lang="en-US" sz="1200" dirty="0"/>
+                <a:t>Summary</a:t>
+              </a:r>
+            </a:p>
+          </p:txBody>
+        </p:sp>
+        <p:sp>
+          <p:nvSpPr>
+            <p:cNvPr id="9" name="Textfeld 8">
+              <a:extLst>
+                <a:ext uri="{FF2B5EF4-FFF2-40B4-BE49-F238E27FC236}">
+                  <a16:creationId xmlns:a16="http://schemas.microsoft.com/office/drawing/2014/main" id="{852888F9-9852-4482-8D86-9D678EB085AD}"/>
+                </a:ext>
+              </a:extLst>
+            </p:cNvPr>
+            <p:cNvSpPr txBox="1"/>
+            <p:nvPr/>
+          </p:nvSpPr>
+          <p:spPr>
+            <a:xfrm>
+              <a:off x="179512" y="6032321"/>
+              <a:ext cx="1213939" cy="276999"/>
+            </a:xfrm>
+            <a:prstGeom prst="rect">
+              <a:avLst/>
+            </a:prstGeom>
+            <a:noFill/>
+            <a:ln>
+              <a:noFill/>
+            </a:ln>
+          </p:spPr>
+          <p:style>
+            <a:lnRef idx="2">
+              <a:schemeClr val="accent3"/>
+            </a:lnRef>
+            <a:fillRef idx="1">
+              <a:schemeClr val="lt1"/>
+            </a:fillRef>
+            <a:effectRef idx="0">
+              <a:schemeClr val="accent3"/>
+            </a:effectRef>
+            <a:fontRef idx="minor">
+              <a:schemeClr val="dk1"/>
+            </a:fontRef>
+          </p:style>
+          <p:txBody>
+            <a:bodyPr wrap="square" rtlCol="0">
+              <a:spAutoFit/>
+            </a:bodyPr>
+            <a:lstStyle/>
+            <a:p>
+              <a:r>
+                <a:rPr lang="en-US" sz="1200" dirty="0"/>
+                <a:t>Introduction</a:t>
+              </a:r>
+            </a:p>
+          </p:txBody>
+        </p:sp>
+        <p:sp>
+          <p:nvSpPr>
+            <p:cNvPr id="10" name="Eingekerbter Richtungspfeil 23">
+              <a:extLst>
+                <a:ext uri="{FF2B5EF4-FFF2-40B4-BE49-F238E27FC236}">
+                  <a16:creationId xmlns:a16="http://schemas.microsoft.com/office/drawing/2014/main" id="{C005311E-133F-493F-BFFC-C169B3CA8A86}"/>
+                </a:ext>
+              </a:extLst>
+            </p:cNvPr>
+            <p:cNvSpPr/>
+            <p:nvPr/>
+          </p:nvSpPr>
+          <p:spPr>
+            <a:xfrm>
+              <a:off x="1284399" y="6091574"/>
+              <a:ext cx="158496" cy="158496"/>
+            </a:xfrm>
+            <a:prstGeom prst="chevron">
+              <a:avLst/>
+            </a:prstGeom>
+          </p:spPr>
+          <p:style>
+            <a:lnRef idx="1">
+              <a:schemeClr val="accent4"/>
+            </a:lnRef>
+            <a:fillRef idx="2">
+              <a:schemeClr val="accent4"/>
+            </a:fillRef>
+            <a:effectRef idx="1">
+              <a:schemeClr val="accent4"/>
+            </a:effectRef>
+            <a:fontRef idx="minor">
+              <a:schemeClr val="dk1"/>
+            </a:fontRef>
+          </p:style>
+          <p:txBody>
+            <a:bodyPr rtlCol="0" anchor="ctr"/>
+            <a:lstStyle/>
+            <a:p>
+              <a:pPr algn="ctr"/>
+              <a:endParaRPr lang="de-DE" dirty="0">
+                <a:solidFill>
+                  <a:schemeClr val="tx1"/>
+                </a:solidFill>
+              </a:endParaRPr>
+            </a:p>
+          </p:txBody>
+        </p:sp>
+        <p:sp>
+          <p:nvSpPr>
+            <p:cNvPr id="11" name="Eingekerbter Richtungspfeil 24">
+              <a:extLst>
+                <a:ext uri="{FF2B5EF4-FFF2-40B4-BE49-F238E27FC236}">
+                  <a16:creationId xmlns:a16="http://schemas.microsoft.com/office/drawing/2014/main" id="{13B86617-4353-46AD-97C4-7F02A1BA1B80}"/>
+                </a:ext>
+              </a:extLst>
+            </p:cNvPr>
+            <p:cNvSpPr/>
+            <p:nvPr/>
+          </p:nvSpPr>
+          <p:spPr>
+            <a:xfrm>
+              <a:off x="2052380" y="6091574"/>
+              <a:ext cx="158496" cy="158496"/>
+            </a:xfrm>
+            <a:prstGeom prst="chevron">
+              <a:avLst/>
+            </a:prstGeom>
+          </p:spPr>
+          <p:style>
+            <a:lnRef idx="1">
+              <a:schemeClr val="accent4"/>
+            </a:lnRef>
+            <a:fillRef idx="2">
+              <a:schemeClr val="accent4"/>
+            </a:fillRef>
+            <a:effectRef idx="1">
+              <a:schemeClr val="accent4"/>
+            </a:effectRef>
+            <a:fontRef idx="minor">
+              <a:schemeClr val="dk1"/>
+            </a:fontRef>
+          </p:style>
+          <p:txBody>
+            <a:bodyPr rtlCol="0" anchor="ctr"/>
+            <a:lstStyle/>
+            <a:p>
+              <a:pPr algn="ctr"/>
+              <a:endParaRPr lang="de-DE" dirty="0">
+                <a:solidFill>
+                  <a:schemeClr val="tx1"/>
+                </a:solidFill>
+              </a:endParaRPr>
+            </a:p>
+          </p:txBody>
+        </p:sp>
+        <p:sp>
+          <p:nvSpPr>
+            <p:cNvPr id="12" name="Eingekerbter Richtungspfeil 25">
+              <a:extLst>
+                <a:ext uri="{FF2B5EF4-FFF2-40B4-BE49-F238E27FC236}">
+                  <a16:creationId xmlns:a16="http://schemas.microsoft.com/office/drawing/2014/main" id="{40D0FAF6-EB9E-4EEF-BCBE-972523E34CB7}"/>
+                </a:ext>
+              </a:extLst>
+            </p:cNvPr>
+            <p:cNvSpPr/>
+            <p:nvPr/>
+          </p:nvSpPr>
+          <p:spPr>
+            <a:xfrm>
+              <a:off x="4116879" y="6091574"/>
+              <a:ext cx="158496" cy="158496"/>
+            </a:xfrm>
+            <a:prstGeom prst="chevron">
+              <a:avLst/>
+            </a:prstGeom>
+          </p:spPr>
+          <p:style>
+            <a:lnRef idx="1">
+              <a:schemeClr val="accent4"/>
+            </a:lnRef>
+            <a:fillRef idx="2">
+              <a:schemeClr val="accent4"/>
+            </a:fillRef>
+            <a:effectRef idx="1">
+              <a:schemeClr val="accent4"/>
+            </a:effectRef>
+            <a:fontRef idx="minor">
+              <a:schemeClr val="dk1"/>
+            </a:fontRef>
+          </p:style>
+          <p:txBody>
+            <a:bodyPr rtlCol="0" anchor="ctr"/>
+            <a:lstStyle/>
+            <a:p>
+              <a:pPr algn="ctr"/>
+              <a:endParaRPr lang="de-DE" dirty="0">
+                <a:solidFill>
+                  <a:schemeClr val="tx1"/>
+                </a:solidFill>
+              </a:endParaRPr>
+            </a:p>
+          </p:txBody>
+        </p:sp>
+        <p:sp>
+          <p:nvSpPr>
+            <p:cNvPr id="13" name="Textfeld 12">
+              <a:extLst>
+                <a:ext uri="{FF2B5EF4-FFF2-40B4-BE49-F238E27FC236}">
+                  <a16:creationId xmlns:a16="http://schemas.microsoft.com/office/drawing/2014/main" id="{6910B1B0-7848-461D-A8EE-494297AF2C2C}"/>
+                </a:ext>
+              </a:extLst>
+            </p:cNvPr>
+            <p:cNvSpPr txBox="1"/>
+            <p:nvPr/>
+          </p:nvSpPr>
+          <p:spPr>
+            <a:xfrm>
+              <a:off x="4324070" y="6032320"/>
+              <a:ext cx="1588897" cy="276999"/>
+            </a:xfrm>
+            <a:prstGeom prst="rect">
+              <a:avLst/>
+            </a:prstGeom>
+            <a:noFill/>
+            <a:ln>
+              <a:noFill/>
+            </a:ln>
+          </p:spPr>
+          <p:style>
+            <a:lnRef idx="2">
+              <a:schemeClr val="accent3"/>
+            </a:lnRef>
+            <a:fillRef idx="1">
+              <a:schemeClr val="lt1"/>
+            </a:fillRef>
+            <a:effectRef idx="0">
+              <a:schemeClr val="accent3"/>
+            </a:effectRef>
+            <a:fontRef idx="minor">
+              <a:schemeClr val="dk1"/>
+            </a:fontRef>
+          </p:style>
+          <p:txBody>
+            <a:bodyPr wrap="none" rtlCol="0">
+              <a:spAutoFit/>
+            </a:bodyPr>
+            <a:lstStyle/>
+            <a:p>
+              <a:r>
+                <a:rPr lang="en-US" sz="1200" dirty="0"/>
+                <a:t>Deployment Pipeline</a:t>
+              </a:r>
+            </a:p>
+          </p:txBody>
+        </p:sp>
+        <p:sp>
+          <p:nvSpPr>
+            <p:cNvPr id="14" name="Eingekerbter Richtungspfeil 27">
+              <a:extLst>
+                <a:ext uri="{FF2B5EF4-FFF2-40B4-BE49-F238E27FC236}">
+                  <a16:creationId xmlns:a16="http://schemas.microsoft.com/office/drawing/2014/main" id="{C8C6383D-EFF4-4F8F-B7E7-55AA85D1E860}"/>
+                </a:ext>
+              </a:extLst>
+            </p:cNvPr>
+            <p:cNvSpPr/>
+            <p:nvPr/>
+          </p:nvSpPr>
+          <p:spPr>
+            <a:xfrm>
+              <a:off x="7320057" y="6091577"/>
+              <a:ext cx="158496" cy="158496"/>
+            </a:xfrm>
+            <a:prstGeom prst="chevron">
+              <a:avLst/>
+            </a:prstGeom>
+          </p:spPr>
+          <p:style>
+            <a:lnRef idx="1">
+              <a:schemeClr val="accent4"/>
+            </a:lnRef>
+            <a:fillRef idx="2">
+              <a:schemeClr val="accent4"/>
+            </a:fillRef>
+            <a:effectRef idx="1">
+              <a:schemeClr val="accent4"/>
+            </a:effectRef>
+            <a:fontRef idx="minor">
+              <a:schemeClr val="dk1"/>
+            </a:fontRef>
+          </p:style>
+          <p:txBody>
+            <a:bodyPr rtlCol="0" anchor="ctr"/>
+            <a:lstStyle/>
+            <a:p>
+              <a:pPr algn="ctr"/>
+              <a:endParaRPr lang="de-DE" dirty="0">
+                <a:solidFill>
+                  <a:schemeClr val="tx1"/>
+                </a:solidFill>
+              </a:endParaRPr>
+            </a:p>
+          </p:txBody>
+        </p:sp>
+        <p:cxnSp>
+          <p:nvCxnSpPr>
+            <p:cNvPr id="15" name="Gerade Verbindung 28">
+              <a:extLst>
+                <a:ext uri="{FF2B5EF4-FFF2-40B4-BE49-F238E27FC236}">
+                  <a16:creationId xmlns:a16="http://schemas.microsoft.com/office/drawing/2014/main" id="{BE0E1948-1999-44A0-B261-866A1DF5995B}"/>
+                </a:ext>
+              </a:extLst>
+            </p:cNvPr>
+            <p:cNvCxnSpPr/>
+            <p:nvPr/>
+          </p:nvCxnSpPr>
+          <p:spPr>
+            <a:xfrm>
+              <a:off x="25400" y="5986694"/>
+              <a:ext cx="9072000" cy="1588"/>
+            </a:xfrm>
+            <a:prstGeom prst="line">
+              <a:avLst/>
+            </a:prstGeom>
+            <a:ln w="41275">
+              <a:solidFill>
+                <a:schemeClr val="accent3">
+                  <a:lumMod val="85000"/>
+                </a:schemeClr>
+              </a:solidFill>
+            </a:ln>
+          </p:spPr>
+          <p:style>
+            <a:lnRef idx="1">
+              <a:schemeClr val="accent1"/>
+            </a:lnRef>
+            <a:fillRef idx="0">
+              <a:schemeClr val="accent1"/>
+            </a:fillRef>
+            <a:effectRef idx="0">
+              <a:schemeClr val="accent1"/>
+            </a:effectRef>
+            <a:fontRef idx="minor">
+              <a:schemeClr val="tx1"/>
+            </a:fontRef>
+          </p:style>
+        </p:cxnSp>
+        <p:sp>
+          <p:nvSpPr>
+            <p:cNvPr id="16" name="Eingekerbter Richtungspfeil 29">
+              <a:extLst>
+                <a:ext uri="{FF2B5EF4-FFF2-40B4-BE49-F238E27FC236}">
+                  <a16:creationId xmlns:a16="http://schemas.microsoft.com/office/drawing/2014/main" id="{A4600029-E40B-4FAC-BDEA-4C82CFF469F9}"/>
+                </a:ext>
+              </a:extLst>
+            </p:cNvPr>
+            <p:cNvSpPr/>
+            <p:nvPr/>
+          </p:nvSpPr>
+          <p:spPr>
+            <a:xfrm>
+              <a:off x="5925672" y="6091576"/>
+              <a:ext cx="158496" cy="158496"/>
+            </a:xfrm>
+            <a:prstGeom prst="chevron">
+              <a:avLst/>
+            </a:prstGeom>
+          </p:spPr>
+          <p:style>
+            <a:lnRef idx="1">
+              <a:schemeClr val="accent4"/>
+            </a:lnRef>
+            <a:fillRef idx="2">
+              <a:schemeClr val="accent4"/>
+            </a:fillRef>
+            <a:effectRef idx="1">
+              <a:schemeClr val="accent4"/>
+            </a:effectRef>
+            <a:fontRef idx="minor">
+              <a:schemeClr val="dk1"/>
+            </a:fontRef>
+          </p:style>
+          <p:txBody>
+            <a:bodyPr rtlCol="0" anchor="ctr"/>
+            <a:lstStyle/>
+            <a:p>
+              <a:pPr algn="ctr"/>
+              <a:endParaRPr lang="de-DE" dirty="0">
+                <a:solidFill>
+                  <a:schemeClr val="tx1"/>
+                </a:solidFill>
+              </a:endParaRPr>
+            </a:p>
+          </p:txBody>
+        </p:sp>
+      </p:grpSp>
+    </p:spTree>
+  </p:cSld>
+  <p:clrMapOvr>
+    <a:masterClrMapping/>
+  </p:clrMapOvr>
+</p:sld>
+</file>
+
+<file path=ppt/slides/slide4.xml><?xml version="1.0" encoding="utf-8"?>
+<p:sld xmlns:a="http://schemas.openxmlformats.org/drawingml/2006/main" xmlns:r="http://schemas.openxmlformats.org/officeDocument/2006/relationships" xmlns:p="http://schemas.openxmlformats.org/presentationml/2006/main">
+  <p:cSld>
+    <p:spTree>
+      <p:nvGrpSpPr>
+        <p:cNvPr id="1" name=""/>
+        <p:cNvGrpSpPr/>
+        <p:nvPr/>
+      </p:nvGrpSpPr>
+      <p:grpSpPr>
+        <a:xfrm>
+          <a:off x="0" y="0"/>
+          <a:ext cx="0" cy="0"/>
+          <a:chOff x="0" y="0"/>
+          <a:chExt cx="0" cy="0"/>
+        </a:xfrm>
+      </p:grpSpPr>
+      <p:sp>
+        <p:nvSpPr>
+          <p:cNvPr id="29698" name="Rectangle 2"/>
+          <p:cNvSpPr>
+            <a:spLocks noGrp="1" noChangeArrowheads="1"/>
+          </p:cNvSpPr>
+          <p:nvPr>
+            <p:ph type="title"/>
+          </p:nvPr>
+        </p:nvSpPr>
+        <p:spPr/>
+        <p:txBody>
+          <a:bodyPr/>
+          <a:lstStyle/>
+          <a:p>
+            <a:r>
+              <a:rPr lang="en-US" dirty="0"/>
+              <a:t>Continuous </a:t>
+            </a:r>
+            <a:r>
+              <a:rPr lang="en-US" noProof="0" dirty="0"/>
+              <a:t>Delivery (CDE)</a:t>
+            </a:r>
+          </a:p>
+        </p:txBody>
+      </p:sp>
+      <p:sp>
+        <p:nvSpPr>
+          <p:cNvPr id="29699" name="Rectangle 3"/>
+          <p:cNvSpPr>
+            <a:spLocks noGrp="1" noChangeArrowheads="1"/>
+          </p:cNvSpPr>
+          <p:nvPr>
+            <p:ph type="body" idx="1"/>
+          </p:nvPr>
+        </p:nvSpPr>
+        <p:spPr>
+          <a:xfrm>
+            <a:off x="392113" y="898923"/>
+            <a:ext cx="8356600" cy="3397698"/>
+          </a:xfrm>
+        </p:spPr>
+        <p:txBody>
+          <a:bodyPr/>
+          <a:lstStyle/>
+          <a:p>
+            <a:r>
+              <a:rPr lang="en-US" dirty="0"/>
+              <a:t>Development practice to automatically deploy and deliver software </a:t>
+            </a:r>
+          </a:p>
+          <a:p>
+            <a:r>
+              <a:rPr lang="en-US" dirty="0"/>
+              <a:t>Pull-based approach: Software can be released to production at any time</a:t>
+            </a:r>
+          </a:p>
+          <a:p>
+            <a:r>
+              <a:rPr lang="en-US" dirty="0"/>
+              <a:t>Integration, acceptance and performance tests possible</a:t>
+            </a:r>
+          </a:p>
+          <a:p>
+            <a:r>
+              <a:rPr lang="en-US" dirty="0"/>
+              <a:t>CI is a precondition</a:t>
+            </a:r>
+          </a:p>
+          <a:p>
+            <a:r>
+              <a:rPr lang="en-US" dirty="0"/>
+              <a:t>Benefits:</a:t>
+            </a:r>
+          </a:p>
+          <a:p>
+            <a:pPr lvl="1"/>
+            <a:r>
+              <a:rPr lang="en-US" dirty="0"/>
+              <a:t>Automatic release process reduces risks</a:t>
+            </a:r>
+          </a:p>
+          <a:p>
+            <a:pPr lvl="1"/>
+            <a:r>
+              <a:rPr lang="en-US" dirty="0"/>
+              <a:t>Learning from real usage data</a:t>
+            </a:r>
+          </a:p>
+          <a:p>
+            <a:pPr lvl="1"/>
+            <a:r>
+              <a:rPr lang="en-US" dirty="0"/>
+              <a:t>Building the right product</a:t>
+            </a:r>
+          </a:p>
+          <a:p>
+            <a:pPr lvl="1"/>
+            <a:endParaRPr lang="en-US" dirty="0"/>
+          </a:p>
+        </p:txBody>
+      </p:sp>
+      <p:grpSp>
+        <p:nvGrpSpPr>
+          <p:cNvPr id="4" name="Gruppieren 21">
+            <a:extLst>
+              <a:ext uri="{FF2B5EF4-FFF2-40B4-BE49-F238E27FC236}">
+                <a16:creationId xmlns:a16="http://schemas.microsoft.com/office/drawing/2014/main" id="{AA131601-72E5-4228-A286-1E3E6D78B764}"/>
+              </a:ext>
+            </a:extLst>
+          </p:cNvPr>
+          <p:cNvGrpSpPr/>
+          <p:nvPr/>
+        </p:nvGrpSpPr>
+        <p:grpSpPr>
+          <a:xfrm>
+            <a:off x="72000" y="4424179"/>
+            <a:ext cx="9072000" cy="322630"/>
+            <a:chOff x="25400" y="5986694"/>
+            <a:chExt cx="9072000" cy="322630"/>
+          </a:xfrm>
+        </p:grpSpPr>
+        <p:sp>
+          <p:nvSpPr>
+            <p:cNvPr id="5" name="Textfeld 13">
+              <a:extLst>
+                <a:ext uri="{FF2B5EF4-FFF2-40B4-BE49-F238E27FC236}">
+                  <a16:creationId xmlns:a16="http://schemas.microsoft.com/office/drawing/2014/main" id="{2BCE988F-F02A-4D6D-B2E3-D098FA90D670}"/>
+                </a:ext>
+              </a:extLst>
+            </p:cNvPr>
+            <p:cNvSpPr txBox="1"/>
+            <p:nvPr/>
+          </p:nvSpPr>
+          <p:spPr>
+            <a:xfrm>
+              <a:off x="1493183" y="6032322"/>
+              <a:ext cx="554389" cy="276999"/>
+            </a:xfrm>
+            <a:prstGeom prst="rect">
+              <a:avLst/>
+            </a:prstGeom>
+            <a:noFill/>
+            <a:ln>
+              <a:noFill/>
+            </a:ln>
+          </p:spPr>
+          <p:style>
+            <a:lnRef idx="2">
+              <a:schemeClr val="accent3"/>
+            </a:lnRef>
+            <a:fillRef idx="1">
+              <a:schemeClr val="lt1"/>
+            </a:fillRef>
+            <a:effectRef idx="0">
+              <a:schemeClr val="accent3"/>
+            </a:effectRef>
+            <a:fontRef idx="minor">
+              <a:schemeClr val="dk1"/>
+            </a:fontRef>
+          </p:style>
+          <p:txBody>
+            <a:bodyPr wrap="square" rtlCol="0">
+              <a:spAutoFit/>
+            </a:bodyPr>
+            <a:lstStyle/>
+            <a:p>
+              <a:pPr algn="ctr"/>
+              <a:r>
+                <a:rPr lang="en-US" sz="1200" b="1" dirty="0"/>
+                <a:t>CSE</a:t>
+              </a:r>
+            </a:p>
+          </p:txBody>
+        </p:sp>
+        <p:sp>
+          <p:nvSpPr>
+            <p:cNvPr id="6" name="Textfeld 14">
+              <a:extLst>
+                <a:ext uri="{FF2B5EF4-FFF2-40B4-BE49-F238E27FC236}">
+                  <a16:creationId xmlns:a16="http://schemas.microsoft.com/office/drawing/2014/main" id="{C8E64975-DD4E-484D-9EF4-CB11AB9E264F}"/>
+                </a:ext>
+              </a:extLst>
+            </p:cNvPr>
+            <p:cNvSpPr txBox="1"/>
+            <p:nvPr/>
+          </p:nvSpPr>
+          <p:spPr>
+            <a:xfrm>
+              <a:off x="6282440" y="6032325"/>
+              <a:ext cx="949299" cy="276999"/>
+            </a:xfrm>
+            <a:prstGeom prst="rect">
+              <a:avLst/>
+            </a:prstGeom>
+            <a:noFill/>
+            <a:ln>
+              <a:noFill/>
+            </a:ln>
+          </p:spPr>
+          <p:style>
+            <a:lnRef idx="2">
+              <a:schemeClr val="accent3"/>
+            </a:lnRef>
+            <a:fillRef idx="1">
+              <a:schemeClr val="lt1"/>
+            </a:fillRef>
+            <a:effectRef idx="0">
+              <a:schemeClr val="accent3"/>
+            </a:effectRef>
+            <a:fontRef idx="minor">
+              <a:schemeClr val="dk1"/>
+            </a:fontRef>
+          </p:style>
+          <p:txBody>
+            <a:bodyPr wrap="none" rtlCol="0">
+              <a:spAutoFit/>
+            </a:bodyPr>
+            <a:lstStyle/>
+            <a:p>
+              <a:r>
+                <a:rPr lang="en-US" sz="1200" dirty="0"/>
+                <a:t>Challenges</a:t>
+              </a:r>
+            </a:p>
+          </p:txBody>
+        </p:sp>
+        <p:sp>
+          <p:nvSpPr>
+            <p:cNvPr id="7" name="Textfeld 6">
+              <a:extLst>
+                <a:ext uri="{FF2B5EF4-FFF2-40B4-BE49-F238E27FC236}">
+                  <a16:creationId xmlns:a16="http://schemas.microsoft.com/office/drawing/2014/main" id="{5B1D65DE-7E84-4D4A-AD1F-FC54B535CB1E}"/>
+                </a:ext>
+              </a:extLst>
+            </p:cNvPr>
+            <p:cNvSpPr txBox="1"/>
+            <p:nvPr/>
+          </p:nvSpPr>
+          <p:spPr>
+            <a:xfrm>
+              <a:off x="2361122" y="6032320"/>
+              <a:ext cx="1774155" cy="276999"/>
+            </a:xfrm>
+            <a:prstGeom prst="rect">
+              <a:avLst/>
+            </a:prstGeom>
+            <a:noFill/>
+            <a:ln>
+              <a:noFill/>
+            </a:ln>
+          </p:spPr>
+          <p:style>
+            <a:lnRef idx="2">
+              <a:schemeClr val="accent3"/>
+            </a:lnRef>
+            <a:fillRef idx="1">
+              <a:schemeClr val="lt1"/>
+            </a:fillRef>
+            <a:effectRef idx="0">
+              <a:schemeClr val="accent3"/>
+            </a:effectRef>
+            <a:fontRef idx="minor">
+              <a:schemeClr val="dk1"/>
+            </a:fontRef>
+          </p:style>
+          <p:txBody>
+            <a:bodyPr wrap="square" rtlCol="0">
+              <a:spAutoFit/>
+            </a:bodyPr>
+            <a:lstStyle/>
+            <a:p>
+              <a:r>
+                <a:rPr lang="en-US" sz="1200" dirty="0"/>
+                <a:t>The Stairway to Haven</a:t>
+              </a:r>
+            </a:p>
+          </p:txBody>
+        </p:sp>
+        <p:sp>
+          <p:nvSpPr>
+            <p:cNvPr id="8" name="Textfeld 7">
+              <a:extLst>
+                <a:ext uri="{FF2B5EF4-FFF2-40B4-BE49-F238E27FC236}">
+                  <a16:creationId xmlns:a16="http://schemas.microsoft.com/office/drawing/2014/main" id="{8544E219-3395-4D35-AB47-83E797162EF8}"/>
+                </a:ext>
+              </a:extLst>
+            </p:cNvPr>
+            <p:cNvSpPr txBox="1"/>
+            <p:nvPr/>
+          </p:nvSpPr>
+          <p:spPr>
+            <a:xfrm>
+              <a:off x="7763010" y="6032321"/>
+              <a:ext cx="1278028" cy="276999"/>
+            </a:xfrm>
+            <a:prstGeom prst="rect">
+              <a:avLst/>
+            </a:prstGeom>
+            <a:noFill/>
+            <a:ln>
+              <a:noFill/>
+            </a:ln>
+          </p:spPr>
+          <p:style>
+            <a:lnRef idx="2">
+              <a:schemeClr val="accent3"/>
+            </a:lnRef>
+            <a:fillRef idx="1">
+              <a:schemeClr val="lt1"/>
+            </a:fillRef>
+            <a:effectRef idx="0">
+              <a:schemeClr val="accent3"/>
+            </a:effectRef>
+            <a:fontRef idx="minor">
+              <a:schemeClr val="dk1"/>
+            </a:fontRef>
+          </p:style>
+          <p:txBody>
+            <a:bodyPr wrap="square" rtlCol="0">
+              <a:spAutoFit/>
+            </a:bodyPr>
+            <a:lstStyle/>
+            <a:p>
+              <a:r>
+                <a:rPr lang="en-US" sz="1200" dirty="0"/>
+                <a:t>Summary</a:t>
+              </a:r>
+            </a:p>
+          </p:txBody>
+        </p:sp>
+        <p:sp>
+          <p:nvSpPr>
+            <p:cNvPr id="9" name="Textfeld 8">
+              <a:extLst>
+                <a:ext uri="{FF2B5EF4-FFF2-40B4-BE49-F238E27FC236}">
+                  <a16:creationId xmlns:a16="http://schemas.microsoft.com/office/drawing/2014/main" id="{852888F9-9852-4482-8D86-9D678EB085AD}"/>
+                </a:ext>
+              </a:extLst>
+            </p:cNvPr>
+            <p:cNvSpPr txBox="1"/>
+            <p:nvPr/>
+          </p:nvSpPr>
+          <p:spPr>
+            <a:xfrm>
+              <a:off x="179512" y="6032321"/>
+              <a:ext cx="1213939" cy="276999"/>
+            </a:xfrm>
+            <a:prstGeom prst="rect">
+              <a:avLst/>
+            </a:prstGeom>
+            <a:noFill/>
+            <a:ln>
+              <a:noFill/>
+            </a:ln>
+          </p:spPr>
+          <p:style>
+            <a:lnRef idx="2">
+              <a:schemeClr val="accent3"/>
+            </a:lnRef>
+            <a:fillRef idx="1">
+              <a:schemeClr val="lt1"/>
+            </a:fillRef>
+            <a:effectRef idx="0">
+              <a:schemeClr val="accent3"/>
+            </a:effectRef>
+            <a:fontRef idx="minor">
+              <a:schemeClr val="dk1"/>
+            </a:fontRef>
+          </p:style>
+          <p:txBody>
+            <a:bodyPr wrap="square" rtlCol="0">
+              <a:spAutoFit/>
+            </a:bodyPr>
+            <a:lstStyle/>
+            <a:p>
+              <a:r>
+                <a:rPr lang="en-US" sz="1200" dirty="0"/>
+                <a:t>Introduction</a:t>
+              </a:r>
+            </a:p>
+          </p:txBody>
+        </p:sp>
+        <p:sp>
+          <p:nvSpPr>
+            <p:cNvPr id="10" name="Eingekerbter Richtungspfeil 23">
+              <a:extLst>
+                <a:ext uri="{FF2B5EF4-FFF2-40B4-BE49-F238E27FC236}">
+                  <a16:creationId xmlns:a16="http://schemas.microsoft.com/office/drawing/2014/main" id="{C005311E-133F-493F-BFFC-C169B3CA8A86}"/>
+                </a:ext>
+              </a:extLst>
+            </p:cNvPr>
+            <p:cNvSpPr/>
+            <p:nvPr/>
+          </p:nvSpPr>
+          <p:spPr>
+            <a:xfrm>
+              <a:off x="1284399" y="6091574"/>
+              <a:ext cx="158496" cy="158496"/>
+            </a:xfrm>
+            <a:prstGeom prst="chevron">
+              <a:avLst/>
+            </a:prstGeom>
+          </p:spPr>
+          <p:style>
+            <a:lnRef idx="1">
+              <a:schemeClr val="accent4"/>
+            </a:lnRef>
+            <a:fillRef idx="2">
+              <a:schemeClr val="accent4"/>
+            </a:fillRef>
+            <a:effectRef idx="1">
+              <a:schemeClr val="accent4"/>
+            </a:effectRef>
+            <a:fontRef idx="minor">
+              <a:schemeClr val="dk1"/>
+            </a:fontRef>
+          </p:style>
+          <p:txBody>
+            <a:bodyPr rtlCol="0" anchor="ctr"/>
+            <a:lstStyle/>
+            <a:p>
+              <a:pPr algn="ctr"/>
+              <a:endParaRPr lang="de-DE" dirty="0">
+                <a:solidFill>
+                  <a:schemeClr val="tx1"/>
+                </a:solidFill>
+              </a:endParaRPr>
+            </a:p>
+          </p:txBody>
+        </p:sp>
+        <p:sp>
+          <p:nvSpPr>
+            <p:cNvPr id="11" name="Eingekerbter Richtungspfeil 24">
+              <a:extLst>
+                <a:ext uri="{FF2B5EF4-FFF2-40B4-BE49-F238E27FC236}">
+                  <a16:creationId xmlns:a16="http://schemas.microsoft.com/office/drawing/2014/main" id="{13B86617-4353-46AD-97C4-7F02A1BA1B80}"/>
+                </a:ext>
+              </a:extLst>
+            </p:cNvPr>
+            <p:cNvSpPr/>
+            <p:nvPr/>
+          </p:nvSpPr>
+          <p:spPr>
+            <a:xfrm>
+              <a:off x="2052380" y="6091574"/>
+              <a:ext cx="158496" cy="158496"/>
+            </a:xfrm>
+            <a:prstGeom prst="chevron">
+              <a:avLst/>
+            </a:prstGeom>
+          </p:spPr>
+          <p:style>
+            <a:lnRef idx="1">
+              <a:schemeClr val="accent4"/>
+            </a:lnRef>
+            <a:fillRef idx="2">
+              <a:schemeClr val="accent4"/>
+            </a:fillRef>
+            <a:effectRef idx="1">
+              <a:schemeClr val="accent4"/>
+            </a:effectRef>
+            <a:fontRef idx="minor">
+              <a:schemeClr val="dk1"/>
+            </a:fontRef>
+          </p:style>
+          <p:txBody>
+            <a:bodyPr rtlCol="0" anchor="ctr"/>
+            <a:lstStyle/>
+            <a:p>
+              <a:pPr algn="ctr"/>
+              <a:endParaRPr lang="de-DE" dirty="0">
+                <a:solidFill>
+                  <a:schemeClr val="tx1"/>
+                </a:solidFill>
+              </a:endParaRPr>
+            </a:p>
+          </p:txBody>
+        </p:sp>
+        <p:sp>
+          <p:nvSpPr>
+            <p:cNvPr id="12" name="Eingekerbter Richtungspfeil 25">
+              <a:extLst>
+                <a:ext uri="{FF2B5EF4-FFF2-40B4-BE49-F238E27FC236}">
+                  <a16:creationId xmlns:a16="http://schemas.microsoft.com/office/drawing/2014/main" id="{40D0FAF6-EB9E-4EEF-BCBE-972523E34CB7}"/>
+                </a:ext>
+              </a:extLst>
+            </p:cNvPr>
+            <p:cNvSpPr/>
+            <p:nvPr/>
+          </p:nvSpPr>
+          <p:spPr>
+            <a:xfrm>
+              <a:off x="4116879" y="6091574"/>
+              <a:ext cx="158496" cy="158496"/>
+            </a:xfrm>
+            <a:prstGeom prst="chevron">
+              <a:avLst/>
+            </a:prstGeom>
+          </p:spPr>
+          <p:style>
+            <a:lnRef idx="1">
+              <a:schemeClr val="accent4"/>
+            </a:lnRef>
+            <a:fillRef idx="2">
+              <a:schemeClr val="accent4"/>
+            </a:fillRef>
+            <a:effectRef idx="1">
+              <a:schemeClr val="accent4"/>
+            </a:effectRef>
+            <a:fontRef idx="minor">
+              <a:schemeClr val="dk1"/>
+            </a:fontRef>
+          </p:style>
+          <p:txBody>
+            <a:bodyPr rtlCol="0" anchor="ctr"/>
+            <a:lstStyle/>
+            <a:p>
+              <a:pPr algn="ctr"/>
+              <a:endParaRPr lang="de-DE" dirty="0">
+                <a:solidFill>
+                  <a:schemeClr val="tx1"/>
+                </a:solidFill>
+              </a:endParaRPr>
+            </a:p>
+          </p:txBody>
+        </p:sp>
+        <p:sp>
+          <p:nvSpPr>
+            <p:cNvPr id="13" name="Textfeld 12">
+              <a:extLst>
+                <a:ext uri="{FF2B5EF4-FFF2-40B4-BE49-F238E27FC236}">
+                  <a16:creationId xmlns:a16="http://schemas.microsoft.com/office/drawing/2014/main" id="{6910B1B0-7848-461D-A8EE-494297AF2C2C}"/>
+                </a:ext>
+              </a:extLst>
+            </p:cNvPr>
+            <p:cNvSpPr txBox="1"/>
+            <p:nvPr/>
+          </p:nvSpPr>
+          <p:spPr>
+            <a:xfrm>
+              <a:off x="4324070" y="6032320"/>
+              <a:ext cx="1588897" cy="276999"/>
+            </a:xfrm>
+            <a:prstGeom prst="rect">
+              <a:avLst/>
+            </a:prstGeom>
+            <a:noFill/>
+            <a:ln>
+              <a:noFill/>
+            </a:ln>
+          </p:spPr>
+          <p:style>
+            <a:lnRef idx="2">
+              <a:schemeClr val="accent3"/>
+            </a:lnRef>
+            <a:fillRef idx="1">
+              <a:schemeClr val="lt1"/>
+            </a:fillRef>
+            <a:effectRef idx="0">
+              <a:schemeClr val="accent3"/>
+            </a:effectRef>
+            <a:fontRef idx="minor">
+              <a:schemeClr val="dk1"/>
+            </a:fontRef>
+          </p:style>
+          <p:txBody>
+            <a:bodyPr wrap="none" rtlCol="0">
+              <a:spAutoFit/>
+            </a:bodyPr>
+            <a:lstStyle/>
+            <a:p>
+              <a:r>
+                <a:rPr lang="en-US" sz="1200" dirty="0"/>
+                <a:t>Deployment Pipeline</a:t>
+              </a:r>
+            </a:p>
+          </p:txBody>
+        </p:sp>
+        <p:sp>
+          <p:nvSpPr>
+            <p:cNvPr id="14" name="Eingekerbter Richtungspfeil 27">
+              <a:extLst>
+                <a:ext uri="{FF2B5EF4-FFF2-40B4-BE49-F238E27FC236}">
+                  <a16:creationId xmlns:a16="http://schemas.microsoft.com/office/drawing/2014/main" id="{C8C6383D-EFF4-4F8F-B7E7-55AA85D1E860}"/>
+                </a:ext>
+              </a:extLst>
+            </p:cNvPr>
+            <p:cNvSpPr/>
+            <p:nvPr/>
+          </p:nvSpPr>
+          <p:spPr>
+            <a:xfrm>
+              <a:off x="7320057" y="6091577"/>
+              <a:ext cx="158496" cy="158496"/>
+            </a:xfrm>
+            <a:prstGeom prst="chevron">
+              <a:avLst/>
+            </a:prstGeom>
+          </p:spPr>
+          <p:style>
+            <a:lnRef idx="1">
+              <a:schemeClr val="accent4"/>
+            </a:lnRef>
+            <a:fillRef idx="2">
+              <a:schemeClr val="accent4"/>
+            </a:fillRef>
+            <a:effectRef idx="1">
+              <a:schemeClr val="accent4"/>
+            </a:effectRef>
+            <a:fontRef idx="minor">
+              <a:schemeClr val="dk1"/>
+            </a:fontRef>
+          </p:style>
+          <p:txBody>
+            <a:bodyPr rtlCol="0" anchor="ctr"/>
+            <a:lstStyle/>
+            <a:p>
+              <a:pPr algn="ctr"/>
+              <a:endParaRPr lang="de-DE" dirty="0">
+                <a:solidFill>
+                  <a:schemeClr val="tx1"/>
+                </a:solidFill>
+              </a:endParaRPr>
+            </a:p>
+          </p:txBody>
+        </p:sp>
+        <p:cxnSp>
+          <p:nvCxnSpPr>
+            <p:cNvPr id="15" name="Gerade Verbindung 28">
+              <a:extLst>
+                <a:ext uri="{FF2B5EF4-FFF2-40B4-BE49-F238E27FC236}">
+                  <a16:creationId xmlns:a16="http://schemas.microsoft.com/office/drawing/2014/main" id="{BE0E1948-1999-44A0-B261-866A1DF5995B}"/>
+                </a:ext>
+              </a:extLst>
+            </p:cNvPr>
+            <p:cNvCxnSpPr/>
+            <p:nvPr/>
+          </p:nvCxnSpPr>
+          <p:spPr>
+            <a:xfrm>
+              <a:off x="25400" y="5986694"/>
+              <a:ext cx="9072000" cy="1588"/>
+            </a:xfrm>
+            <a:prstGeom prst="line">
+              <a:avLst/>
+            </a:prstGeom>
+            <a:ln w="41275">
+              <a:solidFill>
+                <a:schemeClr val="accent3">
+                  <a:lumMod val="85000"/>
+                </a:schemeClr>
+              </a:solidFill>
+            </a:ln>
+          </p:spPr>
+          <p:style>
+            <a:lnRef idx="1">
+              <a:schemeClr val="accent1"/>
+            </a:lnRef>
+            <a:fillRef idx="0">
+              <a:schemeClr val="accent1"/>
+            </a:fillRef>
+            <a:effectRef idx="0">
+              <a:schemeClr val="accent1"/>
+            </a:effectRef>
+            <a:fontRef idx="minor">
+              <a:schemeClr val="tx1"/>
+            </a:fontRef>
+          </p:style>
+        </p:cxnSp>
+        <p:sp>
+          <p:nvSpPr>
+            <p:cNvPr id="16" name="Eingekerbter Richtungspfeil 29">
+              <a:extLst>
+                <a:ext uri="{FF2B5EF4-FFF2-40B4-BE49-F238E27FC236}">
+                  <a16:creationId xmlns:a16="http://schemas.microsoft.com/office/drawing/2014/main" id="{A4600029-E40B-4FAC-BDEA-4C82CFF469F9}"/>
+                </a:ext>
+              </a:extLst>
+            </p:cNvPr>
+            <p:cNvSpPr/>
+            <p:nvPr/>
+          </p:nvSpPr>
+          <p:spPr>
+            <a:xfrm>
+              <a:off x="5925672" y="6091576"/>
+              <a:ext cx="158496" cy="158496"/>
+            </a:xfrm>
+            <a:prstGeom prst="chevron">
+              <a:avLst/>
+            </a:prstGeom>
+          </p:spPr>
+          <p:style>
+            <a:lnRef idx="1">
+              <a:schemeClr val="accent4"/>
+            </a:lnRef>
+            <a:fillRef idx="2">
+              <a:schemeClr val="accent4"/>
+            </a:fillRef>
+            <a:effectRef idx="1">
+              <a:schemeClr val="accent4"/>
+            </a:effectRef>
+            <a:fontRef idx="minor">
+              <a:schemeClr val="dk1"/>
+            </a:fontRef>
+          </p:style>
+          <p:txBody>
+            <a:bodyPr rtlCol="0" anchor="ctr"/>
+            <a:lstStyle/>
+            <a:p>
+              <a:pPr algn="ctr"/>
+              <a:endParaRPr lang="de-DE" dirty="0">
+                <a:solidFill>
+                  <a:schemeClr val="tx1"/>
+                </a:solidFill>
+              </a:endParaRPr>
+            </a:p>
+          </p:txBody>
+        </p:sp>
+      </p:grpSp>
+    </p:spTree>
+    <p:extLst>
+      <p:ext uri="{BB962C8B-B14F-4D97-AF65-F5344CB8AC3E}">
+        <p14:creationId xmlns:p14="http://schemas.microsoft.com/office/powerpoint/2010/main" val="3984602124"/>
+      </p:ext>
+    </p:extLst>
+  </p:cSld>
+  <p:clrMapOvr>
+    <a:masterClrMapping/>
+  </p:clrMapOvr>
+</p:sld>
+</file>
+
+<file path=ppt/slides/slide5.xml><?xml version="1.0" encoding="utf-8"?>
+<p:sld xmlns:a="http://schemas.openxmlformats.org/drawingml/2006/main" xmlns:r="http://schemas.openxmlformats.org/officeDocument/2006/relationships" xmlns:p="http://schemas.openxmlformats.org/presentationml/2006/main">
+  <p:cSld>
+    <p:spTree>
+      <p:nvGrpSpPr>
+        <p:cNvPr id="1" name=""/>
+        <p:cNvGrpSpPr/>
+        <p:nvPr/>
+      </p:nvGrpSpPr>
+      <p:grpSpPr>
+        <a:xfrm>
+          <a:off x="0" y="0"/>
+          <a:ext cx="0" cy="0"/>
+          <a:chOff x="0" y="0"/>
+          <a:chExt cx="0" cy="0"/>
+        </a:xfrm>
+      </p:grpSpPr>
+      <p:sp>
+        <p:nvSpPr>
+          <p:cNvPr id="29698" name="Rectangle 2"/>
+          <p:cNvSpPr>
+            <a:spLocks noGrp="1" noChangeArrowheads="1"/>
+          </p:cNvSpPr>
+          <p:nvPr>
+            <p:ph type="title"/>
+          </p:nvPr>
+        </p:nvSpPr>
+        <p:spPr/>
+        <p:txBody>
+          <a:bodyPr/>
+          <a:lstStyle/>
+          <a:p>
+            <a:r>
+              <a:rPr lang="en-US" dirty="0"/>
+              <a:t>Continuous Deployment (CD)</a:t>
+            </a:r>
+          </a:p>
+        </p:txBody>
+      </p:sp>
+      <p:sp>
+        <p:nvSpPr>
+          <p:cNvPr id="29699" name="Rectangle 3"/>
+          <p:cNvSpPr>
+            <a:spLocks noGrp="1" noChangeArrowheads="1"/>
+          </p:cNvSpPr>
+          <p:nvPr>
+            <p:ph type="body" idx="1"/>
+          </p:nvPr>
+        </p:nvSpPr>
+        <p:spPr>
+          <a:xfrm>
+            <a:off x="392113" y="898923"/>
+            <a:ext cx="8356600" cy="3397698"/>
+          </a:xfrm>
+        </p:spPr>
+        <p:txBody>
+          <a:bodyPr/>
+          <a:lstStyle/>
+          <a:p>
+            <a:r>
+              <a:rPr lang="en-US" dirty="0"/>
+              <a:t>Extreme version of Continuous Delivery</a:t>
+            </a:r>
+          </a:p>
+          <a:p>
+            <a:r>
+              <a:rPr lang="en-US" dirty="0"/>
+              <a:t>Push-based approach: Software is released automatically </a:t>
+            </a:r>
+          </a:p>
+          <a:p>
+            <a:r>
+              <a:rPr lang="en-US" dirty="0"/>
+              <a:t>Benefits:</a:t>
+            </a:r>
+          </a:p>
+          <a:p>
+            <a:pPr lvl="1"/>
+            <a:r>
+              <a:rPr lang="en-US" dirty="0"/>
+              <a:t>No manual tasks</a:t>
+            </a:r>
+          </a:p>
+          <a:p>
+            <a:pPr lvl="1"/>
+            <a:r>
+              <a:rPr lang="en-US" dirty="0"/>
+              <a:t>Accelerated time to market</a:t>
+            </a:r>
+          </a:p>
+          <a:p>
+            <a:pPr lvl="1"/>
+            <a:r>
+              <a:rPr lang="en-US" dirty="0"/>
+              <a:t>Improved customer satisfaction</a:t>
+            </a:r>
+          </a:p>
+          <a:p>
+            <a:endParaRPr lang="en-US" dirty="0"/>
+          </a:p>
+        </p:txBody>
+      </p:sp>
+      <p:grpSp>
+        <p:nvGrpSpPr>
+          <p:cNvPr id="4" name="Gruppieren 21">
+            <a:extLst>
+              <a:ext uri="{FF2B5EF4-FFF2-40B4-BE49-F238E27FC236}">
+                <a16:creationId xmlns:a16="http://schemas.microsoft.com/office/drawing/2014/main" id="{AA131601-72E5-4228-A286-1E3E6D78B764}"/>
+              </a:ext>
+            </a:extLst>
+          </p:cNvPr>
+          <p:cNvGrpSpPr/>
+          <p:nvPr/>
+        </p:nvGrpSpPr>
+        <p:grpSpPr>
+          <a:xfrm>
+            <a:off x="72000" y="4424179"/>
+            <a:ext cx="9072000" cy="322630"/>
+            <a:chOff x="25400" y="5986694"/>
+            <a:chExt cx="9072000" cy="322630"/>
+          </a:xfrm>
+        </p:grpSpPr>
+        <p:sp>
+          <p:nvSpPr>
+            <p:cNvPr id="5" name="Textfeld 13">
+              <a:extLst>
+                <a:ext uri="{FF2B5EF4-FFF2-40B4-BE49-F238E27FC236}">
+                  <a16:creationId xmlns:a16="http://schemas.microsoft.com/office/drawing/2014/main" id="{2BCE988F-F02A-4D6D-B2E3-D098FA90D670}"/>
+                </a:ext>
+              </a:extLst>
+            </p:cNvPr>
+            <p:cNvSpPr txBox="1"/>
+            <p:nvPr/>
+          </p:nvSpPr>
+          <p:spPr>
+            <a:xfrm>
+              <a:off x="1493183" y="6032322"/>
+              <a:ext cx="554389" cy="276999"/>
+            </a:xfrm>
+            <a:prstGeom prst="rect">
+              <a:avLst/>
+            </a:prstGeom>
+            <a:noFill/>
+            <a:ln>
+              <a:noFill/>
+            </a:ln>
+          </p:spPr>
+          <p:style>
+            <a:lnRef idx="2">
+              <a:schemeClr val="accent3"/>
+            </a:lnRef>
+            <a:fillRef idx="1">
+              <a:schemeClr val="lt1"/>
+            </a:fillRef>
+            <a:effectRef idx="0">
+              <a:schemeClr val="accent3"/>
+            </a:effectRef>
+            <a:fontRef idx="minor">
+              <a:schemeClr val="dk1"/>
+            </a:fontRef>
+          </p:style>
+          <p:txBody>
+            <a:bodyPr wrap="square" rtlCol="0">
+              <a:spAutoFit/>
+            </a:bodyPr>
+            <a:lstStyle/>
+            <a:p>
+              <a:pPr algn="ctr"/>
+              <a:r>
+                <a:rPr lang="en-US" sz="1200" b="1" dirty="0"/>
+                <a:t>CSE</a:t>
+              </a:r>
+            </a:p>
+          </p:txBody>
+        </p:sp>
+        <p:sp>
+          <p:nvSpPr>
+            <p:cNvPr id="6" name="Textfeld 14">
+              <a:extLst>
+                <a:ext uri="{FF2B5EF4-FFF2-40B4-BE49-F238E27FC236}">
+                  <a16:creationId xmlns:a16="http://schemas.microsoft.com/office/drawing/2014/main" id="{C8E64975-DD4E-484D-9EF4-CB11AB9E264F}"/>
+                </a:ext>
+              </a:extLst>
+            </p:cNvPr>
+            <p:cNvSpPr txBox="1"/>
+            <p:nvPr/>
+          </p:nvSpPr>
+          <p:spPr>
+            <a:xfrm>
+              <a:off x="6282440" y="6032325"/>
+              <a:ext cx="949299" cy="276999"/>
+            </a:xfrm>
+            <a:prstGeom prst="rect">
+              <a:avLst/>
+            </a:prstGeom>
+            <a:noFill/>
+            <a:ln>
+              <a:noFill/>
+            </a:ln>
+          </p:spPr>
+          <p:style>
+            <a:lnRef idx="2">
+              <a:schemeClr val="accent3"/>
+            </a:lnRef>
+            <a:fillRef idx="1">
+              <a:schemeClr val="lt1"/>
+            </a:fillRef>
+            <a:effectRef idx="0">
+              <a:schemeClr val="accent3"/>
+            </a:effectRef>
+            <a:fontRef idx="minor">
+              <a:schemeClr val="dk1"/>
+            </a:fontRef>
+          </p:style>
+          <p:txBody>
+            <a:bodyPr wrap="none" rtlCol="0">
+              <a:spAutoFit/>
+            </a:bodyPr>
+            <a:lstStyle/>
+            <a:p>
+              <a:r>
+                <a:rPr lang="en-US" sz="1200" dirty="0"/>
+                <a:t>Challenges</a:t>
+              </a:r>
+            </a:p>
+          </p:txBody>
+        </p:sp>
+        <p:sp>
+          <p:nvSpPr>
+            <p:cNvPr id="7" name="Textfeld 6">
+              <a:extLst>
+                <a:ext uri="{FF2B5EF4-FFF2-40B4-BE49-F238E27FC236}">
+                  <a16:creationId xmlns:a16="http://schemas.microsoft.com/office/drawing/2014/main" id="{5B1D65DE-7E84-4D4A-AD1F-FC54B535CB1E}"/>
+                </a:ext>
+              </a:extLst>
+            </p:cNvPr>
+            <p:cNvSpPr txBox="1"/>
+            <p:nvPr/>
+          </p:nvSpPr>
+          <p:spPr>
+            <a:xfrm>
+              <a:off x="2361122" y="6032320"/>
+              <a:ext cx="1774155" cy="276999"/>
+            </a:xfrm>
+            <a:prstGeom prst="rect">
+              <a:avLst/>
+            </a:prstGeom>
+            <a:noFill/>
+            <a:ln>
+              <a:noFill/>
+            </a:ln>
+          </p:spPr>
+          <p:style>
+            <a:lnRef idx="2">
+              <a:schemeClr val="accent3"/>
+            </a:lnRef>
+            <a:fillRef idx="1">
+              <a:schemeClr val="lt1"/>
+            </a:fillRef>
+            <a:effectRef idx="0">
+              <a:schemeClr val="accent3"/>
+            </a:effectRef>
+            <a:fontRef idx="minor">
+              <a:schemeClr val="dk1"/>
+            </a:fontRef>
+          </p:style>
+          <p:txBody>
+            <a:bodyPr wrap="square" rtlCol="0">
+              <a:spAutoFit/>
+            </a:bodyPr>
+            <a:lstStyle/>
+            <a:p>
+              <a:r>
+                <a:rPr lang="en-US" sz="1200" dirty="0"/>
+                <a:t>The Stairway to Haven</a:t>
+              </a:r>
+            </a:p>
+          </p:txBody>
+        </p:sp>
+        <p:sp>
+          <p:nvSpPr>
+            <p:cNvPr id="8" name="Textfeld 7">
+              <a:extLst>
+                <a:ext uri="{FF2B5EF4-FFF2-40B4-BE49-F238E27FC236}">
+                  <a16:creationId xmlns:a16="http://schemas.microsoft.com/office/drawing/2014/main" id="{8544E219-3395-4D35-AB47-83E797162EF8}"/>
+                </a:ext>
+              </a:extLst>
+            </p:cNvPr>
+            <p:cNvSpPr txBox="1"/>
+            <p:nvPr/>
+          </p:nvSpPr>
+          <p:spPr>
+            <a:xfrm>
+              <a:off x="7763010" y="6032321"/>
+              <a:ext cx="1278028" cy="276999"/>
+            </a:xfrm>
+            <a:prstGeom prst="rect">
+              <a:avLst/>
+            </a:prstGeom>
+            <a:noFill/>
+            <a:ln>
+              <a:noFill/>
+            </a:ln>
+          </p:spPr>
+          <p:style>
+            <a:lnRef idx="2">
+              <a:schemeClr val="accent3"/>
+            </a:lnRef>
+            <a:fillRef idx="1">
+              <a:schemeClr val="lt1"/>
+            </a:fillRef>
+            <a:effectRef idx="0">
+              <a:schemeClr val="accent3"/>
+            </a:effectRef>
+            <a:fontRef idx="minor">
+              <a:schemeClr val="dk1"/>
+            </a:fontRef>
+          </p:style>
+          <p:txBody>
+            <a:bodyPr wrap="square" rtlCol="0">
+              <a:spAutoFit/>
+            </a:bodyPr>
+            <a:lstStyle/>
+            <a:p>
+              <a:r>
+                <a:rPr lang="en-US" sz="1200" dirty="0"/>
+                <a:t>Summary</a:t>
+              </a:r>
+            </a:p>
+          </p:txBody>
+        </p:sp>
+        <p:sp>
+          <p:nvSpPr>
+            <p:cNvPr id="9" name="Textfeld 8">
+              <a:extLst>
+                <a:ext uri="{FF2B5EF4-FFF2-40B4-BE49-F238E27FC236}">
+                  <a16:creationId xmlns:a16="http://schemas.microsoft.com/office/drawing/2014/main" id="{852888F9-9852-4482-8D86-9D678EB085AD}"/>
+                </a:ext>
+              </a:extLst>
+            </p:cNvPr>
+            <p:cNvSpPr txBox="1"/>
+            <p:nvPr/>
+          </p:nvSpPr>
+          <p:spPr>
+            <a:xfrm>
+              <a:off x="179512" y="6032321"/>
+              <a:ext cx="1213939" cy="276999"/>
+            </a:xfrm>
+            <a:prstGeom prst="rect">
+              <a:avLst/>
+            </a:prstGeom>
+            <a:noFill/>
+            <a:ln>
+              <a:noFill/>
+            </a:ln>
+          </p:spPr>
+          <p:style>
+            <a:lnRef idx="2">
+              <a:schemeClr val="accent3"/>
+            </a:lnRef>
+            <a:fillRef idx="1">
+              <a:schemeClr val="lt1"/>
+            </a:fillRef>
+            <a:effectRef idx="0">
+              <a:schemeClr val="accent3"/>
+            </a:effectRef>
+            <a:fontRef idx="minor">
+              <a:schemeClr val="dk1"/>
+            </a:fontRef>
+          </p:style>
+          <p:txBody>
+            <a:bodyPr wrap="square" rtlCol="0">
+              <a:spAutoFit/>
+            </a:bodyPr>
+            <a:lstStyle/>
+            <a:p>
+              <a:r>
+                <a:rPr lang="en-US" sz="1200" dirty="0"/>
+                <a:t>Introduction</a:t>
+              </a:r>
+            </a:p>
+          </p:txBody>
+        </p:sp>
+        <p:sp>
+          <p:nvSpPr>
+            <p:cNvPr id="10" name="Eingekerbter Richtungspfeil 23">
+              <a:extLst>
+                <a:ext uri="{FF2B5EF4-FFF2-40B4-BE49-F238E27FC236}">
+                  <a16:creationId xmlns:a16="http://schemas.microsoft.com/office/drawing/2014/main" id="{C005311E-133F-493F-BFFC-C169B3CA8A86}"/>
+                </a:ext>
+              </a:extLst>
+            </p:cNvPr>
+            <p:cNvSpPr/>
+            <p:nvPr/>
+          </p:nvSpPr>
+          <p:spPr>
+            <a:xfrm>
+              <a:off x="1284399" y="6091574"/>
+              <a:ext cx="158496" cy="158496"/>
+            </a:xfrm>
+            <a:prstGeom prst="chevron">
+              <a:avLst/>
+            </a:prstGeom>
+          </p:spPr>
+          <p:style>
+            <a:lnRef idx="1">
+              <a:schemeClr val="accent4"/>
+            </a:lnRef>
+            <a:fillRef idx="2">
+              <a:schemeClr val="accent4"/>
+            </a:fillRef>
+            <a:effectRef idx="1">
+              <a:schemeClr val="accent4"/>
+            </a:effectRef>
+            <a:fontRef idx="minor">
+              <a:schemeClr val="dk1"/>
+            </a:fontRef>
+          </p:style>
+          <p:txBody>
+            <a:bodyPr rtlCol="0" anchor="ctr"/>
+            <a:lstStyle/>
+            <a:p>
+              <a:pPr algn="ctr"/>
+              <a:endParaRPr lang="de-DE" dirty="0">
+                <a:solidFill>
+                  <a:schemeClr val="tx1"/>
+                </a:solidFill>
+              </a:endParaRPr>
+            </a:p>
+          </p:txBody>
+        </p:sp>
+        <p:sp>
+          <p:nvSpPr>
+            <p:cNvPr id="11" name="Eingekerbter Richtungspfeil 24">
+              <a:extLst>
+                <a:ext uri="{FF2B5EF4-FFF2-40B4-BE49-F238E27FC236}">
+                  <a16:creationId xmlns:a16="http://schemas.microsoft.com/office/drawing/2014/main" id="{13B86617-4353-46AD-97C4-7F02A1BA1B80}"/>
+                </a:ext>
+              </a:extLst>
+            </p:cNvPr>
+            <p:cNvSpPr/>
+            <p:nvPr/>
+          </p:nvSpPr>
+          <p:spPr>
+            <a:xfrm>
+              <a:off x="2052380" y="6091574"/>
+              <a:ext cx="158496" cy="158496"/>
+            </a:xfrm>
+            <a:prstGeom prst="chevron">
+              <a:avLst/>
+            </a:prstGeom>
+          </p:spPr>
+          <p:style>
+            <a:lnRef idx="1">
+              <a:schemeClr val="accent4"/>
+            </a:lnRef>
+            <a:fillRef idx="2">
+              <a:schemeClr val="accent4"/>
+            </a:fillRef>
+            <a:effectRef idx="1">
+              <a:schemeClr val="accent4"/>
+            </a:effectRef>
+            <a:fontRef idx="minor">
+              <a:schemeClr val="dk1"/>
+            </a:fontRef>
+          </p:style>
+          <p:txBody>
+            <a:bodyPr rtlCol="0" anchor="ctr"/>
+            <a:lstStyle/>
+            <a:p>
+              <a:pPr algn="ctr"/>
+              <a:endParaRPr lang="de-DE" dirty="0">
+                <a:solidFill>
+                  <a:schemeClr val="tx1"/>
+                </a:solidFill>
+              </a:endParaRPr>
+            </a:p>
+          </p:txBody>
+        </p:sp>
+        <p:sp>
+          <p:nvSpPr>
+            <p:cNvPr id="12" name="Eingekerbter Richtungspfeil 25">
+              <a:extLst>
+                <a:ext uri="{FF2B5EF4-FFF2-40B4-BE49-F238E27FC236}">
+                  <a16:creationId xmlns:a16="http://schemas.microsoft.com/office/drawing/2014/main" id="{40D0FAF6-EB9E-4EEF-BCBE-972523E34CB7}"/>
+                </a:ext>
+              </a:extLst>
+            </p:cNvPr>
+            <p:cNvSpPr/>
+            <p:nvPr/>
+          </p:nvSpPr>
+          <p:spPr>
+            <a:xfrm>
+              <a:off x="4116879" y="6091574"/>
+              <a:ext cx="158496" cy="158496"/>
+            </a:xfrm>
+            <a:prstGeom prst="chevron">
+              <a:avLst/>
+            </a:prstGeom>
+          </p:spPr>
+          <p:style>
+            <a:lnRef idx="1">
+              <a:schemeClr val="accent4"/>
+            </a:lnRef>
+            <a:fillRef idx="2">
+              <a:schemeClr val="accent4"/>
+            </a:fillRef>
+            <a:effectRef idx="1">
+              <a:schemeClr val="accent4"/>
+            </a:effectRef>
+            <a:fontRef idx="minor">
+              <a:schemeClr val="dk1"/>
+            </a:fontRef>
+          </p:style>
+          <p:txBody>
+            <a:bodyPr rtlCol="0" anchor="ctr"/>
+            <a:lstStyle/>
+            <a:p>
+              <a:pPr algn="ctr"/>
+              <a:endParaRPr lang="de-DE" dirty="0">
+                <a:solidFill>
+                  <a:schemeClr val="tx1"/>
+                </a:solidFill>
+              </a:endParaRPr>
+            </a:p>
+          </p:txBody>
+        </p:sp>
+        <p:sp>
+          <p:nvSpPr>
+            <p:cNvPr id="13" name="Textfeld 12">
+              <a:extLst>
+                <a:ext uri="{FF2B5EF4-FFF2-40B4-BE49-F238E27FC236}">
+                  <a16:creationId xmlns:a16="http://schemas.microsoft.com/office/drawing/2014/main" id="{6910B1B0-7848-461D-A8EE-494297AF2C2C}"/>
+                </a:ext>
+              </a:extLst>
+            </p:cNvPr>
+            <p:cNvSpPr txBox="1"/>
+            <p:nvPr/>
+          </p:nvSpPr>
+          <p:spPr>
+            <a:xfrm>
+              <a:off x="4324070" y="6032320"/>
+              <a:ext cx="1588897" cy="276999"/>
+            </a:xfrm>
+            <a:prstGeom prst="rect">
+              <a:avLst/>
+            </a:prstGeom>
+            <a:noFill/>
+            <a:ln>
+              <a:noFill/>
+            </a:ln>
+          </p:spPr>
+          <p:style>
+            <a:lnRef idx="2">
+              <a:schemeClr val="accent3"/>
+            </a:lnRef>
+            <a:fillRef idx="1">
+              <a:schemeClr val="lt1"/>
+            </a:fillRef>
+            <a:effectRef idx="0">
+              <a:schemeClr val="accent3"/>
+            </a:effectRef>
+            <a:fontRef idx="minor">
+              <a:schemeClr val="dk1"/>
+            </a:fontRef>
+          </p:style>
+          <p:txBody>
+            <a:bodyPr wrap="none" rtlCol="0">
+              <a:spAutoFit/>
+            </a:bodyPr>
+            <a:lstStyle/>
+            <a:p>
+              <a:r>
+                <a:rPr lang="en-US" sz="1200" dirty="0"/>
+                <a:t>Deployment Pipeline</a:t>
+              </a:r>
+            </a:p>
+          </p:txBody>
+        </p:sp>
+        <p:sp>
+          <p:nvSpPr>
+            <p:cNvPr id="14" name="Eingekerbter Richtungspfeil 27">
+              <a:extLst>
+                <a:ext uri="{FF2B5EF4-FFF2-40B4-BE49-F238E27FC236}">
+                  <a16:creationId xmlns:a16="http://schemas.microsoft.com/office/drawing/2014/main" id="{C8C6383D-EFF4-4F8F-B7E7-55AA85D1E860}"/>
+                </a:ext>
+              </a:extLst>
+            </p:cNvPr>
+            <p:cNvSpPr/>
+            <p:nvPr/>
+          </p:nvSpPr>
+          <p:spPr>
+            <a:xfrm>
+              <a:off x="7320057" y="6091577"/>
+              <a:ext cx="158496" cy="158496"/>
+            </a:xfrm>
+            <a:prstGeom prst="chevron">
+              <a:avLst/>
+            </a:prstGeom>
+          </p:spPr>
+          <p:style>
+            <a:lnRef idx="1">
+              <a:schemeClr val="accent4"/>
+            </a:lnRef>
+            <a:fillRef idx="2">
+              <a:schemeClr val="accent4"/>
+            </a:fillRef>
+            <a:effectRef idx="1">
+              <a:schemeClr val="accent4"/>
+            </a:effectRef>
+            <a:fontRef idx="minor">
+              <a:schemeClr val="dk1"/>
+            </a:fontRef>
+          </p:style>
+          <p:txBody>
+            <a:bodyPr rtlCol="0" anchor="ctr"/>
+            <a:lstStyle/>
+            <a:p>
+              <a:pPr algn="ctr"/>
+              <a:endParaRPr lang="de-DE" dirty="0">
+                <a:solidFill>
+                  <a:schemeClr val="tx1"/>
+                </a:solidFill>
+              </a:endParaRPr>
+            </a:p>
+          </p:txBody>
+        </p:sp>
+        <p:cxnSp>
+          <p:nvCxnSpPr>
+            <p:cNvPr id="15" name="Gerade Verbindung 28">
+              <a:extLst>
+                <a:ext uri="{FF2B5EF4-FFF2-40B4-BE49-F238E27FC236}">
+                  <a16:creationId xmlns:a16="http://schemas.microsoft.com/office/drawing/2014/main" id="{BE0E1948-1999-44A0-B261-866A1DF5995B}"/>
+                </a:ext>
+              </a:extLst>
+            </p:cNvPr>
+            <p:cNvCxnSpPr/>
+            <p:nvPr/>
+          </p:nvCxnSpPr>
+          <p:spPr>
+            <a:xfrm>
+              <a:off x="25400" y="5986694"/>
+              <a:ext cx="9072000" cy="1588"/>
+            </a:xfrm>
+            <a:prstGeom prst="line">
+              <a:avLst/>
+            </a:prstGeom>
+            <a:ln w="41275">
+              <a:solidFill>
+                <a:schemeClr val="accent3">
+                  <a:lumMod val="85000"/>
+                </a:schemeClr>
+              </a:solidFill>
+            </a:ln>
+          </p:spPr>
+          <p:style>
+            <a:lnRef idx="1">
+              <a:schemeClr val="accent1"/>
+            </a:lnRef>
+            <a:fillRef idx="0">
+              <a:schemeClr val="accent1"/>
+            </a:fillRef>
+            <a:effectRef idx="0">
+              <a:schemeClr val="accent1"/>
+            </a:effectRef>
+            <a:fontRef idx="minor">
+              <a:schemeClr val="tx1"/>
+            </a:fontRef>
+          </p:style>
+        </p:cxnSp>
+        <p:sp>
+          <p:nvSpPr>
+            <p:cNvPr id="16" name="Eingekerbter Richtungspfeil 29">
+              <a:extLst>
+                <a:ext uri="{FF2B5EF4-FFF2-40B4-BE49-F238E27FC236}">
+                  <a16:creationId xmlns:a16="http://schemas.microsoft.com/office/drawing/2014/main" id="{A4600029-E40B-4FAC-BDEA-4C82CFF469F9}"/>
+                </a:ext>
+              </a:extLst>
+            </p:cNvPr>
+            <p:cNvSpPr/>
+            <p:nvPr/>
+          </p:nvSpPr>
+          <p:spPr>
+            <a:xfrm>
+              <a:off x="5925672" y="6091576"/>
+              <a:ext cx="158496" cy="158496"/>
+            </a:xfrm>
+            <a:prstGeom prst="chevron">
+              <a:avLst/>
+            </a:prstGeom>
+          </p:spPr>
+          <p:style>
+            <a:lnRef idx="1">
+              <a:schemeClr val="accent4"/>
+            </a:lnRef>
+            <a:fillRef idx="2">
+              <a:schemeClr val="accent4"/>
+            </a:fillRef>
+            <a:effectRef idx="1">
+              <a:schemeClr val="accent4"/>
+            </a:effectRef>
+            <a:fontRef idx="minor">
+              <a:schemeClr val="dk1"/>
+            </a:fontRef>
+          </p:style>
+          <p:txBody>
+            <a:bodyPr rtlCol="0" anchor="ctr"/>
+            <a:lstStyle/>
+            <a:p>
+              <a:pPr algn="ctr"/>
+              <a:endParaRPr lang="de-DE" dirty="0">
+                <a:solidFill>
+                  <a:schemeClr val="tx1"/>
+                </a:solidFill>
+              </a:endParaRPr>
+            </a:p>
+          </p:txBody>
+        </p:sp>
+      </p:grpSp>
+    </p:spTree>
+    <p:extLst>
+      <p:ext uri="{BB962C8B-B14F-4D97-AF65-F5344CB8AC3E}">
+        <p14:creationId xmlns:p14="http://schemas.microsoft.com/office/powerpoint/2010/main" val="4142848047"/>
+      </p:ext>
+    </p:extLst>
+  </p:cSld>
+  <p:clrMapOvr>
+    <a:masterClrMapping/>
+  </p:clrMapOvr>
+</p:sld>
+</file>
+
+<file path=ppt/slides/slide6.xml><?xml version="1.0" encoding="utf-8"?>
+<p:sld xmlns:a="http://schemas.openxmlformats.org/drawingml/2006/main" xmlns:r="http://schemas.openxmlformats.org/officeDocument/2006/relationships" xmlns:p="http://schemas.openxmlformats.org/presentationml/2006/main">
+  <p:cSld>
+    <p:spTree>
+      <p:nvGrpSpPr>
+        <p:cNvPr id="1" name=""/>
+        <p:cNvGrpSpPr/>
+        <p:nvPr/>
+      </p:nvGrpSpPr>
+      <p:grpSpPr>
+        <a:xfrm>
+          <a:off x="0" y="0"/>
+          <a:ext cx="0" cy="0"/>
+          <a:chOff x="0" y="0"/>
+          <a:chExt cx="0" cy="0"/>
+        </a:xfrm>
+      </p:grpSpPr>
+      <p:sp>
+        <p:nvSpPr>
+          <p:cNvPr id="29698" name="Rectangle 2"/>
+          <p:cNvSpPr>
+            <a:spLocks noGrp="1" noChangeArrowheads="1"/>
+          </p:cNvSpPr>
+          <p:nvPr>
+            <p:ph type="title"/>
+          </p:nvPr>
+        </p:nvSpPr>
+        <p:spPr/>
+        <p:txBody>
+          <a:bodyPr/>
+          <a:lstStyle/>
+          <a:p>
+            <a:r>
+              <a:rPr lang="en-US" dirty="0"/>
+              <a:t>Relationship between CI, CDE and CD</a:t>
+            </a:r>
+          </a:p>
+        </p:txBody>
+      </p:sp>
+      <p:grpSp>
+        <p:nvGrpSpPr>
+          <p:cNvPr id="4" name="Gruppieren 21">
+            <a:extLst>
+              <a:ext uri="{FF2B5EF4-FFF2-40B4-BE49-F238E27FC236}">
+                <a16:creationId xmlns:a16="http://schemas.microsoft.com/office/drawing/2014/main" id="{AA131601-72E5-4228-A286-1E3E6D78B764}"/>
+              </a:ext>
+            </a:extLst>
+          </p:cNvPr>
+          <p:cNvGrpSpPr/>
+          <p:nvPr/>
+        </p:nvGrpSpPr>
+        <p:grpSpPr>
+          <a:xfrm>
+            <a:off x="72000" y="4424179"/>
+            <a:ext cx="9072000" cy="322630"/>
+            <a:chOff x="25400" y="5986694"/>
+            <a:chExt cx="9072000" cy="322630"/>
+          </a:xfrm>
+        </p:grpSpPr>
+        <p:sp>
+          <p:nvSpPr>
+            <p:cNvPr id="5" name="Textfeld 13">
+              <a:extLst>
+                <a:ext uri="{FF2B5EF4-FFF2-40B4-BE49-F238E27FC236}">
+                  <a16:creationId xmlns:a16="http://schemas.microsoft.com/office/drawing/2014/main" id="{2BCE988F-F02A-4D6D-B2E3-D098FA90D670}"/>
+                </a:ext>
+              </a:extLst>
+            </p:cNvPr>
+            <p:cNvSpPr txBox="1"/>
+            <p:nvPr/>
+          </p:nvSpPr>
+          <p:spPr>
+            <a:xfrm>
+              <a:off x="1493183" y="6032322"/>
+              <a:ext cx="554389" cy="276999"/>
+            </a:xfrm>
+            <a:prstGeom prst="rect">
+              <a:avLst/>
+            </a:prstGeom>
+            <a:noFill/>
+            <a:ln>
+              <a:noFill/>
+            </a:ln>
+          </p:spPr>
+          <p:style>
+            <a:lnRef idx="2">
+              <a:schemeClr val="accent3"/>
+            </a:lnRef>
+            <a:fillRef idx="1">
+              <a:schemeClr val="lt1"/>
+            </a:fillRef>
+            <a:effectRef idx="0">
+              <a:schemeClr val="accent3"/>
+            </a:effectRef>
+            <a:fontRef idx="minor">
+              <a:schemeClr val="dk1"/>
+            </a:fontRef>
+          </p:style>
+          <p:txBody>
+            <a:bodyPr wrap="square" rtlCol="0">
+              <a:spAutoFit/>
+            </a:bodyPr>
+            <a:lstStyle/>
+            <a:p>
+              <a:pPr algn="ctr"/>
+              <a:r>
+                <a:rPr lang="en-US" sz="1200" b="1" dirty="0"/>
+                <a:t>CSE</a:t>
+              </a:r>
+            </a:p>
+          </p:txBody>
+        </p:sp>
+        <p:sp>
+          <p:nvSpPr>
+            <p:cNvPr id="6" name="Textfeld 14">
+              <a:extLst>
+                <a:ext uri="{FF2B5EF4-FFF2-40B4-BE49-F238E27FC236}">
+                  <a16:creationId xmlns:a16="http://schemas.microsoft.com/office/drawing/2014/main" id="{C8E64975-DD4E-484D-9EF4-CB11AB9E264F}"/>
+                </a:ext>
+              </a:extLst>
+            </p:cNvPr>
+            <p:cNvSpPr txBox="1"/>
+            <p:nvPr/>
+          </p:nvSpPr>
+          <p:spPr>
+            <a:xfrm>
+              <a:off x="6282440" y="6032325"/>
+              <a:ext cx="949299" cy="276999"/>
+            </a:xfrm>
+            <a:prstGeom prst="rect">
+              <a:avLst/>
+            </a:prstGeom>
+            <a:noFill/>
+            <a:ln>
+              <a:noFill/>
+            </a:ln>
+          </p:spPr>
+          <p:style>
+            <a:lnRef idx="2">
+              <a:schemeClr val="accent3"/>
+            </a:lnRef>
+            <a:fillRef idx="1">
+              <a:schemeClr val="lt1"/>
+            </a:fillRef>
+            <a:effectRef idx="0">
+              <a:schemeClr val="accent3"/>
+            </a:effectRef>
+            <a:fontRef idx="minor">
+              <a:schemeClr val="dk1"/>
+            </a:fontRef>
+          </p:style>
+          <p:txBody>
+            <a:bodyPr wrap="none" rtlCol="0">
+              <a:spAutoFit/>
+            </a:bodyPr>
+            <a:lstStyle/>
+            <a:p>
+              <a:r>
+                <a:rPr lang="en-US" sz="1200" dirty="0"/>
+                <a:t>Challenges</a:t>
+              </a:r>
+            </a:p>
+          </p:txBody>
+        </p:sp>
+        <p:sp>
+          <p:nvSpPr>
+            <p:cNvPr id="7" name="Textfeld 6">
+              <a:extLst>
+                <a:ext uri="{FF2B5EF4-FFF2-40B4-BE49-F238E27FC236}">
+                  <a16:creationId xmlns:a16="http://schemas.microsoft.com/office/drawing/2014/main" id="{5B1D65DE-7E84-4D4A-AD1F-FC54B535CB1E}"/>
+                </a:ext>
+              </a:extLst>
+            </p:cNvPr>
+            <p:cNvSpPr txBox="1"/>
+            <p:nvPr/>
+          </p:nvSpPr>
+          <p:spPr>
+            <a:xfrm>
+              <a:off x="2361122" y="6032320"/>
+              <a:ext cx="1774155" cy="276999"/>
+            </a:xfrm>
+            <a:prstGeom prst="rect">
+              <a:avLst/>
+            </a:prstGeom>
+            <a:noFill/>
+            <a:ln>
+              <a:noFill/>
+            </a:ln>
+          </p:spPr>
+          <p:style>
+            <a:lnRef idx="2">
+              <a:schemeClr val="accent3"/>
+            </a:lnRef>
+            <a:fillRef idx="1">
+              <a:schemeClr val="lt1"/>
+            </a:fillRef>
+            <a:effectRef idx="0">
+              <a:schemeClr val="accent3"/>
+            </a:effectRef>
+            <a:fontRef idx="minor">
+              <a:schemeClr val="dk1"/>
+            </a:fontRef>
+          </p:style>
+          <p:txBody>
+            <a:bodyPr wrap="square" rtlCol="0">
+              <a:spAutoFit/>
+            </a:bodyPr>
+            <a:lstStyle/>
+            <a:p>
+              <a:r>
+                <a:rPr lang="en-US" sz="1200" dirty="0"/>
+                <a:t>The Stairway to Haven</a:t>
+              </a:r>
+            </a:p>
+          </p:txBody>
+        </p:sp>
+        <p:sp>
+          <p:nvSpPr>
+            <p:cNvPr id="8" name="Textfeld 7">
+              <a:extLst>
+                <a:ext uri="{FF2B5EF4-FFF2-40B4-BE49-F238E27FC236}">
+                  <a16:creationId xmlns:a16="http://schemas.microsoft.com/office/drawing/2014/main" id="{8544E219-3395-4D35-AB47-83E797162EF8}"/>
+                </a:ext>
+              </a:extLst>
+            </p:cNvPr>
+            <p:cNvSpPr txBox="1"/>
+            <p:nvPr/>
+          </p:nvSpPr>
+          <p:spPr>
+            <a:xfrm>
+              <a:off x="7763010" y="6032321"/>
+              <a:ext cx="1278028" cy="276999"/>
+            </a:xfrm>
+            <a:prstGeom prst="rect">
+              <a:avLst/>
+            </a:prstGeom>
+            <a:noFill/>
+            <a:ln>
+              <a:noFill/>
+            </a:ln>
+          </p:spPr>
+          <p:style>
+            <a:lnRef idx="2">
+              <a:schemeClr val="accent3"/>
+            </a:lnRef>
+            <a:fillRef idx="1">
+              <a:schemeClr val="lt1"/>
+            </a:fillRef>
+            <a:effectRef idx="0">
+              <a:schemeClr val="accent3"/>
+            </a:effectRef>
+            <a:fontRef idx="minor">
+              <a:schemeClr val="dk1"/>
+            </a:fontRef>
+          </p:style>
+          <p:txBody>
+            <a:bodyPr wrap="square" rtlCol="0">
+              <a:spAutoFit/>
+            </a:bodyPr>
+            <a:lstStyle/>
+            <a:p>
+              <a:r>
+                <a:rPr lang="en-US" sz="1200" dirty="0"/>
+                <a:t>Summary</a:t>
+              </a:r>
+            </a:p>
+          </p:txBody>
+        </p:sp>
+        <p:sp>
+          <p:nvSpPr>
+            <p:cNvPr id="9" name="Textfeld 8">
+              <a:extLst>
+                <a:ext uri="{FF2B5EF4-FFF2-40B4-BE49-F238E27FC236}">
+                  <a16:creationId xmlns:a16="http://schemas.microsoft.com/office/drawing/2014/main" id="{852888F9-9852-4482-8D86-9D678EB085AD}"/>
+                </a:ext>
+              </a:extLst>
+            </p:cNvPr>
+            <p:cNvSpPr txBox="1"/>
+            <p:nvPr/>
+          </p:nvSpPr>
+          <p:spPr>
+            <a:xfrm>
+              <a:off x="179512" y="6032321"/>
+              <a:ext cx="1213939" cy="276999"/>
+            </a:xfrm>
+            <a:prstGeom prst="rect">
+              <a:avLst/>
+            </a:prstGeom>
+            <a:noFill/>
+            <a:ln>
+              <a:noFill/>
+            </a:ln>
+          </p:spPr>
+          <p:style>
+            <a:lnRef idx="2">
+              <a:schemeClr val="accent3"/>
+            </a:lnRef>
+            <a:fillRef idx="1">
+              <a:schemeClr val="lt1"/>
+            </a:fillRef>
+            <a:effectRef idx="0">
+              <a:schemeClr val="accent3"/>
+            </a:effectRef>
+            <a:fontRef idx="minor">
+              <a:schemeClr val="dk1"/>
+            </a:fontRef>
+          </p:style>
+          <p:txBody>
+            <a:bodyPr wrap="square" rtlCol="0">
+              <a:spAutoFit/>
+            </a:bodyPr>
+            <a:lstStyle/>
+            <a:p>
+              <a:r>
+                <a:rPr lang="en-US" sz="1200" dirty="0"/>
+                <a:t>Introduction</a:t>
+              </a:r>
+            </a:p>
+          </p:txBody>
+        </p:sp>
+        <p:sp>
+          <p:nvSpPr>
+            <p:cNvPr id="10" name="Eingekerbter Richtungspfeil 23">
+              <a:extLst>
+                <a:ext uri="{FF2B5EF4-FFF2-40B4-BE49-F238E27FC236}">
+                  <a16:creationId xmlns:a16="http://schemas.microsoft.com/office/drawing/2014/main" id="{C005311E-133F-493F-BFFC-C169B3CA8A86}"/>
+                </a:ext>
+              </a:extLst>
+            </p:cNvPr>
+            <p:cNvSpPr/>
+            <p:nvPr/>
+          </p:nvSpPr>
+          <p:spPr>
+            <a:xfrm>
+              <a:off x="1284399" y="6091574"/>
+              <a:ext cx="158496" cy="158496"/>
+            </a:xfrm>
+            <a:prstGeom prst="chevron">
+              <a:avLst/>
+            </a:prstGeom>
+          </p:spPr>
+          <p:style>
+            <a:lnRef idx="1">
+              <a:schemeClr val="accent4"/>
+            </a:lnRef>
+            <a:fillRef idx="2">
+              <a:schemeClr val="accent4"/>
+            </a:fillRef>
+            <a:effectRef idx="1">
+              <a:schemeClr val="accent4"/>
+            </a:effectRef>
+            <a:fontRef idx="minor">
+              <a:schemeClr val="dk1"/>
+            </a:fontRef>
+          </p:style>
+          <p:txBody>
+            <a:bodyPr rtlCol="0" anchor="ctr"/>
+            <a:lstStyle/>
+            <a:p>
+              <a:pPr algn="ctr"/>
+              <a:endParaRPr lang="de-DE" dirty="0">
+                <a:solidFill>
+                  <a:schemeClr val="tx1"/>
+                </a:solidFill>
+              </a:endParaRPr>
+            </a:p>
+          </p:txBody>
+        </p:sp>
+        <p:sp>
+          <p:nvSpPr>
+            <p:cNvPr id="11" name="Eingekerbter Richtungspfeil 24">
+              <a:extLst>
+                <a:ext uri="{FF2B5EF4-FFF2-40B4-BE49-F238E27FC236}">
+                  <a16:creationId xmlns:a16="http://schemas.microsoft.com/office/drawing/2014/main" id="{13B86617-4353-46AD-97C4-7F02A1BA1B80}"/>
+                </a:ext>
+              </a:extLst>
+            </p:cNvPr>
+            <p:cNvSpPr/>
+            <p:nvPr/>
+          </p:nvSpPr>
+          <p:spPr>
+            <a:xfrm>
+              <a:off x="2052380" y="6091574"/>
+              <a:ext cx="158496" cy="158496"/>
+            </a:xfrm>
+            <a:prstGeom prst="chevron">
+              <a:avLst/>
+            </a:prstGeom>
+          </p:spPr>
+          <p:style>
+            <a:lnRef idx="1">
+              <a:schemeClr val="accent4"/>
+            </a:lnRef>
+            <a:fillRef idx="2">
+              <a:schemeClr val="accent4"/>
+            </a:fillRef>
+            <a:effectRef idx="1">
+              <a:schemeClr val="accent4"/>
+            </a:effectRef>
+            <a:fontRef idx="minor">
+              <a:schemeClr val="dk1"/>
+            </a:fontRef>
+          </p:style>
+          <p:txBody>
+            <a:bodyPr rtlCol="0" anchor="ctr"/>
+            <a:lstStyle/>
+            <a:p>
+              <a:pPr algn="ctr"/>
+              <a:endParaRPr lang="de-DE" dirty="0">
+                <a:solidFill>
+                  <a:schemeClr val="tx1"/>
+                </a:solidFill>
+              </a:endParaRPr>
+            </a:p>
+          </p:txBody>
+        </p:sp>
+        <p:sp>
+          <p:nvSpPr>
+            <p:cNvPr id="12" name="Eingekerbter Richtungspfeil 25">
+              <a:extLst>
+                <a:ext uri="{FF2B5EF4-FFF2-40B4-BE49-F238E27FC236}">
+                  <a16:creationId xmlns:a16="http://schemas.microsoft.com/office/drawing/2014/main" id="{40D0FAF6-EB9E-4EEF-BCBE-972523E34CB7}"/>
+                </a:ext>
+              </a:extLst>
+            </p:cNvPr>
+            <p:cNvSpPr/>
+            <p:nvPr/>
+          </p:nvSpPr>
+          <p:spPr>
+            <a:xfrm>
+              <a:off x="4116879" y="6091574"/>
+              <a:ext cx="158496" cy="158496"/>
+            </a:xfrm>
+            <a:prstGeom prst="chevron">
+              <a:avLst/>
+            </a:prstGeom>
+          </p:spPr>
+          <p:style>
+            <a:lnRef idx="1">
+              <a:schemeClr val="accent4"/>
+            </a:lnRef>
+            <a:fillRef idx="2">
+              <a:schemeClr val="accent4"/>
+            </a:fillRef>
+            <a:effectRef idx="1">
+              <a:schemeClr val="accent4"/>
+            </a:effectRef>
+            <a:fontRef idx="minor">
+              <a:schemeClr val="dk1"/>
+            </a:fontRef>
+          </p:style>
+          <p:txBody>
+            <a:bodyPr rtlCol="0" anchor="ctr"/>
+            <a:lstStyle/>
+            <a:p>
+              <a:pPr algn="ctr"/>
+              <a:endParaRPr lang="de-DE" dirty="0">
+                <a:solidFill>
+                  <a:schemeClr val="tx1"/>
+                </a:solidFill>
+              </a:endParaRPr>
+            </a:p>
+          </p:txBody>
+        </p:sp>
+        <p:sp>
+          <p:nvSpPr>
+            <p:cNvPr id="13" name="Textfeld 12">
+              <a:extLst>
+                <a:ext uri="{FF2B5EF4-FFF2-40B4-BE49-F238E27FC236}">
+                  <a16:creationId xmlns:a16="http://schemas.microsoft.com/office/drawing/2014/main" id="{6910B1B0-7848-461D-A8EE-494297AF2C2C}"/>
+                </a:ext>
+              </a:extLst>
+            </p:cNvPr>
+            <p:cNvSpPr txBox="1"/>
+            <p:nvPr/>
+          </p:nvSpPr>
+          <p:spPr>
+            <a:xfrm>
+              <a:off x="4324070" y="6032320"/>
+              <a:ext cx="1588897" cy="276999"/>
+            </a:xfrm>
+            <a:prstGeom prst="rect">
+              <a:avLst/>
+            </a:prstGeom>
+            <a:noFill/>
+            <a:ln>
+              <a:noFill/>
+            </a:ln>
+          </p:spPr>
+          <p:style>
+            <a:lnRef idx="2">
+              <a:schemeClr val="accent3"/>
+            </a:lnRef>
+            <a:fillRef idx="1">
+              <a:schemeClr val="lt1"/>
+            </a:fillRef>
+            <a:effectRef idx="0">
+              <a:schemeClr val="accent3"/>
+            </a:effectRef>
+            <a:fontRef idx="minor">
+              <a:schemeClr val="dk1"/>
+            </a:fontRef>
+          </p:style>
+          <p:txBody>
+            <a:bodyPr wrap="none" rtlCol="0">
+              <a:spAutoFit/>
+            </a:bodyPr>
+            <a:lstStyle/>
+            <a:p>
+              <a:r>
+                <a:rPr lang="en-US" sz="1200" dirty="0"/>
+                <a:t>Deployment Pipeline</a:t>
+              </a:r>
+            </a:p>
+          </p:txBody>
+        </p:sp>
+        <p:sp>
+          <p:nvSpPr>
+            <p:cNvPr id="14" name="Eingekerbter Richtungspfeil 27">
+              <a:extLst>
+                <a:ext uri="{FF2B5EF4-FFF2-40B4-BE49-F238E27FC236}">
+                  <a16:creationId xmlns:a16="http://schemas.microsoft.com/office/drawing/2014/main" id="{C8C6383D-EFF4-4F8F-B7E7-55AA85D1E860}"/>
+                </a:ext>
+              </a:extLst>
+            </p:cNvPr>
+            <p:cNvSpPr/>
+            <p:nvPr/>
+          </p:nvSpPr>
+          <p:spPr>
+            <a:xfrm>
+              <a:off x="7320057" y="6091577"/>
+              <a:ext cx="158496" cy="158496"/>
+            </a:xfrm>
+            <a:prstGeom prst="chevron">
+              <a:avLst/>
+            </a:prstGeom>
+          </p:spPr>
+          <p:style>
+            <a:lnRef idx="1">
+              <a:schemeClr val="accent4"/>
+            </a:lnRef>
+            <a:fillRef idx="2">
+              <a:schemeClr val="accent4"/>
+            </a:fillRef>
+            <a:effectRef idx="1">
+              <a:schemeClr val="accent4"/>
+            </a:effectRef>
+            <a:fontRef idx="minor">
+              <a:schemeClr val="dk1"/>
+            </a:fontRef>
+          </p:style>
+          <p:txBody>
+            <a:bodyPr rtlCol="0" anchor="ctr"/>
+            <a:lstStyle/>
+            <a:p>
+              <a:pPr algn="ctr"/>
+              <a:endParaRPr lang="de-DE" dirty="0">
+                <a:solidFill>
+                  <a:schemeClr val="tx1"/>
+                </a:solidFill>
+              </a:endParaRPr>
+            </a:p>
+          </p:txBody>
+        </p:sp>
+        <p:cxnSp>
+          <p:nvCxnSpPr>
+            <p:cNvPr id="15" name="Gerade Verbindung 28">
+              <a:extLst>
+                <a:ext uri="{FF2B5EF4-FFF2-40B4-BE49-F238E27FC236}">
+                  <a16:creationId xmlns:a16="http://schemas.microsoft.com/office/drawing/2014/main" id="{BE0E1948-1999-44A0-B261-866A1DF5995B}"/>
+                </a:ext>
+              </a:extLst>
+            </p:cNvPr>
+            <p:cNvCxnSpPr/>
+            <p:nvPr/>
+          </p:nvCxnSpPr>
+          <p:spPr>
+            <a:xfrm>
+              <a:off x="25400" y="5986694"/>
+              <a:ext cx="9072000" cy="1588"/>
+            </a:xfrm>
+            <a:prstGeom prst="line">
+              <a:avLst/>
+            </a:prstGeom>
+            <a:ln w="41275">
+              <a:solidFill>
+                <a:schemeClr val="accent3">
+                  <a:lumMod val="85000"/>
+                </a:schemeClr>
+              </a:solidFill>
+            </a:ln>
+          </p:spPr>
+          <p:style>
+            <a:lnRef idx="1">
+              <a:schemeClr val="accent1"/>
+            </a:lnRef>
+            <a:fillRef idx="0">
+              <a:schemeClr val="accent1"/>
+            </a:fillRef>
+            <a:effectRef idx="0">
+              <a:schemeClr val="accent1"/>
+            </a:effectRef>
+            <a:fontRef idx="minor">
+              <a:schemeClr val="tx1"/>
+            </a:fontRef>
+          </p:style>
+        </p:cxnSp>
+        <p:sp>
+          <p:nvSpPr>
+            <p:cNvPr id="16" name="Eingekerbter Richtungspfeil 29">
+              <a:extLst>
+                <a:ext uri="{FF2B5EF4-FFF2-40B4-BE49-F238E27FC236}">
+                  <a16:creationId xmlns:a16="http://schemas.microsoft.com/office/drawing/2014/main" id="{A4600029-E40B-4FAC-BDEA-4C82CFF469F9}"/>
+                </a:ext>
+              </a:extLst>
+            </p:cNvPr>
+            <p:cNvSpPr/>
+            <p:nvPr/>
+          </p:nvSpPr>
+          <p:spPr>
+            <a:xfrm>
+              <a:off x="5925672" y="6091576"/>
+              <a:ext cx="158496" cy="158496"/>
+            </a:xfrm>
+            <a:prstGeom prst="chevron">
+              <a:avLst/>
+            </a:prstGeom>
+          </p:spPr>
+          <p:style>
+            <a:lnRef idx="1">
+              <a:schemeClr val="accent4"/>
+            </a:lnRef>
+            <a:fillRef idx="2">
+              <a:schemeClr val="accent4"/>
+            </a:fillRef>
+            <a:effectRef idx="1">
+              <a:schemeClr val="accent4"/>
+            </a:effectRef>
+            <a:fontRef idx="minor">
+              <a:schemeClr val="dk1"/>
+            </a:fontRef>
+          </p:style>
+          <p:txBody>
+            <a:bodyPr rtlCol="0" anchor="ctr"/>
+            <a:lstStyle/>
+            <a:p>
+              <a:pPr algn="ctr"/>
+              <a:endParaRPr lang="de-DE" dirty="0">
+                <a:solidFill>
+                  <a:schemeClr val="tx1"/>
+                </a:solidFill>
+              </a:endParaRPr>
+            </a:p>
+          </p:txBody>
+        </p:sp>
+      </p:grpSp>
+      <p:pic>
+        <p:nvPicPr>
+          <p:cNvPr id="3" name="Grafik 2">
+            <a:extLst>
+              <a:ext uri="{FF2B5EF4-FFF2-40B4-BE49-F238E27FC236}">
+                <a16:creationId xmlns:a16="http://schemas.microsoft.com/office/drawing/2014/main" id="{733AB5B1-92CC-4483-BC75-2B50E1C9E636}"/>
+              </a:ext>
+            </a:extLst>
+          </p:cNvPr>
+          <p:cNvPicPr>
+            <a:picLocks noChangeAspect="1"/>
+          </p:cNvPicPr>
+          <p:nvPr/>
+        </p:nvPicPr>
+        <p:blipFill>
+          <a:blip r:embed="rId3">
+            <a:extLst>
+              <a:ext uri="{28A0092B-C50C-407E-A947-70E740481C1C}">
+                <a14:useLocalDpi xmlns:a14="http://schemas.microsoft.com/office/drawing/2010/main" val="0"/>
+              </a:ext>
+            </a:extLst>
+          </a:blip>
+          <a:stretch>
+            <a:fillRect/>
+          </a:stretch>
+        </p:blipFill>
+        <p:spPr>
+          <a:xfrm>
+            <a:off x="366831" y="1327048"/>
+            <a:ext cx="8410338" cy="2489404"/>
+          </a:xfrm>
+          <a:prstGeom prst="rect">
+            <a:avLst/>
+          </a:prstGeom>
+        </p:spPr>
+      </p:pic>
+    </p:spTree>
+    <p:extLst>
+      <p:ext uri="{BB962C8B-B14F-4D97-AF65-F5344CB8AC3E}">
+        <p14:creationId xmlns:p14="http://schemas.microsoft.com/office/powerpoint/2010/main" val="1553303516"/>
+      </p:ext>
+    </p:extLst>
+  </p:cSld>
+  <p:clrMapOvr>
+    <a:masterClrMapping/>
+  </p:clrMapOvr>
+</p:sld>
+</file>
+
+<file path=ppt/slides/slide7.xml><?xml version="1.0" encoding="utf-8"?>
+<p:sld xmlns:a="http://schemas.openxmlformats.org/drawingml/2006/main" xmlns:r="http://schemas.openxmlformats.org/officeDocument/2006/relationships" xmlns:p="http://schemas.openxmlformats.org/presentationml/2006/main">
+  <p:cSld>
+    <p:spTree>
+      <p:nvGrpSpPr>
+        <p:cNvPr id="1" name=""/>
+        <p:cNvGrpSpPr/>
+        <p:nvPr/>
+      </p:nvGrpSpPr>
+      <p:grpSpPr>
+        <a:xfrm>
+          <a:off x="0" y="0"/>
+          <a:ext cx="0" cy="0"/>
+          <a:chOff x="0" y="0"/>
+          <a:chExt cx="0" cy="0"/>
+        </a:xfrm>
+      </p:grpSpPr>
+      <p:sp>
+        <p:nvSpPr>
+          <p:cNvPr id="29698" name="Rectangle 2"/>
+          <p:cNvSpPr>
+            <a:spLocks noGrp="1" noChangeArrowheads="1"/>
+          </p:cNvSpPr>
+          <p:nvPr>
+            <p:ph type="title"/>
+          </p:nvPr>
+        </p:nvSpPr>
+        <p:spPr/>
+        <p:txBody>
+          <a:bodyPr/>
+          <a:lstStyle/>
+          <a:p>
+            <a:endParaRPr lang="en-US" dirty="0"/>
           </a:p>
         </p:txBody>
       </p:sp>
@@ -12604,7 +15618,7 @@
             <a:lstStyle/>
             <a:p>
               <a:pPr algn="ctr"/>
-              <a:endParaRPr lang="de-DE">
+              <a:endParaRPr lang="de-DE" dirty="0">
                 <a:solidFill>
                   <a:schemeClr val="tx1"/>
                 </a:solidFill>
@@ -12652,7 +15666,7 @@
             <a:lstStyle/>
             <a:p>
               <a:pPr algn="ctr"/>
-              <a:endParaRPr lang="de-DE">
+              <a:endParaRPr lang="de-DE" dirty="0">
                 <a:solidFill>
                   <a:schemeClr val="tx1"/>
                 </a:solidFill>
@@ -12752,7 +15766,7 @@
             <a:lstStyle/>
             <a:p>
               <a:pPr algn="ctr"/>
-              <a:endParaRPr lang="de-DE">
+              <a:endParaRPr lang="de-DE" dirty="0">
                 <a:solidFill>
                   <a:schemeClr val="tx1"/>
                 </a:solidFill>
@@ -12843,7 +15857,7 @@
             <a:lstStyle/>
             <a:p>
               <a:pPr algn="ctr"/>
-              <a:endParaRPr lang="de-DE">
+              <a:endParaRPr lang="de-DE" dirty="0">
                 <a:solidFill>
                   <a:schemeClr val="tx1"/>
                 </a:solidFill>
@@ -12855,7 +15869,7 @@
     </p:spTree>
     <p:extLst>
       <p:ext uri="{BB962C8B-B14F-4D97-AF65-F5344CB8AC3E}">
-        <p14:creationId xmlns:p14="http://schemas.microsoft.com/office/powerpoint/2010/main" val="3984602124"/>
+        <p14:creationId xmlns:p14="http://schemas.microsoft.com/office/powerpoint/2010/main" val="106812998"/>
       </p:ext>
     </p:extLst>
   </p:cSld>
@@ -12865,7 +15879,7 @@
 </p:sld>
 </file>
 
-<file path=ppt/slides/slide4.xml><?xml version="1.0" encoding="utf-8"?>
+<file path=ppt/slides/slide8.xml><?xml version="1.0" encoding="utf-8"?>
 <p:sld xmlns:a="http://schemas.openxmlformats.org/drawingml/2006/main" xmlns:r="http://schemas.openxmlformats.org/officeDocument/2006/relationships" xmlns:p="http://schemas.openxmlformats.org/presentationml/2006/main">
   <p:cSld>
     <p:spTree>
@@ -12897,7 +15911,7 @@
           <a:bodyPr/>
           <a:lstStyle/>
           <a:p>
-            <a:endParaRPr lang="de-DE" dirty="0"/>
+            <a:endParaRPr lang="en-US" dirty="0"/>
           </a:p>
         </p:txBody>
       </p:sp>
@@ -13294,7 +16308,7 @@
             <a:lstStyle/>
             <a:p>
               <a:pPr algn="ctr"/>
-              <a:endParaRPr lang="de-DE">
+              <a:endParaRPr lang="de-DE" dirty="0">
                 <a:solidFill>
                   <a:schemeClr val="tx1"/>
                 </a:solidFill>
@@ -13342,7 +16356,7 @@
             <a:lstStyle/>
             <a:p>
               <a:pPr algn="ctr"/>
-              <a:endParaRPr lang="de-DE">
+              <a:endParaRPr lang="de-DE" dirty="0">
                 <a:solidFill>
                   <a:schemeClr val="tx1"/>
                 </a:solidFill>
@@ -13442,7 +16456,7 @@
             <a:lstStyle/>
             <a:p>
               <a:pPr algn="ctr"/>
-              <a:endParaRPr lang="de-DE">
+              <a:endParaRPr lang="de-DE" dirty="0">
                 <a:solidFill>
                   <a:schemeClr val="tx1"/>
                 </a:solidFill>
@@ -13533,7 +16547,7 @@
             <a:lstStyle/>
             <a:p>
               <a:pPr algn="ctr"/>
-              <a:endParaRPr lang="de-DE">
+              <a:endParaRPr lang="de-DE" dirty="0">
                 <a:solidFill>
                   <a:schemeClr val="tx1"/>
                 </a:solidFill>
@@ -13545,7 +16559,7 @@
     </p:spTree>
     <p:extLst>
       <p:ext uri="{BB962C8B-B14F-4D97-AF65-F5344CB8AC3E}">
-        <p14:creationId xmlns:p14="http://schemas.microsoft.com/office/powerpoint/2010/main" val="1363703684"/>
+        <p14:creationId xmlns:p14="http://schemas.microsoft.com/office/powerpoint/2010/main" val="4018240345"/>
       </p:ext>
     </p:extLst>
   </p:cSld>
@@ -13555,7 +16569,7 @@
 </p:sld>
 </file>
 
-<file path=ppt/slides/slide5.xml><?xml version="1.0" encoding="utf-8"?>
+<file path=ppt/slides/slide9.xml><?xml version="1.0" encoding="utf-8"?>
 <p:sld xmlns:a="http://schemas.openxmlformats.org/drawingml/2006/main" xmlns:r="http://schemas.openxmlformats.org/officeDocument/2006/relationships" xmlns:p="http://schemas.openxmlformats.org/presentationml/2006/main">
   <p:cSld>
     <p:spTree>
@@ -13587,7 +16601,7 @@
           <a:bodyPr/>
           <a:lstStyle/>
           <a:p>
-            <a:endParaRPr lang="de-DE" dirty="0"/>
+            <a:endParaRPr lang="en-US" dirty="0"/>
           </a:p>
         </p:txBody>
       </p:sp>
@@ -13984,7 +16998,7 @@
             <a:lstStyle/>
             <a:p>
               <a:pPr algn="ctr"/>
-              <a:endParaRPr lang="de-DE">
+              <a:endParaRPr lang="de-DE" dirty="0">
                 <a:solidFill>
                   <a:schemeClr val="tx1"/>
                 </a:solidFill>
@@ -14032,7 +17046,7 @@
             <a:lstStyle/>
             <a:p>
               <a:pPr algn="ctr"/>
-              <a:endParaRPr lang="de-DE">
+              <a:endParaRPr lang="de-DE" dirty="0">
                 <a:solidFill>
                   <a:schemeClr val="tx1"/>
                 </a:solidFill>
@@ -14132,7 +17146,7 @@
             <a:lstStyle/>
             <a:p>
               <a:pPr algn="ctr"/>
-              <a:endParaRPr lang="de-DE">
+              <a:endParaRPr lang="de-DE" dirty="0">
                 <a:solidFill>
                   <a:schemeClr val="tx1"/>
                 </a:solidFill>
@@ -14223,2767 +17237,7 @@
             <a:lstStyle/>
             <a:p>
               <a:pPr algn="ctr"/>
-              <a:endParaRPr lang="de-DE">
-                <a:solidFill>
-                  <a:schemeClr val="tx1"/>
-                </a:solidFill>
-              </a:endParaRPr>
-            </a:p>
-          </p:txBody>
-        </p:sp>
-      </p:grpSp>
-    </p:spTree>
-    <p:extLst>
-      <p:ext uri="{BB962C8B-B14F-4D97-AF65-F5344CB8AC3E}">
-        <p14:creationId xmlns:p14="http://schemas.microsoft.com/office/powerpoint/2010/main" val="4142848047"/>
-      </p:ext>
-    </p:extLst>
-  </p:cSld>
-  <p:clrMapOvr>
-    <a:masterClrMapping/>
-  </p:clrMapOvr>
-</p:sld>
-</file>
-
-<file path=ppt/slides/slide6.xml><?xml version="1.0" encoding="utf-8"?>
-<p:sld xmlns:a="http://schemas.openxmlformats.org/drawingml/2006/main" xmlns:r="http://schemas.openxmlformats.org/officeDocument/2006/relationships" xmlns:p="http://schemas.openxmlformats.org/presentationml/2006/main">
-  <p:cSld>
-    <p:spTree>
-      <p:nvGrpSpPr>
-        <p:cNvPr id="1" name=""/>
-        <p:cNvGrpSpPr/>
-        <p:nvPr/>
-      </p:nvGrpSpPr>
-      <p:grpSpPr>
-        <a:xfrm>
-          <a:off x="0" y="0"/>
-          <a:ext cx="0" cy="0"/>
-          <a:chOff x="0" y="0"/>
-          <a:chExt cx="0" cy="0"/>
-        </a:xfrm>
-      </p:grpSpPr>
-      <p:sp>
-        <p:nvSpPr>
-          <p:cNvPr id="29698" name="Rectangle 2"/>
-          <p:cNvSpPr>
-            <a:spLocks noGrp="1" noChangeArrowheads="1"/>
-          </p:cNvSpPr>
-          <p:nvPr>
-            <p:ph type="title"/>
-          </p:nvPr>
-        </p:nvSpPr>
-        <p:spPr/>
-        <p:txBody>
-          <a:bodyPr/>
-          <a:lstStyle/>
-          <a:p>
-            <a:endParaRPr lang="de-DE" dirty="0"/>
-          </a:p>
-        </p:txBody>
-      </p:sp>
-      <p:sp>
-        <p:nvSpPr>
-          <p:cNvPr id="29699" name="Rectangle 3"/>
-          <p:cNvSpPr>
-            <a:spLocks noGrp="1" noChangeArrowheads="1"/>
-          </p:cNvSpPr>
-          <p:nvPr>
-            <p:ph type="body" idx="1"/>
-          </p:nvPr>
-        </p:nvSpPr>
-        <p:spPr>
-          <a:xfrm>
-            <a:off x="392113" y="898923"/>
-            <a:ext cx="8356600" cy="3397698"/>
-          </a:xfrm>
-        </p:spPr>
-        <p:txBody>
-          <a:bodyPr/>
-          <a:lstStyle/>
-          <a:p>
-            <a:endParaRPr lang="de-DE" dirty="0"/>
-          </a:p>
-        </p:txBody>
-      </p:sp>
-      <p:grpSp>
-        <p:nvGrpSpPr>
-          <p:cNvPr id="4" name="Gruppieren 21">
-            <a:extLst>
-              <a:ext uri="{FF2B5EF4-FFF2-40B4-BE49-F238E27FC236}">
-                <a16:creationId xmlns:a16="http://schemas.microsoft.com/office/drawing/2014/main" id="{AA131601-72E5-4228-A286-1E3E6D78B764}"/>
-              </a:ext>
-            </a:extLst>
-          </p:cNvPr>
-          <p:cNvGrpSpPr/>
-          <p:nvPr/>
-        </p:nvGrpSpPr>
-        <p:grpSpPr>
-          <a:xfrm>
-            <a:off x="72000" y="4424179"/>
-            <a:ext cx="9072000" cy="322630"/>
-            <a:chOff x="25400" y="5986694"/>
-            <a:chExt cx="9072000" cy="322630"/>
-          </a:xfrm>
-        </p:grpSpPr>
-        <p:sp>
-          <p:nvSpPr>
-            <p:cNvPr id="5" name="Textfeld 13">
-              <a:extLst>
-                <a:ext uri="{FF2B5EF4-FFF2-40B4-BE49-F238E27FC236}">
-                  <a16:creationId xmlns:a16="http://schemas.microsoft.com/office/drawing/2014/main" id="{2BCE988F-F02A-4D6D-B2E3-D098FA90D670}"/>
-                </a:ext>
-              </a:extLst>
-            </p:cNvPr>
-            <p:cNvSpPr txBox="1"/>
-            <p:nvPr/>
-          </p:nvSpPr>
-          <p:spPr>
-            <a:xfrm>
-              <a:off x="1493183" y="6032322"/>
-              <a:ext cx="554389" cy="276999"/>
-            </a:xfrm>
-            <a:prstGeom prst="rect">
-              <a:avLst/>
-            </a:prstGeom>
-            <a:noFill/>
-            <a:ln>
-              <a:noFill/>
-            </a:ln>
-          </p:spPr>
-          <p:style>
-            <a:lnRef idx="2">
-              <a:schemeClr val="accent3"/>
-            </a:lnRef>
-            <a:fillRef idx="1">
-              <a:schemeClr val="lt1"/>
-            </a:fillRef>
-            <a:effectRef idx="0">
-              <a:schemeClr val="accent3"/>
-            </a:effectRef>
-            <a:fontRef idx="minor">
-              <a:schemeClr val="dk1"/>
-            </a:fontRef>
-          </p:style>
-          <p:txBody>
-            <a:bodyPr wrap="square" rtlCol="0">
-              <a:spAutoFit/>
-            </a:bodyPr>
-            <a:lstStyle/>
-            <a:p>
-              <a:pPr algn="ctr"/>
-              <a:r>
-                <a:rPr lang="en-US" sz="1200" dirty="0"/>
-                <a:t>CSE</a:t>
-              </a:r>
-            </a:p>
-          </p:txBody>
-        </p:sp>
-        <p:sp>
-          <p:nvSpPr>
-            <p:cNvPr id="6" name="Textfeld 14">
-              <a:extLst>
-                <a:ext uri="{FF2B5EF4-FFF2-40B4-BE49-F238E27FC236}">
-                  <a16:creationId xmlns:a16="http://schemas.microsoft.com/office/drawing/2014/main" id="{C8E64975-DD4E-484D-9EF4-CB11AB9E264F}"/>
-                </a:ext>
-              </a:extLst>
-            </p:cNvPr>
-            <p:cNvSpPr txBox="1"/>
-            <p:nvPr/>
-          </p:nvSpPr>
-          <p:spPr>
-            <a:xfrm>
-              <a:off x="6282440" y="6032325"/>
-              <a:ext cx="949299" cy="276999"/>
-            </a:xfrm>
-            <a:prstGeom prst="rect">
-              <a:avLst/>
-            </a:prstGeom>
-            <a:noFill/>
-            <a:ln>
-              <a:noFill/>
-            </a:ln>
-          </p:spPr>
-          <p:style>
-            <a:lnRef idx="2">
-              <a:schemeClr val="accent3"/>
-            </a:lnRef>
-            <a:fillRef idx="1">
-              <a:schemeClr val="lt1"/>
-            </a:fillRef>
-            <a:effectRef idx="0">
-              <a:schemeClr val="accent3"/>
-            </a:effectRef>
-            <a:fontRef idx="minor">
-              <a:schemeClr val="dk1"/>
-            </a:fontRef>
-          </p:style>
-          <p:txBody>
-            <a:bodyPr wrap="none" rtlCol="0">
-              <a:spAutoFit/>
-            </a:bodyPr>
-            <a:lstStyle/>
-            <a:p>
-              <a:r>
-                <a:rPr lang="en-US" sz="1200" dirty="0"/>
-                <a:t>Challenges</a:t>
-              </a:r>
-            </a:p>
-          </p:txBody>
-        </p:sp>
-        <p:sp>
-          <p:nvSpPr>
-            <p:cNvPr id="7" name="Textfeld 6">
-              <a:extLst>
-                <a:ext uri="{FF2B5EF4-FFF2-40B4-BE49-F238E27FC236}">
-                  <a16:creationId xmlns:a16="http://schemas.microsoft.com/office/drawing/2014/main" id="{5B1D65DE-7E84-4D4A-AD1F-FC54B535CB1E}"/>
-                </a:ext>
-              </a:extLst>
-            </p:cNvPr>
-            <p:cNvSpPr txBox="1"/>
-            <p:nvPr/>
-          </p:nvSpPr>
-          <p:spPr>
-            <a:xfrm>
-              <a:off x="2361122" y="6032320"/>
-              <a:ext cx="1774155" cy="276999"/>
-            </a:xfrm>
-            <a:prstGeom prst="rect">
-              <a:avLst/>
-            </a:prstGeom>
-            <a:noFill/>
-            <a:ln>
-              <a:noFill/>
-            </a:ln>
-          </p:spPr>
-          <p:style>
-            <a:lnRef idx="2">
-              <a:schemeClr val="accent3"/>
-            </a:lnRef>
-            <a:fillRef idx="1">
-              <a:schemeClr val="lt1"/>
-            </a:fillRef>
-            <a:effectRef idx="0">
-              <a:schemeClr val="accent3"/>
-            </a:effectRef>
-            <a:fontRef idx="minor">
-              <a:schemeClr val="dk1"/>
-            </a:fontRef>
-          </p:style>
-          <p:txBody>
-            <a:bodyPr wrap="square" rtlCol="0">
-              <a:spAutoFit/>
-            </a:bodyPr>
-            <a:lstStyle/>
-            <a:p>
-              <a:r>
-                <a:rPr lang="en-US" sz="1200" dirty="0"/>
-                <a:t>The Stairway to Haven</a:t>
-              </a:r>
-            </a:p>
-          </p:txBody>
-        </p:sp>
-        <p:sp>
-          <p:nvSpPr>
-            <p:cNvPr id="8" name="Textfeld 7">
-              <a:extLst>
-                <a:ext uri="{FF2B5EF4-FFF2-40B4-BE49-F238E27FC236}">
-                  <a16:creationId xmlns:a16="http://schemas.microsoft.com/office/drawing/2014/main" id="{8544E219-3395-4D35-AB47-83E797162EF8}"/>
-                </a:ext>
-              </a:extLst>
-            </p:cNvPr>
-            <p:cNvSpPr txBox="1"/>
-            <p:nvPr/>
-          </p:nvSpPr>
-          <p:spPr>
-            <a:xfrm>
-              <a:off x="7763010" y="6032321"/>
-              <a:ext cx="1278028" cy="276999"/>
-            </a:xfrm>
-            <a:prstGeom prst="rect">
-              <a:avLst/>
-            </a:prstGeom>
-            <a:noFill/>
-            <a:ln>
-              <a:noFill/>
-            </a:ln>
-          </p:spPr>
-          <p:style>
-            <a:lnRef idx="2">
-              <a:schemeClr val="accent3"/>
-            </a:lnRef>
-            <a:fillRef idx="1">
-              <a:schemeClr val="lt1"/>
-            </a:fillRef>
-            <a:effectRef idx="0">
-              <a:schemeClr val="accent3"/>
-            </a:effectRef>
-            <a:fontRef idx="minor">
-              <a:schemeClr val="dk1"/>
-            </a:fontRef>
-          </p:style>
-          <p:txBody>
-            <a:bodyPr wrap="square" rtlCol="0">
-              <a:spAutoFit/>
-            </a:bodyPr>
-            <a:lstStyle/>
-            <a:p>
-              <a:r>
-                <a:rPr lang="en-US" sz="1200" dirty="0"/>
-                <a:t>Summary</a:t>
-              </a:r>
-            </a:p>
-          </p:txBody>
-        </p:sp>
-        <p:sp>
-          <p:nvSpPr>
-            <p:cNvPr id="9" name="Textfeld 8">
-              <a:extLst>
-                <a:ext uri="{FF2B5EF4-FFF2-40B4-BE49-F238E27FC236}">
-                  <a16:creationId xmlns:a16="http://schemas.microsoft.com/office/drawing/2014/main" id="{852888F9-9852-4482-8D86-9D678EB085AD}"/>
-                </a:ext>
-              </a:extLst>
-            </p:cNvPr>
-            <p:cNvSpPr txBox="1"/>
-            <p:nvPr/>
-          </p:nvSpPr>
-          <p:spPr>
-            <a:xfrm>
-              <a:off x="179512" y="6032321"/>
-              <a:ext cx="1213939" cy="276999"/>
-            </a:xfrm>
-            <a:prstGeom prst="rect">
-              <a:avLst/>
-            </a:prstGeom>
-            <a:noFill/>
-            <a:ln>
-              <a:noFill/>
-            </a:ln>
-          </p:spPr>
-          <p:style>
-            <a:lnRef idx="2">
-              <a:schemeClr val="accent3"/>
-            </a:lnRef>
-            <a:fillRef idx="1">
-              <a:schemeClr val="lt1"/>
-            </a:fillRef>
-            <a:effectRef idx="0">
-              <a:schemeClr val="accent3"/>
-            </a:effectRef>
-            <a:fontRef idx="minor">
-              <a:schemeClr val="dk1"/>
-            </a:fontRef>
-          </p:style>
-          <p:txBody>
-            <a:bodyPr wrap="square" rtlCol="0">
-              <a:spAutoFit/>
-            </a:bodyPr>
-            <a:lstStyle/>
-            <a:p>
-              <a:r>
-                <a:rPr lang="en-US" sz="1200" b="1" dirty="0"/>
-                <a:t>Introduction</a:t>
-              </a:r>
-            </a:p>
-          </p:txBody>
-        </p:sp>
-        <p:sp>
-          <p:nvSpPr>
-            <p:cNvPr id="10" name="Eingekerbter Richtungspfeil 23">
-              <a:extLst>
-                <a:ext uri="{FF2B5EF4-FFF2-40B4-BE49-F238E27FC236}">
-                  <a16:creationId xmlns:a16="http://schemas.microsoft.com/office/drawing/2014/main" id="{C005311E-133F-493F-BFFC-C169B3CA8A86}"/>
-                </a:ext>
-              </a:extLst>
-            </p:cNvPr>
-            <p:cNvSpPr/>
-            <p:nvPr/>
-          </p:nvSpPr>
-          <p:spPr>
-            <a:xfrm>
-              <a:off x="1284399" y="6091574"/>
-              <a:ext cx="158496" cy="158496"/>
-            </a:xfrm>
-            <a:prstGeom prst="chevron">
-              <a:avLst/>
-            </a:prstGeom>
-          </p:spPr>
-          <p:style>
-            <a:lnRef idx="1">
-              <a:schemeClr val="accent4"/>
-            </a:lnRef>
-            <a:fillRef idx="2">
-              <a:schemeClr val="accent4"/>
-            </a:fillRef>
-            <a:effectRef idx="1">
-              <a:schemeClr val="accent4"/>
-            </a:effectRef>
-            <a:fontRef idx="minor">
-              <a:schemeClr val="dk1"/>
-            </a:fontRef>
-          </p:style>
-          <p:txBody>
-            <a:bodyPr rtlCol="0" anchor="ctr"/>
-            <a:lstStyle/>
-            <a:p>
-              <a:pPr algn="ctr"/>
               <a:endParaRPr lang="de-DE" dirty="0">
-                <a:solidFill>
-                  <a:schemeClr val="tx1"/>
-                </a:solidFill>
-              </a:endParaRPr>
-            </a:p>
-          </p:txBody>
-        </p:sp>
-        <p:sp>
-          <p:nvSpPr>
-            <p:cNvPr id="11" name="Eingekerbter Richtungspfeil 24">
-              <a:extLst>
-                <a:ext uri="{FF2B5EF4-FFF2-40B4-BE49-F238E27FC236}">
-                  <a16:creationId xmlns:a16="http://schemas.microsoft.com/office/drawing/2014/main" id="{13B86617-4353-46AD-97C4-7F02A1BA1B80}"/>
-                </a:ext>
-              </a:extLst>
-            </p:cNvPr>
-            <p:cNvSpPr/>
-            <p:nvPr/>
-          </p:nvSpPr>
-          <p:spPr>
-            <a:xfrm>
-              <a:off x="2052380" y="6091574"/>
-              <a:ext cx="158496" cy="158496"/>
-            </a:xfrm>
-            <a:prstGeom prst="chevron">
-              <a:avLst/>
-            </a:prstGeom>
-          </p:spPr>
-          <p:style>
-            <a:lnRef idx="1">
-              <a:schemeClr val="accent4"/>
-            </a:lnRef>
-            <a:fillRef idx="2">
-              <a:schemeClr val="accent4"/>
-            </a:fillRef>
-            <a:effectRef idx="1">
-              <a:schemeClr val="accent4"/>
-            </a:effectRef>
-            <a:fontRef idx="minor">
-              <a:schemeClr val="dk1"/>
-            </a:fontRef>
-          </p:style>
-          <p:txBody>
-            <a:bodyPr rtlCol="0" anchor="ctr"/>
-            <a:lstStyle/>
-            <a:p>
-              <a:pPr algn="ctr"/>
-              <a:endParaRPr lang="de-DE">
-                <a:solidFill>
-                  <a:schemeClr val="tx1"/>
-                </a:solidFill>
-              </a:endParaRPr>
-            </a:p>
-          </p:txBody>
-        </p:sp>
-        <p:sp>
-          <p:nvSpPr>
-            <p:cNvPr id="12" name="Eingekerbter Richtungspfeil 25">
-              <a:extLst>
-                <a:ext uri="{FF2B5EF4-FFF2-40B4-BE49-F238E27FC236}">
-                  <a16:creationId xmlns:a16="http://schemas.microsoft.com/office/drawing/2014/main" id="{40D0FAF6-EB9E-4EEF-BCBE-972523E34CB7}"/>
-                </a:ext>
-              </a:extLst>
-            </p:cNvPr>
-            <p:cNvSpPr/>
-            <p:nvPr/>
-          </p:nvSpPr>
-          <p:spPr>
-            <a:xfrm>
-              <a:off x="4116879" y="6091574"/>
-              <a:ext cx="158496" cy="158496"/>
-            </a:xfrm>
-            <a:prstGeom prst="chevron">
-              <a:avLst/>
-            </a:prstGeom>
-          </p:spPr>
-          <p:style>
-            <a:lnRef idx="1">
-              <a:schemeClr val="accent4"/>
-            </a:lnRef>
-            <a:fillRef idx="2">
-              <a:schemeClr val="accent4"/>
-            </a:fillRef>
-            <a:effectRef idx="1">
-              <a:schemeClr val="accent4"/>
-            </a:effectRef>
-            <a:fontRef idx="minor">
-              <a:schemeClr val="dk1"/>
-            </a:fontRef>
-          </p:style>
-          <p:txBody>
-            <a:bodyPr rtlCol="0" anchor="ctr"/>
-            <a:lstStyle/>
-            <a:p>
-              <a:pPr algn="ctr"/>
-              <a:endParaRPr lang="de-DE">
-                <a:solidFill>
-                  <a:schemeClr val="tx1"/>
-                </a:solidFill>
-              </a:endParaRPr>
-            </a:p>
-          </p:txBody>
-        </p:sp>
-        <p:sp>
-          <p:nvSpPr>
-            <p:cNvPr id="13" name="Textfeld 12">
-              <a:extLst>
-                <a:ext uri="{FF2B5EF4-FFF2-40B4-BE49-F238E27FC236}">
-                  <a16:creationId xmlns:a16="http://schemas.microsoft.com/office/drawing/2014/main" id="{6910B1B0-7848-461D-A8EE-494297AF2C2C}"/>
-                </a:ext>
-              </a:extLst>
-            </p:cNvPr>
-            <p:cNvSpPr txBox="1"/>
-            <p:nvPr/>
-          </p:nvSpPr>
-          <p:spPr>
-            <a:xfrm>
-              <a:off x="4324070" y="6032320"/>
-              <a:ext cx="1588897" cy="276999"/>
-            </a:xfrm>
-            <a:prstGeom prst="rect">
-              <a:avLst/>
-            </a:prstGeom>
-            <a:noFill/>
-            <a:ln>
-              <a:noFill/>
-            </a:ln>
-          </p:spPr>
-          <p:style>
-            <a:lnRef idx="2">
-              <a:schemeClr val="accent3"/>
-            </a:lnRef>
-            <a:fillRef idx="1">
-              <a:schemeClr val="lt1"/>
-            </a:fillRef>
-            <a:effectRef idx="0">
-              <a:schemeClr val="accent3"/>
-            </a:effectRef>
-            <a:fontRef idx="minor">
-              <a:schemeClr val="dk1"/>
-            </a:fontRef>
-          </p:style>
-          <p:txBody>
-            <a:bodyPr wrap="none" rtlCol="0">
-              <a:spAutoFit/>
-            </a:bodyPr>
-            <a:lstStyle/>
-            <a:p>
-              <a:r>
-                <a:rPr lang="en-US" sz="1200" dirty="0"/>
-                <a:t>Deployment Pipeline</a:t>
-              </a:r>
-            </a:p>
-          </p:txBody>
-        </p:sp>
-        <p:sp>
-          <p:nvSpPr>
-            <p:cNvPr id="14" name="Eingekerbter Richtungspfeil 27">
-              <a:extLst>
-                <a:ext uri="{FF2B5EF4-FFF2-40B4-BE49-F238E27FC236}">
-                  <a16:creationId xmlns:a16="http://schemas.microsoft.com/office/drawing/2014/main" id="{C8C6383D-EFF4-4F8F-B7E7-55AA85D1E860}"/>
-                </a:ext>
-              </a:extLst>
-            </p:cNvPr>
-            <p:cNvSpPr/>
-            <p:nvPr/>
-          </p:nvSpPr>
-          <p:spPr>
-            <a:xfrm>
-              <a:off x="7320057" y="6091577"/>
-              <a:ext cx="158496" cy="158496"/>
-            </a:xfrm>
-            <a:prstGeom prst="chevron">
-              <a:avLst/>
-            </a:prstGeom>
-          </p:spPr>
-          <p:style>
-            <a:lnRef idx="1">
-              <a:schemeClr val="accent4"/>
-            </a:lnRef>
-            <a:fillRef idx="2">
-              <a:schemeClr val="accent4"/>
-            </a:fillRef>
-            <a:effectRef idx="1">
-              <a:schemeClr val="accent4"/>
-            </a:effectRef>
-            <a:fontRef idx="minor">
-              <a:schemeClr val="dk1"/>
-            </a:fontRef>
-          </p:style>
-          <p:txBody>
-            <a:bodyPr rtlCol="0" anchor="ctr"/>
-            <a:lstStyle/>
-            <a:p>
-              <a:pPr algn="ctr"/>
-              <a:endParaRPr lang="de-DE">
-                <a:solidFill>
-                  <a:schemeClr val="tx1"/>
-                </a:solidFill>
-              </a:endParaRPr>
-            </a:p>
-          </p:txBody>
-        </p:sp>
-        <p:cxnSp>
-          <p:nvCxnSpPr>
-            <p:cNvPr id="15" name="Gerade Verbindung 28">
-              <a:extLst>
-                <a:ext uri="{FF2B5EF4-FFF2-40B4-BE49-F238E27FC236}">
-                  <a16:creationId xmlns:a16="http://schemas.microsoft.com/office/drawing/2014/main" id="{BE0E1948-1999-44A0-B261-866A1DF5995B}"/>
-                </a:ext>
-              </a:extLst>
-            </p:cNvPr>
-            <p:cNvCxnSpPr/>
-            <p:nvPr/>
-          </p:nvCxnSpPr>
-          <p:spPr>
-            <a:xfrm>
-              <a:off x="25400" y="5986694"/>
-              <a:ext cx="9072000" cy="1588"/>
-            </a:xfrm>
-            <a:prstGeom prst="line">
-              <a:avLst/>
-            </a:prstGeom>
-            <a:ln w="41275">
-              <a:solidFill>
-                <a:schemeClr val="accent3">
-                  <a:lumMod val="85000"/>
-                </a:schemeClr>
-              </a:solidFill>
-            </a:ln>
-          </p:spPr>
-          <p:style>
-            <a:lnRef idx="1">
-              <a:schemeClr val="accent1"/>
-            </a:lnRef>
-            <a:fillRef idx="0">
-              <a:schemeClr val="accent1"/>
-            </a:fillRef>
-            <a:effectRef idx="0">
-              <a:schemeClr val="accent1"/>
-            </a:effectRef>
-            <a:fontRef idx="minor">
-              <a:schemeClr val="tx1"/>
-            </a:fontRef>
-          </p:style>
-        </p:cxnSp>
-        <p:sp>
-          <p:nvSpPr>
-            <p:cNvPr id="16" name="Eingekerbter Richtungspfeil 29">
-              <a:extLst>
-                <a:ext uri="{FF2B5EF4-FFF2-40B4-BE49-F238E27FC236}">
-                  <a16:creationId xmlns:a16="http://schemas.microsoft.com/office/drawing/2014/main" id="{A4600029-E40B-4FAC-BDEA-4C82CFF469F9}"/>
-                </a:ext>
-              </a:extLst>
-            </p:cNvPr>
-            <p:cNvSpPr/>
-            <p:nvPr/>
-          </p:nvSpPr>
-          <p:spPr>
-            <a:xfrm>
-              <a:off x="5925672" y="6091576"/>
-              <a:ext cx="158496" cy="158496"/>
-            </a:xfrm>
-            <a:prstGeom prst="chevron">
-              <a:avLst/>
-            </a:prstGeom>
-          </p:spPr>
-          <p:style>
-            <a:lnRef idx="1">
-              <a:schemeClr val="accent4"/>
-            </a:lnRef>
-            <a:fillRef idx="2">
-              <a:schemeClr val="accent4"/>
-            </a:fillRef>
-            <a:effectRef idx="1">
-              <a:schemeClr val="accent4"/>
-            </a:effectRef>
-            <a:fontRef idx="minor">
-              <a:schemeClr val="dk1"/>
-            </a:fontRef>
-          </p:style>
-          <p:txBody>
-            <a:bodyPr rtlCol="0" anchor="ctr"/>
-            <a:lstStyle/>
-            <a:p>
-              <a:pPr algn="ctr"/>
-              <a:endParaRPr lang="de-DE">
-                <a:solidFill>
-                  <a:schemeClr val="tx1"/>
-                </a:solidFill>
-              </a:endParaRPr>
-            </a:p>
-          </p:txBody>
-        </p:sp>
-      </p:grpSp>
-    </p:spTree>
-    <p:extLst>
-      <p:ext uri="{BB962C8B-B14F-4D97-AF65-F5344CB8AC3E}">
-        <p14:creationId xmlns:p14="http://schemas.microsoft.com/office/powerpoint/2010/main" val="1553303516"/>
-      </p:ext>
-    </p:extLst>
-  </p:cSld>
-  <p:clrMapOvr>
-    <a:masterClrMapping/>
-  </p:clrMapOvr>
-</p:sld>
-</file>
-
-<file path=ppt/slides/slide7.xml><?xml version="1.0" encoding="utf-8"?>
-<p:sld xmlns:a="http://schemas.openxmlformats.org/drawingml/2006/main" xmlns:r="http://schemas.openxmlformats.org/officeDocument/2006/relationships" xmlns:p="http://schemas.openxmlformats.org/presentationml/2006/main">
-  <p:cSld>
-    <p:spTree>
-      <p:nvGrpSpPr>
-        <p:cNvPr id="1" name=""/>
-        <p:cNvGrpSpPr/>
-        <p:nvPr/>
-      </p:nvGrpSpPr>
-      <p:grpSpPr>
-        <a:xfrm>
-          <a:off x="0" y="0"/>
-          <a:ext cx="0" cy="0"/>
-          <a:chOff x="0" y="0"/>
-          <a:chExt cx="0" cy="0"/>
-        </a:xfrm>
-      </p:grpSpPr>
-      <p:sp>
-        <p:nvSpPr>
-          <p:cNvPr id="29698" name="Rectangle 2"/>
-          <p:cNvSpPr>
-            <a:spLocks noGrp="1" noChangeArrowheads="1"/>
-          </p:cNvSpPr>
-          <p:nvPr>
-            <p:ph type="title"/>
-          </p:nvPr>
-        </p:nvSpPr>
-        <p:spPr/>
-        <p:txBody>
-          <a:bodyPr/>
-          <a:lstStyle/>
-          <a:p>
-            <a:endParaRPr lang="de-DE" dirty="0"/>
-          </a:p>
-        </p:txBody>
-      </p:sp>
-      <p:sp>
-        <p:nvSpPr>
-          <p:cNvPr id="29699" name="Rectangle 3"/>
-          <p:cNvSpPr>
-            <a:spLocks noGrp="1" noChangeArrowheads="1"/>
-          </p:cNvSpPr>
-          <p:nvPr>
-            <p:ph type="body" idx="1"/>
-          </p:nvPr>
-        </p:nvSpPr>
-        <p:spPr>
-          <a:xfrm>
-            <a:off x="392113" y="898923"/>
-            <a:ext cx="8356600" cy="3397698"/>
-          </a:xfrm>
-        </p:spPr>
-        <p:txBody>
-          <a:bodyPr/>
-          <a:lstStyle/>
-          <a:p>
-            <a:endParaRPr lang="de-DE" dirty="0"/>
-          </a:p>
-        </p:txBody>
-      </p:sp>
-      <p:grpSp>
-        <p:nvGrpSpPr>
-          <p:cNvPr id="4" name="Gruppieren 21">
-            <a:extLst>
-              <a:ext uri="{FF2B5EF4-FFF2-40B4-BE49-F238E27FC236}">
-                <a16:creationId xmlns:a16="http://schemas.microsoft.com/office/drawing/2014/main" id="{AA131601-72E5-4228-A286-1E3E6D78B764}"/>
-              </a:ext>
-            </a:extLst>
-          </p:cNvPr>
-          <p:cNvGrpSpPr/>
-          <p:nvPr/>
-        </p:nvGrpSpPr>
-        <p:grpSpPr>
-          <a:xfrm>
-            <a:off x="72000" y="4424179"/>
-            <a:ext cx="9072000" cy="322630"/>
-            <a:chOff x="25400" y="5986694"/>
-            <a:chExt cx="9072000" cy="322630"/>
-          </a:xfrm>
-        </p:grpSpPr>
-        <p:sp>
-          <p:nvSpPr>
-            <p:cNvPr id="5" name="Textfeld 13">
-              <a:extLst>
-                <a:ext uri="{FF2B5EF4-FFF2-40B4-BE49-F238E27FC236}">
-                  <a16:creationId xmlns:a16="http://schemas.microsoft.com/office/drawing/2014/main" id="{2BCE988F-F02A-4D6D-B2E3-D098FA90D670}"/>
-                </a:ext>
-              </a:extLst>
-            </p:cNvPr>
-            <p:cNvSpPr txBox="1"/>
-            <p:nvPr/>
-          </p:nvSpPr>
-          <p:spPr>
-            <a:xfrm>
-              <a:off x="1493183" y="6032322"/>
-              <a:ext cx="554389" cy="276999"/>
-            </a:xfrm>
-            <a:prstGeom prst="rect">
-              <a:avLst/>
-            </a:prstGeom>
-            <a:noFill/>
-            <a:ln>
-              <a:noFill/>
-            </a:ln>
-          </p:spPr>
-          <p:style>
-            <a:lnRef idx="2">
-              <a:schemeClr val="accent3"/>
-            </a:lnRef>
-            <a:fillRef idx="1">
-              <a:schemeClr val="lt1"/>
-            </a:fillRef>
-            <a:effectRef idx="0">
-              <a:schemeClr val="accent3"/>
-            </a:effectRef>
-            <a:fontRef idx="minor">
-              <a:schemeClr val="dk1"/>
-            </a:fontRef>
-          </p:style>
-          <p:txBody>
-            <a:bodyPr wrap="square" rtlCol="0">
-              <a:spAutoFit/>
-            </a:bodyPr>
-            <a:lstStyle/>
-            <a:p>
-              <a:pPr algn="ctr"/>
-              <a:r>
-                <a:rPr lang="en-US" sz="1200" dirty="0"/>
-                <a:t>CSE</a:t>
-              </a:r>
-            </a:p>
-          </p:txBody>
-        </p:sp>
-        <p:sp>
-          <p:nvSpPr>
-            <p:cNvPr id="6" name="Textfeld 14">
-              <a:extLst>
-                <a:ext uri="{FF2B5EF4-FFF2-40B4-BE49-F238E27FC236}">
-                  <a16:creationId xmlns:a16="http://schemas.microsoft.com/office/drawing/2014/main" id="{C8E64975-DD4E-484D-9EF4-CB11AB9E264F}"/>
-                </a:ext>
-              </a:extLst>
-            </p:cNvPr>
-            <p:cNvSpPr txBox="1"/>
-            <p:nvPr/>
-          </p:nvSpPr>
-          <p:spPr>
-            <a:xfrm>
-              <a:off x="6282440" y="6032325"/>
-              <a:ext cx="949299" cy="276999"/>
-            </a:xfrm>
-            <a:prstGeom prst="rect">
-              <a:avLst/>
-            </a:prstGeom>
-            <a:noFill/>
-            <a:ln>
-              <a:noFill/>
-            </a:ln>
-          </p:spPr>
-          <p:style>
-            <a:lnRef idx="2">
-              <a:schemeClr val="accent3"/>
-            </a:lnRef>
-            <a:fillRef idx="1">
-              <a:schemeClr val="lt1"/>
-            </a:fillRef>
-            <a:effectRef idx="0">
-              <a:schemeClr val="accent3"/>
-            </a:effectRef>
-            <a:fontRef idx="minor">
-              <a:schemeClr val="dk1"/>
-            </a:fontRef>
-          </p:style>
-          <p:txBody>
-            <a:bodyPr wrap="none" rtlCol="0">
-              <a:spAutoFit/>
-            </a:bodyPr>
-            <a:lstStyle/>
-            <a:p>
-              <a:r>
-                <a:rPr lang="en-US" sz="1200" dirty="0"/>
-                <a:t>Challenges</a:t>
-              </a:r>
-            </a:p>
-          </p:txBody>
-        </p:sp>
-        <p:sp>
-          <p:nvSpPr>
-            <p:cNvPr id="7" name="Textfeld 6">
-              <a:extLst>
-                <a:ext uri="{FF2B5EF4-FFF2-40B4-BE49-F238E27FC236}">
-                  <a16:creationId xmlns:a16="http://schemas.microsoft.com/office/drawing/2014/main" id="{5B1D65DE-7E84-4D4A-AD1F-FC54B535CB1E}"/>
-                </a:ext>
-              </a:extLst>
-            </p:cNvPr>
-            <p:cNvSpPr txBox="1"/>
-            <p:nvPr/>
-          </p:nvSpPr>
-          <p:spPr>
-            <a:xfrm>
-              <a:off x="2361122" y="6032320"/>
-              <a:ext cx="1774155" cy="276999"/>
-            </a:xfrm>
-            <a:prstGeom prst="rect">
-              <a:avLst/>
-            </a:prstGeom>
-            <a:noFill/>
-            <a:ln>
-              <a:noFill/>
-            </a:ln>
-          </p:spPr>
-          <p:style>
-            <a:lnRef idx="2">
-              <a:schemeClr val="accent3"/>
-            </a:lnRef>
-            <a:fillRef idx="1">
-              <a:schemeClr val="lt1"/>
-            </a:fillRef>
-            <a:effectRef idx="0">
-              <a:schemeClr val="accent3"/>
-            </a:effectRef>
-            <a:fontRef idx="minor">
-              <a:schemeClr val="dk1"/>
-            </a:fontRef>
-          </p:style>
-          <p:txBody>
-            <a:bodyPr wrap="square" rtlCol="0">
-              <a:spAutoFit/>
-            </a:bodyPr>
-            <a:lstStyle/>
-            <a:p>
-              <a:r>
-                <a:rPr lang="en-US" sz="1200" dirty="0"/>
-                <a:t>The Stairway to Haven</a:t>
-              </a:r>
-            </a:p>
-          </p:txBody>
-        </p:sp>
-        <p:sp>
-          <p:nvSpPr>
-            <p:cNvPr id="8" name="Textfeld 7">
-              <a:extLst>
-                <a:ext uri="{FF2B5EF4-FFF2-40B4-BE49-F238E27FC236}">
-                  <a16:creationId xmlns:a16="http://schemas.microsoft.com/office/drawing/2014/main" id="{8544E219-3395-4D35-AB47-83E797162EF8}"/>
-                </a:ext>
-              </a:extLst>
-            </p:cNvPr>
-            <p:cNvSpPr txBox="1"/>
-            <p:nvPr/>
-          </p:nvSpPr>
-          <p:spPr>
-            <a:xfrm>
-              <a:off x="7763010" y="6032321"/>
-              <a:ext cx="1278028" cy="276999"/>
-            </a:xfrm>
-            <a:prstGeom prst="rect">
-              <a:avLst/>
-            </a:prstGeom>
-            <a:noFill/>
-            <a:ln>
-              <a:noFill/>
-            </a:ln>
-          </p:spPr>
-          <p:style>
-            <a:lnRef idx="2">
-              <a:schemeClr val="accent3"/>
-            </a:lnRef>
-            <a:fillRef idx="1">
-              <a:schemeClr val="lt1"/>
-            </a:fillRef>
-            <a:effectRef idx="0">
-              <a:schemeClr val="accent3"/>
-            </a:effectRef>
-            <a:fontRef idx="minor">
-              <a:schemeClr val="dk1"/>
-            </a:fontRef>
-          </p:style>
-          <p:txBody>
-            <a:bodyPr wrap="square" rtlCol="0">
-              <a:spAutoFit/>
-            </a:bodyPr>
-            <a:lstStyle/>
-            <a:p>
-              <a:r>
-                <a:rPr lang="en-US" sz="1200" dirty="0"/>
-                <a:t>Summary</a:t>
-              </a:r>
-            </a:p>
-          </p:txBody>
-        </p:sp>
-        <p:sp>
-          <p:nvSpPr>
-            <p:cNvPr id="9" name="Textfeld 8">
-              <a:extLst>
-                <a:ext uri="{FF2B5EF4-FFF2-40B4-BE49-F238E27FC236}">
-                  <a16:creationId xmlns:a16="http://schemas.microsoft.com/office/drawing/2014/main" id="{852888F9-9852-4482-8D86-9D678EB085AD}"/>
-                </a:ext>
-              </a:extLst>
-            </p:cNvPr>
-            <p:cNvSpPr txBox="1"/>
-            <p:nvPr/>
-          </p:nvSpPr>
-          <p:spPr>
-            <a:xfrm>
-              <a:off x="179512" y="6032321"/>
-              <a:ext cx="1213939" cy="276999"/>
-            </a:xfrm>
-            <a:prstGeom prst="rect">
-              <a:avLst/>
-            </a:prstGeom>
-            <a:noFill/>
-            <a:ln>
-              <a:noFill/>
-            </a:ln>
-          </p:spPr>
-          <p:style>
-            <a:lnRef idx="2">
-              <a:schemeClr val="accent3"/>
-            </a:lnRef>
-            <a:fillRef idx="1">
-              <a:schemeClr val="lt1"/>
-            </a:fillRef>
-            <a:effectRef idx="0">
-              <a:schemeClr val="accent3"/>
-            </a:effectRef>
-            <a:fontRef idx="minor">
-              <a:schemeClr val="dk1"/>
-            </a:fontRef>
-          </p:style>
-          <p:txBody>
-            <a:bodyPr wrap="square" rtlCol="0">
-              <a:spAutoFit/>
-            </a:bodyPr>
-            <a:lstStyle/>
-            <a:p>
-              <a:r>
-                <a:rPr lang="en-US" sz="1200" b="1" dirty="0"/>
-                <a:t>Introduction</a:t>
-              </a:r>
-            </a:p>
-          </p:txBody>
-        </p:sp>
-        <p:sp>
-          <p:nvSpPr>
-            <p:cNvPr id="10" name="Eingekerbter Richtungspfeil 23">
-              <a:extLst>
-                <a:ext uri="{FF2B5EF4-FFF2-40B4-BE49-F238E27FC236}">
-                  <a16:creationId xmlns:a16="http://schemas.microsoft.com/office/drawing/2014/main" id="{C005311E-133F-493F-BFFC-C169B3CA8A86}"/>
-                </a:ext>
-              </a:extLst>
-            </p:cNvPr>
-            <p:cNvSpPr/>
-            <p:nvPr/>
-          </p:nvSpPr>
-          <p:spPr>
-            <a:xfrm>
-              <a:off x="1284399" y="6091574"/>
-              <a:ext cx="158496" cy="158496"/>
-            </a:xfrm>
-            <a:prstGeom prst="chevron">
-              <a:avLst/>
-            </a:prstGeom>
-          </p:spPr>
-          <p:style>
-            <a:lnRef idx="1">
-              <a:schemeClr val="accent4"/>
-            </a:lnRef>
-            <a:fillRef idx="2">
-              <a:schemeClr val="accent4"/>
-            </a:fillRef>
-            <a:effectRef idx="1">
-              <a:schemeClr val="accent4"/>
-            </a:effectRef>
-            <a:fontRef idx="minor">
-              <a:schemeClr val="dk1"/>
-            </a:fontRef>
-          </p:style>
-          <p:txBody>
-            <a:bodyPr rtlCol="0" anchor="ctr"/>
-            <a:lstStyle/>
-            <a:p>
-              <a:pPr algn="ctr"/>
-              <a:endParaRPr lang="de-DE" dirty="0">
-                <a:solidFill>
-                  <a:schemeClr val="tx1"/>
-                </a:solidFill>
-              </a:endParaRPr>
-            </a:p>
-          </p:txBody>
-        </p:sp>
-        <p:sp>
-          <p:nvSpPr>
-            <p:cNvPr id="11" name="Eingekerbter Richtungspfeil 24">
-              <a:extLst>
-                <a:ext uri="{FF2B5EF4-FFF2-40B4-BE49-F238E27FC236}">
-                  <a16:creationId xmlns:a16="http://schemas.microsoft.com/office/drawing/2014/main" id="{13B86617-4353-46AD-97C4-7F02A1BA1B80}"/>
-                </a:ext>
-              </a:extLst>
-            </p:cNvPr>
-            <p:cNvSpPr/>
-            <p:nvPr/>
-          </p:nvSpPr>
-          <p:spPr>
-            <a:xfrm>
-              <a:off x="2052380" y="6091574"/>
-              <a:ext cx="158496" cy="158496"/>
-            </a:xfrm>
-            <a:prstGeom prst="chevron">
-              <a:avLst/>
-            </a:prstGeom>
-          </p:spPr>
-          <p:style>
-            <a:lnRef idx="1">
-              <a:schemeClr val="accent4"/>
-            </a:lnRef>
-            <a:fillRef idx="2">
-              <a:schemeClr val="accent4"/>
-            </a:fillRef>
-            <a:effectRef idx="1">
-              <a:schemeClr val="accent4"/>
-            </a:effectRef>
-            <a:fontRef idx="minor">
-              <a:schemeClr val="dk1"/>
-            </a:fontRef>
-          </p:style>
-          <p:txBody>
-            <a:bodyPr rtlCol="0" anchor="ctr"/>
-            <a:lstStyle/>
-            <a:p>
-              <a:pPr algn="ctr"/>
-              <a:endParaRPr lang="de-DE">
-                <a:solidFill>
-                  <a:schemeClr val="tx1"/>
-                </a:solidFill>
-              </a:endParaRPr>
-            </a:p>
-          </p:txBody>
-        </p:sp>
-        <p:sp>
-          <p:nvSpPr>
-            <p:cNvPr id="12" name="Eingekerbter Richtungspfeil 25">
-              <a:extLst>
-                <a:ext uri="{FF2B5EF4-FFF2-40B4-BE49-F238E27FC236}">
-                  <a16:creationId xmlns:a16="http://schemas.microsoft.com/office/drawing/2014/main" id="{40D0FAF6-EB9E-4EEF-BCBE-972523E34CB7}"/>
-                </a:ext>
-              </a:extLst>
-            </p:cNvPr>
-            <p:cNvSpPr/>
-            <p:nvPr/>
-          </p:nvSpPr>
-          <p:spPr>
-            <a:xfrm>
-              <a:off x="4116879" y="6091574"/>
-              <a:ext cx="158496" cy="158496"/>
-            </a:xfrm>
-            <a:prstGeom prst="chevron">
-              <a:avLst/>
-            </a:prstGeom>
-          </p:spPr>
-          <p:style>
-            <a:lnRef idx="1">
-              <a:schemeClr val="accent4"/>
-            </a:lnRef>
-            <a:fillRef idx="2">
-              <a:schemeClr val="accent4"/>
-            </a:fillRef>
-            <a:effectRef idx="1">
-              <a:schemeClr val="accent4"/>
-            </a:effectRef>
-            <a:fontRef idx="minor">
-              <a:schemeClr val="dk1"/>
-            </a:fontRef>
-          </p:style>
-          <p:txBody>
-            <a:bodyPr rtlCol="0" anchor="ctr"/>
-            <a:lstStyle/>
-            <a:p>
-              <a:pPr algn="ctr"/>
-              <a:endParaRPr lang="de-DE">
-                <a:solidFill>
-                  <a:schemeClr val="tx1"/>
-                </a:solidFill>
-              </a:endParaRPr>
-            </a:p>
-          </p:txBody>
-        </p:sp>
-        <p:sp>
-          <p:nvSpPr>
-            <p:cNvPr id="13" name="Textfeld 12">
-              <a:extLst>
-                <a:ext uri="{FF2B5EF4-FFF2-40B4-BE49-F238E27FC236}">
-                  <a16:creationId xmlns:a16="http://schemas.microsoft.com/office/drawing/2014/main" id="{6910B1B0-7848-461D-A8EE-494297AF2C2C}"/>
-                </a:ext>
-              </a:extLst>
-            </p:cNvPr>
-            <p:cNvSpPr txBox="1"/>
-            <p:nvPr/>
-          </p:nvSpPr>
-          <p:spPr>
-            <a:xfrm>
-              <a:off x="4324070" y="6032320"/>
-              <a:ext cx="1588897" cy="276999"/>
-            </a:xfrm>
-            <a:prstGeom prst="rect">
-              <a:avLst/>
-            </a:prstGeom>
-            <a:noFill/>
-            <a:ln>
-              <a:noFill/>
-            </a:ln>
-          </p:spPr>
-          <p:style>
-            <a:lnRef idx="2">
-              <a:schemeClr val="accent3"/>
-            </a:lnRef>
-            <a:fillRef idx="1">
-              <a:schemeClr val="lt1"/>
-            </a:fillRef>
-            <a:effectRef idx="0">
-              <a:schemeClr val="accent3"/>
-            </a:effectRef>
-            <a:fontRef idx="minor">
-              <a:schemeClr val="dk1"/>
-            </a:fontRef>
-          </p:style>
-          <p:txBody>
-            <a:bodyPr wrap="none" rtlCol="0">
-              <a:spAutoFit/>
-            </a:bodyPr>
-            <a:lstStyle/>
-            <a:p>
-              <a:r>
-                <a:rPr lang="en-US" sz="1200" dirty="0"/>
-                <a:t>Deployment Pipeline</a:t>
-              </a:r>
-            </a:p>
-          </p:txBody>
-        </p:sp>
-        <p:sp>
-          <p:nvSpPr>
-            <p:cNvPr id="14" name="Eingekerbter Richtungspfeil 27">
-              <a:extLst>
-                <a:ext uri="{FF2B5EF4-FFF2-40B4-BE49-F238E27FC236}">
-                  <a16:creationId xmlns:a16="http://schemas.microsoft.com/office/drawing/2014/main" id="{C8C6383D-EFF4-4F8F-B7E7-55AA85D1E860}"/>
-                </a:ext>
-              </a:extLst>
-            </p:cNvPr>
-            <p:cNvSpPr/>
-            <p:nvPr/>
-          </p:nvSpPr>
-          <p:spPr>
-            <a:xfrm>
-              <a:off x="7320057" y="6091577"/>
-              <a:ext cx="158496" cy="158496"/>
-            </a:xfrm>
-            <a:prstGeom prst="chevron">
-              <a:avLst/>
-            </a:prstGeom>
-          </p:spPr>
-          <p:style>
-            <a:lnRef idx="1">
-              <a:schemeClr val="accent4"/>
-            </a:lnRef>
-            <a:fillRef idx="2">
-              <a:schemeClr val="accent4"/>
-            </a:fillRef>
-            <a:effectRef idx="1">
-              <a:schemeClr val="accent4"/>
-            </a:effectRef>
-            <a:fontRef idx="minor">
-              <a:schemeClr val="dk1"/>
-            </a:fontRef>
-          </p:style>
-          <p:txBody>
-            <a:bodyPr rtlCol="0" anchor="ctr"/>
-            <a:lstStyle/>
-            <a:p>
-              <a:pPr algn="ctr"/>
-              <a:endParaRPr lang="de-DE">
-                <a:solidFill>
-                  <a:schemeClr val="tx1"/>
-                </a:solidFill>
-              </a:endParaRPr>
-            </a:p>
-          </p:txBody>
-        </p:sp>
-        <p:cxnSp>
-          <p:nvCxnSpPr>
-            <p:cNvPr id="15" name="Gerade Verbindung 28">
-              <a:extLst>
-                <a:ext uri="{FF2B5EF4-FFF2-40B4-BE49-F238E27FC236}">
-                  <a16:creationId xmlns:a16="http://schemas.microsoft.com/office/drawing/2014/main" id="{BE0E1948-1999-44A0-B261-866A1DF5995B}"/>
-                </a:ext>
-              </a:extLst>
-            </p:cNvPr>
-            <p:cNvCxnSpPr/>
-            <p:nvPr/>
-          </p:nvCxnSpPr>
-          <p:spPr>
-            <a:xfrm>
-              <a:off x="25400" y="5986694"/>
-              <a:ext cx="9072000" cy="1588"/>
-            </a:xfrm>
-            <a:prstGeom prst="line">
-              <a:avLst/>
-            </a:prstGeom>
-            <a:ln w="41275">
-              <a:solidFill>
-                <a:schemeClr val="accent3">
-                  <a:lumMod val="85000"/>
-                </a:schemeClr>
-              </a:solidFill>
-            </a:ln>
-          </p:spPr>
-          <p:style>
-            <a:lnRef idx="1">
-              <a:schemeClr val="accent1"/>
-            </a:lnRef>
-            <a:fillRef idx="0">
-              <a:schemeClr val="accent1"/>
-            </a:fillRef>
-            <a:effectRef idx="0">
-              <a:schemeClr val="accent1"/>
-            </a:effectRef>
-            <a:fontRef idx="minor">
-              <a:schemeClr val="tx1"/>
-            </a:fontRef>
-          </p:style>
-        </p:cxnSp>
-        <p:sp>
-          <p:nvSpPr>
-            <p:cNvPr id="16" name="Eingekerbter Richtungspfeil 29">
-              <a:extLst>
-                <a:ext uri="{FF2B5EF4-FFF2-40B4-BE49-F238E27FC236}">
-                  <a16:creationId xmlns:a16="http://schemas.microsoft.com/office/drawing/2014/main" id="{A4600029-E40B-4FAC-BDEA-4C82CFF469F9}"/>
-                </a:ext>
-              </a:extLst>
-            </p:cNvPr>
-            <p:cNvSpPr/>
-            <p:nvPr/>
-          </p:nvSpPr>
-          <p:spPr>
-            <a:xfrm>
-              <a:off x="5925672" y="6091576"/>
-              <a:ext cx="158496" cy="158496"/>
-            </a:xfrm>
-            <a:prstGeom prst="chevron">
-              <a:avLst/>
-            </a:prstGeom>
-          </p:spPr>
-          <p:style>
-            <a:lnRef idx="1">
-              <a:schemeClr val="accent4"/>
-            </a:lnRef>
-            <a:fillRef idx="2">
-              <a:schemeClr val="accent4"/>
-            </a:fillRef>
-            <a:effectRef idx="1">
-              <a:schemeClr val="accent4"/>
-            </a:effectRef>
-            <a:fontRef idx="minor">
-              <a:schemeClr val="dk1"/>
-            </a:fontRef>
-          </p:style>
-          <p:txBody>
-            <a:bodyPr rtlCol="0" anchor="ctr"/>
-            <a:lstStyle/>
-            <a:p>
-              <a:pPr algn="ctr"/>
-              <a:endParaRPr lang="de-DE">
-                <a:solidFill>
-                  <a:schemeClr val="tx1"/>
-                </a:solidFill>
-              </a:endParaRPr>
-            </a:p>
-          </p:txBody>
-        </p:sp>
-      </p:grpSp>
-    </p:spTree>
-    <p:extLst>
-      <p:ext uri="{BB962C8B-B14F-4D97-AF65-F5344CB8AC3E}">
-        <p14:creationId xmlns:p14="http://schemas.microsoft.com/office/powerpoint/2010/main" val="106812998"/>
-      </p:ext>
-    </p:extLst>
-  </p:cSld>
-  <p:clrMapOvr>
-    <a:masterClrMapping/>
-  </p:clrMapOvr>
-</p:sld>
-</file>
-
-<file path=ppt/slides/slide8.xml><?xml version="1.0" encoding="utf-8"?>
-<p:sld xmlns:a="http://schemas.openxmlformats.org/drawingml/2006/main" xmlns:r="http://schemas.openxmlformats.org/officeDocument/2006/relationships" xmlns:p="http://schemas.openxmlformats.org/presentationml/2006/main">
-  <p:cSld>
-    <p:spTree>
-      <p:nvGrpSpPr>
-        <p:cNvPr id="1" name=""/>
-        <p:cNvGrpSpPr/>
-        <p:nvPr/>
-      </p:nvGrpSpPr>
-      <p:grpSpPr>
-        <a:xfrm>
-          <a:off x="0" y="0"/>
-          <a:ext cx="0" cy="0"/>
-          <a:chOff x="0" y="0"/>
-          <a:chExt cx="0" cy="0"/>
-        </a:xfrm>
-      </p:grpSpPr>
-      <p:sp>
-        <p:nvSpPr>
-          <p:cNvPr id="29698" name="Rectangle 2"/>
-          <p:cNvSpPr>
-            <a:spLocks noGrp="1" noChangeArrowheads="1"/>
-          </p:cNvSpPr>
-          <p:nvPr>
-            <p:ph type="title"/>
-          </p:nvPr>
-        </p:nvSpPr>
-        <p:spPr/>
-        <p:txBody>
-          <a:bodyPr/>
-          <a:lstStyle/>
-          <a:p>
-            <a:endParaRPr lang="de-DE" dirty="0"/>
-          </a:p>
-        </p:txBody>
-      </p:sp>
-      <p:sp>
-        <p:nvSpPr>
-          <p:cNvPr id="29699" name="Rectangle 3"/>
-          <p:cNvSpPr>
-            <a:spLocks noGrp="1" noChangeArrowheads="1"/>
-          </p:cNvSpPr>
-          <p:nvPr>
-            <p:ph type="body" idx="1"/>
-          </p:nvPr>
-        </p:nvSpPr>
-        <p:spPr>
-          <a:xfrm>
-            <a:off x="392113" y="898923"/>
-            <a:ext cx="8356600" cy="3397698"/>
-          </a:xfrm>
-        </p:spPr>
-        <p:txBody>
-          <a:bodyPr/>
-          <a:lstStyle/>
-          <a:p>
-            <a:endParaRPr lang="de-DE" dirty="0"/>
-          </a:p>
-        </p:txBody>
-      </p:sp>
-      <p:grpSp>
-        <p:nvGrpSpPr>
-          <p:cNvPr id="4" name="Gruppieren 21">
-            <a:extLst>
-              <a:ext uri="{FF2B5EF4-FFF2-40B4-BE49-F238E27FC236}">
-                <a16:creationId xmlns:a16="http://schemas.microsoft.com/office/drawing/2014/main" id="{AA131601-72E5-4228-A286-1E3E6D78B764}"/>
-              </a:ext>
-            </a:extLst>
-          </p:cNvPr>
-          <p:cNvGrpSpPr/>
-          <p:nvPr/>
-        </p:nvGrpSpPr>
-        <p:grpSpPr>
-          <a:xfrm>
-            <a:off x="72000" y="4424179"/>
-            <a:ext cx="9072000" cy="322630"/>
-            <a:chOff x="25400" y="5986694"/>
-            <a:chExt cx="9072000" cy="322630"/>
-          </a:xfrm>
-        </p:grpSpPr>
-        <p:sp>
-          <p:nvSpPr>
-            <p:cNvPr id="5" name="Textfeld 13">
-              <a:extLst>
-                <a:ext uri="{FF2B5EF4-FFF2-40B4-BE49-F238E27FC236}">
-                  <a16:creationId xmlns:a16="http://schemas.microsoft.com/office/drawing/2014/main" id="{2BCE988F-F02A-4D6D-B2E3-D098FA90D670}"/>
-                </a:ext>
-              </a:extLst>
-            </p:cNvPr>
-            <p:cNvSpPr txBox="1"/>
-            <p:nvPr/>
-          </p:nvSpPr>
-          <p:spPr>
-            <a:xfrm>
-              <a:off x="1493183" y="6032322"/>
-              <a:ext cx="554389" cy="276999"/>
-            </a:xfrm>
-            <a:prstGeom prst="rect">
-              <a:avLst/>
-            </a:prstGeom>
-            <a:noFill/>
-            <a:ln>
-              <a:noFill/>
-            </a:ln>
-          </p:spPr>
-          <p:style>
-            <a:lnRef idx="2">
-              <a:schemeClr val="accent3"/>
-            </a:lnRef>
-            <a:fillRef idx="1">
-              <a:schemeClr val="lt1"/>
-            </a:fillRef>
-            <a:effectRef idx="0">
-              <a:schemeClr val="accent3"/>
-            </a:effectRef>
-            <a:fontRef idx="minor">
-              <a:schemeClr val="dk1"/>
-            </a:fontRef>
-          </p:style>
-          <p:txBody>
-            <a:bodyPr wrap="square" rtlCol="0">
-              <a:spAutoFit/>
-            </a:bodyPr>
-            <a:lstStyle/>
-            <a:p>
-              <a:pPr algn="ctr"/>
-              <a:r>
-                <a:rPr lang="en-US" sz="1200" dirty="0"/>
-                <a:t>CSE</a:t>
-              </a:r>
-            </a:p>
-          </p:txBody>
-        </p:sp>
-        <p:sp>
-          <p:nvSpPr>
-            <p:cNvPr id="6" name="Textfeld 14">
-              <a:extLst>
-                <a:ext uri="{FF2B5EF4-FFF2-40B4-BE49-F238E27FC236}">
-                  <a16:creationId xmlns:a16="http://schemas.microsoft.com/office/drawing/2014/main" id="{C8E64975-DD4E-484D-9EF4-CB11AB9E264F}"/>
-                </a:ext>
-              </a:extLst>
-            </p:cNvPr>
-            <p:cNvSpPr txBox="1"/>
-            <p:nvPr/>
-          </p:nvSpPr>
-          <p:spPr>
-            <a:xfrm>
-              <a:off x="6282440" y="6032325"/>
-              <a:ext cx="949299" cy="276999"/>
-            </a:xfrm>
-            <a:prstGeom prst="rect">
-              <a:avLst/>
-            </a:prstGeom>
-            <a:noFill/>
-            <a:ln>
-              <a:noFill/>
-            </a:ln>
-          </p:spPr>
-          <p:style>
-            <a:lnRef idx="2">
-              <a:schemeClr val="accent3"/>
-            </a:lnRef>
-            <a:fillRef idx="1">
-              <a:schemeClr val="lt1"/>
-            </a:fillRef>
-            <a:effectRef idx="0">
-              <a:schemeClr val="accent3"/>
-            </a:effectRef>
-            <a:fontRef idx="minor">
-              <a:schemeClr val="dk1"/>
-            </a:fontRef>
-          </p:style>
-          <p:txBody>
-            <a:bodyPr wrap="none" rtlCol="0">
-              <a:spAutoFit/>
-            </a:bodyPr>
-            <a:lstStyle/>
-            <a:p>
-              <a:r>
-                <a:rPr lang="en-US" sz="1200" dirty="0"/>
-                <a:t>Challenges</a:t>
-              </a:r>
-            </a:p>
-          </p:txBody>
-        </p:sp>
-        <p:sp>
-          <p:nvSpPr>
-            <p:cNvPr id="7" name="Textfeld 6">
-              <a:extLst>
-                <a:ext uri="{FF2B5EF4-FFF2-40B4-BE49-F238E27FC236}">
-                  <a16:creationId xmlns:a16="http://schemas.microsoft.com/office/drawing/2014/main" id="{5B1D65DE-7E84-4D4A-AD1F-FC54B535CB1E}"/>
-                </a:ext>
-              </a:extLst>
-            </p:cNvPr>
-            <p:cNvSpPr txBox="1"/>
-            <p:nvPr/>
-          </p:nvSpPr>
-          <p:spPr>
-            <a:xfrm>
-              <a:off x="2361122" y="6032320"/>
-              <a:ext cx="1774155" cy="276999"/>
-            </a:xfrm>
-            <a:prstGeom prst="rect">
-              <a:avLst/>
-            </a:prstGeom>
-            <a:noFill/>
-            <a:ln>
-              <a:noFill/>
-            </a:ln>
-          </p:spPr>
-          <p:style>
-            <a:lnRef idx="2">
-              <a:schemeClr val="accent3"/>
-            </a:lnRef>
-            <a:fillRef idx="1">
-              <a:schemeClr val="lt1"/>
-            </a:fillRef>
-            <a:effectRef idx="0">
-              <a:schemeClr val="accent3"/>
-            </a:effectRef>
-            <a:fontRef idx="minor">
-              <a:schemeClr val="dk1"/>
-            </a:fontRef>
-          </p:style>
-          <p:txBody>
-            <a:bodyPr wrap="square" rtlCol="0">
-              <a:spAutoFit/>
-            </a:bodyPr>
-            <a:lstStyle/>
-            <a:p>
-              <a:r>
-                <a:rPr lang="en-US" sz="1200" dirty="0"/>
-                <a:t>The Stairway to Haven</a:t>
-              </a:r>
-            </a:p>
-          </p:txBody>
-        </p:sp>
-        <p:sp>
-          <p:nvSpPr>
-            <p:cNvPr id="8" name="Textfeld 7">
-              <a:extLst>
-                <a:ext uri="{FF2B5EF4-FFF2-40B4-BE49-F238E27FC236}">
-                  <a16:creationId xmlns:a16="http://schemas.microsoft.com/office/drawing/2014/main" id="{8544E219-3395-4D35-AB47-83E797162EF8}"/>
-                </a:ext>
-              </a:extLst>
-            </p:cNvPr>
-            <p:cNvSpPr txBox="1"/>
-            <p:nvPr/>
-          </p:nvSpPr>
-          <p:spPr>
-            <a:xfrm>
-              <a:off x="7763010" y="6032321"/>
-              <a:ext cx="1278028" cy="276999"/>
-            </a:xfrm>
-            <a:prstGeom prst="rect">
-              <a:avLst/>
-            </a:prstGeom>
-            <a:noFill/>
-            <a:ln>
-              <a:noFill/>
-            </a:ln>
-          </p:spPr>
-          <p:style>
-            <a:lnRef idx="2">
-              <a:schemeClr val="accent3"/>
-            </a:lnRef>
-            <a:fillRef idx="1">
-              <a:schemeClr val="lt1"/>
-            </a:fillRef>
-            <a:effectRef idx="0">
-              <a:schemeClr val="accent3"/>
-            </a:effectRef>
-            <a:fontRef idx="minor">
-              <a:schemeClr val="dk1"/>
-            </a:fontRef>
-          </p:style>
-          <p:txBody>
-            <a:bodyPr wrap="square" rtlCol="0">
-              <a:spAutoFit/>
-            </a:bodyPr>
-            <a:lstStyle/>
-            <a:p>
-              <a:r>
-                <a:rPr lang="en-US" sz="1200" dirty="0"/>
-                <a:t>Summary</a:t>
-              </a:r>
-            </a:p>
-          </p:txBody>
-        </p:sp>
-        <p:sp>
-          <p:nvSpPr>
-            <p:cNvPr id="9" name="Textfeld 8">
-              <a:extLst>
-                <a:ext uri="{FF2B5EF4-FFF2-40B4-BE49-F238E27FC236}">
-                  <a16:creationId xmlns:a16="http://schemas.microsoft.com/office/drawing/2014/main" id="{852888F9-9852-4482-8D86-9D678EB085AD}"/>
-                </a:ext>
-              </a:extLst>
-            </p:cNvPr>
-            <p:cNvSpPr txBox="1"/>
-            <p:nvPr/>
-          </p:nvSpPr>
-          <p:spPr>
-            <a:xfrm>
-              <a:off x="179512" y="6032321"/>
-              <a:ext cx="1213939" cy="276999"/>
-            </a:xfrm>
-            <a:prstGeom prst="rect">
-              <a:avLst/>
-            </a:prstGeom>
-            <a:noFill/>
-            <a:ln>
-              <a:noFill/>
-            </a:ln>
-          </p:spPr>
-          <p:style>
-            <a:lnRef idx="2">
-              <a:schemeClr val="accent3"/>
-            </a:lnRef>
-            <a:fillRef idx="1">
-              <a:schemeClr val="lt1"/>
-            </a:fillRef>
-            <a:effectRef idx="0">
-              <a:schemeClr val="accent3"/>
-            </a:effectRef>
-            <a:fontRef idx="minor">
-              <a:schemeClr val="dk1"/>
-            </a:fontRef>
-          </p:style>
-          <p:txBody>
-            <a:bodyPr wrap="square" rtlCol="0">
-              <a:spAutoFit/>
-            </a:bodyPr>
-            <a:lstStyle/>
-            <a:p>
-              <a:r>
-                <a:rPr lang="en-US" sz="1200" b="1" dirty="0"/>
-                <a:t>Introduction</a:t>
-              </a:r>
-            </a:p>
-          </p:txBody>
-        </p:sp>
-        <p:sp>
-          <p:nvSpPr>
-            <p:cNvPr id="10" name="Eingekerbter Richtungspfeil 23">
-              <a:extLst>
-                <a:ext uri="{FF2B5EF4-FFF2-40B4-BE49-F238E27FC236}">
-                  <a16:creationId xmlns:a16="http://schemas.microsoft.com/office/drawing/2014/main" id="{C005311E-133F-493F-BFFC-C169B3CA8A86}"/>
-                </a:ext>
-              </a:extLst>
-            </p:cNvPr>
-            <p:cNvSpPr/>
-            <p:nvPr/>
-          </p:nvSpPr>
-          <p:spPr>
-            <a:xfrm>
-              <a:off x="1284399" y="6091574"/>
-              <a:ext cx="158496" cy="158496"/>
-            </a:xfrm>
-            <a:prstGeom prst="chevron">
-              <a:avLst/>
-            </a:prstGeom>
-          </p:spPr>
-          <p:style>
-            <a:lnRef idx="1">
-              <a:schemeClr val="accent4"/>
-            </a:lnRef>
-            <a:fillRef idx="2">
-              <a:schemeClr val="accent4"/>
-            </a:fillRef>
-            <a:effectRef idx="1">
-              <a:schemeClr val="accent4"/>
-            </a:effectRef>
-            <a:fontRef idx="minor">
-              <a:schemeClr val="dk1"/>
-            </a:fontRef>
-          </p:style>
-          <p:txBody>
-            <a:bodyPr rtlCol="0" anchor="ctr"/>
-            <a:lstStyle/>
-            <a:p>
-              <a:pPr algn="ctr"/>
-              <a:endParaRPr lang="de-DE" dirty="0">
-                <a:solidFill>
-                  <a:schemeClr val="tx1"/>
-                </a:solidFill>
-              </a:endParaRPr>
-            </a:p>
-          </p:txBody>
-        </p:sp>
-        <p:sp>
-          <p:nvSpPr>
-            <p:cNvPr id="11" name="Eingekerbter Richtungspfeil 24">
-              <a:extLst>
-                <a:ext uri="{FF2B5EF4-FFF2-40B4-BE49-F238E27FC236}">
-                  <a16:creationId xmlns:a16="http://schemas.microsoft.com/office/drawing/2014/main" id="{13B86617-4353-46AD-97C4-7F02A1BA1B80}"/>
-                </a:ext>
-              </a:extLst>
-            </p:cNvPr>
-            <p:cNvSpPr/>
-            <p:nvPr/>
-          </p:nvSpPr>
-          <p:spPr>
-            <a:xfrm>
-              <a:off x="2052380" y="6091574"/>
-              <a:ext cx="158496" cy="158496"/>
-            </a:xfrm>
-            <a:prstGeom prst="chevron">
-              <a:avLst/>
-            </a:prstGeom>
-          </p:spPr>
-          <p:style>
-            <a:lnRef idx="1">
-              <a:schemeClr val="accent4"/>
-            </a:lnRef>
-            <a:fillRef idx="2">
-              <a:schemeClr val="accent4"/>
-            </a:fillRef>
-            <a:effectRef idx="1">
-              <a:schemeClr val="accent4"/>
-            </a:effectRef>
-            <a:fontRef idx="minor">
-              <a:schemeClr val="dk1"/>
-            </a:fontRef>
-          </p:style>
-          <p:txBody>
-            <a:bodyPr rtlCol="0" anchor="ctr"/>
-            <a:lstStyle/>
-            <a:p>
-              <a:pPr algn="ctr"/>
-              <a:endParaRPr lang="de-DE">
-                <a:solidFill>
-                  <a:schemeClr val="tx1"/>
-                </a:solidFill>
-              </a:endParaRPr>
-            </a:p>
-          </p:txBody>
-        </p:sp>
-        <p:sp>
-          <p:nvSpPr>
-            <p:cNvPr id="12" name="Eingekerbter Richtungspfeil 25">
-              <a:extLst>
-                <a:ext uri="{FF2B5EF4-FFF2-40B4-BE49-F238E27FC236}">
-                  <a16:creationId xmlns:a16="http://schemas.microsoft.com/office/drawing/2014/main" id="{40D0FAF6-EB9E-4EEF-BCBE-972523E34CB7}"/>
-                </a:ext>
-              </a:extLst>
-            </p:cNvPr>
-            <p:cNvSpPr/>
-            <p:nvPr/>
-          </p:nvSpPr>
-          <p:spPr>
-            <a:xfrm>
-              <a:off x="4116879" y="6091574"/>
-              <a:ext cx="158496" cy="158496"/>
-            </a:xfrm>
-            <a:prstGeom prst="chevron">
-              <a:avLst/>
-            </a:prstGeom>
-          </p:spPr>
-          <p:style>
-            <a:lnRef idx="1">
-              <a:schemeClr val="accent4"/>
-            </a:lnRef>
-            <a:fillRef idx="2">
-              <a:schemeClr val="accent4"/>
-            </a:fillRef>
-            <a:effectRef idx="1">
-              <a:schemeClr val="accent4"/>
-            </a:effectRef>
-            <a:fontRef idx="minor">
-              <a:schemeClr val="dk1"/>
-            </a:fontRef>
-          </p:style>
-          <p:txBody>
-            <a:bodyPr rtlCol="0" anchor="ctr"/>
-            <a:lstStyle/>
-            <a:p>
-              <a:pPr algn="ctr"/>
-              <a:endParaRPr lang="de-DE">
-                <a:solidFill>
-                  <a:schemeClr val="tx1"/>
-                </a:solidFill>
-              </a:endParaRPr>
-            </a:p>
-          </p:txBody>
-        </p:sp>
-        <p:sp>
-          <p:nvSpPr>
-            <p:cNvPr id="13" name="Textfeld 12">
-              <a:extLst>
-                <a:ext uri="{FF2B5EF4-FFF2-40B4-BE49-F238E27FC236}">
-                  <a16:creationId xmlns:a16="http://schemas.microsoft.com/office/drawing/2014/main" id="{6910B1B0-7848-461D-A8EE-494297AF2C2C}"/>
-                </a:ext>
-              </a:extLst>
-            </p:cNvPr>
-            <p:cNvSpPr txBox="1"/>
-            <p:nvPr/>
-          </p:nvSpPr>
-          <p:spPr>
-            <a:xfrm>
-              <a:off x="4324070" y="6032320"/>
-              <a:ext cx="1588897" cy="276999"/>
-            </a:xfrm>
-            <a:prstGeom prst="rect">
-              <a:avLst/>
-            </a:prstGeom>
-            <a:noFill/>
-            <a:ln>
-              <a:noFill/>
-            </a:ln>
-          </p:spPr>
-          <p:style>
-            <a:lnRef idx="2">
-              <a:schemeClr val="accent3"/>
-            </a:lnRef>
-            <a:fillRef idx="1">
-              <a:schemeClr val="lt1"/>
-            </a:fillRef>
-            <a:effectRef idx="0">
-              <a:schemeClr val="accent3"/>
-            </a:effectRef>
-            <a:fontRef idx="minor">
-              <a:schemeClr val="dk1"/>
-            </a:fontRef>
-          </p:style>
-          <p:txBody>
-            <a:bodyPr wrap="none" rtlCol="0">
-              <a:spAutoFit/>
-            </a:bodyPr>
-            <a:lstStyle/>
-            <a:p>
-              <a:r>
-                <a:rPr lang="en-US" sz="1200" dirty="0"/>
-                <a:t>Deployment Pipeline</a:t>
-              </a:r>
-            </a:p>
-          </p:txBody>
-        </p:sp>
-        <p:sp>
-          <p:nvSpPr>
-            <p:cNvPr id="14" name="Eingekerbter Richtungspfeil 27">
-              <a:extLst>
-                <a:ext uri="{FF2B5EF4-FFF2-40B4-BE49-F238E27FC236}">
-                  <a16:creationId xmlns:a16="http://schemas.microsoft.com/office/drawing/2014/main" id="{C8C6383D-EFF4-4F8F-B7E7-55AA85D1E860}"/>
-                </a:ext>
-              </a:extLst>
-            </p:cNvPr>
-            <p:cNvSpPr/>
-            <p:nvPr/>
-          </p:nvSpPr>
-          <p:spPr>
-            <a:xfrm>
-              <a:off x="7320057" y="6091577"/>
-              <a:ext cx="158496" cy="158496"/>
-            </a:xfrm>
-            <a:prstGeom prst="chevron">
-              <a:avLst/>
-            </a:prstGeom>
-          </p:spPr>
-          <p:style>
-            <a:lnRef idx="1">
-              <a:schemeClr val="accent4"/>
-            </a:lnRef>
-            <a:fillRef idx="2">
-              <a:schemeClr val="accent4"/>
-            </a:fillRef>
-            <a:effectRef idx="1">
-              <a:schemeClr val="accent4"/>
-            </a:effectRef>
-            <a:fontRef idx="minor">
-              <a:schemeClr val="dk1"/>
-            </a:fontRef>
-          </p:style>
-          <p:txBody>
-            <a:bodyPr rtlCol="0" anchor="ctr"/>
-            <a:lstStyle/>
-            <a:p>
-              <a:pPr algn="ctr"/>
-              <a:endParaRPr lang="de-DE">
-                <a:solidFill>
-                  <a:schemeClr val="tx1"/>
-                </a:solidFill>
-              </a:endParaRPr>
-            </a:p>
-          </p:txBody>
-        </p:sp>
-        <p:cxnSp>
-          <p:nvCxnSpPr>
-            <p:cNvPr id="15" name="Gerade Verbindung 28">
-              <a:extLst>
-                <a:ext uri="{FF2B5EF4-FFF2-40B4-BE49-F238E27FC236}">
-                  <a16:creationId xmlns:a16="http://schemas.microsoft.com/office/drawing/2014/main" id="{BE0E1948-1999-44A0-B261-866A1DF5995B}"/>
-                </a:ext>
-              </a:extLst>
-            </p:cNvPr>
-            <p:cNvCxnSpPr/>
-            <p:nvPr/>
-          </p:nvCxnSpPr>
-          <p:spPr>
-            <a:xfrm>
-              <a:off x="25400" y="5986694"/>
-              <a:ext cx="9072000" cy="1588"/>
-            </a:xfrm>
-            <a:prstGeom prst="line">
-              <a:avLst/>
-            </a:prstGeom>
-            <a:ln w="41275">
-              <a:solidFill>
-                <a:schemeClr val="accent3">
-                  <a:lumMod val="85000"/>
-                </a:schemeClr>
-              </a:solidFill>
-            </a:ln>
-          </p:spPr>
-          <p:style>
-            <a:lnRef idx="1">
-              <a:schemeClr val="accent1"/>
-            </a:lnRef>
-            <a:fillRef idx="0">
-              <a:schemeClr val="accent1"/>
-            </a:fillRef>
-            <a:effectRef idx="0">
-              <a:schemeClr val="accent1"/>
-            </a:effectRef>
-            <a:fontRef idx="minor">
-              <a:schemeClr val="tx1"/>
-            </a:fontRef>
-          </p:style>
-        </p:cxnSp>
-        <p:sp>
-          <p:nvSpPr>
-            <p:cNvPr id="16" name="Eingekerbter Richtungspfeil 29">
-              <a:extLst>
-                <a:ext uri="{FF2B5EF4-FFF2-40B4-BE49-F238E27FC236}">
-                  <a16:creationId xmlns:a16="http://schemas.microsoft.com/office/drawing/2014/main" id="{A4600029-E40B-4FAC-BDEA-4C82CFF469F9}"/>
-                </a:ext>
-              </a:extLst>
-            </p:cNvPr>
-            <p:cNvSpPr/>
-            <p:nvPr/>
-          </p:nvSpPr>
-          <p:spPr>
-            <a:xfrm>
-              <a:off x="5925672" y="6091576"/>
-              <a:ext cx="158496" cy="158496"/>
-            </a:xfrm>
-            <a:prstGeom prst="chevron">
-              <a:avLst/>
-            </a:prstGeom>
-          </p:spPr>
-          <p:style>
-            <a:lnRef idx="1">
-              <a:schemeClr val="accent4"/>
-            </a:lnRef>
-            <a:fillRef idx="2">
-              <a:schemeClr val="accent4"/>
-            </a:fillRef>
-            <a:effectRef idx="1">
-              <a:schemeClr val="accent4"/>
-            </a:effectRef>
-            <a:fontRef idx="minor">
-              <a:schemeClr val="dk1"/>
-            </a:fontRef>
-          </p:style>
-          <p:txBody>
-            <a:bodyPr rtlCol="0" anchor="ctr"/>
-            <a:lstStyle/>
-            <a:p>
-              <a:pPr algn="ctr"/>
-              <a:endParaRPr lang="de-DE">
-                <a:solidFill>
-                  <a:schemeClr val="tx1"/>
-                </a:solidFill>
-              </a:endParaRPr>
-            </a:p>
-          </p:txBody>
-        </p:sp>
-      </p:grpSp>
-    </p:spTree>
-    <p:extLst>
-      <p:ext uri="{BB962C8B-B14F-4D97-AF65-F5344CB8AC3E}">
-        <p14:creationId xmlns:p14="http://schemas.microsoft.com/office/powerpoint/2010/main" val="4018240345"/>
-      </p:ext>
-    </p:extLst>
-  </p:cSld>
-  <p:clrMapOvr>
-    <a:masterClrMapping/>
-  </p:clrMapOvr>
-</p:sld>
-</file>
-
-<file path=ppt/slides/slide9.xml><?xml version="1.0" encoding="utf-8"?>
-<p:sld xmlns:a="http://schemas.openxmlformats.org/drawingml/2006/main" xmlns:r="http://schemas.openxmlformats.org/officeDocument/2006/relationships" xmlns:p="http://schemas.openxmlformats.org/presentationml/2006/main">
-  <p:cSld>
-    <p:spTree>
-      <p:nvGrpSpPr>
-        <p:cNvPr id="1" name=""/>
-        <p:cNvGrpSpPr/>
-        <p:nvPr/>
-      </p:nvGrpSpPr>
-      <p:grpSpPr>
-        <a:xfrm>
-          <a:off x="0" y="0"/>
-          <a:ext cx="0" cy="0"/>
-          <a:chOff x="0" y="0"/>
-          <a:chExt cx="0" cy="0"/>
-        </a:xfrm>
-      </p:grpSpPr>
-      <p:sp>
-        <p:nvSpPr>
-          <p:cNvPr id="29698" name="Rectangle 2"/>
-          <p:cNvSpPr>
-            <a:spLocks noGrp="1" noChangeArrowheads="1"/>
-          </p:cNvSpPr>
-          <p:nvPr>
-            <p:ph type="title"/>
-          </p:nvPr>
-        </p:nvSpPr>
-        <p:spPr/>
-        <p:txBody>
-          <a:bodyPr/>
-          <a:lstStyle/>
-          <a:p>
-            <a:endParaRPr lang="de-DE" dirty="0"/>
-          </a:p>
-        </p:txBody>
-      </p:sp>
-      <p:sp>
-        <p:nvSpPr>
-          <p:cNvPr id="29699" name="Rectangle 3"/>
-          <p:cNvSpPr>
-            <a:spLocks noGrp="1" noChangeArrowheads="1"/>
-          </p:cNvSpPr>
-          <p:nvPr>
-            <p:ph type="body" idx="1"/>
-          </p:nvPr>
-        </p:nvSpPr>
-        <p:spPr>
-          <a:xfrm>
-            <a:off x="392113" y="898923"/>
-            <a:ext cx="8356600" cy="3397698"/>
-          </a:xfrm>
-        </p:spPr>
-        <p:txBody>
-          <a:bodyPr/>
-          <a:lstStyle/>
-          <a:p>
-            <a:endParaRPr lang="de-DE" dirty="0"/>
-          </a:p>
-        </p:txBody>
-      </p:sp>
-      <p:grpSp>
-        <p:nvGrpSpPr>
-          <p:cNvPr id="4" name="Gruppieren 21">
-            <a:extLst>
-              <a:ext uri="{FF2B5EF4-FFF2-40B4-BE49-F238E27FC236}">
-                <a16:creationId xmlns:a16="http://schemas.microsoft.com/office/drawing/2014/main" id="{AA131601-72E5-4228-A286-1E3E6D78B764}"/>
-              </a:ext>
-            </a:extLst>
-          </p:cNvPr>
-          <p:cNvGrpSpPr/>
-          <p:nvPr/>
-        </p:nvGrpSpPr>
-        <p:grpSpPr>
-          <a:xfrm>
-            <a:off x="72000" y="4424179"/>
-            <a:ext cx="9072000" cy="322630"/>
-            <a:chOff x="25400" y="5986694"/>
-            <a:chExt cx="9072000" cy="322630"/>
-          </a:xfrm>
-        </p:grpSpPr>
-        <p:sp>
-          <p:nvSpPr>
-            <p:cNvPr id="5" name="Textfeld 13">
-              <a:extLst>
-                <a:ext uri="{FF2B5EF4-FFF2-40B4-BE49-F238E27FC236}">
-                  <a16:creationId xmlns:a16="http://schemas.microsoft.com/office/drawing/2014/main" id="{2BCE988F-F02A-4D6D-B2E3-D098FA90D670}"/>
-                </a:ext>
-              </a:extLst>
-            </p:cNvPr>
-            <p:cNvSpPr txBox="1"/>
-            <p:nvPr/>
-          </p:nvSpPr>
-          <p:spPr>
-            <a:xfrm>
-              <a:off x="1493183" y="6032322"/>
-              <a:ext cx="554389" cy="276999"/>
-            </a:xfrm>
-            <a:prstGeom prst="rect">
-              <a:avLst/>
-            </a:prstGeom>
-            <a:noFill/>
-            <a:ln>
-              <a:noFill/>
-            </a:ln>
-          </p:spPr>
-          <p:style>
-            <a:lnRef idx="2">
-              <a:schemeClr val="accent3"/>
-            </a:lnRef>
-            <a:fillRef idx="1">
-              <a:schemeClr val="lt1"/>
-            </a:fillRef>
-            <a:effectRef idx="0">
-              <a:schemeClr val="accent3"/>
-            </a:effectRef>
-            <a:fontRef idx="minor">
-              <a:schemeClr val="dk1"/>
-            </a:fontRef>
-          </p:style>
-          <p:txBody>
-            <a:bodyPr wrap="square" rtlCol="0">
-              <a:spAutoFit/>
-            </a:bodyPr>
-            <a:lstStyle/>
-            <a:p>
-              <a:pPr algn="ctr"/>
-              <a:r>
-                <a:rPr lang="en-US" sz="1200" dirty="0"/>
-                <a:t>CSE</a:t>
-              </a:r>
-            </a:p>
-          </p:txBody>
-        </p:sp>
-        <p:sp>
-          <p:nvSpPr>
-            <p:cNvPr id="6" name="Textfeld 14">
-              <a:extLst>
-                <a:ext uri="{FF2B5EF4-FFF2-40B4-BE49-F238E27FC236}">
-                  <a16:creationId xmlns:a16="http://schemas.microsoft.com/office/drawing/2014/main" id="{C8E64975-DD4E-484D-9EF4-CB11AB9E264F}"/>
-                </a:ext>
-              </a:extLst>
-            </p:cNvPr>
-            <p:cNvSpPr txBox="1"/>
-            <p:nvPr/>
-          </p:nvSpPr>
-          <p:spPr>
-            <a:xfrm>
-              <a:off x="6282440" y="6032325"/>
-              <a:ext cx="949299" cy="276999"/>
-            </a:xfrm>
-            <a:prstGeom prst="rect">
-              <a:avLst/>
-            </a:prstGeom>
-            <a:noFill/>
-            <a:ln>
-              <a:noFill/>
-            </a:ln>
-          </p:spPr>
-          <p:style>
-            <a:lnRef idx="2">
-              <a:schemeClr val="accent3"/>
-            </a:lnRef>
-            <a:fillRef idx="1">
-              <a:schemeClr val="lt1"/>
-            </a:fillRef>
-            <a:effectRef idx="0">
-              <a:schemeClr val="accent3"/>
-            </a:effectRef>
-            <a:fontRef idx="minor">
-              <a:schemeClr val="dk1"/>
-            </a:fontRef>
-          </p:style>
-          <p:txBody>
-            <a:bodyPr wrap="none" rtlCol="0">
-              <a:spAutoFit/>
-            </a:bodyPr>
-            <a:lstStyle/>
-            <a:p>
-              <a:r>
-                <a:rPr lang="en-US" sz="1200" dirty="0"/>
-                <a:t>Challenges</a:t>
-              </a:r>
-            </a:p>
-          </p:txBody>
-        </p:sp>
-        <p:sp>
-          <p:nvSpPr>
-            <p:cNvPr id="7" name="Textfeld 6">
-              <a:extLst>
-                <a:ext uri="{FF2B5EF4-FFF2-40B4-BE49-F238E27FC236}">
-                  <a16:creationId xmlns:a16="http://schemas.microsoft.com/office/drawing/2014/main" id="{5B1D65DE-7E84-4D4A-AD1F-FC54B535CB1E}"/>
-                </a:ext>
-              </a:extLst>
-            </p:cNvPr>
-            <p:cNvSpPr txBox="1"/>
-            <p:nvPr/>
-          </p:nvSpPr>
-          <p:spPr>
-            <a:xfrm>
-              <a:off x="2361122" y="6032320"/>
-              <a:ext cx="1774155" cy="276999"/>
-            </a:xfrm>
-            <a:prstGeom prst="rect">
-              <a:avLst/>
-            </a:prstGeom>
-            <a:noFill/>
-            <a:ln>
-              <a:noFill/>
-            </a:ln>
-          </p:spPr>
-          <p:style>
-            <a:lnRef idx="2">
-              <a:schemeClr val="accent3"/>
-            </a:lnRef>
-            <a:fillRef idx="1">
-              <a:schemeClr val="lt1"/>
-            </a:fillRef>
-            <a:effectRef idx="0">
-              <a:schemeClr val="accent3"/>
-            </a:effectRef>
-            <a:fontRef idx="minor">
-              <a:schemeClr val="dk1"/>
-            </a:fontRef>
-          </p:style>
-          <p:txBody>
-            <a:bodyPr wrap="square" rtlCol="0">
-              <a:spAutoFit/>
-            </a:bodyPr>
-            <a:lstStyle/>
-            <a:p>
-              <a:r>
-                <a:rPr lang="en-US" sz="1200" dirty="0"/>
-                <a:t>The Stairway to Haven</a:t>
-              </a:r>
-            </a:p>
-          </p:txBody>
-        </p:sp>
-        <p:sp>
-          <p:nvSpPr>
-            <p:cNvPr id="8" name="Textfeld 7">
-              <a:extLst>
-                <a:ext uri="{FF2B5EF4-FFF2-40B4-BE49-F238E27FC236}">
-                  <a16:creationId xmlns:a16="http://schemas.microsoft.com/office/drawing/2014/main" id="{8544E219-3395-4D35-AB47-83E797162EF8}"/>
-                </a:ext>
-              </a:extLst>
-            </p:cNvPr>
-            <p:cNvSpPr txBox="1"/>
-            <p:nvPr/>
-          </p:nvSpPr>
-          <p:spPr>
-            <a:xfrm>
-              <a:off x="7763010" y="6032321"/>
-              <a:ext cx="1278028" cy="276999"/>
-            </a:xfrm>
-            <a:prstGeom prst="rect">
-              <a:avLst/>
-            </a:prstGeom>
-            <a:noFill/>
-            <a:ln>
-              <a:noFill/>
-            </a:ln>
-          </p:spPr>
-          <p:style>
-            <a:lnRef idx="2">
-              <a:schemeClr val="accent3"/>
-            </a:lnRef>
-            <a:fillRef idx="1">
-              <a:schemeClr val="lt1"/>
-            </a:fillRef>
-            <a:effectRef idx="0">
-              <a:schemeClr val="accent3"/>
-            </a:effectRef>
-            <a:fontRef idx="minor">
-              <a:schemeClr val="dk1"/>
-            </a:fontRef>
-          </p:style>
-          <p:txBody>
-            <a:bodyPr wrap="square" rtlCol="0">
-              <a:spAutoFit/>
-            </a:bodyPr>
-            <a:lstStyle/>
-            <a:p>
-              <a:r>
-                <a:rPr lang="en-US" sz="1200" dirty="0"/>
-                <a:t>Summary</a:t>
-              </a:r>
-            </a:p>
-          </p:txBody>
-        </p:sp>
-        <p:sp>
-          <p:nvSpPr>
-            <p:cNvPr id="9" name="Textfeld 8">
-              <a:extLst>
-                <a:ext uri="{FF2B5EF4-FFF2-40B4-BE49-F238E27FC236}">
-                  <a16:creationId xmlns:a16="http://schemas.microsoft.com/office/drawing/2014/main" id="{852888F9-9852-4482-8D86-9D678EB085AD}"/>
-                </a:ext>
-              </a:extLst>
-            </p:cNvPr>
-            <p:cNvSpPr txBox="1"/>
-            <p:nvPr/>
-          </p:nvSpPr>
-          <p:spPr>
-            <a:xfrm>
-              <a:off x="179512" y="6032321"/>
-              <a:ext cx="1213939" cy="276999"/>
-            </a:xfrm>
-            <a:prstGeom prst="rect">
-              <a:avLst/>
-            </a:prstGeom>
-            <a:noFill/>
-            <a:ln>
-              <a:noFill/>
-            </a:ln>
-          </p:spPr>
-          <p:style>
-            <a:lnRef idx="2">
-              <a:schemeClr val="accent3"/>
-            </a:lnRef>
-            <a:fillRef idx="1">
-              <a:schemeClr val="lt1"/>
-            </a:fillRef>
-            <a:effectRef idx="0">
-              <a:schemeClr val="accent3"/>
-            </a:effectRef>
-            <a:fontRef idx="minor">
-              <a:schemeClr val="dk1"/>
-            </a:fontRef>
-          </p:style>
-          <p:txBody>
-            <a:bodyPr wrap="square" rtlCol="0">
-              <a:spAutoFit/>
-            </a:bodyPr>
-            <a:lstStyle/>
-            <a:p>
-              <a:r>
-                <a:rPr lang="en-US" sz="1200" b="1" dirty="0"/>
-                <a:t>Introduction</a:t>
-              </a:r>
-            </a:p>
-          </p:txBody>
-        </p:sp>
-        <p:sp>
-          <p:nvSpPr>
-            <p:cNvPr id="10" name="Eingekerbter Richtungspfeil 23">
-              <a:extLst>
-                <a:ext uri="{FF2B5EF4-FFF2-40B4-BE49-F238E27FC236}">
-                  <a16:creationId xmlns:a16="http://schemas.microsoft.com/office/drawing/2014/main" id="{C005311E-133F-493F-BFFC-C169B3CA8A86}"/>
-                </a:ext>
-              </a:extLst>
-            </p:cNvPr>
-            <p:cNvSpPr/>
-            <p:nvPr/>
-          </p:nvSpPr>
-          <p:spPr>
-            <a:xfrm>
-              <a:off x="1284399" y="6091574"/>
-              <a:ext cx="158496" cy="158496"/>
-            </a:xfrm>
-            <a:prstGeom prst="chevron">
-              <a:avLst/>
-            </a:prstGeom>
-          </p:spPr>
-          <p:style>
-            <a:lnRef idx="1">
-              <a:schemeClr val="accent4"/>
-            </a:lnRef>
-            <a:fillRef idx="2">
-              <a:schemeClr val="accent4"/>
-            </a:fillRef>
-            <a:effectRef idx="1">
-              <a:schemeClr val="accent4"/>
-            </a:effectRef>
-            <a:fontRef idx="minor">
-              <a:schemeClr val="dk1"/>
-            </a:fontRef>
-          </p:style>
-          <p:txBody>
-            <a:bodyPr rtlCol="0" anchor="ctr"/>
-            <a:lstStyle/>
-            <a:p>
-              <a:pPr algn="ctr"/>
-              <a:endParaRPr lang="de-DE" dirty="0">
-                <a:solidFill>
-                  <a:schemeClr val="tx1"/>
-                </a:solidFill>
-              </a:endParaRPr>
-            </a:p>
-          </p:txBody>
-        </p:sp>
-        <p:sp>
-          <p:nvSpPr>
-            <p:cNvPr id="11" name="Eingekerbter Richtungspfeil 24">
-              <a:extLst>
-                <a:ext uri="{FF2B5EF4-FFF2-40B4-BE49-F238E27FC236}">
-                  <a16:creationId xmlns:a16="http://schemas.microsoft.com/office/drawing/2014/main" id="{13B86617-4353-46AD-97C4-7F02A1BA1B80}"/>
-                </a:ext>
-              </a:extLst>
-            </p:cNvPr>
-            <p:cNvSpPr/>
-            <p:nvPr/>
-          </p:nvSpPr>
-          <p:spPr>
-            <a:xfrm>
-              <a:off x="2052380" y="6091574"/>
-              <a:ext cx="158496" cy="158496"/>
-            </a:xfrm>
-            <a:prstGeom prst="chevron">
-              <a:avLst/>
-            </a:prstGeom>
-          </p:spPr>
-          <p:style>
-            <a:lnRef idx="1">
-              <a:schemeClr val="accent4"/>
-            </a:lnRef>
-            <a:fillRef idx="2">
-              <a:schemeClr val="accent4"/>
-            </a:fillRef>
-            <a:effectRef idx="1">
-              <a:schemeClr val="accent4"/>
-            </a:effectRef>
-            <a:fontRef idx="minor">
-              <a:schemeClr val="dk1"/>
-            </a:fontRef>
-          </p:style>
-          <p:txBody>
-            <a:bodyPr rtlCol="0" anchor="ctr"/>
-            <a:lstStyle/>
-            <a:p>
-              <a:pPr algn="ctr"/>
-              <a:endParaRPr lang="de-DE">
-                <a:solidFill>
-                  <a:schemeClr val="tx1"/>
-                </a:solidFill>
-              </a:endParaRPr>
-            </a:p>
-          </p:txBody>
-        </p:sp>
-        <p:sp>
-          <p:nvSpPr>
-            <p:cNvPr id="12" name="Eingekerbter Richtungspfeil 25">
-              <a:extLst>
-                <a:ext uri="{FF2B5EF4-FFF2-40B4-BE49-F238E27FC236}">
-                  <a16:creationId xmlns:a16="http://schemas.microsoft.com/office/drawing/2014/main" id="{40D0FAF6-EB9E-4EEF-BCBE-972523E34CB7}"/>
-                </a:ext>
-              </a:extLst>
-            </p:cNvPr>
-            <p:cNvSpPr/>
-            <p:nvPr/>
-          </p:nvSpPr>
-          <p:spPr>
-            <a:xfrm>
-              <a:off x="4116879" y="6091574"/>
-              <a:ext cx="158496" cy="158496"/>
-            </a:xfrm>
-            <a:prstGeom prst="chevron">
-              <a:avLst/>
-            </a:prstGeom>
-          </p:spPr>
-          <p:style>
-            <a:lnRef idx="1">
-              <a:schemeClr val="accent4"/>
-            </a:lnRef>
-            <a:fillRef idx="2">
-              <a:schemeClr val="accent4"/>
-            </a:fillRef>
-            <a:effectRef idx="1">
-              <a:schemeClr val="accent4"/>
-            </a:effectRef>
-            <a:fontRef idx="minor">
-              <a:schemeClr val="dk1"/>
-            </a:fontRef>
-          </p:style>
-          <p:txBody>
-            <a:bodyPr rtlCol="0" anchor="ctr"/>
-            <a:lstStyle/>
-            <a:p>
-              <a:pPr algn="ctr"/>
-              <a:endParaRPr lang="de-DE">
-                <a:solidFill>
-                  <a:schemeClr val="tx1"/>
-                </a:solidFill>
-              </a:endParaRPr>
-            </a:p>
-          </p:txBody>
-        </p:sp>
-        <p:sp>
-          <p:nvSpPr>
-            <p:cNvPr id="13" name="Textfeld 12">
-              <a:extLst>
-                <a:ext uri="{FF2B5EF4-FFF2-40B4-BE49-F238E27FC236}">
-                  <a16:creationId xmlns:a16="http://schemas.microsoft.com/office/drawing/2014/main" id="{6910B1B0-7848-461D-A8EE-494297AF2C2C}"/>
-                </a:ext>
-              </a:extLst>
-            </p:cNvPr>
-            <p:cNvSpPr txBox="1"/>
-            <p:nvPr/>
-          </p:nvSpPr>
-          <p:spPr>
-            <a:xfrm>
-              <a:off x="4324070" y="6032320"/>
-              <a:ext cx="1588897" cy="276999"/>
-            </a:xfrm>
-            <a:prstGeom prst="rect">
-              <a:avLst/>
-            </a:prstGeom>
-            <a:noFill/>
-            <a:ln>
-              <a:noFill/>
-            </a:ln>
-          </p:spPr>
-          <p:style>
-            <a:lnRef idx="2">
-              <a:schemeClr val="accent3"/>
-            </a:lnRef>
-            <a:fillRef idx="1">
-              <a:schemeClr val="lt1"/>
-            </a:fillRef>
-            <a:effectRef idx="0">
-              <a:schemeClr val="accent3"/>
-            </a:effectRef>
-            <a:fontRef idx="minor">
-              <a:schemeClr val="dk1"/>
-            </a:fontRef>
-          </p:style>
-          <p:txBody>
-            <a:bodyPr wrap="none" rtlCol="0">
-              <a:spAutoFit/>
-            </a:bodyPr>
-            <a:lstStyle/>
-            <a:p>
-              <a:r>
-                <a:rPr lang="en-US" sz="1200" dirty="0"/>
-                <a:t>Deployment Pipeline</a:t>
-              </a:r>
-            </a:p>
-          </p:txBody>
-        </p:sp>
-        <p:sp>
-          <p:nvSpPr>
-            <p:cNvPr id="14" name="Eingekerbter Richtungspfeil 27">
-              <a:extLst>
-                <a:ext uri="{FF2B5EF4-FFF2-40B4-BE49-F238E27FC236}">
-                  <a16:creationId xmlns:a16="http://schemas.microsoft.com/office/drawing/2014/main" id="{C8C6383D-EFF4-4F8F-B7E7-55AA85D1E860}"/>
-                </a:ext>
-              </a:extLst>
-            </p:cNvPr>
-            <p:cNvSpPr/>
-            <p:nvPr/>
-          </p:nvSpPr>
-          <p:spPr>
-            <a:xfrm>
-              <a:off x="7320057" y="6091577"/>
-              <a:ext cx="158496" cy="158496"/>
-            </a:xfrm>
-            <a:prstGeom prst="chevron">
-              <a:avLst/>
-            </a:prstGeom>
-          </p:spPr>
-          <p:style>
-            <a:lnRef idx="1">
-              <a:schemeClr val="accent4"/>
-            </a:lnRef>
-            <a:fillRef idx="2">
-              <a:schemeClr val="accent4"/>
-            </a:fillRef>
-            <a:effectRef idx="1">
-              <a:schemeClr val="accent4"/>
-            </a:effectRef>
-            <a:fontRef idx="minor">
-              <a:schemeClr val="dk1"/>
-            </a:fontRef>
-          </p:style>
-          <p:txBody>
-            <a:bodyPr rtlCol="0" anchor="ctr"/>
-            <a:lstStyle/>
-            <a:p>
-              <a:pPr algn="ctr"/>
-              <a:endParaRPr lang="de-DE">
-                <a:solidFill>
-                  <a:schemeClr val="tx1"/>
-                </a:solidFill>
-              </a:endParaRPr>
-            </a:p>
-          </p:txBody>
-        </p:sp>
-        <p:cxnSp>
-          <p:nvCxnSpPr>
-            <p:cNvPr id="15" name="Gerade Verbindung 28">
-              <a:extLst>
-                <a:ext uri="{FF2B5EF4-FFF2-40B4-BE49-F238E27FC236}">
-                  <a16:creationId xmlns:a16="http://schemas.microsoft.com/office/drawing/2014/main" id="{BE0E1948-1999-44A0-B261-866A1DF5995B}"/>
-                </a:ext>
-              </a:extLst>
-            </p:cNvPr>
-            <p:cNvCxnSpPr/>
-            <p:nvPr/>
-          </p:nvCxnSpPr>
-          <p:spPr>
-            <a:xfrm>
-              <a:off x="25400" y="5986694"/>
-              <a:ext cx="9072000" cy="1588"/>
-            </a:xfrm>
-            <a:prstGeom prst="line">
-              <a:avLst/>
-            </a:prstGeom>
-            <a:ln w="41275">
-              <a:solidFill>
-                <a:schemeClr val="accent3">
-                  <a:lumMod val="85000"/>
-                </a:schemeClr>
-              </a:solidFill>
-            </a:ln>
-          </p:spPr>
-          <p:style>
-            <a:lnRef idx="1">
-              <a:schemeClr val="accent1"/>
-            </a:lnRef>
-            <a:fillRef idx="0">
-              <a:schemeClr val="accent1"/>
-            </a:fillRef>
-            <a:effectRef idx="0">
-              <a:schemeClr val="accent1"/>
-            </a:effectRef>
-            <a:fontRef idx="minor">
-              <a:schemeClr val="tx1"/>
-            </a:fontRef>
-          </p:style>
-        </p:cxnSp>
-        <p:sp>
-          <p:nvSpPr>
-            <p:cNvPr id="16" name="Eingekerbter Richtungspfeil 29">
-              <a:extLst>
-                <a:ext uri="{FF2B5EF4-FFF2-40B4-BE49-F238E27FC236}">
-                  <a16:creationId xmlns:a16="http://schemas.microsoft.com/office/drawing/2014/main" id="{A4600029-E40B-4FAC-BDEA-4C82CFF469F9}"/>
-                </a:ext>
-              </a:extLst>
-            </p:cNvPr>
-            <p:cNvSpPr/>
-            <p:nvPr/>
-          </p:nvSpPr>
-          <p:spPr>
-            <a:xfrm>
-              <a:off x="5925672" y="6091576"/>
-              <a:ext cx="158496" cy="158496"/>
-            </a:xfrm>
-            <a:prstGeom prst="chevron">
-              <a:avLst/>
-            </a:prstGeom>
-          </p:spPr>
-          <p:style>
-            <a:lnRef idx="1">
-              <a:schemeClr val="accent4"/>
-            </a:lnRef>
-            <a:fillRef idx="2">
-              <a:schemeClr val="accent4"/>
-            </a:fillRef>
-            <a:effectRef idx="1">
-              <a:schemeClr val="accent4"/>
-            </a:effectRef>
-            <a:fontRef idx="minor">
-              <a:schemeClr val="dk1"/>
-            </a:fontRef>
-          </p:style>
-          <p:txBody>
-            <a:bodyPr rtlCol="0" anchor="ctr"/>
-            <a:lstStyle/>
-            <a:p>
-              <a:pPr algn="ctr"/>
-              <a:endParaRPr lang="de-DE">
                 <a:solidFill>
                   <a:schemeClr val="tx1"/>
                 </a:solidFill>

--- a/Präsentation/Präsentation.pptx
+++ b/Präsentation/Präsentation.pptx
@@ -5,10 +5,10 @@
     <p:sldMasterId id="2147483648" r:id="rId1"/>
   </p:sldMasterIdLst>
   <p:notesMasterIdLst>
-    <p:notesMasterId r:id="rId18"/>
+    <p:notesMasterId r:id="rId13"/>
   </p:notesMasterIdLst>
   <p:handoutMasterIdLst>
-    <p:handoutMasterId r:id="rId19"/>
+    <p:handoutMasterId r:id="rId14"/>
   </p:handoutMasterIdLst>
   <p:sldIdLst>
     <p:sldId id="264" r:id="rId2"/>
@@ -21,12 +21,7 @@
     <p:sldId id="270" r:id="rId9"/>
     <p:sldId id="271" r:id="rId10"/>
     <p:sldId id="272" r:id="rId11"/>
-    <p:sldId id="273" r:id="rId12"/>
-    <p:sldId id="274" r:id="rId13"/>
-    <p:sldId id="275" r:id="rId14"/>
-    <p:sldId id="276" r:id="rId15"/>
-    <p:sldId id="277" r:id="rId16"/>
-    <p:sldId id="278" r:id="rId17"/>
+    <p:sldId id="278" r:id="rId12"/>
   </p:sldIdLst>
   <p:sldSz cx="9144000" cy="5143500" type="screen16x9"/>
   <p:notesSz cx="6858000" cy="9144000"/>
@@ -1004,6 +999,52 @@
           <a:bodyPr/>
           <a:lstStyle/>
           <a:p>
+            <a:r>
+              <a:rPr lang="en-US" dirty="0"/>
+              <a:t>CSE changes the way of software development and deployment</a:t>
+            </a:r>
+          </a:p>
+          <a:p>
+            <a:r>
+              <a:rPr lang="en-US" dirty="0"/>
+              <a:t>Moving an application to CD is challenging</a:t>
+            </a:r>
+          </a:p>
+          <a:p>
+            <a:r>
+              <a:rPr lang="en-US" dirty="0"/>
+              <a:t>Benefits are immense</a:t>
+            </a:r>
+          </a:p>
+          <a:p>
+            <a:r>
+              <a:rPr lang="de-DE" dirty="0" err="1"/>
+              <a:t>No</a:t>
+            </a:r>
+            <a:r>
+              <a:rPr lang="de-DE" dirty="0"/>
+              <a:t> out </a:t>
+            </a:r>
+            <a:r>
+              <a:rPr lang="de-DE" dirty="0" err="1"/>
+              <a:t>of</a:t>
+            </a:r>
+            <a:r>
+              <a:rPr lang="de-DE" dirty="0"/>
+              <a:t> </a:t>
+            </a:r>
+            <a:r>
+              <a:rPr lang="de-DE" dirty="0" err="1"/>
+              <a:t>the</a:t>
+            </a:r>
+            <a:r>
+              <a:rPr lang="de-DE" dirty="0"/>
+              <a:t> box </a:t>
+            </a:r>
+            <a:r>
+              <a:rPr lang="de-DE" dirty="0" err="1"/>
+              <a:t>solutions</a:t>
+            </a:r>
             <a:endParaRPr lang="de-DE" dirty="0"/>
           </a:p>
         </p:txBody>
@@ -1222,706 +1263,6 @@
                 <a:defRPr/>
               </a:pPr>
               <a:t>11</a:t>
-            </a:fld>
-            <a:endParaRPr lang="de-DE" dirty="0"/>
-          </a:p>
-        </p:txBody>
-      </p:sp>
-    </p:spTree>
-    <p:extLst>
-      <p:ext uri="{BB962C8B-B14F-4D97-AF65-F5344CB8AC3E}">
-        <p14:creationId xmlns:p14="http://schemas.microsoft.com/office/powerpoint/2010/main" val="692886465"/>
-      </p:ext>
-    </p:extLst>
-  </p:cSld>
-  <p:clrMapOvr>
-    <a:masterClrMapping/>
-  </p:clrMapOvr>
-</p:notes>
-</file>
-
-<file path=ppt/notesSlides/notesSlide12.xml><?xml version="1.0" encoding="utf-8"?>
-<p:notes xmlns:a="http://schemas.openxmlformats.org/drawingml/2006/main" xmlns:r="http://schemas.openxmlformats.org/officeDocument/2006/relationships" xmlns:p="http://schemas.openxmlformats.org/presentationml/2006/main">
-  <p:cSld>
-    <p:spTree>
-      <p:nvGrpSpPr>
-        <p:cNvPr id="1" name=""/>
-        <p:cNvGrpSpPr/>
-        <p:nvPr/>
-      </p:nvGrpSpPr>
-      <p:grpSpPr>
-        <a:xfrm>
-          <a:off x="0" y="0"/>
-          <a:ext cx="0" cy="0"/>
-          <a:chOff x="0" y="0"/>
-          <a:chExt cx="0" cy="0"/>
-        </a:xfrm>
-      </p:grpSpPr>
-      <p:sp>
-        <p:nvSpPr>
-          <p:cNvPr id="2" name="Folienbildplatzhalter 1"/>
-          <p:cNvSpPr>
-            <a:spLocks noGrp="1" noRot="1" noChangeAspect="1"/>
-          </p:cNvSpPr>
-          <p:nvPr>
-            <p:ph type="sldImg"/>
-          </p:nvPr>
-        </p:nvSpPr>
-        <p:spPr/>
-      </p:sp>
-      <p:sp>
-        <p:nvSpPr>
-          <p:cNvPr id="3" name="Notizenplatzhalter 2"/>
-          <p:cNvSpPr>
-            <a:spLocks noGrp="1"/>
-          </p:cNvSpPr>
-          <p:nvPr>
-            <p:ph type="body" idx="1"/>
-          </p:nvPr>
-        </p:nvSpPr>
-        <p:spPr/>
-        <p:txBody>
-          <a:bodyPr/>
-          <a:lstStyle/>
-          <a:p>
-            <a:endParaRPr lang="de-DE" dirty="0"/>
-          </a:p>
-        </p:txBody>
-      </p:sp>
-      <p:sp>
-        <p:nvSpPr>
-          <p:cNvPr id="4" name="Datumsplatzhalter 3"/>
-          <p:cNvSpPr>
-            <a:spLocks noGrp="1"/>
-          </p:cNvSpPr>
-          <p:nvPr>
-            <p:ph type="dt" idx="10"/>
-          </p:nvPr>
-        </p:nvSpPr>
-        <p:spPr/>
-        <p:txBody>
-          <a:bodyPr/>
-          <a:lstStyle/>
-          <a:p>
-            <a:pPr>
-              <a:defRPr/>
-            </a:pPr>
-            <a:r>
-              <a:rPr lang="de-DE" dirty="0"/>
-              <a:t>29.01.2018</a:t>
-            </a:r>
-          </a:p>
-        </p:txBody>
-      </p:sp>
-      <p:sp>
-        <p:nvSpPr>
-          <p:cNvPr id="5" name="Fußzeilenplatzhalter 4"/>
-          <p:cNvSpPr>
-            <a:spLocks noGrp="1"/>
-          </p:cNvSpPr>
-          <p:nvPr>
-            <p:ph type="ftr" sz="quarter" idx="11"/>
-          </p:nvPr>
-        </p:nvSpPr>
-        <p:spPr/>
-        <p:txBody>
-          <a:bodyPr/>
-          <a:lstStyle/>
-          <a:p>
-            <a:pPr>
-              <a:defRPr/>
-            </a:pPr>
-            <a:r>
-              <a:rPr lang="de-DE" dirty="0"/>
-              <a:t>Niko Benkler       Betreuer: Robert Heinrich</a:t>
-            </a:r>
-          </a:p>
-        </p:txBody>
-      </p:sp>
-      <p:sp>
-        <p:nvSpPr>
-          <p:cNvPr id="6" name="Foliennummernplatzhalter 5"/>
-          <p:cNvSpPr>
-            <a:spLocks noGrp="1"/>
-          </p:cNvSpPr>
-          <p:nvPr>
-            <p:ph type="sldNum" sz="quarter" idx="12"/>
-          </p:nvPr>
-        </p:nvSpPr>
-        <p:spPr/>
-        <p:txBody>
-          <a:bodyPr/>
-          <a:lstStyle/>
-          <a:p>
-            <a:pPr>
-              <a:defRPr/>
-            </a:pPr>
-            <a:fld id="{C0ED99B0-9538-4AA1-98EA-85DB0555789A}" type="slidenum">
-              <a:rPr lang="de-DE" smtClean="0"/>
-              <a:pPr>
-                <a:defRPr/>
-              </a:pPr>
-              <a:t>12</a:t>
-            </a:fld>
-            <a:endParaRPr lang="de-DE" dirty="0"/>
-          </a:p>
-        </p:txBody>
-      </p:sp>
-    </p:spTree>
-    <p:extLst>
-      <p:ext uri="{BB962C8B-B14F-4D97-AF65-F5344CB8AC3E}">
-        <p14:creationId xmlns:p14="http://schemas.microsoft.com/office/powerpoint/2010/main" val="159368346"/>
-      </p:ext>
-    </p:extLst>
-  </p:cSld>
-  <p:clrMapOvr>
-    <a:masterClrMapping/>
-  </p:clrMapOvr>
-</p:notes>
-</file>
-
-<file path=ppt/notesSlides/notesSlide13.xml><?xml version="1.0" encoding="utf-8"?>
-<p:notes xmlns:a="http://schemas.openxmlformats.org/drawingml/2006/main" xmlns:r="http://schemas.openxmlformats.org/officeDocument/2006/relationships" xmlns:p="http://schemas.openxmlformats.org/presentationml/2006/main">
-  <p:cSld>
-    <p:spTree>
-      <p:nvGrpSpPr>
-        <p:cNvPr id="1" name=""/>
-        <p:cNvGrpSpPr/>
-        <p:nvPr/>
-      </p:nvGrpSpPr>
-      <p:grpSpPr>
-        <a:xfrm>
-          <a:off x="0" y="0"/>
-          <a:ext cx="0" cy="0"/>
-          <a:chOff x="0" y="0"/>
-          <a:chExt cx="0" cy="0"/>
-        </a:xfrm>
-      </p:grpSpPr>
-      <p:sp>
-        <p:nvSpPr>
-          <p:cNvPr id="2" name="Folienbildplatzhalter 1"/>
-          <p:cNvSpPr>
-            <a:spLocks noGrp="1" noRot="1" noChangeAspect="1"/>
-          </p:cNvSpPr>
-          <p:nvPr>
-            <p:ph type="sldImg"/>
-          </p:nvPr>
-        </p:nvSpPr>
-        <p:spPr/>
-      </p:sp>
-      <p:sp>
-        <p:nvSpPr>
-          <p:cNvPr id="3" name="Notizenplatzhalter 2"/>
-          <p:cNvSpPr>
-            <a:spLocks noGrp="1"/>
-          </p:cNvSpPr>
-          <p:nvPr>
-            <p:ph type="body" idx="1"/>
-          </p:nvPr>
-        </p:nvSpPr>
-        <p:spPr/>
-        <p:txBody>
-          <a:bodyPr/>
-          <a:lstStyle/>
-          <a:p>
-            <a:endParaRPr lang="de-DE" dirty="0"/>
-          </a:p>
-        </p:txBody>
-      </p:sp>
-      <p:sp>
-        <p:nvSpPr>
-          <p:cNvPr id="4" name="Datumsplatzhalter 3"/>
-          <p:cNvSpPr>
-            <a:spLocks noGrp="1"/>
-          </p:cNvSpPr>
-          <p:nvPr>
-            <p:ph type="dt" idx="10"/>
-          </p:nvPr>
-        </p:nvSpPr>
-        <p:spPr/>
-        <p:txBody>
-          <a:bodyPr/>
-          <a:lstStyle/>
-          <a:p>
-            <a:pPr>
-              <a:defRPr/>
-            </a:pPr>
-            <a:r>
-              <a:rPr lang="de-DE" dirty="0"/>
-              <a:t>29.01.2018</a:t>
-            </a:r>
-          </a:p>
-        </p:txBody>
-      </p:sp>
-      <p:sp>
-        <p:nvSpPr>
-          <p:cNvPr id="5" name="Fußzeilenplatzhalter 4"/>
-          <p:cNvSpPr>
-            <a:spLocks noGrp="1"/>
-          </p:cNvSpPr>
-          <p:nvPr>
-            <p:ph type="ftr" sz="quarter" idx="11"/>
-          </p:nvPr>
-        </p:nvSpPr>
-        <p:spPr/>
-        <p:txBody>
-          <a:bodyPr/>
-          <a:lstStyle/>
-          <a:p>
-            <a:pPr>
-              <a:defRPr/>
-            </a:pPr>
-            <a:r>
-              <a:rPr lang="de-DE" dirty="0"/>
-              <a:t>Niko Benkler       Betreuer: Robert Heinrich</a:t>
-            </a:r>
-          </a:p>
-        </p:txBody>
-      </p:sp>
-      <p:sp>
-        <p:nvSpPr>
-          <p:cNvPr id="6" name="Foliennummernplatzhalter 5"/>
-          <p:cNvSpPr>
-            <a:spLocks noGrp="1"/>
-          </p:cNvSpPr>
-          <p:nvPr>
-            <p:ph type="sldNum" sz="quarter" idx="12"/>
-          </p:nvPr>
-        </p:nvSpPr>
-        <p:spPr/>
-        <p:txBody>
-          <a:bodyPr/>
-          <a:lstStyle/>
-          <a:p>
-            <a:pPr>
-              <a:defRPr/>
-            </a:pPr>
-            <a:fld id="{C0ED99B0-9538-4AA1-98EA-85DB0555789A}" type="slidenum">
-              <a:rPr lang="de-DE" smtClean="0"/>
-              <a:pPr>
-                <a:defRPr/>
-              </a:pPr>
-              <a:t>13</a:t>
-            </a:fld>
-            <a:endParaRPr lang="de-DE" dirty="0"/>
-          </a:p>
-        </p:txBody>
-      </p:sp>
-    </p:spTree>
-    <p:extLst>
-      <p:ext uri="{BB962C8B-B14F-4D97-AF65-F5344CB8AC3E}">
-        <p14:creationId xmlns:p14="http://schemas.microsoft.com/office/powerpoint/2010/main" val="641352885"/>
-      </p:ext>
-    </p:extLst>
-  </p:cSld>
-  <p:clrMapOvr>
-    <a:masterClrMapping/>
-  </p:clrMapOvr>
-</p:notes>
-</file>
-
-<file path=ppt/notesSlides/notesSlide14.xml><?xml version="1.0" encoding="utf-8"?>
-<p:notes xmlns:a="http://schemas.openxmlformats.org/drawingml/2006/main" xmlns:r="http://schemas.openxmlformats.org/officeDocument/2006/relationships" xmlns:p="http://schemas.openxmlformats.org/presentationml/2006/main">
-  <p:cSld>
-    <p:spTree>
-      <p:nvGrpSpPr>
-        <p:cNvPr id="1" name=""/>
-        <p:cNvGrpSpPr/>
-        <p:nvPr/>
-      </p:nvGrpSpPr>
-      <p:grpSpPr>
-        <a:xfrm>
-          <a:off x="0" y="0"/>
-          <a:ext cx="0" cy="0"/>
-          <a:chOff x="0" y="0"/>
-          <a:chExt cx="0" cy="0"/>
-        </a:xfrm>
-      </p:grpSpPr>
-      <p:sp>
-        <p:nvSpPr>
-          <p:cNvPr id="2" name="Folienbildplatzhalter 1"/>
-          <p:cNvSpPr>
-            <a:spLocks noGrp="1" noRot="1" noChangeAspect="1"/>
-          </p:cNvSpPr>
-          <p:nvPr>
-            <p:ph type="sldImg"/>
-          </p:nvPr>
-        </p:nvSpPr>
-        <p:spPr/>
-      </p:sp>
-      <p:sp>
-        <p:nvSpPr>
-          <p:cNvPr id="3" name="Notizenplatzhalter 2"/>
-          <p:cNvSpPr>
-            <a:spLocks noGrp="1"/>
-          </p:cNvSpPr>
-          <p:nvPr>
-            <p:ph type="body" idx="1"/>
-          </p:nvPr>
-        </p:nvSpPr>
-        <p:spPr/>
-        <p:txBody>
-          <a:bodyPr/>
-          <a:lstStyle/>
-          <a:p>
-            <a:endParaRPr lang="de-DE" dirty="0"/>
-          </a:p>
-        </p:txBody>
-      </p:sp>
-      <p:sp>
-        <p:nvSpPr>
-          <p:cNvPr id="4" name="Datumsplatzhalter 3"/>
-          <p:cNvSpPr>
-            <a:spLocks noGrp="1"/>
-          </p:cNvSpPr>
-          <p:nvPr>
-            <p:ph type="dt" idx="10"/>
-          </p:nvPr>
-        </p:nvSpPr>
-        <p:spPr/>
-        <p:txBody>
-          <a:bodyPr/>
-          <a:lstStyle/>
-          <a:p>
-            <a:pPr>
-              <a:defRPr/>
-            </a:pPr>
-            <a:r>
-              <a:rPr lang="de-DE" dirty="0"/>
-              <a:t>29.01.2018</a:t>
-            </a:r>
-          </a:p>
-        </p:txBody>
-      </p:sp>
-      <p:sp>
-        <p:nvSpPr>
-          <p:cNvPr id="5" name="Fußzeilenplatzhalter 4"/>
-          <p:cNvSpPr>
-            <a:spLocks noGrp="1"/>
-          </p:cNvSpPr>
-          <p:nvPr>
-            <p:ph type="ftr" sz="quarter" idx="11"/>
-          </p:nvPr>
-        </p:nvSpPr>
-        <p:spPr/>
-        <p:txBody>
-          <a:bodyPr/>
-          <a:lstStyle/>
-          <a:p>
-            <a:pPr>
-              <a:defRPr/>
-            </a:pPr>
-            <a:r>
-              <a:rPr lang="de-DE" dirty="0"/>
-              <a:t>Niko Benkler       Betreuer: Robert Heinrich</a:t>
-            </a:r>
-          </a:p>
-        </p:txBody>
-      </p:sp>
-      <p:sp>
-        <p:nvSpPr>
-          <p:cNvPr id="6" name="Foliennummernplatzhalter 5"/>
-          <p:cNvSpPr>
-            <a:spLocks noGrp="1"/>
-          </p:cNvSpPr>
-          <p:nvPr>
-            <p:ph type="sldNum" sz="quarter" idx="12"/>
-          </p:nvPr>
-        </p:nvSpPr>
-        <p:spPr/>
-        <p:txBody>
-          <a:bodyPr/>
-          <a:lstStyle/>
-          <a:p>
-            <a:pPr>
-              <a:defRPr/>
-            </a:pPr>
-            <a:fld id="{C0ED99B0-9538-4AA1-98EA-85DB0555789A}" type="slidenum">
-              <a:rPr lang="de-DE" smtClean="0"/>
-              <a:pPr>
-                <a:defRPr/>
-              </a:pPr>
-              <a:t>14</a:t>
-            </a:fld>
-            <a:endParaRPr lang="de-DE" dirty="0"/>
-          </a:p>
-        </p:txBody>
-      </p:sp>
-    </p:spTree>
-    <p:extLst>
-      <p:ext uri="{BB962C8B-B14F-4D97-AF65-F5344CB8AC3E}">
-        <p14:creationId xmlns:p14="http://schemas.microsoft.com/office/powerpoint/2010/main" val="2317478189"/>
-      </p:ext>
-    </p:extLst>
-  </p:cSld>
-  <p:clrMapOvr>
-    <a:masterClrMapping/>
-  </p:clrMapOvr>
-</p:notes>
-</file>
-
-<file path=ppt/notesSlides/notesSlide15.xml><?xml version="1.0" encoding="utf-8"?>
-<p:notes xmlns:a="http://schemas.openxmlformats.org/drawingml/2006/main" xmlns:r="http://schemas.openxmlformats.org/officeDocument/2006/relationships" xmlns:p="http://schemas.openxmlformats.org/presentationml/2006/main">
-  <p:cSld>
-    <p:spTree>
-      <p:nvGrpSpPr>
-        <p:cNvPr id="1" name=""/>
-        <p:cNvGrpSpPr/>
-        <p:nvPr/>
-      </p:nvGrpSpPr>
-      <p:grpSpPr>
-        <a:xfrm>
-          <a:off x="0" y="0"/>
-          <a:ext cx="0" cy="0"/>
-          <a:chOff x="0" y="0"/>
-          <a:chExt cx="0" cy="0"/>
-        </a:xfrm>
-      </p:grpSpPr>
-      <p:sp>
-        <p:nvSpPr>
-          <p:cNvPr id="2" name="Folienbildplatzhalter 1"/>
-          <p:cNvSpPr>
-            <a:spLocks noGrp="1" noRot="1" noChangeAspect="1"/>
-          </p:cNvSpPr>
-          <p:nvPr>
-            <p:ph type="sldImg"/>
-          </p:nvPr>
-        </p:nvSpPr>
-        <p:spPr/>
-      </p:sp>
-      <p:sp>
-        <p:nvSpPr>
-          <p:cNvPr id="3" name="Notizenplatzhalter 2"/>
-          <p:cNvSpPr>
-            <a:spLocks noGrp="1"/>
-          </p:cNvSpPr>
-          <p:nvPr>
-            <p:ph type="body" idx="1"/>
-          </p:nvPr>
-        </p:nvSpPr>
-        <p:spPr/>
-        <p:txBody>
-          <a:bodyPr/>
-          <a:lstStyle/>
-          <a:p>
-            <a:endParaRPr lang="de-DE" dirty="0"/>
-          </a:p>
-        </p:txBody>
-      </p:sp>
-      <p:sp>
-        <p:nvSpPr>
-          <p:cNvPr id="4" name="Datumsplatzhalter 3"/>
-          <p:cNvSpPr>
-            <a:spLocks noGrp="1"/>
-          </p:cNvSpPr>
-          <p:nvPr>
-            <p:ph type="dt" idx="10"/>
-          </p:nvPr>
-        </p:nvSpPr>
-        <p:spPr/>
-        <p:txBody>
-          <a:bodyPr/>
-          <a:lstStyle/>
-          <a:p>
-            <a:pPr>
-              <a:defRPr/>
-            </a:pPr>
-            <a:r>
-              <a:rPr lang="de-DE" dirty="0"/>
-              <a:t>29.01.2018</a:t>
-            </a:r>
-          </a:p>
-        </p:txBody>
-      </p:sp>
-      <p:sp>
-        <p:nvSpPr>
-          <p:cNvPr id="5" name="Fußzeilenplatzhalter 4"/>
-          <p:cNvSpPr>
-            <a:spLocks noGrp="1"/>
-          </p:cNvSpPr>
-          <p:nvPr>
-            <p:ph type="ftr" sz="quarter" idx="11"/>
-          </p:nvPr>
-        </p:nvSpPr>
-        <p:spPr/>
-        <p:txBody>
-          <a:bodyPr/>
-          <a:lstStyle/>
-          <a:p>
-            <a:pPr>
-              <a:defRPr/>
-            </a:pPr>
-            <a:r>
-              <a:rPr lang="de-DE" dirty="0"/>
-              <a:t>Niko Benkler       Betreuer: Robert Heinrich</a:t>
-            </a:r>
-          </a:p>
-        </p:txBody>
-      </p:sp>
-      <p:sp>
-        <p:nvSpPr>
-          <p:cNvPr id="6" name="Foliennummernplatzhalter 5"/>
-          <p:cNvSpPr>
-            <a:spLocks noGrp="1"/>
-          </p:cNvSpPr>
-          <p:nvPr>
-            <p:ph type="sldNum" sz="quarter" idx="12"/>
-          </p:nvPr>
-        </p:nvSpPr>
-        <p:spPr/>
-        <p:txBody>
-          <a:bodyPr/>
-          <a:lstStyle/>
-          <a:p>
-            <a:pPr>
-              <a:defRPr/>
-            </a:pPr>
-            <a:fld id="{C0ED99B0-9538-4AA1-98EA-85DB0555789A}" type="slidenum">
-              <a:rPr lang="de-DE" smtClean="0"/>
-              <a:pPr>
-                <a:defRPr/>
-              </a:pPr>
-              <a:t>15</a:t>
-            </a:fld>
-            <a:endParaRPr lang="de-DE" dirty="0"/>
-          </a:p>
-        </p:txBody>
-      </p:sp>
-    </p:spTree>
-    <p:extLst>
-      <p:ext uri="{BB962C8B-B14F-4D97-AF65-F5344CB8AC3E}">
-        <p14:creationId xmlns:p14="http://schemas.microsoft.com/office/powerpoint/2010/main" val="1339319871"/>
-      </p:ext>
-    </p:extLst>
-  </p:cSld>
-  <p:clrMapOvr>
-    <a:masterClrMapping/>
-  </p:clrMapOvr>
-</p:notes>
-</file>
-
-<file path=ppt/notesSlides/notesSlide16.xml><?xml version="1.0" encoding="utf-8"?>
-<p:notes xmlns:a="http://schemas.openxmlformats.org/drawingml/2006/main" xmlns:r="http://schemas.openxmlformats.org/officeDocument/2006/relationships" xmlns:p="http://schemas.openxmlformats.org/presentationml/2006/main">
-  <p:cSld>
-    <p:spTree>
-      <p:nvGrpSpPr>
-        <p:cNvPr id="1" name=""/>
-        <p:cNvGrpSpPr/>
-        <p:nvPr/>
-      </p:nvGrpSpPr>
-      <p:grpSpPr>
-        <a:xfrm>
-          <a:off x="0" y="0"/>
-          <a:ext cx="0" cy="0"/>
-          <a:chOff x="0" y="0"/>
-          <a:chExt cx="0" cy="0"/>
-        </a:xfrm>
-      </p:grpSpPr>
-      <p:sp>
-        <p:nvSpPr>
-          <p:cNvPr id="2" name="Folienbildplatzhalter 1"/>
-          <p:cNvSpPr>
-            <a:spLocks noGrp="1" noRot="1" noChangeAspect="1"/>
-          </p:cNvSpPr>
-          <p:nvPr>
-            <p:ph type="sldImg"/>
-          </p:nvPr>
-        </p:nvSpPr>
-        <p:spPr/>
-      </p:sp>
-      <p:sp>
-        <p:nvSpPr>
-          <p:cNvPr id="3" name="Notizenplatzhalter 2"/>
-          <p:cNvSpPr>
-            <a:spLocks noGrp="1"/>
-          </p:cNvSpPr>
-          <p:nvPr>
-            <p:ph type="body" idx="1"/>
-          </p:nvPr>
-        </p:nvSpPr>
-        <p:spPr/>
-        <p:txBody>
-          <a:bodyPr/>
-          <a:lstStyle/>
-          <a:p>
-            <a:endParaRPr lang="de-DE" dirty="0"/>
-          </a:p>
-        </p:txBody>
-      </p:sp>
-      <p:sp>
-        <p:nvSpPr>
-          <p:cNvPr id="4" name="Datumsplatzhalter 3"/>
-          <p:cNvSpPr>
-            <a:spLocks noGrp="1"/>
-          </p:cNvSpPr>
-          <p:nvPr>
-            <p:ph type="dt" idx="10"/>
-          </p:nvPr>
-        </p:nvSpPr>
-        <p:spPr/>
-        <p:txBody>
-          <a:bodyPr/>
-          <a:lstStyle/>
-          <a:p>
-            <a:pPr>
-              <a:defRPr/>
-            </a:pPr>
-            <a:r>
-              <a:rPr lang="de-DE" dirty="0"/>
-              <a:t>29.01.2018</a:t>
-            </a:r>
-          </a:p>
-        </p:txBody>
-      </p:sp>
-      <p:sp>
-        <p:nvSpPr>
-          <p:cNvPr id="5" name="Fußzeilenplatzhalter 4"/>
-          <p:cNvSpPr>
-            <a:spLocks noGrp="1"/>
-          </p:cNvSpPr>
-          <p:nvPr>
-            <p:ph type="ftr" sz="quarter" idx="11"/>
-          </p:nvPr>
-        </p:nvSpPr>
-        <p:spPr/>
-        <p:txBody>
-          <a:bodyPr/>
-          <a:lstStyle/>
-          <a:p>
-            <a:pPr>
-              <a:defRPr/>
-            </a:pPr>
-            <a:r>
-              <a:rPr lang="de-DE" dirty="0"/>
-              <a:t>Niko Benkler       Betreuer: Robert Heinrich</a:t>
-            </a:r>
-          </a:p>
-        </p:txBody>
-      </p:sp>
-      <p:sp>
-        <p:nvSpPr>
-          <p:cNvPr id="6" name="Foliennummernplatzhalter 5"/>
-          <p:cNvSpPr>
-            <a:spLocks noGrp="1"/>
-          </p:cNvSpPr>
-          <p:nvPr>
-            <p:ph type="sldNum" sz="quarter" idx="12"/>
-          </p:nvPr>
-        </p:nvSpPr>
-        <p:spPr/>
-        <p:txBody>
-          <a:bodyPr/>
-          <a:lstStyle/>
-          <a:p>
-            <a:pPr>
-              <a:defRPr/>
-            </a:pPr>
-            <a:fld id="{C0ED99B0-9538-4AA1-98EA-85DB0555789A}" type="slidenum">
-              <a:rPr lang="de-DE" smtClean="0"/>
-              <a:pPr>
-                <a:defRPr/>
-              </a:pPr>
-              <a:t>16</a:t>
             </a:fld>
             <a:endParaRPr lang="de-DE" dirty="0"/>
           </a:p>
@@ -6664,7 +6005,10 @@
           <a:bodyPr/>
           <a:lstStyle/>
           <a:p>
-            <a:endParaRPr lang="en-US" dirty="0"/>
+            <a:r>
+              <a:rPr lang="en-US" dirty="0"/>
+              <a:t>Conclusion</a:t>
+            </a:r>
           </a:p>
         </p:txBody>
       </p:sp>
@@ -6682,6 +6026,727 @@
           <a:xfrm>
             <a:off x="392113" y="898923"/>
             <a:ext cx="8356600" cy="3397698"/>
+          </a:xfrm>
+        </p:spPr>
+        <p:txBody>
+          <a:bodyPr/>
+          <a:lstStyle/>
+          <a:p>
+            <a:r>
+              <a:rPr lang="en-US" dirty="0"/>
+              <a:t>CSE comes with benefits and challenges</a:t>
+            </a:r>
+          </a:p>
+          <a:p>
+            <a:r>
+              <a:rPr lang="en-US" dirty="0"/>
+              <a:t>Current papers mainly focus on challenges and mitigation strategies</a:t>
+            </a:r>
+          </a:p>
+          <a:p>
+            <a:r>
+              <a:rPr lang="en-US" dirty="0"/>
+              <a:t>No universally accepted definitions </a:t>
+            </a:r>
+          </a:p>
+          <a:p>
+            <a:r>
+              <a:rPr lang="en-US" dirty="0"/>
+              <a:t>Little research on how to better introduce CI,CDE and CD</a:t>
+            </a:r>
+          </a:p>
+          <a:p>
+            <a:r>
+              <a:rPr lang="en-US" dirty="0"/>
+              <a:t>Few information about implementation details of CD Pipelines</a:t>
+            </a:r>
+          </a:p>
+          <a:p>
+            <a:endParaRPr lang="en-US" dirty="0"/>
+          </a:p>
+          <a:p>
+            <a:r>
+              <a:rPr lang="en-US" b="1" dirty="0"/>
+              <a:t>BUT:</a:t>
+            </a:r>
+          </a:p>
+          <a:p>
+            <a:pPr lvl="1"/>
+            <a:r>
+              <a:rPr lang="en-US" dirty="0"/>
+              <a:t>CSE receive more and more attraction in all organization types</a:t>
+            </a:r>
+          </a:p>
+          <a:p>
+            <a:pPr lvl="1"/>
+            <a:r>
+              <a:rPr lang="en-US" dirty="0"/>
+              <a:t>It might revolutionize software engineering</a:t>
+            </a:r>
+          </a:p>
+        </p:txBody>
+      </p:sp>
+      <p:grpSp>
+        <p:nvGrpSpPr>
+          <p:cNvPr id="4" name="Gruppieren 21">
+            <a:extLst>
+              <a:ext uri="{FF2B5EF4-FFF2-40B4-BE49-F238E27FC236}">
+                <a16:creationId xmlns:a16="http://schemas.microsoft.com/office/drawing/2014/main" id="{AA131601-72E5-4228-A286-1E3E6D78B764}"/>
+              </a:ext>
+            </a:extLst>
+          </p:cNvPr>
+          <p:cNvGrpSpPr/>
+          <p:nvPr/>
+        </p:nvGrpSpPr>
+        <p:grpSpPr>
+          <a:xfrm>
+            <a:off x="72000" y="4424179"/>
+            <a:ext cx="9072000" cy="322630"/>
+            <a:chOff x="25400" y="5986694"/>
+            <a:chExt cx="9072000" cy="322630"/>
+          </a:xfrm>
+        </p:grpSpPr>
+        <p:sp>
+          <p:nvSpPr>
+            <p:cNvPr id="5" name="Textfeld 13">
+              <a:extLst>
+                <a:ext uri="{FF2B5EF4-FFF2-40B4-BE49-F238E27FC236}">
+                  <a16:creationId xmlns:a16="http://schemas.microsoft.com/office/drawing/2014/main" id="{2BCE988F-F02A-4D6D-B2E3-D098FA90D670}"/>
+                </a:ext>
+              </a:extLst>
+            </p:cNvPr>
+            <p:cNvSpPr txBox="1"/>
+            <p:nvPr/>
+          </p:nvSpPr>
+          <p:spPr>
+            <a:xfrm>
+              <a:off x="1493183" y="6032322"/>
+              <a:ext cx="554389" cy="276999"/>
+            </a:xfrm>
+            <a:prstGeom prst="rect">
+              <a:avLst/>
+            </a:prstGeom>
+            <a:noFill/>
+            <a:ln>
+              <a:noFill/>
+            </a:ln>
+          </p:spPr>
+          <p:style>
+            <a:lnRef idx="2">
+              <a:schemeClr val="accent3"/>
+            </a:lnRef>
+            <a:fillRef idx="1">
+              <a:schemeClr val="lt1"/>
+            </a:fillRef>
+            <a:effectRef idx="0">
+              <a:schemeClr val="accent3"/>
+            </a:effectRef>
+            <a:fontRef idx="minor">
+              <a:schemeClr val="dk1"/>
+            </a:fontRef>
+          </p:style>
+          <p:txBody>
+            <a:bodyPr wrap="square" rtlCol="0">
+              <a:spAutoFit/>
+            </a:bodyPr>
+            <a:lstStyle/>
+            <a:p>
+              <a:pPr algn="ctr"/>
+              <a:r>
+                <a:rPr lang="en-US" sz="1200" dirty="0"/>
+                <a:t>CSE</a:t>
+              </a:r>
+            </a:p>
+          </p:txBody>
+        </p:sp>
+        <p:sp>
+          <p:nvSpPr>
+            <p:cNvPr id="6" name="Textfeld 14">
+              <a:extLst>
+                <a:ext uri="{FF2B5EF4-FFF2-40B4-BE49-F238E27FC236}">
+                  <a16:creationId xmlns:a16="http://schemas.microsoft.com/office/drawing/2014/main" id="{C8E64975-DD4E-484D-9EF4-CB11AB9E264F}"/>
+                </a:ext>
+              </a:extLst>
+            </p:cNvPr>
+            <p:cNvSpPr txBox="1"/>
+            <p:nvPr/>
+          </p:nvSpPr>
+          <p:spPr>
+            <a:xfrm>
+              <a:off x="6282440" y="6032325"/>
+              <a:ext cx="949299" cy="276999"/>
+            </a:xfrm>
+            <a:prstGeom prst="rect">
+              <a:avLst/>
+            </a:prstGeom>
+            <a:noFill/>
+            <a:ln>
+              <a:noFill/>
+            </a:ln>
+          </p:spPr>
+          <p:style>
+            <a:lnRef idx="2">
+              <a:schemeClr val="accent3"/>
+            </a:lnRef>
+            <a:fillRef idx="1">
+              <a:schemeClr val="lt1"/>
+            </a:fillRef>
+            <a:effectRef idx="0">
+              <a:schemeClr val="accent3"/>
+            </a:effectRef>
+            <a:fontRef idx="minor">
+              <a:schemeClr val="dk1"/>
+            </a:fontRef>
+          </p:style>
+          <p:txBody>
+            <a:bodyPr wrap="none" rtlCol="0">
+              <a:spAutoFit/>
+            </a:bodyPr>
+            <a:lstStyle/>
+            <a:p>
+              <a:r>
+                <a:rPr lang="en-US" sz="1200" dirty="0"/>
+                <a:t>Challenges</a:t>
+              </a:r>
+            </a:p>
+          </p:txBody>
+        </p:sp>
+        <p:sp>
+          <p:nvSpPr>
+            <p:cNvPr id="7" name="Textfeld 6">
+              <a:extLst>
+                <a:ext uri="{FF2B5EF4-FFF2-40B4-BE49-F238E27FC236}">
+                  <a16:creationId xmlns:a16="http://schemas.microsoft.com/office/drawing/2014/main" id="{5B1D65DE-7E84-4D4A-AD1F-FC54B535CB1E}"/>
+                </a:ext>
+              </a:extLst>
+            </p:cNvPr>
+            <p:cNvSpPr txBox="1"/>
+            <p:nvPr/>
+          </p:nvSpPr>
+          <p:spPr>
+            <a:xfrm>
+              <a:off x="2361122" y="6032320"/>
+              <a:ext cx="1774155" cy="276999"/>
+            </a:xfrm>
+            <a:prstGeom prst="rect">
+              <a:avLst/>
+            </a:prstGeom>
+            <a:noFill/>
+            <a:ln>
+              <a:noFill/>
+            </a:ln>
+          </p:spPr>
+          <p:style>
+            <a:lnRef idx="2">
+              <a:schemeClr val="accent3"/>
+            </a:lnRef>
+            <a:fillRef idx="1">
+              <a:schemeClr val="lt1"/>
+            </a:fillRef>
+            <a:effectRef idx="0">
+              <a:schemeClr val="accent3"/>
+            </a:effectRef>
+            <a:fontRef idx="minor">
+              <a:schemeClr val="dk1"/>
+            </a:fontRef>
+          </p:style>
+          <p:txBody>
+            <a:bodyPr wrap="square" rtlCol="0">
+              <a:spAutoFit/>
+            </a:bodyPr>
+            <a:lstStyle/>
+            <a:p>
+              <a:r>
+                <a:rPr lang="en-US" sz="1200" dirty="0"/>
+                <a:t>The Stairway to Haven</a:t>
+              </a:r>
+            </a:p>
+          </p:txBody>
+        </p:sp>
+        <p:sp>
+          <p:nvSpPr>
+            <p:cNvPr id="8" name="Textfeld 7">
+              <a:extLst>
+                <a:ext uri="{FF2B5EF4-FFF2-40B4-BE49-F238E27FC236}">
+                  <a16:creationId xmlns:a16="http://schemas.microsoft.com/office/drawing/2014/main" id="{8544E219-3395-4D35-AB47-83E797162EF8}"/>
+                </a:ext>
+              </a:extLst>
+            </p:cNvPr>
+            <p:cNvSpPr txBox="1"/>
+            <p:nvPr/>
+          </p:nvSpPr>
+          <p:spPr>
+            <a:xfrm>
+              <a:off x="7763010" y="6032321"/>
+              <a:ext cx="1278028" cy="276999"/>
+            </a:xfrm>
+            <a:prstGeom prst="rect">
+              <a:avLst/>
+            </a:prstGeom>
+            <a:noFill/>
+            <a:ln>
+              <a:noFill/>
+            </a:ln>
+          </p:spPr>
+          <p:style>
+            <a:lnRef idx="2">
+              <a:schemeClr val="accent3"/>
+            </a:lnRef>
+            <a:fillRef idx="1">
+              <a:schemeClr val="lt1"/>
+            </a:fillRef>
+            <a:effectRef idx="0">
+              <a:schemeClr val="accent3"/>
+            </a:effectRef>
+            <a:fontRef idx="minor">
+              <a:schemeClr val="dk1"/>
+            </a:fontRef>
+          </p:style>
+          <p:txBody>
+            <a:bodyPr wrap="square" rtlCol="0">
+              <a:spAutoFit/>
+            </a:bodyPr>
+            <a:lstStyle/>
+            <a:p>
+              <a:r>
+                <a:rPr lang="en-US" sz="1200" b="1" dirty="0"/>
+                <a:t>Summary</a:t>
+              </a:r>
+            </a:p>
+          </p:txBody>
+        </p:sp>
+        <p:sp>
+          <p:nvSpPr>
+            <p:cNvPr id="9" name="Textfeld 8">
+              <a:extLst>
+                <a:ext uri="{FF2B5EF4-FFF2-40B4-BE49-F238E27FC236}">
+                  <a16:creationId xmlns:a16="http://schemas.microsoft.com/office/drawing/2014/main" id="{852888F9-9852-4482-8D86-9D678EB085AD}"/>
+                </a:ext>
+              </a:extLst>
+            </p:cNvPr>
+            <p:cNvSpPr txBox="1"/>
+            <p:nvPr/>
+          </p:nvSpPr>
+          <p:spPr>
+            <a:xfrm>
+              <a:off x="179512" y="6032321"/>
+              <a:ext cx="1213939" cy="276999"/>
+            </a:xfrm>
+            <a:prstGeom prst="rect">
+              <a:avLst/>
+            </a:prstGeom>
+            <a:noFill/>
+            <a:ln>
+              <a:noFill/>
+            </a:ln>
+          </p:spPr>
+          <p:style>
+            <a:lnRef idx="2">
+              <a:schemeClr val="accent3"/>
+            </a:lnRef>
+            <a:fillRef idx="1">
+              <a:schemeClr val="lt1"/>
+            </a:fillRef>
+            <a:effectRef idx="0">
+              <a:schemeClr val="accent3"/>
+            </a:effectRef>
+            <a:fontRef idx="minor">
+              <a:schemeClr val="dk1"/>
+            </a:fontRef>
+          </p:style>
+          <p:txBody>
+            <a:bodyPr wrap="square" rtlCol="0">
+              <a:spAutoFit/>
+            </a:bodyPr>
+            <a:lstStyle/>
+            <a:p>
+              <a:r>
+                <a:rPr lang="en-US" sz="1200" dirty="0"/>
+                <a:t>Introduction</a:t>
+              </a:r>
+            </a:p>
+          </p:txBody>
+        </p:sp>
+        <p:sp>
+          <p:nvSpPr>
+            <p:cNvPr id="10" name="Eingekerbter Richtungspfeil 23">
+              <a:extLst>
+                <a:ext uri="{FF2B5EF4-FFF2-40B4-BE49-F238E27FC236}">
+                  <a16:creationId xmlns:a16="http://schemas.microsoft.com/office/drawing/2014/main" id="{C005311E-133F-493F-BFFC-C169B3CA8A86}"/>
+                </a:ext>
+              </a:extLst>
+            </p:cNvPr>
+            <p:cNvSpPr/>
+            <p:nvPr/>
+          </p:nvSpPr>
+          <p:spPr>
+            <a:xfrm>
+              <a:off x="1284399" y="6091574"/>
+              <a:ext cx="158496" cy="158496"/>
+            </a:xfrm>
+            <a:prstGeom prst="chevron">
+              <a:avLst/>
+            </a:prstGeom>
+          </p:spPr>
+          <p:style>
+            <a:lnRef idx="1">
+              <a:schemeClr val="accent4"/>
+            </a:lnRef>
+            <a:fillRef idx="2">
+              <a:schemeClr val="accent4"/>
+            </a:fillRef>
+            <a:effectRef idx="1">
+              <a:schemeClr val="accent4"/>
+            </a:effectRef>
+            <a:fontRef idx="minor">
+              <a:schemeClr val="dk1"/>
+            </a:fontRef>
+          </p:style>
+          <p:txBody>
+            <a:bodyPr rtlCol="0" anchor="ctr"/>
+            <a:lstStyle/>
+            <a:p>
+              <a:pPr algn="ctr"/>
+              <a:endParaRPr lang="de-DE" dirty="0">
+                <a:solidFill>
+                  <a:schemeClr val="tx1"/>
+                </a:solidFill>
+              </a:endParaRPr>
+            </a:p>
+          </p:txBody>
+        </p:sp>
+        <p:sp>
+          <p:nvSpPr>
+            <p:cNvPr id="11" name="Eingekerbter Richtungspfeil 24">
+              <a:extLst>
+                <a:ext uri="{FF2B5EF4-FFF2-40B4-BE49-F238E27FC236}">
+                  <a16:creationId xmlns:a16="http://schemas.microsoft.com/office/drawing/2014/main" id="{13B86617-4353-46AD-97C4-7F02A1BA1B80}"/>
+                </a:ext>
+              </a:extLst>
+            </p:cNvPr>
+            <p:cNvSpPr/>
+            <p:nvPr/>
+          </p:nvSpPr>
+          <p:spPr>
+            <a:xfrm>
+              <a:off x="2052380" y="6091574"/>
+              <a:ext cx="158496" cy="158496"/>
+            </a:xfrm>
+            <a:prstGeom prst="chevron">
+              <a:avLst/>
+            </a:prstGeom>
+          </p:spPr>
+          <p:style>
+            <a:lnRef idx="1">
+              <a:schemeClr val="accent4"/>
+            </a:lnRef>
+            <a:fillRef idx="2">
+              <a:schemeClr val="accent4"/>
+            </a:fillRef>
+            <a:effectRef idx="1">
+              <a:schemeClr val="accent4"/>
+            </a:effectRef>
+            <a:fontRef idx="minor">
+              <a:schemeClr val="dk1"/>
+            </a:fontRef>
+          </p:style>
+          <p:txBody>
+            <a:bodyPr rtlCol="0" anchor="ctr"/>
+            <a:lstStyle/>
+            <a:p>
+              <a:pPr algn="ctr"/>
+              <a:endParaRPr lang="de-DE" dirty="0">
+                <a:solidFill>
+                  <a:schemeClr val="tx1"/>
+                </a:solidFill>
+              </a:endParaRPr>
+            </a:p>
+          </p:txBody>
+        </p:sp>
+        <p:sp>
+          <p:nvSpPr>
+            <p:cNvPr id="12" name="Eingekerbter Richtungspfeil 25">
+              <a:extLst>
+                <a:ext uri="{FF2B5EF4-FFF2-40B4-BE49-F238E27FC236}">
+                  <a16:creationId xmlns:a16="http://schemas.microsoft.com/office/drawing/2014/main" id="{40D0FAF6-EB9E-4EEF-BCBE-972523E34CB7}"/>
+                </a:ext>
+              </a:extLst>
+            </p:cNvPr>
+            <p:cNvSpPr/>
+            <p:nvPr/>
+          </p:nvSpPr>
+          <p:spPr>
+            <a:xfrm>
+              <a:off x="4116879" y="6091574"/>
+              <a:ext cx="158496" cy="158496"/>
+            </a:xfrm>
+            <a:prstGeom prst="chevron">
+              <a:avLst/>
+            </a:prstGeom>
+          </p:spPr>
+          <p:style>
+            <a:lnRef idx="1">
+              <a:schemeClr val="accent4"/>
+            </a:lnRef>
+            <a:fillRef idx="2">
+              <a:schemeClr val="accent4"/>
+            </a:fillRef>
+            <a:effectRef idx="1">
+              <a:schemeClr val="accent4"/>
+            </a:effectRef>
+            <a:fontRef idx="minor">
+              <a:schemeClr val="dk1"/>
+            </a:fontRef>
+          </p:style>
+          <p:txBody>
+            <a:bodyPr rtlCol="0" anchor="ctr"/>
+            <a:lstStyle/>
+            <a:p>
+              <a:pPr algn="ctr"/>
+              <a:endParaRPr lang="de-DE" dirty="0">
+                <a:solidFill>
+                  <a:schemeClr val="tx1"/>
+                </a:solidFill>
+              </a:endParaRPr>
+            </a:p>
+          </p:txBody>
+        </p:sp>
+        <p:sp>
+          <p:nvSpPr>
+            <p:cNvPr id="13" name="Textfeld 12">
+              <a:extLst>
+                <a:ext uri="{FF2B5EF4-FFF2-40B4-BE49-F238E27FC236}">
+                  <a16:creationId xmlns:a16="http://schemas.microsoft.com/office/drawing/2014/main" id="{6910B1B0-7848-461D-A8EE-494297AF2C2C}"/>
+                </a:ext>
+              </a:extLst>
+            </p:cNvPr>
+            <p:cNvSpPr txBox="1"/>
+            <p:nvPr/>
+          </p:nvSpPr>
+          <p:spPr>
+            <a:xfrm>
+              <a:off x="4324070" y="6032320"/>
+              <a:ext cx="1588897" cy="276999"/>
+            </a:xfrm>
+            <a:prstGeom prst="rect">
+              <a:avLst/>
+            </a:prstGeom>
+            <a:noFill/>
+            <a:ln>
+              <a:noFill/>
+            </a:ln>
+          </p:spPr>
+          <p:style>
+            <a:lnRef idx="2">
+              <a:schemeClr val="accent3"/>
+            </a:lnRef>
+            <a:fillRef idx="1">
+              <a:schemeClr val="lt1"/>
+            </a:fillRef>
+            <a:effectRef idx="0">
+              <a:schemeClr val="accent3"/>
+            </a:effectRef>
+            <a:fontRef idx="minor">
+              <a:schemeClr val="dk1"/>
+            </a:fontRef>
+          </p:style>
+          <p:txBody>
+            <a:bodyPr wrap="none" rtlCol="0">
+              <a:spAutoFit/>
+            </a:bodyPr>
+            <a:lstStyle/>
+            <a:p>
+              <a:r>
+                <a:rPr lang="en-US" sz="1200" dirty="0"/>
+                <a:t>Deployment Pipeline</a:t>
+              </a:r>
+            </a:p>
+          </p:txBody>
+        </p:sp>
+        <p:sp>
+          <p:nvSpPr>
+            <p:cNvPr id="14" name="Eingekerbter Richtungspfeil 27">
+              <a:extLst>
+                <a:ext uri="{FF2B5EF4-FFF2-40B4-BE49-F238E27FC236}">
+                  <a16:creationId xmlns:a16="http://schemas.microsoft.com/office/drawing/2014/main" id="{C8C6383D-EFF4-4F8F-B7E7-55AA85D1E860}"/>
+                </a:ext>
+              </a:extLst>
+            </p:cNvPr>
+            <p:cNvSpPr/>
+            <p:nvPr/>
+          </p:nvSpPr>
+          <p:spPr>
+            <a:xfrm>
+              <a:off x="7320057" y="6091577"/>
+              <a:ext cx="158496" cy="158496"/>
+            </a:xfrm>
+            <a:prstGeom prst="chevron">
+              <a:avLst/>
+            </a:prstGeom>
+          </p:spPr>
+          <p:style>
+            <a:lnRef idx="1">
+              <a:schemeClr val="accent4"/>
+            </a:lnRef>
+            <a:fillRef idx="2">
+              <a:schemeClr val="accent4"/>
+            </a:fillRef>
+            <a:effectRef idx="1">
+              <a:schemeClr val="accent4"/>
+            </a:effectRef>
+            <a:fontRef idx="minor">
+              <a:schemeClr val="dk1"/>
+            </a:fontRef>
+          </p:style>
+          <p:txBody>
+            <a:bodyPr rtlCol="0" anchor="ctr"/>
+            <a:lstStyle/>
+            <a:p>
+              <a:pPr algn="ctr"/>
+              <a:endParaRPr lang="de-DE" dirty="0">
+                <a:solidFill>
+                  <a:schemeClr val="tx1"/>
+                </a:solidFill>
+              </a:endParaRPr>
+            </a:p>
+          </p:txBody>
+        </p:sp>
+        <p:cxnSp>
+          <p:nvCxnSpPr>
+            <p:cNvPr id="15" name="Gerade Verbindung 28">
+              <a:extLst>
+                <a:ext uri="{FF2B5EF4-FFF2-40B4-BE49-F238E27FC236}">
+                  <a16:creationId xmlns:a16="http://schemas.microsoft.com/office/drawing/2014/main" id="{BE0E1948-1999-44A0-B261-866A1DF5995B}"/>
+                </a:ext>
+              </a:extLst>
+            </p:cNvPr>
+            <p:cNvCxnSpPr/>
+            <p:nvPr/>
+          </p:nvCxnSpPr>
+          <p:spPr>
+            <a:xfrm>
+              <a:off x="25400" y="5986694"/>
+              <a:ext cx="9072000" cy="1588"/>
+            </a:xfrm>
+            <a:prstGeom prst="line">
+              <a:avLst/>
+            </a:prstGeom>
+            <a:ln w="41275">
+              <a:solidFill>
+                <a:schemeClr val="accent3">
+                  <a:lumMod val="85000"/>
+                </a:schemeClr>
+              </a:solidFill>
+            </a:ln>
+          </p:spPr>
+          <p:style>
+            <a:lnRef idx="1">
+              <a:schemeClr val="accent1"/>
+            </a:lnRef>
+            <a:fillRef idx="0">
+              <a:schemeClr val="accent1"/>
+            </a:fillRef>
+            <a:effectRef idx="0">
+              <a:schemeClr val="accent1"/>
+            </a:effectRef>
+            <a:fontRef idx="minor">
+              <a:schemeClr val="tx1"/>
+            </a:fontRef>
+          </p:style>
+        </p:cxnSp>
+        <p:sp>
+          <p:nvSpPr>
+            <p:cNvPr id="16" name="Eingekerbter Richtungspfeil 29">
+              <a:extLst>
+                <a:ext uri="{FF2B5EF4-FFF2-40B4-BE49-F238E27FC236}">
+                  <a16:creationId xmlns:a16="http://schemas.microsoft.com/office/drawing/2014/main" id="{A4600029-E40B-4FAC-BDEA-4C82CFF469F9}"/>
+                </a:ext>
+              </a:extLst>
+            </p:cNvPr>
+            <p:cNvSpPr/>
+            <p:nvPr/>
+          </p:nvSpPr>
+          <p:spPr>
+            <a:xfrm>
+              <a:off x="5925672" y="6091576"/>
+              <a:ext cx="158496" cy="158496"/>
+            </a:xfrm>
+            <a:prstGeom prst="chevron">
+              <a:avLst/>
+            </a:prstGeom>
+          </p:spPr>
+          <p:style>
+            <a:lnRef idx="1">
+              <a:schemeClr val="accent4"/>
+            </a:lnRef>
+            <a:fillRef idx="2">
+              <a:schemeClr val="accent4"/>
+            </a:fillRef>
+            <a:effectRef idx="1">
+              <a:schemeClr val="accent4"/>
+            </a:effectRef>
+            <a:fontRef idx="minor">
+              <a:schemeClr val="dk1"/>
+            </a:fontRef>
+          </p:style>
+          <p:txBody>
+            <a:bodyPr rtlCol="0" anchor="ctr"/>
+            <a:lstStyle/>
+            <a:p>
+              <a:pPr algn="ctr"/>
+              <a:endParaRPr lang="de-DE" dirty="0">
+                <a:solidFill>
+                  <a:schemeClr val="tx1"/>
+                </a:solidFill>
+              </a:endParaRPr>
+            </a:p>
+          </p:txBody>
+        </p:sp>
+      </p:grpSp>
+    </p:spTree>
+    <p:extLst>
+      <p:ext uri="{BB962C8B-B14F-4D97-AF65-F5344CB8AC3E}">
+        <p14:creationId xmlns:p14="http://schemas.microsoft.com/office/powerpoint/2010/main" val="2591399680"/>
+      </p:ext>
+    </p:extLst>
+  </p:cSld>
+  <p:clrMapOvr>
+    <a:masterClrMapping/>
+  </p:clrMapOvr>
+</p:sld>
+</file>
+
+<file path=ppt/slides/slide11.xml><?xml version="1.0" encoding="utf-8"?>
+<p:sld xmlns:a="http://schemas.openxmlformats.org/drawingml/2006/main" xmlns:r="http://schemas.openxmlformats.org/officeDocument/2006/relationships" xmlns:p="http://schemas.openxmlformats.org/presentationml/2006/main">
+  <p:cSld>
+    <p:spTree>
+      <p:nvGrpSpPr>
+        <p:cNvPr id="1" name=""/>
+        <p:cNvGrpSpPr/>
+        <p:nvPr/>
+      </p:nvGrpSpPr>
+      <p:grpSpPr>
+        <a:xfrm>
+          <a:off x="0" y="0"/>
+          <a:ext cx="0" cy="0"/>
+          <a:chOff x="0" y="0"/>
+          <a:chExt cx="0" cy="0"/>
+        </a:xfrm>
+      </p:grpSpPr>
+      <p:sp>
+        <p:nvSpPr>
+          <p:cNvPr id="29699" name="Rectangle 3"/>
+          <p:cNvSpPr>
+            <a:spLocks noGrp="1" noChangeArrowheads="1"/>
+          </p:cNvSpPr>
+          <p:nvPr>
+            <p:ph type="body" idx="1"/>
+          </p:nvPr>
+        </p:nvSpPr>
+        <p:spPr>
+          <a:xfrm>
+            <a:off x="1965060" y="1137643"/>
+            <a:ext cx="4967995" cy="2080412"/>
           </a:xfrm>
         </p:spPr>
         <p:txBody>
@@ -7309,10 +7374,57 @@
           </p:txBody>
         </p:sp>
       </p:grpSp>
+      <p:pic>
+        <p:nvPicPr>
+          <p:cNvPr id="3076" name="Picture 4" descr="Bildergebnis für Continuous Delivery funny picture">
+            <a:extLst>
+              <a:ext uri="{FF2B5EF4-FFF2-40B4-BE49-F238E27FC236}">
+                <a16:creationId xmlns:a16="http://schemas.microsoft.com/office/drawing/2014/main" id="{00182C27-DAB5-4D37-96ED-F331527270E5}"/>
+              </a:ext>
+            </a:extLst>
+          </p:cNvPr>
+          <p:cNvPicPr>
+            <a:picLocks noChangeAspect="1" noChangeArrowheads="1"/>
+          </p:cNvPicPr>
+          <p:nvPr/>
+        </p:nvPicPr>
+        <p:blipFill>
+          <a:blip r:embed="rId3">
+            <a:extLst>
+              <a:ext uri="{28A0092B-C50C-407E-A947-70E740481C1C}">
+                <a14:useLocalDpi xmlns:a14="http://schemas.microsoft.com/office/drawing/2010/main" val="0"/>
+              </a:ext>
+            </a:extLst>
+          </a:blip>
+          <a:srcRect/>
+          <a:stretch>
+            <a:fillRect/>
+          </a:stretch>
+        </p:blipFill>
+        <p:spPr bwMode="auto">
+          <a:xfrm>
+            <a:off x="1572947" y="915566"/>
+            <a:ext cx="5598876" cy="3149368"/>
+          </a:xfrm>
+          <a:prstGeom prst="rect">
+            <a:avLst/>
+          </a:prstGeom>
+          <a:noFill/>
+          <a:extLst>
+            <a:ext uri="{909E8E84-426E-40DD-AFC4-6F175D3DCCD1}">
+              <a14:hiddenFill xmlns:a14="http://schemas.microsoft.com/office/drawing/2010/main">
+                <a:solidFill>
+                  <a:srgbClr val="FFFFFF"/>
+                </a:solidFill>
+              </a14:hiddenFill>
+            </a:ext>
+          </a:extLst>
+        </p:spPr>
+      </p:pic>
     </p:spTree>
     <p:extLst>
       <p:ext uri="{BB962C8B-B14F-4D97-AF65-F5344CB8AC3E}">
-        <p14:creationId xmlns:p14="http://schemas.microsoft.com/office/powerpoint/2010/main" val="2591399680"/>
+        <p14:creationId xmlns:p14="http://schemas.microsoft.com/office/powerpoint/2010/main" val="1452874912"/>
       </p:ext>
     </p:extLst>
   </p:cSld>
@@ -7322,7 +7434,7 @@
 </p:sld>
 </file>
 
-<file path=ppt/slides/slide11.xml><?xml version="1.0" encoding="utf-8"?>
+<file path=ppt/slides/slide2.xml><?xml version="1.0" encoding="utf-8"?>
 <p:sld xmlns:a="http://schemas.openxmlformats.org/drawingml/2006/main" xmlns:r="http://schemas.openxmlformats.org/officeDocument/2006/relationships" xmlns:p="http://schemas.openxmlformats.org/presentationml/2006/main">
   <p:cSld>
     <p:spTree>
@@ -7354,7 +7466,10 @@
           <a:bodyPr/>
           <a:lstStyle/>
           <a:p>
-            <a:endParaRPr lang="en-US" dirty="0"/>
+            <a:r>
+              <a:rPr lang="en-US" dirty="0"/>
+              <a:t>Continuous Software Engineering (CSE)</a:t>
+            </a:r>
           </a:p>
         </p:txBody>
       </p:sp>
@@ -7370,15 +7485,91 @@
         </p:nvSpPr>
         <p:spPr>
           <a:xfrm>
-            <a:off x="392113" y="898923"/>
-            <a:ext cx="8356600" cy="3397698"/>
+            <a:off x="416445" y="498872"/>
+            <a:ext cx="8356600" cy="4028598"/>
           </a:xfrm>
         </p:spPr>
         <p:txBody>
           <a:bodyPr/>
           <a:lstStyle/>
           <a:p>
-            <a:endParaRPr lang="de-DE" dirty="0"/>
+            <a:pPr marL="0" indent="0">
+              <a:buNone/>
+            </a:pPr>
+            <a:endParaRPr lang="en-US" dirty="0"/>
+          </a:p>
+          <a:p>
+            <a:r>
+              <a:rPr lang="en-US" dirty="0"/>
+              <a:t>Software development strategy to deliver software more frequently</a:t>
+            </a:r>
+          </a:p>
+          <a:p>
+            <a:r>
+              <a:rPr lang="en-US" dirty="0"/>
+              <a:t>Practices: </a:t>
+            </a:r>
+          </a:p>
+          <a:p>
+            <a:pPr lvl="1"/>
+            <a:r>
+              <a:rPr lang="en-US" dirty="0"/>
+              <a:t>Continuous Integration (CI)</a:t>
+            </a:r>
+          </a:p>
+          <a:p>
+            <a:pPr lvl="1"/>
+            <a:r>
+              <a:rPr lang="en-US" dirty="0"/>
+              <a:t>Continuous Delivery (CDE)  </a:t>
+            </a:r>
+          </a:p>
+          <a:p>
+            <a:pPr lvl="1"/>
+            <a:r>
+              <a:rPr lang="en-US" dirty="0"/>
+              <a:t>Continuous Deployment (CD)</a:t>
+            </a:r>
+          </a:p>
+          <a:p>
+            <a:r>
+              <a:rPr lang="en-US" dirty="0"/>
+              <a:t>Benefits:</a:t>
+            </a:r>
+          </a:p>
+          <a:p>
+            <a:pPr lvl="1"/>
+            <a:r>
+              <a:rPr lang="en-US" dirty="0"/>
+              <a:t>Reduced time-to-market</a:t>
+            </a:r>
+          </a:p>
+          <a:p>
+            <a:pPr lvl="1"/>
+            <a:r>
+              <a:rPr lang="en-US" dirty="0"/>
+              <a:t>Quick user feedback	</a:t>
+            </a:r>
+          </a:p>
+          <a:p>
+            <a:r>
+              <a:rPr lang="en-US" dirty="0"/>
+              <a:t>Challenges:</a:t>
+            </a:r>
+          </a:p>
+          <a:p>
+            <a:pPr lvl="1"/>
+            <a:r>
+              <a:rPr lang="en-US" dirty="0"/>
+              <a:t>Organizational, social, technical, architectural challenges</a:t>
+            </a:r>
+          </a:p>
+          <a:p>
+            <a:endParaRPr lang="en-US" dirty="0"/>
+          </a:p>
+          <a:p>
+            <a:pPr lvl="1"/>
+            <a:endParaRPr lang="en-US" dirty="0"/>
           </a:p>
         </p:txBody>
       </p:sp>
@@ -8002,4253 +8193,6 @@
     </p:spTree>
     <p:extLst>
       <p:ext uri="{BB962C8B-B14F-4D97-AF65-F5344CB8AC3E}">
-        <p14:creationId xmlns:p14="http://schemas.microsoft.com/office/powerpoint/2010/main" val="185040612"/>
-      </p:ext>
-    </p:extLst>
-  </p:cSld>
-  <p:clrMapOvr>
-    <a:masterClrMapping/>
-  </p:clrMapOvr>
-</p:sld>
-</file>
-
-<file path=ppt/slides/slide12.xml><?xml version="1.0" encoding="utf-8"?>
-<p:sld xmlns:a="http://schemas.openxmlformats.org/drawingml/2006/main" xmlns:r="http://schemas.openxmlformats.org/officeDocument/2006/relationships" xmlns:p="http://schemas.openxmlformats.org/presentationml/2006/main">
-  <p:cSld>
-    <p:spTree>
-      <p:nvGrpSpPr>
-        <p:cNvPr id="1" name=""/>
-        <p:cNvGrpSpPr/>
-        <p:nvPr/>
-      </p:nvGrpSpPr>
-      <p:grpSpPr>
-        <a:xfrm>
-          <a:off x="0" y="0"/>
-          <a:ext cx="0" cy="0"/>
-          <a:chOff x="0" y="0"/>
-          <a:chExt cx="0" cy="0"/>
-        </a:xfrm>
-      </p:grpSpPr>
-      <p:sp>
-        <p:nvSpPr>
-          <p:cNvPr id="29698" name="Rectangle 2"/>
-          <p:cNvSpPr>
-            <a:spLocks noGrp="1" noChangeArrowheads="1"/>
-          </p:cNvSpPr>
-          <p:nvPr>
-            <p:ph type="title"/>
-          </p:nvPr>
-        </p:nvSpPr>
-        <p:spPr/>
-        <p:txBody>
-          <a:bodyPr/>
-          <a:lstStyle/>
-          <a:p>
-            <a:endParaRPr lang="en-US" dirty="0"/>
-          </a:p>
-        </p:txBody>
-      </p:sp>
-      <p:sp>
-        <p:nvSpPr>
-          <p:cNvPr id="29699" name="Rectangle 3"/>
-          <p:cNvSpPr>
-            <a:spLocks noGrp="1" noChangeArrowheads="1"/>
-          </p:cNvSpPr>
-          <p:nvPr>
-            <p:ph type="body" idx="1"/>
-          </p:nvPr>
-        </p:nvSpPr>
-        <p:spPr>
-          <a:xfrm>
-            <a:off x="392113" y="898923"/>
-            <a:ext cx="8356600" cy="3397698"/>
-          </a:xfrm>
-        </p:spPr>
-        <p:txBody>
-          <a:bodyPr/>
-          <a:lstStyle/>
-          <a:p>
-            <a:endParaRPr lang="de-DE" dirty="0"/>
-          </a:p>
-        </p:txBody>
-      </p:sp>
-      <p:grpSp>
-        <p:nvGrpSpPr>
-          <p:cNvPr id="4" name="Gruppieren 21">
-            <a:extLst>
-              <a:ext uri="{FF2B5EF4-FFF2-40B4-BE49-F238E27FC236}">
-                <a16:creationId xmlns:a16="http://schemas.microsoft.com/office/drawing/2014/main" id="{AA131601-72E5-4228-A286-1E3E6D78B764}"/>
-              </a:ext>
-            </a:extLst>
-          </p:cNvPr>
-          <p:cNvGrpSpPr/>
-          <p:nvPr/>
-        </p:nvGrpSpPr>
-        <p:grpSpPr>
-          <a:xfrm>
-            <a:off x="72000" y="4424179"/>
-            <a:ext cx="9072000" cy="322630"/>
-            <a:chOff x="25400" y="5986694"/>
-            <a:chExt cx="9072000" cy="322630"/>
-          </a:xfrm>
-        </p:grpSpPr>
-        <p:sp>
-          <p:nvSpPr>
-            <p:cNvPr id="5" name="Textfeld 13">
-              <a:extLst>
-                <a:ext uri="{FF2B5EF4-FFF2-40B4-BE49-F238E27FC236}">
-                  <a16:creationId xmlns:a16="http://schemas.microsoft.com/office/drawing/2014/main" id="{2BCE988F-F02A-4D6D-B2E3-D098FA90D670}"/>
-                </a:ext>
-              </a:extLst>
-            </p:cNvPr>
-            <p:cNvSpPr txBox="1"/>
-            <p:nvPr/>
-          </p:nvSpPr>
-          <p:spPr>
-            <a:xfrm>
-              <a:off x="1493183" y="6032322"/>
-              <a:ext cx="554389" cy="276999"/>
-            </a:xfrm>
-            <a:prstGeom prst="rect">
-              <a:avLst/>
-            </a:prstGeom>
-            <a:noFill/>
-            <a:ln>
-              <a:noFill/>
-            </a:ln>
-          </p:spPr>
-          <p:style>
-            <a:lnRef idx="2">
-              <a:schemeClr val="accent3"/>
-            </a:lnRef>
-            <a:fillRef idx="1">
-              <a:schemeClr val="lt1"/>
-            </a:fillRef>
-            <a:effectRef idx="0">
-              <a:schemeClr val="accent3"/>
-            </a:effectRef>
-            <a:fontRef idx="minor">
-              <a:schemeClr val="dk1"/>
-            </a:fontRef>
-          </p:style>
-          <p:txBody>
-            <a:bodyPr wrap="square" rtlCol="0">
-              <a:spAutoFit/>
-            </a:bodyPr>
-            <a:lstStyle/>
-            <a:p>
-              <a:pPr algn="ctr"/>
-              <a:r>
-                <a:rPr lang="en-US" sz="1200" dirty="0"/>
-                <a:t>CSE</a:t>
-              </a:r>
-            </a:p>
-          </p:txBody>
-        </p:sp>
-        <p:sp>
-          <p:nvSpPr>
-            <p:cNvPr id="6" name="Textfeld 14">
-              <a:extLst>
-                <a:ext uri="{FF2B5EF4-FFF2-40B4-BE49-F238E27FC236}">
-                  <a16:creationId xmlns:a16="http://schemas.microsoft.com/office/drawing/2014/main" id="{C8E64975-DD4E-484D-9EF4-CB11AB9E264F}"/>
-                </a:ext>
-              </a:extLst>
-            </p:cNvPr>
-            <p:cNvSpPr txBox="1"/>
-            <p:nvPr/>
-          </p:nvSpPr>
-          <p:spPr>
-            <a:xfrm>
-              <a:off x="6282440" y="6032325"/>
-              <a:ext cx="949299" cy="276999"/>
-            </a:xfrm>
-            <a:prstGeom prst="rect">
-              <a:avLst/>
-            </a:prstGeom>
-            <a:noFill/>
-            <a:ln>
-              <a:noFill/>
-            </a:ln>
-          </p:spPr>
-          <p:style>
-            <a:lnRef idx="2">
-              <a:schemeClr val="accent3"/>
-            </a:lnRef>
-            <a:fillRef idx="1">
-              <a:schemeClr val="lt1"/>
-            </a:fillRef>
-            <a:effectRef idx="0">
-              <a:schemeClr val="accent3"/>
-            </a:effectRef>
-            <a:fontRef idx="minor">
-              <a:schemeClr val="dk1"/>
-            </a:fontRef>
-          </p:style>
-          <p:txBody>
-            <a:bodyPr wrap="none" rtlCol="0">
-              <a:spAutoFit/>
-            </a:bodyPr>
-            <a:lstStyle/>
-            <a:p>
-              <a:r>
-                <a:rPr lang="en-US" sz="1200" dirty="0"/>
-                <a:t>Challenges</a:t>
-              </a:r>
-            </a:p>
-          </p:txBody>
-        </p:sp>
-        <p:sp>
-          <p:nvSpPr>
-            <p:cNvPr id="7" name="Textfeld 6">
-              <a:extLst>
-                <a:ext uri="{FF2B5EF4-FFF2-40B4-BE49-F238E27FC236}">
-                  <a16:creationId xmlns:a16="http://schemas.microsoft.com/office/drawing/2014/main" id="{5B1D65DE-7E84-4D4A-AD1F-FC54B535CB1E}"/>
-                </a:ext>
-              </a:extLst>
-            </p:cNvPr>
-            <p:cNvSpPr txBox="1"/>
-            <p:nvPr/>
-          </p:nvSpPr>
-          <p:spPr>
-            <a:xfrm>
-              <a:off x="2361122" y="6032320"/>
-              <a:ext cx="1774155" cy="276999"/>
-            </a:xfrm>
-            <a:prstGeom prst="rect">
-              <a:avLst/>
-            </a:prstGeom>
-            <a:noFill/>
-            <a:ln>
-              <a:noFill/>
-            </a:ln>
-          </p:spPr>
-          <p:style>
-            <a:lnRef idx="2">
-              <a:schemeClr val="accent3"/>
-            </a:lnRef>
-            <a:fillRef idx="1">
-              <a:schemeClr val="lt1"/>
-            </a:fillRef>
-            <a:effectRef idx="0">
-              <a:schemeClr val="accent3"/>
-            </a:effectRef>
-            <a:fontRef idx="minor">
-              <a:schemeClr val="dk1"/>
-            </a:fontRef>
-          </p:style>
-          <p:txBody>
-            <a:bodyPr wrap="square" rtlCol="0">
-              <a:spAutoFit/>
-            </a:bodyPr>
-            <a:lstStyle/>
-            <a:p>
-              <a:r>
-                <a:rPr lang="en-US" sz="1200" dirty="0"/>
-                <a:t>The Stairway to Haven</a:t>
-              </a:r>
-            </a:p>
-          </p:txBody>
-        </p:sp>
-        <p:sp>
-          <p:nvSpPr>
-            <p:cNvPr id="8" name="Textfeld 7">
-              <a:extLst>
-                <a:ext uri="{FF2B5EF4-FFF2-40B4-BE49-F238E27FC236}">
-                  <a16:creationId xmlns:a16="http://schemas.microsoft.com/office/drawing/2014/main" id="{8544E219-3395-4D35-AB47-83E797162EF8}"/>
-                </a:ext>
-              </a:extLst>
-            </p:cNvPr>
-            <p:cNvSpPr txBox="1"/>
-            <p:nvPr/>
-          </p:nvSpPr>
-          <p:spPr>
-            <a:xfrm>
-              <a:off x="7763010" y="6032321"/>
-              <a:ext cx="1278028" cy="276999"/>
-            </a:xfrm>
-            <a:prstGeom prst="rect">
-              <a:avLst/>
-            </a:prstGeom>
-            <a:noFill/>
-            <a:ln>
-              <a:noFill/>
-            </a:ln>
-          </p:spPr>
-          <p:style>
-            <a:lnRef idx="2">
-              <a:schemeClr val="accent3"/>
-            </a:lnRef>
-            <a:fillRef idx="1">
-              <a:schemeClr val="lt1"/>
-            </a:fillRef>
-            <a:effectRef idx="0">
-              <a:schemeClr val="accent3"/>
-            </a:effectRef>
-            <a:fontRef idx="minor">
-              <a:schemeClr val="dk1"/>
-            </a:fontRef>
-          </p:style>
-          <p:txBody>
-            <a:bodyPr wrap="square" rtlCol="0">
-              <a:spAutoFit/>
-            </a:bodyPr>
-            <a:lstStyle/>
-            <a:p>
-              <a:r>
-                <a:rPr lang="en-US" sz="1200" dirty="0"/>
-                <a:t>Summary</a:t>
-              </a:r>
-            </a:p>
-          </p:txBody>
-        </p:sp>
-        <p:sp>
-          <p:nvSpPr>
-            <p:cNvPr id="9" name="Textfeld 8">
-              <a:extLst>
-                <a:ext uri="{FF2B5EF4-FFF2-40B4-BE49-F238E27FC236}">
-                  <a16:creationId xmlns:a16="http://schemas.microsoft.com/office/drawing/2014/main" id="{852888F9-9852-4482-8D86-9D678EB085AD}"/>
-                </a:ext>
-              </a:extLst>
-            </p:cNvPr>
-            <p:cNvSpPr txBox="1"/>
-            <p:nvPr/>
-          </p:nvSpPr>
-          <p:spPr>
-            <a:xfrm>
-              <a:off x="179512" y="6032321"/>
-              <a:ext cx="1213939" cy="276999"/>
-            </a:xfrm>
-            <a:prstGeom prst="rect">
-              <a:avLst/>
-            </a:prstGeom>
-            <a:noFill/>
-            <a:ln>
-              <a:noFill/>
-            </a:ln>
-          </p:spPr>
-          <p:style>
-            <a:lnRef idx="2">
-              <a:schemeClr val="accent3"/>
-            </a:lnRef>
-            <a:fillRef idx="1">
-              <a:schemeClr val="lt1"/>
-            </a:fillRef>
-            <a:effectRef idx="0">
-              <a:schemeClr val="accent3"/>
-            </a:effectRef>
-            <a:fontRef idx="minor">
-              <a:schemeClr val="dk1"/>
-            </a:fontRef>
-          </p:style>
-          <p:txBody>
-            <a:bodyPr wrap="square" rtlCol="0">
-              <a:spAutoFit/>
-            </a:bodyPr>
-            <a:lstStyle/>
-            <a:p>
-              <a:r>
-                <a:rPr lang="en-US" sz="1200" b="1" dirty="0"/>
-                <a:t>Introduction</a:t>
-              </a:r>
-            </a:p>
-          </p:txBody>
-        </p:sp>
-        <p:sp>
-          <p:nvSpPr>
-            <p:cNvPr id="10" name="Eingekerbter Richtungspfeil 23">
-              <a:extLst>
-                <a:ext uri="{FF2B5EF4-FFF2-40B4-BE49-F238E27FC236}">
-                  <a16:creationId xmlns:a16="http://schemas.microsoft.com/office/drawing/2014/main" id="{C005311E-133F-493F-BFFC-C169B3CA8A86}"/>
-                </a:ext>
-              </a:extLst>
-            </p:cNvPr>
-            <p:cNvSpPr/>
-            <p:nvPr/>
-          </p:nvSpPr>
-          <p:spPr>
-            <a:xfrm>
-              <a:off x="1284399" y="6091574"/>
-              <a:ext cx="158496" cy="158496"/>
-            </a:xfrm>
-            <a:prstGeom prst="chevron">
-              <a:avLst/>
-            </a:prstGeom>
-          </p:spPr>
-          <p:style>
-            <a:lnRef idx="1">
-              <a:schemeClr val="accent4"/>
-            </a:lnRef>
-            <a:fillRef idx="2">
-              <a:schemeClr val="accent4"/>
-            </a:fillRef>
-            <a:effectRef idx="1">
-              <a:schemeClr val="accent4"/>
-            </a:effectRef>
-            <a:fontRef idx="minor">
-              <a:schemeClr val="dk1"/>
-            </a:fontRef>
-          </p:style>
-          <p:txBody>
-            <a:bodyPr rtlCol="0" anchor="ctr"/>
-            <a:lstStyle/>
-            <a:p>
-              <a:pPr algn="ctr"/>
-              <a:endParaRPr lang="de-DE" dirty="0">
-                <a:solidFill>
-                  <a:schemeClr val="tx1"/>
-                </a:solidFill>
-              </a:endParaRPr>
-            </a:p>
-          </p:txBody>
-        </p:sp>
-        <p:sp>
-          <p:nvSpPr>
-            <p:cNvPr id="11" name="Eingekerbter Richtungspfeil 24">
-              <a:extLst>
-                <a:ext uri="{FF2B5EF4-FFF2-40B4-BE49-F238E27FC236}">
-                  <a16:creationId xmlns:a16="http://schemas.microsoft.com/office/drawing/2014/main" id="{13B86617-4353-46AD-97C4-7F02A1BA1B80}"/>
-                </a:ext>
-              </a:extLst>
-            </p:cNvPr>
-            <p:cNvSpPr/>
-            <p:nvPr/>
-          </p:nvSpPr>
-          <p:spPr>
-            <a:xfrm>
-              <a:off x="2052380" y="6091574"/>
-              <a:ext cx="158496" cy="158496"/>
-            </a:xfrm>
-            <a:prstGeom prst="chevron">
-              <a:avLst/>
-            </a:prstGeom>
-          </p:spPr>
-          <p:style>
-            <a:lnRef idx="1">
-              <a:schemeClr val="accent4"/>
-            </a:lnRef>
-            <a:fillRef idx="2">
-              <a:schemeClr val="accent4"/>
-            </a:fillRef>
-            <a:effectRef idx="1">
-              <a:schemeClr val="accent4"/>
-            </a:effectRef>
-            <a:fontRef idx="minor">
-              <a:schemeClr val="dk1"/>
-            </a:fontRef>
-          </p:style>
-          <p:txBody>
-            <a:bodyPr rtlCol="0" anchor="ctr"/>
-            <a:lstStyle/>
-            <a:p>
-              <a:pPr algn="ctr"/>
-              <a:endParaRPr lang="de-DE" dirty="0">
-                <a:solidFill>
-                  <a:schemeClr val="tx1"/>
-                </a:solidFill>
-              </a:endParaRPr>
-            </a:p>
-          </p:txBody>
-        </p:sp>
-        <p:sp>
-          <p:nvSpPr>
-            <p:cNvPr id="12" name="Eingekerbter Richtungspfeil 25">
-              <a:extLst>
-                <a:ext uri="{FF2B5EF4-FFF2-40B4-BE49-F238E27FC236}">
-                  <a16:creationId xmlns:a16="http://schemas.microsoft.com/office/drawing/2014/main" id="{40D0FAF6-EB9E-4EEF-BCBE-972523E34CB7}"/>
-                </a:ext>
-              </a:extLst>
-            </p:cNvPr>
-            <p:cNvSpPr/>
-            <p:nvPr/>
-          </p:nvSpPr>
-          <p:spPr>
-            <a:xfrm>
-              <a:off x="4116879" y="6091574"/>
-              <a:ext cx="158496" cy="158496"/>
-            </a:xfrm>
-            <a:prstGeom prst="chevron">
-              <a:avLst/>
-            </a:prstGeom>
-          </p:spPr>
-          <p:style>
-            <a:lnRef idx="1">
-              <a:schemeClr val="accent4"/>
-            </a:lnRef>
-            <a:fillRef idx="2">
-              <a:schemeClr val="accent4"/>
-            </a:fillRef>
-            <a:effectRef idx="1">
-              <a:schemeClr val="accent4"/>
-            </a:effectRef>
-            <a:fontRef idx="minor">
-              <a:schemeClr val="dk1"/>
-            </a:fontRef>
-          </p:style>
-          <p:txBody>
-            <a:bodyPr rtlCol="0" anchor="ctr"/>
-            <a:lstStyle/>
-            <a:p>
-              <a:pPr algn="ctr"/>
-              <a:endParaRPr lang="de-DE" dirty="0">
-                <a:solidFill>
-                  <a:schemeClr val="tx1"/>
-                </a:solidFill>
-              </a:endParaRPr>
-            </a:p>
-          </p:txBody>
-        </p:sp>
-        <p:sp>
-          <p:nvSpPr>
-            <p:cNvPr id="13" name="Textfeld 12">
-              <a:extLst>
-                <a:ext uri="{FF2B5EF4-FFF2-40B4-BE49-F238E27FC236}">
-                  <a16:creationId xmlns:a16="http://schemas.microsoft.com/office/drawing/2014/main" id="{6910B1B0-7848-461D-A8EE-494297AF2C2C}"/>
-                </a:ext>
-              </a:extLst>
-            </p:cNvPr>
-            <p:cNvSpPr txBox="1"/>
-            <p:nvPr/>
-          </p:nvSpPr>
-          <p:spPr>
-            <a:xfrm>
-              <a:off x="4324070" y="6032320"/>
-              <a:ext cx="1588897" cy="276999"/>
-            </a:xfrm>
-            <a:prstGeom prst="rect">
-              <a:avLst/>
-            </a:prstGeom>
-            <a:noFill/>
-            <a:ln>
-              <a:noFill/>
-            </a:ln>
-          </p:spPr>
-          <p:style>
-            <a:lnRef idx="2">
-              <a:schemeClr val="accent3"/>
-            </a:lnRef>
-            <a:fillRef idx="1">
-              <a:schemeClr val="lt1"/>
-            </a:fillRef>
-            <a:effectRef idx="0">
-              <a:schemeClr val="accent3"/>
-            </a:effectRef>
-            <a:fontRef idx="minor">
-              <a:schemeClr val="dk1"/>
-            </a:fontRef>
-          </p:style>
-          <p:txBody>
-            <a:bodyPr wrap="none" rtlCol="0">
-              <a:spAutoFit/>
-            </a:bodyPr>
-            <a:lstStyle/>
-            <a:p>
-              <a:r>
-                <a:rPr lang="en-US" sz="1200" dirty="0"/>
-                <a:t>Deployment Pipeline</a:t>
-              </a:r>
-            </a:p>
-          </p:txBody>
-        </p:sp>
-        <p:sp>
-          <p:nvSpPr>
-            <p:cNvPr id="14" name="Eingekerbter Richtungspfeil 27">
-              <a:extLst>
-                <a:ext uri="{FF2B5EF4-FFF2-40B4-BE49-F238E27FC236}">
-                  <a16:creationId xmlns:a16="http://schemas.microsoft.com/office/drawing/2014/main" id="{C8C6383D-EFF4-4F8F-B7E7-55AA85D1E860}"/>
-                </a:ext>
-              </a:extLst>
-            </p:cNvPr>
-            <p:cNvSpPr/>
-            <p:nvPr/>
-          </p:nvSpPr>
-          <p:spPr>
-            <a:xfrm>
-              <a:off x="7320057" y="6091577"/>
-              <a:ext cx="158496" cy="158496"/>
-            </a:xfrm>
-            <a:prstGeom prst="chevron">
-              <a:avLst/>
-            </a:prstGeom>
-          </p:spPr>
-          <p:style>
-            <a:lnRef idx="1">
-              <a:schemeClr val="accent4"/>
-            </a:lnRef>
-            <a:fillRef idx="2">
-              <a:schemeClr val="accent4"/>
-            </a:fillRef>
-            <a:effectRef idx="1">
-              <a:schemeClr val="accent4"/>
-            </a:effectRef>
-            <a:fontRef idx="minor">
-              <a:schemeClr val="dk1"/>
-            </a:fontRef>
-          </p:style>
-          <p:txBody>
-            <a:bodyPr rtlCol="0" anchor="ctr"/>
-            <a:lstStyle/>
-            <a:p>
-              <a:pPr algn="ctr"/>
-              <a:endParaRPr lang="de-DE" dirty="0">
-                <a:solidFill>
-                  <a:schemeClr val="tx1"/>
-                </a:solidFill>
-              </a:endParaRPr>
-            </a:p>
-          </p:txBody>
-        </p:sp>
-        <p:cxnSp>
-          <p:nvCxnSpPr>
-            <p:cNvPr id="15" name="Gerade Verbindung 28">
-              <a:extLst>
-                <a:ext uri="{FF2B5EF4-FFF2-40B4-BE49-F238E27FC236}">
-                  <a16:creationId xmlns:a16="http://schemas.microsoft.com/office/drawing/2014/main" id="{BE0E1948-1999-44A0-B261-866A1DF5995B}"/>
-                </a:ext>
-              </a:extLst>
-            </p:cNvPr>
-            <p:cNvCxnSpPr/>
-            <p:nvPr/>
-          </p:nvCxnSpPr>
-          <p:spPr>
-            <a:xfrm>
-              <a:off x="25400" y="5986694"/>
-              <a:ext cx="9072000" cy="1588"/>
-            </a:xfrm>
-            <a:prstGeom prst="line">
-              <a:avLst/>
-            </a:prstGeom>
-            <a:ln w="41275">
-              <a:solidFill>
-                <a:schemeClr val="accent3">
-                  <a:lumMod val="85000"/>
-                </a:schemeClr>
-              </a:solidFill>
-            </a:ln>
-          </p:spPr>
-          <p:style>
-            <a:lnRef idx="1">
-              <a:schemeClr val="accent1"/>
-            </a:lnRef>
-            <a:fillRef idx="0">
-              <a:schemeClr val="accent1"/>
-            </a:fillRef>
-            <a:effectRef idx="0">
-              <a:schemeClr val="accent1"/>
-            </a:effectRef>
-            <a:fontRef idx="minor">
-              <a:schemeClr val="tx1"/>
-            </a:fontRef>
-          </p:style>
-        </p:cxnSp>
-        <p:sp>
-          <p:nvSpPr>
-            <p:cNvPr id="16" name="Eingekerbter Richtungspfeil 29">
-              <a:extLst>
-                <a:ext uri="{FF2B5EF4-FFF2-40B4-BE49-F238E27FC236}">
-                  <a16:creationId xmlns:a16="http://schemas.microsoft.com/office/drawing/2014/main" id="{A4600029-E40B-4FAC-BDEA-4C82CFF469F9}"/>
-                </a:ext>
-              </a:extLst>
-            </p:cNvPr>
-            <p:cNvSpPr/>
-            <p:nvPr/>
-          </p:nvSpPr>
-          <p:spPr>
-            <a:xfrm>
-              <a:off x="5925672" y="6091576"/>
-              <a:ext cx="158496" cy="158496"/>
-            </a:xfrm>
-            <a:prstGeom prst="chevron">
-              <a:avLst/>
-            </a:prstGeom>
-          </p:spPr>
-          <p:style>
-            <a:lnRef idx="1">
-              <a:schemeClr val="accent4"/>
-            </a:lnRef>
-            <a:fillRef idx="2">
-              <a:schemeClr val="accent4"/>
-            </a:fillRef>
-            <a:effectRef idx="1">
-              <a:schemeClr val="accent4"/>
-            </a:effectRef>
-            <a:fontRef idx="minor">
-              <a:schemeClr val="dk1"/>
-            </a:fontRef>
-          </p:style>
-          <p:txBody>
-            <a:bodyPr rtlCol="0" anchor="ctr"/>
-            <a:lstStyle/>
-            <a:p>
-              <a:pPr algn="ctr"/>
-              <a:endParaRPr lang="de-DE" dirty="0">
-                <a:solidFill>
-                  <a:schemeClr val="tx1"/>
-                </a:solidFill>
-              </a:endParaRPr>
-            </a:p>
-          </p:txBody>
-        </p:sp>
-      </p:grpSp>
-    </p:spTree>
-    <p:extLst>
-      <p:ext uri="{BB962C8B-B14F-4D97-AF65-F5344CB8AC3E}">
-        <p14:creationId xmlns:p14="http://schemas.microsoft.com/office/powerpoint/2010/main" val="2073750534"/>
-      </p:ext>
-    </p:extLst>
-  </p:cSld>
-  <p:clrMapOvr>
-    <a:masterClrMapping/>
-  </p:clrMapOvr>
-</p:sld>
-</file>
-
-<file path=ppt/slides/slide13.xml><?xml version="1.0" encoding="utf-8"?>
-<p:sld xmlns:a="http://schemas.openxmlformats.org/drawingml/2006/main" xmlns:r="http://schemas.openxmlformats.org/officeDocument/2006/relationships" xmlns:p="http://schemas.openxmlformats.org/presentationml/2006/main">
-  <p:cSld>
-    <p:spTree>
-      <p:nvGrpSpPr>
-        <p:cNvPr id="1" name=""/>
-        <p:cNvGrpSpPr/>
-        <p:nvPr/>
-      </p:nvGrpSpPr>
-      <p:grpSpPr>
-        <a:xfrm>
-          <a:off x="0" y="0"/>
-          <a:ext cx="0" cy="0"/>
-          <a:chOff x="0" y="0"/>
-          <a:chExt cx="0" cy="0"/>
-        </a:xfrm>
-      </p:grpSpPr>
-      <p:sp>
-        <p:nvSpPr>
-          <p:cNvPr id="29698" name="Rectangle 2"/>
-          <p:cNvSpPr>
-            <a:spLocks noGrp="1" noChangeArrowheads="1"/>
-          </p:cNvSpPr>
-          <p:nvPr>
-            <p:ph type="title"/>
-          </p:nvPr>
-        </p:nvSpPr>
-        <p:spPr/>
-        <p:txBody>
-          <a:bodyPr/>
-          <a:lstStyle/>
-          <a:p>
-            <a:endParaRPr lang="en-US" dirty="0"/>
-          </a:p>
-        </p:txBody>
-      </p:sp>
-      <p:sp>
-        <p:nvSpPr>
-          <p:cNvPr id="29699" name="Rectangle 3"/>
-          <p:cNvSpPr>
-            <a:spLocks noGrp="1" noChangeArrowheads="1"/>
-          </p:cNvSpPr>
-          <p:nvPr>
-            <p:ph type="body" idx="1"/>
-          </p:nvPr>
-        </p:nvSpPr>
-        <p:spPr>
-          <a:xfrm>
-            <a:off x="392113" y="898923"/>
-            <a:ext cx="8356600" cy="3397698"/>
-          </a:xfrm>
-        </p:spPr>
-        <p:txBody>
-          <a:bodyPr/>
-          <a:lstStyle/>
-          <a:p>
-            <a:endParaRPr lang="de-DE" dirty="0"/>
-          </a:p>
-        </p:txBody>
-      </p:sp>
-      <p:grpSp>
-        <p:nvGrpSpPr>
-          <p:cNvPr id="4" name="Gruppieren 21">
-            <a:extLst>
-              <a:ext uri="{FF2B5EF4-FFF2-40B4-BE49-F238E27FC236}">
-                <a16:creationId xmlns:a16="http://schemas.microsoft.com/office/drawing/2014/main" id="{AA131601-72E5-4228-A286-1E3E6D78B764}"/>
-              </a:ext>
-            </a:extLst>
-          </p:cNvPr>
-          <p:cNvGrpSpPr/>
-          <p:nvPr/>
-        </p:nvGrpSpPr>
-        <p:grpSpPr>
-          <a:xfrm>
-            <a:off x="72000" y="4424179"/>
-            <a:ext cx="9072000" cy="322630"/>
-            <a:chOff x="25400" y="5986694"/>
-            <a:chExt cx="9072000" cy="322630"/>
-          </a:xfrm>
-        </p:grpSpPr>
-        <p:sp>
-          <p:nvSpPr>
-            <p:cNvPr id="5" name="Textfeld 13">
-              <a:extLst>
-                <a:ext uri="{FF2B5EF4-FFF2-40B4-BE49-F238E27FC236}">
-                  <a16:creationId xmlns:a16="http://schemas.microsoft.com/office/drawing/2014/main" id="{2BCE988F-F02A-4D6D-B2E3-D098FA90D670}"/>
-                </a:ext>
-              </a:extLst>
-            </p:cNvPr>
-            <p:cNvSpPr txBox="1"/>
-            <p:nvPr/>
-          </p:nvSpPr>
-          <p:spPr>
-            <a:xfrm>
-              <a:off x="1493183" y="6032322"/>
-              <a:ext cx="554389" cy="276999"/>
-            </a:xfrm>
-            <a:prstGeom prst="rect">
-              <a:avLst/>
-            </a:prstGeom>
-            <a:noFill/>
-            <a:ln>
-              <a:noFill/>
-            </a:ln>
-          </p:spPr>
-          <p:style>
-            <a:lnRef idx="2">
-              <a:schemeClr val="accent3"/>
-            </a:lnRef>
-            <a:fillRef idx="1">
-              <a:schemeClr val="lt1"/>
-            </a:fillRef>
-            <a:effectRef idx="0">
-              <a:schemeClr val="accent3"/>
-            </a:effectRef>
-            <a:fontRef idx="minor">
-              <a:schemeClr val="dk1"/>
-            </a:fontRef>
-          </p:style>
-          <p:txBody>
-            <a:bodyPr wrap="square" rtlCol="0">
-              <a:spAutoFit/>
-            </a:bodyPr>
-            <a:lstStyle/>
-            <a:p>
-              <a:pPr algn="ctr"/>
-              <a:r>
-                <a:rPr lang="en-US" sz="1200" dirty="0"/>
-                <a:t>CSE</a:t>
-              </a:r>
-            </a:p>
-          </p:txBody>
-        </p:sp>
-        <p:sp>
-          <p:nvSpPr>
-            <p:cNvPr id="6" name="Textfeld 14">
-              <a:extLst>
-                <a:ext uri="{FF2B5EF4-FFF2-40B4-BE49-F238E27FC236}">
-                  <a16:creationId xmlns:a16="http://schemas.microsoft.com/office/drawing/2014/main" id="{C8E64975-DD4E-484D-9EF4-CB11AB9E264F}"/>
-                </a:ext>
-              </a:extLst>
-            </p:cNvPr>
-            <p:cNvSpPr txBox="1"/>
-            <p:nvPr/>
-          </p:nvSpPr>
-          <p:spPr>
-            <a:xfrm>
-              <a:off x="6282440" y="6032325"/>
-              <a:ext cx="949299" cy="276999"/>
-            </a:xfrm>
-            <a:prstGeom prst="rect">
-              <a:avLst/>
-            </a:prstGeom>
-            <a:noFill/>
-            <a:ln>
-              <a:noFill/>
-            </a:ln>
-          </p:spPr>
-          <p:style>
-            <a:lnRef idx="2">
-              <a:schemeClr val="accent3"/>
-            </a:lnRef>
-            <a:fillRef idx="1">
-              <a:schemeClr val="lt1"/>
-            </a:fillRef>
-            <a:effectRef idx="0">
-              <a:schemeClr val="accent3"/>
-            </a:effectRef>
-            <a:fontRef idx="minor">
-              <a:schemeClr val="dk1"/>
-            </a:fontRef>
-          </p:style>
-          <p:txBody>
-            <a:bodyPr wrap="none" rtlCol="0">
-              <a:spAutoFit/>
-            </a:bodyPr>
-            <a:lstStyle/>
-            <a:p>
-              <a:r>
-                <a:rPr lang="en-US" sz="1200" dirty="0"/>
-                <a:t>Challenges</a:t>
-              </a:r>
-            </a:p>
-          </p:txBody>
-        </p:sp>
-        <p:sp>
-          <p:nvSpPr>
-            <p:cNvPr id="7" name="Textfeld 6">
-              <a:extLst>
-                <a:ext uri="{FF2B5EF4-FFF2-40B4-BE49-F238E27FC236}">
-                  <a16:creationId xmlns:a16="http://schemas.microsoft.com/office/drawing/2014/main" id="{5B1D65DE-7E84-4D4A-AD1F-FC54B535CB1E}"/>
-                </a:ext>
-              </a:extLst>
-            </p:cNvPr>
-            <p:cNvSpPr txBox="1"/>
-            <p:nvPr/>
-          </p:nvSpPr>
-          <p:spPr>
-            <a:xfrm>
-              <a:off x="2361122" y="6032320"/>
-              <a:ext cx="1774155" cy="276999"/>
-            </a:xfrm>
-            <a:prstGeom prst="rect">
-              <a:avLst/>
-            </a:prstGeom>
-            <a:noFill/>
-            <a:ln>
-              <a:noFill/>
-            </a:ln>
-          </p:spPr>
-          <p:style>
-            <a:lnRef idx="2">
-              <a:schemeClr val="accent3"/>
-            </a:lnRef>
-            <a:fillRef idx="1">
-              <a:schemeClr val="lt1"/>
-            </a:fillRef>
-            <a:effectRef idx="0">
-              <a:schemeClr val="accent3"/>
-            </a:effectRef>
-            <a:fontRef idx="minor">
-              <a:schemeClr val="dk1"/>
-            </a:fontRef>
-          </p:style>
-          <p:txBody>
-            <a:bodyPr wrap="square" rtlCol="0">
-              <a:spAutoFit/>
-            </a:bodyPr>
-            <a:lstStyle/>
-            <a:p>
-              <a:r>
-                <a:rPr lang="en-US" sz="1200" dirty="0"/>
-                <a:t>The Stairway to Haven</a:t>
-              </a:r>
-            </a:p>
-          </p:txBody>
-        </p:sp>
-        <p:sp>
-          <p:nvSpPr>
-            <p:cNvPr id="8" name="Textfeld 7">
-              <a:extLst>
-                <a:ext uri="{FF2B5EF4-FFF2-40B4-BE49-F238E27FC236}">
-                  <a16:creationId xmlns:a16="http://schemas.microsoft.com/office/drawing/2014/main" id="{8544E219-3395-4D35-AB47-83E797162EF8}"/>
-                </a:ext>
-              </a:extLst>
-            </p:cNvPr>
-            <p:cNvSpPr txBox="1"/>
-            <p:nvPr/>
-          </p:nvSpPr>
-          <p:spPr>
-            <a:xfrm>
-              <a:off x="7763010" y="6032321"/>
-              <a:ext cx="1278028" cy="276999"/>
-            </a:xfrm>
-            <a:prstGeom prst="rect">
-              <a:avLst/>
-            </a:prstGeom>
-            <a:noFill/>
-            <a:ln>
-              <a:noFill/>
-            </a:ln>
-          </p:spPr>
-          <p:style>
-            <a:lnRef idx="2">
-              <a:schemeClr val="accent3"/>
-            </a:lnRef>
-            <a:fillRef idx="1">
-              <a:schemeClr val="lt1"/>
-            </a:fillRef>
-            <a:effectRef idx="0">
-              <a:schemeClr val="accent3"/>
-            </a:effectRef>
-            <a:fontRef idx="minor">
-              <a:schemeClr val="dk1"/>
-            </a:fontRef>
-          </p:style>
-          <p:txBody>
-            <a:bodyPr wrap="square" rtlCol="0">
-              <a:spAutoFit/>
-            </a:bodyPr>
-            <a:lstStyle/>
-            <a:p>
-              <a:r>
-                <a:rPr lang="en-US" sz="1200" dirty="0"/>
-                <a:t>Summary</a:t>
-              </a:r>
-            </a:p>
-          </p:txBody>
-        </p:sp>
-        <p:sp>
-          <p:nvSpPr>
-            <p:cNvPr id="9" name="Textfeld 8">
-              <a:extLst>
-                <a:ext uri="{FF2B5EF4-FFF2-40B4-BE49-F238E27FC236}">
-                  <a16:creationId xmlns:a16="http://schemas.microsoft.com/office/drawing/2014/main" id="{852888F9-9852-4482-8D86-9D678EB085AD}"/>
-                </a:ext>
-              </a:extLst>
-            </p:cNvPr>
-            <p:cNvSpPr txBox="1"/>
-            <p:nvPr/>
-          </p:nvSpPr>
-          <p:spPr>
-            <a:xfrm>
-              <a:off x="179512" y="6032321"/>
-              <a:ext cx="1213939" cy="276999"/>
-            </a:xfrm>
-            <a:prstGeom prst="rect">
-              <a:avLst/>
-            </a:prstGeom>
-            <a:noFill/>
-            <a:ln>
-              <a:noFill/>
-            </a:ln>
-          </p:spPr>
-          <p:style>
-            <a:lnRef idx="2">
-              <a:schemeClr val="accent3"/>
-            </a:lnRef>
-            <a:fillRef idx="1">
-              <a:schemeClr val="lt1"/>
-            </a:fillRef>
-            <a:effectRef idx="0">
-              <a:schemeClr val="accent3"/>
-            </a:effectRef>
-            <a:fontRef idx="minor">
-              <a:schemeClr val="dk1"/>
-            </a:fontRef>
-          </p:style>
-          <p:txBody>
-            <a:bodyPr wrap="square" rtlCol="0">
-              <a:spAutoFit/>
-            </a:bodyPr>
-            <a:lstStyle/>
-            <a:p>
-              <a:r>
-                <a:rPr lang="en-US" sz="1200" b="1" dirty="0"/>
-                <a:t>Introduction</a:t>
-              </a:r>
-            </a:p>
-          </p:txBody>
-        </p:sp>
-        <p:sp>
-          <p:nvSpPr>
-            <p:cNvPr id="10" name="Eingekerbter Richtungspfeil 23">
-              <a:extLst>
-                <a:ext uri="{FF2B5EF4-FFF2-40B4-BE49-F238E27FC236}">
-                  <a16:creationId xmlns:a16="http://schemas.microsoft.com/office/drawing/2014/main" id="{C005311E-133F-493F-BFFC-C169B3CA8A86}"/>
-                </a:ext>
-              </a:extLst>
-            </p:cNvPr>
-            <p:cNvSpPr/>
-            <p:nvPr/>
-          </p:nvSpPr>
-          <p:spPr>
-            <a:xfrm>
-              <a:off x="1284399" y="6091574"/>
-              <a:ext cx="158496" cy="158496"/>
-            </a:xfrm>
-            <a:prstGeom prst="chevron">
-              <a:avLst/>
-            </a:prstGeom>
-          </p:spPr>
-          <p:style>
-            <a:lnRef idx="1">
-              <a:schemeClr val="accent4"/>
-            </a:lnRef>
-            <a:fillRef idx="2">
-              <a:schemeClr val="accent4"/>
-            </a:fillRef>
-            <a:effectRef idx="1">
-              <a:schemeClr val="accent4"/>
-            </a:effectRef>
-            <a:fontRef idx="minor">
-              <a:schemeClr val="dk1"/>
-            </a:fontRef>
-          </p:style>
-          <p:txBody>
-            <a:bodyPr rtlCol="0" anchor="ctr"/>
-            <a:lstStyle/>
-            <a:p>
-              <a:pPr algn="ctr"/>
-              <a:endParaRPr lang="de-DE" dirty="0">
-                <a:solidFill>
-                  <a:schemeClr val="tx1"/>
-                </a:solidFill>
-              </a:endParaRPr>
-            </a:p>
-          </p:txBody>
-        </p:sp>
-        <p:sp>
-          <p:nvSpPr>
-            <p:cNvPr id="11" name="Eingekerbter Richtungspfeil 24">
-              <a:extLst>
-                <a:ext uri="{FF2B5EF4-FFF2-40B4-BE49-F238E27FC236}">
-                  <a16:creationId xmlns:a16="http://schemas.microsoft.com/office/drawing/2014/main" id="{13B86617-4353-46AD-97C4-7F02A1BA1B80}"/>
-                </a:ext>
-              </a:extLst>
-            </p:cNvPr>
-            <p:cNvSpPr/>
-            <p:nvPr/>
-          </p:nvSpPr>
-          <p:spPr>
-            <a:xfrm>
-              <a:off x="2052380" y="6091574"/>
-              <a:ext cx="158496" cy="158496"/>
-            </a:xfrm>
-            <a:prstGeom prst="chevron">
-              <a:avLst/>
-            </a:prstGeom>
-          </p:spPr>
-          <p:style>
-            <a:lnRef idx="1">
-              <a:schemeClr val="accent4"/>
-            </a:lnRef>
-            <a:fillRef idx="2">
-              <a:schemeClr val="accent4"/>
-            </a:fillRef>
-            <a:effectRef idx="1">
-              <a:schemeClr val="accent4"/>
-            </a:effectRef>
-            <a:fontRef idx="minor">
-              <a:schemeClr val="dk1"/>
-            </a:fontRef>
-          </p:style>
-          <p:txBody>
-            <a:bodyPr rtlCol="0" anchor="ctr"/>
-            <a:lstStyle/>
-            <a:p>
-              <a:pPr algn="ctr"/>
-              <a:endParaRPr lang="de-DE" dirty="0">
-                <a:solidFill>
-                  <a:schemeClr val="tx1"/>
-                </a:solidFill>
-              </a:endParaRPr>
-            </a:p>
-          </p:txBody>
-        </p:sp>
-        <p:sp>
-          <p:nvSpPr>
-            <p:cNvPr id="12" name="Eingekerbter Richtungspfeil 25">
-              <a:extLst>
-                <a:ext uri="{FF2B5EF4-FFF2-40B4-BE49-F238E27FC236}">
-                  <a16:creationId xmlns:a16="http://schemas.microsoft.com/office/drawing/2014/main" id="{40D0FAF6-EB9E-4EEF-BCBE-972523E34CB7}"/>
-                </a:ext>
-              </a:extLst>
-            </p:cNvPr>
-            <p:cNvSpPr/>
-            <p:nvPr/>
-          </p:nvSpPr>
-          <p:spPr>
-            <a:xfrm>
-              <a:off x="4116879" y="6091574"/>
-              <a:ext cx="158496" cy="158496"/>
-            </a:xfrm>
-            <a:prstGeom prst="chevron">
-              <a:avLst/>
-            </a:prstGeom>
-          </p:spPr>
-          <p:style>
-            <a:lnRef idx="1">
-              <a:schemeClr val="accent4"/>
-            </a:lnRef>
-            <a:fillRef idx="2">
-              <a:schemeClr val="accent4"/>
-            </a:fillRef>
-            <a:effectRef idx="1">
-              <a:schemeClr val="accent4"/>
-            </a:effectRef>
-            <a:fontRef idx="minor">
-              <a:schemeClr val="dk1"/>
-            </a:fontRef>
-          </p:style>
-          <p:txBody>
-            <a:bodyPr rtlCol="0" anchor="ctr"/>
-            <a:lstStyle/>
-            <a:p>
-              <a:pPr algn="ctr"/>
-              <a:endParaRPr lang="de-DE" dirty="0">
-                <a:solidFill>
-                  <a:schemeClr val="tx1"/>
-                </a:solidFill>
-              </a:endParaRPr>
-            </a:p>
-          </p:txBody>
-        </p:sp>
-        <p:sp>
-          <p:nvSpPr>
-            <p:cNvPr id="13" name="Textfeld 12">
-              <a:extLst>
-                <a:ext uri="{FF2B5EF4-FFF2-40B4-BE49-F238E27FC236}">
-                  <a16:creationId xmlns:a16="http://schemas.microsoft.com/office/drawing/2014/main" id="{6910B1B0-7848-461D-A8EE-494297AF2C2C}"/>
-                </a:ext>
-              </a:extLst>
-            </p:cNvPr>
-            <p:cNvSpPr txBox="1"/>
-            <p:nvPr/>
-          </p:nvSpPr>
-          <p:spPr>
-            <a:xfrm>
-              <a:off x="4324070" y="6032320"/>
-              <a:ext cx="1588897" cy="276999"/>
-            </a:xfrm>
-            <a:prstGeom prst="rect">
-              <a:avLst/>
-            </a:prstGeom>
-            <a:noFill/>
-            <a:ln>
-              <a:noFill/>
-            </a:ln>
-          </p:spPr>
-          <p:style>
-            <a:lnRef idx="2">
-              <a:schemeClr val="accent3"/>
-            </a:lnRef>
-            <a:fillRef idx="1">
-              <a:schemeClr val="lt1"/>
-            </a:fillRef>
-            <a:effectRef idx="0">
-              <a:schemeClr val="accent3"/>
-            </a:effectRef>
-            <a:fontRef idx="minor">
-              <a:schemeClr val="dk1"/>
-            </a:fontRef>
-          </p:style>
-          <p:txBody>
-            <a:bodyPr wrap="none" rtlCol="0">
-              <a:spAutoFit/>
-            </a:bodyPr>
-            <a:lstStyle/>
-            <a:p>
-              <a:r>
-                <a:rPr lang="en-US" sz="1200" dirty="0"/>
-                <a:t>Deployment Pipeline</a:t>
-              </a:r>
-            </a:p>
-          </p:txBody>
-        </p:sp>
-        <p:sp>
-          <p:nvSpPr>
-            <p:cNvPr id="14" name="Eingekerbter Richtungspfeil 27">
-              <a:extLst>
-                <a:ext uri="{FF2B5EF4-FFF2-40B4-BE49-F238E27FC236}">
-                  <a16:creationId xmlns:a16="http://schemas.microsoft.com/office/drawing/2014/main" id="{C8C6383D-EFF4-4F8F-B7E7-55AA85D1E860}"/>
-                </a:ext>
-              </a:extLst>
-            </p:cNvPr>
-            <p:cNvSpPr/>
-            <p:nvPr/>
-          </p:nvSpPr>
-          <p:spPr>
-            <a:xfrm>
-              <a:off x="7320057" y="6091577"/>
-              <a:ext cx="158496" cy="158496"/>
-            </a:xfrm>
-            <a:prstGeom prst="chevron">
-              <a:avLst/>
-            </a:prstGeom>
-          </p:spPr>
-          <p:style>
-            <a:lnRef idx="1">
-              <a:schemeClr val="accent4"/>
-            </a:lnRef>
-            <a:fillRef idx="2">
-              <a:schemeClr val="accent4"/>
-            </a:fillRef>
-            <a:effectRef idx="1">
-              <a:schemeClr val="accent4"/>
-            </a:effectRef>
-            <a:fontRef idx="minor">
-              <a:schemeClr val="dk1"/>
-            </a:fontRef>
-          </p:style>
-          <p:txBody>
-            <a:bodyPr rtlCol="0" anchor="ctr"/>
-            <a:lstStyle/>
-            <a:p>
-              <a:pPr algn="ctr"/>
-              <a:endParaRPr lang="de-DE" dirty="0">
-                <a:solidFill>
-                  <a:schemeClr val="tx1"/>
-                </a:solidFill>
-              </a:endParaRPr>
-            </a:p>
-          </p:txBody>
-        </p:sp>
-        <p:cxnSp>
-          <p:nvCxnSpPr>
-            <p:cNvPr id="15" name="Gerade Verbindung 28">
-              <a:extLst>
-                <a:ext uri="{FF2B5EF4-FFF2-40B4-BE49-F238E27FC236}">
-                  <a16:creationId xmlns:a16="http://schemas.microsoft.com/office/drawing/2014/main" id="{BE0E1948-1999-44A0-B261-866A1DF5995B}"/>
-                </a:ext>
-              </a:extLst>
-            </p:cNvPr>
-            <p:cNvCxnSpPr/>
-            <p:nvPr/>
-          </p:nvCxnSpPr>
-          <p:spPr>
-            <a:xfrm>
-              <a:off x="25400" y="5986694"/>
-              <a:ext cx="9072000" cy="1588"/>
-            </a:xfrm>
-            <a:prstGeom prst="line">
-              <a:avLst/>
-            </a:prstGeom>
-            <a:ln w="41275">
-              <a:solidFill>
-                <a:schemeClr val="accent3">
-                  <a:lumMod val="85000"/>
-                </a:schemeClr>
-              </a:solidFill>
-            </a:ln>
-          </p:spPr>
-          <p:style>
-            <a:lnRef idx="1">
-              <a:schemeClr val="accent1"/>
-            </a:lnRef>
-            <a:fillRef idx="0">
-              <a:schemeClr val="accent1"/>
-            </a:fillRef>
-            <a:effectRef idx="0">
-              <a:schemeClr val="accent1"/>
-            </a:effectRef>
-            <a:fontRef idx="minor">
-              <a:schemeClr val="tx1"/>
-            </a:fontRef>
-          </p:style>
-        </p:cxnSp>
-        <p:sp>
-          <p:nvSpPr>
-            <p:cNvPr id="16" name="Eingekerbter Richtungspfeil 29">
-              <a:extLst>
-                <a:ext uri="{FF2B5EF4-FFF2-40B4-BE49-F238E27FC236}">
-                  <a16:creationId xmlns:a16="http://schemas.microsoft.com/office/drawing/2014/main" id="{A4600029-E40B-4FAC-BDEA-4C82CFF469F9}"/>
-                </a:ext>
-              </a:extLst>
-            </p:cNvPr>
-            <p:cNvSpPr/>
-            <p:nvPr/>
-          </p:nvSpPr>
-          <p:spPr>
-            <a:xfrm>
-              <a:off x="5925672" y="6091576"/>
-              <a:ext cx="158496" cy="158496"/>
-            </a:xfrm>
-            <a:prstGeom prst="chevron">
-              <a:avLst/>
-            </a:prstGeom>
-          </p:spPr>
-          <p:style>
-            <a:lnRef idx="1">
-              <a:schemeClr val="accent4"/>
-            </a:lnRef>
-            <a:fillRef idx="2">
-              <a:schemeClr val="accent4"/>
-            </a:fillRef>
-            <a:effectRef idx="1">
-              <a:schemeClr val="accent4"/>
-            </a:effectRef>
-            <a:fontRef idx="minor">
-              <a:schemeClr val="dk1"/>
-            </a:fontRef>
-          </p:style>
-          <p:txBody>
-            <a:bodyPr rtlCol="0" anchor="ctr"/>
-            <a:lstStyle/>
-            <a:p>
-              <a:pPr algn="ctr"/>
-              <a:endParaRPr lang="de-DE" dirty="0">
-                <a:solidFill>
-                  <a:schemeClr val="tx1"/>
-                </a:solidFill>
-              </a:endParaRPr>
-            </a:p>
-          </p:txBody>
-        </p:sp>
-      </p:grpSp>
-    </p:spTree>
-    <p:extLst>
-      <p:ext uri="{BB962C8B-B14F-4D97-AF65-F5344CB8AC3E}">
-        <p14:creationId xmlns:p14="http://schemas.microsoft.com/office/powerpoint/2010/main" val="3081449860"/>
-      </p:ext>
-    </p:extLst>
-  </p:cSld>
-  <p:clrMapOvr>
-    <a:masterClrMapping/>
-  </p:clrMapOvr>
-</p:sld>
-</file>
-
-<file path=ppt/slides/slide14.xml><?xml version="1.0" encoding="utf-8"?>
-<p:sld xmlns:a="http://schemas.openxmlformats.org/drawingml/2006/main" xmlns:r="http://schemas.openxmlformats.org/officeDocument/2006/relationships" xmlns:p="http://schemas.openxmlformats.org/presentationml/2006/main">
-  <p:cSld>
-    <p:spTree>
-      <p:nvGrpSpPr>
-        <p:cNvPr id="1" name=""/>
-        <p:cNvGrpSpPr/>
-        <p:nvPr/>
-      </p:nvGrpSpPr>
-      <p:grpSpPr>
-        <a:xfrm>
-          <a:off x="0" y="0"/>
-          <a:ext cx="0" cy="0"/>
-          <a:chOff x="0" y="0"/>
-          <a:chExt cx="0" cy="0"/>
-        </a:xfrm>
-      </p:grpSpPr>
-      <p:sp>
-        <p:nvSpPr>
-          <p:cNvPr id="29698" name="Rectangle 2"/>
-          <p:cNvSpPr>
-            <a:spLocks noGrp="1" noChangeArrowheads="1"/>
-          </p:cNvSpPr>
-          <p:nvPr>
-            <p:ph type="title"/>
-          </p:nvPr>
-        </p:nvSpPr>
-        <p:spPr/>
-        <p:txBody>
-          <a:bodyPr/>
-          <a:lstStyle/>
-          <a:p>
-            <a:endParaRPr lang="en-US" dirty="0"/>
-          </a:p>
-        </p:txBody>
-      </p:sp>
-      <p:sp>
-        <p:nvSpPr>
-          <p:cNvPr id="29699" name="Rectangle 3"/>
-          <p:cNvSpPr>
-            <a:spLocks noGrp="1" noChangeArrowheads="1"/>
-          </p:cNvSpPr>
-          <p:nvPr>
-            <p:ph type="body" idx="1"/>
-          </p:nvPr>
-        </p:nvSpPr>
-        <p:spPr>
-          <a:xfrm>
-            <a:off x="392113" y="898923"/>
-            <a:ext cx="8356600" cy="3397698"/>
-          </a:xfrm>
-        </p:spPr>
-        <p:txBody>
-          <a:bodyPr/>
-          <a:lstStyle/>
-          <a:p>
-            <a:endParaRPr lang="de-DE" dirty="0"/>
-          </a:p>
-        </p:txBody>
-      </p:sp>
-      <p:grpSp>
-        <p:nvGrpSpPr>
-          <p:cNvPr id="4" name="Gruppieren 21">
-            <a:extLst>
-              <a:ext uri="{FF2B5EF4-FFF2-40B4-BE49-F238E27FC236}">
-                <a16:creationId xmlns:a16="http://schemas.microsoft.com/office/drawing/2014/main" id="{AA131601-72E5-4228-A286-1E3E6D78B764}"/>
-              </a:ext>
-            </a:extLst>
-          </p:cNvPr>
-          <p:cNvGrpSpPr/>
-          <p:nvPr/>
-        </p:nvGrpSpPr>
-        <p:grpSpPr>
-          <a:xfrm>
-            <a:off x="72000" y="4424179"/>
-            <a:ext cx="9072000" cy="322630"/>
-            <a:chOff x="25400" y="5986694"/>
-            <a:chExt cx="9072000" cy="322630"/>
-          </a:xfrm>
-        </p:grpSpPr>
-        <p:sp>
-          <p:nvSpPr>
-            <p:cNvPr id="5" name="Textfeld 13">
-              <a:extLst>
-                <a:ext uri="{FF2B5EF4-FFF2-40B4-BE49-F238E27FC236}">
-                  <a16:creationId xmlns:a16="http://schemas.microsoft.com/office/drawing/2014/main" id="{2BCE988F-F02A-4D6D-B2E3-D098FA90D670}"/>
-                </a:ext>
-              </a:extLst>
-            </p:cNvPr>
-            <p:cNvSpPr txBox="1"/>
-            <p:nvPr/>
-          </p:nvSpPr>
-          <p:spPr>
-            <a:xfrm>
-              <a:off x="1493183" y="6032322"/>
-              <a:ext cx="554389" cy="276999"/>
-            </a:xfrm>
-            <a:prstGeom prst="rect">
-              <a:avLst/>
-            </a:prstGeom>
-            <a:noFill/>
-            <a:ln>
-              <a:noFill/>
-            </a:ln>
-          </p:spPr>
-          <p:style>
-            <a:lnRef idx="2">
-              <a:schemeClr val="accent3"/>
-            </a:lnRef>
-            <a:fillRef idx="1">
-              <a:schemeClr val="lt1"/>
-            </a:fillRef>
-            <a:effectRef idx="0">
-              <a:schemeClr val="accent3"/>
-            </a:effectRef>
-            <a:fontRef idx="minor">
-              <a:schemeClr val="dk1"/>
-            </a:fontRef>
-          </p:style>
-          <p:txBody>
-            <a:bodyPr wrap="square" rtlCol="0">
-              <a:spAutoFit/>
-            </a:bodyPr>
-            <a:lstStyle/>
-            <a:p>
-              <a:pPr algn="ctr"/>
-              <a:r>
-                <a:rPr lang="en-US" sz="1200" dirty="0"/>
-                <a:t>CSE</a:t>
-              </a:r>
-            </a:p>
-          </p:txBody>
-        </p:sp>
-        <p:sp>
-          <p:nvSpPr>
-            <p:cNvPr id="6" name="Textfeld 14">
-              <a:extLst>
-                <a:ext uri="{FF2B5EF4-FFF2-40B4-BE49-F238E27FC236}">
-                  <a16:creationId xmlns:a16="http://schemas.microsoft.com/office/drawing/2014/main" id="{C8E64975-DD4E-484D-9EF4-CB11AB9E264F}"/>
-                </a:ext>
-              </a:extLst>
-            </p:cNvPr>
-            <p:cNvSpPr txBox="1"/>
-            <p:nvPr/>
-          </p:nvSpPr>
-          <p:spPr>
-            <a:xfrm>
-              <a:off x="6282440" y="6032325"/>
-              <a:ext cx="949299" cy="276999"/>
-            </a:xfrm>
-            <a:prstGeom prst="rect">
-              <a:avLst/>
-            </a:prstGeom>
-            <a:noFill/>
-            <a:ln>
-              <a:noFill/>
-            </a:ln>
-          </p:spPr>
-          <p:style>
-            <a:lnRef idx="2">
-              <a:schemeClr val="accent3"/>
-            </a:lnRef>
-            <a:fillRef idx="1">
-              <a:schemeClr val="lt1"/>
-            </a:fillRef>
-            <a:effectRef idx="0">
-              <a:schemeClr val="accent3"/>
-            </a:effectRef>
-            <a:fontRef idx="minor">
-              <a:schemeClr val="dk1"/>
-            </a:fontRef>
-          </p:style>
-          <p:txBody>
-            <a:bodyPr wrap="none" rtlCol="0">
-              <a:spAutoFit/>
-            </a:bodyPr>
-            <a:lstStyle/>
-            <a:p>
-              <a:r>
-                <a:rPr lang="en-US" sz="1200" dirty="0"/>
-                <a:t>Challenges</a:t>
-              </a:r>
-            </a:p>
-          </p:txBody>
-        </p:sp>
-        <p:sp>
-          <p:nvSpPr>
-            <p:cNvPr id="7" name="Textfeld 6">
-              <a:extLst>
-                <a:ext uri="{FF2B5EF4-FFF2-40B4-BE49-F238E27FC236}">
-                  <a16:creationId xmlns:a16="http://schemas.microsoft.com/office/drawing/2014/main" id="{5B1D65DE-7E84-4D4A-AD1F-FC54B535CB1E}"/>
-                </a:ext>
-              </a:extLst>
-            </p:cNvPr>
-            <p:cNvSpPr txBox="1"/>
-            <p:nvPr/>
-          </p:nvSpPr>
-          <p:spPr>
-            <a:xfrm>
-              <a:off x="2361122" y="6032320"/>
-              <a:ext cx="1774155" cy="276999"/>
-            </a:xfrm>
-            <a:prstGeom prst="rect">
-              <a:avLst/>
-            </a:prstGeom>
-            <a:noFill/>
-            <a:ln>
-              <a:noFill/>
-            </a:ln>
-          </p:spPr>
-          <p:style>
-            <a:lnRef idx="2">
-              <a:schemeClr val="accent3"/>
-            </a:lnRef>
-            <a:fillRef idx="1">
-              <a:schemeClr val="lt1"/>
-            </a:fillRef>
-            <a:effectRef idx="0">
-              <a:schemeClr val="accent3"/>
-            </a:effectRef>
-            <a:fontRef idx="minor">
-              <a:schemeClr val="dk1"/>
-            </a:fontRef>
-          </p:style>
-          <p:txBody>
-            <a:bodyPr wrap="square" rtlCol="0">
-              <a:spAutoFit/>
-            </a:bodyPr>
-            <a:lstStyle/>
-            <a:p>
-              <a:r>
-                <a:rPr lang="en-US" sz="1200" dirty="0"/>
-                <a:t>The Stairway to Haven</a:t>
-              </a:r>
-            </a:p>
-          </p:txBody>
-        </p:sp>
-        <p:sp>
-          <p:nvSpPr>
-            <p:cNvPr id="8" name="Textfeld 7">
-              <a:extLst>
-                <a:ext uri="{FF2B5EF4-FFF2-40B4-BE49-F238E27FC236}">
-                  <a16:creationId xmlns:a16="http://schemas.microsoft.com/office/drawing/2014/main" id="{8544E219-3395-4D35-AB47-83E797162EF8}"/>
-                </a:ext>
-              </a:extLst>
-            </p:cNvPr>
-            <p:cNvSpPr txBox="1"/>
-            <p:nvPr/>
-          </p:nvSpPr>
-          <p:spPr>
-            <a:xfrm>
-              <a:off x="7763010" y="6032321"/>
-              <a:ext cx="1278028" cy="276999"/>
-            </a:xfrm>
-            <a:prstGeom prst="rect">
-              <a:avLst/>
-            </a:prstGeom>
-            <a:noFill/>
-            <a:ln>
-              <a:noFill/>
-            </a:ln>
-          </p:spPr>
-          <p:style>
-            <a:lnRef idx="2">
-              <a:schemeClr val="accent3"/>
-            </a:lnRef>
-            <a:fillRef idx="1">
-              <a:schemeClr val="lt1"/>
-            </a:fillRef>
-            <a:effectRef idx="0">
-              <a:schemeClr val="accent3"/>
-            </a:effectRef>
-            <a:fontRef idx="minor">
-              <a:schemeClr val="dk1"/>
-            </a:fontRef>
-          </p:style>
-          <p:txBody>
-            <a:bodyPr wrap="square" rtlCol="0">
-              <a:spAutoFit/>
-            </a:bodyPr>
-            <a:lstStyle/>
-            <a:p>
-              <a:r>
-                <a:rPr lang="en-US" sz="1200" dirty="0"/>
-                <a:t>Summary</a:t>
-              </a:r>
-            </a:p>
-          </p:txBody>
-        </p:sp>
-        <p:sp>
-          <p:nvSpPr>
-            <p:cNvPr id="9" name="Textfeld 8">
-              <a:extLst>
-                <a:ext uri="{FF2B5EF4-FFF2-40B4-BE49-F238E27FC236}">
-                  <a16:creationId xmlns:a16="http://schemas.microsoft.com/office/drawing/2014/main" id="{852888F9-9852-4482-8D86-9D678EB085AD}"/>
-                </a:ext>
-              </a:extLst>
-            </p:cNvPr>
-            <p:cNvSpPr txBox="1"/>
-            <p:nvPr/>
-          </p:nvSpPr>
-          <p:spPr>
-            <a:xfrm>
-              <a:off x="179512" y="6032321"/>
-              <a:ext cx="1213939" cy="276999"/>
-            </a:xfrm>
-            <a:prstGeom prst="rect">
-              <a:avLst/>
-            </a:prstGeom>
-            <a:noFill/>
-            <a:ln>
-              <a:noFill/>
-            </a:ln>
-          </p:spPr>
-          <p:style>
-            <a:lnRef idx="2">
-              <a:schemeClr val="accent3"/>
-            </a:lnRef>
-            <a:fillRef idx="1">
-              <a:schemeClr val="lt1"/>
-            </a:fillRef>
-            <a:effectRef idx="0">
-              <a:schemeClr val="accent3"/>
-            </a:effectRef>
-            <a:fontRef idx="minor">
-              <a:schemeClr val="dk1"/>
-            </a:fontRef>
-          </p:style>
-          <p:txBody>
-            <a:bodyPr wrap="square" rtlCol="0">
-              <a:spAutoFit/>
-            </a:bodyPr>
-            <a:lstStyle/>
-            <a:p>
-              <a:r>
-                <a:rPr lang="en-US" sz="1200" b="1" dirty="0"/>
-                <a:t>Introduction</a:t>
-              </a:r>
-            </a:p>
-          </p:txBody>
-        </p:sp>
-        <p:sp>
-          <p:nvSpPr>
-            <p:cNvPr id="10" name="Eingekerbter Richtungspfeil 23">
-              <a:extLst>
-                <a:ext uri="{FF2B5EF4-FFF2-40B4-BE49-F238E27FC236}">
-                  <a16:creationId xmlns:a16="http://schemas.microsoft.com/office/drawing/2014/main" id="{C005311E-133F-493F-BFFC-C169B3CA8A86}"/>
-                </a:ext>
-              </a:extLst>
-            </p:cNvPr>
-            <p:cNvSpPr/>
-            <p:nvPr/>
-          </p:nvSpPr>
-          <p:spPr>
-            <a:xfrm>
-              <a:off x="1284399" y="6091574"/>
-              <a:ext cx="158496" cy="158496"/>
-            </a:xfrm>
-            <a:prstGeom prst="chevron">
-              <a:avLst/>
-            </a:prstGeom>
-          </p:spPr>
-          <p:style>
-            <a:lnRef idx="1">
-              <a:schemeClr val="accent4"/>
-            </a:lnRef>
-            <a:fillRef idx="2">
-              <a:schemeClr val="accent4"/>
-            </a:fillRef>
-            <a:effectRef idx="1">
-              <a:schemeClr val="accent4"/>
-            </a:effectRef>
-            <a:fontRef idx="minor">
-              <a:schemeClr val="dk1"/>
-            </a:fontRef>
-          </p:style>
-          <p:txBody>
-            <a:bodyPr rtlCol="0" anchor="ctr"/>
-            <a:lstStyle/>
-            <a:p>
-              <a:pPr algn="ctr"/>
-              <a:endParaRPr lang="de-DE" dirty="0">
-                <a:solidFill>
-                  <a:schemeClr val="tx1"/>
-                </a:solidFill>
-              </a:endParaRPr>
-            </a:p>
-          </p:txBody>
-        </p:sp>
-        <p:sp>
-          <p:nvSpPr>
-            <p:cNvPr id="11" name="Eingekerbter Richtungspfeil 24">
-              <a:extLst>
-                <a:ext uri="{FF2B5EF4-FFF2-40B4-BE49-F238E27FC236}">
-                  <a16:creationId xmlns:a16="http://schemas.microsoft.com/office/drawing/2014/main" id="{13B86617-4353-46AD-97C4-7F02A1BA1B80}"/>
-                </a:ext>
-              </a:extLst>
-            </p:cNvPr>
-            <p:cNvSpPr/>
-            <p:nvPr/>
-          </p:nvSpPr>
-          <p:spPr>
-            <a:xfrm>
-              <a:off x="2052380" y="6091574"/>
-              <a:ext cx="158496" cy="158496"/>
-            </a:xfrm>
-            <a:prstGeom prst="chevron">
-              <a:avLst/>
-            </a:prstGeom>
-          </p:spPr>
-          <p:style>
-            <a:lnRef idx="1">
-              <a:schemeClr val="accent4"/>
-            </a:lnRef>
-            <a:fillRef idx="2">
-              <a:schemeClr val="accent4"/>
-            </a:fillRef>
-            <a:effectRef idx="1">
-              <a:schemeClr val="accent4"/>
-            </a:effectRef>
-            <a:fontRef idx="minor">
-              <a:schemeClr val="dk1"/>
-            </a:fontRef>
-          </p:style>
-          <p:txBody>
-            <a:bodyPr rtlCol="0" anchor="ctr"/>
-            <a:lstStyle/>
-            <a:p>
-              <a:pPr algn="ctr"/>
-              <a:endParaRPr lang="de-DE" dirty="0">
-                <a:solidFill>
-                  <a:schemeClr val="tx1"/>
-                </a:solidFill>
-              </a:endParaRPr>
-            </a:p>
-          </p:txBody>
-        </p:sp>
-        <p:sp>
-          <p:nvSpPr>
-            <p:cNvPr id="12" name="Eingekerbter Richtungspfeil 25">
-              <a:extLst>
-                <a:ext uri="{FF2B5EF4-FFF2-40B4-BE49-F238E27FC236}">
-                  <a16:creationId xmlns:a16="http://schemas.microsoft.com/office/drawing/2014/main" id="{40D0FAF6-EB9E-4EEF-BCBE-972523E34CB7}"/>
-                </a:ext>
-              </a:extLst>
-            </p:cNvPr>
-            <p:cNvSpPr/>
-            <p:nvPr/>
-          </p:nvSpPr>
-          <p:spPr>
-            <a:xfrm>
-              <a:off x="4116879" y="6091574"/>
-              <a:ext cx="158496" cy="158496"/>
-            </a:xfrm>
-            <a:prstGeom prst="chevron">
-              <a:avLst/>
-            </a:prstGeom>
-          </p:spPr>
-          <p:style>
-            <a:lnRef idx="1">
-              <a:schemeClr val="accent4"/>
-            </a:lnRef>
-            <a:fillRef idx="2">
-              <a:schemeClr val="accent4"/>
-            </a:fillRef>
-            <a:effectRef idx="1">
-              <a:schemeClr val="accent4"/>
-            </a:effectRef>
-            <a:fontRef idx="minor">
-              <a:schemeClr val="dk1"/>
-            </a:fontRef>
-          </p:style>
-          <p:txBody>
-            <a:bodyPr rtlCol="0" anchor="ctr"/>
-            <a:lstStyle/>
-            <a:p>
-              <a:pPr algn="ctr"/>
-              <a:endParaRPr lang="de-DE" dirty="0">
-                <a:solidFill>
-                  <a:schemeClr val="tx1"/>
-                </a:solidFill>
-              </a:endParaRPr>
-            </a:p>
-          </p:txBody>
-        </p:sp>
-        <p:sp>
-          <p:nvSpPr>
-            <p:cNvPr id="13" name="Textfeld 12">
-              <a:extLst>
-                <a:ext uri="{FF2B5EF4-FFF2-40B4-BE49-F238E27FC236}">
-                  <a16:creationId xmlns:a16="http://schemas.microsoft.com/office/drawing/2014/main" id="{6910B1B0-7848-461D-A8EE-494297AF2C2C}"/>
-                </a:ext>
-              </a:extLst>
-            </p:cNvPr>
-            <p:cNvSpPr txBox="1"/>
-            <p:nvPr/>
-          </p:nvSpPr>
-          <p:spPr>
-            <a:xfrm>
-              <a:off x="4324070" y="6032320"/>
-              <a:ext cx="1588897" cy="276999"/>
-            </a:xfrm>
-            <a:prstGeom prst="rect">
-              <a:avLst/>
-            </a:prstGeom>
-            <a:noFill/>
-            <a:ln>
-              <a:noFill/>
-            </a:ln>
-          </p:spPr>
-          <p:style>
-            <a:lnRef idx="2">
-              <a:schemeClr val="accent3"/>
-            </a:lnRef>
-            <a:fillRef idx="1">
-              <a:schemeClr val="lt1"/>
-            </a:fillRef>
-            <a:effectRef idx="0">
-              <a:schemeClr val="accent3"/>
-            </a:effectRef>
-            <a:fontRef idx="minor">
-              <a:schemeClr val="dk1"/>
-            </a:fontRef>
-          </p:style>
-          <p:txBody>
-            <a:bodyPr wrap="none" rtlCol="0">
-              <a:spAutoFit/>
-            </a:bodyPr>
-            <a:lstStyle/>
-            <a:p>
-              <a:r>
-                <a:rPr lang="en-US" sz="1200" dirty="0"/>
-                <a:t>Deployment Pipeline</a:t>
-              </a:r>
-            </a:p>
-          </p:txBody>
-        </p:sp>
-        <p:sp>
-          <p:nvSpPr>
-            <p:cNvPr id="14" name="Eingekerbter Richtungspfeil 27">
-              <a:extLst>
-                <a:ext uri="{FF2B5EF4-FFF2-40B4-BE49-F238E27FC236}">
-                  <a16:creationId xmlns:a16="http://schemas.microsoft.com/office/drawing/2014/main" id="{C8C6383D-EFF4-4F8F-B7E7-55AA85D1E860}"/>
-                </a:ext>
-              </a:extLst>
-            </p:cNvPr>
-            <p:cNvSpPr/>
-            <p:nvPr/>
-          </p:nvSpPr>
-          <p:spPr>
-            <a:xfrm>
-              <a:off x="7320057" y="6091577"/>
-              <a:ext cx="158496" cy="158496"/>
-            </a:xfrm>
-            <a:prstGeom prst="chevron">
-              <a:avLst/>
-            </a:prstGeom>
-          </p:spPr>
-          <p:style>
-            <a:lnRef idx="1">
-              <a:schemeClr val="accent4"/>
-            </a:lnRef>
-            <a:fillRef idx="2">
-              <a:schemeClr val="accent4"/>
-            </a:fillRef>
-            <a:effectRef idx="1">
-              <a:schemeClr val="accent4"/>
-            </a:effectRef>
-            <a:fontRef idx="minor">
-              <a:schemeClr val="dk1"/>
-            </a:fontRef>
-          </p:style>
-          <p:txBody>
-            <a:bodyPr rtlCol="0" anchor="ctr"/>
-            <a:lstStyle/>
-            <a:p>
-              <a:pPr algn="ctr"/>
-              <a:endParaRPr lang="de-DE" dirty="0">
-                <a:solidFill>
-                  <a:schemeClr val="tx1"/>
-                </a:solidFill>
-              </a:endParaRPr>
-            </a:p>
-          </p:txBody>
-        </p:sp>
-        <p:cxnSp>
-          <p:nvCxnSpPr>
-            <p:cNvPr id="15" name="Gerade Verbindung 28">
-              <a:extLst>
-                <a:ext uri="{FF2B5EF4-FFF2-40B4-BE49-F238E27FC236}">
-                  <a16:creationId xmlns:a16="http://schemas.microsoft.com/office/drawing/2014/main" id="{BE0E1948-1999-44A0-B261-866A1DF5995B}"/>
-                </a:ext>
-              </a:extLst>
-            </p:cNvPr>
-            <p:cNvCxnSpPr/>
-            <p:nvPr/>
-          </p:nvCxnSpPr>
-          <p:spPr>
-            <a:xfrm>
-              <a:off x="25400" y="5986694"/>
-              <a:ext cx="9072000" cy="1588"/>
-            </a:xfrm>
-            <a:prstGeom prst="line">
-              <a:avLst/>
-            </a:prstGeom>
-            <a:ln w="41275">
-              <a:solidFill>
-                <a:schemeClr val="accent3">
-                  <a:lumMod val="85000"/>
-                </a:schemeClr>
-              </a:solidFill>
-            </a:ln>
-          </p:spPr>
-          <p:style>
-            <a:lnRef idx="1">
-              <a:schemeClr val="accent1"/>
-            </a:lnRef>
-            <a:fillRef idx="0">
-              <a:schemeClr val="accent1"/>
-            </a:fillRef>
-            <a:effectRef idx="0">
-              <a:schemeClr val="accent1"/>
-            </a:effectRef>
-            <a:fontRef idx="minor">
-              <a:schemeClr val="tx1"/>
-            </a:fontRef>
-          </p:style>
-        </p:cxnSp>
-        <p:sp>
-          <p:nvSpPr>
-            <p:cNvPr id="16" name="Eingekerbter Richtungspfeil 29">
-              <a:extLst>
-                <a:ext uri="{FF2B5EF4-FFF2-40B4-BE49-F238E27FC236}">
-                  <a16:creationId xmlns:a16="http://schemas.microsoft.com/office/drawing/2014/main" id="{A4600029-E40B-4FAC-BDEA-4C82CFF469F9}"/>
-                </a:ext>
-              </a:extLst>
-            </p:cNvPr>
-            <p:cNvSpPr/>
-            <p:nvPr/>
-          </p:nvSpPr>
-          <p:spPr>
-            <a:xfrm>
-              <a:off x="5925672" y="6091576"/>
-              <a:ext cx="158496" cy="158496"/>
-            </a:xfrm>
-            <a:prstGeom prst="chevron">
-              <a:avLst/>
-            </a:prstGeom>
-          </p:spPr>
-          <p:style>
-            <a:lnRef idx="1">
-              <a:schemeClr val="accent4"/>
-            </a:lnRef>
-            <a:fillRef idx="2">
-              <a:schemeClr val="accent4"/>
-            </a:fillRef>
-            <a:effectRef idx="1">
-              <a:schemeClr val="accent4"/>
-            </a:effectRef>
-            <a:fontRef idx="minor">
-              <a:schemeClr val="dk1"/>
-            </a:fontRef>
-          </p:style>
-          <p:txBody>
-            <a:bodyPr rtlCol="0" anchor="ctr"/>
-            <a:lstStyle/>
-            <a:p>
-              <a:pPr algn="ctr"/>
-              <a:endParaRPr lang="de-DE" dirty="0">
-                <a:solidFill>
-                  <a:schemeClr val="tx1"/>
-                </a:solidFill>
-              </a:endParaRPr>
-            </a:p>
-          </p:txBody>
-        </p:sp>
-      </p:grpSp>
-    </p:spTree>
-    <p:extLst>
-      <p:ext uri="{BB962C8B-B14F-4D97-AF65-F5344CB8AC3E}">
-        <p14:creationId xmlns:p14="http://schemas.microsoft.com/office/powerpoint/2010/main" val="3890312803"/>
-      </p:ext>
-    </p:extLst>
-  </p:cSld>
-  <p:clrMapOvr>
-    <a:masterClrMapping/>
-  </p:clrMapOvr>
-</p:sld>
-</file>
-
-<file path=ppt/slides/slide15.xml><?xml version="1.0" encoding="utf-8"?>
-<p:sld xmlns:a="http://schemas.openxmlformats.org/drawingml/2006/main" xmlns:r="http://schemas.openxmlformats.org/officeDocument/2006/relationships" xmlns:p="http://schemas.openxmlformats.org/presentationml/2006/main">
-  <p:cSld>
-    <p:spTree>
-      <p:nvGrpSpPr>
-        <p:cNvPr id="1" name=""/>
-        <p:cNvGrpSpPr/>
-        <p:nvPr/>
-      </p:nvGrpSpPr>
-      <p:grpSpPr>
-        <a:xfrm>
-          <a:off x="0" y="0"/>
-          <a:ext cx="0" cy="0"/>
-          <a:chOff x="0" y="0"/>
-          <a:chExt cx="0" cy="0"/>
-        </a:xfrm>
-      </p:grpSpPr>
-      <p:sp>
-        <p:nvSpPr>
-          <p:cNvPr id="29698" name="Rectangle 2"/>
-          <p:cNvSpPr>
-            <a:spLocks noGrp="1" noChangeArrowheads="1"/>
-          </p:cNvSpPr>
-          <p:nvPr>
-            <p:ph type="title"/>
-          </p:nvPr>
-        </p:nvSpPr>
-        <p:spPr/>
-        <p:txBody>
-          <a:bodyPr/>
-          <a:lstStyle/>
-          <a:p>
-            <a:endParaRPr lang="en-US" dirty="0"/>
-          </a:p>
-        </p:txBody>
-      </p:sp>
-      <p:sp>
-        <p:nvSpPr>
-          <p:cNvPr id="29699" name="Rectangle 3"/>
-          <p:cNvSpPr>
-            <a:spLocks noGrp="1" noChangeArrowheads="1"/>
-          </p:cNvSpPr>
-          <p:nvPr>
-            <p:ph type="body" idx="1"/>
-          </p:nvPr>
-        </p:nvSpPr>
-        <p:spPr>
-          <a:xfrm>
-            <a:off x="392113" y="898923"/>
-            <a:ext cx="8356600" cy="3397698"/>
-          </a:xfrm>
-        </p:spPr>
-        <p:txBody>
-          <a:bodyPr/>
-          <a:lstStyle/>
-          <a:p>
-            <a:endParaRPr lang="de-DE" dirty="0"/>
-          </a:p>
-        </p:txBody>
-      </p:sp>
-      <p:grpSp>
-        <p:nvGrpSpPr>
-          <p:cNvPr id="4" name="Gruppieren 21">
-            <a:extLst>
-              <a:ext uri="{FF2B5EF4-FFF2-40B4-BE49-F238E27FC236}">
-                <a16:creationId xmlns:a16="http://schemas.microsoft.com/office/drawing/2014/main" id="{AA131601-72E5-4228-A286-1E3E6D78B764}"/>
-              </a:ext>
-            </a:extLst>
-          </p:cNvPr>
-          <p:cNvGrpSpPr/>
-          <p:nvPr/>
-        </p:nvGrpSpPr>
-        <p:grpSpPr>
-          <a:xfrm>
-            <a:off x="72000" y="4424179"/>
-            <a:ext cx="9072000" cy="322630"/>
-            <a:chOff x="25400" y="5986694"/>
-            <a:chExt cx="9072000" cy="322630"/>
-          </a:xfrm>
-        </p:grpSpPr>
-        <p:sp>
-          <p:nvSpPr>
-            <p:cNvPr id="5" name="Textfeld 13">
-              <a:extLst>
-                <a:ext uri="{FF2B5EF4-FFF2-40B4-BE49-F238E27FC236}">
-                  <a16:creationId xmlns:a16="http://schemas.microsoft.com/office/drawing/2014/main" id="{2BCE988F-F02A-4D6D-B2E3-D098FA90D670}"/>
-                </a:ext>
-              </a:extLst>
-            </p:cNvPr>
-            <p:cNvSpPr txBox="1"/>
-            <p:nvPr/>
-          </p:nvSpPr>
-          <p:spPr>
-            <a:xfrm>
-              <a:off x="1493183" y="6032322"/>
-              <a:ext cx="554389" cy="276999"/>
-            </a:xfrm>
-            <a:prstGeom prst="rect">
-              <a:avLst/>
-            </a:prstGeom>
-            <a:noFill/>
-            <a:ln>
-              <a:noFill/>
-            </a:ln>
-          </p:spPr>
-          <p:style>
-            <a:lnRef idx="2">
-              <a:schemeClr val="accent3"/>
-            </a:lnRef>
-            <a:fillRef idx="1">
-              <a:schemeClr val="lt1"/>
-            </a:fillRef>
-            <a:effectRef idx="0">
-              <a:schemeClr val="accent3"/>
-            </a:effectRef>
-            <a:fontRef idx="minor">
-              <a:schemeClr val="dk1"/>
-            </a:fontRef>
-          </p:style>
-          <p:txBody>
-            <a:bodyPr wrap="square" rtlCol="0">
-              <a:spAutoFit/>
-            </a:bodyPr>
-            <a:lstStyle/>
-            <a:p>
-              <a:pPr algn="ctr"/>
-              <a:r>
-                <a:rPr lang="en-US" sz="1200" dirty="0"/>
-                <a:t>CSE</a:t>
-              </a:r>
-            </a:p>
-          </p:txBody>
-        </p:sp>
-        <p:sp>
-          <p:nvSpPr>
-            <p:cNvPr id="6" name="Textfeld 14">
-              <a:extLst>
-                <a:ext uri="{FF2B5EF4-FFF2-40B4-BE49-F238E27FC236}">
-                  <a16:creationId xmlns:a16="http://schemas.microsoft.com/office/drawing/2014/main" id="{C8E64975-DD4E-484D-9EF4-CB11AB9E264F}"/>
-                </a:ext>
-              </a:extLst>
-            </p:cNvPr>
-            <p:cNvSpPr txBox="1"/>
-            <p:nvPr/>
-          </p:nvSpPr>
-          <p:spPr>
-            <a:xfrm>
-              <a:off x="6282440" y="6032325"/>
-              <a:ext cx="949299" cy="276999"/>
-            </a:xfrm>
-            <a:prstGeom prst="rect">
-              <a:avLst/>
-            </a:prstGeom>
-            <a:noFill/>
-            <a:ln>
-              <a:noFill/>
-            </a:ln>
-          </p:spPr>
-          <p:style>
-            <a:lnRef idx="2">
-              <a:schemeClr val="accent3"/>
-            </a:lnRef>
-            <a:fillRef idx="1">
-              <a:schemeClr val="lt1"/>
-            </a:fillRef>
-            <a:effectRef idx="0">
-              <a:schemeClr val="accent3"/>
-            </a:effectRef>
-            <a:fontRef idx="minor">
-              <a:schemeClr val="dk1"/>
-            </a:fontRef>
-          </p:style>
-          <p:txBody>
-            <a:bodyPr wrap="none" rtlCol="0">
-              <a:spAutoFit/>
-            </a:bodyPr>
-            <a:lstStyle/>
-            <a:p>
-              <a:r>
-                <a:rPr lang="en-US" sz="1200" dirty="0"/>
-                <a:t>Challenges</a:t>
-              </a:r>
-            </a:p>
-          </p:txBody>
-        </p:sp>
-        <p:sp>
-          <p:nvSpPr>
-            <p:cNvPr id="7" name="Textfeld 6">
-              <a:extLst>
-                <a:ext uri="{FF2B5EF4-FFF2-40B4-BE49-F238E27FC236}">
-                  <a16:creationId xmlns:a16="http://schemas.microsoft.com/office/drawing/2014/main" id="{5B1D65DE-7E84-4D4A-AD1F-FC54B535CB1E}"/>
-                </a:ext>
-              </a:extLst>
-            </p:cNvPr>
-            <p:cNvSpPr txBox="1"/>
-            <p:nvPr/>
-          </p:nvSpPr>
-          <p:spPr>
-            <a:xfrm>
-              <a:off x="2361122" y="6032320"/>
-              <a:ext cx="1774155" cy="276999"/>
-            </a:xfrm>
-            <a:prstGeom prst="rect">
-              <a:avLst/>
-            </a:prstGeom>
-            <a:noFill/>
-            <a:ln>
-              <a:noFill/>
-            </a:ln>
-          </p:spPr>
-          <p:style>
-            <a:lnRef idx="2">
-              <a:schemeClr val="accent3"/>
-            </a:lnRef>
-            <a:fillRef idx="1">
-              <a:schemeClr val="lt1"/>
-            </a:fillRef>
-            <a:effectRef idx="0">
-              <a:schemeClr val="accent3"/>
-            </a:effectRef>
-            <a:fontRef idx="minor">
-              <a:schemeClr val="dk1"/>
-            </a:fontRef>
-          </p:style>
-          <p:txBody>
-            <a:bodyPr wrap="square" rtlCol="0">
-              <a:spAutoFit/>
-            </a:bodyPr>
-            <a:lstStyle/>
-            <a:p>
-              <a:r>
-                <a:rPr lang="en-US" sz="1200" dirty="0"/>
-                <a:t>The Stairway to Haven</a:t>
-              </a:r>
-            </a:p>
-          </p:txBody>
-        </p:sp>
-        <p:sp>
-          <p:nvSpPr>
-            <p:cNvPr id="8" name="Textfeld 7">
-              <a:extLst>
-                <a:ext uri="{FF2B5EF4-FFF2-40B4-BE49-F238E27FC236}">
-                  <a16:creationId xmlns:a16="http://schemas.microsoft.com/office/drawing/2014/main" id="{8544E219-3395-4D35-AB47-83E797162EF8}"/>
-                </a:ext>
-              </a:extLst>
-            </p:cNvPr>
-            <p:cNvSpPr txBox="1"/>
-            <p:nvPr/>
-          </p:nvSpPr>
-          <p:spPr>
-            <a:xfrm>
-              <a:off x="7763010" y="6032321"/>
-              <a:ext cx="1278028" cy="276999"/>
-            </a:xfrm>
-            <a:prstGeom prst="rect">
-              <a:avLst/>
-            </a:prstGeom>
-            <a:noFill/>
-            <a:ln>
-              <a:noFill/>
-            </a:ln>
-          </p:spPr>
-          <p:style>
-            <a:lnRef idx="2">
-              <a:schemeClr val="accent3"/>
-            </a:lnRef>
-            <a:fillRef idx="1">
-              <a:schemeClr val="lt1"/>
-            </a:fillRef>
-            <a:effectRef idx="0">
-              <a:schemeClr val="accent3"/>
-            </a:effectRef>
-            <a:fontRef idx="minor">
-              <a:schemeClr val="dk1"/>
-            </a:fontRef>
-          </p:style>
-          <p:txBody>
-            <a:bodyPr wrap="square" rtlCol="0">
-              <a:spAutoFit/>
-            </a:bodyPr>
-            <a:lstStyle/>
-            <a:p>
-              <a:r>
-                <a:rPr lang="en-US" sz="1200" dirty="0"/>
-                <a:t>Summary</a:t>
-              </a:r>
-            </a:p>
-          </p:txBody>
-        </p:sp>
-        <p:sp>
-          <p:nvSpPr>
-            <p:cNvPr id="9" name="Textfeld 8">
-              <a:extLst>
-                <a:ext uri="{FF2B5EF4-FFF2-40B4-BE49-F238E27FC236}">
-                  <a16:creationId xmlns:a16="http://schemas.microsoft.com/office/drawing/2014/main" id="{852888F9-9852-4482-8D86-9D678EB085AD}"/>
-                </a:ext>
-              </a:extLst>
-            </p:cNvPr>
-            <p:cNvSpPr txBox="1"/>
-            <p:nvPr/>
-          </p:nvSpPr>
-          <p:spPr>
-            <a:xfrm>
-              <a:off x="179512" y="6032321"/>
-              <a:ext cx="1213939" cy="276999"/>
-            </a:xfrm>
-            <a:prstGeom prst="rect">
-              <a:avLst/>
-            </a:prstGeom>
-            <a:noFill/>
-            <a:ln>
-              <a:noFill/>
-            </a:ln>
-          </p:spPr>
-          <p:style>
-            <a:lnRef idx="2">
-              <a:schemeClr val="accent3"/>
-            </a:lnRef>
-            <a:fillRef idx="1">
-              <a:schemeClr val="lt1"/>
-            </a:fillRef>
-            <a:effectRef idx="0">
-              <a:schemeClr val="accent3"/>
-            </a:effectRef>
-            <a:fontRef idx="minor">
-              <a:schemeClr val="dk1"/>
-            </a:fontRef>
-          </p:style>
-          <p:txBody>
-            <a:bodyPr wrap="square" rtlCol="0">
-              <a:spAutoFit/>
-            </a:bodyPr>
-            <a:lstStyle/>
-            <a:p>
-              <a:r>
-                <a:rPr lang="en-US" sz="1200" b="1" dirty="0"/>
-                <a:t>Introduction</a:t>
-              </a:r>
-            </a:p>
-          </p:txBody>
-        </p:sp>
-        <p:sp>
-          <p:nvSpPr>
-            <p:cNvPr id="10" name="Eingekerbter Richtungspfeil 23">
-              <a:extLst>
-                <a:ext uri="{FF2B5EF4-FFF2-40B4-BE49-F238E27FC236}">
-                  <a16:creationId xmlns:a16="http://schemas.microsoft.com/office/drawing/2014/main" id="{C005311E-133F-493F-BFFC-C169B3CA8A86}"/>
-                </a:ext>
-              </a:extLst>
-            </p:cNvPr>
-            <p:cNvSpPr/>
-            <p:nvPr/>
-          </p:nvSpPr>
-          <p:spPr>
-            <a:xfrm>
-              <a:off x="1284399" y="6091574"/>
-              <a:ext cx="158496" cy="158496"/>
-            </a:xfrm>
-            <a:prstGeom prst="chevron">
-              <a:avLst/>
-            </a:prstGeom>
-          </p:spPr>
-          <p:style>
-            <a:lnRef idx="1">
-              <a:schemeClr val="accent4"/>
-            </a:lnRef>
-            <a:fillRef idx="2">
-              <a:schemeClr val="accent4"/>
-            </a:fillRef>
-            <a:effectRef idx="1">
-              <a:schemeClr val="accent4"/>
-            </a:effectRef>
-            <a:fontRef idx="minor">
-              <a:schemeClr val="dk1"/>
-            </a:fontRef>
-          </p:style>
-          <p:txBody>
-            <a:bodyPr rtlCol="0" anchor="ctr"/>
-            <a:lstStyle/>
-            <a:p>
-              <a:pPr algn="ctr"/>
-              <a:endParaRPr lang="de-DE" dirty="0">
-                <a:solidFill>
-                  <a:schemeClr val="tx1"/>
-                </a:solidFill>
-              </a:endParaRPr>
-            </a:p>
-          </p:txBody>
-        </p:sp>
-        <p:sp>
-          <p:nvSpPr>
-            <p:cNvPr id="11" name="Eingekerbter Richtungspfeil 24">
-              <a:extLst>
-                <a:ext uri="{FF2B5EF4-FFF2-40B4-BE49-F238E27FC236}">
-                  <a16:creationId xmlns:a16="http://schemas.microsoft.com/office/drawing/2014/main" id="{13B86617-4353-46AD-97C4-7F02A1BA1B80}"/>
-                </a:ext>
-              </a:extLst>
-            </p:cNvPr>
-            <p:cNvSpPr/>
-            <p:nvPr/>
-          </p:nvSpPr>
-          <p:spPr>
-            <a:xfrm>
-              <a:off x="2052380" y="6091574"/>
-              <a:ext cx="158496" cy="158496"/>
-            </a:xfrm>
-            <a:prstGeom prst="chevron">
-              <a:avLst/>
-            </a:prstGeom>
-          </p:spPr>
-          <p:style>
-            <a:lnRef idx="1">
-              <a:schemeClr val="accent4"/>
-            </a:lnRef>
-            <a:fillRef idx="2">
-              <a:schemeClr val="accent4"/>
-            </a:fillRef>
-            <a:effectRef idx="1">
-              <a:schemeClr val="accent4"/>
-            </a:effectRef>
-            <a:fontRef idx="minor">
-              <a:schemeClr val="dk1"/>
-            </a:fontRef>
-          </p:style>
-          <p:txBody>
-            <a:bodyPr rtlCol="0" anchor="ctr"/>
-            <a:lstStyle/>
-            <a:p>
-              <a:pPr algn="ctr"/>
-              <a:endParaRPr lang="de-DE" dirty="0">
-                <a:solidFill>
-                  <a:schemeClr val="tx1"/>
-                </a:solidFill>
-              </a:endParaRPr>
-            </a:p>
-          </p:txBody>
-        </p:sp>
-        <p:sp>
-          <p:nvSpPr>
-            <p:cNvPr id="12" name="Eingekerbter Richtungspfeil 25">
-              <a:extLst>
-                <a:ext uri="{FF2B5EF4-FFF2-40B4-BE49-F238E27FC236}">
-                  <a16:creationId xmlns:a16="http://schemas.microsoft.com/office/drawing/2014/main" id="{40D0FAF6-EB9E-4EEF-BCBE-972523E34CB7}"/>
-                </a:ext>
-              </a:extLst>
-            </p:cNvPr>
-            <p:cNvSpPr/>
-            <p:nvPr/>
-          </p:nvSpPr>
-          <p:spPr>
-            <a:xfrm>
-              <a:off x="4116879" y="6091574"/>
-              <a:ext cx="158496" cy="158496"/>
-            </a:xfrm>
-            <a:prstGeom prst="chevron">
-              <a:avLst/>
-            </a:prstGeom>
-          </p:spPr>
-          <p:style>
-            <a:lnRef idx="1">
-              <a:schemeClr val="accent4"/>
-            </a:lnRef>
-            <a:fillRef idx="2">
-              <a:schemeClr val="accent4"/>
-            </a:fillRef>
-            <a:effectRef idx="1">
-              <a:schemeClr val="accent4"/>
-            </a:effectRef>
-            <a:fontRef idx="minor">
-              <a:schemeClr val="dk1"/>
-            </a:fontRef>
-          </p:style>
-          <p:txBody>
-            <a:bodyPr rtlCol="0" anchor="ctr"/>
-            <a:lstStyle/>
-            <a:p>
-              <a:pPr algn="ctr"/>
-              <a:endParaRPr lang="de-DE" dirty="0">
-                <a:solidFill>
-                  <a:schemeClr val="tx1"/>
-                </a:solidFill>
-              </a:endParaRPr>
-            </a:p>
-          </p:txBody>
-        </p:sp>
-        <p:sp>
-          <p:nvSpPr>
-            <p:cNvPr id="13" name="Textfeld 12">
-              <a:extLst>
-                <a:ext uri="{FF2B5EF4-FFF2-40B4-BE49-F238E27FC236}">
-                  <a16:creationId xmlns:a16="http://schemas.microsoft.com/office/drawing/2014/main" id="{6910B1B0-7848-461D-A8EE-494297AF2C2C}"/>
-                </a:ext>
-              </a:extLst>
-            </p:cNvPr>
-            <p:cNvSpPr txBox="1"/>
-            <p:nvPr/>
-          </p:nvSpPr>
-          <p:spPr>
-            <a:xfrm>
-              <a:off x="4324070" y="6032320"/>
-              <a:ext cx="1588897" cy="276999"/>
-            </a:xfrm>
-            <a:prstGeom prst="rect">
-              <a:avLst/>
-            </a:prstGeom>
-            <a:noFill/>
-            <a:ln>
-              <a:noFill/>
-            </a:ln>
-          </p:spPr>
-          <p:style>
-            <a:lnRef idx="2">
-              <a:schemeClr val="accent3"/>
-            </a:lnRef>
-            <a:fillRef idx="1">
-              <a:schemeClr val="lt1"/>
-            </a:fillRef>
-            <a:effectRef idx="0">
-              <a:schemeClr val="accent3"/>
-            </a:effectRef>
-            <a:fontRef idx="minor">
-              <a:schemeClr val="dk1"/>
-            </a:fontRef>
-          </p:style>
-          <p:txBody>
-            <a:bodyPr wrap="none" rtlCol="0">
-              <a:spAutoFit/>
-            </a:bodyPr>
-            <a:lstStyle/>
-            <a:p>
-              <a:r>
-                <a:rPr lang="en-US" sz="1200" dirty="0"/>
-                <a:t>Deployment Pipeline</a:t>
-              </a:r>
-            </a:p>
-          </p:txBody>
-        </p:sp>
-        <p:sp>
-          <p:nvSpPr>
-            <p:cNvPr id="14" name="Eingekerbter Richtungspfeil 27">
-              <a:extLst>
-                <a:ext uri="{FF2B5EF4-FFF2-40B4-BE49-F238E27FC236}">
-                  <a16:creationId xmlns:a16="http://schemas.microsoft.com/office/drawing/2014/main" id="{C8C6383D-EFF4-4F8F-B7E7-55AA85D1E860}"/>
-                </a:ext>
-              </a:extLst>
-            </p:cNvPr>
-            <p:cNvSpPr/>
-            <p:nvPr/>
-          </p:nvSpPr>
-          <p:spPr>
-            <a:xfrm>
-              <a:off x="7320057" y="6091577"/>
-              <a:ext cx="158496" cy="158496"/>
-            </a:xfrm>
-            <a:prstGeom prst="chevron">
-              <a:avLst/>
-            </a:prstGeom>
-          </p:spPr>
-          <p:style>
-            <a:lnRef idx="1">
-              <a:schemeClr val="accent4"/>
-            </a:lnRef>
-            <a:fillRef idx="2">
-              <a:schemeClr val="accent4"/>
-            </a:fillRef>
-            <a:effectRef idx="1">
-              <a:schemeClr val="accent4"/>
-            </a:effectRef>
-            <a:fontRef idx="minor">
-              <a:schemeClr val="dk1"/>
-            </a:fontRef>
-          </p:style>
-          <p:txBody>
-            <a:bodyPr rtlCol="0" anchor="ctr"/>
-            <a:lstStyle/>
-            <a:p>
-              <a:pPr algn="ctr"/>
-              <a:endParaRPr lang="de-DE" dirty="0">
-                <a:solidFill>
-                  <a:schemeClr val="tx1"/>
-                </a:solidFill>
-              </a:endParaRPr>
-            </a:p>
-          </p:txBody>
-        </p:sp>
-        <p:cxnSp>
-          <p:nvCxnSpPr>
-            <p:cNvPr id="15" name="Gerade Verbindung 28">
-              <a:extLst>
-                <a:ext uri="{FF2B5EF4-FFF2-40B4-BE49-F238E27FC236}">
-                  <a16:creationId xmlns:a16="http://schemas.microsoft.com/office/drawing/2014/main" id="{BE0E1948-1999-44A0-B261-866A1DF5995B}"/>
-                </a:ext>
-              </a:extLst>
-            </p:cNvPr>
-            <p:cNvCxnSpPr/>
-            <p:nvPr/>
-          </p:nvCxnSpPr>
-          <p:spPr>
-            <a:xfrm>
-              <a:off x="25400" y="5986694"/>
-              <a:ext cx="9072000" cy="1588"/>
-            </a:xfrm>
-            <a:prstGeom prst="line">
-              <a:avLst/>
-            </a:prstGeom>
-            <a:ln w="41275">
-              <a:solidFill>
-                <a:schemeClr val="accent3">
-                  <a:lumMod val="85000"/>
-                </a:schemeClr>
-              </a:solidFill>
-            </a:ln>
-          </p:spPr>
-          <p:style>
-            <a:lnRef idx="1">
-              <a:schemeClr val="accent1"/>
-            </a:lnRef>
-            <a:fillRef idx="0">
-              <a:schemeClr val="accent1"/>
-            </a:fillRef>
-            <a:effectRef idx="0">
-              <a:schemeClr val="accent1"/>
-            </a:effectRef>
-            <a:fontRef idx="minor">
-              <a:schemeClr val="tx1"/>
-            </a:fontRef>
-          </p:style>
-        </p:cxnSp>
-        <p:sp>
-          <p:nvSpPr>
-            <p:cNvPr id="16" name="Eingekerbter Richtungspfeil 29">
-              <a:extLst>
-                <a:ext uri="{FF2B5EF4-FFF2-40B4-BE49-F238E27FC236}">
-                  <a16:creationId xmlns:a16="http://schemas.microsoft.com/office/drawing/2014/main" id="{A4600029-E40B-4FAC-BDEA-4C82CFF469F9}"/>
-                </a:ext>
-              </a:extLst>
-            </p:cNvPr>
-            <p:cNvSpPr/>
-            <p:nvPr/>
-          </p:nvSpPr>
-          <p:spPr>
-            <a:xfrm>
-              <a:off x="5925672" y="6091576"/>
-              <a:ext cx="158496" cy="158496"/>
-            </a:xfrm>
-            <a:prstGeom prst="chevron">
-              <a:avLst/>
-            </a:prstGeom>
-          </p:spPr>
-          <p:style>
-            <a:lnRef idx="1">
-              <a:schemeClr val="accent4"/>
-            </a:lnRef>
-            <a:fillRef idx="2">
-              <a:schemeClr val="accent4"/>
-            </a:fillRef>
-            <a:effectRef idx="1">
-              <a:schemeClr val="accent4"/>
-            </a:effectRef>
-            <a:fontRef idx="minor">
-              <a:schemeClr val="dk1"/>
-            </a:fontRef>
-          </p:style>
-          <p:txBody>
-            <a:bodyPr rtlCol="0" anchor="ctr"/>
-            <a:lstStyle/>
-            <a:p>
-              <a:pPr algn="ctr"/>
-              <a:endParaRPr lang="de-DE" dirty="0">
-                <a:solidFill>
-                  <a:schemeClr val="tx1"/>
-                </a:solidFill>
-              </a:endParaRPr>
-            </a:p>
-          </p:txBody>
-        </p:sp>
-      </p:grpSp>
-    </p:spTree>
-    <p:extLst>
-      <p:ext uri="{BB962C8B-B14F-4D97-AF65-F5344CB8AC3E}">
-        <p14:creationId xmlns:p14="http://schemas.microsoft.com/office/powerpoint/2010/main" val="2340261825"/>
-      </p:ext>
-    </p:extLst>
-  </p:cSld>
-  <p:clrMapOvr>
-    <a:masterClrMapping/>
-  </p:clrMapOvr>
-</p:sld>
-</file>
-
-<file path=ppt/slides/slide16.xml><?xml version="1.0" encoding="utf-8"?>
-<p:sld xmlns:a="http://schemas.openxmlformats.org/drawingml/2006/main" xmlns:r="http://schemas.openxmlformats.org/officeDocument/2006/relationships" xmlns:p="http://schemas.openxmlformats.org/presentationml/2006/main">
-  <p:cSld>
-    <p:spTree>
-      <p:nvGrpSpPr>
-        <p:cNvPr id="1" name=""/>
-        <p:cNvGrpSpPr/>
-        <p:nvPr/>
-      </p:nvGrpSpPr>
-      <p:grpSpPr>
-        <a:xfrm>
-          <a:off x="0" y="0"/>
-          <a:ext cx="0" cy="0"/>
-          <a:chOff x="0" y="0"/>
-          <a:chExt cx="0" cy="0"/>
-        </a:xfrm>
-      </p:grpSpPr>
-      <p:sp>
-        <p:nvSpPr>
-          <p:cNvPr id="29699" name="Rectangle 3"/>
-          <p:cNvSpPr>
-            <a:spLocks noGrp="1" noChangeArrowheads="1"/>
-          </p:cNvSpPr>
-          <p:nvPr>
-            <p:ph type="body" idx="1"/>
-          </p:nvPr>
-        </p:nvSpPr>
-        <p:spPr>
-          <a:xfrm>
-            <a:off x="1965060" y="1137643"/>
-            <a:ext cx="4967995" cy="2080412"/>
-          </a:xfrm>
-        </p:spPr>
-        <p:txBody>
-          <a:bodyPr/>
-          <a:lstStyle/>
-          <a:p>
-            <a:endParaRPr lang="de-DE" dirty="0"/>
-          </a:p>
-        </p:txBody>
-      </p:sp>
-      <p:grpSp>
-        <p:nvGrpSpPr>
-          <p:cNvPr id="4" name="Gruppieren 21">
-            <a:extLst>
-              <a:ext uri="{FF2B5EF4-FFF2-40B4-BE49-F238E27FC236}">
-                <a16:creationId xmlns:a16="http://schemas.microsoft.com/office/drawing/2014/main" id="{AA131601-72E5-4228-A286-1E3E6D78B764}"/>
-              </a:ext>
-            </a:extLst>
-          </p:cNvPr>
-          <p:cNvGrpSpPr/>
-          <p:nvPr/>
-        </p:nvGrpSpPr>
-        <p:grpSpPr>
-          <a:xfrm>
-            <a:off x="72000" y="4424179"/>
-            <a:ext cx="9072000" cy="322630"/>
-            <a:chOff x="25400" y="5986694"/>
-            <a:chExt cx="9072000" cy="322630"/>
-          </a:xfrm>
-        </p:grpSpPr>
-        <p:sp>
-          <p:nvSpPr>
-            <p:cNvPr id="5" name="Textfeld 13">
-              <a:extLst>
-                <a:ext uri="{FF2B5EF4-FFF2-40B4-BE49-F238E27FC236}">
-                  <a16:creationId xmlns:a16="http://schemas.microsoft.com/office/drawing/2014/main" id="{2BCE988F-F02A-4D6D-B2E3-D098FA90D670}"/>
-                </a:ext>
-              </a:extLst>
-            </p:cNvPr>
-            <p:cNvSpPr txBox="1"/>
-            <p:nvPr/>
-          </p:nvSpPr>
-          <p:spPr>
-            <a:xfrm>
-              <a:off x="1493183" y="6032322"/>
-              <a:ext cx="554389" cy="276999"/>
-            </a:xfrm>
-            <a:prstGeom prst="rect">
-              <a:avLst/>
-            </a:prstGeom>
-            <a:noFill/>
-            <a:ln>
-              <a:noFill/>
-            </a:ln>
-          </p:spPr>
-          <p:style>
-            <a:lnRef idx="2">
-              <a:schemeClr val="accent3"/>
-            </a:lnRef>
-            <a:fillRef idx="1">
-              <a:schemeClr val="lt1"/>
-            </a:fillRef>
-            <a:effectRef idx="0">
-              <a:schemeClr val="accent3"/>
-            </a:effectRef>
-            <a:fontRef idx="minor">
-              <a:schemeClr val="dk1"/>
-            </a:fontRef>
-          </p:style>
-          <p:txBody>
-            <a:bodyPr wrap="square" rtlCol="0">
-              <a:spAutoFit/>
-            </a:bodyPr>
-            <a:lstStyle/>
-            <a:p>
-              <a:pPr algn="ctr"/>
-              <a:r>
-                <a:rPr lang="en-US" sz="1200" dirty="0"/>
-                <a:t>CSE</a:t>
-              </a:r>
-            </a:p>
-          </p:txBody>
-        </p:sp>
-        <p:sp>
-          <p:nvSpPr>
-            <p:cNvPr id="6" name="Textfeld 14">
-              <a:extLst>
-                <a:ext uri="{FF2B5EF4-FFF2-40B4-BE49-F238E27FC236}">
-                  <a16:creationId xmlns:a16="http://schemas.microsoft.com/office/drawing/2014/main" id="{C8E64975-DD4E-484D-9EF4-CB11AB9E264F}"/>
-                </a:ext>
-              </a:extLst>
-            </p:cNvPr>
-            <p:cNvSpPr txBox="1"/>
-            <p:nvPr/>
-          </p:nvSpPr>
-          <p:spPr>
-            <a:xfrm>
-              <a:off x="6282440" y="6032325"/>
-              <a:ext cx="949299" cy="276999"/>
-            </a:xfrm>
-            <a:prstGeom prst="rect">
-              <a:avLst/>
-            </a:prstGeom>
-            <a:noFill/>
-            <a:ln>
-              <a:noFill/>
-            </a:ln>
-          </p:spPr>
-          <p:style>
-            <a:lnRef idx="2">
-              <a:schemeClr val="accent3"/>
-            </a:lnRef>
-            <a:fillRef idx="1">
-              <a:schemeClr val="lt1"/>
-            </a:fillRef>
-            <a:effectRef idx="0">
-              <a:schemeClr val="accent3"/>
-            </a:effectRef>
-            <a:fontRef idx="minor">
-              <a:schemeClr val="dk1"/>
-            </a:fontRef>
-          </p:style>
-          <p:txBody>
-            <a:bodyPr wrap="none" rtlCol="0">
-              <a:spAutoFit/>
-            </a:bodyPr>
-            <a:lstStyle/>
-            <a:p>
-              <a:r>
-                <a:rPr lang="en-US" sz="1200" dirty="0"/>
-                <a:t>Challenges</a:t>
-              </a:r>
-            </a:p>
-          </p:txBody>
-        </p:sp>
-        <p:sp>
-          <p:nvSpPr>
-            <p:cNvPr id="7" name="Textfeld 6">
-              <a:extLst>
-                <a:ext uri="{FF2B5EF4-FFF2-40B4-BE49-F238E27FC236}">
-                  <a16:creationId xmlns:a16="http://schemas.microsoft.com/office/drawing/2014/main" id="{5B1D65DE-7E84-4D4A-AD1F-FC54B535CB1E}"/>
-                </a:ext>
-              </a:extLst>
-            </p:cNvPr>
-            <p:cNvSpPr txBox="1"/>
-            <p:nvPr/>
-          </p:nvSpPr>
-          <p:spPr>
-            <a:xfrm>
-              <a:off x="2361122" y="6032320"/>
-              <a:ext cx="1774155" cy="276999"/>
-            </a:xfrm>
-            <a:prstGeom prst="rect">
-              <a:avLst/>
-            </a:prstGeom>
-            <a:noFill/>
-            <a:ln>
-              <a:noFill/>
-            </a:ln>
-          </p:spPr>
-          <p:style>
-            <a:lnRef idx="2">
-              <a:schemeClr val="accent3"/>
-            </a:lnRef>
-            <a:fillRef idx="1">
-              <a:schemeClr val="lt1"/>
-            </a:fillRef>
-            <a:effectRef idx="0">
-              <a:schemeClr val="accent3"/>
-            </a:effectRef>
-            <a:fontRef idx="minor">
-              <a:schemeClr val="dk1"/>
-            </a:fontRef>
-          </p:style>
-          <p:txBody>
-            <a:bodyPr wrap="square" rtlCol="0">
-              <a:spAutoFit/>
-            </a:bodyPr>
-            <a:lstStyle/>
-            <a:p>
-              <a:r>
-                <a:rPr lang="en-US" sz="1200" dirty="0"/>
-                <a:t>The Stairway to Haven</a:t>
-              </a:r>
-            </a:p>
-          </p:txBody>
-        </p:sp>
-        <p:sp>
-          <p:nvSpPr>
-            <p:cNvPr id="8" name="Textfeld 7">
-              <a:extLst>
-                <a:ext uri="{FF2B5EF4-FFF2-40B4-BE49-F238E27FC236}">
-                  <a16:creationId xmlns:a16="http://schemas.microsoft.com/office/drawing/2014/main" id="{8544E219-3395-4D35-AB47-83E797162EF8}"/>
-                </a:ext>
-              </a:extLst>
-            </p:cNvPr>
-            <p:cNvSpPr txBox="1"/>
-            <p:nvPr/>
-          </p:nvSpPr>
-          <p:spPr>
-            <a:xfrm>
-              <a:off x="7763010" y="6032321"/>
-              <a:ext cx="1278028" cy="276999"/>
-            </a:xfrm>
-            <a:prstGeom prst="rect">
-              <a:avLst/>
-            </a:prstGeom>
-            <a:noFill/>
-            <a:ln>
-              <a:noFill/>
-            </a:ln>
-          </p:spPr>
-          <p:style>
-            <a:lnRef idx="2">
-              <a:schemeClr val="accent3"/>
-            </a:lnRef>
-            <a:fillRef idx="1">
-              <a:schemeClr val="lt1"/>
-            </a:fillRef>
-            <a:effectRef idx="0">
-              <a:schemeClr val="accent3"/>
-            </a:effectRef>
-            <a:fontRef idx="minor">
-              <a:schemeClr val="dk1"/>
-            </a:fontRef>
-          </p:style>
-          <p:txBody>
-            <a:bodyPr wrap="square" rtlCol="0">
-              <a:spAutoFit/>
-            </a:bodyPr>
-            <a:lstStyle/>
-            <a:p>
-              <a:r>
-                <a:rPr lang="en-US" sz="1200" dirty="0"/>
-                <a:t>Summary</a:t>
-              </a:r>
-            </a:p>
-          </p:txBody>
-        </p:sp>
-        <p:sp>
-          <p:nvSpPr>
-            <p:cNvPr id="9" name="Textfeld 8">
-              <a:extLst>
-                <a:ext uri="{FF2B5EF4-FFF2-40B4-BE49-F238E27FC236}">
-                  <a16:creationId xmlns:a16="http://schemas.microsoft.com/office/drawing/2014/main" id="{852888F9-9852-4482-8D86-9D678EB085AD}"/>
-                </a:ext>
-              </a:extLst>
-            </p:cNvPr>
-            <p:cNvSpPr txBox="1"/>
-            <p:nvPr/>
-          </p:nvSpPr>
-          <p:spPr>
-            <a:xfrm>
-              <a:off x="179512" y="6032321"/>
-              <a:ext cx="1213939" cy="276999"/>
-            </a:xfrm>
-            <a:prstGeom prst="rect">
-              <a:avLst/>
-            </a:prstGeom>
-            <a:noFill/>
-            <a:ln>
-              <a:noFill/>
-            </a:ln>
-          </p:spPr>
-          <p:style>
-            <a:lnRef idx="2">
-              <a:schemeClr val="accent3"/>
-            </a:lnRef>
-            <a:fillRef idx="1">
-              <a:schemeClr val="lt1"/>
-            </a:fillRef>
-            <a:effectRef idx="0">
-              <a:schemeClr val="accent3"/>
-            </a:effectRef>
-            <a:fontRef idx="minor">
-              <a:schemeClr val="dk1"/>
-            </a:fontRef>
-          </p:style>
-          <p:txBody>
-            <a:bodyPr wrap="square" rtlCol="0">
-              <a:spAutoFit/>
-            </a:bodyPr>
-            <a:lstStyle/>
-            <a:p>
-              <a:r>
-                <a:rPr lang="en-US" sz="1200" b="1" dirty="0"/>
-                <a:t>Introduction</a:t>
-              </a:r>
-            </a:p>
-          </p:txBody>
-        </p:sp>
-        <p:sp>
-          <p:nvSpPr>
-            <p:cNvPr id="10" name="Eingekerbter Richtungspfeil 23">
-              <a:extLst>
-                <a:ext uri="{FF2B5EF4-FFF2-40B4-BE49-F238E27FC236}">
-                  <a16:creationId xmlns:a16="http://schemas.microsoft.com/office/drawing/2014/main" id="{C005311E-133F-493F-BFFC-C169B3CA8A86}"/>
-                </a:ext>
-              </a:extLst>
-            </p:cNvPr>
-            <p:cNvSpPr/>
-            <p:nvPr/>
-          </p:nvSpPr>
-          <p:spPr>
-            <a:xfrm>
-              <a:off x="1284399" y="6091574"/>
-              <a:ext cx="158496" cy="158496"/>
-            </a:xfrm>
-            <a:prstGeom prst="chevron">
-              <a:avLst/>
-            </a:prstGeom>
-          </p:spPr>
-          <p:style>
-            <a:lnRef idx="1">
-              <a:schemeClr val="accent4"/>
-            </a:lnRef>
-            <a:fillRef idx="2">
-              <a:schemeClr val="accent4"/>
-            </a:fillRef>
-            <a:effectRef idx="1">
-              <a:schemeClr val="accent4"/>
-            </a:effectRef>
-            <a:fontRef idx="minor">
-              <a:schemeClr val="dk1"/>
-            </a:fontRef>
-          </p:style>
-          <p:txBody>
-            <a:bodyPr rtlCol="0" anchor="ctr"/>
-            <a:lstStyle/>
-            <a:p>
-              <a:pPr algn="ctr"/>
-              <a:endParaRPr lang="de-DE" dirty="0">
-                <a:solidFill>
-                  <a:schemeClr val="tx1"/>
-                </a:solidFill>
-              </a:endParaRPr>
-            </a:p>
-          </p:txBody>
-        </p:sp>
-        <p:sp>
-          <p:nvSpPr>
-            <p:cNvPr id="11" name="Eingekerbter Richtungspfeil 24">
-              <a:extLst>
-                <a:ext uri="{FF2B5EF4-FFF2-40B4-BE49-F238E27FC236}">
-                  <a16:creationId xmlns:a16="http://schemas.microsoft.com/office/drawing/2014/main" id="{13B86617-4353-46AD-97C4-7F02A1BA1B80}"/>
-                </a:ext>
-              </a:extLst>
-            </p:cNvPr>
-            <p:cNvSpPr/>
-            <p:nvPr/>
-          </p:nvSpPr>
-          <p:spPr>
-            <a:xfrm>
-              <a:off x="2052380" y="6091574"/>
-              <a:ext cx="158496" cy="158496"/>
-            </a:xfrm>
-            <a:prstGeom prst="chevron">
-              <a:avLst/>
-            </a:prstGeom>
-          </p:spPr>
-          <p:style>
-            <a:lnRef idx="1">
-              <a:schemeClr val="accent4"/>
-            </a:lnRef>
-            <a:fillRef idx="2">
-              <a:schemeClr val="accent4"/>
-            </a:fillRef>
-            <a:effectRef idx="1">
-              <a:schemeClr val="accent4"/>
-            </a:effectRef>
-            <a:fontRef idx="minor">
-              <a:schemeClr val="dk1"/>
-            </a:fontRef>
-          </p:style>
-          <p:txBody>
-            <a:bodyPr rtlCol="0" anchor="ctr"/>
-            <a:lstStyle/>
-            <a:p>
-              <a:pPr algn="ctr"/>
-              <a:endParaRPr lang="de-DE" dirty="0">
-                <a:solidFill>
-                  <a:schemeClr val="tx1"/>
-                </a:solidFill>
-              </a:endParaRPr>
-            </a:p>
-          </p:txBody>
-        </p:sp>
-        <p:sp>
-          <p:nvSpPr>
-            <p:cNvPr id="12" name="Eingekerbter Richtungspfeil 25">
-              <a:extLst>
-                <a:ext uri="{FF2B5EF4-FFF2-40B4-BE49-F238E27FC236}">
-                  <a16:creationId xmlns:a16="http://schemas.microsoft.com/office/drawing/2014/main" id="{40D0FAF6-EB9E-4EEF-BCBE-972523E34CB7}"/>
-                </a:ext>
-              </a:extLst>
-            </p:cNvPr>
-            <p:cNvSpPr/>
-            <p:nvPr/>
-          </p:nvSpPr>
-          <p:spPr>
-            <a:xfrm>
-              <a:off x="4116879" y="6091574"/>
-              <a:ext cx="158496" cy="158496"/>
-            </a:xfrm>
-            <a:prstGeom prst="chevron">
-              <a:avLst/>
-            </a:prstGeom>
-          </p:spPr>
-          <p:style>
-            <a:lnRef idx="1">
-              <a:schemeClr val="accent4"/>
-            </a:lnRef>
-            <a:fillRef idx="2">
-              <a:schemeClr val="accent4"/>
-            </a:fillRef>
-            <a:effectRef idx="1">
-              <a:schemeClr val="accent4"/>
-            </a:effectRef>
-            <a:fontRef idx="minor">
-              <a:schemeClr val="dk1"/>
-            </a:fontRef>
-          </p:style>
-          <p:txBody>
-            <a:bodyPr rtlCol="0" anchor="ctr"/>
-            <a:lstStyle/>
-            <a:p>
-              <a:pPr algn="ctr"/>
-              <a:endParaRPr lang="de-DE" dirty="0">
-                <a:solidFill>
-                  <a:schemeClr val="tx1"/>
-                </a:solidFill>
-              </a:endParaRPr>
-            </a:p>
-          </p:txBody>
-        </p:sp>
-        <p:sp>
-          <p:nvSpPr>
-            <p:cNvPr id="13" name="Textfeld 12">
-              <a:extLst>
-                <a:ext uri="{FF2B5EF4-FFF2-40B4-BE49-F238E27FC236}">
-                  <a16:creationId xmlns:a16="http://schemas.microsoft.com/office/drawing/2014/main" id="{6910B1B0-7848-461D-A8EE-494297AF2C2C}"/>
-                </a:ext>
-              </a:extLst>
-            </p:cNvPr>
-            <p:cNvSpPr txBox="1"/>
-            <p:nvPr/>
-          </p:nvSpPr>
-          <p:spPr>
-            <a:xfrm>
-              <a:off x="4324070" y="6032320"/>
-              <a:ext cx="1588897" cy="276999"/>
-            </a:xfrm>
-            <a:prstGeom prst="rect">
-              <a:avLst/>
-            </a:prstGeom>
-            <a:noFill/>
-            <a:ln>
-              <a:noFill/>
-            </a:ln>
-          </p:spPr>
-          <p:style>
-            <a:lnRef idx="2">
-              <a:schemeClr val="accent3"/>
-            </a:lnRef>
-            <a:fillRef idx="1">
-              <a:schemeClr val="lt1"/>
-            </a:fillRef>
-            <a:effectRef idx="0">
-              <a:schemeClr val="accent3"/>
-            </a:effectRef>
-            <a:fontRef idx="minor">
-              <a:schemeClr val="dk1"/>
-            </a:fontRef>
-          </p:style>
-          <p:txBody>
-            <a:bodyPr wrap="none" rtlCol="0">
-              <a:spAutoFit/>
-            </a:bodyPr>
-            <a:lstStyle/>
-            <a:p>
-              <a:r>
-                <a:rPr lang="en-US" sz="1200" dirty="0"/>
-                <a:t>Deployment Pipeline</a:t>
-              </a:r>
-            </a:p>
-          </p:txBody>
-        </p:sp>
-        <p:sp>
-          <p:nvSpPr>
-            <p:cNvPr id="14" name="Eingekerbter Richtungspfeil 27">
-              <a:extLst>
-                <a:ext uri="{FF2B5EF4-FFF2-40B4-BE49-F238E27FC236}">
-                  <a16:creationId xmlns:a16="http://schemas.microsoft.com/office/drawing/2014/main" id="{C8C6383D-EFF4-4F8F-B7E7-55AA85D1E860}"/>
-                </a:ext>
-              </a:extLst>
-            </p:cNvPr>
-            <p:cNvSpPr/>
-            <p:nvPr/>
-          </p:nvSpPr>
-          <p:spPr>
-            <a:xfrm>
-              <a:off x="7320057" y="6091577"/>
-              <a:ext cx="158496" cy="158496"/>
-            </a:xfrm>
-            <a:prstGeom prst="chevron">
-              <a:avLst/>
-            </a:prstGeom>
-          </p:spPr>
-          <p:style>
-            <a:lnRef idx="1">
-              <a:schemeClr val="accent4"/>
-            </a:lnRef>
-            <a:fillRef idx="2">
-              <a:schemeClr val="accent4"/>
-            </a:fillRef>
-            <a:effectRef idx="1">
-              <a:schemeClr val="accent4"/>
-            </a:effectRef>
-            <a:fontRef idx="minor">
-              <a:schemeClr val="dk1"/>
-            </a:fontRef>
-          </p:style>
-          <p:txBody>
-            <a:bodyPr rtlCol="0" anchor="ctr"/>
-            <a:lstStyle/>
-            <a:p>
-              <a:pPr algn="ctr"/>
-              <a:endParaRPr lang="de-DE" dirty="0">
-                <a:solidFill>
-                  <a:schemeClr val="tx1"/>
-                </a:solidFill>
-              </a:endParaRPr>
-            </a:p>
-          </p:txBody>
-        </p:sp>
-        <p:cxnSp>
-          <p:nvCxnSpPr>
-            <p:cNvPr id="15" name="Gerade Verbindung 28">
-              <a:extLst>
-                <a:ext uri="{FF2B5EF4-FFF2-40B4-BE49-F238E27FC236}">
-                  <a16:creationId xmlns:a16="http://schemas.microsoft.com/office/drawing/2014/main" id="{BE0E1948-1999-44A0-B261-866A1DF5995B}"/>
-                </a:ext>
-              </a:extLst>
-            </p:cNvPr>
-            <p:cNvCxnSpPr/>
-            <p:nvPr/>
-          </p:nvCxnSpPr>
-          <p:spPr>
-            <a:xfrm>
-              <a:off x="25400" y="5986694"/>
-              <a:ext cx="9072000" cy="1588"/>
-            </a:xfrm>
-            <a:prstGeom prst="line">
-              <a:avLst/>
-            </a:prstGeom>
-            <a:ln w="41275">
-              <a:solidFill>
-                <a:schemeClr val="accent3">
-                  <a:lumMod val="85000"/>
-                </a:schemeClr>
-              </a:solidFill>
-            </a:ln>
-          </p:spPr>
-          <p:style>
-            <a:lnRef idx="1">
-              <a:schemeClr val="accent1"/>
-            </a:lnRef>
-            <a:fillRef idx="0">
-              <a:schemeClr val="accent1"/>
-            </a:fillRef>
-            <a:effectRef idx="0">
-              <a:schemeClr val="accent1"/>
-            </a:effectRef>
-            <a:fontRef idx="minor">
-              <a:schemeClr val="tx1"/>
-            </a:fontRef>
-          </p:style>
-        </p:cxnSp>
-        <p:sp>
-          <p:nvSpPr>
-            <p:cNvPr id="16" name="Eingekerbter Richtungspfeil 29">
-              <a:extLst>
-                <a:ext uri="{FF2B5EF4-FFF2-40B4-BE49-F238E27FC236}">
-                  <a16:creationId xmlns:a16="http://schemas.microsoft.com/office/drawing/2014/main" id="{A4600029-E40B-4FAC-BDEA-4C82CFF469F9}"/>
-                </a:ext>
-              </a:extLst>
-            </p:cNvPr>
-            <p:cNvSpPr/>
-            <p:nvPr/>
-          </p:nvSpPr>
-          <p:spPr>
-            <a:xfrm>
-              <a:off x="5925672" y="6091576"/>
-              <a:ext cx="158496" cy="158496"/>
-            </a:xfrm>
-            <a:prstGeom prst="chevron">
-              <a:avLst/>
-            </a:prstGeom>
-          </p:spPr>
-          <p:style>
-            <a:lnRef idx="1">
-              <a:schemeClr val="accent4"/>
-            </a:lnRef>
-            <a:fillRef idx="2">
-              <a:schemeClr val="accent4"/>
-            </a:fillRef>
-            <a:effectRef idx="1">
-              <a:schemeClr val="accent4"/>
-            </a:effectRef>
-            <a:fontRef idx="minor">
-              <a:schemeClr val="dk1"/>
-            </a:fontRef>
-          </p:style>
-          <p:txBody>
-            <a:bodyPr rtlCol="0" anchor="ctr"/>
-            <a:lstStyle/>
-            <a:p>
-              <a:pPr algn="ctr"/>
-              <a:endParaRPr lang="de-DE" dirty="0">
-                <a:solidFill>
-                  <a:schemeClr val="tx1"/>
-                </a:solidFill>
-              </a:endParaRPr>
-            </a:p>
-          </p:txBody>
-        </p:sp>
-      </p:grpSp>
-      <p:pic>
-        <p:nvPicPr>
-          <p:cNvPr id="3076" name="Picture 4" descr="Bildergebnis für Continuous Delivery funny picture">
-            <a:extLst>
-              <a:ext uri="{FF2B5EF4-FFF2-40B4-BE49-F238E27FC236}">
-                <a16:creationId xmlns:a16="http://schemas.microsoft.com/office/drawing/2014/main" id="{00182C27-DAB5-4D37-96ED-F331527270E5}"/>
-              </a:ext>
-            </a:extLst>
-          </p:cNvPr>
-          <p:cNvPicPr>
-            <a:picLocks noChangeAspect="1" noChangeArrowheads="1"/>
-          </p:cNvPicPr>
-          <p:nvPr/>
-        </p:nvPicPr>
-        <p:blipFill>
-          <a:blip r:embed="rId3">
-            <a:extLst>
-              <a:ext uri="{28A0092B-C50C-407E-A947-70E740481C1C}">
-                <a14:useLocalDpi xmlns:a14="http://schemas.microsoft.com/office/drawing/2010/main" val="0"/>
-              </a:ext>
-            </a:extLst>
-          </a:blip>
-          <a:srcRect/>
-          <a:stretch>
-            <a:fillRect/>
-          </a:stretch>
-        </p:blipFill>
-        <p:spPr bwMode="auto">
-          <a:xfrm>
-            <a:off x="1572947" y="915566"/>
-            <a:ext cx="5598876" cy="3149368"/>
-          </a:xfrm>
-          <a:prstGeom prst="rect">
-            <a:avLst/>
-          </a:prstGeom>
-          <a:noFill/>
-          <a:extLst>
-            <a:ext uri="{909E8E84-426E-40DD-AFC4-6F175D3DCCD1}">
-              <a14:hiddenFill xmlns:a14="http://schemas.microsoft.com/office/drawing/2010/main">
-                <a:solidFill>
-                  <a:srgbClr val="FFFFFF"/>
-                </a:solidFill>
-              </a14:hiddenFill>
-            </a:ext>
-          </a:extLst>
-        </p:spPr>
-      </p:pic>
-    </p:spTree>
-    <p:extLst>
-      <p:ext uri="{BB962C8B-B14F-4D97-AF65-F5344CB8AC3E}">
-        <p14:creationId xmlns:p14="http://schemas.microsoft.com/office/powerpoint/2010/main" val="1452874912"/>
-      </p:ext>
-    </p:extLst>
-  </p:cSld>
-  <p:clrMapOvr>
-    <a:masterClrMapping/>
-  </p:clrMapOvr>
-</p:sld>
-</file>
-
-<file path=ppt/slides/slide2.xml><?xml version="1.0" encoding="utf-8"?>
-<p:sld xmlns:a="http://schemas.openxmlformats.org/drawingml/2006/main" xmlns:r="http://schemas.openxmlformats.org/officeDocument/2006/relationships" xmlns:p="http://schemas.openxmlformats.org/presentationml/2006/main">
-  <p:cSld>
-    <p:spTree>
-      <p:nvGrpSpPr>
-        <p:cNvPr id="1" name=""/>
-        <p:cNvGrpSpPr/>
-        <p:nvPr/>
-      </p:nvGrpSpPr>
-      <p:grpSpPr>
-        <a:xfrm>
-          <a:off x="0" y="0"/>
-          <a:ext cx="0" cy="0"/>
-          <a:chOff x="0" y="0"/>
-          <a:chExt cx="0" cy="0"/>
-        </a:xfrm>
-      </p:grpSpPr>
-      <p:sp>
-        <p:nvSpPr>
-          <p:cNvPr id="29698" name="Rectangle 2"/>
-          <p:cNvSpPr>
-            <a:spLocks noGrp="1" noChangeArrowheads="1"/>
-          </p:cNvSpPr>
-          <p:nvPr>
-            <p:ph type="title"/>
-          </p:nvPr>
-        </p:nvSpPr>
-        <p:spPr/>
-        <p:txBody>
-          <a:bodyPr/>
-          <a:lstStyle/>
-          <a:p>
-            <a:r>
-              <a:rPr lang="en-US" dirty="0"/>
-              <a:t>Continuous Software Engineering (CSE)</a:t>
-            </a:r>
-          </a:p>
-        </p:txBody>
-      </p:sp>
-      <p:sp>
-        <p:nvSpPr>
-          <p:cNvPr id="29699" name="Rectangle 3"/>
-          <p:cNvSpPr>
-            <a:spLocks noGrp="1" noChangeArrowheads="1"/>
-          </p:cNvSpPr>
-          <p:nvPr>
-            <p:ph type="body" idx="1"/>
-          </p:nvPr>
-        </p:nvSpPr>
-        <p:spPr>
-          <a:xfrm>
-            <a:off x="416445" y="498872"/>
-            <a:ext cx="8356600" cy="4028598"/>
-          </a:xfrm>
-        </p:spPr>
-        <p:txBody>
-          <a:bodyPr/>
-          <a:lstStyle/>
-          <a:p>
-            <a:pPr marL="0" indent="0">
-              <a:buNone/>
-            </a:pPr>
-            <a:endParaRPr lang="en-US" dirty="0"/>
-          </a:p>
-          <a:p>
-            <a:r>
-              <a:rPr lang="en-US" dirty="0"/>
-              <a:t>Software development strategy to deliver software more frequently</a:t>
-            </a:r>
-          </a:p>
-          <a:p>
-            <a:r>
-              <a:rPr lang="en-US" dirty="0"/>
-              <a:t>Practices: </a:t>
-            </a:r>
-          </a:p>
-          <a:p>
-            <a:pPr lvl="1"/>
-            <a:r>
-              <a:rPr lang="en-US" dirty="0"/>
-              <a:t>Continuous Integration (CI)</a:t>
-            </a:r>
-          </a:p>
-          <a:p>
-            <a:pPr lvl="1"/>
-            <a:r>
-              <a:rPr lang="en-US" dirty="0"/>
-              <a:t>Continuous Delivery (CDE)  </a:t>
-            </a:r>
-          </a:p>
-          <a:p>
-            <a:pPr lvl="1"/>
-            <a:r>
-              <a:rPr lang="en-US" dirty="0"/>
-              <a:t>Continuous Deployment (CD)</a:t>
-            </a:r>
-          </a:p>
-          <a:p>
-            <a:r>
-              <a:rPr lang="en-US" dirty="0"/>
-              <a:t>Benefits:</a:t>
-            </a:r>
-          </a:p>
-          <a:p>
-            <a:pPr lvl="1"/>
-            <a:r>
-              <a:rPr lang="en-US" dirty="0"/>
-              <a:t>Reduced time-to-market</a:t>
-            </a:r>
-          </a:p>
-          <a:p>
-            <a:pPr lvl="1"/>
-            <a:r>
-              <a:rPr lang="en-US" dirty="0"/>
-              <a:t>Quick user feedback	</a:t>
-            </a:r>
-          </a:p>
-          <a:p>
-            <a:r>
-              <a:rPr lang="en-US" dirty="0"/>
-              <a:t>Challenges:</a:t>
-            </a:r>
-          </a:p>
-          <a:p>
-            <a:pPr lvl="1"/>
-            <a:r>
-              <a:rPr lang="en-US" dirty="0"/>
-              <a:t>Organizational, Social, Technical, Architectural Challenges</a:t>
-            </a:r>
-          </a:p>
-          <a:p>
-            <a:endParaRPr lang="en-US" dirty="0"/>
-          </a:p>
-          <a:p>
-            <a:pPr lvl="1"/>
-            <a:endParaRPr lang="en-US" dirty="0"/>
-          </a:p>
-        </p:txBody>
-      </p:sp>
-      <p:grpSp>
-        <p:nvGrpSpPr>
-          <p:cNvPr id="4" name="Gruppieren 21">
-            <a:extLst>
-              <a:ext uri="{FF2B5EF4-FFF2-40B4-BE49-F238E27FC236}">
-                <a16:creationId xmlns:a16="http://schemas.microsoft.com/office/drawing/2014/main" id="{AA131601-72E5-4228-A286-1E3E6D78B764}"/>
-              </a:ext>
-            </a:extLst>
-          </p:cNvPr>
-          <p:cNvGrpSpPr/>
-          <p:nvPr/>
-        </p:nvGrpSpPr>
-        <p:grpSpPr>
-          <a:xfrm>
-            <a:off x="72000" y="4424179"/>
-            <a:ext cx="9072000" cy="322630"/>
-            <a:chOff x="25400" y="5986694"/>
-            <a:chExt cx="9072000" cy="322630"/>
-          </a:xfrm>
-        </p:grpSpPr>
-        <p:sp>
-          <p:nvSpPr>
-            <p:cNvPr id="5" name="Textfeld 13">
-              <a:extLst>
-                <a:ext uri="{FF2B5EF4-FFF2-40B4-BE49-F238E27FC236}">
-                  <a16:creationId xmlns:a16="http://schemas.microsoft.com/office/drawing/2014/main" id="{2BCE988F-F02A-4D6D-B2E3-D098FA90D670}"/>
-                </a:ext>
-              </a:extLst>
-            </p:cNvPr>
-            <p:cNvSpPr txBox="1"/>
-            <p:nvPr/>
-          </p:nvSpPr>
-          <p:spPr>
-            <a:xfrm>
-              <a:off x="1493183" y="6032322"/>
-              <a:ext cx="554389" cy="276999"/>
-            </a:xfrm>
-            <a:prstGeom prst="rect">
-              <a:avLst/>
-            </a:prstGeom>
-            <a:noFill/>
-            <a:ln>
-              <a:noFill/>
-            </a:ln>
-          </p:spPr>
-          <p:style>
-            <a:lnRef idx="2">
-              <a:schemeClr val="accent3"/>
-            </a:lnRef>
-            <a:fillRef idx="1">
-              <a:schemeClr val="lt1"/>
-            </a:fillRef>
-            <a:effectRef idx="0">
-              <a:schemeClr val="accent3"/>
-            </a:effectRef>
-            <a:fontRef idx="minor">
-              <a:schemeClr val="dk1"/>
-            </a:fontRef>
-          </p:style>
-          <p:txBody>
-            <a:bodyPr wrap="square" rtlCol="0">
-              <a:spAutoFit/>
-            </a:bodyPr>
-            <a:lstStyle/>
-            <a:p>
-              <a:pPr algn="ctr"/>
-              <a:r>
-                <a:rPr lang="en-US" sz="1200" dirty="0"/>
-                <a:t>CSE</a:t>
-              </a:r>
-            </a:p>
-          </p:txBody>
-        </p:sp>
-        <p:sp>
-          <p:nvSpPr>
-            <p:cNvPr id="6" name="Textfeld 14">
-              <a:extLst>
-                <a:ext uri="{FF2B5EF4-FFF2-40B4-BE49-F238E27FC236}">
-                  <a16:creationId xmlns:a16="http://schemas.microsoft.com/office/drawing/2014/main" id="{C8E64975-DD4E-484D-9EF4-CB11AB9E264F}"/>
-                </a:ext>
-              </a:extLst>
-            </p:cNvPr>
-            <p:cNvSpPr txBox="1"/>
-            <p:nvPr/>
-          </p:nvSpPr>
-          <p:spPr>
-            <a:xfrm>
-              <a:off x="6282440" y="6032325"/>
-              <a:ext cx="949299" cy="276999"/>
-            </a:xfrm>
-            <a:prstGeom prst="rect">
-              <a:avLst/>
-            </a:prstGeom>
-            <a:noFill/>
-            <a:ln>
-              <a:noFill/>
-            </a:ln>
-          </p:spPr>
-          <p:style>
-            <a:lnRef idx="2">
-              <a:schemeClr val="accent3"/>
-            </a:lnRef>
-            <a:fillRef idx="1">
-              <a:schemeClr val="lt1"/>
-            </a:fillRef>
-            <a:effectRef idx="0">
-              <a:schemeClr val="accent3"/>
-            </a:effectRef>
-            <a:fontRef idx="minor">
-              <a:schemeClr val="dk1"/>
-            </a:fontRef>
-          </p:style>
-          <p:txBody>
-            <a:bodyPr wrap="none" rtlCol="0">
-              <a:spAutoFit/>
-            </a:bodyPr>
-            <a:lstStyle/>
-            <a:p>
-              <a:r>
-                <a:rPr lang="en-US" sz="1200" dirty="0"/>
-                <a:t>Challenges</a:t>
-              </a:r>
-            </a:p>
-          </p:txBody>
-        </p:sp>
-        <p:sp>
-          <p:nvSpPr>
-            <p:cNvPr id="7" name="Textfeld 6">
-              <a:extLst>
-                <a:ext uri="{FF2B5EF4-FFF2-40B4-BE49-F238E27FC236}">
-                  <a16:creationId xmlns:a16="http://schemas.microsoft.com/office/drawing/2014/main" id="{5B1D65DE-7E84-4D4A-AD1F-FC54B535CB1E}"/>
-                </a:ext>
-              </a:extLst>
-            </p:cNvPr>
-            <p:cNvSpPr txBox="1"/>
-            <p:nvPr/>
-          </p:nvSpPr>
-          <p:spPr>
-            <a:xfrm>
-              <a:off x="2361122" y="6032320"/>
-              <a:ext cx="1774155" cy="276999"/>
-            </a:xfrm>
-            <a:prstGeom prst="rect">
-              <a:avLst/>
-            </a:prstGeom>
-            <a:noFill/>
-            <a:ln>
-              <a:noFill/>
-            </a:ln>
-          </p:spPr>
-          <p:style>
-            <a:lnRef idx="2">
-              <a:schemeClr val="accent3"/>
-            </a:lnRef>
-            <a:fillRef idx="1">
-              <a:schemeClr val="lt1"/>
-            </a:fillRef>
-            <a:effectRef idx="0">
-              <a:schemeClr val="accent3"/>
-            </a:effectRef>
-            <a:fontRef idx="minor">
-              <a:schemeClr val="dk1"/>
-            </a:fontRef>
-          </p:style>
-          <p:txBody>
-            <a:bodyPr wrap="square" rtlCol="0">
-              <a:spAutoFit/>
-            </a:bodyPr>
-            <a:lstStyle/>
-            <a:p>
-              <a:r>
-                <a:rPr lang="en-US" sz="1200" dirty="0"/>
-                <a:t>The Stairway to Haven</a:t>
-              </a:r>
-            </a:p>
-          </p:txBody>
-        </p:sp>
-        <p:sp>
-          <p:nvSpPr>
-            <p:cNvPr id="8" name="Textfeld 7">
-              <a:extLst>
-                <a:ext uri="{FF2B5EF4-FFF2-40B4-BE49-F238E27FC236}">
-                  <a16:creationId xmlns:a16="http://schemas.microsoft.com/office/drawing/2014/main" id="{8544E219-3395-4D35-AB47-83E797162EF8}"/>
-                </a:ext>
-              </a:extLst>
-            </p:cNvPr>
-            <p:cNvSpPr txBox="1"/>
-            <p:nvPr/>
-          </p:nvSpPr>
-          <p:spPr>
-            <a:xfrm>
-              <a:off x="7763010" y="6032321"/>
-              <a:ext cx="1278028" cy="276999"/>
-            </a:xfrm>
-            <a:prstGeom prst="rect">
-              <a:avLst/>
-            </a:prstGeom>
-            <a:noFill/>
-            <a:ln>
-              <a:noFill/>
-            </a:ln>
-          </p:spPr>
-          <p:style>
-            <a:lnRef idx="2">
-              <a:schemeClr val="accent3"/>
-            </a:lnRef>
-            <a:fillRef idx="1">
-              <a:schemeClr val="lt1"/>
-            </a:fillRef>
-            <a:effectRef idx="0">
-              <a:schemeClr val="accent3"/>
-            </a:effectRef>
-            <a:fontRef idx="minor">
-              <a:schemeClr val="dk1"/>
-            </a:fontRef>
-          </p:style>
-          <p:txBody>
-            <a:bodyPr wrap="square" rtlCol="0">
-              <a:spAutoFit/>
-            </a:bodyPr>
-            <a:lstStyle/>
-            <a:p>
-              <a:r>
-                <a:rPr lang="en-US" sz="1200" dirty="0"/>
-                <a:t>Summary</a:t>
-              </a:r>
-            </a:p>
-          </p:txBody>
-        </p:sp>
-        <p:sp>
-          <p:nvSpPr>
-            <p:cNvPr id="9" name="Textfeld 8">
-              <a:extLst>
-                <a:ext uri="{FF2B5EF4-FFF2-40B4-BE49-F238E27FC236}">
-                  <a16:creationId xmlns:a16="http://schemas.microsoft.com/office/drawing/2014/main" id="{852888F9-9852-4482-8D86-9D678EB085AD}"/>
-                </a:ext>
-              </a:extLst>
-            </p:cNvPr>
-            <p:cNvSpPr txBox="1"/>
-            <p:nvPr/>
-          </p:nvSpPr>
-          <p:spPr>
-            <a:xfrm>
-              <a:off x="179512" y="6032321"/>
-              <a:ext cx="1213939" cy="276999"/>
-            </a:xfrm>
-            <a:prstGeom prst="rect">
-              <a:avLst/>
-            </a:prstGeom>
-            <a:noFill/>
-            <a:ln>
-              <a:noFill/>
-            </a:ln>
-          </p:spPr>
-          <p:style>
-            <a:lnRef idx="2">
-              <a:schemeClr val="accent3"/>
-            </a:lnRef>
-            <a:fillRef idx="1">
-              <a:schemeClr val="lt1"/>
-            </a:fillRef>
-            <a:effectRef idx="0">
-              <a:schemeClr val="accent3"/>
-            </a:effectRef>
-            <a:fontRef idx="minor">
-              <a:schemeClr val="dk1"/>
-            </a:fontRef>
-          </p:style>
-          <p:txBody>
-            <a:bodyPr wrap="square" rtlCol="0">
-              <a:spAutoFit/>
-            </a:bodyPr>
-            <a:lstStyle/>
-            <a:p>
-              <a:r>
-                <a:rPr lang="en-US" sz="1200" b="1" dirty="0"/>
-                <a:t>Introduction</a:t>
-              </a:r>
-            </a:p>
-          </p:txBody>
-        </p:sp>
-        <p:sp>
-          <p:nvSpPr>
-            <p:cNvPr id="10" name="Eingekerbter Richtungspfeil 23">
-              <a:extLst>
-                <a:ext uri="{FF2B5EF4-FFF2-40B4-BE49-F238E27FC236}">
-                  <a16:creationId xmlns:a16="http://schemas.microsoft.com/office/drawing/2014/main" id="{C005311E-133F-493F-BFFC-C169B3CA8A86}"/>
-                </a:ext>
-              </a:extLst>
-            </p:cNvPr>
-            <p:cNvSpPr/>
-            <p:nvPr/>
-          </p:nvSpPr>
-          <p:spPr>
-            <a:xfrm>
-              <a:off x="1284399" y="6091574"/>
-              <a:ext cx="158496" cy="158496"/>
-            </a:xfrm>
-            <a:prstGeom prst="chevron">
-              <a:avLst/>
-            </a:prstGeom>
-          </p:spPr>
-          <p:style>
-            <a:lnRef idx="1">
-              <a:schemeClr val="accent4"/>
-            </a:lnRef>
-            <a:fillRef idx="2">
-              <a:schemeClr val="accent4"/>
-            </a:fillRef>
-            <a:effectRef idx="1">
-              <a:schemeClr val="accent4"/>
-            </a:effectRef>
-            <a:fontRef idx="minor">
-              <a:schemeClr val="dk1"/>
-            </a:fontRef>
-          </p:style>
-          <p:txBody>
-            <a:bodyPr rtlCol="0" anchor="ctr"/>
-            <a:lstStyle/>
-            <a:p>
-              <a:pPr algn="ctr"/>
-              <a:endParaRPr lang="de-DE" dirty="0">
-                <a:solidFill>
-                  <a:schemeClr val="tx1"/>
-                </a:solidFill>
-              </a:endParaRPr>
-            </a:p>
-          </p:txBody>
-        </p:sp>
-        <p:sp>
-          <p:nvSpPr>
-            <p:cNvPr id="11" name="Eingekerbter Richtungspfeil 24">
-              <a:extLst>
-                <a:ext uri="{FF2B5EF4-FFF2-40B4-BE49-F238E27FC236}">
-                  <a16:creationId xmlns:a16="http://schemas.microsoft.com/office/drawing/2014/main" id="{13B86617-4353-46AD-97C4-7F02A1BA1B80}"/>
-                </a:ext>
-              </a:extLst>
-            </p:cNvPr>
-            <p:cNvSpPr/>
-            <p:nvPr/>
-          </p:nvSpPr>
-          <p:spPr>
-            <a:xfrm>
-              <a:off x="2052380" y="6091574"/>
-              <a:ext cx="158496" cy="158496"/>
-            </a:xfrm>
-            <a:prstGeom prst="chevron">
-              <a:avLst/>
-            </a:prstGeom>
-          </p:spPr>
-          <p:style>
-            <a:lnRef idx="1">
-              <a:schemeClr val="accent4"/>
-            </a:lnRef>
-            <a:fillRef idx="2">
-              <a:schemeClr val="accent4"/>
-            </a:fillRef>
-            <a:effectRef idx="1">
-              <a:schemeClr val="accent4"/>
-            </a:effectRef>
-            <a:fontRef idx="minor">
-              <a:schemeClr val="dk1"/>
-            </a:fontRef>
-          </p:style>
-          <p:txBody>
-            <a:bodyPr rtlCol="0" anchor="ctr"/>
-            <a:lstStyle/>
-            <a:p>
-              <a:pPr algn="ctr"/>
-              <a:endParaRPr lang="de-DE" dirty="0">
-                <a:solidFill>
-                  <a:schemeClr val="tx1"/>
-                </a:solidFill>
-              </a:endParaRPr>
-            </a:p>
-          </p:txBody>
-        </p:sp>
-        <p:sp>
-          <p:nvSpPr>
-            <p:cNvPr id="12" name="Eingekerbter Richtungspfeil 25">
-              <a:extLst>
-                <a:ext uri="{FF2B5EF4-FFF2-40B4-BE49-F238E27FC236}">
-                  <a16:creationId xmlns:a16="http://schemas.microsoft.com/office/drawing/2014/main" id="{40D0FAF6-EB9E-4EEF-BCBE-972523E34CB7}"/>
-                </a:ext>
-              </a:extLst>
-            </p:cNvPr>
-            <p:cNvSpPr/>
-            <p:nvPr/>
-          </p:nvSpPr>
-          <p:spPr>
-            <a:xfrm>
-              <a:off x="4116879" y="6091574"/>
-              <a:ext cx="158496" cy="158496"/>
-            </a:xfrm>
-            <a:prstGeom prst="chevron">
-              <a:avLst/>
-            </a:prstGeom>
-          </p:spPr>
-          <p:style>
-            <a:lnRef idx="1">
-              <a:schemeClr val="accent4"/>
-            </a:lnRef>
-            <a:fillRef idx="2">
-              <a:schemeClr val="accent4"/>
-            </a:fillRef>
-            <a:effectRef idx="1">
-              <a:schemeClr val="accent4"/>
-            </a:effectRef>
-            <a:fontRef idx="minor">
-              <a:schemeClr val="dk1"/>
-            </a:fontRef>
-          </p:style>
-          <p:txBody>
-            <a:bodyPr rtlCol="0" anchor="ctr"/>
-            <a:lstStyle/>
-            <a:p>
-              <a:pPr algn="ctr"/>
-              <a:endParaRPr lang="de-DE" dirty="0">
-                <a:solidFill>
-                  <a:schemeClr val="tx1"/>
-                </a:solidFill>
-              </a:endParaRPr>
-            </a:p>
-          </p:txBody>
-        </p:sp>
-        <p:sp>
-          <p:nvSpPr>
-            <p:cNvPr id="13" name="Textfeld 12">
-              <a:extLst>
-                <a:ext uri="{FF2B5EF4-FFF2-40B4-BE49-F238E27FC236}">
-                  <a16:creationId xmlns:a16="http://schemas.microsoft.com/office/drawing/2014/main" id="{6910B1B0-7848-461D-A8EE-494297AF2C2C}"/>
-                </a:ext>
-              </a:extLst>
-            </p:cNvPr>
-            <p:cNvSpPr txBox="1"/>
-            <p:nvPr/>
-          </p:nvSpPr>
-          <p:spPr>
-            <a:xfrm>
-              <a:off x="4324070" y="6032320"/>
-              <a:ext cx="1588897" cy="276999"/>
-            </a:xfrm>
-            <a:prstGeom prst="rect">
-              <a:avLst/>
-            </a:prstGeom>
-            <a:noFill/>
-            <a:ln>
-              <a:noFill/>
-            </a:ln>
-          </p:spPr>
-          <p:style>
-            <a:lnRef idx="2">
-              <a:schemeClr val="accent3"/>
-            </a:lnRef>
-            <a:fillRef idx="1">
-              <a:schemeClr val="lt1"/>
-            </a:fillRef>
-            <a:effectRef idx="0">
-              <a:schemeClr val="accent3"/>
-            </a:effectRef>
-            <a:fontRef idx="minor">
-              <a:schemeClr val="dk1"/>
-            </a:fontRef>
-          </p:style>
-          <p:txBody>
-            <a:bodyPr wrap="none" rtlCol="0">
-              <a:spAutoFit/>
-            </a:bodyPr>
-            <a:lstStyle/>
-            <a:p>
-              <a:r>
-                <a:rPr lang="en-US" sz="1200" dirty="0"/>
-                <a:t>Deployment Pipeline</a:t>
-              </a:r>
-            </a:p>
-          </p:txBody>
-        </p:sp>
-        <p:sp>
-          <p:nvSpPr>
-            <p:cNvPr id="14" name="Eingekerbter Richtungspfeil 27">
-              <a:extLst>
-                <a:ext uri="{FF2B5EF4-FFF2-40B4-BE49-F238E27FC236}">
-                  <a16:creationId xmlns:a16="http://schemas.microsoft.com/office/drawing/2014/main" id="{C8C6383D-EFF4-4F8F-B7E7-55AA85D1E860}"/>
-                </a:ext>
-              </a:extLst>
-            </p:cNvPr>
-            <p:cNvSpPr/>
-            <p:nvPr/>
-          </p:nvSpPr>
-          <p:spPr>
-            <a:xfrm>
-              <a:off x="7320057" y="6091577"/>
-              <a:ext cx="158496" cy="158496"/>
-            </a:xfrm>
-            <a:prstGeom prst="chevron">
-              <a:avLst/>
-            </a:prstGeom>
-          </p:spPr>
-          <p:style>
-            <a:lnRef idx="1">
-              <a:schemeClr val="accent4"/>
-            </a:lnRef>
-            <a:fillRef idx="2">
-              <a:schemeClr val="accent4"/>
-            </a:fillRef>
-            <a:effectRef idx="1">
-              <a:schemeClr val="accent4"/>
-            </a:effectRef>
-            <a:fontRef idx="minor">
-              <a:schemeClr val="dk1"/>
-            </a:fontRef>
-          </p:style>
-          <p:txBody>
-            <a:bodyPr rtlCol="0" anchor="ctr"/>
-            <a:lstStyle/>
-            <a:p>
-              <a:pPr algn="ctr"/>
-              <a:endParaRPr lang="de-DE" dirty="0">
-                <a:solidFill>
-                  <a:schemeClr val="tx1"/>
-                </a:solidFill>
-              </a:endParaRPr>
-            </a:p>
-          </p:txBody>
-        </p:sp>
-        <p:cxnSp>
-          <p:nvCxnSpPr>
-            <p:cNvPr id="15" name="Gerade Verbindung 28">
-              <a:extLst>
-                <a:ext uri="{FF2B5EF4-FFF2-40B4-BE49-F238E27FC236}">
-                  <a16:creationId xmlns:a16="http://schemas.microsoft.com/office/drawing/2014/main" id="{BE0E1948-1999-44A0-B261-866A1DF5995B}"/>
-                </a:ext>
-              </a:extLst>
-            </p:cNvPr>
-            <p:cNvCxnSpPr/>
-            <p:nvPr/>
-          </p:nvCxnSpPr>
-          <p:spPr>
-            <a:xfrm>
-              <a:off x="25400" y="5986694"/>
-              <a:ext cx="9072000" cy="1588"/>
-            </a:xfrm>
-            <a:prstGeom prst="line">
-              <a:avLst/>
-            </a:prstGeom>
-            <a:ln w="41275">
-              <a:solidFill>
-                <a:schemeClr val="accent3">
-                  <a:lumMod val="85000"/>
-                </a:schemeClr>
-              </a:solidFill>
-            </a:ln>
-          </p:spPr>
-          <p:style>
-            <a:lnRef idx="1">
-              <a:schemeClr val="accent1"/>
-            </a:lnRef>
-            <a:fillRef idx="0">
-              <a:schemeClr val="accent1"/>
-            </a:fillRef>
-            <a:effectRef idx="0">
-              <a:schemeClr val="accent1"/>
-            </a:effectRef>
-            <a:fontRef idx="minor">
-              <a:schemeClr val="tx1"/>
-            </a:fontRef>
-          </p:style>
-        </p:cxnSp>
-        <p:sp>
-          <p:nvSpPr>
-            <p:cNvPr id="16" name="Eingekerbter Richtungspfeil 29">
-              <a:extLst>
-                <a:ext uri="{FF2B5EF4-FFF2-40B4-BE49-F238E27FC236}">
-                  <a16:creationId xmlns:a16="http://schemas.microsoft.com/office/drawing/2014/main" id="{A4600029-E40B-4FAC-BDEA-4C82CFF469F9}"/>
-                </a:ext>
-              </a:extLst>
-            </p:cNvPr>
-            <p:cNvSpPr/>
-            <p:nvPr/>
-          </p:nvSpPr>
-          <p:spPr>
-            <a:xfrm>
-              <a:off x="5925672" y="6091576"/>
-              <a:ext cx="158496" cy="158496"/>
-            </a:xfrm>
-            <a:prstGeom prst="chevron">
-              <a:avLst/>
-            </a:prstGeom>
-          </p:spPr>
-          <p:style>
-            <a:lnRef idx="1">
-              <a:schemeClr val="accent4"/>
-            </a:lnRef>
-            <a:fillRef idx="2">
-              <a:schemeClr val="accent4"/>
-            </a:fillRef>
-            <a:effectRef idx="1">
-              <a:schemeClr val="accent4"/>
-            </a:effectRef>
-            <a:fontRef idx="minor">
-              <a:schemeClr val="dk1"/>
-            </a:fontRef>
-          </p:style>
-          <p:txBody>
-            <a:bodyPr rtlCol="0" anchor="ctr"/>
-            <a:lstStyle/>
-            <a:p>
-              <a:pPr algn="ctr"/>
-              <a:endParaRPr lang="de-DE" dirty="0">
-                <a:solidFill>
-                  <a:schemeClr val="tx1"/>
-                </a:solidFill>
-              </a:endParaRPr>
-            </a:p>
-          </p:txBody>
-        </p:sp>
-      </p:grpSp>
-    </p:spTree>
-    <p:extLst>
-      <p:ext uri="{BB962C8B-B14F-4D97-AF65-F5344CB8AC3E}">
         <p14:creationId xmlns:p14="http://schemas.microsoft.com/office/powerpoint/2010/main" val="1363703684"/>
       </p:ext>
     </p:extLst>
@@ -13068,25 +9012,19 @@
           <a:p>
             <a:r>
               <a:rPr lang="en-US" dirty="0"/>
-              <a:t>Development practice to automatically deploy and deliver software </a:t>
+              <a:t>Automatic software deployment and delivery  </a:t>
             </a:r>
           </a:p>
           <a:p>
             <a:r>
               <a:rPr lang="en-US" dirty="0"/>
-              <a:t>Pull-based approach: Software can be released to production at any time</a:t>
+              <a:t>Pull-based approach</a:t>
             </a:r>
           </a:p>
           <a:p>
             <a:r>
               <a:rPr lang="en-US" dirty="0"/>
               <a:t>Integration, acceptance and performance tests possible</a:t>
-            </a:r>
-          </a:p>
-          <a:p>
-            <a:r>
-              <a:rPr lang="en-US" dirty="0"/>
-              <a:t>CI is a precondition</a:t>
             </a:r>
           </a:p>
           <a:p>
@@ -13825,6 +9763,12 @@
           <a:p>
             <a:r>
               <a:rPr lang="en-US" dirty="0"/>
+              <a:t>Core of CDE and CD is a (fully) automated deployment pipeline</a:t>
+            </a:r>
+          </a:p>
+          <a:p>
+            <a:r>
+              <a:rPr lang="en-US" dirty="0"/>
               <a:t>Benefits:</a:t>
             </a:r>
           </a:p>
@@ -15221,31 +11165,715 @@
           <a:bodyPr/>
           <a:lstStyle/>
           <a:p>
-            <a:endParaRPr lang="en-US" dirty="0"/>
+            <a:r>
+              <a:rPr lang="en-US" dirty="0"/>
+              <a:t>The Stairway To Heaven</a:t>
+            </a:r>
           </a:p>
         </p:txBody>
       </p:sp>
+      <p:grpSp>
+        <p:nvGrpSpPr>
+          <p:cNvPr id="4" name="Gruppieren 21">
+            <a:extLst>
+              <a:ext uri="{FF2B5EF4-FFF2-40B4-BE49-F238E27FC236}">
+                <a16:creationId xmlns:a16="http://schemas.microsoft.com/office/drawing/2014/main" id="{AA131601-72E5-4228-A286-1E3E6D78B764}"/>
+              </a:ext>
+            </a:extLst>
+          </p:cNvPr>
+          <p:cNvGrpSpPr/>
+          <p:nvPr/>
+        </p:nvGrpSpPr>
+        <p:grpSpPr>
+          <a:xfrm>
+            <a:off x="72000" y="4424179"/>
+            <a:ext cx="9072000" cy="322630"/>
+            <a:chOff x="25400" y="5986694"/>
+            <a:chExt cx="9072000" cy="322630"/>
+          </a:xfrm>
+        </p:grpSpPr>
+        <p:sp>
+          <p:nvSpPr>
+            <p:cNvPr id="5" name="Textfeld 13">
+              <a:extLst>
+                <a:ext uri="{FF2B5EF4-FFF2-40B4-BE49-F238E27FC236}">
+                  <a16:creationId xmlns:a16="http://schemas.microsoft.com/office/drawing/2014/main" id="{2BCE988F-F02A-4D6D-B2E3-D098FA90D670}"/>
+                </a:ext>
+              </a:extLst>
+            </p:cNvPr>
+            <p:cNvSpPr txBox="1"/>
+            <p:nvPr/>
+          </p:nvSpPr>
+          <p:spPr>
+            <a:xfrm>
+              <a:off x="1493183" y="6032322"/>
+              <a:ext cx="554389" cy="276999"/>
+            </a:xfrm>
+            <a:prstGeom prst="rect">
+              <a:avLst/>
+            </a:prstGeom>
+            <a:noFill/>
+            <a:ln>
+              <a:noFill/>
+            </a:ln>
+          </p:spPr>
+          <p:style>
+            <a:lnRef idx="2">
+              <a:schemeClr val="accent3"/>
+            </a:lnRef>
+            <a:fillRef idx="1">
+              <a:schemeClr val="lt1"/>
+            </a:fillRef>
+            <a:effectRef idx="0">
+              <a:schemeClr val="accent3"/>
+            </a:effectRef>
+            <a:fontRef idx="minor">
+              <a:schemeClr val="dk1"/>
+            </a:fontRef>
+          </p:style>
+          <p:txBody>
+            <a:bodyPr wrap="square" rtlCol="0">
+              <a:spAutoFit/>
+            </a:bodyPr>
+            <a:lstStyle/>
+            <a:p>
+              <a:pPr algn="ctr"/>
+              <a:r>
+                <a:rPr lang="en-US" sz="1200" dirty="0"/>
+                <a:t>CSE</a:t>
+              </a:r>
+            </a:p>
+          </p:txBody>
+        </p:sp>
+        <p:sp>
+          <p:nvSpPr>
+            <p:cNvPr id="6" name="Textfeld 14">
+              <a:extLst>
+                <a:ext uri="{FF2B5EF4-FFF2-40B4-BE49-F238E27FC236}">
+                  <a16:creationId xmlns:a16="http://schemas.microsoft.com/office/drawing/2014/main" id="{C8E64975-DD4E-484D-9EF4-CB11AB9E264F}"/>
+                </a:ext>
+              </a:extLst>
+            </p:cNvPr>
+            <p:cNvSpPr txBox="1"/>
+            <p:nvPr/>
+          </p:nvSpPr>
+          <p:spPr>
+            <a:xfrm>
+              <a:off x="6282440" y="6032325"/>
+              <a:ext cx="949299" cy="276999"/>
+            </a:xfrm>
+            <a:prstGeom prst="rect">
+              <a:avLst/>
+            </a:prstGeom>
+            <a:noFill/>
+            <a:ln>
+              <a:noFill/>
+            </a:ln>
+          </p:spPr>
+          <p:style>
+            <a:lnRef idx="2">
+              <a:schemeClr val="accent3"/>
+            </a:lnRef>
+            <a:fillRef idx="1">
+              <a:schemeClr val="lt1"/>
+            </a:fillRef>
+            <a:effectRef idx="0">
+              <a:schemeClr val="accent3"/>
+            </a:effectRef>
+            <a:fontRef idx="minor">
+              <a:schemeClr val="dk1"/>
+            </a:fontRef>
+          </p:style>
+          <p:txBody>
+            <a:bodyPr wrap="none" rtlCol="0">
+              <a:spAutoFit/>
+            </a:bodyPr>
+            <a:lstStyle/>
+            <a:p>
+              <a:r>
+                <a:rPr lang="en-US" sz="1200" dirty="0"/>
+                <a:t>Challenges</a:t>
+              </a:r>
+            </a:p>
+          </p:txBody>
+        </p:sp>
+        <p:sp>
+          <p:nvSpPr>
+            <p:cNvPr id="7" name="Textfeld 6">
+              <a:extLst>
+                <a:ext uri="{FF2B5EF4-FFF2-40B4-BE49-F238E27FC236}">
+                  <a16:creationId xmlns:a16="http://schemas.microsoft.com/office/drawing/2014/main" id="{5B1D65DE-7E84-4D4A-AD1F-FC54B535CB1E}"/>
+                </a:ext>
+              </a:extLst>
+            </p:cNvPr>
+            <p:cNvSpPr txBox="1"/>
+            <p:nvPr/>
+          </p:nvSpPr>
+          <p:spPr>
+            <a:xfrm>
+              <a:off x="2361122" y="6032320"/>
+              <a:ext cx="1874630" cy="276999"/>
+            </a:xfrm>
+            <a:prstGeom prst="rect">
+              <a:avLst/>
+            </a:prstGeom>
+            <a:noFill/>
+            <a:ln>
+              <a:noFill/>
+            </a:ln>
+          </p:spPr>
+          <p:style>
+            <a:lnRef idx="2">
+              <a:schemeClr val="accent3"/>
+            </a:lnRef>
+            <a:fillRef idx="1">
+              <a:schemeClr val="lt1"/>
+            </a:fillRef>
+            <a:effectRef idx="0">
+              <a:schemeClr val="accent3"/>
+            </a:effectRef>
+            <a:fontRef idx="minor">
+              <a:schemeClr val="dk1"/>
+            </a:fontRef>
+          </p:style>
+          <p:txBody>
+            <a:bodyPr wrap="square" rtlCol="0">
+              <a:spAutoFit/>
+            </a:bodyPr>
+            <a:lstStyle/>
+            <a:p>
+              <a:r>
+                <a:rPr lang="en-US" sz="1200" b="1" dirty="0"/>
+                <a:t>The Stairway to Haven</a:t>
+              </a:r>
+            </a:p>
+          </p:txBody>
+        </p:sp>
+        <p:sp>
+          <p:nvSpPr>
+            <p:cNvPr id="8" name="Textfeld 7">
+              <a:extLst>
+                <a:ext uri="{FF2B5EF4-FFF2-40B4-BE49-F238E27FC236}">
+                  <a16:creationId xmlns:a16="http://schemas.microsoft.com/office/drawing/2014/main" id="{8544E219-3395-4D35-AB47-83E797162EF8}"/>
+                </a:ext>
+              </a:extLst>
+            </p:cNvPr>
+            <p:cNvSpPr txBox="1"/>
+            <p:nvPr/>
+          </p:nvSpPr>
+          <p:spPr>
+            <a:xfrm>
+              <a:off x="7763010" y="6032321"/>
+              <a:ext cx="1278028" cy="276999"/>
+            </a:xfrm>
+            <a:prstGeom prst="rect">
+              <a:avLst/>
+            </a:prstGeom>
+            <a:noFill/>
+            <a:ln>
+              <a:noFill/>
+            </a:ln>
+          </p:spPr>
+          <p:style>
+            <a:lnRef idx="2">
+              <a:schemeClr val="accent3"/>
+            </a:lnRef>
+            <a:fillRef idx="1">
+              <a:schemeClr val="lt1"/>
+            </a:fillRef>
+            <a:effectRef idx="0">
+              <a:schemeClr val="accent3"/>
+            </a:effectRef>
+            <a:fontRef idx="minor">
+              <a:schemeClr val="dk1"/>
+            </a:fontRef>
+          </p:style>
+          <p:txBody>
+            <a:bodyPr wrap="square" rtlCol="0">
+              <a:spAutoFit/>
+            </a:bodyPr>
+            <a:lstStyle/>
+            <a:p>
+              <a:r>
+                <a:rPr lang="en-US" sz="1200" dirty="0"/>
+                <a:t>Summary</a:t>
+              </a:r>
+            </a:p>
+          </p:txBody>
+        </p:sp>
+        <p:sp>
+          <p:nvSpPr>
+            <p:cNvPr id="9" name="Textfeld 8">
+              <a:extLst>
+                <a:ext uri="{FF2B5EF4-FFF2-40B4-BE49-F238E27FC236}">
+                  <a16:creationId xmlns:a16="http://schemas.microsoft.com/office/drawing/2014/main" id="{852888F9-9852-4482-8D86-9D678EB085AD}"/>
+                </a:ext>
+              </a:extLst>
+            </p:cNvPr>
+            <p:cNvSpPr txBox="1"/>
+            <p:nvPr/>
+          </p:nvSpPr>
+          <p:spPr>
+            <a:xfrm>
+              <a:off x="179512" y="6032321"/>
+              <a:ext cx="1213939" cy="276999"/>
+            </a:xfrm>
+            <a:prstGeom prst="rect">
+              <a:avLst/>
+            </a:prstGeom>
+            <a:noFill/>
+            <a:ln>
+              <a:noFill/>
+            </a:ln>
+          </p:spPr>
+          <p:style>
+            <a:lnRef idx="2">
+              <a:schemeClr val="accent3"/>
+            </a:lnRef>
+            <a:fillRef idx="1">
+              <a:schemeClr val="lt1"/>
+            </a:fillRef>
+            <a:effectRef idx="0">
+              <a:schemeClr val="accent3"/>
+            </a:effectRef>
+            <a:fontRef idx="minor">
+              <a:schemeClr val="dk1"/>
+            </a:fontRef>
+          </p:style>
+          <p:txBody>
+            <a:bodyPr wrap="square" rtlCol="0">
+              <a:spAutoFit/>
+            </a:bodyPr>
+            <a:lstStyle/>
+            <a:p>
+              <a:r>
+                <a:rPr lang="en-US" sz="1200" dirty="0"/>
+                <a:t>Introduction</a:t>
+              </a:r>
+            </a:p>
+          </p:txBody>
+        </p:sp>
+        <p:sp>
+          <p:nvSpPr>
+            <p:cNvPr id="10" name="Eingekerbter Richtungspfeil 23">
+              <a:extLst>
+                <a:ext uri="{FF2B5EF4-FFF2-40B4-BE49-F238E27FC236}">
+                  <a16:creationId xmlns:a16="http://schemas.microsoft.com/office/drawing/2014/main" id="{C005311E-133F-493F-BFFC-C169B3CA8A86}"/>
+                </a:ext>
+              </a:extLst>
+            </p:cNvPr>
+            <p:cNvSpPr/>
+            <p:nvPr/>
+          </p:nvSpPr>
+          <p:spPr>
+            <a:xfrm>
+              <a:off x="1284399" y="6091574"/>
+              <a:ext cx="158496" cy="158496"/>
+            </a:xfrm>
+            <a:prstGeom prst="chevron">
+              <a:avLst/>
+            </a:prstGeom>
+          </p:spPr>
+          <p:style>
+            <a:lnRef idx="1">
+              <a:schemeClr val="accent4"/>
+            </a:lnRef>
+            <a:fillRef idx="2">
+              <a:schemeClr val="accent4"/>
+            </a:fillRef>
+            <a:effectRef idx="1">
+              <a:schemeClr val="accent4"/>
+            </a:effectRef>
+            <a:fontRef idx="minor">
+              <a:schemeClr val="dk1"/>
+            </a:fontRef>
+          </p:style>
+          <p:txBody>
+            <a:bodyPr rtlCol="0" anchor="ctr"/>
+            <a:lstStyle/>
+            <a:p>
+              <a:pPr algn="ctr"/>
+              <a:endParaRPr lang="de-DE" dirty="0">
+                <a:solidFill>
+                  <a:schemeClr val="tx1"/>
+                </a:solidFill>
+              </a:endParaRPr>
+            </a:p>
+          </p:txBody>
+        </p:sp>
+        <p:sp>
+          <p:nvSpPr>
+            <p:cNvPr id="11" name="Eingekerbter Richtungspfeil 24">
+              <a:extLst>
+                <a:ext uri="{FF2B5EF4-FFF2-40B4-BE49-F238E27FC236}">
+                  <a16:creationId xmlns:a16="http://schemas.microsoft.com/office/drawing/2014/main" id="{13B86617-4353-46AD-97C4-7F02A1BA1B80}"/>
+                </a:ext>
+              </a:extLst>
+            </p:cNvPr>
+            <p:cNvSpPr/>
+            <p:nvPr/>
+          </p:nvSpPr>
+          <p:spPr>
+            <a:xfrm>
+              <a:off x="2052380" y="6091574"/>
+              <a:ext cx="158496" cy="158496"/>
+            </a:xfrm>
+            <a:prstGeom prst="chevron">
+              <a:avLst/>
+            </a:prstGeom>
+          </p:spPr>
+          <p:style>
+            <a:lnRef idx="1">
+              <a:schemeClr val="accent4"/>
+            </a:lnRef>
+            <a:fillRef idx="2">
+              <a:schemeClr val="accent4"/>
+            </a:fillRef>
+            <a:effectRef idx="1">
+              <a:schemeClr val="accent4"/>
+            </a:effectRef>
+            <a:fontRef idx="minor">
+              <a:schemeClr val="dk1"/>
+            </a:fontRef>
+          </p:style>
+          <p:txBody>
+            <a:bodyPr rtlCol="0" anchor="ctr"/>
+            <a:lstStyle/>
+            <a:p>
+              <a:pPr algn="ctr"/>
+              <a:endParaRPr lang="de-DE" dirty="0">
+                <a:solidFill>
+                  <a:schemeClr val="tx1"/>
+                </a:solidFill>
+              </a:endParaRPr>
+            </a:p>
+          </p:txBody>
+        </p:sp>
+        <p:sp>
+          <p:nvSpPr>
+            <p:cNvPr id="12" name="Eingekerbter Richtungspfeil 25">
+              <a:extLst>
+                <a:ext uri="{FF2B5EF4-FFF2-40B4-BE49-F238E27FC236}">
+                  <a16:creationId xmlns:a16="http://schemas.microsoft.com/office/drawing/2014/main" id="{40D0FAF6-EB9E-4EEF-BCBE-972523E34CB7}"/>
+                </a:ext>
+              </a:extLst>
+            </p:cNvPr>
+            <p:cNvSpPr/>
+            <p:nvPr/>
+          </p:nvSpPr>
+          <p:spPr>
+            <a:xfrm>
+              <a:off x="4116879" y="6091574"/>
+              <a:ext cx="158496" cy="158496"/>
+            </a:xfrm>
+            <a:prstGeom prst="chevron">
+              <a:avLst/>
+            </a:prstGeom>
+          </p:spPr>
+          <p:style>
+            <a:lnRef idx="1">
+              <a:schemeClr val="accent4"/>
+            </a:lnRef>
+            <a:fillRef idx="2">
+              <a:schemeClr val="accent4"/>
+            </a:fillRef>
+            <a:effectRef idx="1">
+              <a:schemeClr val="accent4"/>
+            </a:effectRef>
+            <a:fontRef idx="minor">
+              <a:schemeClr val="dk1"/>
+            </a:fontRef>
+          </p:style>
+          <p:txBody>
+            <a:bodyPr rtlCol="0" anchor="ctr"/>
+            <a:lstStyle/>
+            <a:p>
+              <a:pPr algn="ctr"/>
+              <a:endParaRPr lang="de-DE" dirty="0">
+                <a:solidFill>
+                  <a:schemeClr val="tx1"/>
+                </a:solidFill>
+              </a:endParaRPr>
+            </a:p>
+          </p:txBody>
+        </p:sp>
+        <p:sp>
+          <p:nvSpPr>
+            <p:cNvPr id="13" name="Textfeld 12">
+              <a:extLst>
+                <a:ext uri="{FF2B5EF4-FFF2-40B4-BE49-F238E27FC236}">
+                  <a16:creationId xmlns:a16="http://schemas.microsoft.com/office/drawing/2014/main" id="{6910B1B0-7848-461D-A8EE-494297AF2C2C}"/>
+                </a:ext>
+              </a:extLst>
+            </p:cNvPr>
+            <p:cNvSpPr txBox="1"/>
+            <p:nvPr/>
+          </p:nvSpPr>
+          <p:spPr>
+            <a:xfrm>
+              <a:off x="4324070" y="6032320"/>
+              <a:ext cx="1588897" cy="276999"/>
+            </a:xfrm>
+            <a:prstGeom prst="rect">
+              <a:avLst/>
+            </a:prstGeom>
+            <a:noFill/>
+            <a:ln>
+              <a:noFill/>
+            </a:ln>
+          </p:spPr>
+          <p:style>
+            <a:lnRef idx="2">
+              <a:schemeClr val="accent3"/>
+            </a:lnRef>
+            <a:fillRef idx="1">
+              <a:schemeClr val="lt1"/>
+            </a:fillRef>
+            <a:effectRef idx="0">
+              <a:schemeClr val="accent3"/>
+            </a:effectRef>
+            <a:fontRef idx="minor">
+              <a:schemeClr val="dk1"/>
+            </a:fontRef>
+          </p:style>
+          <p:txBody>
+            <a:bodyPr wrap="none" rtlCol="0">
+              <a:spAutoFit/>
+            </a:bodyPr>
+            <a:lstStyle/>
+            <a:p>
+              <a:r>
+                <a:rPr lang="en-US" sz="1200" dirty="0"/>
+                <a:t>Deployment Pipeline</a:t>
+              </a:r>
+            </a:p>
+          </p:txBody>
+        </p:sp>
+        <p:sp>
+          <p:nvSpPr>
+            <p:cNvPr id="14" name="Eingekerbter Richtungspfeil 27">
+              <a:extLst>
+                <a:ext uri="{FF2B5EF4-FFF2-40B4-BE49-F238E27FC236}">
+                  <a16:creationId xmlns:a16="http://schemas.microsoft.com/office/drawing/2014/main" id="{C8C6383D-EFF4-4F8F-B7E7-55AA85D1E860}"/>
+                </a:ext>
+              </a:extLst>
+            </p:cNvPr>
+            <p:cNvSpPr/>
+            <p:nvPr/>
+          </p:nvSpPr>
+          <p:spPr>
+            <a:xfrm>
+              <a:off x="7320057" y="6091577"/>
+              <a:ext cx="158496" cy="158496"/>
+            </a:xfrm>
+            <a:prstGeom prst="chevron">
+              <a:avLst/>
+            </a:prstGeom>
+          </p:spPr>
+          <p:style>
+            <a:lnRef idx="1">
+              <a:schemeClr val="accent4"/>
+            </a:lnRef>
+            <a:fillRef idx="2">
+              <a:schemeClr val="accent4"/>
+            </a:fillRef>
+            <a:effectRef idx="1">
+              <a:schemeClr val="accent4"/>
+            </a:effectRef>
+            <a:fontRef idx="minor">
+              <a:schemeClr val="dk1"/>
+            </a:fontRef>
+          </p:style>
+          <p:txBody>
+            <a:bodyPr rtlCol="0" anchor="ctr"/>
+            <a:lstStyle/>
+            <a:p>
+              <a:pPr algn="ctr"/>
+              <a:endParaRPr lang="de-DE" dirty="0">
+                <a:solidFill>
+                  <a:schemeClr val="tx1"/>
+                </a:solidFill>
+              </a:endParaRPr>
+            </a:p>
+          </p:txBody>
+        </p:sp>
+        <p:cxnSp>
+          <p:nvCxnSpPr>
+            <p:cNvPr id="15" name="Gerade Verbindung 28">
+              <a:extLst>
+                <a:ext uri="{FF2B5EF4-FFF2-40B4-BE49-F238E27FC236}">
+                  <a16:creationId xmlns:a16="http://schemas.microsoft.com/office/drawing/2014/main" id="{BE0E1948-1999-44A0-B261-866A1DF5995B}"/>
+                </a:ext>
+              </a:extLst>
+            </p:cNvPr>
+            <p:cNvCxnSpPr/>
+            <p:nvPr/>
+          </p:nvCxnSpPr>
+          <p:spPr>
+            <a:xfrm>
+              <a:off x="25400" y="5986694"/>
+              <a:ext cx="9072000" cy="1588"/>
+            </a:xfrm>
+            <a:prstGeom prst="line">
+              <a:avLst/>
+            </a:prstGeom>
+            <a:ln w="41275">
+              <a:solidFill>
+                <a:schemeClr val="accent3">
+                  <a:lumMod val="85000"/>
+                </a:schemeClr>
+              </a:solidFill>
+            </a:ln>
+          </p:spPr>
+          <p:style>
+            <a:lnRef idx="1">
+              <a:schemeClr val="accent1"/>
+            </a:lnRef>
+            <a:fillRef idx="0">
+              <a:schemeClr val="accent1"/>
+            </a:fillRef>
+            <a:effectRef idx="0">
+              <a:schemeClr val="accent1"/>
+            </a:effectRef>
+            <a:fontRef idx="minor">
+              <a:schemeClr val="tx1"/>
+            </a:fontRef>
+          </p:style>
+        </p:cxnSp>
+        <p:sp>
+          <p:nvSpPr>
+            <p:cNvPr id="16" name="Eingekerbter Richtungspfeil 29">
+              <a:extLst>
+                <a:ext uri="{FF2B5EF4-FFF2-40B4-BE49-F238E27FC236}">
+                  <a16:creationId xmlns:a16="http://schemas.microsoft.com/office/drawing/2014/main" id="{A4600029-E40B-4FAC-BDEA-4C82CFF469F9}"/>
+                </a:ext>
+              </a:extLst>
+            </p:cNvPr>
+            <p:cNvSpPr/>
+            <p:nvPr/>
+          </p:nvSpPr>
+          <p:spPr>
+            <a:xfrm>
+              <a:off x="5925672" y="6091576"/>
+              <a:ext cx="158496" cy="158496"/>
+            </a:xfrm>
+            <a:prstGeom prst="chevron">
+              <a:avLst/>
+            </a:prstGeom>
+          </p:spPr>
+          <p:style>
+            <a:lnRef idx="1">
+              <a:schemeClr val="accent4"/>
+            </a:lnRef>
+            <a:fillRef idx="2">
+              <a:schemeClr val="accent4"/>
+            </a:fillRef>
+            <a:effectRef idx="1">
+              <a:schemeClr val="accent4"/>
+            </a:effectRef>
+            <a:fontRef idx="minor">
+              <a:schemeClr val="dk1"/>
+            </a:fontRef>
+          </p:style>
+          <p:txBody>
+            <a:bodyPr rtlCol="0" anchor="ctr"/>
+            <a:lstStyle/>
+            <a:p>
+              <a:pPr algn="ctr"/>
+              <a:endParaRPr lang="de-DE" dirty="0">
+                <a:solidFill>
+                  <a:schemeClr val="tx1"/>
+                </a:solidFill>
+              </a:endParaRPr>
+            </a:p>
+          </p:txBody>
+        </p:sp>
+      </p:grpSp>
+      <p:pic>
+        <p:nvPicPr>
+          <p:cNvPr id="3" name="Grafik 2">
+            <a:extLst>
+              <a:ext uri="{FF2B5EF4-FFF2-40B4-BE49-F238E27FC236}">
+                <a16:creationId xmlns:a16="http://schemas.microsoft.com/office/drawing/2014/main" id="{21A12264-FAC8-47D0-B4EF-2ED6EF5F105A}"/>
+              </a:ext>
+            </a:extLst>
+          </p:cNvPr>
+          <p:cNvPicPr>
+            <a:picLocks noChangeAspect="1"/>
+          </p:cNvPicPr>
+          <p:nvPr/>
+        </p:nvPicPr>
+        <p:blipFill>
+          <a:blip r:embed="rId3">
+            <a:extLst>
+              <a:ext uri="{28A0092B-C50C-407E-A947-70E740481C1C}">
+                <a14:useLocalDpi xmlns:a14="http://schemas.microsoft.com/office/drawing/2010/main" val="0"/>
+              </a:ext>
+            </a:extLst>
+          </a:blip>
+          <a:stretch>
+            <a:fillRect/>
+          </a:stretch>
+        </p:blipFill>
+        <p:spPr>
+          <a:xfrm>
+            <a:off x="182419" y="1523914"/>
+            <a:ext cx="8779162" cy="2095671"/>
+          </a:xfrm>
+          <a:prstGeom prst="rect">
+            <a:avLst/>
+          </a:prstGeom>
+        </p:spPr>
+      </p:pic>
+    </p:spTree>
+    <p:extLst>
+      <p:ext uri="{BB962C8B-B14F-4D97-AF65-F5344CB8AC3E}">
+        <p14:creationId xmlns:p14="http://schemas.microsoft.com/office/powerpoint/2010/main" val="106812998"/>
+      </p:ext>
+    </p:extLst>
+  </p:cSld>
+  <p:clrMapOvr>
+    <a:masterClrMapping/>
+  </p:clrMapOvr>
+</p:sld>
+</file>
+
+<file path=ppt/slides/slide8.xml><?xml version="1.0" encoding="utf-8"?>
+<p:sld xmlns:a="http://schemas.openxmlformats.org/drawingml/2006/main" xmlns:r="http://schemas.openxmlformats.org/officeDocument/2006/relationships" xmlns:p="http://schemas.openxmlformats.org/presentationml/2006/main">
+  <p:cSld>
+    <p:spTree>
+      <p:nvGrpSpPr>
+        <p:cNvPr id="1" name=""/>
+        <p:cNvGrpSpPr/>
+        <p:nvPr/>
+      </p:nvGrpSpPr>
+      <p:grpSpPr>
+        <a:xfrm>
+          <a:off x="0" y="0"/>
+          <a:ext cx="0" cy="0"/>
+          <a:chOff x="0" y="0"/>
+          <a:chExt cx="0" cy="0"/>
+        </a:xfrm>
+      </p:grpSpPr>
       <p:sp>
         <p:nvSpPr>
-          <p:cNvPr id="29699" name="Rectangle 3"/>
+          <p:cNvPr id="29698" name="Rectangle 2"/>
           <p:cNvSpPr>
             <a:spLocks noGrp="1" noChangeArrowheads="1"/>
           </p:cNvSpPr>
           <p:nvPr>
-            <p:ph type="body" idx="1"/>
+            <p:ph type="title"/>
           </p:nvPr>
         </p:nvSpPr>
-        <p:spPr>
-          <a:xfrm>
-            <a:off x="392113" y="898923"/>
-            <a:ext cx="8356600" cy="3397698"/>
-          </a:xfrm>
-        </p:spPr>
+        <p:spPr/>
         <p:txBody>
           <a:bodyPr/>
           <a:lstStyle/>
           <a:p>
-            <a:endParaRPr lang="de-DE" dirty="0"/>
+            <a:r>
+              <a:rPr lang="en-US" dirty="0"/>
+              <a:t>An exemplary deployment pipeline</a:t>
+            </a:r>
           </a:p>
         </p:txBody>
       </p:sp>
@@ -15524,7 +12152,7 @@
             <a:lstStyle/>
             <a:p>
               <a:r>
-                <a:rPr lang="en-US" sz="1200" b="1" dirty="0"/>
+                <a:rPr lang="en-US" sz="1200" dirty="0"/>
                 <a:t>Introduction</a:t>
               </a:r>
             </a:p>
@@ -15689,7 +12317,7 @@
           <p:spPr>
             <a:xfrm>
               <a:off x="4324070" y="6032320"/>
-              <a:ext cx="1588897" cy="276999"/>
+              <a:ext cx="1699504" cy="276999"/>
             </a:xfrm>
             <a:prstGeom prst="rect">
               <a:avLst/>
@@ -15720,7 +12348,7 @@
             <a:lstStyle/>
             <a:p>
               <a:r>
-                <a:rPr lang="en-US" sz="1200" dirty="0"/>
+                <a:rPr lang="en-US" sz="1200" b="1" dirty="0"/>
                 <a:t>Deployment Pipeline</a:t>
               </a:r>
             </a:p>
@@ -15866,10 +12494,40 @@
           </p:txBody>
         </p:sp>
       </p:grpSp>
+      <p:pic>
+        <p:nvPicPr>
+          <p:cNvPr id="2" name="Grafik 1">
+            <a:extLst>
+              <a:ext uri="{FF2B5EF4-FFF2-40B4-BE49-F238E27FC236}">
+                <a16:creationId xmlns:a16="http://schemas.microsoft.com/office/drawing/2014/main" id="{9D262166-E185-44BA-9EC7-AE72CB4930D8}"/>
+              </a:ext>
+            </a:extLst>
+          </p:cNvPr>
+          <p:cNvPicPr>
+            <a:picLocks noChangeAspect="1"/>
+          </p:cNvPicPr>
+          <p:nvPr/>
+        </p:nvPicPr>
+        <p:blipFill>
+          <a:blip r:embed="rId3"/>
+          <a:stretch>
+            <a:fillRect/>
+          </a:stretch>
+        </p:blipFill>
+        <p:spPr>
+          <a:xfrm>
+            <a:off x="390526" y="1961475"/>
+            <a:ext cx="8358079" cy="1220549"/>
+          </a:xfrm>
+          <a:prstGeom prst="rect">
+            <a:avLst/>
+          </a:prstGeom>
+        </p:spPr>
+      </p:pic>
     </p:spTree>
     <p:extLst>
       <p:ext uri="{BB962C8B-B14F-4D97-AF65-F5344CB8AC3E}">
-        <p14:creationId xmlns:p14="http://schemas.microsoft.com/office/powerpoint/2010/main" val="106812998"/>
+        <p14:creationId xmlns:p14="http://schemas.microsoft.com/office/powerpoint/2010/main" val="4018240345"/>
       </p:ext>
     </p:extLst>
   </p:cSld>
@@ -15879,7 +12537,7 @@
 </p:sld>
 </file>
 
-<file path=ppt/slides/slide8.xml><?xml version="1.0" encoding="utf-8"?>
+<file path=ppt/slides/slide9.xml><?xml version="1.0" encoding="utf-8"?>
 <p:sld xmlns:a="http://schemas.openxmlformats.org/drawingml/2006/main" xmlns:r="http://schemas.openxmlformats.org/officeDocument/2006/relationships" xmlns:p="http://schemas.openxmlformats.org/presentationml/2006/main">
   <p:cSld>
     <p:spTree>
@@ -15911,7 +12569,10 @@
           <a:bodyPr/>
           <a:lstStyle/>
           <a:p>
-            <a:endParaRPr lang="en-US" dirty="0"/>
+            <a:r>
+              <a:rPr lang="en-US" dirty="0"/>
+              <a:t>Challenges for adopting Continuous Practices</a:t>
+            </a:r>
           </a:p>
         </p:txBody>
       </p:sp>
@@ -15935,7 +12596,56 @@
           <a:bodyPr/>
           <a:lstStyle/>
           <a:p>
-            <a:endParaRPr lang="de-DE" dirty="0"/>
+            <a:r>
+              <a:rPr lang="en-US" dirty="0"/>
+              <a:t>Organizational Challenges</a:t>
+            </a:r>
+          </a:p>
+          <a:p>
+            <a:pPr lvl="1"/>
+            <a:r>
+              <a:rPr lang="en-US" dirty="0"/>
+              <a:t>Team Structure and closer collaboration</a:t>
+            </a:r>
+          </a:p>
+          <a:p>
+            <a:r>
+              <a:rPr lang="en-US" dirty="0"/>
+              <a:t>Technical Challenges</a:t>
+            </a:r>
+          </a:p>
+          <a:p>
+            <a:pPr lvl="1"/>
+            <a:r>
+              <a:rPr lang="en-US" dirty="0"/>
+              <a:t>Lack of tools</a:t>
+            </a:r>
+          </a:p>
+          <a:p>
+            <a:r>
+              <a:rPr lang="en-US" dirty="0"/>
+              <a:t>Social Challenges</a:t>
+            </a:r>
+          </a:p>
+          <a:p>
+            <a:pPr lvl="1"/>
+            <a:r>
+              <a:rPr lang="en-US" dirty="0"/>
+              <a:t>Resistance to change and lack of motivation</a:t>
+            </a:r>
+          </a:p>
+          <a:p>
+            <a:r>
+              <a:rPr lang="en-US" dirty="0"/>
+              <a:t>Architectural Challenges</a:t>
+            </a:r>
+          </a:p>
+          <a:p>
+            <a:pPr lvl="1"/>
+            <a:r>
+              <a:rPr lang="en-US" dirty="0"/>
+              <a:t>Highly coupled and large monolithic applications are not compatible with CSE practices</a:t>
+            </a:r>
           </a:p>
         </p:txBody>
       </p:sp>
@@ -16027,7 +12737,7 @@
           <p:spPr>
             <a:xfrm>
               <a:off x="6282440" y="6032325"/>
-              <a:ext cx="949299" cy="276999"/>
+              <a:ext cx="1005403" cy="276999"/>
             </a:xfrm>
             <a:prstGeom prst="rect">
               <a:avLst/>
@@ -16058,7 +12768,7 @@
             <a:lstStyle/>
             <a:p>
               <a:r>
-                <a:rPr lang="en-US" sz="1200" dirty="0"/>
+                <a:rPr lang="en-US" sz="1200" b="1" dirty="0"/>
                 <a:t>Challenges</a:t>
               </a:r>
             </a:p>
@@ -16214,697 +12924,7 @@
             <a:lstStyle/>
             <a:p>
               <a:r>
-                <a:rPr lang="en-US" sz="1200" b="1" dirty="0"/>
-                <a:t>Introduction</a:t>
-              </a:r>
-            </a:p>
-          </p:txBody>
-        </p:sp>
-        <p:sp>
-          <p:nvSpPr>
-            <p:cNvPr id="10" name="Eingekerbter Richtungspfeil 23">
-              <a:extLst>
-                <a:ext uri="{FF2B5EF4-FFF2-40B4-BE49-F238E27FC236}">
-                  <a16:creationId xmlns:a16="http://schemas.microsoft.com/office/drawing/2014/main" id="{C005311E-133F-493F-BFFC-C169B3CA8A86}"/>
-                </a:ext>
-              </a:extLst>
-            </p:cNvPr>
-            <p:cNvSpPr/>
-            <p:nvPr/>
-          </p:nvSpPr>
-          <p:spPr>
-            <a:xfrm>
-              <a:off x="1284399" y="6091574"/>
-              <a:ext cx="158496" cy="158496"/>
-            </a:xfrm>
-            <a:prstGeom prst="chevron">
-              <a:avLst/>
-            </a:prstGeom>
-          </p:spPr>
-          <p:style>
-            <a:lnRef idx="1">
-              <a:schemeClr val="accent4"/>
-            </a:lnRef>
-            <a:fillRef idx="2">
-              <a:schemeClr val="accent4"/>
-            </a:fillRef>
-            <a:effectRef idx="1">
-              <a:schemeClr val="accent4"/>
-            </a:effectRef>
-            <a:fontRef idx="minor">
-              <a:schemeClr val="dk1"/>
-            </a:fontRef>
-          </p:style>
-          <p:txBody>
-            <a:bodyPr rtlCol="0" anchor="ctr"/>
-            <a:lstStyle/>
-            <a:p>
-              <a:pPr algn="ctr"/>
-              <a:endParaRPr lang="de-DE" dirty="0">
-                <a:solidFill>
-                  <a:schemeClr val="tx1"/>
-                </a:solidFill>
-              </a:endParaRPr>
-            </a:p>
-          </p:txBody>
-        </p:sp>
-        <p:sp>
-          <p:nvSpPr>
-            <p:cNvPr id="11" name="Eingekerbter Richtungspfeil 24">
-              <a:extLst>
-                <a:ext uri="{FF2B5EF4-FFF2-40B4-BE49-F238E27FC236}">
-                  <a16:creationId xmlns:a16="http://schemas.microsoft.com/office/drawing/2014/main" id="{13B86617-4353-46AD-97C4-7F02A1BA1B80}"/>
-                </a:ext>
-              </a:extLst>
-            </p:cNvPr>
-            <p:cNvSpPr/>
-            <p:nvPr/>
-          </p:nvSpPr>
-          <p:spPr>
-            <a:xfrm>
-              <a:off x="2052380" y="6091574"/>
-              <a:ext cx="158496" cy="158496"/>
-            </a:xfrm>
-            <a:prstGeom prst="chevron">
-              <a:avLst/>
-            </a:prstGeom>
-          </p:spPr>
-          <p:style>
-            <a:lnRef idx="1">
-              <a:schemeClr val="accent4"/>
-            </a:lnRef>
-            <a:fillRef idx="2">
-              <a:schemeClr val="accent4"/>
-            </a:fillRef>
-            <a:effectRef idx="1">
-              <a:schemeClr val="accent4"/>
-            </a:effectRef>
-            <a:fontRef idx="minor">
-              <a:schemeClr val="dk1"/>
-            </a:fontRef>
-          </p:style>
-          <p:txBody>
-            <a:bodyPr rtlCol="0" anchor="ctr"/>
-            <a:lstStyle/>
-            <a:p>
-              <a:pPr algn="ctr"/>
-              <a:endParaRPr lang="de-DE" dirty="0">
-                <a:solidFill>
-                  <a:schemeClr val="tx1"/>
-                </a:solidFill>
-              </a:endParaRPr>
-            </a:p>
-          </p:txBody>
-        </p:sp>
-        <p:sp>
-          <p:nvSpPr>
-            <p:cNvPr id="12" name="Eingekerbter Richtungspfeil 25">
-              <a:extLst>
-                <a:ext uri="{FF2B5EF4-FFF2-40B4-BE49-F238E27FC236}">
-                  <a16:creationId xmlns:a16="http://schemas.microsoft.com/office/drawing/2014/main" id="{40D0FAF6-EB9E-4EEF-BCBE-972523E34CB7}"/>
-                </a:ext>
-              </a:extLst>
-            </p:cNvPr>
-            <p:cNvSpPr/>
-            <p:nvPr/>
-          </p:nvSpPr>
-          <p:spPr>
-            <a:xfrm>
-              <a:off x="4116879" y="6091574"/>
-              <a:ext cx="158496" cy="158496"/>
-            </a:xfrm>
-            <a:prstGeom prst="chevron">
-              <a:avLst/>
-            </a:prstGeom>
-          </p:spPr>
-          <p:style>
-            <a:lnRef idx="1">
-              <a:schemeClr val="accent4"/>
-            </a:lnRef>
-            <a:fillRef idx="2">
-              <a:schemeClr val="accent4"/>
-            </a:fillRef>
-            <a:effectRef idx="1">
-              <a:schemeClr val="accent4"/>
-            </a:effectRef>
-            <a:fontRef idx="minor">
-              <a:schemeClr val="dk1"/>
-            </a:fontRef>
-          </p:style>
-          <p:txBody>
-            <a:bodyPr rtlCol="0" anchor="ctr"/>
-            <a:lstStyle/>
-            <a:p>
-              <a:pPr algn="ctr"/>
-              <a:endParaRPr lang="de-DE" dirty="0">
-                <a:solidFill>
-                  <a:schemeClr val="tx1"/>
-                </a:solidFill>
-              </a:endParaRPr>
-            </a:p>
-          </p:txBody>
-        </p:sp>
-        <p:sp>
-          <p:nvSpPr>
-            <p:cNvPr id="13" name="Textfeld 12">
-              <a:extLst>
-                <a:ext uri="{FF2B5EF4-FFF2-40B4-BE49-F238E27FC236}">
-                  <a16:creationId xmlns:a16="http://schemas.microsoft.com/office/drawing/2014/main" id="{6910B1B0-7848-461D-A8EE-494297AF2C2C}"/>
-                </a:ext>
-              </a:extLst>
-            </p:cNvPr>
-            <p:cNvSpPr txBox="1"/>
-            <p:nvPr/>
-          </p:nvSpPr>
-          <p:spPr>
-            <a:xfrm>
-              <a:off x="4324070" y="6032320"/>
-              <a:ext cx="1588897" cy="276999"/>
-            </a:xfrm>
-            <a:prstGeom prst="rect">
-              <a:avLst/>
-            </a:prstGeom>
-            <a:noFill/>
-            <a:ln>
-              <a:noFill/>
-            </a:ln>
-          </p:spPr>
-          <p:style>
-            <a:lnRef idx="2">
-              <a:schemeClr val="accent3"/>
-            </a:lnRef>
-            <a:fillRef idx="1">
-              <a:schemeClr val="lt1"/>
-            </a:fillRef>
-            <a:effectRef idx="0">
-              <a:schemeClr val="accent3"/>
-            </a:effectRef>
-            <a:fontRef idx="minor">
-              <a:schemeClr val="dk1"/>
-            </a:fontRef>
-          </p:style>
-          <p:txBody>
-            <a:bodyPr wrap="none" rtlCol="0">
-              <a:spAutoFit/>
-            </a:bodyPr>
-            <a:lstStyle/>
-            <a:p>
-              <a:r>
                 <a:rPr lang="en-US" sz="1200" dirty="0"/>
-                <a:t>Deployment Pipeline</a:t>
-              </a:r>
-            </a:p>
-          </p:txBody>
-        </p:sp>
-        <p:sp>
-          <p:nvSpPr>
-            <p:cNvPr id="14" name="Eingekerbter Richtungspfeil 27">
-              <a:extLst>
-                <a:ext uri="{FF2B5EF4-FFF2-40B4-BE49-F238E27FC236}">
-                  <a16:creationId xmlns:a16="http://schemas.microsoft.com/office/drawing/2014/main" id="{C8C6383D-EFF4-4F8F-B7E7-55AA85D1E860}"/>
-                </a:ext>
-              </a:extLst>
-            </p:cNvPr>
-            <p:cNvSpPr/>
-            <p:nvPr/>
-          </p:nvSpPr>
-          <p:spPr>
-            <a:xfrm>
-              <a:off x="7320057" y="6091577"/>
-              <a:ext cx="158496" cy="158496"/>
-            </a:xfrm>
-            <a:prstGeom prst="chevron">
-              <a:avLst/>
-            </a:prstGeom>
-          </p:spPr>
-          <p:style>
-            <a:lnRef idx="1">
-              <a:schemeClr val="accent4"/>
-            </a:lnRef>
-            <a:fillRef idx="2">
-              <a:schemeClr val="accent4"/>
-            </a:fillRef>
-            <a:effectRef idx="1">
-              <a:schemeClr val="accent4"/>
-            </a:effectRef>
-            <a:fontRef idx="minor">
-              <a:schemeClr val="dk1"/>
-            </a:fontRef>
-          </p:style>
-          <p:txBody>
-            <a:bodyPr rtlCol="0" anchor="ctr"/>
-            <a:lstStyle/>
-            <a:p>
-              <a:pPr algn="ctr"/>
-              <a:endParaRPr lang="de-DE" dirty="0">
-                <a:solidFill>
-                  <a:schemeClr val="tx1"/>
-                </a:solidFill>
-              </a:endParaRPr>
-            </a:p>
-          </p:txBody>
-        </p:sp>
-        <p:cxnSp>
-          <p:nvCxnSpPr>
-            <p:cNvPr id="15" name="Gerade Verbindung 28">
-              <a:extLst>
-                <a:ext uri="{FF2B5EF4-FFF2-40B4-BE49-F238E27FC236}">
-                  <a16:creationId xmlns:a16="http://schemas.microsoft.com/office/drawing/2014/main" id="{BE0E1948-1999-44A0-B261-866A1DF5995B}"/>
-                </a:ext>
-              </a:extLst>
-            </p:cNvPr>
-            <p:cNvCxnSpPr/>
-            <p:nvPr/>
-          </p:nvCxnSpPr>
-          <p:spPr>
-            <a:xfrm>
-              <a:off x="25400" y="5986694"/>
-              <a:ext cx="9072000" cy="1588"/>
-            </a:xfrm>
-            <a:prstGeom prst="line">
-              <a:avLst/>
-            </a:prstGeom>
-            <a:ln w="41275">
-              <a:solidFill>
-                <a:schemeClr val="accent3">
-                  <a:lumMod val="85000"/>
-                </a:schemeClr>
-              </a:solidFill>
-            </a:ln>
-          </p:spPr>
-          <p:style>
-            <a:lnRef idx="1">
-              <a:schemeClr val="accent1"/>
-            </a:lnRef>
-            <a:fillRef idx="0">
-              <a:schemeClr val="accent1"/>
-            </a:fillRef>
-            <a:effectRef idx="0">
-              <a:schemeClr val="accent1"/>
-            </a:effectRef>
-            <a:fontRef idx="minor">
-              <a:schemeClr val="tx1"/>
-            </a:fontRef>
-          </p:style>
-        </p:cxnSp>
-        <p:sp>
-          <p:nvSpPr>
-            <p:cNvPr id="16" name="Eingekerbter Richtungspfeil 29">
-              <a:extLst>
-                <a:ext uri="{FF2B5EF4-FFF2-40B4-BE49-F238E27FC236}">
-                  <a16:creationId xmlns:a16="http://schemas.microsoft.com/office/drawing/2014/main" id="{A4600029-E40B-4FAC-BDEA-4C82CFF469F9}"/>
-                </a:ext>
-              </a:extLst>
-            </p:cNvPr>
-            <p:cNvSpPr/>
-            <p:nvPr/>
-          </p:nvSpPr>
-          <p:spPr>
-            <a:xfrm>
-              <a:off x="5925672" y="6091576"/>
-              <a:ext cx="158496" cy="158496"/>
-            </a:xfrm>
-            <a:prstGeom prst="chevron">
-              <a:avLst/>
-            </a:prstGeom>
-          </p:spPr>
-          <p:style>
-            <a:lnRef idx="1">
-              <a:schemeClr val="accent4"/>
-            </a:lnRef>
-            <a:fillRef idx="2">
-              <a:schemeClr val="accent4"/>
-            </a:fillRef>
-            <a:effectRef idx="1">
-              <a:schemeClr val="accent4"/>
-            </a:effectRef>
-            <a:fontRef idx="minor">
-              <a:schemeClr val="dk1"/>
-            </a:fontRef>
-          </p:style>
-          <p:txBody>
-            <a:bodyPr rtlCol="0" anchor="ctr"/>
-            <a:lstStyle/>
-            <a:p>
-              <a:pPr algn="ctr"/>
-              <a:endParaRPr lang="de-DE" dirty="0">
-                <a:solidFill>
-                  <a:schemeClr val="tx1"/>
-                </a:solidFill>
-              </a:endParaRPr>
-            </a:p>
-          </p:txBody>
-        </p:sp>
-      </p:grpSp>
-    </p:spTree>
-    <p:extLst>
-      <p:ext uri="{BB962C8B-B14F-4D97-AF65-F5344CB8AC3E}">
-        <p14:creationId xmlns:p14="http://schemas.microsoft.com/office/powerpoint/2010/main" val="4018240345"/>
-      </p:ext>
-    </p:extLst>
-  </p:cSld>
-  <p:clrMapOvr>
-    <a:masterClrMapping/>
-  </p:clrMapOvr>
-</p:sld>
-</file>
-
-<file path=ppt/slides/slide9.xml><?xml version="1.0" encoding="utf-8"?>
-<p:sld xmlns:a="http://schemas.openxmlformats.org/drawingml/2006/main" xmlns:r="http://schemas.openxmlformats.org/officeDocument/2006/relationships" xmlns:p="http://schemas.openxmlformats.org/presentationml/2006/main">
-  <p:cSld>
-    <p:spTree>
-      <p:nvGrpSpPr>
-        <p:cNvPr id="1" name=""/>
-        <p:cNvGrpSpPr/>
-        <p:nvPr/>
-      </p:nvGrpSpPr>
-      <p:grpSpPr>
-        <a:xfrm>
-          <a:off x="0" y="0"/>
-          <a:ext cx="0" cy="0"/>
-          <a:chOff x="0" y="0"/>
-          <a:chExt cx="0" cy="0"/>
-        </a:xfrm>
-      </p:grpSpPr>
-      <p:sp>
-        <p:nvSpPr>
-          <p:cNvPr id="29698" name="Rectangle 2"/>
-          <p:cNvSpPr>
-            <a:spLocks noGrp="1" noChangeArrowheads="1"/>
-          </p:cNvSpPr>
-          <p:nvPr>
-            <p:ph type="title"/>
-          </p:nvPr>
-        </p:nvSpPr>
-        <p:spPr/>
-        <p:txBody>
-          <a:bodyPr/>
-          <a:lstStyle/>
-          <a:p>
-            <a:endParaRPr lang="en-US" dirty="0"/>
-          </a:p>
-        </p:txBody>
-      </p:sp>
-      <p:sp>
-        <p:nvSpPr>
-          <p:cNvPr id="29699" name="Rectangle 3"/>
-          <p:cNvSpPr>
-            <a:spLocks noGrp="1" noChangeArrowheads="1"/>
-          </p:cNvSpPr>
-          <p:nvPr>
-            <p:ph type="body" idx="1"/>
-          </p:nvPr>
-        </p:nvSpPr>
-        <p:spPr>
-          <a:xfrm>
-            <a:off x="392113" y="898923"/>
-            <a:ext cx="8356600" cy="3397698"/>
-          </a:xfrm>
-        </p:spPr>
-        <p:txBody>
-          <a:bodyPr/>
-          <a:lstStyle/>
-          <a:p>
-            <a:endParaRPr lang="de-DE" dirty="0"/>
-          </a:p>
-        </p:txBody>
-      </p:sp>
-      <p:grpSp>
-        <p:nvGrpSpPr>
-          <p:cNvPr id="4" name="Gruppieren 21">
-            <a:extLst>
-              <a:ext uri="{FF2B5EF4-FFF2-40B4-BE49-F238E27FC236}">
-                <a16:creationId xmlns:a16="http://schemas.microsoft.com/office/drawing/2014/main" id="{AA131601-72E5-4228-A286-1E3E6D78B764}"/>
-              </a:ext>
-            </a:extLst>
-          </p:cNvPr>
-          <p:cNvGrpSpPr/>
-          <p:nvPr/>
-        </p:nvGrpSpPr>
-        <p:grpSpPr>
-          <a:xfrm>
-            <a:off x="72000" y="4424179"/>
-            <a:ext cx="9072000" cy="322630"/>
-            <a:chOff x="25400" y="5986694"/>
-            <a:chExt cx="9072000" cy="322630"/>
-          </a:xfrm>
-        </p:grpSpPr>
-        <p:sp>
-          <p:nvSpPr>
-            <p:cNvPr id="5" name="Textfeld 13">
-              <a:extLst>
-                <a:ext uri="{FF2B5EF4-FFF2-40B4-BE49-F238E27FC236}">
-                  <a16:creationId xmlns:a16="http://schemas.microsoft.com/office/drawing/2014/main" id="{2BCE988F-F02A-4D6D-B2E3-D098FA90D670}"/>
-                </a:ext>
-              </a:extLst>
-            </p:cNvPr>
-            <p:cNvSpPr txBox="1"/>
-            <p:nvPr/>
-          </p:nvSpPr>
-          <p:spPr>
-            <a:xfrm>
-              <a:off x="1493183" y="6032322"/>
-              <a:ext cx="554389" cy="276999"/>
-            </a:xfrm>
-            <a:prstGeom prst="rect">
-              <a:avLst/>
-            </a:prstGeom>
-            <a:noFill/>
-            <a:ln>
-              <a:noFill/>
-            </a:ln>
-          </p:spPr>
-          <p:style>
-            <a:lnRef idx="2">
-              <a:schemeClr val="accent3"/>
-            </a:lnRef>
-            <a:fillRef idx="1">
-              <a:schemeClr val="lt1"/>
-            </a:fillRef>
-            <a:effectRef idx="0">
-              <a:schemeClr val="accent3"/>
-            </a:effectRef>
-            <a:fontRef idx="minor">
-              <a:schemeClr val="dk1"/>
-            </a:fontRef>
-          </p:style>
-          <p:txBody>
-            <a:bodyPr wrap="square" rtlCol="0">
-              <a:spAutoFit/>
-            </a:bodyPr>
-            <a:lstStyle/>
-            <a:p>
-              <a:pPr algn="ctr"/>
-              <a:r>
-                <a:rPr lang="en-US" sz="1200" dirty="0"/>
-                <a:t>CSE</a:t>
-              </a:r>
-            </a:p>
-          </p:txBody>
-        </p:sp>
-        <p:sp>
-          <p:nvSpPr>
-            <p:cNvPr id="6" name="Textfeld 14">
-              <a:extLst>
-                <a:ext uri="{FF2B5EF4-FFF2-40B4-BE49-F238E27FC236}">
-                  <a16:creationId xmlns:a16="http://schemas.microsoft.com/office/drawing/2014/main" id="{C8E64975-DD4E-484D-9EF4-CB11AB9E264F}"/>
-                </a:ext>
-              </a:extLst>
-            </p:cNvPr>
-            <p:cNvSpPr txBox="1"/>
-            <p:nvPr/>
-          </p:nvSpPr>
-          <p:spPr>
-            <a:xfrm>
-              <a:off x="6282440" y="6032325"/>
-              <a:ext cx="949299" cy="276999"/>
-            </a:xfrm>
-            <a:prstGeom prst="rect">
-              <a:avLst/>
-            </a:prstGeom>
-            <a:noFill/>
-            <a:ln>
-              <a:noFill/>
-            </a:ln>
-          </p:spPr>
-          <p:style>
-            <a:lnRef idx="2">
-              <a:schemeClr val="accent3"/>
-            </a:lnRef>
-            <a:fillRef idx="1">
-              <a:schemeClr val="lt1"/>
-            </a:fillRef>
-            <a:effectRef idx="0">
-              <a:schemeClr val="accent3"/>
-            </a:effectRef>
-            <a:fontRef idx="minor">
-              <a:schemeClr val="dk1"/>
-            </a:fontRef>
-          </p:style>
-          <p:txBody>
-            <a:bodyPr wrap="none" rtlCol="0">
-              <a:spAutoFit/>
-            </a:bodyPr>
-            <a:lstStyle/>
-            <a:p>
-              <a:r>
-                <a:rPr lang="en-US" sz="1200" dirty="0"/>
-                <a:t>Challenges</a:t>
-              </a:r>
-            </a:p>
-          </p:txBody>
-        </p:sp>
-        <p:sp>
-          <p:nvSpPr>
-            <p:cNvPr id="7" name="Textfeld 6">
-              <a:extLst>
-                <a:ext uri="{FF2B5EF4-FFF2-40B4-BE49-F238E27FC236}">
-                  <a16:creationId xmlns:a16="http://schemas.microsoft.com/office/drawing/2014/main" id="{5B1D65DE-7E84-4D4A-AD1F-FC54B535CB1E}"/>
-                </a:ext>
-              </a:extLst>
-            </p:cNvPr>
-            <p:cNvSpPr txBox="1"/>
-            <p:nvPr/>
-          </p:nvSpPr>
-          <p:spPr>
-            <a:xfrm>
-              <a:off x="2361122" y="6032320"/>
-              <a:ext cx="1774155" cy="276999"/>
-            </a:xfrm>
-            <a:prstGeom prst="rect">
-              <a:avLst/>
-            </a:prstGeom>
-            <a:noFill/>
-            <a:ln>
-              <a:noFill/>
-            </a:ln>
-          </p:spPr>
-          <p:style>
-            <a:lnRef idx="2">
-              <a:schemeClr val="accent3"/>
-            </a:lnRef>
-            <a:fillRef idx="1">
-              <a:schemeClr val="lt1"/>
-            </a:fillRef>
-            <a:effectRef idx="0">
-              <a:schemeClr val="accent3"/>
-            </a:effectRef>
-            <a:fontRef idx="minor">
-              <a:schemeClr val="dk1"/>
-            </a:fontRef>
-          </p:style>
-          <p:txBody>
-            <a:bodyPr wrap="square" rtlCol="0">
-              <a:spAutoFit/>
-            </a:bodyPr>
-            <a:lstStyle/>
-            <a:p>
-              <a:r>
-                <a:rPr lang="en-US" sz="1200" dirty="0"/>
-                <a:t>The Stairway to Haven</a:t>
-              </a:r>
-            </a:p>
-          </p:txBody>
-        </p:sp>
-        <p:sp>
-          <p:nvSpPr>
-            <p:cNvPr id="8" name="Textfeld 7">
-              <a:extLst>
-                <a:ext uri="{FF2B5EF4-FFF2-40B4-BE49-F238E27FC236}">
-                  <a16:creationId xmlns:a16="http://schemas.microsoft.com/office/drawing/2014/main" id="{8544E219-3395-4D35-AB47-83E797162EF8}"/>
-                </a:ext>
-              </a:extLst>
-            </p:cNvPr>
-            <p:cNvSpPr txBox="1"/>
-            <p:nvPr/>
-          </p:nvSpPr>
-          <p:spPr>
-            <a:xfrm>
-              <a:off x="7763010" y="6032321"/>
-              <a:ext cx="1278028" cy="276999"/>
-            </a:xfrm>
-            <a:prstGeom prst="rect">
-              <a:avLst/>
-            </a:prstGeom>
-            <a:noFill/>
-            <a:ln>
-              <a:noFill/>
-            </a:ln>
-          </p:spPr>
-          <p:style>
-            <a:lnRef idx="2">
-              <a:schemeClr val="accent3"/>
-            </a:lnRef>
-            <a:fillRef idx="1">
-              <a:schemeClr val="lt1"/>
-            </a:fillRef>
-            <a:effectRef idx="0">
-              <a:schemeClr val="accent3"/>
-            </a:effectRef>
-            <a:fontRef idx="minor">
-              <a:schemeClr val="dk1"/>
-            </a:fontRef>
-          </p:style>
-          <p:txBody>
-            <a:bodyPr wrap="square" rtlCol="0">
-              <a:spAutoFit/>
-            </a:bodyPr>
-            <a:lstStyle/>
-            <a:p>
-              <a:r>
-                <a:rPr lang="en-US" sz="1200" dirty="0"/>
-                <a:t>Summary</a:t>
-              </a:r>
-            </a:p>
-          </p:txBody>
-        </p:sp>
-        <p:sp>
-          <p:nvSpPr>
-            <p:cNvPr id="9" name="Textfeld 8">
-              <a:extLst>
-                <a:ext uri="{FF2B5EF4-FFF2-40B4-BE49-F238E27FC236}">
-                  <a16:creationId xmlns:a16="http://schemas.microsoft.com/office/drawing/2014/main" id="{852888F9-9852-4482-8D86-9D678EB085AD}"/>
-                </a:ext>
-              </a:extLst>
-            </p:cNvPr>
-            <p:cNvSpPr txBox="1"/>
-            <p:nvPr/>
-          </p:nvSpPr>
-          <p:spPr>
-            <a:xfrm>
-              <a:off x="179512" y="6032321"/>
-              <a:ext cx="1213939" cy="276999"/>
-            </a:xfrm>
-            <a:prstGeom prst="rect">
-              <a:avLst/>
-            </a:prstGeom>
-            <a:noFill/>
-            <a:ln>
-              <a:noFill/>
-            </a:ln>
-          </p:spPr>
-          <p:style>
-            <a:lnRef idx="2">
-              <a:schemeClr val="accent3"/>
-            </a:lnRef>
-            <a:fillRef idx="1">
-              <a:schemeClr val="lt1"/>
-            </a:fillRef>
-            <a:effectRef idx="0">
-              <a:schemeClr val="accent3"/>
-            </a:effectRef>
-            <a:fontRef idx="minor">
-              <a:schemeClr val="dk1"/>
-            </a:fontRef>
-          </p:style>
-          <p:txBody>
-            <a:bodyPr wrap="square" rtlCol="0">
-              <a:spAutoFit/>
-            </a:bodyPr>
-            <a:lstStyle/>
-            <a:p>
-              <a:r>
-                <a:rPr lang="en-US" sz="1200" b="1" dirty="0"/>
                 <a:t>Introduction</a:t>
               </a:r>
             </a:p>

--- a/Präsentation/Präsentation.pptx
+++ b/Präsentation/Präsentation.pptx
@@ -5,10 +5,10 @@
     <p:sldMasterId id="2147483648" r:id="rId1"/>
   </p:sldMasterIdLst>
   <p:notesMasterIdLst>
-    <p:notesMasterId r:id="rId13"/>
+    <p:notesMasterId r:id="rId14"/>
   </p:notesMasterIdLst>
   <p:handoutMasterIdLst>
-    <p:handoutMasterId r:id="rId14"/>
+    <p:handoutMasterId r:id="rId15"/>
   </p:handoutMasterIdLst>
   <p:sldIdLst>
     <p:sldId id="264" r:id="rId2"/>
@@ -22,6 +22,7 @@
     <p:sldId id="271" r:id="rId10"/>
     <p:sldId id="272" r:id="rId11"/>
     <p:sldId id="278" r:id="rId12"/>
+    <p:sldId id="279" r:id="rId13"/>
   </p:sldIdLst>
   <p:sldSz cx="9144000" cy="5143500" type="screen16x9"/>
   <p:notesSz cx="6858000" cy="9144000"/>
@@ -1272,6 +1273,146 @@
     <p:extLst>
       <p:ext uri="{BB962C8B-B14F-4D97-AF65-F5344CB8AC3E}">
         <p14:creationId xmlns:p14="http://schemas.microsoft.com/office/powerpoint/2010/main" val="742164711"/>
+      </p:ext>
+    </p:extLst>
+  </p:cSld>
+  <p:clrMapOvr>
+    <a:masterClrMapping/>
+  </p:clrMapOvr>
+</p:notes>
+</file>
+
+<file path=ppt/notesSlides/notesSlide12.xml><?xml version="1.0" encoding="utf-8"?>
+<p:notes xmlns:a="http://schemas.openxmlformats.org/drawingml/2006/main" xmlns:r="http://schemas.openxmlformats.org/officeDocument/2006/relationships" xmlns:p="http://schemas.openxmlformats.org/presentationml/2006/main">
+  <p:cSld>
+    <p:spTree>
+      <p:nvGrpSpPr>
+        <p:cNvPr id="1" name=""/>
+        <p:cNvGrpSpPr/>
+        <p:nvPr/>
+      </p:nvGrpSpPr>
+      <p:grpSpPr>
+        <a:xfrm>
+          <a:off x="0" y="0"/>
+          <a:ext cx="0" cy="0"/>
+          <a:chOff x="0" y="0"/>
+          <a:chExt cx="0" cy="0"/>
+        </a:xfrm>
+      </p:grpSpPr>
+      <p:sp>
+        <p:nvSpPr>
+          <p:cNvPr id="2" name="Folienbildplatzhalter 1"/>
+          <p:cNvSpPr>
+            <a:spLocks noGrp="1" noRot="1" noChangeAspect="1"/>
+          </p:cNvSpPr>
+          <p:nvPr>
+            <p:ph type="sldImg"/>
+          </p:nvPr>
+        </p:nvSpPr>
+        <p:spPr/>
+      </p:sp>
+      <p:sp>
+        <p:nvSpPr>
+          <p:cNvPr id="3" name="Notizenplatzhalter 2"/>
+          <p:cNvSpPr>
+            <a:spLocks noGrp="1"/>
+          </p:cNvSpPr>
+          <p:nvPr>
+            <p:ph type="body" idx="1"/>
+          </p:nvPr>
+        </p:nvSpPr>
+        <p:spPr/>
+        <p:txBody>
+          <a:bodyPr/>
+          <a:lstStyle/>
+          <a:p>
+            <a:endParaRPr lang="de-DE" dirty="0"/>
+          </a:p>
+        </p:txBody>
+      </p:sp>
+      <p:sp>
+        <p:nvSpPr>
+          <p:cNvPr id="4" name="Datumsplatzhalter 3"/>
+          <p:cNvSpPr>
+            <a:spLocks noGrp="1"/>
+          </p:cNvSpPr>
+          <p:nvPr>
+            <p:ph type="dt" idx="10"/>
+          </p:nvPr>
+        </p:nvSpPr>
+        <p:spPr/>
+        <p:txBody>
+          <a:bodyPr/>
+          <a:lstStyle/>
+          <a:p>
+            <a:pPr>
+              <a:defRPr/>
+            </a:pPr>
+            <a:r>
+              <a:rPr lang="de-DE" dirty="0"/>
+              <a:t>29.01.2018</a:t>
+            </a:r>
+          </a:p>
+        </p:txBody>
+      </p:sp>
+      <p:sp>
+        <p:nvSpPr>
+          <p:cNvPr id="5" name="Fußzeilenplatzhalter 4"/>
+          <p:cNvSpPr>
+            <a:spLocks noGrp="1"/>
+          </p:cNvSpPr>
+          <p:nvPr>
+            <p:ph type="ftr" sz="quarter" idx="11"/>
+          </p:nvPr>
+        </p:nvSpPr>
+        <p:spPr/>
+        <p:txBody>
+          <a:bodyPr/>
+          <a:lstStyle/>
+          <a:p>
+            <a:pPr>
+              <a:defRPr/>
+            </a:pPr>
+            <a:r>
+              <a:rPr lang="de-DE" dirty="0"/>
+              <a:t>Niko Benkler       Betreuer: Robert Heinrich</a:t>
+            </a:r>
+          </a:p>
+        </p:txBody>
+      </p:sp>
+      <p:sp>
+        <p:nvSpPr>
+          <p:cNvPr id="6" name="Foliennummernplatzhalter 5"/>
+          <p:cNvSpPr>
+            <a:spLocks noGrp="1"/>
+          </p:cNvSpPr>
+          <p:nvPr>
+            <p:ph type="sldNum" sz="quarter" idx="12"/>
+          </p:nvPr>
+        </p:nvSpPr>
+        <p:spPr/>
+        <p:txBody>
+          <a:bodyPr/>
+          <a:lstStyle/>
+          <a:p>
+            <a:pPr>
+              <a:defRPr/>
+            </a:pPr>
+            <a:fld id="{C0ED99B0-9538-4AA1-98EA-85DB0555789A}" type="slidenum">
+              <a:rPr lang="de-DE" smtClean="0"/>
+              <a:pPr>
+                <a:defRPr/>
+              </a:pPr>
+              <a:t>12</a:t>
+            </a:fld>
+            <a:endParaRPr lang="de-DE" dirty="0"/>
+          </a:p>
+        </p:txBody>
+      </p:sp>
+    </p:spTree>
+    <p:extLst>
+      <p:ext uri="{BB962C8B-B14F-4D97-AF65-F5344CB8AC3E}">
+        <p14:creationId xmlns:p14="http://schemas.microsoft.com/office/powerpoint/2010/main" val="1093337751"/>
       </p:ext>
     </p:extLst>
   </p:cSld>
@@ -6088,10 +6229,10 @@
       </p:sp>
       <p:grpSp>
         <p:nvGrpSpPr>
-          <p:cNvPr id="4" name="Gruppieren 21">
+          <p:cNvPr id="17" name="Gruppieren 21">
             <a:extLst>
               <a:ext uri="{FF2B5EF4-FFF2-40B4-BE49-F238E27FC236}">
-                <a16:creationId xmlns:a16="http://schemas.microsoft.com/office/drawing/2014/main" id="{AA131601-72E5-4228-A286-1E3E6D78B764}"/>
+                <a16:creationId xmlns:a16="http://schemas.microsoft.com/office/drawing/2014/main" id="{F6957493-74E8-412E-8555-BDCE53C61808}"/>
               </a:ext>
             </a:extLst>
           </p:cNvPr>
@@ -6101,17 +6242,17 @@
         <p:grpSpPr>
           <a:xfrm>
             <a:off x="72000" y="4424179"/>
-            <a:ext cx="9072000" cy="322630"/>
+            <a:ext cx="9072854" cy="335167"/>
             <a:chOff x="25400" y="5986694"/>
-            <a:chExt cx="9072000" cy="322630"/>
+            <a:chExt cx="9072854" cy="335167"/>
           </a:xfrm>
         </p:grpSpPr>
         <p:sp>
           <p:nvSpPr>
-            <p:cNvPr id="5" name="Textfeld 13">
+            <p:cNvPr id="18" name="Textfeld 13">
               <a:extLst>
                 <a:ext uri="{FF2B5EF4-FFF2-40B4-BE49-F238E27FC236}">
-                  <a16:creationId xmlns:a16="http://schemas.microsoft.com/office/drawing/2014/main" id="{2BCE988F-F02A-4D6D-B2E3-D098FA90D670}"/>
+                  <a16:creationId xmlns:a16="http://schemas.microsoft.com/office/drawing/2014/main" id="{A9F27AB9-67E3-4DD6-9F4F-2FF909018467}"/>
                 </a:ext>
               </a:extLst>
             </p:cNvPr>
@@ -6120,8 +6261,8 @@
           </p:nvSpPr>
           <p:spPr>
             <a:xfrm>
-              <a:off x="1493183" y="6032322"/>
-              <a:ext cx="554389" cy="276999"/>
+              <a:off x="1493804" y="5994910"/>
+              <a:ext cx="554389" cy="307777"/>
             </a:xfrm>
             <a:prstGeom prst="rect">
               <a:avLst/>
@@ -6153,7 +6294,7 @@
             <a:p>
               <a:pPr algn="ctr"/>
               <a:r>
-                <a:rPr lang="en-US" sz="1200" dirty="0"/>
+                <a:rPr lang="en-US" sz="1400" dirty="0"/>
                 <a:t>CSE</a:t>
               </a:r>
             </a:p>
@@ -6161,10 +6302,10 @@
         </p:sp>
         <p:sp>
           <p:nvSpPr>
-            <p:cNvPr id="6" name="Textfeld 14">
+            <p:cNvPr id="19" name="Textfeld 14">
               <a:extLst>
                 <a:ext uri="{FF2B5EF4-FFF2-40B4-BE49-F238E27FC236}">
-                  <a16:creationId xmlns:a16="http://schemas.microsoft.com/office/drawing/2014/main" id="{C8E64975-DD4E-484D-9EF4-CB11AB9E264F}"/>
+                  <a16:creationId xmlns:a16="http://schemas.microsoft.com/office/drawing/2014/main" id="{45918A91-D3D3-462E-838D-D6F234B15D4C}"/>
                 </a:ext>
               </a:extLst>
             </p:cNvPr>
@@ -6173,8 +6314,8 @@
           </p:nvSpPr>
           <p:spPr>
             <a:xfrm>
-              <a:off x="6282440" y="6032325"/>
-              <a:ext cx="949299" cy="276999"/>
+              <a:off x="6541624" y="6014084"/>
+              <a:ext cx="1161052" cy="307777"/>
             </a:xfrm>
             <a:prstGeom prst="rect">
               <a:avLst/>
@@ -6199,13 +6340,14 @@
             </a:fontRef>
           </p:style>
           <p:txBody>
-            <a:bodyPr wrap="none" rtlCol="0">
+            <a:bodyPr wrap="square" rtlCol="0">
               <a:spAutoFit/>
             </a:bodyPr>
             <a:lstStyle/>
             <a:p>
+              <a:pPr algn="ctr"/>
               <a:r>
-                <a:rPr lang="en-US" sz="1200" dirty="0"/>
+                <a:rPr lang="en-US" sz="1400" dirty="0"/>
                 <a:t>Challenges</a:t>
               </a:r>
             </a:p>
@@ -6213,10 +6355,10 @@
         </p:sp>
         <p:sp>
           <p:nvSpPr>
-            <p:cNvPr id="7" name="Textfeld 6">
+            <p:cNvPr id="20" name="Textfeld 19">
               <a:extLst>
                 <a:ext uri="{FF2B5EF4-FFF2-40B4-BE49-F238E27FC236}">
-                  <a16:creationId xmlns:a16="http://schemas.microsoft.com/office/drawing/2014/main" id="{5B1D65DE-7E84-4D4A-AD1F-FC54B535CB1E}"/>
+                  <a16:creationId xmlns:a16="http://schemas.microsoft.com/office/drawing/2014/main" id="{824DE151-0829-4882-883B-F92584F529EA}"/>
                 </a:ext>
               </a:extLst>
             </p:cNvPr>
@@ -6225,8 +6367,61 @@
           </p:nvSpPr>
           <p:spPr>
             <a:xfrm>
-              <a:off x="2361122" y="6032320"/>
-              <a:ext cx="1774155" cy="276999"/>
+              <a:off x="2214434" y="5993289"/>
+              <a:ext cx="2094942" cy="307777"/>
+            </a:xfrm>
+            <a:prstGeom prst="rect">
+              <a:avLst/>
+            </a:prstGeom>
+            <a:noFill/>
+            <a:ln>
+              <a:noFill/>
+            </a:ln>
+          </p:spPr>
+          <p:style>
+            <a:lnRef idx="2">
+              <a:schemeClr val="accent3"/>
+            </a:lnRef>
+            <a:fillRef idx="1">
+              <a:schemeClr val="lt1"/>
+            </a:fillRef>
+            <a:effectRef idx="0">
+              <a:schemeClr val="accent3"/>
+            </a:effectRef>
+            <a:fontRef idx="minor">
+              <a:schemeClr val="dk1"/>
+            </a:fontRef>
+          </p:style>
+          <p:txBody>
+            <a:bodyPr wrap="square" rtlCol="0">
+              <a:spAutoFit/>
+            </a:bodyPr>
+            <a:lstStyle/>
+            <a:p>
+              <a:pPr algn="ctr"/>
+              <a:r>
+                <a:rPr lang="en-US" sz="1400" dirty="0"/>
+                <a:t>The Stairway to Heaven</a:t>
+              </a:r>
+            </a:p>
+          </p:txBody>
+        </p:sp>
+        <p:sp>
+          <p:nvSpPr>
+            <p:cNvPr id="21" name="Textfeld 20">
+              <a:extLst>
+                <a:ext uri="{FF2B5EF4-FFF2-40B4-BE49-F238E27FC236}">
+                  <a16:creationId xmlns:a16="http://schemas.microsoft.com/office/drawing/2014/main" id="{8FA7731A-A524-4155-B6CF-D9B2FB3D5609}"/>
+                </a:ext>
+              </a:extLst>
+            </p:cNvPr>
+            <p:cNvSpPr txBox="1"/>
+            <p:nvPr/>
+          </p:nvSpPr>
+          <p:spPr>
+            <a:xfrm>
+              <a:off x="7820226" y="6000783"/>
+              <a:ext cx="1278028" cy="307777"/>
             </a:xfrm>
             <a:prstGeom prst="rect">
               <a:avLst/>
@@ -6257,18 +6452,18 @@
             <a:lstStyle/>
             <a:p>
               <a:r>
-                <a:rPr lang="en-US" sz="1200" dirty="0"/>
-                <a:t>The Stairway to Haven</a:t>
+                <a:rPr lang="en-US" sz="1400" b="1" dirty="0"/>
+                <a:t>Conclusion</a:t>
               </a:r>
             </a:p>
           </p:txBody>
         </p:sp>
         <p:sp>
           <p:nvSpPr>
-            <p:cNvPr id="8" name="Textfeld 7">
+            <p:cNvPr id="22" name="Textfeld 21">
               <a:extLst>
                 <a:ext uri="{FF2B5EF4-FFF2-40B4-BE49-F238E27FC236}">
-                  <a16:creationId xmlns:a16="http://schemas.microsoft.com/office/drawing/2014/main" id="{8544E219-3395-4D35-AB47-83E797162EF8}"/>
+                  <a16:creationId xmlns:a16="http://schemas.microsoft.com/office/drawing/2014/main" id="{41217D15-79A9-4B66-87B6-C36F73495377}"/>
                 </a:ext>
               </a:extLst>
             </p:cNvPr>
@@ -6277,8 +6472,8 @@
           </p:nvSpPr>
           <p:spPr>
             <a:xfrm>
-              <a:off x="7763010" y="6032321"/>
-              <a:ext cx="1278028" cy="276999"/>
+              <a:off x="158515" y="6000783"/>
+              <a:ext cx="1213939" cy="307777"/>
             </a:xfrm>
             <a:prstGeom prst="rect">
               <a:avLst/>
@@ -6309,59 +6504,7 @@
             <a:lstStyle/>
             <a:p>
               <a:r>
-                <a:rPr lang="en-US" sz="1200" b="1" dirty="0"/>
-                <a:t>Summary</a:t>
-              </a:r>
-            </a:p>
-          </p:txBody>
-        </p:sp>
-        <p:sp>
-          <p:nvSpPr>
-            <p:cNvPr id="9" name="Textfeld 8">
-              <a:extLst>
-                <a:ext uri="{FF2B5EF4-FFF2-40B4-BE49-F238E27FC236}">
-                  <a16:creationId xmlns:a16="http://schemas.microsoft.com/office/drawing/2014/main" id="{852888F9-9852-4482-8D86-9D678EB085AD}"/>
-                </a:ext>
-              </a:extLst>
-            </p:cNvPr>
-            <p:cNvSpPr txBox="1"/>
-            <p:nvPr/>
-          </p:nvSpPr>
-          <p:spPr>
-            <a:xfrm>
-              <a:off x="179512" y="6032321"/>
-              <a:ext cx="1213939" cy="276999"/>
-            </a:xfrm>
-            <a:prstGeom prst="rect">
-              <a:avLst/>
-            </a:prstGeom>
-            <a:noFill/>
-            <a:ln>
-              <a:noFill/>
-            </a:ln>
-          </p:spPr>
-          <p:style>
-            <a:lnRef idx="2">
-              <a:schemeClr val="accent3"/>
-            </a:lnRef>
-            <a:fillRef idx="1">
-              <a:schemeClr val="lt1"/>
-            </a:fillRef>
-            <a:effectRef idx="0">
-              <a:schemeClr val="accent3"/>
-            </a:effectRef>
-            <a:fontRef idx="minor">
-              <a:schemeClr val="dk1"/>
-            </a:fontRef>
-          </p:style>
-          <p:txBody>
-            <a:bodyPr wrap="square" rtlCol="0">
-              <a:spAutoFit/>
-            </a:bodyPr>
-            <a:lstStyle/>
-            <a:p>
-              <a:r>
-                <a:rPr lang="en-US" sz="1200" dirty="0"/>
+                <a:rPr lang="en-US" sz="1400" dirty="0"/>
                 <a:t>Introduction</a:t>
               </a:r>
             </a:p>
@@ -6369,10 +6512,10 @@
         </p:sp>
         <p:sp>
           <p:nvSpPr>
-            <p:cNvPr id="10" name="Eingekerbter Richtungspfeil 23">
+            <p:cNvPr id="23" name="Eingekerbter Richtungspfeil 23">
               <a:extLst>
                 <a:ext uri="{FF2B5EF4-FFF2-40B4-BE49-F238E27FC236}">
-                  <a16:creationId xmlns:a16="http://schemas.microsoft.com/office/drawing/2014/main" id="{C005311E-133F-493F-BFFC-C169B3CA8A86}"/>
+                  <a16:creationId xmlns:a16="http://schemas.microsoft.com/office/drawing/2014/main" id="{9D21D7F4-4092-479D-8857-2D20C77E40A9}"/>
                 </a:ext>
               </a:extLst>
             </p:cNvPr>
@@ -6381,7 +6524,7 @@
           </p:nvSpPr>
           <p:spPr>
             <a:xfrm>
-              <a:off x="1284399" y="6091574"/>
+              <a:off x="1277780" y="6067929"/>
               <a:ext cx="158496" cy="158496"/>
             </a:xfrm>
             <a:prstGeom prst="chevron">
@@ -6407,7 +6550,7 @@
             <a:lstStyle/>
             <a:p>
               <a:pPr algn="ctr"/>
-              <a:endParaRPr lang="de-DE" dirty="0">
+              <a:endParaRPr lang="de-DE" sz="1400" dirty="0">
                 <a:solidFill>
                   <a:schemeClr val="tx1"/>
                 </a:solidFill>
@@ -6417,10 +6560,10 @@
         </p:sp>
         <p:sp>
           <p:nvSpPr>
-            <p:cNvPr id="11" name="Eingekerbter Richtungspfeil 24">
+            <p:cNvPr id="24" name="Eingekerbter Richtungspfeil 24">
               <a:extLst>
                 <a:ext uri="{FF2B5EF4-FFF2-40B4-BE49-F238E27FC236}">
-                  <a16:creationId xmlns:a16="http://schemas.microsoft.com/office/drawing/2014/main" id="{13B86617-4353-46AD-97C4-7F02A1BA1B80}"/>
+                  <a16:creationId xmlns:a16="http://schemas.microsoft.com/office/drawing/2014/main" id="{70678C5C-8F65-4221-B759-98D3F8180625}"/>
                 </a:ext>
               </a:extLst>
             </p:cNvPr>
@@ -6429,7 +6572,7 @@
           </p:nvSpPr>
           <p:spPr>
             <a:xfrm>
-              <a:off x="2052380" y="6091574"/>
+              <a:off x="2074801" y="6078481"/>
               <a:ext cx="158496" cy="158496"/>
             </a:xfrm>
             <a:prstGeom prst="chevron">
@@ -6455,7 +6598,7 @@
             <a:lstStyle/>
             <a:p>
               <a:pPr algn="ctr"/>
-              <a:endParaRPr lang="de-DE" dirty="0">
+              <a:endParaRPr lang="de-DE" sz="1400" dirty="0">
                 <a:solidFill>
                   <a:schemeClr val="tx1"/>
                 </a:solidFill>
@@ -6465,10 +6608,10 @@
         </p:sp>
         <p:sp>
           <p:nvSpPr>
-            <p:cNvPr id="12" name="Eingekerbter Richtungspfeil 25">
+            <p:cNvPr id="25" name="Eingekerbter Richtungspfeil 25">
               <a:extLst>
                 <a:ext uri="{FF2B5EF4-FFF2-40B4-BE49-F238E27FC236}">
-                  <a16:creationId xmlns:a16="http://schemas.microsoft.com/office/drawing/2014/main" id="{40D0FAF6-EB9E-4EEF-BCBE-972523E34CB7}"/>
+                  <a16:creationId xmlns:a16="http://schemas.microsoft.com/office/drawing/2014/main" id="{37FE6E0C-5BD6-408F-80F1-9A6E1512E0B7}"/>
                 </a:ext>
               </a:extLst>
             </p:cNvPr>
@@ -6477,7 +6620,7 @@
           </p:nvSpPr>
           <p:spPr>
             <a:xfrm>
-              <a:off x="4116879" y="6091574"/>
+              <a:off x="4309376" y="6064001"/>
               <a:ext cx="158496" cy="158496"/>
             </a:xfrm>
             <a:prstGeom prst="chevron">
@@ -6503,7 +6646,7 @@
             <a:lstStyle/>
             <a:p>
               <a:pPr algn="ctr"/>
-              <a:endParaRPr lang="de-DE" dirty="0">
+              <a:endParaRPr lang="de-DE" sz="1400" dirty="0">
                 <a:solidFill>
                   <a:schemeClr val="tx1"/>
                 </a:solidFill>
@@ -6513,10 +6656,10 @@
         </p:sp>
         <p:sp>
           <p:nvSpPr>
-            <p:cNvPr id="13" name="Textfeld 12">
+            <p:cNvPr id="26" name="Textfeld 25">
               <a:extLst>
                 <a:ext uri="{FF2B5EF4-FFF2-40B4-BE49-F238E27FC236}">
-                  <a16:creationId xmlns:a16="http://schemas.microsoft.com/office/drawing/2014/main" id="{6910B1B0-7848-461D-A8EE-494297AF2C2C}"/>
+                  <a16:creationId xmlns:a16="http://schemas.microsoft.com/office/drawing/2014/main" id="{E66C2857-7C2A-4A94-88EB-0C9A4DDDEB00}"/>
                 </a:ext>
               </a:extLst>
             </p:cNvPr>
@@ -6525,8 +6668,8 @@
           </p:nvSpPr>
           <p:spPr>
             <a:xfrm>
-              <a:off x="4324070" y="6032320"/>
-              <a:ext cx="1588897" cy="276999"/>
+              <a:off x="4497856" y="5999483"/>
+              <a:ext cx="1827744" cy="307777"/>
             </a:xfrm>
             <a:prstGeom prst="rect">
               <a:avLst/>
@@ -6556,8 +6699,9 @@
             </a:bodyPr>
             <a:lstStyle/>
             <a:p>
+              <a:pPr algn="ctr"/>
               <a:r>
-                <a:rPr lang="en-US" sz="1200" dirty="0"/>
+                <a:rPr lang="en-US" sz="1400" dirty="0"/>
                 <a:t>Deployment Pipeline</a:t>
               </a:r>
             </a:p>
@@ -6565,10 +6709,10 @@
         </p:sp>
         <p:sp>
           <p:nvSpPr>
-            <p:cNvPr id="14" name="Eingekerbter Richtungspfeil 27">
+            <p:cNvPr id="27" name="Eingekerbter Richtungspfeil 27">
               <a:extLst>
                 <a:ext uri="{FF2B5EF4-FFF2-40B4-BE49-F238E27FC236}">
-                  <a16:creationId xmlns:a16="http://schemas.microsoft.com/office/drawing/2014/main" id="{C8C6383D-EFF4-4F8F-B7E7-55AA85D1E860}"/>
+                  <a16:creationId xmlns:a16="http://schemas.microsoft.com/office/drawing/2014/main" id="{D6BF2760-A8CC-4652-89F3-802E763EF68F}"/>
                 </a:ext>
               </a:extLst>
             </p:cNvPr>
@@ -6577,7 +6721,7 @@
           </p:nvSpPr>
           <p:spPr>
             <a:xfrm>
-              <a:off x="7320057" y="6091577"/>
+              <a:off x="7679272" y="6064001"/>
               <a:ext cx="158496" cy="158496"/>
             </a:xfrm>
             <a:prstGeom prst="chevron">
@@ -6603,7 +6747,7 @@
             <a:lstStyle/>
             <a:p>
               <a:pPr algn="ctr"/>
-              <a:endParaRPr lang="de-DE" dirty="0">
+              <a:endParaRPr lang="de-DE" sz="1400" dirty="0">
                 <a:solidFill>
                   <a:schemeClr val="tx1"/>
                 </a:solidFill>
@@ -6613,10 +6757,10 @@
         </p:sp>
         <p:cxnSp>
           <p:nvCxnSpPr>
-            <p:cNvPr id="15" name="Gerade Verbindung 28">
+            <p:cNvPr id="28" name="Gerade Verbindung 28">
               <a:extLst>
                 <a:ext uri="{FF2B5EF4-FFF2-40B4-BE49-F238E27FC236}">
-                  <a16:creationId xmlns:a16="http://schemas.microsoft.com/office/drawing/2014/main" id="{BE0E1948-1999-44A0-B261-866A1DF5995B}"/>
+                  <a16:creationId xmlns:a16="http://schemas.microsoft.com/office/drawing/2014/main" id="{04241630-C918-493A-9B35-5478B6358A20}"/>
                 </a:ext>
               </a:extLst>
             </p:cNvPr>
@@ -6656,10 +6800,10 @@
         </p:cxnSp>
         <p:sp>
           <p:nvSpPr>
-            <p:cNvPr id="16" name="Eingekerbter Richtungspfeil 29">
+            <p:cNvPr id="29" name="Eingekerbter Richtungspfeil 29">
               <a:extLst>
                 <a:ext uri="{FF2B5EF4-FFF2-40B4-BE49-F238E27FC236}">
-                  <a16:creationId xmlns:a16="http://schemas.microsoft.com/office/drawing/2014/main" id="{A4600029-E40B-4FAC-BDEA-4C82CFF469F9}"/>
+                  <a16:creationId xmlns:a16="http://schemas.microsoft.com/office/drawing/2014/main" id="{D1B7235C-FE1D-4A94-86FB-F4FC0DA720E2}"/>
                 </a:ext>
               </a:extLst>
             </p:cNvPr>
@@ -6668,7 +6812,7 @@
           </p:nvSpPr>
           <p:spPr>
             <a:xfrm>
-              <a:off x="5925672" y="6091576"/>
+              <a:off x="6325600" y="6064001"/>
               <a:ext cx="158496" cy="158496"/>
             </a:xfrm>
             <a:prstGeom prst="chevron">
@@ -6694,7 +6838,7 @@
             <a:lstStyle/>
             <a:p>
               <a:pPr algn="ctr"/>
-              <a:endParaRPr lang="de-DE" dirty="0">
+              <a:endParaRPr lang="de-DE" sz="1400" dirty="0">
                 <a:solidFill>
                   <a:schemeClr val="tx1"/>
                 </a:solidFill>
@@ -7434,7 +7578,7 @@
 </p:sld>
 </file>
 
-<file path=ppt/slides/slide2.xml><?xml version="1.0" encoding="utf-8"?>
+<file path=ppt/slides/slide12.xml><?xml version="1.0" encoding="utf-8"?>
 <p:sld xmlns:a="http://schemas.openxmlformats.org/drawingml/2006/main" xmlns:r="http://schemas.openxmlformats.org/officeDocument/2006/relationships" xmlns:p="http://schemas.openxmlformats.org/presentationml/2006/main">
   <p:cSld>
     <p:spTree>
@@ -7468,7 +7612,7 @@
           <a:p>
             <a:r>
               <a:rPr lang="en-US" dirty="0"/>
-              <a:t>Continuous Software Engineering (CSE)</a:t>
+              <a:t>References</a:t>
             </a:r>
           </a:p>
         </p:txBody>
@@ -7485,100 +7629,191 @@
         </p:nvSpPr>
         <p:spPr>
           <a:xfrm>
-            <a:off x="416445" y="498872"/>
-            <a:ext cx="8356600" cy="4028598"/>
+            <a:off x="392113" y="898923"/>
+            <a:ext cx="8356600" cy="3397698"/>
           </a:xfrm>
         </p:spPr>
         <p:txBody>
           <a:bodyPr/>
           <a:lstStyle/>
           <a:p>
+            <a:r>
+              <a:rPr lang="en-US" sz="1050" dirty="0"/>
+              <a:t> L. Bass, I. Weber and L. Zhu, DevOps: A Software Architect's Perspective, 1st edition</a:t>
+            </a:r>
+            <a:endParaRPr lang="de-DE" sz="1050" dirty="0"/>
+          </a:p>
+          <a:p>
+            <a:r>
+              <a:rPr lang="en-US" sz="1050" dirty="0"/>
+              <a:t> L. Chen, Continuous Delivery: Huge Benefits, but Challenges Too, IEEE 2015</a:t>
+            </a:r>
+            <a:endParaRPr lang="de-DE" sz="1050" dirty="0"/>
+          </a:p>
+          <a:p>
+            <a:r>
+              <a:rPr lang="en-US" sz="1050" dirty="0"/>
+              <a:t> H. Olsson, H. </a:t>
+            </a:r>
+            <a:r>
+              <a:rPr lang="en-US" sz="1050" dirty="0" err="1"/>
+              <a:t>Alahyari</a:t>
+            </a:r>
+            <a:r>
+              <a:rPr lang="en-US" sz="1050" dirty="0"/>
+              <a:t> and J. Bosch, Climbing the "Stairway to Heaven": A multiple-case study exploring      barriers in the transition from agile development towards continuous deployment of software, IEEE 2012</a:t>
+            </a:r>
+            <a:endParaRPr lang="de-DE" sz="1050" dirty="0"/>
+          </a:p>
+          <a:p>
+            <a:r>
+              <a:rPr lang="en-US" sz="1050" dirty="0"/>
+              <a:t> L. Chen, Towards Architecting for Continuous Delivery, IEEE 2015</a:t>
+            </a:r>
+            <a:endParaRPr lang="de-DE" sz="1050" dirty="0"/>
+          </a:p>
+          <a:p>
+            <a:r>
+              <a:rPr lang="en-US" sz="1050" dirty="0"/>
+              <a:t>M. Shahin, M. Babar and L. Zhu, The Intersection of Continuous Deployment and Architecting Process: Practitioners’ Perspectives, ACM 2016</a:t>
+            </a:r>
+            <a:endParaRPr lang="de-DE" sz="1050" dirty="0"/>
+          </a:p>
+          <a:p>
+            <a:r>
+              <a:rPr lang="en-US" sz="1050" dirty="0"/>
+              <a:t> G. Claps, R. </a:t>
+            </a:r>
+            <a:r>
+              <a:rPr lang="en-US" sz="1050" dirty="0" err="1"/>
+              <a:t>Svensson</a:t>
+            </a:r>
+            <a:r>
+              <a:rPr lang="en-US" sz="1050" dirty="0"/>
+              <a:t>, A. Aurum On the journey to continuous deployment: Technical and social challenges along the way, Elsevier 2014</a:t>
+            </a:r>
+            <a:endParaRPr lang="de-DE" sz="1050" dirty="0"/>
+          </a:p>
+          <a:p>
+            <a:r>
+              <a:rPr lang="en-US" sz="1050" dirty="0"/>
+              <a:t>M. Shahin, M. Babar and L. Zhu, Continuous Integration, Delivery and Deployment: A Systematic Review on Approaches, Tools, Challenges and Practices, IEEE 2017</a:t>
+            </a:r>
+            <a:endParaRPr lang="de-DE" sz="1050" dirty="0"/>
+          </a:p>
+          <a:p>
+            <a:r>
+              <a:rPr lang="en-US" sz="1050" dirty="0"/>
+              <a:t>E. </a:t>
+            </a:r>
+            <a:r>
+              <a:rPr lang="en-US" sz="1050" dirty="0" err="1"/>
+              <a:t>Laukkanen</a:t>
+            </a:r>
+            <a:r>
+              <a:rPr lang="en-US" sz="1050" dirty="0"/>
+              <a:t>, T. </a:t>
+            </a:r>
+            <a:r>
+              <a:rPr lang="en-US" sz="1050" dirty="0" err="1"/>
+              <a:t>Lehtinen</a:t>
+            </a:r>
+            <a:r>
+              <a:rPr lang="en-US" sz="1050" dirty="0"/>
+              <a:t> and J. </a:t>
+            </a:r>
+            <a:r>
+              <a:rPr lang="en-US" sz="1050" dirty="0" err="1"/>
+              <a:t>Itkonen</a:t>
+            </a:r>
+            <a:r>
+              <a:rPr lang="en-US" sz="1050" dirty="0"/>
+              <a:t>, Bottom-up Adoption of Continuous Delivery in a</a:t>
+            </a:r>
+            <a:endParaRPr lang="de-DE" sz="1050" dirty="0"/>
+          </a:p>
+          <a:p>
+            <a:r>
+              <a:rPr lang="en-US" sz="1050" dirty="0"/>
+              <a:t>Stage-Gate Managed Software Organization, ACM 2016</a:t>
+            </a:r>
+            <a:endParaRPr lang="de-DE" sz="1050" dirty="0"/>
+          </a:p>
+          <a:p>
+            <a:r>
+              <a:rPr lang="en-US" sz="1050" dirty="0"/>
+              <a:t>M. Shahin, M. Babar and L. Zhu, Beyond Continuous Delivery: An Empirical Investigation of Continuous Deployment Challenges, Research Gate 2017</a:t>
+            </a:r>
+            <a:endParaRPr lang="de-DE" sz="1050" dirty="0"/>
+          </a:p>
+          <a:p>
+            <a:r>
+              <a:rPr lang="en-US" sz="1050" dirty="0"/>
+              <a:t>G. </a:t>
+            </a:r>
+            <a:r>
+              <a:rPr lang="en-US" sz="1050" dirty="0" err="1"/>
+              <a:t>Schermann</a:t>
+            </a:r>
+            <a:r>
+              <a:rPr lang="en-US" sz="1050" dirty="0"/>
+              <a:t>, K. </a:t>
+            </a:r>
+            <a:r>
+              <a:rPr lang="en-US" sz="1050" dirty="0" err="1"/>
+              <a:t>Cito</a:t>
+            </a:r>
+            <a:r>
+              <a:rPr lang="en-US" sz="1050" dirty="0"/>
+              <a:t>, P. Leitner, U. Zdun, and H. Gall, An Empirical Study on Principles and Practices of Continuous Delivery and Deployment</a:t>
+            </a:r>
+            <a:endParaRPr lang="de-DE" sz="1050" dirty="0"/>
+          </a:p>
+          <a:p>
+            <a:r>
+              <a:rPr lang="en-US" sz="1050" dirty="0"/>
+              <a:t>S. </a:t>
+            </a:r>
+            <a:r>
+              <a:rPr lang="en-US" sz="1050" dirty="0" err="1"/>
+              <a:t>Taheritanjani</a:t>
+            </a:r>
+            <a:r>
+              <a:rPr lang="en-US" sz="1050" dirty="0"/>
+              <a:t>, S. </a:t>
+            </a:r>
+            <a:r>
+              <a:rPr lang="en-US" sz="1050" dirty="0" err="1"/>
+              <a:t>Krusche</a:t>
+            </a:r>
+            <a:r>
+              <a:rPr lang="en-US" sz="1050" dirty="0"/>
+              <a:t>, B. </a:t>
+            </a:r>
+            <a:r>
+              <a:rPr lang="en-US" sz="1050" dirty="0" err="1"/>
+              <a:t>Bruegge</a:t>
+            </a:r>
+            <a:r>
+              <a:rPr lang="en-US" sz="1050" dirty="0"/>
+              <a:t>, A Comparison between Commercial and Open Source Reference Implementations for the Rugby Process Model, TUM</a:t>
+            </a:r>
+            <a:endParaRPr lang="de-DE" sz="1050" dirty="0"/>
+          </a:p>
+          <a:p>
             <a:pPr marL="0" indent="0">
               <a:buNone/>
             </a:pPr>
-            <a:endParaRPr lang="en-US" dirty="0"/>
-          </a:p>
-          <a:p>
-            <a:r>
-              <a:rPr lang="en-US" dirty="0"/>
-              <a:t>Software development strategy to deliver software more frequently</a:t>
-            </a:r>
-          </a:p>
-          <a:p>
-            <a:r>
-              <a:rPr lang="en-US" dirty="0"/>
-              <a:t>Practices: </a:t>
-            </a:r>
-          </a:p>
-          <a:p>
-            <a:pPr lvl="1"/>
-            <a:r>
-              <a:rPr lang="en-US" dirty="0"/>
-              <a:t>Continuous Integration (CI)</a:t>
-            </a:r>
-          </a:p>
-          <a:p>
-            <a:pPr lvl="1"/>
-            <a:r>
-              <a:rPr lang="en-US" dirty="0"/>
-              <a:t>Continuous Delivery (CDE)  </a:t>
-            </a:r>
-          </a:p>
-          <a:p>
-            <a:pPr lvl="1"/>
-            <a:r>
-              <a:rPr lang="en-US" dirty="0"/>
-              <a:t>Continuous Deployment (CD)</a:t>
-            </a:r>
-          </a:p>
-          <a:p>
-            <a:r>
-              <a:rPr lang="en-US" dirty="0"/>
-              <a:t>Benefits:</a:t>
-            </a:r>
-          </a:p>
-          <a:p>
-            <a:pPr lvl="1"/>
-            <a:r>
-              <a:rPr lang="en-US" dirty="0"/>
-              <a:t>Reduced time-to-market</a:t>
-            </a:r>
-          </a:p>
-          <a:p>
-            <a:pPr lvl="1"/>
-            <a:r>
-              <a:rPr lang="en-US" dirty="0"/>
-              <a:t>Quick user feedback	</a:t>
-            </a:r>
-          </a:p>
-          <a:p>
-            <a:r>
-              <a:rPr lang="en-US" dirty="0"/>
-              <a:t>Challenges:</a:t>
-            </a:r>
-          </a:p>
-          <a:p>
-            <a:pPr lvl="1"/>
-            <a:r>
-              <a:rPr lang="en-US" dirty="0"/>
-              <a:t>Organizational, social, technical, architectural challenges</a:t>
-            </a:r>
-          </a:p>
-          <a:p>
-            <a:endParaRPr lang="en-US" dirty="0"/>
-          </a:p>
-          <a:p>
-            <a:pPr lvl="1"/>
-            <a:endParaRPr lang="en-US" dirty="0"/>
+            <a:endParaRPr lang="en-US" sz="1050" dirty="0"/>
           </a:p>
         </p:txBody>
       </p:sp>
       <p:grpSp>
         <p:nvGrpSpPr>
-          <p:cNvPr id="4" name="Gruppieren 21">
+          <p:cNvPr id="30" name="Gruppieren 21">
             <a:extLst>
               <a:ext uri="{FF2B5EF4-FFF2-40B4-BE49-F238E27FC236}">
-                <a16:creationId xmlns:a16="http://schemas.microsoft.com/office/drawing/2014/main" id="{AA131601-72E5-4228-A286-1E3E6D78B764}"/>
+                <a16:creationId xmlns:a16="http://schemas.microsoft.com/office/drawing/2014/main" id="{0587EAB0-62AE-4AAC-92B9-C24D805F5E39}"/>
               </a:ext>
             </a:extLst>
           </p:cNvPr>
@@ -7588,17 +7823,17 @@
         <p:grpSpPr>
           <a:xfrm>
             <a:off x="72000" y="4424179"/>
-            <a:ext cx="9072000" cy="322630"/>
+            <a:ext cx="9072854" cy="335167"/>
             <a:chOff x="25400" y="5986694"/>
-            <a:chExt cx="9072000" cy="322630"/>
+            <a:chExt cx="9072854" cy="335167"/>
           </a:xfrm>
         </p:grpSpPr>
         <p:sp>
           <p:nvSpPr>
-            <p:cNvPr id="5" name="Textfeld 13">
+            <p:cNvPr id="31" name="Textfeld 13">
               <a:extLst>
                 <a:ext uri="{FF2B5EF4-FFF2-40B4-BE49-F238E27FC236}">
-                  <a16:creationId xmlns:a16="http://schemas.microsoft.com/office/drawing/2014/main" id="{2BCE988F-F02A-4D6D-B2E3-D098FA90D670}"/>
+                  <a16:creationId xmlns:a16="http://schemas.microsoft.com/office/drawing/2014/main" id="{800EA15A-1C04-4073-9F7B-A0478BB03400}"/>
                 </a:ext>
               </a:extLst>
             </p:cNvPr>
@@ -7607,8 +7842,8 @@
           </p:nvSpPr>
           <p:spPr>
             <a:xfrm>
-              <a:off x="1493183" y="6032322"/>
-              <a:ext cx="554389" cy="276999"/>
+              <a:off x="1493804" y="5994910"/>
+              <a:ext cx="554389" cy="307777"/>
             </a:xfrm>
             <a:prstGeom prst="rect">
               <a:avLst/>
@@ -7640,7 +7875,7 @@
             <a:p>
               <a:pPr algn="ctr"/>
               <a:r>
-                <a:rPr lang="en-US" sz="1200" dirty="0"/>
+                <a:rPr lang="en-US" sz="1400" dirty="0"/>
                 <a:t>CSE</a:t>
               </a:r>
             </a:p>
@@ -7648,10 +7883,10 @@
         </p:sp>
         <p:sp>
           <p:nvSpPr>
-            <p:cNvPr id="6" name="Textfeld 14">
+            <p:cNvPr id="32" name="Textfeld 14">
               <a:extLst>
                 <a:ext uri="{FF2B5EF4-FFF2-40B4-BE49-F238E27FC236}">
-                  <a16:creationId xmlns:a16="http://schemas.microsoft.com/office/drawing/2014/main" id="{C8E64975-DD4E-484D-9EF4-CB11AB9E264F}"/>
+                  <a16:creationId xmlns:a16="http://schemas.microsoft.com/office/drawing/2014/main" id="{43ED7D31-45B8-4B55-9EFD-68C69316B785}"/>
                 </a:ext>
               </a:extLst>
             </p:cNvPr>
@@ -7660,8 +7895,8 @@
           </p:nvSpPr>
           <p:spPr>
             <a:xfrm>
-              <a:off x="6282440" y="6032325"/>
-              <a:ext cx="949299" cy="276999"/>
+              <a:off x="6541624" y="6014084"/>
+              <a:ext cx="1161052" cy="307777"/>
             </a:xfrm>
             <a:prstGeom prst="rect">
               <a:avLst/>
@@ -7686,13 +7921,14 @@
             </a:fontRef>
           </p:style>
           <p:txBody>
-            <a:bodyPr wrap="none" rtlCol="0">
+            <a:bodyPr wrap="square" rtlCol="0">
               <a:spAutoFit/>
             </a:bodyPr>
             <a:lstStyle/>
             <a:p>
+              <a:pPr algn="ctr"/>
               <a:r>
-                <a:rPr lang="en-US" sz="1200" dirty="0"/>
+                <a:rPr lang="en-US" sz="1400" dirty="0"/>
                 <a:t>Challenges</a:t>
               </a:r>
             </a:p>
@@ -7700,10 +7936,10 @@
         </p:sp>
         <p:sp>
           <p:nvSpPr>
-            <p:cNvPr id="7" name="Textfeld 6">
+            <p:cNvPr id="33" name="Textfeld 32">
               <a:extLst>
                 <a:ext uri="{FF2B5EF4-FFF2-40B4-BE49-F238E27FC236}">
-                  <a16:creationId xmlns:a16="http://schemas.microsoft.com/office/drawing/2014/main" id="{5B1D65DE-7E84-4D4A-AD1F-FC54B535CB1E}"/>
+                  <a16:creationId xmlns:a16="http://schemas.microsoft.com/office/drawing/2014/main" id="{1AB9F6B6-3524-4C2C-8F19-125338E3AB1B}"/>
                 </a:ext>
               </a:extLst>
             </p:cNvPr>
@@ -7712,8 +7948,61 @@
           </p:nvSpPr>
           <p:spPr>
             <a:xfrm>
-              <a:off x="2361122" y="6032320"/>
-              <a:ext cx="1774155" cy="276999"/>
+              <a:off x="2214434" y="5993289"/>
+              <a:ext cx="2094942" cy="307777"/>
+            </a:xfrm>
+            <a:prstGeom prst="rect">
+              <a:avLst/>
+            </a:prstGeom>
+            <a:noFill/>
+            <a:ln>
+              <a:noFill/>
+            </a:ln>
+          </p:spPr>
+          <p:style>
+            <a:lnRef idx="2">
+              <a:schemeClr val="accent3"/>
+            </a:lnRef>
+            <a:fillRef idx="1">
+              <a:schemeClr val="lt1"/>
+            </a:fillRef>
+            <a:effectRef idx="0">
+              <a:schemeClr val="accent3"/>
+            </a:effectRef>
+            <a:fontRef idx="minor">
+              <a:schemeClr val="dk1"/>
+            </a:fontRef>
+          </p:style>
+          <p:txBody>
+            <a:bodyPr wrap="square" rtlCol="0">
+              <a:spAutoFit/>
+            </a:bodyPr>
+            <a:lstStyle/>
+            <a:p>
+              <a:pPr algn="ctr"/>
+              <a:r>
+                <a:rPr lang="en-US" sz="1400" dirty="0"/>
+                <a:t>The Stairway to Heaven</a:t>
+              </a:r>
+            </a:p>
+          </p:txBody>
+        </p:sp>
+        <p:sp>
+          <p:nvSpPr>
+            <p:cNvPr id="34" name="Textfeld 33">
+              <a:extLst>
+                <a:ext uri="{FF2B5EF4-FFF2-40B4-BE49-F238E27FC236}">
+                  <a16:creationId xmlns:a16="http://schemas.microsoft.com/office/drawing/2014/main" id="{6F02309A-B54B-479C-8C17-ECBF3E4DA228}"/>
+                </a:ext>
+              </a:extLst>
+            </p:cNvPr>
+            <p:cNvSpPr txBox="1"/>
+            <p:nvPr/>
+          </p:nvSpPr>
+          <p:spPr>
+            <a:xfrm>
+              <a:off x="7820226" y="6000783"/>
+              <a:ext cx="1278028" cy="307777"/>
             </a:xfrm>
             <a:prstGeom prst="rect">
               <a:avLst/>
@@ -7744,18 +8033,18 @@
             <a:lstStyle/>
             <a:p>
               <a:r>
-                <a:rPr lang="en-US" sz="1200" dirty="0"/>
-                <a:t>The Stairway to Haven</a:t>
+                <a:rPr lang="en-US" sz="1400" dirty="0"/>
+                <a:t>Conclusion</a:t>
               </a:r>
             </a:p>
           </p:txBody>
         </p:sp>
         <p:sp>
           <p:nvSpPr>
-            <p:cNvPr id="8" name="Textfeld 7">
+            <p:cNvPr id="35" name="Textfeld 34">
               <a:extLst>
                 <a:ext uri="{FF2B5EF4-FFF2-40B4-BE49-F238E27FC236}">
-                  <a16:creationId xmlns:a16="http://schemas.microsoft.com/office/drawing/2014/main" id="{8544E219-3395-4D35-AB47-83E797162EF8}"/>
+                  <a16:creationId xmlns:a16="http://schemas.microsoft.com/office/drawing/2014/main" id="{9C4D1ACF-1AFB-4F74-A49A-31638A88C2AA}"/>
                 </a:ext>
               </a:extLst>
             </p:cNvPr>
@@ -7764,8 +8053,8 @@
           </p:nvSpPr>
           <p:spPr>
             <a:xfrm>
-              <a:off x="7763010" y="6032321"/>
-              <a:ext cx="1278028" cy="276999"/>
+              <a:off x="158515" y="6000783"/>
+              <a:ext cx="1213939" cy="307777"/>
             </a:xfrm>
             <a:prstGeom prst="rect">
               <a:avLst/>
@@ -7796,59 +8085,7 @@
             <a:lstStyle/>
             <a:p>
               <a:r>
-                <a:rPr lang="en-US" sz="1200" dirty="0"/>
-                <a:t>Summary</a:t>
-              </a:r>
-            </a:p>
-          </p:txBody>
-        </p:sp>
-        <p:sp>
-          <p:nvSpPr>
-            <p:cNvPr id="9" name="Textfeld 8">
-              <a:extLst>
-                <a:ext uri="{FF2B5EF4-FFF2-40B4-BE49-F238E27FC236}">
-                  <a16:creationId xmlns:a16="http://schemas.microsoft.com/office/drawing/2014/main" id="{852888F9-9852-4482-8D86-9D678EB085AD}"/>
-                </a:ext>
-              </a:extLst>
-            </p:cNvPr>
-            <p:cNvSpPr txBox="1"/>
-            <p:nvPr/>
-          </p:nvSpPr>
-          <p:spPr>
-            <a:xfrm>
-              <a:off x="179512" y="6032321"/>
-              <a:ext cx="1213939" cy="276999"/>
-            </a:xfrm>
-            <a:prstGeom prst="rect">
-              <a:avLst/>
-            </a:prstGeom>
-            <a:noFill/>
-            <a:ln>
-              <a:noFill/>
-            </a:ln>
-          </p:spPr>
-          <p:style>
-            <a:lnRef idx="2">
-              <a:schemeClr val="accent3"/>
-            </a:lnRef>
-            <a:fillRef idx="1">
-              <a:schemeClr val="lt1"/>
-            </a:fillRef>
-            <a:effectRef idx="0">
-              <a:schemeClr val="accent3"/>
-            </a:effectRef>
-            <a:fontRef idx="minor">
-              <a:schemeClr val="dk1"/>
-            </a:fontRef>
-          </p:style>
-          <p:txBody>
-            <a:bodyPr wrap="square" rtlCol="0">
-              <a:spAutoFit/>
-            </a:bodyPr>
-            <a:lstStyle/>
-            <a:p>
-              <a:r>
-                <a:rPr lang="en-US" sz="1200" b="1" dirty="0"/>
+                <a:rPr lang="en-US" sz="1400" dirty="0"/>
                 <a:t>Introduction</a:t>
               </a:r>
             </a:p>
@@ -7856,10 +8093,10 @@
         </p:sp>
         <p:sp>
           <p:nvSpPr>
-            <p:cNvPr id="10" name="Eingekerbter Richtungspfeil 23">
+            <p:cNvPr id="36" name="Eingekerbter Richtungspfeil 23">
               <a:extLst>
                 <a:ext uri="{FF2B5EF4-FFF2-40B4-BE49-F238E27FC236}">
-                  <a16:creationId xmlns:a16="http://schemas.microsoft.com/office/drawing/2014/main" id="{C005311E-133F-493F-BFFC-C169B3CA8A86}"/>
+                  <a16:creationId xmlns:a16="http://schemas.microsoft.com/office/drawing/2014/main" id="{68C14798-3D57-442E-9FB9-53A74CC8CB49}"/>
                 </a:ext>
               </a:extLst>
             </p:cNvPr>
@@ -7868,7 +8105,7 @@
           </p:nvSpPr>
           <p:spPr>
             <a:xfrm>
-              <a:off x="1284399" y="6091574"/>
+              <a:off x="1277780" y="6067929"/>
               <a:ext cx="158496" cy="158496"/>
             </a:xfrm>
             <a:prstGeom prst="chevron">
@@ -7894,7 +8131,7 @@
             <a:lstStyle/>
             <a:p>
               <a:pPr algn="ctr"/>
-              <a:endParaRPr lang="de-DE" dirty="0">
+              <a:endParaRPr lang="de-DE" sz="1400" dirty="0">
                 <a:solidFill>
                   <a:schemeClr val="tx1"/>
                 </a:solidFill>
@@ -7904,10 +8141,10 @@
         </p:sp>
         <p:sp>
           <p:nvSpPr>
-            <p:cNvPr id="11" name="Eingekerbter Richtungspfeil 24">
+            <p:cNvPr id="37" name="Eingekerbter Richtungspfeil 24">
               <a:extLst>
                 <a:ext uri="{FF2B5EF4-FFF2-40B4-BE49-F238E27FC236}">
-                  <a16:creationId xmlns:a16="http://schemas.microsoft.com/office/drawing/2014/main" id="{13B86617-4353-46AD-97C4-7F02A1BA1B80}"/>
+                  <a16:creationId xmlns:a16="http://schemas.microsoft.com/office/drawing/2014/main" id="{54453DD4-EC6E-408A-BA81-C2CE161926B3}"/>
                 </a:ext>
               </a:extLst>
             </p:cNvPr>
@@ -7916,7 +8153,7 @@
           </p:nvSpPr>
           <p:spPr>
             <a:xfrm>
-              <a:off x="2052380" y="6091574"/>
+              <a:off x="2074801" y="6078481"/>
               <a:ext cx="158496" cy="158496"/>
             </a:xfrm>
             <a:prstGeom prst="chevron">
@@ -7942,7 +8179,7 @@
             <a:lstStyle/>
             <a:p>
               <a:pPr algn="ctr"/>
-              <a:endParaRPr lang="de-DE" dirty="0">
+              <a:endParaRPr lang="de-DE" sz="1400" dirty="0">
                 <a:solidFill>
                   <a:schemeClr val="tx1"/>
                 </a:solidFill>
@@ -7952,10 +8189,10 @@
         </p:sp>
         <p:sp>
           <p:nvSpPr>
-            <p:cNvPr id="12" name="Eingekerbter Richtungspfeil 25">
+            <p:cNvPr id="38" name="Eingekerbter Richtungspfeil 25">
               <a:extLst>
                 <a:ext uri="{FF2B5EF4-FFF2-40B4-BE49-F238E27FC236}">
-                  <a16:creationId xmlns:a16="http://schemas.microsoft.com/office/drawing/2014/main" id="{40D0FAF6-EB9E-4EEF-BCBE-972523E34CB7}"/>
+                  <a16:creationId xmlns:a16="http://schemas.microsoft.com/office/drawing/2014/main" id="{56747FC4-B7A1-47F6-80F2-BA7267386E5D}"/>
                 </a:ext>
               </a:extLst>
             </p:cNvPr>
@@ -7964,7 +8201,7 @@
           </p:nvSpPr>
           <p:spPr>
             <a:xfrm>
-              <a:off x="4116879" y="6091574"/>
+              <a:off x="4309376" y="6064001"/>
               <a:ext cx="158496" cy="158496"/>
             </a:xfrm>
             <a:prstGeom prst="chevron">
@@ -7990,7 +8227,7 @@
             <a:lstStyle/>
             <a:p>
               <a:pPr algn="ctr"/>
-              <a:endParaRPr lang="de-DE" dirty="0">
+              <a:endParaRPr lang="de-DE" sz="1400" dirty="0">
                 <a:solidFill>
                   <a:schemeClr val="tx1"/>
                 </a:solidFill>
@@ -8000,10 +8237,10 @@
         </p:sp>
         <p:sp>
           <p:nvSpPr>
-            <p:cNvPr id="13" name="Textfeld 12">
+            <p:cNvPr id="39" name="Textfeld 38">
               <a:extLst>
                 <a:ext uri="{FF2B5EF4-FFF2-40B4-BE49-F238E27FC236}">
-                  <a16:creationId xmlns:a16="http://schemas.microsoft.com/office/drawing/2014/main" id="{6910B1B0-7848-461D-A8EE-494297AF2C2C}"/>
+                  <a16:creationId xmlns:a16="http://schemas.microsoft.com/office/drawing/2014/main" id="{FF8A2CE7-CAEF-43EA-8A06-4B6DA6B536BB}"/>
                 </a:ext>
               </a:extLst>
             </p:cNvPr>
@@ -8012,8 +8249,8 @@
           </p:nvSpPr>
           <p:spPr>
             <a:xfrm>
-              <a:off x="4324070" y="6032320"/>
-              <a:ext cx="1588897" cy="276999"/>
+              <a:off x="4497856" y="5999483"/>
+              <a:ext cx="1827744" cy="307777"/>
             </a:xfrm>
             <a:prstGeom prst="rect">
               <a:avLst/>
@@ -8043,8 +8280,9 @@
             </a:bodyPr>
             <a:lstStyle/>
             <a:p>
+              <a:pPr algn="ctr"/>
               <a:r>
-                <a:rPr lang="en-US" sz="1200" dirty="0"/>
+                <a:rPr lang="en-US" sz="1400" dirty="0"/>
                 <a:t>Deployment Pipeline</a:t>
               </a:r>
             </a:p>
@@ -8052,10 +8290,10 @@
         </p:sp>
         <p:sp>
           <p:nvSpPr>
-            <p:cNvPr id="14" name="Eingekerbter Richtungspfeil 27">
+            <p:cNvPr id="40" name="Eingekerbter Richtungspfeil 27">
               <a:extLst>
                 <a:ext uri="{FF2B5EF4-FFF2-40B4-BE49-F238E27FC236}">
-                  <a16:creationId xmlns:a16="http://schemas.microsoft.com/office/drawing/2014/main" id="{C8C6383D-EFF4-4F8F-B7E7-55AA85D1E860}"/>
+                  <a16:creationId xmlns:a16="http://schemas.microsoft.com/office/drawing/2014/main" id="{E4EF1F48-BA18-458B-8F91-33ED76293B80}"/>
                 </a:ext>
               </a:extLst>
             </p:cNvPr>
@@ -8064,7 +8302,7 @@
           </p:nvSpPr>
           <p:spPr>
             <a:xfrm>
-              <a:off x="7320057" y="6091577"/>
+              <a:off x="7679272" y="6064001"/>
               <a:ext cx="158496" cy="158496"/>
             </a:xfrm>
             <a:prstGeom prst="chevron">
@@ -8090,7 +8328,7 @@
             <a:lstStyle/>
             <a:p>
               <a:pPr algn="ctr"/>
-              <a:endParaRPr lang="de-DE" dirty="0">
+              <a:endParaRPr lang="de-DE" sz="1400" dirty="0">
                 <a:solidFill>
                   <a:schemeClr val="tx1"/>
                 </a:solidFill>
@@ -8100,10 +8338,10 @@
         </p:sp>
         <p:cxnSp>
           <p:nvCxnSpPr>
-            <p:cNvPr id="15" name="Gerade Verbindung 28">
+            <p:cNvPr id="41" name="Gerade Verbindung 28">
               <a:extLst>
                 <a:ext uri="{FF2B5EF4-FFF2-40B4-BE49-F238E27FC236}">
-                  <a16:creationId xmlns:a16="http://schemas.microsoft.com/office/drawing/2014/main" id="{BE0E1948-1999-44A0-B261-866A1DF5995B}"/>
+                  <a16:creationId xmlns:a16="http://schemas.microsoft.com/office/drawing/2014/main" id="{9DBAFE4E-5F78-4986-BDE3-DCB1B351A79A}"/>
                 </a:ext>
               </a:extLst>
             </p:cNvPr>
@@ -8143,10 +8381,10 @@
         </p:cxnSp>
         <p:sp>
           <p:nvSpPr>
-            <p:cNvPr id="16" name="Eingekerbter Richtungspfeil 29">
+            <p:cNvPr id="42" name="Eingekerbter Richtungspfeil 29">
               <a:extLst>
                 <a:ext uri="{FF2B5EF4-FFF2-40B4-BE49-F238E27FC236}">
-                  <a16:creationId xmlns:a16="http://schemas.microsoft.com/office/drawing/2014/main" id="{A4600029-E40B-4FAC-BDEA-4C82CFF469F9}"/>
+                  <a16:creationId xmlns:a16="http://schemas.microsoft.com/office/drawing/2014/main" id="{CAB8A9A5-E1A0-448B-901C-823BAA8A5BF7}"/>
                 </a:ext>
               </a:extLst>
             </p:cNvPr>
@@ -8155,7 +8393,7 @@
           </p:nvSpPr>
           <p:spPr>
             <a:xfrm>
-              <a:off x="5925672" y="6091576"/>
+              <a:off x="6325600" y="6064001"/>
               <a:ext cx="158496" cy="158496"/>
             </a:xfrm>
             <a:prstGeom prst="chevron">
@@ -8181,7 +8419,779 @@
             <a:lstStyle/>
             <a:p>
               <a:pPr algn="ctr"/>
-              <a:endParaRPr lang="de-DE" dirty="0">
+              <a:endParaRPr lang="de-DE" sz="1400" dirty="0">
+                <a:solidFill>
+                  <a:schemeClr val="tx1"/>
+                </a:solidFill>
+              </a:endParaRPr>
+            </a:p>
+          </p:txBody>
+        </p:sp>
+      </p:grpSp>
+    </p:spTree>
+    <p:extLst>
+      <p:ext uri="{BB962C8B-B14F-4D97-AF65-F5344CB8AC3E}">
+        <p14:creationId xmlns:p14="http://schemas.microsoft.com/office/powerpoint/2010/main" val="1524342517"/>
+      </p:ext>
+    </p:extLst>
+  </p:cSld>
+  <p:clrMapOvr>
+    <a:masterClrMapping/>
+  </p:clrMapOvr>
+</p:sld>
+</file>
+
+<file path=ppt/slides/slide2.xml><?xml version="1.0" encoding="utf-8"?>
+<p:sld xmlns:a="http://schemas.openxmlformats.org/drawingml/2006/main" xmlns:r="http://schemas.openxmlformats.org/officeDocument/2006/relationships" xmlns:p="http://schemas.openxmlformats.org/presentationml/2006/main">
+  <p:cSld>
+    <p:spTree>
+      <p:nvGrpSpPr>
+        <p:cNvPr id="1" name=""/>
+        <p:cNvGrpSpPr/>
+        <p:nvPr/>
+      </p:nvGrpSpPr>
+      <p:grpSpPr>
+        <a:xfrm>
+          <a:off x="0" y="0"/>
+          <a:ext cx="0" cy="0"/>
+          <a:chOff x="0" y="0"/>
+          <a:chExt cx="0" cy="0"/>
+        </a:xfrm>
+      </p:grpSpPr>
+      <p:sp>
+        <p:nvSpPr>
+          <p:cNvPr id="29698" name="Rectangle 2"/>
+          <p:cNvSpPr>
+            <a:spLocks noGrp="1" noChangeArrowheads="1"/>
+          </p:cNvSpPr>
+          <p:nvPr>
+            <p:ph type="title"/>
+          </p:nvPr>
+        </p:nvSpPr>
+        <p:spPr/>
+        <p:txBody>
+          <a:bodyPr/>
+          <a:lstStyle/>
+          <a:p>
+            <a:r>
+              <a:rPr lang="en-US" dirty="0"/>
+              <a:t>Continuous Software Engineering (CSE)</a:t>
+            </a:r>
+          </a:p>
+        </p:txBody>
+      </p:sp>
+      <p:sp>
+        <p:nvSpPr>
+          <p:cNvPr id="29699" name="Rectangle 3"/>
+          <p:cNvSpPr>
+            <a:spLocks noGrp="1" noChangeArrowheads="1"/>
+          </p:cNvSpPr>
+          <p:nvPr>
+            <p:ph type="body" idx="1"/>
+          </p:nvPr>
+        </p:nvSpPr>
+        <p:spPr>
+          <a:xfrm>
+            <a:off x="416445" y="498872"/>
+            <a:ext cx="8356600" cy="4028598"/>
+          </a:xfrm>
+        </p:spPr>
+        <p:txBody>
+          <a:bodyPr/>
+          <a:lstStyle/>
+          <a:p>
+            <a:pPr marL="0" indent="0">
+              <a:buNone/>
+            </a:pPr>
+            <a:endParaRPr lang="en-US" dirty="0"/>
+          </a:p>
+          <a:p>
+            <a:r>
+              <a:rPr lang="en-US" dirty="0"/>
+              <a:t>Software development strategy to deliver software more frequently</a:t>
+            </a:r>
+          </a:p>
+          <a:p>
+            <a:r>
+              <a:rPr lang="en-US" dirty="0"/>
+              <a:t>Practices: </a:t>
+            </a:r>
+          </a:p>
+          <a:p>
+            <a:pPr lvl="1"/>
+            <a:r>
+              <a:rPr lang="en-US" dirty="0"/>
+              <a:t>Continuous Integration (CI)</a:t>
+            </a:r>
+          </a:p>
+          <a:p>
+            <a:pPr lvl="1"/>
+            <a:r>
+              <a:rPr lang="en-US" dirty="0"/>
+              <a:t>Continuous Delivery (CDE)  </a:t>
+            </a:r>
+          </a:p>
+          <a:p>
+            <a:pPr lvl="1"/>
+            <a:r>
+              <a:rPr lang="en-US" dirty="0"/>
+              <a:t>Continuous Deployment (CD)</a:t>
+            </a:r>
+          </a:p>
+          <a:p>
+            <a:r>
+              <a:rPr lang="en-US" dirty="0"/>
+              <a:t>Benefits:</a:t>
+            </a:r>
+          </a:p>
+          <a:p>
+            <a:pPr lvl="1"/>
+            <a:r>
+              <a:rPr lang="en-US" dirty="0"/>
+              <a:t>Reduced time-to-market</a:t>
+            </a:r>
+          </a:p>
+          <a:p>
+            <a:pPr lvl="1"/>
+            <a:r>
+              <a:rPr lang="en-US" dirty="0"/>
+              <a:t>Quick user feedback	</a:t>
+            </a:r>
+          </a:p>
+          <a:p>
+            <a:r>
+              <a:rPr lang="en-US" dirty="0"/>
+              <a:t>Challenges:</a:t>
+            </a:r>
+          </a:p>
+          <a:p>
+            <a:pPr lvl="1"/>
+            <a:r>
+              <a:rPr lang="en-US" dirty="0"/>
+              <a:t>Organizational, social, technical, architectural challenges</a:t>
+            </a:r>
+          </a:p>
+          <a:p>
+            <a:endParaRPr lang="en-US" dirty="0"/>
+          </a:p>
+          <a:p>
+            <a:pPr lvl="1"/>
+            <a:endParaRPr lang="en-US" dirty="0"/>
+          </a:p>
+        </p:txBody>
+      </p:sp>
+      <p:grpSp>
+        <p:nvGrpSpPr>
+          <p:cNvPr id="17" name="Gruppieren 21">
+            <a:extLst>
+              <a:ext uri="{FF2B5EF4-FFF2-40B4-BE49-F238E27FC236}">
+                <a16:creationId xmlns:a16="http://schemas.microsoft.com/office/drawing/2014/main" id="{2F4838B7-2C73-4C36-9BE4-178396138493}"/>
+              </a:ext>
+            </a:extLst>
+          </p:cNvPr>
+          <p:cNvGrpSpPr/>
+          <p:nvPr/>
+        </p:nvGrpSpPr>
+        <p:grpSpPr>
+          <a:xfrm>
+            <a:off x="72000" y="4424179"/>
+            <a:ext cx="9072854" cy="335167"/>
+            <a:chOff x="25400" y="5986694"/>
+            <a:chExt cx="9072854" cy="335167"/>
+          </a:xfrm>
+        </p:grpSpPr>
+        <p:sp>
+          <p:nvSpPr>
+            <p:cNvPr id="18" name="Textfeld 13">
+              <a:extLst>
+                <a:ext uri="{FF2B5EF4-FFF2-40B4-BE49-F238E27FC236}">
+                  <a16:creationId xmlns:a16="http://schemas.microsoft.com/office/drawing/2014/main" id="{FA898AFF-78D1-487E-B534-1791D0A0A17E}"/>
+                </a:ext>
+              </a:extLst>
+            </p:cNvPr>
+            <p:cNvSpPr txBox="1"/>
+            <p:nvPr/>
+          </p:nvSpPr>
+          <p:spPr>
+            <a:xfrm>
+              <a:off x="1493804" y="5994910"/>
+              <a:ext cx="554389" cy="307777"/>
+            </a:xfrm>
+            <a:prstGeom prst="rect">
+              <a:avLst/>
+            </a:prstGeom>
+            <a:noFill/>
+            <a:ln>
+              <a:noFill/>
+            </a:ln>
+          </p:spPr>
+          <p:style>
+            <a:lnRef idx="2">
+              <a:schemeClr val="accent3"/>
+            </a:lnRef>
+            <a:fillRef idx="1">
+              <a:schemeClr val="lt1"/>
+            </a:fillRef>
+            <a:effectRef idx="0">
+              <a:schemeClr val="accent3"/>
+            </a:effectRef>
+            <a:fontRef idx="minor">
+              <a:schemeClr val="dk1"/>
+            </a:fontRef>
+          </p:style>
+          <p:txBody>
+            <a:bodyPr wrap="square" rtlCol="0">
+              <a:spAutoFit/>
+            </a:bodyPr>
+            <a:lstStyle/>
+            <a:p>
+              <a:pPr algn="ctr"/>
+              <a:r>
+                <a:rPr lang="en-US" sz="1400" dirty="0"/>
+                <a:t>CSE</a:t>
+              </a:r>
+            </a:p>
+          </p:txBody>
+        </p:sp>
+        <p:sp>
+          <p:nvSpPr>
+            <p:cNvPr id="19" name="Textfeld 14">
+              <a:extLst>
+                <a:ext uri="{FF2B5EF4-FFF2-40B4-BE49-F238E27FC236}">
+                  <a16:creationId xmlns:a16="http://schemas.microsoft.com/office/drawing/2014/main" id="{F9223CDC-971E-4390-AC15-ADFC0E7CC134}"/>
+                </a:ext>
+              </a:extLst>
+            </p:cNvPr>
+            <p:cNvSpPr txBox="1"/>
+            <p:nvPr/>
+          </p:nvSpPr>
+          <p:spPr>
+            <a:xfrm>
+              <a:off x="6541624" y="6014084"/>
+              <a:ext cx="1161052" cy="307777"/>
+            </a:xfrm>
+            <a:prstGeom prst="rect">
+              <a:avLst/>
+            </a:prstGeom>
+            <a:noFill/>
+            <a:ln>
+              <a:noFill/>
+            </a:ln>
+          </p:spPr>
+          <p:style>
+            <a:lnRef idx="2">
+              <a:schemeClr val="accent3"/>
+            </a:lnRef>
+            <a:fillRef idx="1">
+              <a:schemeClr val="lt1"/>
+            </a:fillRef>
+            <a:effectRef idx="0">
+              <a:schemeClr val="accent3"/>
+            </a:effectRef>
+            <a:fontRef idx="minor">
+              <a:schemeClr val="dk1"/>
+            </a:fontRef>
+          </p:style>
+          <p:txBody>
+            <a:bodyPr wrap="square" rtlCol="0">
+              <a:spAutoFit/>
+            </a:bodyPr>
+            <a:lstStyle/>
+            <a:p>
+              <a:pPr algn="ctr"/>
+              <a:r>
+                <a:rPr lang="en-US" sz="1400" dirty="0"/>
+                <a:t>Challenges</a:t>
+              </a:r>
+            </a:p>
+          </p:txBody>
+        </p:sp>
+        <p:sp>
+          <p:nvSpPr>
+            <p:cNvPr id="20" name="Textfeld 19">
+              <a:extLst>
+                <a:ext uri="{FF2B5EF4-FFF2-40B4-BE49-F238E27FC236}">
+                  <a16:creationId xmlns:a16="http://schemas.microsoft.com/office/drawing/2014/main" id="{A7BB8452-F573-48A3-9A30-E6CA23044D47}"/>
+                </a:ext>
+              </a:extLst>
+            </p:cNvPr>
+            <p:cNvSpPr txBox="1"/>
+            <p:nvPr/>
+          </p:nvSpPr>
+          <p:spPr>
+            <a:xfrm>
+              <a:off x="2214434" y="5993289"/>
+              <a:ext cx="2094942" cy="307777"/>
+            </a:xfrm>
+            <a:prstGeom prst="rect">
+              <a:avLst/>
+            </a:prstGeom>
+            <a:noFill/>
+            <a:ln>
+              <a:noFill/>
+            </a:ln>
+          </p:spPr>
+          <p:style>
+            <a:lnRef idx="2">
+              <a:schemeClr val="accent3"/>
+            </a:lnRef>
+            <a:fillRef idx="1">
+              <a:schemeClr val="lt1"/>
+            </a:fillRef>
+            <a:effectRef idx="0">
+              <a:schemeClr val="accent3"/>
+            </a:effectRef>
+            <a:fontRef idx="minor">
+              <a:schemeClr val="dk1"/>
+            </a:fontRef>
+          </p:style>
+          <p:txBody>
+            <a:bodyPr wrap="square" rtlCol="0">
+              <a:spAutoFit/>
+            </a:bodyPr>
+            <a:lstStyle/>
+            <a:p>
+              <a:pPr algn="ctr"/>
+              <a:r>
+                <a:rPr lang="en-US" sz="1400" dirty="0"/>
+                <a:t>The Stairway to Heaven</a:t>
+              </a:r>
+            </a:p>
+          </p:txBody>
+        </p:sp>
+        <p:sp>
+          <p:nvSpPr>
+            <p:cNvPr id="21" name="Textfeld 20">
+              <a:extLst>
+                <a:ext uri="{FF2B5EF4-FFF2-40B4-BE49-F238E27FC236}">
+                  <a16:creationId xmlns:a16="http://schemas.microsoft.com/office/drawing/2014/main" id="{F5474059-5C90-4AF3-A249-1BD8EEE6DD8D}"/>
+                </a:ext>
+              </a:extLst>
+            </p:cNvPr>
+            <p:cNvSpPr txBox="1"/>
+            <p:nvPr/>
+          </p:nvSpPr>
+          <p:spPr>
+            <a:xfrm>
+              <a:off x="7820226" y="6000783"/>
+              <a:ext cx="1278028" cy="307777"/>
+            </a:xfrm>
+            <a:prstGeom prst="rect">
+              <a:avLst/>
+            </a:prstGeom>
+            <a:noFill/>
+            <a:ln>
+              <a:noFill/>
+            </a:ln>
+          </p:spPr>
+          <p:style>
+            <a:lnRef idx="2">
+              <a:schemeClr val="accent3"/>
+            </a:lnRef>
+            <a:fillRef idx="1">
+              <a:schemeClr val="lt1"/>
+            </a:fillRef>
+            <a:effectRef idx="0">
+              <a:schemeClr val="accent3"/>
+            </a:effectRef>
+            <a:fontRef idx="minor">
+              <a:schemeClr val="dk1"/>
+            </a:fontRef>
+          </p:style>
+          <p:txBody>
+            <a:bodyPr wrap="square" rtlCol="0">
+              <a:spAutoFit/>
+            </a:bodyPr>
+            <a:lstStyle/>
+            <a:p>
+              <a:r>
+                <a:rPr lang="en-US" sz="1400" dirty="0"/>
+                <a:t>Conclusion</a:t>
+              </a:r>
+            </a:p>
+          </p:txBody>
+        </p:sp>
+        <p:sp>
+          <p:nvSpPr>
+            <p:cNvPr id="22" name="Textfeld 21">
+              <a:extLst>
+                <a:ext uri="{FF2B5EF4-FFF2-40B4-BE49-F238E27FC236}">
+                  <a16:creationId xmlns:a16="http://schemas.microsoft.com/office/drawing/2014/main" id="{2A4D7ADC-7A58-40A6-B982-A4C35E10D4C4}"/>
+                </a:ext>
+              </a:extLst>
+            </p:cNvPr>
+            <p:cNvSpPr txBox="1"/>
+            <p:nvPr/>
+          </p:nvSpPr>
+          <p:spPr>
+            <a:xfrm>
+              <a:off x="67155" y="6001138"/>
+              <a:ext cx="1305305" cy="307777"/>
+            </a:xfrm>
+            <a:prstGeom prst="rect">
+              <a:avLst/>
+            </a:prstGeom>
+            <a:noFill/>
+            <a:ln>
+              <a:noFill/>
+            </a:ln>
+          </p:spPr>
+          <p:style>
+            <a:lnRef idx="2">
+              <a:schemeClr val="accent3"/>
+            </a:lnRef>
+            <a:fillRef idx="1">
+              <a:schemeClr val="lt1"/>
+            </a:fillRef>
+            <a:effectRef idx="0">
+              <a:schemeClr val="accent3"/>
+            </a:effectRef>
+            <a:fontRef idx="minor">
+              <a:schemeClr val="dk1"/>
+            </a:fontRef>
+          </p:style>
+          <p:txBody>
+            <a:bodyPr wrap="square" rtlCol="0">
+              <a:spAutoFit/>
+            </a:bodyPr>
+            <a:lstStyle/>
+            <a:p>
+              <a:r>
+                <a:rPr lang="en-US" sz="1400" b="1" dirty="0"/>
+                <a:t>Introduction</a:t>
+              </a:r>
+            </a:p>
+          </p:txBody>
+        </p:sp>
+        <p:sp>
+          <p:nvSpPr>
+            <p:cNvPr id="23" name="Eingekerbter Richtungspfeil 23">
+              <a:extLst>
+                <a:ext uri="{FF2B5EF4-FFF2-40B4-BE49-F238E27FC236}">
+                  <a16:creationId xmlns:a16="http://schemas.microsoft.com/office/drawing/2014/main" id="{30B3ECAE-0892-448A-9090-1AD98DC8B35C}"/>
+                </a:ext>
+              </a:extLst>
+            </p:cNvPr>
+            <p:cNvSpPr/>
+            <p:nvPr/>
+          </p:nvSpPr>
+          <p:spPr>
+            <a:xfrm>
+              <a:off x="1277780" y="6067929"/>
+              <a:ext cx="158496" cy="158496"/>
+            </a:xfrm>
+            <a:prstGeom prst="chevron">
+              <a:avLst/>
+            </a:prstGeom>
+          </p:spPr>
+          <p:style>
+            <a:lnRef idx="1">
+              <a:schemeClr val="accent4"/>
+            </a:lnRef>
+            <a:fillRef idx="2">
+              <a:schemeClr val="accent4"/>
+            </a:fillRef>
+            <a:effectRef idx="1">
+              <a:schemeClr val="accent4"/>
+            </a:effectRef>
+            <a:fontRef idx="minor">
+              <a:schemeClr val="dk1"/>
+            </a:fontRef>
+          </p:style>
+          <p:txBody>
+            <a:bodyPr rtlCol="0" anchor="ctr"/>
+            <a:lstStyle/>
+            <a:p>
+              <a:pPr algn="ctr"/>
+              <a:endParaRPr lang="de-DE" sz="1400" dirty="0">
+                <a:solidFill>
+                  <a:schemeClr val="tx1"/>
+                </a:solidFill>
+              </a:endParaRPr>
+            </a:p>
+          </p:txBody>
+        </p:sp>
+        <p:sp>
+          <p:nvSpPr>
+            <p:cNvPr id="24" name="Eingekerbter Richtungspfeil 24">
+              <a:extLst>
+                <a:ext uri="{FF2B5EF4-FFF2-40B4-BE49-F238E27FC236}">
+                  <a16:creationId xmlns:a16="http://schemas.microsoft.com/office/drawing/2014/main" id="{F161816D-4E4E-4DF0-96AE-BFA0BDEAD28C}"/>
+                </a:ext>
+              </a:extLst>
+            </p:cNvPr>
+            <p:cNvSpPr/>
+            <p:nvPr/>
+          </p:nvSpPr>
+          <p:spPr>
+            <a:xfrm>
+              <a:off x="2074801" y="6078481"/>
+              <a:ext cx="158496" cy="158496"/>
+            </a:xfrm>
+            <a:prstGeom prst="chevron">
+              <a:avLst/>
+            </a:prstGeom>
+          </p:spPr>
+          <p:style>
+            <a:lnRef idx="1">
+              <a:schemeClr val="accent4"/>
+            </a:lnRef>
+            <a:fillRef idx="2">
+              <a:schemeClr val="accent4"/>
+            </a:fillRef>
+            <a:effectRef idx="1">
+              <a:schemeClr val="accent4"/>
+            </a:effectRef>
+            <a:fontRef idx="minor">
+              <a:schemeClr val="dk1"/>
+            </a:fontRef>
+          </p:style>
+          <p:txBody>
+            <a:bodyPr rtlCol="0" anchor="ctr"/>
+            <a:lstStyle/>
+            <a:p>
+              <a:pPr algn="ctr"/>
+              <a:endParaRPr lang="de-DE" sz="1400" dirty="0">
+                <a:solidFill>
+                  <a:schemeClr val="tx1"/>
+                </a:solidFill>
+              </a:endParaRPr>
+            </a:p>
+          </p:txBody>
+        </p:sp>
+        <p:sp>
+          <p:nvSpPr>
+            <p:cNvPr id="25" name="Eingekerbter Richtungspfeil 25">
+              <a:extLst>
+                <a:ext uri="{FF2B5EF4-FFF2-40B4-BE49-F238E27FC236}">
+                  <a16:creationId xmlns:a16="http://schemas.microsoft.com/office/drawing/2014/main" id="{19B44810-6671-46E1-A71F-0BB9D89AAAE3}"/>
+                </a:ext>
+              </a:extLst>
+            </p:cNvPr>
+            <p:cNvSpPr/>
+            <p:nvPr/>
+          </p:nvSpPr>
+          <p:spPr>
+            <a:xfrm>
+              <a:off x="4309376" y="6064001"/>
+              <a:ext cx="158496" cy="158496"/>
+            </a:xfrm>
+            <a:prstGeom prst="chevron">
+              <a:avLst/>
+            </a:prstGeom>
+          </p:spPr>
+          <p:style>
+            <a:lnRef idx="1">
+              <a:schemeClr val="accent4"/>
+            </a:lnRef>
+            <a:fillRef idx="2">
+              <a:schemeClr val="accent4"/>
+            </a:fillRef>
+            <a:effectRef idx="1">
+              <a:schemeClr val="accent4"/>
+            </a:effectRef>
+            <a:fontRef idx="minor">
+              <a:schemeClr val="dk1"/>
+            </a:fontRef>
+          </p:style>
+          <p:txBody>
+            <a:bodyPr rtlCol="0" anchor="ctr"/>
+            <a:lstStyle/>
+            <a:p>
+              <a:pPr algn="ctr"/>
+              <a:endParaRPr lang="de-DE" sz="1400" dirty="0">
+                <a:solidFill>
+                  <a:schemeClr val="tx1"/>
+                </a:solidFill>
+              </a:endParaRPr>
+            </a:p>
+          </p:txBody>
+        </p:sp>
+        <p:sp>
+          <p:nvSpPr>
+            <p:cNvPr id="26" name="Textfeld 25">
+              <a:extLst>
+                <a:ext uri="{FF2B5EF4-FFF2-40B4-BE49-F238E27FC236}">
+                  <a16:creationId xmlns:a16="http://schemas.microsoft.com/office/drawing/2014/main" id="{3AB25FBD-C36A-4B01-80B8-8A1340F74933}"/>
+                </a:ext>
+              </a:extLst>
+            </p:cNvPr>
+            <p:cNvSpPr txBox="1"/>
+            <p:nvPr/>
+          </p:nvSpPr>
+          <p:spPr>
+            <a:xfrm>
+              <a:off x="4497856" y="5999483"/>
+              <a:ext cx="1827744" cy="307777"/>
+            </a:xfrm>
+            <a:prstGeom prst="rect">
+              <a:avLst/>
+            </a:prstGeom>
+            <a:noFill/>
+            <a:ln>
+              <a:noFill/>
+            </a:ln>
+          </p:spPr>
+          <p:style>
+            <a:lnRef idx="2">
+              <a:schemeClr val="accent3"/>
+            </a:lnRef>
+            <a:fillRef idx="1">
+              <a:schemeClr val="lt1"/>
+            </a:fillRef>
+            <a:effectRef idx="0">
+              <a:schemeClr val="accent3"/>
+            </a:effectRef>
+            <a:fontRef idx="minor">
+              <a:schemeClr val="dk1"/>
+            </a:fontRef>
+          </p:style>
+          <p:txBody>
+            <a:bodyPr wrap="none" rtlCol="0">
+              <a:spAutoFit/>
+            </a:bodyPr>
+            <a:lstStyle/>
+            <a:p>
+              <a:pPr algn="ctr"/>
+              <a:r>
+                <a:rPr lang="en-US" sz="1400" dirty="0"/>
+                <a:t>Deployment Pipeline</a:t>
+              </a:r>
+            </a:p>
+          </p:txBody>
+        </p:sp>
+        <p:sp>
+          <p:nvSpPr>
+            <p:cNvPr id="27" name="Eingekerbter Richtungspfeil 27">
+              <a:extLst>
+                <a:ext uri="{FF2B5EF4-FFF2-40B4-BE49-F238E27FC236}">
+                  <a16:creationId xmlns:a16="http://schemas.microsoft.com/office/drawing/2014/main" id="{276D7E98-4929-461B-8738-989A5482BA9A}"/>
+                </a:ext>
+              </a:extLst>
+            </p:cNvPr>
+            <p:cNvSpPr/>
+            <p:nvPr/>
+          </p:nvSpPr>
+          <p:spPr>
+            <a:xfrm>
+              <a:off x="7679272" y="6064001"/>
+              <a:ext cx="158496" cy="158496"/>
+            </a:xfrm>
+            <a:prstGeom prst="chevron">
+              <a:avLst/>
+            </a:prstGeom>
+          </p:spPr>
+          <p:style>
+            <a:lnRef idx="1">
+              <a:schemeClr val="accent4"/>
+            </a:lnRef>
+            <a:fillRef idx="2">
+              <a:schemeClr val="accent4"/>
+            </a:fillRef>
+            <a:effectRef idx="1">
+              <a:schemeClr val="accent4"/>
+            </a:effectRef>
+            <a:fontRef idx="minor">
+              <a:schemeClr val="dk1"/>
+            </a:fontRef>
+          </p:style>
+          <p:txBody>
+            <a:bodyPr rtlCol="0" anchor="ctr"/>
+            <a:lstStyle/>
+            <a:p>
+              <a:pPr algn="ctr"/>
+              <a:endParaRPr lang="de-DE" sz="1400" dirty="0">
+                <a:solidFill>
+                  <a:schemeClr val="tx1"/>
+                </a:solidFill>
+              </a:endParaRPr>
+            </a:p>
+          </p:txBody>
+        </p:sp>
+        <p:cxnSp>
+          <p:nvCxnSpPr>
+            <p:cNvPr id="28" name="Gerade Verbindung 28">
+              <a:extLst>
+                <a:ext uri="{FF2B5EF4-FFF2-40B4-BE49-F238E27FC236}">
+                  <a16:creationId xmlns:a16="http://schemas.microsoft.com/office/drawing/2014/main" id="{014CED02-03DB-4C5D-8618-9C5D155B5E8E}"/>
+                </a:ext>
+              </a:extLst>
+            </p:cNvPr>
+            <p:cNvCxnSpPr/>
+            <p:nvPr/>
+          </p:nvCxnSpPr>
+          <p:spPr>
+            <a:xfrm>
+              <a:off x="25400" y="5986694"/>
+              <a:ext cx="9072000" cy="1588"/>
+            </a:xfrm>
+            <a:prstGeom prst="line">
+              <a:avLst/>
+            </a:prstGeom>
+            <a:ln w="41275">
+              <a:solidFill>
+                <a:schemeClr val="accent3">
+                  <a:lumMod val="85000"/>
+                </a:schemeClr>
+              </a:solidFill>
+            </a:ln>
+          </p:spPr>
+          <p:style>
+            <a:lnRef idx="1">
+              <a:schemeClr val="accent1"/>
+            </a:lnRef>
+            <a:fillRef idx="0">
+              <a:schemeClr val="accent1"/>
+            </a:fillRef>
+            <a:effectRef idx="0">
+              <a:schemeClr val="accent1"/>
+            </a:effectRef>
+            <a:fontRef idx="minor">
+              <a:schemeClr val="tx1"/>
+            </a:fontRef>
+          </p:style>
+        </p:cxnSp>
+        <p:sp>
+          <p:nvSpPr>
+            <p:cNvPr id="29" name="Eingekerbter Richtungspfeil 29">
+              <a:extLst>
+                <a:ext uri="{FF2B5EF4-FFF2-40B4-BE49-F238E27FC236}">
+                  <a16:creationId xmlns:a16="http://schemas.microsoft.com/office/drawing/2014/main" id="{74CECDE3-03CA-4F17-9F02-0D9575F824D2}"/>
+                </a:ext>
+              </a:extLst>
+            </p:cNvPr>
+            <p:cNvSpPr/>
+            <p:nvPr/>
+          </p:nvSpPr>
+          <p:spPr>
+            <a:xfrm>
+              <a:off x="6325600" y="6064001"/>
+              <a:ext cx="158496" cy="158496"/>
+            </a:xfrm>
+            <a:prstGeom prst="chevron">
+              <a:avLst/>
+            </a:prstGeom>
+          </p:spPr>
+          <p:style>
+            <a:lnRef idx="1">
+              <a:schemeClr val="accent4"/>
+            </a:lnRef>
+            <a:fillRef idx="2">
+              <a:schemeClr val="accent4"/>
+            </a:fillRef>
+            <a:effectRef idx="1">
+              <a:schemeClr val="accent4"/>
+            </a:effectRef>
+            <a:fontRef idx="minor">
+              <a:schemeClr val="dk1"/>
+            </a:fontRef>
+          </p:style>
+          <p:txBody>
+            <a:bodyPr rtlCol="0" anchor="ctr"/>
+            <a:lstStyle/>
+            <a:p>
+              <a:pPr algn="ctr"/>
+              <a:endParaRPr lang="de-DE" sz="1400" dirty="0">
                 <a:solidFill>
                   <a:schemeClr val="tx1"/>
                 </a:solidFill>
@@ -8324,10 +9334,10 @@
       </p:sp>
       <p:grpSp>
         <p:nvGrpSpPr>
-          <p:cNvPr id="4" name="Gruppieren 21">
+          <p:cNvPr id="30" name="Gruppieren 21">
             <a:extLst>
               <a:ext uri="{FF2B5EF4-FFF2-40B4-BE49-F238E27FC236}">
-                <a16:creationId xmlns:a16="http://schemas.microsoft.com/office/drawing/2014/main" id="{AA131601-72E5-4228-A286-1E3E6D78B764}"/>
+                <a16:creationId xmlns:a16="http://schemas.microsoft.com/office/drawing/2014/main" id="{3B94183B-DB18-4A36-9DFB-AD17F092371E}"/>
               </a:ext>
             </a:extLst>
           </p:cNvPr>
@@ -8337,17 +9347,17 @@
         <p:grpSpPr>
           <a:xfrm>
             <a:off x="72000" y="4424179"/>
-            <a:ext cx="9072000" cy="322630"/>
+            <a:ext cx="9072854" cy="335167"/>
             <a:chOff x="25400" y="5986694"/>
-            <a:chExt cx="9072000" cy="322630"/>
+            <a:chExt cx="9072854" cy="335167"/>
           </a:xfrm>
         </p:grpSpPr>
         <p:sp>
           <p:nvSpPr>
-            <p:cNvPr id="5" name="Textfeld 13">
+            <p:cNvPr id="31" name="Textfeld 13">
               <a:extLst>
                 <a:ext uri="{FF2B5EF4-FFF2-40B4-BE49-F238E27FC236}">
-                  <a16:creationId xmlns:a16="http://schemas.microsoft.com/office/drawing/2014/main" id="{2BCE988F-F02A-4D6D-B2E3-D098FA90D670}"/>
+                  <a16:creationId xmlns:a16="http://schemas.microsoft.com/office/drawing/2014/main" id="{1BC2927B-7076-4EEF-A405-1B2B1C083CB5}"/>
                 </a:ext>
               </a:extLst>
             </p:cNvPr>
@@ -8356,8 +9366,8 @@
           </p:nvSpPr>
           <p:spPr>
             <a:xfrm>
-              <a:off x="1493183" y="6032322"/>
-              <a:ext cx="554389" cy="276999"/>
+              <a:off x="1493804" y="5994910"/>
+              <a:ext cx="554389" cy="307777"/>
             </a:xfrm>
             <a:prstGeom prst="rect">
               <a:avLst/>
@@ -8389,7 +9399,7 @@
             <a:p>
               <a:pPr algn="ctr"/>
               <a:r>
-                <a:rPr lang="en-US" sz="1200" b="1" dirty="0"/>
+                <a:rPr lang="en-US" sz="1400" b="1" dirty="0"/>
                 <a:t>CSE</a:t>
               </a:r>
             </a:p>
@@ -8397,10 +9407,10 @@
         </p:sp>
         <p:sp>
           <p:nvSpPr>
-            <p:cNvPr id="6" name="Textfeld 14">
+            <p:cNvPr id="32" name="Textfeld 14">
               <a:extLst>
                 <a:ext uri="{FF2B5EF4-FFF2-40B4-BE49-F238E27FC236}">
-                  <a16:creationId xmlns:a16="http://schemas.microsoft.com/office/drawing/2014/main" id="{C8E64975-DD4E-484D-9EF4-CB11AB9E264F}"/>
+                  <a16:creationId xmlns:a16="http://schemas.microsoft.com/office/drawing/2014/main" id="{ED00EC62-E989-4936-B838-6CF033110F37}"/>
                 </a:ext>
               </a:extLst>
             </p:cNvPr>
@@ -8409,8 +9419,8 @@
           </p:nvSpPr>
           <p:spPr>
             <a:xfrm>
-              <a:off x="6282440" y="6032325"/>
-              <a:ext cx="949299" cy="276999"/>
+              <a:off x="6541624" y="6014084"/>
+              <a:ext cx="1161052" cy="307777"/>
             </a:xfrm>
             <a:prstGeom prst="rect">
               <a:avLst/>
@@ -8435,13 +9445,14 @@
             </a:fontRef>
           </p:style>
           <p:txBody>
-            <a:bodyPr wrap="none" rtlCol="0">
+            <a:bodyPr wrap="square" rtlCol="0">
               <a:spAutoFit/>
             </a:bodyPr>
             <a:lstStyle/>
             <a:p>
+              <a:pPr algn="ctr"/>
               <a:r>
-                <a:rPr lang="en-US" sz="1200" dirty="0"/>
+                <a:rPr lang="en-US" sz="1400" dirty="0"/>
                 <a:t>Challenges</a:t>
               </a:r>
             </a:p>
@@ -8449,10 +9460,10 @@
         </p:sp>
         <p:sp>
           <p:nvSpPr>
-            <p:cNvPr id="7" name="Textfeld 6">
+            <p:cNvPr id="33" name="Textfeld 32">
               <a:extLst>
                 <a:ext uri="{FF2B5EF4-FFF2-40B4-BE49-F238E27FC236}">
-                  <a16:creationId xmlns:a16="http://schemas.microsoft.com/office/drawing/2014/main" id="{5B1D65DE-7E84-4D4A-AD1F-FC54B535CB1E}"/>
+                  <a16:creationId xmlns:a16="http://schemas.microsoft.com/office/drawing/2014/main" id="{7CAE98A0-A104-437B-AA2B-F36DF68B4F2D}"/>
                 </a:ext>
               </a:extLst>
             </p:cNvPr>
@@ -8461,8 +9472,61 @@
           </p:nvSpPr>
           <p:spPr>
             <a:xfrm>
-              <a:off x="2361122" y="6032320"/>
-              <a:ext cx="1774155" cy="276999"/>
+              <a:off x="2214434" y="5993289"/>
+              <a:ext cx="2094942" cy="307777"/>
+            </a:xfrm>
+            <a:prstGeom prst="rect">
+              <a:avLst/>
+            </a:prstGeom>
+            <a:noFill/>
+            <a:ln>
+              <a:noFill/>
+            </a:ln>
+          </p:spPr>
+          <p:style>
+            <a:lnRef idx="2">
+              <a:schemeClr val="accent3"/>
+            </a:lnRef>
+            <a:fillRef idx="1">
+              <a:schemeClr val="lt1"/>
+            </a:fillRef>
+            <a:effectRef idx="0">
+              <a:schemeClr val="accent3"/>
+            </a:effectRef>
+            <a:fontRef idx="minor">
+              <a:schemeClr val="dk1"/>
+            </a:fontRef>
+          </p:style>
+          <p:txBody>
+            <a:bodyPr wrap="square" rtlCol="0">
+              <a:spAutoFit/>
+            </a:bodyPr>
+            <a:lstStyle/>
+            <a:p>
+              <a:pPr algn="ctr"/>
+              <a:r>
+                <a:rPr lang="en-US" sz="1400" dirty="0"/>
+                <a:t>The Stairway to Heaven</a:t>
+              </a:r>
+            </a:p>
+          </p:txBody>
+        </p:sp>
+        <p:sp>
+          <p:nvSpPr>
+            <p:cNvPr id="34" name="Textfeld 33">
+              <a:extLst>
+                <a:ext uri="{FF2B5EF4-FFF2-40B4-BE49-F238E27FC236}">
+                  <a16:creationId xmlns:a16="http://schemas.microsoft.com/office/drawing/2014/main" id="{12916558-A157-4EF7-A97B-25F856A8EF62}"/>
+                </a:ext>
+              </a:extLst>
+            </p:cNvPr>
+            <p:cNvSpPr txBox="1"/>
+            <p:nvPr/>
+          </p:nvSpPr>
+          <p:spPr>
+            <a:xfrm>
+              <a:off x="7820226" y="6000783"/>
+              <a:ext cx="1278028" cy="307777"/>
             </a:xfrm>
             <a:prstGeom prst="rect">
               <a:avLst/>
@@ -8493,18 +9557,18 @@
             <a:lstStyle/>
             <a:p>
               <a:r>
-                <a:rPr lang="en-US" sz="1200" dirty="0"/>
-                <a:t>The Stairway to Haven</a:t>
+                <a:rPr lang="en-US" sz="1400" dirty="0"/>
+                <a:t>Conclusion</a:t>
               </a:r>
             </a:p>
           </p:txBody>
         </p:sp>
         <p:sp>
           <p:nvSpPr>
-            <p:cNvPr id="8" name="Textfeld 7">
+            <p:cNvPr id="35" name="Textfeld 34">
               <a:extLst>
                 <a:ext uri="{FF2B5EF4-FFF2-40B4-BE49-F238E27FC236}">
-                  <a16:creationId xmlns:a16="http://schemas.microsoft.com/office/drawing/2014/main" id="{8544E219-3395-4D35-AB47-83E797162EF8}"/>
+                  <a16:creationId xmlns:a16="http://schemas.microsoft.com/office/drawing/2014/main" id="{0592F7F0-F88D-49FD-A5D6-7A4FC4EEA56A}"/>
                 </a:ext>
               </a:extLst>
             </p:cNvPr>
@@ -8513,8 +9577,8 @@
           </p:nvSpPr>
           <p:spPr>
             <a:xfrm>
-              <a:off x="7763010" y="6032321"/>
-              <a:ext cx="1278028" cy="276999"/>
+              <a:off x="158515" y="6000783"/>
+              <a:ext cx="1213939" cy="307777"/>
             </a:xfrm>
             <a:prstGeom prst="rect">
               <a:avLst/>
@@ -8545,59 +9609,7 @@
             <a:lstStyle/>
             <a:p>
               <a:r>
-                <a:rPr lang="en-US" sz="1200" dirty="0"/>
-                <a:t>Summary</a:t>
-              </a:r>
-            </a:p>
-          </p:txBody>
-        </p:sp>
-        <p:sp>
-          <p:nvSpPr>
-            <p:cNvPr id="9" name="Textfeld 8">
-              <a:extLst>
-                <a:ext uri="{FF2B5EF4-FFF2-40B4-BE49-F238E27FC236}">
-                  <a16:creationId xmlns:a16="http://schemas.microsoft.com/office/drawing/2014/main" id="{852888F9-9852-4482-8D86-9D678EB085AD}"/>
-                </a:ext>
-              </a:extLst>
-            </p:cNvPr>
-            <p:cNvSpPr txBox="1"/>
-            <p:nvPr/>
-          </p:nvSpPr>
-          <p:spPr>
-            <a:xfrm>
-              <a:off x="179512" y="6032321"/>
-              <a:ext cx="1213939" cy="276999"/>
-            </a:xfrm>
-            <a:prstGeom prst="rect">
-              <a:avLst/>
-            </a:prstGeom>
-            <a:noFill/>
-            <a:ln>
-              <a:noFill/>
-            </a:ln>
-          </p:spPr>
-          <p:style>
-            <a:lnRef idx="2">
-              <a:schemeClr val="accent3"/>
-            </a:lnRef>
-            <a:fillRef idx="1">
-              <a:schemeClr val="lt1"/>
-            </a:fillRef>
-            <a:effectRef idx="0">
-              <a:schemeClr val="accent3"/>
-            </a:effectRef>
-            <a:fontRef idx="minor">
-              <a:schemeClr val="dk1"/>
-            </a:fontRef>
-          </p:style>
-          <p:txBody>
-            <a:bodyPr wrap="square" rtlCol="0">
-              <a:spAutoFit/>
-            </a:bodyPr>
-            <a:lstStyle/>
-            <a:p>
-              <a:r>
-                <a:rPr lang="en-US" sz="1200" dirty="0"/>
+                <a:rPr lang="en-US" sz="1400" dirty="0"/>
                 <a:t>Introduction</a:t>
               </a:r>
             </a:p>
@@ -8605,10 +9617,10 @@
         </p:sp>
         <p:sp>
           <p:nvSpPr>
-            <p:cNvPr id="10" name="Eingekerbter Richtungspfeil 23">
+            <p:cNvPr id="36" name="Eingekerbter Richtungspfeil 23">
               <a:extLst>
                 <a:ext uri="{FF2B5EF4-FFF2-40B4-BE49-F238E27FC236}">
-                  <a16:creationId xmlns:a16="http://schemas.microsoft.com/office/drawing/2014/main" id="{C005311E-133F-493F-BFFC-C169B3CA8A86}"/>
+                  <a16:creationId xmlns:a16="http://schemas.microsoft.com/office/drawing/2014/main" id="{493F200E-2E7F-4B66-AF51-8EB464E6015E}"/>
                 </a:ext>
               </a:extLst>
             </p:cNvPr>
@@ -8617,7 +9629,7 @@
           </p:nvSpPr>
           <p:spPr>
             <a:xfrm>
-              <a:off x="1284399" y="6091574"/>
+              <a:off x="1277780" y="6067929"/>
               <a:ext cx="158496" cy="158496"/>
             </a:xfrm>
             <a:prstGeom prst="chevron">
@@ -8643,7 +9655,7 @@
             <a:lstStyle/>
             <a:p>
               <a:pPr algn="ctr"/>
-              <a:endParaRPr lang="de-DE" dirty="0">
+              <a:endParaRPr lang="de-DE" sz="1400" dirty="0">
                 <a:solidFill>
                   <a:schemeClr val="tx1"/>
                 </a:solidFill>
@@ -8653,10 +9665,10 @@
         </p:sp>
         <p:sp>
           <p:nvSpPr>
-            <p:cNvPr id="11" name="Eingekerbter Richtungspfeil 24">
+            <p:cNvPr id="37" name="Eingekerbter Richtungspfeil 24">
               <a:extLst>
                 <a:ext uri="{FF2B5EF4-FFF2-40B4-BE49-F238E27FC236}">
-                  <a16:creationId xmlns:a16="http://schemas.microsoft.com/office/drawing/2014/main" id="{13B86617-4353-46AD-97C4-7F02A1BA1B80}"/>
+                  <a16:creationId xmlns:a16="http://schemas.microsoft.com/office/drawing/2014/main" id="{5A1CCED6-270E-4A7E-90F0-17C38A583A33}"/>
                 </a:ext>
               </a:extLst>
             </p:cNvPr>
@@ -8665,7 +9677,7 @@
           </p:nvSpPr>
           <p:spPr>
             <a:xfrm>
-              <a:off x="2052380" y="6091574"/>
+              <a:off x="2074801" y="6078481"/>
               <a:ext cx="158496" cy="158496"/>
             </a:xfrm>
             <a:prstGeom prst="chevron">
@@ -8691,7 +9703,7 @@
             <a:lstStyle/>
             <a:p>
               <a:pPr algn="ctr"/>
-              <a:endParaRPr lang="de-DE" dirty="0">
+              <a:endParaRPr lang="de-DE" sz="1400" dirty="0">
                 <a:solidFill>
                   <a:schemeClr val="tx1"/>
                 </a:solidFill>
@@ -8701,10 +9713,10 @@
         </p:sp>
         <p:sp>
           <p:nvSpPr>
-            <p:cNvPr id="12" name="Eingekerbter Richtungspfeil 25">
+            <p:cNvPr id="38" name="Eingekerbter Richtungspfeil 25">
               <a:extLst>
                 <a:ext uri="{FF2B5EF4-FFF2-40B4-BE49-F238E27FC236}">
-                  <a16:creationId xmlns:a16="http://schemas.microsoft.com/office/drawing/2014/main" id="{40D0FAF6-EB9E-4EEF-BCBE-972523E34CB7}"/>
+                  <a16:creationId xmlns:a16="http://schemas.microsoft.com/office/drawing/2014/main" id="{9A17F952-2036-45FD-9F1C-1FD1C2E4E433}"/>
                 </a:ext>
               </a:extLst>
             </p:cNvPr>
@@ -8713,7 +9725,7 @@
           </p:nvSpPr>
           <p:spPr>
             <a:xfrm>
-              <a:off x="4116879" y="6091574"/>
+              <a:off x="4309376" y="6064001"/>
               <a:ext cx="158496" cy="158496"/>
             </a:xfrm>
             <a:prstGeom prst="chevron">
@@ -8739,7 +9751,7 @@
             <a:lstStyle/>
             <a:p>
               <a:pPr algn="ctr"/>
-              <a:endParaRPr lang="de-DE" dirty="0">
+              <a:endParaRPr lang="de-DE" sz="1400" dirty="0">
                 <a:solidFill>
                   <a:schemeClr val="tx1"/>
                 </a:solidFill>
@@ -8749,10 +9761,10 @@
         </p:sp>
         <p:sp>
           <p:nvSpPr>
-            <p:cNvPr id="13" name="Textfeld 12">
+            <p:cNvPr id="39" name="Textfeld 38">
               <a:extLst>
                 <a:ext uri="{FF2B5EF4-FFF2-40B4-BE49-F238E27FC236}">
-                  <a16:creationId xmlns:a16="http://schemas.microsoft.com/office/drawing/2014/main" id="{6910B1B0-7848-461D-A8EE-494297AF2C2C}"/>
+                  <a16:creationId xmlns:a16="http://schemas.microsoft.com/office/drawing/2014/main" id="{B5BE24FD-0B4E-42D9-81EF-54DF5C7EA3B2}"/>
                 </a:ext>
               </a:extLst>
             </p:cNvPr>
@@ -8761,8 +9773,8 @@
           </p:nvSpPr>
           <p:spPr>
             <a:xfrm>
-              <a:off x="4324070" y="6032320"/>
-              <a:ext cx="1588897" cy="276999"/>
+              <a:off x="4497856" y="5999483"/>
+              <a:ext cx="1827744" cy="307777"/>
             </a:xfrm>
             <a:prstGeom prst="rect">
               <a:avLst/>
@@ -8792,8 +9804,9 @@
             </a:bodyPr>
             <a:lstStyle/>
             <a:p>
+              <a:pPr algn="ctr"/>
               <a:r>
-                <a:rPr lang="en-US" sz="1200" dirty="0"/>
+                <a:rPr lang="en-US" sz="1400" dirty="0"/>
                 <a:t>Deployment Pipeline</a:t>
               </a:r>
             </a:p>
@@ -8801,10 +9814,10 @@
         </p:sp>
         <p:sp>
           <p:nvSpPr>
-            <p:cNvPr id="14" name="Eingekerbter Richtungspfeil 27">
+            <p:cNvPr id="40" name="Eingekerbter Richtungspfeil 27">
               <a:extLst>
                 <a:ext uri="{FF2B5EF4-FFF2-40B4-BE49-F238E27FC236}">
-                  <a16:creationId xmlns:a16="http://schemas.microsoft.com/office/drawing/2014/main" id="{C8C6383D-EFF4-4F8F-B7E7-55AA85D1E860}"/>
+                  <a16:creationId xmlns:a16="http://schemas.microsoft.com/office/drawing/2014/main" id="{CCC5A5A6-A303-46BA-BD18-AFF4EF46BDBC}"/>
                 </a:ext>
               </a:extLst>
             </p:cNvPr>
@@ -8813,7 +9826,7 @@
           </p:nvSpPr>
           <p:spPr>
             <a:xfrm>
-              <a:off x="7320057" y="6091577"/>
+              <a:off x="7679272" y="6064001"/>
               <a:ext cx="158496" cy="158496"/>
             </a:xfrm>
             <a:prstGeom prst="chevron">
@@ -8839,7 +9852,7 @@
             <a:lstStyle/>
             <a:p>
               <a:pPr algn="ctr"/>
-              <a:endParaRPr lang="de-DE" dirty="0">
+              <a:endParaRPr lang="de-DE" sz="1400" dirty="0">
                 <a:solidFill>
                   <a:schemeClr val="tx1"/>
                 </a:solidFill>
@@ -8849,10 +9862,10 @@
         </p:sp>
         <p:cxnSp>
           <p:nvCxnSpPr>
-            <p:cNvPr id="15" name="Gerade Verbindung 28">
+            <p:cNvPr id="41" name="Gerade Verbindung 28">
               <a:extLst>
                 <a:ext uri="{FF2B5EF4-FFF2-40B4-BE49-F238E27FC236}">
-                  <a16:creationId xmlns:a16="http://schemas.microsoft.com/office/drawing/2014/main" id="{BE0E1948-1999-44A0-B261-866A1DF5995B}"/>
+                  <a16:creationId xmlns:a16="http://schemas.microsoft.com/office/drawing/2014/main" id="{3056BE45-8D85-437D-88ED-8E44DA91C940}"/>
                 </a:ext>
               </a:extLst>
             </p:cNvPr>
@@ -8892,10 +9905,10 @@
         </p:cxnSp>
         <p:sp>
           <p:nvSpPr>
-            <p:cNvPr id="16" name="Eingekerbter Richtungspfeil 29">
+            <p:cNvPr id="42" name="Eingekerbter Richtungspfeil 29">
               <a:extLst>
                 <a:ext uri="{FF2B5EF4-FFF2-40B4-BE49-F238E27FC236}">
-                  <a16:creationId xmlns:a16="http://schemas.microsoft.com/office/drawing/2014/main" id="{A4600029-E40B-4FAC-BDEA-4C82CFF469F9}"/>
+                  <a16:creationId xmlns:a16="http://schemas.microsoft.com/office/drawing/2014/main" id="{377A1627-CA2D-41EB-B955-D1D9880CAD8D}"/>
                 </a:ext>
               </a:extLst>
             </p:cNvPr>
@@ -8904,7 +9917,7 @@
           </p:nvSpPr>
           <p:spPr>
             <a:xfrm>
-              <a:off x="5925672" y="6091576"/>
+              <a:off x="6325600" y="6064001"/>
               <a:ext cx="158496" cy="158496"/>
             </a:xfrm>
             <a:prstGeom prst="chevron">
@@ -8930,7 +9943,7 @@
             <a:lstStyle/>
             <a:p>
               <a:pPr algn="ctr"/>
-              <a:endParaRPr lang="de-DE" dirty="0">
+              <a:endParaRPr lang="de-DE" sz="1400" dirty="0">
                 <a:solidFill>
                   <a:schemeClr val="tx1"/>
                 </a:solidFill>
@@ -9062,10 +10075,10 @@
       </p:sp>
       <p:grpSp>
         <p:nvGrpSpPr>
-          <p:cNvPr id="4" name="Gruppieren 21">
+          <p:cNvPr id="30" name="Gruppieren 21">
             <a:extLst>
               <a:ext uri="{FF2B5EF4-FFF2-40B4-BE49-F238E27FC236}">
-                <a16:creationId xmlns:a16="http://schemas.microsoft.com/office/drawing/2014/main" id="{AA131601-72E5-4228-A286-1E3E6D78B764}"/>
+                <a16:creationId xmlns:a16="http://schemas.microsoft.com/office/drawing/2014/main" id="{F5A4919A-42A4-4CD5-997E-6F0F0A522490}"/>
               </a:ext>
             </a:extLst>
           </p:cNvPr>
@@ -9075,17 +10088,17 @@
         <p:grpSpPr>
           <a:xfrm>
             <a:off x="72000" y="4424179"/>
-            <a:ext cx="9072000" cy="322630"/>
+            <a:ext cx="9072854" cy="335167"/>
             <a:chOff x="25400" y="5986694"/>
-            <a:chExt cx="9072000" cy="322630"/>
+            <a:chExt cx="9072854" cy="335167"/>
           </a:xfrm>
         </p:grpSpPr>
         <p:sp>
           <p:nvSpPr>
-            <p:cNvPr id="5" name="Textfeld 13">
+            <p:cNvPr id="31" name="Textfeld 13">
               <a:extLst>
                 <a:ext uri="{FF2B5EF4-FFF2-40B4-BE49-F238E27FC236}">
-                  <a16:creationId xmlns:a16="http://schemas.microsoft.com/office/drawing/2014/main" id="{2BCE988F-F02A-4D6D-B2E3-D098FA90D670}"/>
+                  <a16:creationId xmlns:a16="http://schemas.microsoft.com/office/drawing/2014/main" id="{4C5AD814-E641-4462-95EB-38375CC1D6E9}"/>
                 </a:ext>
               </a:extLst>
             </p:cNvPr>
@@ -9094,8 +10107,8 @@
           </p:nvSpPr>
           <p:spPr>
             <a:xfrm>
-              <a:off x="1493183" y="6032322"/>
-              <a:ext cx="554389" cy="276999"/>
+              <a:off x="1493804" y="5994910"/>
+              <a:ext cx="554389" cy="307777"/>
             </a:xfrm>
             <a:prstGeom prst="rect">
               <a:avLst/>
@@ -9127,7 +10140,7 @@
             <a:p>
               <a:pPr algn="ctr"/>
               <a:r>
-                <a:rPr lang="en-US" sz="1200" b="1" dirty="0"/>
+                <a:rPr lang="en-US" sz="1400" b="1" dirty="0"/>
                 <a:t>CSE</a:t>
               </a:r>
             </a:p>
@@ -9135,10 +10148,10 @@
         </p:sp>
         <p:sp>
           <p:nvSpPr>
-            <p:cNvPr id="6" name="Textfeld 14">
+            <p:cNvPr id="32" name="Textfeld 14">
               <a:extLst>
                 <a:ext uri="{FF2B5EF4-FFF2-40B4-BE49-F238E27FC236}">
-                  <a16:creationId xmlns:a16="http://schemas.microsoft.com/office/drawing/2014/main" id="{C8E64975-DD4E-484D-9EF4-CB11AB9E264F}"/>
+                  <a16:creationId xmlns:a16="http://schemas.microsoft.com/office/drawing/2014/main" id="{FD7D0E6D-3172-4BF9-BA5A-BD333768F9AF}"/>
                 </a:ext>
               </a:extLst>
             </p:cNvPr>
@@ -9147,8 +10160,8 @@
           </p:nvSpPr>
           <p:spPr>
             <a:xfrm>
-              <a:off x="6282440" y="6032325"/>
-              <a:ext cx="949299" cy="276999"/>
+              <a:off x="6541624" y="6014084"/>
+              <a:ext cx="1161052" cy="307777"/>
             </a:xfrm>
             <a:prstGeom prst="rect">
               <a:avLst/>
@@ -9173,13 +10186,14 @@
             </a:fontRef>
           </p:style>
           <p:txBody>
-            <a:bodyPr wrap="none" rtlCol="0">
+            <a:bodyPr wrap="square" rtlCol="0">
               <a:spAutoFit/>
             </a:bodyPr>
             <a:lstStyle/>
             <a:p>
+              <a:pPr algn="ctr"/>
               <a:r>
-                <a:rPr lang="en-US" sz="1200" dirty="0"/>
+                <a:rPr lang="en-US" sz="1400" dirty="0"/>
                 <a:t>Challenges</a:t>
               </a:r>
             </a:p>
@@ -9187,10 +10201,10 @@
         </p:sp>
         <p:sp>
           <p:nvSpPr>
-            <p:cNvPr id="7" name="Textfeld 6">
+            <p:cNvPr id="33" name="Textfeld 32">
               <a:extLst>
                 <a:ext uri="{FF2B5EF4-FFF2-40B4-BE49-F238E27FC236}">
-                  <a16:creationId xmlns:a16="http://schemas.microsoft.com/office/drawing/2014/main" id="{5B1D65DE-7E84-4D4A-AD1F-FC54B535CB1E}"/>
+                  <a16:creationId xmlns:a16="http://schemas.microsoft.com/office/drawing/2014/main" id="{D154085E-B5CB-476D-A1E2-83360913A73B}"/>
                 </a:ext>
               </a:extLst>
             </p:cNvPr>
@@ -9199,8 +10213,61 @@
           </p:nvSpPr>
           <p:spPr>
             <a:xfrm>
-              <a:off x="2361122" y="6032320"/>
-              <a:ext cx="1774155" cy="276999"/>
+              <a:off x="2214434" y="5993289"/>
+              <a:ext cx="2094942" cy="307777"/>
+            </a:xfrm>
+            <a:prstGeom prst="rect">
+              <a:avLst/>
+            </a:prstGeom>
+            <a:noFill/>
+            <a:ln>
+              <a:noFill/>
+            </a:ln>
+          </p:spPr>
+          <p:style>
+            <a:lnRef idx="2">
+              <a:schemeClr val="accent3"/>
+            </a:lnRef>
+            <a:fillRef idx="1">
+              <a:schemeClr val="lt1"/>
+            </a:fillRef>
+            <a:effectRef idx="0">
+              <a:schemeClr val="accent3"/>
+            </a:effectRef>
+            <a:fontRef idx="minor">
+              <a:schemeClr val="dk1"/>
+            </a:fontRef>
+          </p:style>
+          <p:txBody>
+            <a:bodyPr wrap="square" rtlCol="0">
+              <a:spAutoFit/>
+            </a:bodyPr>
+            <a:lstStyle/>
+            <a:p>
+              <a:pPr algn="ctr"/>
+              <a:r>
+                <a:rPr lang="en-US" sz="1400" dirty="0"/>
+                <a:t>The Stairway to Heaven</a:t>
+              </a:r>
+            </a:p>
+          </p:txBody>
+        </p:sp>
+        <p:sp>
+          <p:nvSpPr>
+            <p:cNvPr id="34" name="Textfeld 33">
+              <a:extLst>
+                <a:ext uri="{FF2B5EF4-FFF2-40B4-BE49-F238E27FC236}">
+                  <a16:creationId xmlns:a16="http://schemas.microsoft.com/office/drawing/2014/main" id="{8EEA8B68-1237-47F7-A0BA-C9EE7679D636}"/>
+                </a:ext>
+              </a:extLst>
+            </p:cNvPr>
+            <p:cNvSpPr txBox="1"/>
+            <p:nvPr/>
+          </p:nvSpPr>
+          <p:spPr>
+            <a:xfrm>
+              <a:off x="7820226" y="6000783"/>
+              <a:ext cx="1278028" cy="307777"/>
             </a:xfrm>
             <a:prstGeom prst="rect">
               <a:avLst/>
@@ -9231,18 +10298,18 @@
             <a:lstStyle/>
             <a:p>
               <a:r>
-                <a:rPr lang="en-US" sz="1200" dirty="0"/>
-                <a:t>The Stairway to Haven</a:t>
+                <a:rPr lang="en-US" sz="1400" dirty="0"/>
+                <a:t>Conclusion</a:t>
               </a:r>
             </a:p>
           </p:txBody>
         </p:sp>
         <p:sp>
           <p:nvSpPr>
-            <p:cNvPr id="8" name="Textfeld 7">
+            <p:cNvPr id="35" name="Textfeld 34">
               <a:extLst>
                 <a:ext uri="{FF2B5EF4-FFF2-40B4-BE49-F238E27FC236}">
-                  <a16:creationId xmlns:a16="http://schemas.microsoft.com/office/drawing/2014/main" id="{8544E219-3395-4D35-AB47-83E797162EF8}"/>
+                  <a16:creationId xmlns:a16="http://schemas.microsoft.com/office/drawing/2014/main" id="{5CB15C2E-0665-491E-A764-7DBB921979B5}"/>
                 </a:ext>
               </a:extLst>
             </p:cNvPr>
@@ -9251,8 +10318,8 @@
           </p:nvSpPr>
           <p:spPr>
             <a:xfrm>
-              <a:off x="7763010" y="6032321"/>
-              <a:ext cx="1278028" cy="276999"/>
+              <a:off x="158515" y="6000783"/>
+              <a:ext cx="1213939" cy="307777"/>
             </a:xfrm>
             <a:prstGeom prst="rect">
               <a:avLst/>
@@ -9283,59 +10350,7 @@
             <a:lstStyle/>
             <a:p>
               <a:r>
-                <a:rPr lang="en-US" sz="1200" dirty="0"/>
-                <a:t>Summary</a:t>
-              </a:r>
-            </a:p>
-          </p:txBody>
-        </p:sp>
-        <p:sp>
-          <p:nvSpPr>
-            <p:cNvPr id="9" name="Textfeld 8">
-              <a:extLst>
-                <a:ext uri="{FF2B5EF4-FFF2-40B4-BE49-F238E27FC236}">
-                  <a16:creationId xmlns:a16="http://schemas.microsoft.com/office/drawing/2014/main" id="{852888F9-9852-4482-8D86-9D678EB085AD}"/>
-                </a:ext>
-              </a:extLst>
-            </p:cNvPr>
-            <p:cNvSpPr txBox="1"/>
-            <p:nvPr/>
-          </p:nvSpPr>
-          <p:spPr>
-            <a:xfrm>
-              <a:off x="179512" y="6032321"/>
-              <a:ext cx="1213939" cy="276999"/>
-            </a:xfrm>
-            <a:prstGeom prst="rect">
-              <a:avLst/>
-            </a:prstGeom>
-            <a:noFill/>
-            <a:ln>
-              <a:noFill/>
-            </a:ln>
-          </p:spPr>
-          <p:style>
-            <a:lnRef idx="2">
-              <a:schemeClr val="accent3"/>
-            </a:lnRef>
-            <a:fillRef idx="1">
-              <a:schemeClr val="lt1"/>
-            </a:fillRef>
-            <a:effectRef idx="0">
-              <a:schemeClr val="accent3"/>
-            </a:effectRef>
-            <a:fontRef idx="minor">
-              <a:schemeClr val="dk1"/>
-            </a:fontRef>
-          </p:style>
-          <p:txBody>
-            <a:bodyPr wrap="square" rtlCol="0">
-              <a:spAutoFit/>
-            </a:bodyPr>
-            <a:lstStyle/>
-            <a:p>
-              <a:r>
-                <a:rPr lang="en-US" sz="1200" dirty="0"/>
+                <a:rPr lang="en-US" sz="1400" dirty="0"/>
                 <a:t>Introduction</a:t>
               </a:r>
             </a:p>
@@ -9343,10 +10358,10 @@
         </p:sp>
         <p:sp>
           <p:nvSpPr>
-            <p:cNvPr id="10" name="Eingekerbter Richtungspfeil 23">
+            <p:cNvPr id="36" name="Eingekerbter Richtungspfeil 23">
               <a:extLst>
                 <a:ext uri="{FF2B5EF4-FFF2-40B4-BE49-F238E27FC236}">
-                  <a16:creationId xmlns:a16="http://schemas.microsoft.com/office/drawing/2014/main" id="{C005311E-133F-493F-BFFC-C169B3CA8A86}"/>
+                  <a16:creationId xmlns:a16="http://schemas.microsoft.com/office/drawing/2014/main" id="{FB067A2D-03A7-4779-A202-165A7E91A0B7}"/>
                 </a:ext>
               </a:extLst>
             </p:cNvPr>
@@ -9355,7 +10370,7 @@
           </p:nvSpPr>
           <p:spPr>
             <a:xfrm>
-              <a:off x="1284399" y="6091574"/>
+              <a:off x="1277780" y="6067929"/>
               <a:ext cx="158496" cy="158496"/>
             </a:xfrm>
             <a:prstGeom prst="chevron">
@@ -9381,7 +10396,7 @@
             <a:lstStyle/>
             <a:p>
               <a:pPr algn="ctr"/>
-              <a:endParaRPr lang="de-DE" dirty="0">
+              <a:endParaRPr lang="de-DE" sz="1400" dirty="0">
                 <a:solidFill>
                   <a:schemeClr val="tx1"/>
                 </a:solidFill>
@@ -9391,10 +10406,10 @@
         </p:sp>
         <p:sp>
           <p:nvSpPr>
-            <p:cNvPr id="11" name="Eingekerbter Richtungspfeil 24">
+            <p:cNvPr id="37" name="Eingekerbter Richtungspfeil 24">
               <a:extLst>
                 <a:ext uri="{FF2B5EF4-FFF2-40B4-BE49-F238E27FC236}">
-                  <a16:creationId xmlns:a16="http://schemas.microsoft.com/office/drawing/2014/main" id="{13B86617-4353-46AD-97C4-7F02A1BA1B80}"/>
+                  <a16:creationId xmlns:a16="http://schemas.microsoft.com/office/drawing/2014/main" id="{86D59014-9365-4914-A268-7434A4F0D0C2}"/>
                 </a:ext>
               </a:extLst>
             </p:cNvPr>
@@ -9403,7 +10418,7 @@
           </p:nvSpPr>
           <p:spPr>
             <a:xfrm>
-              <a:off x="2052380" y="6091574"/>
+              <a:off x="2074801" y="6078481"/>
               <a:ext cx="158496" cy="158496"/>
             </a:xfrm>
             <a:prstGeom prst="chevron">
@@ -9429,7 +10444,7 @@
             <a:lstStyle/>
             <a:p>
               <a:pPr algn="ctr"/>
-              <a:endParaRPr lang="de-DE" dirty="0">
+              <a:endParaRPr lang="de-DE" sz="1400" dirty="0">
                 <a:solidFill>
                   <a:schemeClr val="tx1"/>
                 </a:solidFill>
@@ -9439,10 +10454,10 @@
         </p:sp>
         <p:sp>
           <p:nvSpPr>
-            <p:cNvPr id="12" name="Eingekerbter Richtungspfeil 25">
+            <p:cNvPr id="38" name="Eingekerbter Richtungspfeil 25">
               <a:extLst>
                 <a:ext uri="{FF2B5EF4-FFF2-40B4-BE49-F238E27FC236}">
-                  <a16:creationId xmlns:a16="http://schemas.microsoft.com/office/drawing/2014/main" id="{40D0FAF6-EB9E-4EEF-BCBE-972523E34CB7}"/>
+                  <a16:creationId xmlns:a16="http://schemas.microsoft.com/office/drawing/2014/main" id="{3D2C1DFD-8FDE-40B2-83D0-78824B8121E5}"/>
                 </a:ext>
               </a:extLst>
             </p:cNvPr>
@@ -9451,7 +10466,7 @@
           </p:nvSpPr>
           <p:spPr>
             <a:xfrm>
-              <a:off x="4116879" y="6091574"/>
+              <a:off x="4309376" y="6064001"/>
               <a:ext cx="158496" cy="158496"/>
             </a:xfrm>
             <a:prstGeom prst="chevron">
@@ -9477,7 +10492,7 @@
             <a:lstStyle/>
             <a:p>
               <a:pPr algn="ctr"/>
-              <a:endParaRPr lang="de-DE" dirty="0">
+              <a:endParaRPr lang="de-DE" sz="1400" dirty="0">
                 <a:solidFill>
                   <a:schemeClr val="tx1"/>
                 </a:solidFill>
@@ -9487,10 +10502,10 @@
         </p:sp>
         <p:sp>
           <p:nvSpPr>
-            <p:cNvPr id="13" name="Textfeld 12">
+            <p:cNvPr id="39" name="Textfeld 38">
               <a:extLst>
                 <a:ext uri="{FF2B5EF4-FFF2-40B4-BE49-F238E27FC236}">
-                  <a16:creationId xmlns:a16="http://schemas.microsoft.com/office/drawing/2014/main" id="{6910B1B0-7848-461D-A8EE-494297AF2C2C}"/>
+                  <a16:creationId xmlns:a16="http://schemas.microsoft.com/office/drawing/2014/main" id="{EA98A2E8-6A65-4467-B270-66F83B051203}"/>
                 </a:ext>
               </a:extLst>
             </p:cNvPr>
@@ -9499,8 +10514,8 @@
           </p:nvSpPr>
           <p:spPr>
             <a:xfrm>
-              <a:off x="4324070" y="6032320"/>
-              <a:ext cx="1588897" cy="276999"/>
+              <a:off x="4497856" y="5999483"/>
+              <a:ext cx="1827744" cy="307777"/>
             </a:xfrm>
             <a:prstGeom prst="rect">
               <a:avLst/>
@@ -9530,8 +10545,9 @@
             </a:bodyPr>
             <a:lstStyle/>
             <a:p>
+              <a:pPr algn="ctr"/>
               <a:r>
-                <a:rPr lang="en-US" sz="1200" dirty="0"/>
+                <a:rPr lang="en-US" sz="1400" dirty="0"/>
                 <a:t>Deployment Pipeline</a:t>
               </a:r>
             </a:p>
@@ -9539,10 +10555,10 @@
         </p:sp>
         <p:sp>
           <p:nvSpPr>
-            <p:cNvPr id="14" name="Eingekerbter Richtungspfeil 27">
+            <p:cNvPr id="40" name="Eingekerbter Richtungspfeil 27">
               <a:extLst>
                 <a:ext uri="{FF2B5EF4-FFF2-40B4-BE49-F238E27FC236}">
-                  <a16:creationId xmlns:a16="http://schemas.microsoft.com/office/drawing/2014/main" id="{C8C6383D-EFF4-4F8F-B7E7-55AA85D1E860}"/>
+                  <a16:creationId xmlns:a16="http://schemas.microsoft.com/office/drawing/2014/main" id="{6E56BA77-6E9B-4FAD-8B86-E60DED61F8E9}"/>
                 </a:ext>
               </a:extLst>
             </p:cNvPr>
@@ -9551,7 +10567,7 @@
           </p:nvSpPr>
           <p:spPr>
             <a:xfrm>
-              <a:off x="7320057" y="6091577"/>
+              <a:off x="7679272" y="6064001"/>
               <a:ext cx="158496" cy="158496"/>
             </a:xfrm>
             <a:prstGeom prst="chevron">
@@ -9577,7 +10593,7 @@
             <a:lstStyle/>
             <a:p>
               <a:pPr algn="ctr"/>
-              <a:endParaRPr lang="de-DE" dirty="0">
+              <a:endParaRPr lang="de-DE" sz="1400" dirty="0">
                 <a:solidFill>
                   <a:schemeClr val="tx1"/>
                 </a:solidFill>
@@ -9587,10 +10603,10 @@
         </p:sp>
         <p:cxnSp>
           <p:nvCxnSpPr>
-            <p:cNvPr id="15" name="Gerade Verbindung 28">
+            <p:cNvPr id="41" name="Gerade Verbindung 28">
               <a:extLst>
                 <a:ext uri="{FF2B5EF4-FFF2-40B4-BE49-F238E27FC236}">
-                  <a16:creationId xmlns:a16="http://schemas.microsoft.com/office/drawing/2014/main" id="{BE0E1948-1999-44A0-B261-866A1DF5995B}"/>
+                  <a16:creationId xmlns:a16="http://schemas.microsoft.com/office/drawing/2014/main" id="{B2B419ED-85C1-4507-97CB-1A248234F550}"/>
                 </a:ext>
               </a:extLst>
             </p:cNvPr>
@@ -9630,10 +10646,10 @@
         </p:cxnSp>
         <p:sp>
           <p:nvSpPr>
-            <p:cNvPr id="16" name="Eingekerbter Richtungspfeil 29">
+            <p:cNvPr id="42" name="Eingekerbter Richtungspfeil 29">
               <a:extLst>
                 <a:ext uri="{FF2B5EF4-FFF2-40B4-BE49-F238E27FC236}">
-                  <a16:creationId xmlns:a16="http://schemas.microsoft.com/office/drawing/2014/main" id="{A4600029-E40B-4FAC-BDEA-4C82CFF469F9}"/>
+                  <a16:creationId xmlns:a16="http://schemas.microsoft.com/office/drawing/2014/main" id="{D404B425-7C57-4201-9772-E6E3633BFE60}"/>
                 </a:ext>
               </a:extLst>
             </p:cNvPr>
@@ -9642,7 +10658,7 @@
           </p:nvSpPr>
           <p:spPr>
             <a:xfrm>
-              <a:off x="5925672" y="6091576"/>
+              <a:off x="6325600" y="6064001"/>
               <a:ext cx="158496" cy="158496"/>
             </a:xfrm>
             <a:prstGeom prst="chevron">
@@ -9668,7 +10684,7 @@
             <a:lstStyle/>
             <a:p>
               <a:pPr algn="ctr"/>
-              <a:endParaRPr lang="de-DE" dirty="0">
+              <a:endParaRPr lang="de-DE" sz="1400" dirty="0">
                 <a:solidFill>
                   <a:schemeClr val="tx1"/>
                 </a:solidFill>
@@ -9800,10 +10816,10 @@
       </p:sp>
       <p:grpSp>
         <p:nvGrpSpPr>
-          <p:cNvPr id="4" name="Gruppieren 21">
+          <p:cNvPr id="30" name="Gruppieren 21">
             <a:extLst>
               <a:ext uri="{FF2B5EF4-FFF2-40B4-BE49-F238E27FC236}">
-                <a16:creationId xmlns:a16="http://schemas.microsoft.com/office/drawing/2014/main" id="{AA131601-72E5-4228-A286-1E3E6D78B764}"/>
+                <a16:creationId xmlns:a16="http://schemas.microsoft.com/office/drawing/2014/main" id="{3AD632C6-A6E3-4ADF-BD9B-307D225F066C}"/>
               </a:ext>
             </a:extLst>
           </p:cNvPr>
@@ -9813,17 +10829,17 @@
         <p:grpSpPr>
           <a:xfrm>
             <a:off x="72000" y="4424179"/>
-            <a:ext cx="9072000" cy="322630"/>
+            <a:ext cx="9072854" cy="335167"/>
             <a:chOff x="25400" y="5986694"/>
-            <a:chExt cx="9072000" cy="322630"/>
+            <a:chExt cx="9072854" cy="335167"/>
           </a:xfrm>
         </p:grpSpPr>
         <p:sp>
           <p:nvSpPr>
-            <p:cNvPr id="5" name="Textfeld 13">
+            <p:cNvPr id="31" name="Textfeld 13">
               <a:extLst>
                 <a:ext uri="{FF2B5EF4-FFF2-40B4-BE49-F238E27FC236}">
-                  <a16:creationId xmlns:a16="http://schemas.microsoft.com/office/drawing/2014/main" id="{2BCE988F-F02A-4D6D-B2E3-D098FA90D670}"/>
+                  <a16:creationId xmlns:a16="http://schemas.microsoft.com/office/drawing/2014/main" id="{286AE4BB-3A12-4F3A-B313-C229A135CF1C}"/>
                 </a:ext>
               </a:extLst>
             </p:cNvPr>
@@ -9832,8 +10848,8 @@
           </p:nvSpPr>
           <p:spPr>
             <a:xfrm>
-              <a:off x="1493183" y="6032322"/>
-              <a:ext cx="554389" cy="276999"/>
+              <a:off x="1493804" y="5994910"/>
+              <a:ext cx="554389" cy="307777"/>
             </a:xfrm>
             <a:prstGeom prst="rect">
               <a:avLst/>
@@ -9865,7 +10881,7 @@
             <a:p>
               <a:pPr algn="ctr"/>
               <a:r>
-                <a:rPr lang="en-US" sz="1200" b="1" dirty="0"/>
+                <a:rPr lang="en-US" sz="1400" b="1" dirty="0"/>
                 <a:t>CSE</a:t>
               </a:r>
             </a:p>
@@ -9873,10 +10889,10 @@
         </p:sp>
         <p:sp>
           <p:nvSpPr>
-            <p:cNvPr id="6" name="Textfeld 14">
+            <p:cNvPr id="32" name="Textfeld 14">
               <a:extLst>
                 <a:ext uri="{FF2B5EF4-FFF2-40B4-BE49-F238E27FC236}">
-                  <a16:creationId xmlns:a16="http://schemas.microsoft.com/office/drawing/2014/main" id="{C8E64975-DD4E-484D-9EF4-CB11AB9E264F}"/>
+                  <a16:creationId xmlns:a16="http://schemas.microsoft.com/office/drawing/2014/main" id="{83C6A59F-7983-4749-BB1E-261DBF35475E}"/>
                 </a:ext>
               </a:extLst>
             </p:cNvPr>
@@ -9885,8 +10901,8 @@
           </p:nvSpPr>
           <p:spPr>
             <a:xfrm>
-              <a:off x="6282440" y="6032325"/>
-              <a:ext cx="949299" cy="276999"/>
+              <a:off x="6541624" y="6014084"/>
+              <a:ext cx="1161052" cy="307777"/>
             </a:xfrm>
             <a:prstGeom prst="rect">
               <a:avLst/>
@@ -9911,13 +10927,14 @@
             </a:fontRef>
           </p:style>
           <p:txBody>
-            <a:bodyPr wrap="none" rtlCol="0">
+            <a:bodyPr wrap="square" rtlCol="0">
               <a:spAutoFit/>
             </a:bodyPr>
             <a:lstStyle/>
             <a:p>
+              <a:pPr algn="ctr"/>
               <a:r>
-                <a:rPr lang="en-US" sz="1200" dirty="0"/>
+                <a:rPr lang="en-US" sz="1400" dirty="0"/>
                 <a:t>Challenges</a:t>
               </a:r>
             </a:p>
@@ -9925,10 +10942,10 @@
         </p:sp>
         <p:sp>
           <p:nvSpPr>
-            <p:cNvPr id="7" name="Textfeld 6">
+            <p:cNvPr id="33" name="Textfeld 32">
               <a:extLst>
                 <a:ext uri="{FF2B5EF4-FFF2-40B4-BE49-F238E27FC236}">
-                  <a16:creationId xmlns:a16="http://schemas.microsoft.com/office/drawing/2014/main" id="{5B1D65DE-7E84-4D4A-AD1F-FC54B535CB1E}"/>
+                  <a16:creationId xmlns:a16="http://schemas.microsoft.com/office/drawing/2014/main" id="{7E69FD60-5D38-4C22-9E30-AA088510B184}"/>
                 </a:ext>
               </a:extLst>
             </p:cNvPr>
@@ -9937,8 +10954,61 @@
           </p:nvSpPr>
           <p:spPr>
             <a:xfrm>
-              <a:off x="2361122" y="6032320"/>
-              <a:ext cx="1774155" cy="276999"/>
+              <a:off x="2214434" y="5993289"/>
+              <a:ext cx="2094942" cy="307777"/>
+            </a:xfrm>
+            <a:prstGeom prst="rect">
+              <a:avLst/>
+            </a:prstGeom>
+            <a:noFill/>
+            <a:ln>
+              <a:noFill/>
+            </a:ln>
+          </p:spPr>
+          <p:style>
+            <a:lnRef idx="2">
+              <a:schemeClr val="accent3"/>
+            </a:lnRef>
+            <a:fillRef idx="1">
+              <a:schemeClr val="lt1"/>
+            </a:fillRef>
+            <a:effectRef idx="0">
+              <a:schemeClr val="accent3"/>
+            </a:effectRef>
+            <a:fontRef idx="minor">
+              <a:schemeClr val="dk1"/>
+            </a:fontRef>
+          </p:style>
+          <p:txBody>
+            <a:bodyPr wrap="square" rtlCol="0">
+              <a:spAutoFit/>
+            </a:bodyPr>
+            <a:lstStyle/>
+            <a:p>
+              <a:pPr algn="ctr"/>
+              <a:r>
+                <a:rPr lang="en-US" sz="1400" dirty="0"/>
+                <a:t>The Stairway to Heaven</a:t>
+              </a:r>
+            </a:p>
+          </p:txBody>
+        </p:sp>
+        <p:sp>
+          <p:nvSpPr>
+            <p:cNvPr id="34" name="Textfeld 33">
+              <a:extLst>
+                <a:ext uri="{FF2B5EF4-FFF2-40B4-BE49-F238E27FC236}">
+                  <a16:creationId xmlns:a16="http://schemas.microsoft.com/office/drawing/2014/main" id="{C69BD1F4-B7D9-45C4-B6CF-A3A50AC46858}"/>
+                </a:ext>
+              </a:extLst>
+            </p:cNvPr>
+            <p:cNvSpPr txBox="1"/>
+            <p:nvPr/>
+          </p:nvSpPr>
+          <p:spPr>
+            <a:xfrm>
+              <a:off x="7820226" y="6000783"/>
+              <a:ext cx="1278028" cy="307777"/>
             </a:xfrm>
             <a:prstGeom prst="rect">
               <a:avLst/>
@@ -9969,18 +11039,18 @@
             <a:lstStyle/>
             <a:p>
               <a:r>
-                <a:rPr lang="en-US" sz="1200" dirty="0"/>
-                <a:t>The Stairway to Haven</a:t>
+                <a:rPr lang="en-US" sz="1400" dirty="0"/>
+                <a:t>Conclusion</a:t>
               </a:r>
             </a:p>
           </p:txBody>
         </p:sp>
         <p:sp>
           <p:nvSpPr>
-            <p:cNvPr id="8" name="Textfeld 7">
+            <p:cNvPr id="35" name="Textfeld 34">
               <a:extLst>
                 <a:ext uri="{FF2B5EF4-FFF2-40B4-BE49-F238E27FC236}">
-                  <a16:creationId xmlns:a16="http://schemas.microsoft.com/office/drawing/2014/main" id="{8544E219-3395-4D35-AB47-83E797162EF8}"/>
+                  <a16:creationId xmlns:a16="http://schemas.microsoft.com/office/drawing/2014/main" id="{1B48B3F8-718C-481C-9CD3-716FF9E7A7B2}"/>
                 </a:ext>
               </a:extLst>
             </p:cNvPr>
@@ -9989,8 +11059,8 @@
           </p:nvSpPr>
           <p:spPr>
             <a:xfrm>
-              <a:off x="7763010" y="6032321"/>
-              <a:ext cx="1278028" cy="276999"/>
+              <a:off x="158515" y="6000783"/>
+              <a:ext cx="1213939" cy="307777"/>
             </a:xfrm>
             <a:prstGeom prst="rect">
               <a:avLst/>
@@ -10021,59 +11091,7 @@
             <a:lstStyle/>
             <a:p>
               <a:r>
-                <a:rPr lang="en-US" sz="1200" dirty="0"/>
-                <a:t>Summary</a:t>
-              </a:r>
-            </a:p>
-          </p:txBody>
-        </p:sp>
-        <p:sp>
-          <p:nvSpPr>
-            <p:cNvPr id="9" name="Textfeld 8">
-              <a:extLst>
-                <a:ext uri="{FF2B5EF4-FFF2-40B4-BE49-F238E27FC236}">
-                  <a16:creationId xmlns:a16="http://schemas.microsoft.com/office/drawing/2014/main" id="{852888F9-9852-4482-8D86-9D678EB085AD}"/>
-                </a:ext>
-              </a:extLst>
-            </p:cNvPr>
-            <p:cNvSpPr txBox="1"/>
-            <p:nvPr/>
-          </p:nvSpPr>
-          <p:spPr>
-            <a:xfrm>
-              <a:off x="179512" y="6032321"/>
-              <a:ext cx="1213939" cy="276999"/>
-            </a:xfrm>
-            <a:prstGeom prst="rect">
-              <a:avLst/>
-            </a:prstGeom>
-            <a:noFill/>
-            <a:ln>
-              <a:noFill/>
-            </a:ln>
-          </p:spPr>
-          <p:style>
-            <a:lnRef idx="2">
-              <a:schemeClr val="accent3"/>
-            </a:lnRef>
-            <a:fillRef idx="1">
-              <a:schemeClr val="lt1"/>
-            </a:fillRef>
-            <a:effectRef idx="0">
-              <a:schemeClr val="accent3"/>
-            </a:effectRef>
-            <a:fontRef idx="minor">
-              <a:schemeClr val="dk1"/>
-            </a:fontRef>
-          </p:style>
-          <p:txBody>
-            <a:bodyPr wrap="square" rtlCol="0">
-              <a:spAutoFit/>
-            </a:bodyPr>
-            <a:lstStyle/>
-            <a:p>
-              <a:r>
-                <a:rPr lang="en-US" sz="1200" dirty="0"/>
+                <a:rPr lang="en-US" sz="1400" dirty="0"/>
                 <a:t>Introduction</a:t>
               </a:r>
             </a:p>
@@ -10081,10 +11099,10 @@
         </p:sp>
         <p:sp>
           <p:nvSpPr>
-            <p:cNvPr id="10" name="Eingekerbter Richtungspfeil 23">
+            <p:cNvPr id="36" name="Eingekerbter Richtungspfeil 23">
               <a:extLst>
                 <a:ext uri="{FF2B5EF4-FFF2-40B4-BE49-F238E27FC236}">
-                  <a16:creationId xmlns:a16="http://schemas.microsoft.com/office/drawing/2014/main" id="{C005311E-133F-493F-BFFC-C169B3CA8A86}"/>
+                  <a16:creationId xmlns:a16="http://schemas.microsoft.com/office/drawing/2014/main" id="{8145765F-17D2-416E-AC03-4E274CD2BA90}"/>
                 </a:ext>
               </a:extLst>
             </p:cNvPr>
@@ -10093,7 +11111,7 @@
           </p:nvSpPr>
           <p:spPr>
             <a:xfrm>
-              <a:off x="1284399" y="6091574"/>
+              <a:off x="1277780" y="6067929"/>
               <a:ext cx="158496" cy="158496"/>
             </a:xfrm>
             <a:prstGeom prst="chevron">
@@ -10119,7 +11137,7 @@
             <a:lstStyle/>
             <a:p>
               <a:pPr algn="ctr"/>
-              <a:endParaRPr lang="de-DE" dirty="0">
+              <a:endParaRPr lang="de-DE" sz="1400" dirty="0">
                 <a:solidFill>
                   <a:schemeClr val="tx1"/>
                 </a:solidFill>
@@ -10129,10 +11147,10 @@
         </p:sp>
         <p:sp>
           <p:nvSpPr>
-            <p:cNvPr id="11" name="Eingekerbter Richtungspfeil 24">
+            <p:cNvPr id="37" name="Eingekerbter Richtungspfeil 24">
               <a:extLst>
                 <a:ext uri="{FF2B5EF4-FFF2-40B4-BE49-F238E27FC236}">
-                  <a16:creationId xmlns:a16="http://schemas.microsoft.com/office/drawing/2014/main" id="{13B86617-4353-46AD-97C4-7F02A1BA1B80}"/>
+                  <a16:creationId xmlns:a16="http://schemas.microsoft.com/office/drawing/2014/main" id="{740BA915-2DEC-4388-889E-A7C978C68B0F}"/>
                 </a:ext>
               </a:extLst>
             </p:cNvPr>
@@ -10141,7 +11159,7 @@
           </p:nvSpPr>
           <p:spPr>
             <a:xfrm>
-              <a:off x="2052380" y="6091574"/>
+              <a:off x="2074801" y="6078481"/>
               <a:ext cx="158496" cy="158496"/>
             </a:xfrm>
             <a:prstGeom prst="chevron">
@@ -10167,7 +11185,7 @@
             <a:lstStyle/>
             <a:p>
               <a:pPr algn="ctr"/>
-              <a:endParaRPr lang="de-DE" dirty="0">
+              <a:endParaRPr lang="de-DE" sz="1400" dirty="0">
                 <a:solidFill>
                   <a:schemeClr val="tx1"/>
                 </a:solidFill>
@@ -10177,10 +11195,10 @@
         </p:sp>
         <p:sp>
           <p:nvSpPr>
-            <p:cNvPr id="12" name="Eingekerbter Richtungspfeil 25">
+            <p:cNvPr id="38" name="Eingekerbter Richtungspfeil 25">
               <a:extLst>
                 <a:ext uri="{FF2B5EF4-FFF2-40B4-BE49-F238E27FC236}">
-                  <a16:creationId xmlns:a16="http://schemas.microsoft.com/office/drawing/2014/main" id="{40D0FAF6-EB9E-4EEF-BCBE-972523E34CB7}"/>
+                  <a16:creationId xmlns:a16="http://schemas.microsoft.com/office/drawing/2014/main" id="{88E25A81-FA9D-4795-99FC-68D6E793FE79}"/>
                 </a:ext>
               </a:extLst>
             </p:cNvPr>
@@ -10189,7 +11207,7 @@
           </p:nvSpPr>
           <p:spPr>
             <a:xfrm>
-              <a:off x="4116879" y="6091574"/>
+              <a:off x="4309376" y="6064001"/>
               <a:ext cx="158496" cy="158496"/>
             </a:xfrm>
             <a:prstGeom prst="chevron">
@@ -10215,7 +11233,7 @@
             <a:lstStyle/>
             <a:p>
               <a:pPr algn="ctr"/>
-              <a:endParaRPr lang="de-DE" dirty="0">
+              <a:endParaRPr lang="de-DE" sz="1400" dirty="0">
                 <a:solidFill>
                   <a:schemeClr val="tx1"/>
                 </a:solidFill>
@@ -10225,10 +11243,10 @@
         </p:sp>
         <p:sp>
           <p:nvSpPr>
-            <p:cNvPr id="13" name="Textfeld 12">
+            <p:cNvPr id="39" name="Textfeld 38">
               <a:extLst>
                 <a:ext uri="{FF2B5EF4-FFF2-40B4-BE49-F238E27FC236}">
-                  <a16:creationId xmlns:a16="http://schemas.microsoft.com/office/drawing/2014/main" id="{6910B1B0-7848-461D-A8EE-494297AF2C2C}"/>
+                  <a16:creationId xmlns:a16="http://schemas.microsoft.com/office/drawing/2014/main" id="{53B2D726-D92E-45C6-8883-4A271EC774FE}"/>
                 </a:ext>
               </a:extLst>
             </p:cNvPr>
@@ -10237,8 +11255,8 @@
           </p:nvSpPr>
           <p:spPr>
             <a:xfrm>
-              <a:off x="4324070" y="6032320"/>
-              <a:ext cx="1588897" cy="276999"/>
+              <a:off x="4497856" y="5999483"/>
+              <a:ext cx="1827744" cy="307777"/>
             </a:xfrm>
             <a:prstGeom prst="rect">
               <a:avLst/>
@@ -10268,8 +11286,9 @@
             </a:bodyPr>
             <a:lstStyle/>
             <a:p>
+              <a:pPr algn="ctr"/>
               <a:r>
-                <a:rPr lang="en-US" sz="1200" dirty="0"/>
+                <a:rPr lang="en-US" sz="1400" dirty="0"/>
                 <a:t>Deployment Pipeline</a:t>
               </a:r>
             </a:p>
@@ -10277,10 +11296,10 @@
         </p:sp>
         <p:sp>
           <p:nvSpPr>
-            <p:cNvPr id="14" name="Eingekerbter Richtungspfeil 27">
+            <p:cNvPr id="40" name="Eingekerbter Richtungspfeil 27">
               <a:extLst>
                 <a:ext uri="{FF2B5EF4-FFF2-40B4-BE49-F238E27FC236}">
-                  <a16:creationId xmlns:a16="http://schemas.microsoft.com/office/drawing/2014/main" id="{C8C6383D-EFF4-4F8F-B7E7-55AA85D1E860}"/>
+                  <a16:creationId xmlns:a16="http://schemas.microsoft.com/office/drawing/2014/main" id="{010CBB02-BE3D-436A-88E4-B1DBD93DCD6B}"/>
                 </a:ext>
               </a:extLst>
             </p:cNvPr>
@@ -10289,7 +11308,7 @@
           </p:nvSpPr>
           <p:spPr>
             <a:xfrm>
-              <a:off x="7320057" y="6091577"/>
+              <a:off x="7679272" y="6064001"/>
               <a:ext cx="158496" cy="158496"/>
             </a:xfrm>
             <a:prstGeom prst="chevron">
@@ -10315,7 +11334,7 @@
             <a:lstStyle/>
             <a:p>
               <a:pPr algn="ctr"/>
-              <a:endParaRPr lang="de-DE" dirty="0">
+              <a:endParaRPr lang="de-DE" sz="1400" dirty="0">
                 <a:solidFill>
                   <a:schemeClr val="tx1"/>
                 </a:solidFill>
@@ -10325,10 +11344,10 @@
         </p:sp>
         <p:cxnSp>
           <p:nvCxnSpPr>
-            <p:cNvPr id="15" name="Gerade Verbindung 28">
+            <p:cNvPr id="41" name="Gerade Verbindung 28">
               <a:extLst>
                 <a:ext uri="{FF2B5EF4-FFF2-40B4-BE49-F238E27FC236}">
-                  <a16:creationId xmlns:a16="http://schemas.microsoft.com/office/drawing/2014/main" id="{BE0E1948-1999-44A0-B261-866A1DF5995B}"/>
+                  <a16:creationId xmlns:a16="http://schemas.microsoft.com/office/drawing/2014/main" id="{D2CFC4CD-6520-4E9E-BE65-550DB9610741}"/>
                 </a:ext>
               </a:extLst>
             </p:cNvPr>
@@ -10368,10 +11387,10 @@
         </p:cxnSp>
         <p:sp>
           <p:nvSpPr>
-            <p:cNvPr id="16" name="Eingekerbter Richtungspfeil 29">
+            <p:cNvPr id="42" name="Eingekerbter Richtungspfeil 29">
               <a:extLst>
                 <a:ext uri="{FF2B5EF4-FFF2-40B4-BE49-F238E27FC236}">
-                  <a16:creationId xmlns:a16="http://schemas.microsoft.com/office/drawing/2014/main" id="{A4600029-E40B-4FAC-BDEA-4C82CFF469F9}"/>
+                  <a16:creationId xmlns:a16="http://schemas.microsoft.com/office/drawing/2014/main" id="{55316384-8268-4935-944F-DB56ED5C58DA}"/>
                 </a:ext>
               </a:extLst>
             </p:cNvPr>
@@ -10380,7 +11399,7 @@
           </p:nvSpPr>
           <p:spPr>
             <a:xfrm>
-              <a:off x="5925672" y="6091576"/>
+              <a:off x="6325600" y="6064001"/>
               <a:ext cx="158496" cy="158496"/>
             </a:xfrm>
             <a:prstGeom prst="chevron">
@@ -10406,7 +11425,7 @@
             <a:lstStyle/>
             <a:p>
               <a:pPr algn="ctr"/>
-              <a:endParaRPr lang="de-DE" dirty="0">
+              <a:endParaRPr lang="de-DE" sz="1400" dirty="0">
                 <a:solidFill>
                   <a:schemeClr val="tx1"/>
                 </a:solidFill>
@@ -10467,12 +11486,48 @@
           </a:p>
         </p:txBody>
       </p:sp>
+      <p:pic>
+        <p:nvPicPr>
+          <p:cNvPr id="3" name="Grafik 2">
+            <a:extLst>
+              <a:ext uri="{FF2B5EF4-FFF2-40B4-BE49-F238E27FC236}">
+                <a16:creationId xmlns:a16="http://schemas.microsoft.com/office/drawing/2014/main" id="{733AB5B1-92CC-4483-BC75-2B50E1C9E636}"/>
+              </a:ext>
+            </a:extLst>
+          </p:cNvPr>
+          <p:cNvPicPr>
+            <a:picLocks noChangeAspect="1"/>
+          </p:cNvPicPr>
+          <p:nvPr/>
+        </p:nvPicPr>
+        <p:blipFill>
+          <a:blip r:embed="rId3">
+            <a:extLst>
+              <a:ext uri="{28A0092B-C50C-407E-A947-70E740481C1C}">
+                <a14:useLocalDpi xmlns:a14="http://schemas.microsoft.com/office/drawing/2010/main" val="0"/>
+              </a:ext>
+            </a:extLst>
+          </a:blip>
+          <a:stretch>
+            <a:fillRect/>
+          </a:stretch>
+        </p:blipFill>
+        <p:spPr>
+          <a:xfrm>
+            <a:off x="165501" y="1327048"/>
+            <a:ext cx="8410338" cy="2489404"/>
+          </a:xfrm>
+          <a:prstGeom prst="rect">
+            <a:avLst/>
+          </a:prstGeom>
+        </p:spPr>
+      </p:pic>
       <p:grpSp>
         <p:nvGrpSpPr>
-          <p:cNvPr id="4" name="Gruppieren 21">
+          <p:cNvPr id="30" name="Gruppieren 21">
             <a:extLst>
               <a:ext uri="{FF2B5EF4-FFF2-40B4-BE49-F238E27FC236}">
-                <a16:creationId xmlns:a16="http://schemas.microsoft.com/office/drawing/2014/main" id="{AA131601-72E5-4228-A286-1E3E6D78B764}"/>
+                <a16:creationId xmlns:a16="http://schemas.microsoft.com/office/drawing/2014/main" id="{1B4B9085-506F-450D-9515-D7DB925E2B0B}"/>
               </a:ext>
             </a:extLst>
           </p:cNvPr>
@@ -10482,17 +11537,17 @@
         <p:grpSpPr>
           <a:xfrm>
             <a:off x="72000" y="4424179"/>
-            <a:ext cx="9072000" cy="322630"/>
+            <a:ext cx="9072854" cy="335167"/>
             <a:chOff x="25400" y="5986694"/>
-            <a:chExt cx="9072000" cy="322630"/>
+            <a:chExt cx="9072854" cy="335167"/>
           </a:xfrm>
         </p:grpSpPr>
         <p:sp>
           <p:nvSpPr>
-            <p:cNvPr id="5" name="Textfeld 13">
+            <p:cNvPr id="31" name="Textfeld 13">
               <a:extLst>
                 <a:ext uri="{FF2B5EF4-FFF2-40B4-BE49-F238E27FC236}">
-                  <a16:creationId xmlns:a16="http://schemas.microsoft.com/office/drawing/2014/main" id="{2BCE988F-F02A-4D6D-B2E3-D098FA90D670}"/>
+                  <a16:creationId xmlns:a16="http://schemas.microsoft.com/office/drawing/2014/main" id="{A3B419AE-F16C-4899-AFE9-A349102FAA3D}"/>
                 </a:ext>
               </a:extLst>
             </p:cNvPr>
@@ -10501,8 +11556,8 @@
           </p:nvSpPr>
           <p:spPr>
             <a:xfrm>
-              <a:off x="1493183" y="6032322"/>
-              <a:ext cx="554389" cy="276999"/>
+              <a:off x="1493804" y="5994910"/>
+              <a:ext cx="554389" cy="307777"/>
             </a:xfrm>
             <a:prstGeom prst="rect">
               <a:avLst/>
@@ -10534,7 +11589,7 @@
             <a:p>
               <a:pPr algn="ctr"/>
               <a:r>
-                <a:rPr lang="en-US" sz="1200" b="1" dirty="0"/>
+                <a:rPr lang="en-US" sz="1400" b="1" dirty="0"/>
                 <a:t>CSE</a:t>
               </a:r>
             </a:p>
@@ -10542,10 +11597,10 @@
         </p:sp>
         <p:sp>
           <p:nvSpPr>
-            <p:cNvPr id="6" name="Textfeld 14">
+            <p:cNvPr id="32" name="Textfeld 14">
               <a:extLst>
                 <a:ext uri="{FF2B5EF4-FFF2-40B4-BE49-F238E27FC236}">
-                  <a16:creationId xmlns:a16="http://schemas.microsoft.com/office/drawing/2014/main" id="{C8E64975-DD4E-484D-9EF4-CB11AB9E264F}"/>
+                  <a16:creationId xmlns:a16="http://schemas.microsoft.com/office/drawing/2014/main" id="{BAC771AA-6858-4E63-8F94-897E8D974475}"/>
                 </a:ext>
               </a:extLst>
             </p:cNvPr>
@@ -10554,8 +11609,8 @@
           </p:nvSpPr>
           <p:spPr>
             <a:xfrm>
-              <a:off x="6282440" y="6032325"/>
-              <a:ext cx="949299" cy="276999"/>
+              <a:off x="6541624" y="6014084"/>
+              <a:ext cx="1161052" cy="307777"/>
             </a:xfrm>
             <a:prstGeom prst="rect">
               <a:avLst/>
@@ -10580,13 +11635,14 @@
             </a:fontRef>
           </p:style>
           <p:txBody>
-            <a:bodyPr wrap="none" rtlCol="0">
+            <a:bodyPr wrap="square" rtlCol="0">
               <a:spAutoFit/>
             </a:bodyPr>
             <a:lstStyle/>
             <a:p>
+              <a:pPr algn="ctr"/>
               <a:r>
-                <a:rPr lang="en-US" sz="1200" dirty="0"/>
+                <a:rPr lang="en-US" sz="1400" dirty="0"/>
                 <a:t>Challenges</a:t>
               </a:r>
             </a:p>
@@ -10594,10 +11650,10 @@
         </p:sp>
         <p:sp>
           <p:nvSpPr>
-            <p:cNvPr id="7" name="Textfeld 6">
+            <p:cNvPr id="33" name="Textfeld 32">
               <a:extLst>
                 <a:ext uri="{FF2B5EF4-FFF2-40B4-BE49-F238E27FC236}">
-                  <a16:creationId xmlns:a16="http://schemas.microsoft.com/office/drawing/2014/main" id="{5B1D65DE-7E84-4D4A-AD1F-FC54B535CB1E}"/>
+                  <a16:creationId xmlns:a16="http://schemas.microsoft.com/office/drawing/2014/main" id="{A98A5D15-7623-456E-899F-98527CDEC47E}"/>
                 </a:ext>
               </a:extLst>
             </p:cNvPr>
@@ -10606,8 +11662,61 @@
           </p:nvSpPr>
           <p:spPr>
             <a:xfrm>
-              <a:off x="2361122" y="6032320"/>
-              <a:ext cx="1774155" cy="276999"/>
+              <a:off x="2214434" y="5993289"/>
+              <a:ext cx="2094942" cy="307777"/>
+            </a:xfrm>
+            <a:prstGeom prst="rect">
+              <a:avLst/>
+            </a:prstGeom>
+            <a:noFill/>
+            <a:ln>
+              <a:noFill/>
+            </a:ln>
+          </p:spPr>
+          <p:style>
+            <a:lnRef idx="2">
+              <a:schemeClr val="accent3"/>
+            </a:lnRef>
+            <a:fillRef idx="1">
+              <a:schemeClr val="lt1"/>
+            </a:fillRef>
+            <a:effectRef idx="0">
+              <a:schemeClr val="accent3"/>
+            </a:effectRef>
+            <a:fontRef idx="minor">
+              <a:schemeClr val="dk1"/>
+            </a:fontRef>
+          </p:style>
+          <p:txBody>
+            <a:bodyPr wrap="square" rtlCol="0">
+              <a:spAutoFit/>
+            </a:bodyPr>
+            <a:lstStyle/>
+            <a:p>
+              <a:pPr algn="ctr"/>
+              <a:r>
+                <a:rPr lang="en-US" sz="1400" dirty="0"/>
+                <a:t>The Stairway to Heaven</a:t>
+              </a:r>
+            </a:p>
+          </p:txBody>
+        </p:sp>
+        <p:sp>
+          <p:nvSpPr>
+            <p:cNvPr id="34" name="Textfeld 33">
+              <a:extLst>
+                <a:ext uri="{FF2B5EF4-FFF2-40B4-BE49-F238E27FC236}">
+                  <a16:creationId xmlns:a16="http://schemas.microsoft.com/office/drawing/2014/main" id="{9C6CB356-4D08-44E6-BB18-C9865EEE7734}"/>
+                </a:ext>
+              </a:extLst>
+            </p:cNvPr>
+            <p:cNvSpPr txBox="1"/>
+            <p:nvPr/>
+          </p:nvSpPr>
+          <p:spPr>
+            <a:xfrm>
+              <a:off x="7820226" y="6000783"/>
+              <a:ext cx="1278028" cy="307777"/>
             </a:xfrm>
             <a:prstGeom prst="rect">
               <a:avLst/>
@@ -10638,18 +11747,18 @@
             <a:lstStyle/>
             <a:p>
               <a:r>
-                <a:rPr lang="en-US" sz="1200" dirty="0"/>
-                <a:t>The Stairway to Haven</a:t>
+                <a:rPr lang="en-US" sz="1400" dirty="0"/>
+                <a:t>Conclusion</a:t>
               </a:r>
             </a:p>
           </p:txBody>
         </p:sp>
         <p:sp>
           <p:nvSpPr>
-            <p:cNvPr id="8" name="Textfeld 7">
+            <p:cNvPr id="35" name="Textfeld 34">
               <a:extLst>
                 <a:ext uri="{FF2B5EF4-FFF2-40B4-BE49-F238E27FC236}">
-                  <a16:creationId xmlns:a16="http://schemas.microsoft.com/office/drawing/2014/main" id="{8544E219-3395-4D35-AB47-83E797162EF8}"/>
+                  <a16:creationId xmlns:a16="http://schemas.microsoft.com/office/drawing/2014/main" id="{9B4161E9-8C61-4D95-A02D-BE63C1E9ED37}"/>
                 </a:ext>
               </a:extLst>
             </p:cNvPr>
@@ -10658,8 +11767,8 @@
           </p:nvSpPr>
           <p:spPr>
             <a:xfrm>
-              <a:off x="7763010" y="6032321"/>
-              <a:ext cx="1278028" cy="276999"/>
+              <a:off x="158515" y="6000783"/>
+              <a:ext cx="1213939" cy="307777"/>
             </a:xfrm>
             <a:prstGeom prst="rect">
               <a:avLst/>
@@ -10690,59 +11799,7 @@
             <a:lstStyle/>
             <a:p>
               <a:r>
-                <a:rPr lang="en-US" sz="1200" dirty="0"/>
-                <a:t>Summary</a:t>
-              </a:r>
-            </a:p>
-          </p:txBody>
-        </p:sp>
-        <p:sp>
-          <p:nvSpPr>
-            <p:cNvPr id="9" name="Textfeld 8">
-              <a:extLst>
-                <a:ext uri="{FF2B5EF4-FFF2-40B4-BE49-F238E27FC236}">
-                  <a16:creationId xmlns:a16="http://schemas.microsoft.com/office/drawing/2014/main" id="{852888F9-9852-4482-8D86-9D678EB085AD}"/>
-                </a:ext>
-              </a:extLst>
-            </p:cNvPr>
-            <p:cNvSpPr txBox="1"/>
-            <p:nvPr/>
-          </p:nvSpPr>
-          <p:spPr>
-            <a:xfrm>
-              <a:off x="179512" y="6032321"/>
-              <a:ext cx="1213939" cy="276999"/>
-            </a:xfrm>
-            <a:prstGeom prst="rect">
-              <a:avLst/>
-            </a:prstGeom>
-            <a:noFill/>
-            <a:ln>
-              <a:noFill/>
-            </a:ln>
-          </p:spPr>
-          <p:style>
-            <a:lnRef idx="2">
-              <a:schemeClr val="accent3"/>
-            </a:lnRef>
-            <a:fillRef idx="1">
-              <a:schemeClr val="lt1"/>
-            </a:fillRef>
-            <a:effectRef idx="0">
-              <a:schemeClr val="accent3"/>
-            </a:effectRef>
-            <a:fontRef idx="minor">
-              <a:schemeClr val="dk1"/>
-            </a:fontRef>
-          </p:style>
-          <p:txBody>
-            <a:bodyPr wrap="square" rtlCol="0">
-              <a:spAutoFit/>
-            </a:bodyPr>
-            <a:lstStyle/>
-            <a:p>
-              <a:r>
-                <a:rPr lang="en-US" sz="1200" dirty="0"/>
+                <a:rPr lang="en-US" sz="1400" dirty="0"/>
                 <a:t>Introduction</a:t>
               </a:r>
             </a:p>
@@ -10750,10 +11807,10 @@
         </p:sp>
         <p:sp>
           <p:nvSpPr>
-            <p:cNvPr id="10" name="Eingekerbter Richtungspfeil 23">
+            <p:cNvPr id="36" name="Eingekerbter Richtungspfeil 23">
               <a:extLst>
                 <a:ext uri="{FF2B5EF4-FFF2-40B4-BE49-F238E27FC236}">
-                  <a16:creationId xmlns:a16="http://schemas.microsoft.com/office/drawing/2014/main" id="{C005311E-133F-493F-BFFC-C169B3CA8A86}"/>
+                  <a16:creationId xmlns:a16="http://schemas.microsoft.com/office/drawing/2014/main" id="{01A917CE-221A-4E3F-A269-AD8C2C185C17}"/>
                 </a:ext>
               </a:extLst>
             </p:cNvPr>
@@ -10762,7 +11819,7 @@
           </p:nvSpPr>
           <p:spPr>
             <a:xfrm>
-              <a:off x="1284399" y="6091574"/>
+              <a:off x="1277780" y="6067929"/>
               <a:ext cx="158496" cy="158496"/>
             </a:xfrm>
             <a:prstGeom prst="chevron">
@@ -10788,7 +11845,7 @@
             <a:lstStyle/>
             <a:p>
               <a:pPr algn="ctr"/>
-              <a:endParaRPr lang="de-DE" dirty="0">
+              <a:endParaRPr lang="de-DE" sz="1400" dirty="0">
                 <a:solidFill>
                   <a:schemeClr val="tx1"/>
                 </a:solidFill>
@@ -10798,10 +11855,10 @@
         </p:sp>
         <p:sp>
           <p:nvSpPr>
-            <p:cNvPr id="11" name="Eingekerbter Richtungspfeil 24">
+            <p:cNvPr id="37" name="Eingekerbter Richtungspfeil 24">
               <a:extLst>
                 <a:ext uri="{FF2B5EF4-FFF2-40B4-BE49-F238E27FC236}">
-                  <a16:creationId xmlns:a16="http://schemas.microsoft.com/office/drawing/2014/main" id="{13B86617-4353-46AD-97C4-7F02A1BA1B80}"/>
+                  <a16:creationId xmlns:a16="http://schemas.microsoft.com/office/drawing/2014/main" id="{5E308175-0895-412A-971A-67587023679C}"/>
                 </a:ext>
               </a:extLst>
             </p:cNvPr>
@@ -10810,7 +11867,7 @@
           </p:nvSpPr>
           <p:spPr>
             <a:xfrm>
-              <a:off x="2052380" y="6091574"/>
+              <a:off x="2074801" y="6078481"/>
               <a:ext cx="158496" cy="158496"/>
             </a:xfrm>
             <a:prstGeom prst="chevron">
@@ -10836,7 +11893,7 @@
             <a:lstStyle/>
             <a:p>
               <a:pPr algn="ctr"/>
-              <a:endParaRPr lang="de-DE" dirty="0">
+              <a:endParaRPr lang="de-DE" sz="1400" dirty="0">
                 <a:solidFill>
                   <a:schemeClr val="tx1"/>
                 </a:solidFill>
@@ -10846,10 +11903,10 @@
         </p:sp>
         <p:sp>
           <p:nvSpPr>
-            <p:cNvPr id="12" name="Eingekerbter Richtungspfeil 25">
+            <p:cNvPr id="38" name="Eingekerbter Richtungspfeil 25">
               <a:extLst>
                 <a:ext uri="{FF2B5EF4-FFF2-40B4-BE49-F238E27FC236}">
-                  <a16:creationId xmlns:a16="http://schemas.microsoft.com/office/drawing/2014/main" id="{40D0FAF6-EB9E-4EEF-BCBE-972523E34CB7}"/>
+                  <a16:creationId xmlns:a16="http://schemas.microsoft.com/office/drawing/2014/main" id="{6EA11A5A-C328-46EF-8DB0-A6E5676F535A}"/>
                 </a:ext>
               </a:extLst>
             </p:cNvPr>
@@ -10858,7 +11915,7 @@
           </p:nvSpPr>
           <p:spPr>
             <a:xfrm>
-              <a:off x="4116879" y="6091574"/>
+              <a:off x="4309376" y="6064001"/>
               <a:ext cx="158496" cy="158496"/>
             </a:xfrm>
             <a:prstGeom prst="chevron">
@@ -10884,7 +11941,7 @@
             <a:lstStyle/>
             <a:p>
               <a:pPr algn="ctr"/>
-              <a:endParaRPr lang="de-DE" dirty="0">
+              <a:endParaRPr lang="de-DE" sz="1400" dirty="0">
                 <a:solidFill>
                   <a:schemeClr val="tx1"/>
                 </a:solidFill>
@@ -10894,10 +11951,10 @@
         </p:sp>
         <p:sp>
           <p:nvSpPr>
-            <p:cNvPr id="13" name="Textfeld 12">
+            <p:cNvPr id="39" name="Textfeld 38">
               <a:extLst>
                 <a:ext uri="{FF2B5EF4-FFF2-40B4-BE49-F238E27FC236}">
-                  <a16:creationId xmlns:a16="http://schemas.microsoft.com/office/drawing/2014/main" id="{6910B1B0-7848-461D-A8EE-494297AF2C2C}"/>
+                  <a16:creationId xmlns:a16="http://schemas.microsoft.com/office/drawing/2014/main" id="{56090D27-883F-4CE0-9154-9563D552E878}"/>
                 </a:ext>
               </a:extLst>
             </p:cNvPr>
@@ -10906,8 +11963,8 @@
           </p:nvSpPr>
           <p:spPr>
             <a:xfrm>
-              <a:off x="4324070" y="6032320"/>
-              <a:ext cx="1588897" cy="276999"/>
+              <a:off x="4497856" y="5999483"/>
+              <a:ext cx="1827744" cy="307777"/>
             </a:xfrm>
             <a:prstGeom prst="rect">
               <a:avLst/>
@@ -10937,8 +11994,9 @@
             </a:bodyPr>
             <a:lstStyle/>
             <a:p>
+              <a:pPr algn="ctr"/>
               <a:r>
-                <a:rPr lang="en-US" sz="1200" dirty="0"/>
+                <a:rPr lang="en-US" sz="1400" dirty="0"/>
                 <a:t>Deployment Pipeline</a:t>
               </a:r>
             </a:p>
@@ -10946,10 +12004,10 @@
         </p:sp>
         <p:sp>
           <p:nvSpPr>
-            <p:cNvPr id="14" name="Eingekerbter Richtungspfeil 27">
+            <p:cNvPr id="40" name="Eingekerbter Richtungspfeil 27">
               <a:extLst>
                 <a:ext uri="{FF2B5EF4-FFF2-40B4-BE49-F238E27FC236}">
-                  <a16:creationId xmlns:a16="http://schemas.microsoft.com/office/drawing/2014/main" id="{C8C6383D-EFF4-4F8F-B7E7-55AA85D1E860}"/>
+                  <a16:creationId xmlns:a16="http://schemas.microsoft.com/office/drawing/2014/main" id="{3E9C3DF8-FB39-4DB1-8339-1CC52F549FA7}"/>
                 </a:ext>
               </a:extLst>
             </p:cNvPr>
@@ -10958,7 +12016,7 @@
           </p:nvSpPr>
           <p:spPr>
             <a:xfrm>
-              <a:off x="7320057" y="6091577"/>
+              <a:off x="7679272" y="6064001"/>
               <a:ext cx="158496" cy="158496"/>
             </a:xfrm>
             <a:prstGeom prst="chevron">
@@ -10984,7 +12042,7 @@
             <a:lstStyle/>
             <a:p>
               <a:pPr algn="ctr"/>
-              <a:endParaRPr lang="de-DE" dirty="0">
+              <a:endParaRPr lang="de-DE" sz="1400" dirty="0">
                 <a:solidFill>
                   <a:schemeClr val="tx1"/>
                 </a:solidFill>
@@ -10994,10 +12052,10 @@
         </p:sp>
         <p:cxnSp>
           <p:nvCxnSpPr>
-            <p:cNvPr id="15" name="Gerade Verbindung 28">
+            <p:cNvPr id="41" name="Gerade Verbindung 28">
               <a:extLst>
                 <a:ext uri="{FF2B5EF4-FFF2-40B4-BE49-F238E27FC236}">
-                  <a16:creationId xmlns:a16="http://schemas.microsoft.com/office/drawing/2014/main" id="{BE0E1948-1999-44A0-B261-866A1DF5995B}"/>
+                  <a16:creationId xmlns:a16="http://schemas.microsoft.com/office/drawing/2014/main" id="{5580F8B1-401E-4450-A59B-F5DFC43C242D}"/>
                 </a:ext>
               </a:extLst>
             </p:cNvPr>
@@ -11037,10 +12095,10 @@
         </p:cxnSp>
         <p:sp>
           <p:nvSpPr>
-            <p:cNvPr id="16" name="Eingekerbter Richtungspfeil 29">
+            <p:cNvPr id="42" name="Eingekerbter Richtungspfeil 29">
               <a:extLst>
                 <a:ext uri="{FF2B5EF4-FFF2-40B4-BE49-F238E27FC236}">
-                  <a16:creationId xmlns:a16="http://schemas.microsoft.com/office/drawing/2014/main" id="{A4600029-E40B-4FAC-BDEA-4C82CFF469F9}"/>
+                  <a16:creationId xmlns:a16="http://schemas.microsoft.com/office/drawing/2014/main" id="{808DC9E6-F7A4-4F37-BB9A-3E3FFA905547}"/>
                 </a:ext>
               </a:extLst>
             </p:cNvPr>
@@ -11049,7 +12107,7 @@
           </p:nvSpPr>
           <p:spPr>
             <a:xfrm>
-              <a:off x="5925672" y="6091576"/>
+              <a:off x="6325600" y="6064001"/>
               <a:ext cx="158496" cy="158496"/>
             </a:xfrm>
             <a:prstGeom prst="chevron">
@@ -11075,7 +12133,7 @@
             <a:lstStyle/>
             <a:p>
               <a:pPr algn="ctr"/>
-              <a:endParaRPr lang="de-DE" dirty="0">
+              <a:endParaRPr lang="de-DE" sz="1400" dirty="0">
                 <a:solidFill>
                   <a:schemeClr val="tx1"/>
                 </a:solidFill>
@@ -11084,42 +12142,6 @@
           </p:txBody>
         </p:sp>
       </p:grpSp>
-      <p:pic>
-        <p:nvPicPr>
-          <p:cNvPr id="3" name="Grafik 2">
-            <a:extLst>
-              <a:ext uri="{FF2B5EF4-FFF2-40B4-BE49-F238E27FC236}">
-                <a16:creationId xmlns:a16="http://schemas.microsoft.com/office/drawing/2014/main" id="{733AB5B1-92CC-4483-BC75-2B50E1C9E636}"/>
-              </a:ext>
-            </a:extLst>
-          </p:cNvPr>
-          <p:cNvPicPr>
-            <a:picLocks noChangeAspect="1"/>
-          </p:cNvPicPr>
-          <p:nvPr/>
-        </p:nvPicPr>
-        <p:blipFill>
-          <a:blip r:embed="rId3">
-            <a:extLst>
-              <a:ext uri="{28A0092B-C50C-407E-A947-70E740481C1C}">
-                <a14:useLocalDpi xmlns:a14="http://schemas.microsoft.com/office/drawing/2010/main" val="0"/>
-              </a:ext>
-            </a:extLst>
-          </a:blip>
-          <a:stretch>
-            <a:fillRect/>
-          </a:stretch>
-        </p:blipFill>
-        <p:spPr>
-          <a:xfrm>
-            <a:off x="366831" y="1327048"/>
-            <a:ext cx="8410338" cy="2489404"/>
-          </a:xfrm>
-          <a:prstGeom prst="rect">
-            <a:avLst/>
-          </a:prstGeom>
-        </p:spPr>
-      </p:pic>
     </p:spTree>
     <p:extLst>
       <p:ext uri="{BB962C8B-B14F-4D97-AF65-F5344CB8AC3E}">
@@ -11172,12 +12194,48 @@
           </a:p>
         </p:txBody>
       </p:sp>
+      <p:pic>
+        <p:nvPicPr>
+          <p:cNvPr id="3" name="Grafik 2">
+            <a:extLst>
+              <a:ext uri="{FF2B5EF4-FFF2-40B4-BE49-F238E27FC236}">
+                <a16:creationId xmlns:a16="http://schemas.microsoft.com/office/drawing/2014/main" id="{21A12264-FAC8-47D0-B4EF-2ED6EF5F105A}"/>
+              </a:ext>
+            </a:extLst>
+          </p:cNvPr>
+          <p:cNvPicPr>
+            <a:picLocks noChangeAspect="1"/>
+          </p:cNvPicPr>
+          <p:nvPr/>
+        </p:nvPicPr>
+        <p:blipFill>
+          <a:blip r:embed="rId3">
+            <a:extLst>
+              <a:ext uri="{28A0092B-C50C-407E-A947-70E740481C1C}">
+                <a14:useLocalDpi xmlns:a14="http://schemas.microsoft.com/office/drawing/2010/main" val="0"/>
+              </a:ext>
+            </a:extLst>
+          </a:blip>
+          <a:stretch>
+            <a:fillRect/>
+          </a:stretch>
+        </p:blipFill>
+        <p:spPr>
+          <a:xfrm>
+            <a:off x="182419" y="1523914"/>
+            <a:ext cx="8779162" cy="2095671"/>
+          </a:xfrm>
+          <a:prstGeom prst="rect">
+            <a:avLst/>
+          </a:prstGeom>
+        </p:spPr>
+      </p:pic>
       <p:grpSp>
         <p:nvGrpSpPr>
-          <p:cNvPr id="4" name="Gruppieren 21">
+          <p:cNvPr id="30" name="Gruppieren 21">
             <a:extLst>
               <a:ext uri="{FF2B5EF4-FFF2-40B4-BE49-F238E27FC236}">
-                <a16:creationId xmlns:a16="http://schemas.microsoft.com/office/drawing/2014/main" id="{AA131601-72E5-4228-A286-1E3E6D78B764}"/>
+                <a16:creationId xmlns:a16="http://schemas.microsoft.com/office/drawing/2014/main" id="{C8532282-10DE-478A-94E4-2D3CAEE315BB}"/>
               </a:ext>
             </a:extLst>
           </p:cNvPr>
@@ -11186,18 +12244,18 @@
         </p:nvGrpSpPr>
         <p:grpSpPr>
           <a:xfrm>
-            <a:off x="72000" y="4424179"/>
-            <a:ext cx="9072000" cy="322630"/>
+            <a:off x="35573" y="4433886"/>
+            <a:ext cx="9072854" cy="335167"/>
             <a:chOff x="25400" y="5986694"/>
-            <a:chExt cx="9072000" cy="322630"/>
+            <a:chExt cx="9072854" cy="335167"/>
           </a:xfrm>
         </p:grpSpPr>
         <p:sp>
           <p:nvSpPr>
-            <p:cNvPr id="5" name="Textfeld 13">
+            <p:cNvPr id="31" name="Textfeld 13">
               <a:extLst>
                 <a:ext uri="{FF2B5EF4-FFF2-40B4-BE49-F238E27FC236}">
-                  <a16:creationId xmlns:a16="http://schemas.microsoft.com/office/drawing/2014/main" id="{2BCE988F-F02A-4D6D-B2E3-D098FA90D670}"/>
+                  <a16:creationId xmlns:a16="http://schemas.microsoft.com/office/drawing/2014/main" id="{9652C652-C62A-49EA-9E84-7BB29302E0ED}"/>
                 </a:ext>
               </a:extLst>
             </p:cNvPr>
@@ -11206,8 +12264,8 @@
           </p:nvSpPr>
           <p:spPr>
             <a:xfrm>
-              <a:off x="1493183" y="6032322"/>
-              <a:ext cx="554389" cy="276999"/>
+              <a:off x="1493804" y="5994910"/>
+              <a:ext cx="554389" cy="307777"/>
             </a:xfrm>
             <a:prstGeom prst="rect">
               <a:avLst/>
@@ -11239,7 +12297,7 @@
             <a:p>
               <a:pPr algn="ctr"/>
               <a:r>
-                <a:rPr lang="en-US" sz="1200" dirty="0"/>
+                <a:rPr lang="en-US" sz="1400" dirty="0"/>
                 <a:t>CSE</a:t>
               </a:r>
             </a:p>
@@ -11247,10 +12305,10 @@
         </p:sp>
         <p:sp>
           <p:nvSpPr>
-            <p:cNvPr id="6" name="Textfeld 14">
+            <p:cNvPr id="32" name="Textfeld 14">
               <a:extLst>
                 <a:ext uri="{FF2B5EF4-FFF2-40B4-BE49-F238E27FC236}">
-                  <a16:creationId xmlns:a16="http://schemas.microsoft.com/office/drawing/2014/main" id="{C8E64975-DD4E-484D-9EF4-CB11AB9E264F}"/>
+                  <a16:creationId xmlns:a16="http://schemas.microsoft.com/office/drawing/2014/main" id="{70D77A4F-C660-45F0-96D1-4A88FB2F8C34}"/>
                 </a:ext>
               </a:extLst>
             </p:cNvPr>
@@ -11259,8 +12317,8 @@
           </p:nvSpPr>
           <p:spPr>
             <a:xfrm>
-              <a:off x="6282440" y="6032325"/>
-              <a:ext cx="949299" cy="276999"/>
+              <a:off x="6541624" y="6014084"/>
+              <a:ext cx="1161052" cy="307777"/>
             </a:xfrm>
             <a:prstGeom prst="rect">
               <a:avLst/>
@@ -11285,13 +12343,14 @@
             </a:fontRef>
           </p:style>
           <p:txBody>
-            <a:bodyPr wrap="none" rtlCol="0">
+            <a:bodyPr wrap="square" rtlCol="0">
               <a:spAutoFit/>
             </a:bodyPr>
             <a:lstStyle/>
             <a:p>
+              <a:pPr algn="ctr"/>
               <a:r>
-                <a:rPr lang="en-US" sz="1200" dirty="0"/>
+                <a:rPr lang="en-US" sz="1400" dirty="0"/>
                 <a:t>Challenges</a:t>
               </a:r>
             </a:p>
@@ -11299,10 +12358,10 @@
         </p:sp>
         <p:sp>
           <p:nvSpPr>
-            <p:cNvPr id="7" name="Textfeld 6">
+            <p:cNvPr id="33" name="Textfeld 32">
               <a:extLst>
                 <a:ext uri="{FF2B5EF4-FFF2-40B4-BE49-F238E27FC236}">
-                  <a16:creationId xmlns:a16="http://schemas.microsoft.com/office/drawing/2014/main" id="{5B1D65DE-7E84-4D4A-AD1F-FC54B535CB1E}"/>
+                  <a16:creationId xmlns:a16="http://schemas.microsoft.com/office/drawing/2014/main" id="{245A8461-B143-4559-BD4A-321F620327E6}"/>
                 </a:ext>
               </a:extLst>
             </p:cNvPr>
@@ -11311,8 +12370,61 @@
           </p:nvSpPr>
           <p:spPr>
             <a:xfrm>
-              <a:off x="2361122" y="6032320"/>
-              <a:ext cx="1874630" cy="276999"/>
+              <a:off x="2125881" y="5986694"/>
+              <a:ext cx="2253438" cy="307777"/>
+            </a:xfrm>
+            <a:prstGeom prst="rect">
+              <a:avLst/>
+            </a:prstGeom>
+            <a:noFill/>
+            <a:ln>
+              <a:noFill/>
+            </a:ln>
+          </p:spPr>
+          <p:style>
+            <a:lnRef idx="2">
+              <a:schemeClr val="accent3"/>
+            </a:lnRef>
+            <a:fillRef idx="1">
+              <a:schemeClr val="lt1"/>
+            </a:fillRef>
+            <a:effectRef idx="0">
+              <a:schemeClr val="accent3"/>
+            </a:effectRef>
+            <a:fontRef idx="minor">
+              <a:schemeClr val="dk1"/>
+            </a:fontRef>
+          </p:style>
+          <p:txBody>
+            <a:bodyPr wrap="square" rtlCol="0">
+              <a:spAutoFit/>
+            </a:bodyPr>
+            <a:lstStyle/>
+            <a:p>
+              <a:pPr algn="ctr"/>
+              <a:r>
+                <a:rPr lang="en-US" sz="1400" b="1" dirty="0"/>
+                <a:t>The Stairway to Heaven</a:t>
+              </a:r>
+            </a:p>
+          </p:txBody>
+        </p:sp>
+        <p:sp>
+          <p:nvSpPr>
+            <p:cNvPr id="34" name="Textfeld 33">
+              <a:extLst>
+                <a:ext uri="{FF2B5EF4-FFF2-40B4-BE49-F238E27FC236}">
+                  <a16:creationId xmlns:a16="http://schemas.microsoft.com/office/drawing/2014/main" id="{2999F8A6-F6DD-4FE1-B02F-188C6776AC32}"/>
+                </a:ext>
+              </a:extLst>
+            </p:cNvPr>
+            <p:cNvSpPr txBox="1"/>
+            <p:nvPr/>
+          </p:nvSpPr>
+          <p:spPr>
+            <a:xfrm>
+              <a:off x="7820226" y="6000783"/>
+              <a:ext cx="1278028" cy="307777"/>
             </a:xfrm>
             <a:prstGeom prst="rect">
               <a:avLst/>
@@ -11343,18 +12455,18 @@
             <a:lstStyle/>
             <a:p>
               <a:r>
-                <a:rPr lang="en-US" sz="1200" b="1" dirty="0"/>
-                <a:t>The Stairway to Haven</a:t>
+                <a:rPr lang="en-US" sz="1400" dirty="0"/>
+                <a:t>Conclusion</a:t>
               </a:r>
             </a:p>
           </p:txBody>
         </p:sp>
         <p:sp>
           <p:nvSpPr>
-            <p:cNvPr id="8" name="Textfeld 7">
+            <p:cNvPr id="35" name="Textfeld 34">
               <a:extLst>
                 <a:ext uri="{FF2B5EF4-FFF2-40B4-BE49-F238E27FC236}">
-                  <a16:creationId xmlns:a16="http://schemas.microsoft.com/office/drawing/2014/main" id="{8544E219-3395-4D35-AB47-83E797162EF8}"/>
+                  <a16:creationId xmlns:a16="http://schemas.microsoft.com/office/drawing/2014/main" id="{94801594-BD6B-4F33-8FFC-2350D1AD9121}"/>
                 </a:ext>
               </a:extLst>
             </p:cNvPr>
@@ -11363,8 +12475,8 @@
           </p:nvSpPr>
           <p:spPr>
             <a:xfrm>
-              <a:off x="7763010" y="6032321"/>
-              <a:ext cx="1278028" cy="276999"/>
+              <a:off x="158515" y="6000783"/>
+              <a:ext cx="1213939" cy="307777"/>
             </a:xfrm>
             <a:prstGeom prst="rect">
               <a:avLst/>
@@ -11395,59 +12507,7 @@
             <a:lstStyle/>
             <a:p>
               <a:r>
-                <a:rPr lang="en-US" sz="1200" dirty="0"/>
-                <a:t>Summary</a:t>
-              </a:r>
-            </a:p>
-          </p:txBody>
-        </p:sp>
-        <p:sp>
-          <p:nvSpPr>
-            <p:cNvPr id="9" name="Textfeld 8">
-              <a:extLst>
-                <a:ext uri="{FF2B5EF4-FFF2-40B4-BE49-F238E27FC236}">
-                  <a16:creationId xmlns:a16="http://schemas.microsoft.com/office/drawing/2014/main" id="{852888F9-9852-4482-8D86-9D678EB085AD}"/>
-                </a:ext>
-              </a:extLst>
-            </p:cNvPr>
-            <p:cNvSpPr txBox="1"/>
-            <p:nvPr/>
-          </p:nvSpPr>
-          <p:spPr>
-            <a:xfrm>
-              <a:off x="179512" y="6032321"/>
-              <a:ext cx="1213939" cy="276999"/>
-            </a:xfrm>
-            <a:prstGeom prst="rect">
-              <a:avLst/>
-            </a:prstGeom>
-            <a:noFill/>
-            <a:ln>
-              <a:noFill/>
-            </a:ln>
-          </p:spPr>
-          <p:style>
-            <a:lnRef idx="2">
-              <a:schemeClr val="accent3"/>
-            </a:lnRef>
-            <a:fillRef idx="1">
-              <a:schemeClr val="lt1"/>
-            </a:fillRef>
-            <a:effectRef idx="0">
-              <a:schemeClr val="accent3"/>
-            </a:effectRef>
-            <a:fontRef idx="minor">
-              <a:schemeClr val="dk1"/>
-            </a:fontRef>
-          </p:style>
-          <p:txBody>
-            <a:bodyPr wrap="square" rtlCol="0">
-              <a:spAutoFit/>
-            </a:bodyPr>
-            <a:lstStyle/>
-            <a:p>
-              <a:r>
-                <a:rPr lang="en-US" sz="1200" dirty="0"/>
+                <a:rPr lang="en-US" sz="1400" dirty="0"/>
                 <a:t>Introduction</a:t>
               </a:r>
             </a:p>
@@ -11455,10 +12515,10 @@
         </p:sp>
         <p:sp>
           <p:nvSpPr>
-            <p:cNvPr id="10" name="Eingekerbter Richtungspfeil 23">
+            <p:cNvPr id="36" name="Eingekerbter Richtungspfeil 23">
               <a:extLst>
                 <a:ext uri="{FF2B5EF4-FFF2-40B4-BE49-F238E27FC236}">
-                  <a16:creationId xmlns:a16="http://schemas.microsoft.com/office/drawing/2014/main" id="{C005311E-133F-493F-BFFC-C169B3CA8A86}"/>
+                  <a16:creationId xmlns:a16="http://schemas.microsoft.com/office/drawing/2014/main" id="{4B236F4C-06AF-4995-99E5-991360C792BE}"/>
                 </a:ext>
               </a:extLst>
             </p:cNvPr>
@@ -11467,7 +12527,7 @@
           </p:nvSpPr>
           <p:spPr>
             <a:xfrm>
-              <a:off x="1284399" y="6091574"/>
+              <a:off x="1277780" y="6067929"/>
               <a:ext cx="158496" cy="158496"/>
             </a:xfrm>
             <a:prstGeom prst="chevron">
@@ -11493,7 +12553,7 @@
             <a:lstStyle/>
             <a:p>
               <a:pPr algn="ctr"/>
-              <a:endParaRPr lang="de-DE" dirty="0">
+              <a:endParaRPr lang="de-DE" sz="1400" dirty="0">
                 <a:solidFill>
                   <a:schemeClr val="tx1"/>
                 </a:solidFill>
@@ -11503,10 +12563,10 @@
         </p:sp>
         <p:sp>
           <p:nvSpPr>
-            <p:cNvPr id="11" name="Eingekerbter Richtungspfeil 24">
+            <p:cNvPr id="37" name="Eingekerbter Richtungspfeil 24">
               <a:extLst>
                 <a:ext uri="{FF2B5EF4-FFF2-40B4-BE49-F238E27FC236}">
-                  <a16:creationId xmlns:a16="http://schemas.microsoft.com/office/drawing/2014/main" id="{13B86617-4353-46AD-97C4-7F02A1BA1B80}"/>
+                  <a16:creationId xmlns:a16="http://schemas.microsoft.com/office/drawing/2014/main" id="{E1DBAEB2-DE75-4A99-8EBC-F64D89A51D06}"/>
                 </a:ext>
               </a:extLst>
             </p:cNvPr>
@@ -11515,7 +12575,7 @@
           </p:nvSpPr>
           <p:spPr>
             <a:xfrm>
-              <a:off x="2052380" y="6091574"/>
+              <a:off x="2074801" y="6078481"/>
               <a:ext cx="158496" cy="158496"/>
             </a:xfrm>
             <a:prstGeom prst="chevron">
@@ -11541,7 +12601,7 @@
             <a:lstStyle/>
             <a:p>
               <a:pPr algn="ctr"/>
-              <a:endParaRPr lang="de-DE" dirty="0">
+              <a:endParaRPr lang="de-DE" sz="1400" dirty="0">
                 <a:solidFill>
                   <a:schemeClr val="tx1"/>
                 </a:solidFill>
@@ -11551,10 +12611,10 @@
         </p:sp>
         <p:sp>
           <p:nvSpPr>
-            <p:cNvPr id="12" name="Eingekerbter Richtungspfeil 25">
+            <p:cNvPr id="38" name="Eingekerbter Richtungspfeil 25">
               <a:extLst>
                 <a:ext uri="{FF2B5EF4-FFF2-40B4-BE49-F238E27FC236}">
-                  <a16:creationId xmlns:a16="http://schemas.microsoft.com/office/drawing/2014/main" id="{40D0FAF6-EB9E-4EEF-BCBE-972523E34CB7}"/>
+                  <a16:creationId xmlns:a16="http://schemas.microsoft.com/office/drawing/2014/main" id="{BA229DD1-A4CE-4FD7-A4ED-937AB3BA9820}"/>
                 </a:ext>
               </a:extLst>
             </p:cNvPr>
@@ -11563,7 +12623,7 @@
           </p:nvSpPr>
           <p:spPr>
             <a:xfrm>
-              <a:off x="4116879" y="6091574"/>
+              <a:off x="4309376" y="6064001"/>
               <a:ext cx="158496" cy="158496"/>
             </a:xfrm>
             <a:prstGeom prst="chevron">
@@ -11589,7 +12649,7 @@
             <a:lstStyle/>
             <a:p>
               <a:pPr algn="ctr"/>
-              <a:endParaRPr lang="de-DE" dirty="0">
+              <a:endParaRPr lang="de-DE" sz="1400" dirty="0">
                 <a:solidFill>
                   <a:schemeClr val="tx1"/>
                 </a:solidFill>
@@ -11599,10 +12659,10 @@
         </p:sp>
         <p:sp>
           <p:nvSpPr>
-            <p:cNvPr id="13" name="Textfeld 12">
+            <p:cNvPr id="39" name="Textfeld 38">
               <a:extLst>
                 <a:ext uri="{FF2B5EF4-FFF2-40B4-BE49-F238E27FC236}">
-                  <a16:creationId xmlns:a16="http://schemas.microsoft.com/office/drawing/2014/main" id="{6910B1B0-7848-461D-A8EE-494297AF2C2C}"/>
+                  <a16:creationId xmlns:a16="http://schemas.microsoft.com/office/drawing/2014/main" id="{5D3E830C-7FFD-4B61-B81F-410222FD3D20}"/>
                 </a:ext>
               </a:extLst>
             </p:cNvPr>
@@ -11611,8 +12671,8 @@
           </p:nvSpPr>
           <p:spPr>
             <a:xfrm>
-              <a:off x="4324070" y="6032320"/>
-              <a:ext cx="1588897" cy="276999"/>
+              <a:off x="4497856" y="5999483"/>
+              <a:ext cx="1827744" cy="307777"/>
             </a:xfrm>
             <a:prstGeom prst="rect">
               <a:avLst/>
@@ -11642,8 +12702,9 @@
             </a:bodyPr>
             <a:lstStyle/>
             <a:p>
+              <a:pPr algn="ctr"/>
               <a:r>
-                <a:rPr lang="en-US" sz="1200" dirty="0"/>
+                <a:rPr lang="en-US" sz="1400" dirty="0"/>
                 <a:t>Deployment Pipeline</a:t>
               </a:r>
             </a:p>
@@ -11651,10 +12712,10 @@
         </p:sp>
         <p:sp>
           <p:nvSpPr>
-            <p:cNvPr id="14" name="Eingekerbter Richtungspfeil 27">
+            <p:cNvPr id="40" name="Eingekerbter Richtungspfeil 27">
               <a:extLst>
                 <a:ext uri="{FF2B5EF4-FFF2-40B4-BE49-F238E27FC236}">
-                  <a16:creationId xmlns:a16="http://schemas.microsoft.com/office/drawing/2014/main" id="{C8C6383D-EFF4-4F8F-B7E7-55AA85D1E860}"/>
+                  <a16:creationId xmlns:a16="http://schemas.microsoft.com/office/drawing/2014/main" id="{D4F8A3DD-AC2A-40F3-9EE6-8AA1028982F3}"/>
                 </a:ext>
               </a:extLst>
             </p:cNvPr>
@@ -11663,7 +12724,7 @@
           </p:nvSpPr>
           <p:spPr>
             <a:xfrm>
-              <a:off x="7320057" y="6091577"/>
+              <a:off x="7679272" y="6064001"/>
               <a:ext cx="158496" cy="158496"/>
             </a:xfrm>
             <a:prstGeom prst="chevron">
@@ -11689,7 +12750,7 @@
             <a:lstStyle/>
             <a:p>
               <a:pPr algn="ctr"/>
-              <a:endParaRPr lang="de-DE" dirty="0">
+              <a:endParaRPr lang="de-DE" sz="1400" dirty="0">
                 <a:solidFill>
                   <a:schemeClr val="tx1"/>
                 </a:solidFill>
@@ -11699,10 +12760,10 @@
         </p:sp>
         <p:cxnSp>
           <p:nvCxnSpPr>
-            <p:cNvPr id="15" name="Gerade Verbindung 28">
+            <p:cNvPr id="41" name="Gerade Verbindung 28">
               <a:extLst>
                 <a:ext uri="{FF2B5EF4-FFF2-40B4-BE49-F238E27FC236}">
-                  <a16:creationId xmlns:a16="http://schemas.microsoft.com/office/drawing/2014/main" id="{BE0E1948-1999-44A0-B261-866A1DF5995B}"/>
+                  <a16:creationId xmlns:a16="http://schemas.microsoft.com/office/drawing/2014/main" id="{650763AE-CDE6-47CF-9DBD-C6BDC5BAB6E4}"/>
                 </a:ext>
               </a:extLst>
             </p:cNvPr>
@@ -11742,10 +12803,10 @@
         </p:cxnSp>
         <p:sp>
           <p:nvSpPr>
-            <p:cNvPr id="16" name="Eingekerbter Richtungspfeil 29">
+            <p:cNvPr id="42" name="Eingekerbter Richtungspfeil 29">
               <a:extLst>
                 <a:ext uri="{FF2B5EF4-FFF2-40B4-BE49-F238E27FC236}">
-                  <a16:creationId xmlns:a16="http://schemas.microsoft.com/office/drawing/2014/main" id="{A4600029-E40B-4FAC-BDEA-4C82CFF469F9}"/>
+                  <a16:creationId xmlns:a16="http://schemas.microsoft.com/office/drawing/2014/main" id="{DF4216A1-9665-40BD-9054-16369CC4FA29}"/>
                 </a:ext>
               </a:extLst>
             </p:cNvPr>
@@ -11754,7 +12815,7 @@
           </p:nvSpPr>
           <p:spPr>
             <a:xfrm>
-              <a:off x="5925672" y="6091576"/>
+              <a:off x="6325600" y="6064001"/>
               <a:ext cx="158496" cy="158496"/>
             </a:xfrm>
             <a:prstGeom prst="chevron">
@@ -11780,7 +12841,7 @@
             <a:lstStyle/>
             <a:p>
               <a:pPr algn="ctr"/>
-              <a:endParaRPr lang="de-DE" dirty="0">
+              <a:endParaRPr lang="de-DE" sz="1400" dirty="0">
                 <a:solidFill>
                   <a:schemeClr val="tx1"/>
                 </a:solidFill>
@@ -11789,42 +12850,6 @@
           </p:txBody>
         </p:sp>
       </p:grpSp>
-      <p:pic>
-        <p:nvPicPr>
-          <p:cNvPr id="3" name="Grafik 2">
-            <a:extLst>
-              <a:ext uri="{FF2B5EF4-FFF2-40B4-BE49-F238E27FC236}">
-                <a16:creationId xmlns:a16="http://schemas.microsoft.com/office/drawing/2014/main" id="{21A12264-FAC8-47D0-B4EF-2ED6EF5F105A}"/>
-              </a:ext>
-            </a:extLst>
-          </p:cNvPr>
-          <p:cNvPicPr>
-            <a:picLocks noChangeAspect="1"/>
-          </p:cNvPicPr>
-          <p:nvPr/>
-        </p:nvPicPr>
-        <p:blipFill>
-          <a:blip r:embed="rId3">
-            <a:extLst>
-              <a:ext uri="{28A0092B-C50C-407E-A947-70E740481C1C}">
-                <a14:useLocalDpi xmlns:a14="http://schemas.microsoft.com/office/drawing/2010/main" val="0"/>
-              </a:ext>
-            </a:extLst>
-          </a:blip>
-          <a:stretch>
-            <a:fillRect/>
-          </a:stretch>
-        </p:blipFill>
-        <p:spPr>
-          <a:xfrm>
-            <a:off x="182419" y="1523914"/>
-            <a:ext cx="8779162" cy="2095671"/>
-          </a:xfrm>
-          <a:prstGeom prst="rect">
-            <a:avLst/>
-          </a:prstGeom>
-        </p:spPr>
-      </p:pic>
     </p:spTree>
     <p:extLst>
       <p:ext uri="{BB962C8B-B14F-4D97-AF65-F5344CB8AC3E}">
@@ -11879,10 +12904,10 @@
       </p:sp>
       <p:grpSp>
         <p:nvGrpSpPr>
-          <p:cNvPr id="4" name="Gruppieren 21">
+          <p:cNvPr id="17" name="Gruppieren 21">
             <a:extLst>
               <a:ext uri="{FF2B5EF4-FFF2-40B4-BE49-F238E27FC236}">
-                <a16:creationId xmlns:a16="http://schemas.microsoft.com/office/drawing/2014/main" id="{AA131601-72E5-4228-A286-1E3E6D78B764}"/>
+                <a16:creationId xmlns:a16="http://schemas.microsoft.com/office/drawing/2014/main" id="{3D25C2C4-7FC4-43F3-AE62-FDFEF99EC9D2}"/>
               </a:ext>
             </a:extLst>
           </p:cNvPr>
@@ -11892,17 +12917,17 @@
         <p:grpSpPr>
           <a:xfrm>
             <a:off x="72000" y="4424179"/>
-            <a:ext cx="9072000" cy="322630"/>
+            <a:ext cx="9072854" cy="335167"/>
             <a:chOff x="25400" y="5986694"/>
-            <a:chExt cx="9072000" cy="322630"/>
+            <a:chExt cx="9072854" cy="335167"/>
           </a:xfrm>
         </p:grpSpPr>
         <p:sp>
           <p:nvSpPr>
-            <p:cNvPr id="5" name="Textfeld 13">
+            <p:cNvPr id="18" name="Textfeld 13">
               <a:extLst>
                 <a:ext uri="{FF2B5EF4-FFF2-40B4-BE49-F238E27FC236}">
-                  <a16:creationId xmlns:a16="http://schemas.microsoft.com/office/drawing/2014/main" id="{2BCE988F-F02A-4D6D-B2E3-D098FA90D670}"/>
+                  <a16:creationId xmlns:a16="http://schemas.microsoft.com/office/drawing/2014/main" id="{C784E946-E5B0-4739-85D7-012709CD8FF3}"/>
                 </a:ext>
               </a:extLst>
             </p:cNvPr>
@@ -11911,8 +12936,8 @@
           </p:nvSpPr>
           <p:spPr>
             <a:xfrm>
-              <a:off x="1493183" y="6032322"/>
-              <a:ext cx="554389" cy="276999"/>
+              <a:off x="1493804" y="5994910"/>
+              <a:ext cx="554389" cy="307777"/>
             </a:xfrm>
             <a:prstGeom prst="rect">
               <a:avLst/>
@@ -11944,7 +12969,7 @@
             <a:p>
               <a:pPr algn="ctr"/>
               <a:r>
-                <a:rPr lang="en-US" sz="1200" dirty="0"/>
+                <a:rPr lang="en-US" sz="1400" dirty="0"/>
                 <a:t>CSE</a:t>
               </a:r>
             </a:p>
@@ -11952,10 +12977,10 @@
         </p:sp>
         <p:sp>
           <p:nvSpPr>
-            <p:cNvPr id="6" name="Textfeld 14">
+            <p:cNvPr id="19" name="Textfeld 14">
               <a:extLst>
                 <a:ext uri="{FF2B5EF4-FFF2-40B4-BE49-F238E27FC236}">
-                  <a16:creationId xmlns:a16="http://schemas.microsoft.com/office/drawing/2014/main" id="{C8E64975-DD4E-484D-9EF4-CB11AB9E264F}"/>
+                  <a16:creationId xmlns:a16="http://schemas.microsoft.com/office/drawing/2014/main" id="{C186AEFC-F0DC-4CDB-AA27-03BC5C49CBC4}"/>
                 </a:ext>
               </a:extLst>
             </p:cNvPr>
@@ -11964,8 +12989,8 @@
           </p:nvSpPr>
           <p:spPr>
             <a:xfrm>
-              <a:off x="6282440" y="6032325"/>
-              <a:ext cx="949299" cy="276999"/>
+              <a:off x="6541624" y="6014084"/>
+              <a:ext cx="1161052" cy="307777"/>
             </a:xfrm>
             <a:prstGeom prst="rect">
               <a:avLst/>
@@ -11990,13 +13015,14 @@
             </a:fontRef>
           </p:style>
           <p:txBody>
-            <a:bodyPr wrap="none" rtlCol="0">
+            <a:bodyPr wrap="square" rtlCol="0">
               <a:spAutoFit/>
             </a:bodyPr>
             <a:lstStyle/>
             <a:p>
+              <a:pPr algn="ctr"/>
               <a:r>
-                <a:rPr lang="en-US" sz="1200" dirty="0"/>
+                <a:rPr lang="en-US" sz="1400" dirty="0"/>
                 <a:t>Challenges</a:t>
               </a:r>
             </a:p>
@@ -12004,10 +13030,10 @@
         </p:sp>
         <p:sp>
           <p:nvSpPr>
-            <p:cNvPr id="7" name="Textfeld 6">
+            <p:cNvPr id="20" name="Textfeld 19">
               <a:extLst>
                 <a:ext uri="{FF2B5EF4-FFF2-40B4-BE49-F238E27FC236}">
-                  <a16:creationId xmlns:a16="http://schemas.microsoft.com/office/drawing/2014/main" id="{5B1D65DE-7E84-4D4A-AD1F-FC54B535CB1E}"/>
+                  <a16:creationId xmlns:a16="http://schemas.microsoft.com/office/drawing/2014/main" id="{C9863631-7080-4ACD-B216-A011D525B398}"/>
                 </a:ext>
               </a:extLst>
             </p:cNvPr>
@@ -12016,8 +13042,61 @@
           </p:nvSpPr>
           <p:spPr>
             <a:xfrm>
-              <a:off x="2361122" y="6032320"/>
-              <a:ext cx="1774155" cy="276999"/>
+              <a:off x="2214434" y="5993289"/>
+              <a:ext cx="2094942" cy="307777"/>
+            </a:xfrm>
+            <a:prstGeom prst="rect">
+              <a:avLst/>
+            </a:prstGeom>
+            <a:noFill/>
+            <a:ln>
+              <a:noFill/>
+            </a:ln>
+          </p:spPr>
+          <p:style>
+            <a:lnRef idx="2">
+              <a:schemeClr val="accent3"/>
+            </a:lnRef>
+            <a:fillRef idx="1">
+              <a:schemeClr val="lt1"/>
+            </a:fillRef>
+            <a:effectRef idx="0">
+              <a:schemeClr val="accent3"/>
+            </a:effectRef>
+            <a:fontRef idx="minor">
+              <a:schemeClr val="dk1"/>
+            </a:fontRef>
+          </p:style>
+          <p:txBody>
+            <a:bodyPr wrap="square" rtlCol="0">
+              <a:spAutoFit/>
+            </a:bodyPr>
+            <a:lstStyle/>
+            <a:p>
+              <a:pPr algn="ctr"/>
+              <a:r>
+                <a:rPr lang="en-US" sz="1400" dirty="0"/>
+                <a:t>The Stairway to Heaven</a:t>
+              </a:r>
+            </a:p>
+          </p:txBody>
+        </p:sp>
+        <p:sp>
+          <p:nvSpPr>
+            <p:cNvPr id="21" name="Textfeld 20">
+              <a:extLst>
+                <a:ext uri="{FF2B5EF4-FFF2-40B4-BE49-F238E27FC236}">
+                  <a16:creationId xmlns:a16="http://schemas.microsoft.com/office/drawing/2014/main" id="{056B6F2A-11B3-4554-B256-CA5C70A2EE5F}"/>
+                </a:ext>
+              </a:extLst>
+            </p:cNvPr>
+            <p:cNvSpPr txBox="1"/>
+            <p:nvPr/>
+          </p:nvSpPr>
+          <p:spPr>
+            <a:xfrm>
+              <a:off x="7820226" y="6000783"/>
+              <a:ext cx="1278028" cy="307777"/>
             </a:xfrm>
             <a:prstGeom prst="rect">
               <a:avLst/>
@@ -12048,18 +13127,18 @@
             <a:lstStyle/>
             <a:p>
               <a:r>
-                <a:rPr lang="en-US" sz="1200" dirty="0"/>
-                <a:t>The Stairway to Haven</a:t>
+                <a:rPr lang="en-US" sz="1400" dirty="0"/>
+                <a:t>Conclusion</a:t>
               </a:r>
             </a:p>
           </p:txBody>
         </p:sp>
         <p:sp>
           <p:nvSpPr>
-            <p:cNvPr id="8" name="Textfeld 7">
+            <p:cNvPr id="22" name="Textfeld 21">
               <a:extLst>
                 <a:ext uri="{FF2B5EF4-FFF2-40B4-BE49-F238E27FC236}">
-                  <a16:creationId xmlns:a16="http://schemas.microsoft.com/office/drawing/2014/main" id="{8544E219-3395-4D35-AB47-83E797162EF8}"/>
+                  <a16:creationId xmlns:a16="http://schemas.microsoft.com/office/drawing/2014/main" id="{224CB098-78C5-4745-8E30-32A22E10B309}"/>
                 </a:ext>
               </a:extLst>
             </p:cNvPr>
@@ -12068,8 +13147,8 @@
           </p:nvSpPr>
           <p:spPr>
             <a:xfrm>
-              <a:off x="7763010" y="6032321"/>
-              <a:ext cx="1278028" cy="276999"/>
+              <a:off x="158515" y="6000783"/>
+              <a:ext cx="1213939" cy="307777"/>
             </a:xfrm>
             <a:prstGeom prst="rect">
               <a:avLst/>
@@ -12100,59 +13179,7 @@
             <a:lstStyle/>
             <a:p>
               <a:r>
-                <a:rPr lang="en-US" sz="1200" dirty="0"/>
-                <a:t>Summary</a:t>
-              </a:r>
-            </a:p>
-          </p:txBody>
-        </p:sp>
-        <p:sp>
-          <p:nvSpPr>
-            <p:cNvPr id="9" name="Textfeld 8">
-              <a:extLst>
-                <a:ext uri="{FF2B5EF4-FFF2-40B4-BE49-F238E27FC236}">
-                  <a16:creationId xmlns:a16="http://schemas.microsoft.com/office/drawing/2014/main" id="{852888F9-9852-4482-8D86-9D678EB085AD}"/>
-                </a:ext>
-              </a:extLst>
-            </p:cNvPr>
-            <p:cNvSpPr txBox="1"/>
-            <p:nvPr/>
-          </p:nvSpPr>
-          <p:spPr>
-            <a:xfrm>
-              <a:off x="179512" y="6032321"/>
-              <a:ext cx="1213939" cy="276999"/>
-            </a:xfrm>
-            <a:prstGeom prst="rect">
-              <a:avLst/>
-            </a:prstGeom>
-            <a:noFill/>
-            <a:ln>
-              <a:noFill/>
-            </a:ln>
-          </p:spPr>
-          <p:style>
-            <a:lnRef idx="2">
-              <a:schemeClr val="accent3"/>
-            </a:lnRef>
-            <a:fillRef idx="1">
-              <a:schemeClr val="lt1"/>
-            </a:fillRef>
-            <a:effectRef idx="0">
-              <a:schemeClr val="accent3"/>
-            </a:effectRef>
-            <a:fontRef idx="minor">
-              <a:schemeClr val="dk1"/>
-            </a:fontRef>
-          </p:style>
-          <p:txBody>
-            <a:bodyPr wrap="square" rtlCol="0">
-              <a:spAutoFit/>
-            </a:bodyPr>
-            <a:lstStyle/>
-            <a:p>
-              <a:r>
-                <a:rPr lang="en-US" sz="1200" dirty="0"/>
+                <a:rPr lang="en-US" sz="1400" dirty="0"/>
                 <a:t>Introduction</a:t>
               </a:r>
             </a:p>
@@ -12160,10 +13187,10 @@
         </p:sp>
         <p:sp>
           <p:nvSpPr>
-            <p:cNvPr id="10" name="Eingekerbter Richtungspfeil 23">
+            <p:cNvPr id="23" name="Eingekerbter Richtungspfeil 23">
               <a:extLst>
                 <a:ext uri="{FF2B5EF4-FFF2-40B4-BE49-F238E27FC236}">
-                  <a16:creationId xmlns:a16="http://schemas.microsoft.com/office/drawing/2014/main" id="{C005311E-133F-493F-BFFC-C169B3CA8A86}"/>
+                  <a16:creationId xmlns:a16="http://schemas.microsoft.com/office/drawing/2014/main" id="{C58B5982-809C-4517-9526-1338CB4A0BA9}"/>
                 </a:ext>
               </a:extLst>
             </p:cNvPr>
@@ -12172,7 +13199,7 @@
           </p:nvSpPr>
           <p:spPr>
             <a:xfrm>
-              <a:off x="1284399" y="6091574"/>
+              <a:off x="1277780" y="6067929"/>
               <a:ext cx="158496" cy="158496"/>
             </a:xfrm>
             <a:prstGeom prst="chevron">
@@ -12198,7 +13225,7 @@
             <a:lstStyle/>
             <a:p>
               <a:pPr algn="ctr"/>
-              <a:endParaRPr lang="de-DE" dirty="0">
+              <a:endParaRPr lang="de-DE" sz="1400" dirty="0">
                 <a:solidFill>
                   <a:schemeClr val="tx1"/>
                 </a:solidFill>
@@ -12208,10 +13235,10 @@
         </p:sp>
         <p:sp>
           <p:nvSpPr>
-            <p:cNvPr id="11" name="Eingekerbter Richtungspfeil 24">
+            <p:cNvPr id="24" name="Eingekerbter Richtungspfeil 24">
               <a:extLst>
                 <a:ext uri="{FF2B5EF4-FFF2-40B4-BE49-F238E27FC236}">
-                  <a16:creationId xmlns:a16="http://schemas.microsoft.com/office/drawing/2014/main" id="{13B86617-4353-46AD-97C4-7F02A1BA1B80}"/>
+                  <a16:creationId xmlns:a16="http://schemas.microsoft.com/office/drawing/2014/main" id="{19C637BD-38E5-44F1-935C-7CB344A14442}"/>
                 </a:ext>
               </a:extLst>
             </p:cNvPr>
@@ -12220,7 +13247,7 @@
           </p:nvSpPr>
           <p:spPr>
             <a:xfrm>
-              <a:off x="2052380" y="6091574"/>
+              <a:off x="2074801" y="6078481"/>
               <a:ext cx="158496" cy="158496"/>
             </a:xfrm>
             <a:prstGeom prst="chevron">
@@ -12246,7 +13273,7 @@
             <a:lstStyle/>
             <a:p>
               <a:pPr algn="ctr"/>
-              <a:endParaRPr lang="de-DE" dirty="0">
+              <a:endParaRPr lang="de-DE" sz="1400" dirty="0">
                 <a:solidFill>
                   <a:schemeClr val="tx1"/>
                 </a:solidFill>
@@ -12256,10 +13283,10 @@
         </p:sp>
         <p:sp>
           <p:nvSpPr>
-            <p:cNvPr id="12" name="Eingekerbter Richtungspfeil 25">
+            <p:cNvPr id="25" name="Eingekerbter Richtungspfeil 25">
               <a:extLst>
                 <a:ext uri="{FF2B5EF4-FFF2-40B4-BE49-F238E27FC236}">
-                  <a16:creationId xmlns:a16="http://schemas.microsoft.com/office/drawing/2014/main" id="{40D0FAF6-EB9E-4EEF-BCBE-972523E34CB7}"/>
+                  <a16:creationId xmlns:a16="http://schemas.microsoft.com/office/drawing/2014/main" id="{454F53F7-023A-432D-BB4E-2A7796C31E84}"/>
                 </a:ext>
               </a:extLst>
             </p:cNvPr>
@@ -12268,7 +13295,7 @@
           </p:nvSpPr>
           <p:spPr>
             <a:xfrm>
-              <a:off x="4116879" y="6091574"/>
+              <a:off x="4309376" y="6064001"/>
               <a:ext cx="158496" cy="158496"/>
             </a:xfrm>
             <a:prstGeom prst="chevron">
@@ -12294,7 +13321,7 @@
             <a:lstStyle/>
             <a:p>
               <a:pPr algn="ctr"/>
-              <a:endParaRPr lang="de-DE" dirty="0">
+              <a:endParaRPr lang="de-DE" sz="1400" dirty="0">
                 <a:solidFill>
                   <a:schemeClr val="tx1"/>
                 </a:solidFill>
@@ -12304,10 +13331,10 @@
         </p:sp>
         <p:sp>
           <p:nvSpPr>
-            <p:cNvPr id="13" name="Textfeld 12">
+            <p:cNvPr id="26" name="Textfeld 25">
               <a:extLst>
                 <a:ext uri="{FF2B5EF4-FFF2-40B4-BE49-F238E27FC236}">
-                  <a16:creationId xmlns:a16="http://schemas.microsoft.com/office/drawing/2014/main" id="{6910B1B0-7848-461D-A8EE-494297AF2C2C}"/>
+                  <a16:creationId xmlns:a16="http://schemas.microsoft.com/office/drawing/2014/main" id="{25DCC2C2-1E6A-4758-9A0D-20D3CAABA6D3}"/>
                 </a:ext>
               </a:extLst>
             </p:cNvPr>
@@ -12316,8 +13343,8 @@
           </p:nvSpPr>
           <p:spPr>
             <a:xfrm>
-              <a:off x="4324070" y="6032320"/>
-              <a:ext cx="1699504" cy="276999"/>
+              <a:off x="4439346" y="5999483"/>
+              <a:ext cx="1944764" cy="307777"/>
             </a:xfrm>
             <a:prstGeom prst="rect">
               <a:avLst/>
@@ -12347,8 +13374,9 @@
             </a:bodyPr>
             <a:lstStyle/>
             <a:p>
+              <a:pPr algn="ctr"/>
               <a:r>
-                <a:rPr lang="en-US" sz="1200" b="1" dirty="0"/>
+                <a:rPr lang="en-US" sz="1400" b="1" dirty="0"/>
                 <a:t>Deployment Pipeline</a:t>
               </a:r>
             </a:p>
@@ -12356,10 +13384,10 @@
         </p:sp>
         <p:sp>
           <p:nvSpPr>
-            <p:cNvPr id="14" name="Eingekerbter Richtungspfeil 27">
+            <p:cNvPr id="27" name="Eingekerbter Richtungspfeil 27">
               <a:extLst>
                 <a:ext uri="{FF2B5EF4-FFF2-40B4-BE49-F238E27FC236}">
-                  <a16:creationId xmlns:a16="http://schemas.microsoft.com/office/drawing/2014/main" id="{C8C6383D-EFF4-4F8F-B7E7-55AA85D1E860}"/>
+                  <a16:creationId xmlns:a16="http://schemas.microsoft.com/office/drawing/2014/main" id="{D04AB016-D6C9-42F3-BC43-31FB31E655AE}"/>
                 </a:ext>
               </a:extLst>
             </p:cNvPr>
@@ -12368,7 +13396,7 @@
           </p:nvSpPr>
           <p:spPr>
             <a:xfrm>
-              <a:off x="7320057" y="6091577"/>
+              <a:off x="7679272" y="6064001"/>
               <a:ext cx="158496" cy="158496"/>
             </a:xfrm>
             <a:prstGeom prst="chevron">
@@ -12394,7 +13422,7 @@
             <a:lstStyle/>
             <a:p>
               <a:pPr algn="ctr"/>
-              <a:endParaRPr lang="de-DE" dirty="0">
+              <a:endParaRPr lang="de-DE" sz="1400" dirty="0">
                 <a:solidFill>
                   <a:schemeClr val="tx1"/>
                 </a:solidFill>
@@ -12404,10 +13432,10 @@
         </p:sp>
         <p:cxnSp>
           <p:nvCxnSpPr>
-            <p:cNvPr id="15" name="Gerade Verbindung 28">
+            <p:cNvPr id="28" name="Gerade Verbindung 28">
               <a:extLst>
                 <a:ext uri="{FF2B5EF4-FFF2-40B4-BE49-F238E27FC236}">
-                  <a16:creationId xmlns:a16="http://schemas.microsoft.com/office/drawing/2014/main" id="{BE0E1948-1999-44A0-B261-866A1DF5995B}"/>
+                  <a16:creationId xmlns:a16="http://schemas.microsoft.com/office/drawing/2014/main" id="{EE52D2ED-0EB9-4987-B5CB-888740288A15}"/>
                 </a:ext>
               </a:extLst>
             </p:cNvPr>
@@ -12447,10 +13475,10 @@
         </p:cxnSp>
         <p:sp>
           <p:nvSpPr>
-            <p:cNvPr id="16" name="Eingekerbter Richtungspfeil 29">
+            <p:cNvPr id="29" name="Eingekerbter Richtungspfeil 29">
               <a:extLst>
                 <a:ext uri="{FF2B5EF4-FFF2-40B4-BE49-F238E27FC236}">
-                  <a16:creationId xmlns:a16="http://schemas.microsoft.com/office/drawing/2014/main" id="{A4600029-E40B-4FAC-BDEA-4C82CFF469F9}"/>
+                  <a16:creationId xmlns:a16="http://schemas.microsoft.com/office/drawing/2014/main" id="{F1152328-AE77-4F96-972A-AB776071C198}"/>
                 </a:ext>
               </a:extLst>
             </p:cNvPr>
@@ -12459,7 +13487,7 @@
           </p:nvSpPr>
           <p:spPr>
             <a:xfrm>
-              <a:off x="5925672" y="6091576"/>
+              <a:off x="6325600" y="6064001"/>
               <a:ext cx="158496" cy="158496"/>
             </a:xfrm>
             <a:prstGeom prst="chevron">
@@ -12485,7 +13513,7 @@
             <a:lstStyle/>
             <a:p>
               <a:pPr algn="ctr"/>
-              <a:endParaRPr lang="de-DE" dirty="0">
+              <a:endParaRPr lang="de-DE" sz="1400" dirty="0">
                 <a:solidFill>
                   <a:schemeClr val="tx1"/>
                 </a:solidFill>
@@ -12494,36 +13522,1723 @@
           </p:txBody>
         </p:sp>
       </p:grpSp>
-      <p:pic>
-        <p:nvPicPr>
-          <p:cNvPr id="2" name="Grafik 1">
+      <p:grpSp>
+        <p:nvGrpSpPr>
+          <p:cNvPr id="29701" name="Gruppieren 29700">
             <a:extLst>
               <a:ext uri="{FF2B5EF4-FFF2-40B4-BE49-F238E27FC236}">
-                <a16:creationId xmlns:a16="http://schemas.microsoft.com/office/drawing/2014/main" id="{9D262166-E185-44BA-9EC7-AE72CB4930D8}"/>
+                <a16:creationId xmlns:a16="http://schemas.microsoft.com/office/drawing/2014/main" id="{8AE090AF-7583-437A-A26E-D171E90F3829}"/>
               </a:ext>
             </a:extLst>
           </p:cNvPr>
-          <p:cNvPicPr>
-            <a:picLocks noChangeAspect="1"/>
-          </p:cNvPicPr>
+          <p:cNvGrpSpPr/>
           <p:nvPr/>
-        </p:nvPicPr>
-        <p:blipFill>
-          <a:blip r:embed="rId3"/>
-          <a:stretch>
-            <a:fillRect/>
-          </a:stretch>
-        </p:blipFill>
-        <p:spPr>
+        </p:nvGrpSpPr>
+        <p:grpSpPr>
           <a:xfrm>
-            <a:off x="390526" y="1961475"/>
-            <a:ext cx="8358079" cy="1220549"/>
+            <a:off x="256122" y="2138718"/>
+            <a:ext cx="8626544" cy="878189"/>
+            <a:chOff x="146139" y="1786992"/>
+            <a:chExt cx="8626544" cy="878189"/>
           </a:xfrm>
-          <a:prstGeom prst="rect">
-            <a:avLst/>
-          </a:prstGeom>
-        </p:spPr>
-      </p:pic>
+        </p:grpSpPr>
+        <p:grpSp>
+          <p:nvGrpSpPr>
+            <p:cNvPr id="79" name="Gruppieren 78">
+              <a:extLst>
+                <a:ext uri="{FF2B5EF4-FFF2-40B4-BE49-F238E27FC236}">
+                  <a16:creationId xmlns:a16="http://schemas.microsoft.com/office/drawing/2014/main" id="{8D372CF4-65EE-4C9E-AEAB-B87F79FA948C}"/>
+                </a:ext>
+              </a:extLst>
+            </p:cNvPr>
+            <p:cNvGrpSpPr/>
+            <p:nvPr/>
+          </p:nvGrpSpPr>
+          <p:grpSpPr>
+            <a:xfrm>
+              <a:off x="1099533" y="1968347"/>
+              <a:ext cx="277195" cy="496116"/>
+              <a:chOff x="459102" y="310320"/>
+              <a:chExt cx="88269" cy="103258"/>
+            </a:xfrm>
+          </p:grpSpPr>
+          <p:sp>
+            <p:nvSpPr>
+              <p:cNvPr id="113" name="Pfeil: nach rechts 112">
+                <a:extLst>
+                  <a:ext uri="{FF2B5EF4-FFF2-40B4-BE49-F238E27FC236}">
+                    <a16:creationId xmlns:a16="http://schemas.microsoft.com/office/drawing/2014/main" id="{AF5CDE82-B46C-4BC4-8EB8-563ACD722BE4}"/>
+                  </a:ext>
+                </a:extLst>
+              </p:cNvPr>
+              <p:cNvSpPr/>
+              <p:nvPr/>
+            </p:nvSpPr>
+            <p:spPr>
+              <a:xfrm>
+                <a:off x="459102" y="310320"/>
+                <a:ext cx="88269" cy="103258"/>
+              </a:xfrm>
+              <a:prstGeom prst="rightArrow">
+                <a:avLst>
+                  <a:gd name="adj1" fmla="val 60000"/>
+                  <a:gd name="adj2" fmla="val 50000"/>
+                </a:avLst>
+              </a:prstGeom>
+            </p:spPr>
+            <p:style>
+              <a:lnRef idx="0">
+                <a:schemeClr val="accent5">
+                  <a:tint val="60000"/>
+                  <a:hueOff val="0"/>
+                  <a:satOff val="0"/>
+                  <a:lumOff val="0"/>
+                  <a:alphaOff val="0"/>
+                </a:schemeClr>
+              </a:lnRef>
+              <a:fillRef idx="3">
+                <a:schemeClr val="accent5">
+                  <a:tint val="60000"/>
+                  <a:hueOff val="0"/>
+                  <a:satOff val="0"/>
+                  <a:lumOff val="0"/>
+                  <a:alphaOff val="0"/>
+                </a:schemeClr>
+              </a:fillRef>
+              <a:effectRef idx="3">
+                <a:schemeClr val="accent5">
+                  <a:tint val="60000"/>
+                  <a:hueOff val="0"/>
+                  <a:satOff val="0"/>
+                  <a:lumOff val="0"/>
+                  <a:alphaOff val="0"/>
+                </a:schemeClr>
+              </a:effectRef>
+              <a:fontRef idx="minor">
+                <a:schemeClr val="lt1"/>
+              </a:fontRef>
+            </p:style>
+          </p:sp>
+          <p:sp>
+            <p:nvSpPr>
+              <p:cNvPr id="114" name="Pfeil: nach rechts 6">
+                <a:extLst>
+                  <a:ext uri="{FF2B5EF4-FFF2-40B4-BE49-F238E27FC236}">
+                    <a16:creationId xmlns:a16="http://schemas.microsoft.com/office/drawing/2014/main" id="{6CC78395-2CFF-4E5B-8616-02AF1A9D4710}"/>
+                  </a:ext>
+                </a:extLst>
+              </p:cNvPr>
+              <p:cNvSpPr txBox="1"/>
+              <p:nvPr/>
+            </p:nvSpPr>
+            <p:spPr>
+              <a:xfrm>
+                <a:off x="459102" y="330972"/>
+                <a:ext cx="61788" cy="61954"/>
+              </a:xfrm>
+              <a:prstGeom prst="rect">
+                <a:avLst/>
+              </a:prstGeom>
+            </p:spPr>
+            <p:style>
+              <a:lnRef idx="0">
+                <a:scrgbClr r="0" g="0" b="0"/>
+              </a:lnRef>
+              <a:fillRef idx="0">
+                <a:scrgbClr r="0" g="0" b="0"/>
+              </a:fillRef>
+              <a:effectRef idx="0">
+                <a:scrgbClr r="0" g="0" b="0"/>
+              </a:effectRef>
+              <a:fontRef idx="minor">
+                <a:schemeClr val="lt1"/>
+              </a:fontRef>
+            </p:style>
+            <p:txBody>
+              <a:bodyPr spcFirstLastPara="0" vert="horz" wrap="square" lIns="0" tIns="0" rIns="0" bIns="0" numCol="1" spcCol="1270" anchor="ctr" anchorCtr="0">
+                <a:noAutofit/>
+              </a:bodyPr>
+              <a:lstStyle/>
+              <a:p>
+                <a:pPr marL="0" lvl="0" indent="0" algn="ctr" defTabSz="222250">
+                  <a:lnSpc>
+                    <a:spcPct val="90000"/>
+                  </a:lnSpc>
+                  <a:spcBef>
+                    <a:spcPct val="0"/>
+                  </a:spcBef>
+                  <a:spcAft>
+                    <a:spcPct val="35000"/>
+                  </a:spcAft>
+                  <a:buNone/>
+                </a:pPr>
+                <a:endParaRPr lang="de-DE" sz="1400" kern="1200"/>
+              </a:p>
+            </p:txBody>
+          </p:sp>
+        </p:grpSp>
+        <p:grpSp>
+          <p:nvGrpSpPr>
+            <p:cNvPr id="80" name="Gruppieren 79">
+              <a:extLst>
+                <a:ext uri="{FF2B5EF4-FFF2-40B4-BE49-F238E27FC236}">
+                  <a16:creationId xmlns:a16="http://schemas.microsoft.com/office/drawing/2014/main" id="{395BAEE9-9307-415E-90E1-54F88D2F69E1}"/>
+                </a:ext>
+              </a:extLst>
+            </p:cNvPr>
+            <p:cNvGrpSpPr/>
+            <p:nvPr/>
+          </p:nvGrpSpPr>
+          <p:grpSpPr>
+            <a:xfrm>
+              <a:off x="146139" y="1791409"/>
+              <a:ext cx="914345" cy="873772"/>
+              <a:chOff x="581625" y="225329"/>
+              <a:chExt cx="418753" cy="288111"/>
+            </a:xfrm>
+          </p:grpSpPr>
+          <p:sp>
+            <p:nvSpPr>
+              <p:cNvPr id="111" name="Rechteck: abgerundete Ecken 110">
+                <a:extLst>
+                  <a:ext uri="{FF2B5EF4-FFF2-40B4-BE49-F238E27FC236}">
+                    <a16:creationId xmlns:a16="http://schemas.microsoft.com/office/drawing/2014/main" id="{04039629-4230-40BF-B665-2847E7DB3E4F}"/>
+                  </a:ext>
+                </a:extLst>
+              </p:cNvPr>
+              <p:cNvSpPr/>
+              <p:nvPr/>
+            </p:nvSpPr>
+            <p:spPr>
+              <a:xfrm>
+                <a:off x="584012" y="225329"/>
+                <a:ext cx="416366" cy="273240"/>
+              </a:xfrm>
+              <a:prstGeom prst="roundRect">
+                <a:avLst>
+                  <a:gd name="adj" fmla="val 10000"/>
+                </a:avLst>
+              </a:prstGeom>
+            </p:spPr>
+            <p:style>
+              <a:lnRef idx="0">
+                <a:schemeClr val="lt1">
+                  <a:hueOff val="0"/>
+                  <a:satOff val="0"/>
+                  <a:lumOff val="0"/>
+                  <a:alphaOff val="0"/>
+                </a:schemeClr>
+              </a:lnRef>
+              <a:fillRef idx="3">
+                <a:schemeClr val="accent5">
+                  <a:hueOff val="0"/>
+                  <a:satOff val="0"/>
+                  <a:lumOff val="0"/>
+                  <a:alphaOff val="0"/>
+                </a:schemeClr>
+              </a:fillRef>
+              <a:effectRef idx="3">
+                <a:schemeClr val="accent5">
+                  <a:hueOff val="0"/>
+                  <a:satOff val="0"/>
+                  <a:lumOff val="0"/>
+                  <a:alphaOff val="0"/>
+                </a:schemeClr>
+              </a:effectRef>
+              <a:fontRef idx="minor">
+                <a:schemeClr val="lt1"/>
+              </a:fontRef>
+            </p:style>
+          </p:sp>
+          <p:sp>
+            <p:nvSpPr>
+              <p:cNvPr id="112" name="Rechteck: abgerundete Ecken 8">
+                <a:extLst>
+                  <a:ext uri="{FF2B5EF4-FFF2-40B4-BE49-F238E27FC236}">
+                    <a16:creationId xmlns:a16="http://schemas.microsoft.com/office/drawing/2014/main" id="{991842CC-A976-4559-B430-E28E5C4462D5}"/>
+                  </a:ext>
+                </a:extLst>
+              </p:cNvPr>
+              <p:cNvSpPr txBox="1"/>
+              <p:nvPr/>
+            </p:nvSpPr>
+            <p:spPr>
+              <a:xfrm>
+                <a:off x="581625" y="256206"/>
+                <a:ext cx="400360" cy="257234"/>
+              </a:xfrm>
+              <a:prstGeom prst="rect">
+                <a:avLst/>
+              </a:prstGeom>
+            </p:spPr>
+            <p:style>
+              <a:lnRef idx="0">
+                <a:scrgbClr r="0" g="0" b="0"/>
+              </a:lnRef>
+              <a:fillRef idx="0">
+                <a:scrgbClr r="0" g="0" b="0"/>
+              </a:fillRef>
+              <a:effectRef idx="0">
+                <a:scrgbClr r="0" g="0" b="0"/>
+              </a:effectRef>
+              <a:fontRef idx="minor">
+                <a:schemeClr val="lt1"/>
+              </a:fontRef>
+            </p:style>
+            <p:txBody>
+              <a:bodyPr spcFirstLastPara="0" vert="horz" wrap="square" lIns="19050" tIns="19050" rIns="19050" bIns="19050" numCol="1" spcCol="1270" anchor="ctr" anchorCtr="0">
+                <a:noAutofit/>
+              </a:bodyPr>
+              <a:lstStyle/>
+              <a:p>
+                <a:pPr lvl="0" algn="ctr"/>
+                <a:r>
+                  <a:rPr lang="de-DE" sz="1000" dirty="0"/>
+                  <a:t>Version Control System	</a:t>
+                </a:r>
+              </a:p>
+            </p:txBody>
+          </p:sp>
+        </p:grpSp>
+        <p:grpSp>
+          <p:nvGrpSpPr>
+            <p:cNvPr id="324" name="Gruppieren 323">
+              <a:extLst>
+                <a:ext uri="{FF2B5EF4-FFF2-40B4-BE49-F238E27FC236}">
+                  <a16:creationId xmlns:a16="http://schemas.microsoft.com/office/drawing/2014/main" id="{20EB62B8-C122-4CB7-934F-4E8E3E85CB4C}"/>
+                </a:ext>
+              </a:extLst>
+            </p:cNvPr>
+            <p:cNvGrpSpPr/>
+            <p:nvPr/>
+          </p:nvGrpSpPr>
+          <p:grpSpPr>
+            <a:xfrm>
+              <a:off x="2370513" y="1969744"/>
+              <a:ext cx="277195" cy="496116"/>
+              <a:chOff x="459102" y="310320"/>
+              <a:chExt cx="88269" cy="103258"/>
+            </a:xfrm>
+          </p:grpSpPr>
+          <p:sp>
+            <p:nvSpPr>
+              <p:cNvPr id="325" name="Pfeil: nach rechts 324">
+                <a:extLst>
+                  <a:ext uri="{FF2B5EF4-FFF2-40B4-BE49-F238E27FC236}">
+                    <a16:creationId xmlns:a16="http://schemas.microsoft.com/office/drawing/2014/main" id="{B52A0F73-ACC1-46C2-964C-157703AEFEFE}"/>
+                  </a:ext>
+                </a:extLst>
+              </p:cNvPr>
+              <p:cNvSpPr/>
+              <p:nvPr/>
+            </p:nvSpPr>
+            <p:spPr>
+              <a:xfrm>
+                <a:off x="459102" y="310320"/>
+                <a:ext cx="88269" cy="103258"/>
+              </a:xfrm>
+              <a:prstGeom prst="rightArrow">
+                <a:avLst>
+                  <a:gd name="adj1" fmla="val 60000"/>
+                  <a:gd name="adj2" fmla="val 50000"/>
+                </a:avLst>
+              </a:prstGeom>
+            </p:spPr>
+            <p:style>
+              <a:lnRef idx="0">
+                <a:schemeClr val="accent5">
+                  <a:tint val="60000"/>
+                  <a:hueOff val="0"/>
+                  <a:satOff val="0"/>
+                  <a:lumOff val="0"/>
+                  <a:alphaOff val="0"/>
+                </a:schemeClr>
+              </a:lnRef>
+              <a:fillRef idx="3">
+                <a:schemeClr val="accent5">
+                  <a:tint val="60000"/>
+                  <a:hueOff val="0"/>
+                  <a:satOff val="0"/>
+                  <a:lumOff val="0"/>
+                  <a:alphaOff val="0"/>
+                </a:schemeClr>
+              </a:fillRef>
+              <a:effectRef idx="3">
+                <a:schemeClr val="accent5">
+                  <a:tint val="60000"/>
+                  <a:hueOff val="0"/>
+                  <a:satOff val="0"/>
+                  <a:lumOff val="0"/>
+                  <a:alphaOff val="0"/>
+                </a:schemeClr>
+              </a:effectRef>
+              <a:fontRef idx="minor">
+                <a:schemeClr val="lt1"/>
+              </a:fontRef>
+            </p:style>
+          </p:sp>
+          <p:sp>
+            <p:nvSpPr>
+              <p:cNvPr id="326" name="Pfeil: nach rechts 6">
+                <a:extLst>
+                  <a:ext uri="{FF2B5EF4-FFF2-40B4-BE49-F238E27FC236}">
+                    <a16:creationId xmlns:a16="http://schemas.microsoft.com/office/drawing/2014/main" id="{4B2B812B-F759-4A47-BABA-B5E5DF6CDAF6}"/>
+                  </a:ext>
+                </a:extLst>
+              </p:cNvPr>
+              <p:cNvSpPr txBox="1"/>
+              <p:nvPr/>
+            </p:nvSpPr>
+            <p:spPr>
+              <a:xfrm>
+                <a:off x="459102" y="330972"/>
+                <a:ext cx="61788" cy="61954"/>
+              </a:xfrm>
+              <a:prstGeom prst="rect">
+                <a:avLst/>
+              </a:prstGeom>
+            </p:spPr>
+            <p:style>
+              <a:lnRef idx="0">
+                <a:scrgbClr r="0" g="0" b="0"/>
+              </a:lnRef>
+              <a:fillRef idx="0">
+                <a:scrgbClr r="0" g="0" b="0"/>
+              </a:fillRef>
+              <a:effectRef idx="0">
+                <a:scrgbClr r="0" g="0" b="0"/>
+              </a:effectRef>
+              <a:fontRef idx="minor">
+                <a:schemeClr val="lt1"/>
+              </a:fontRef>
+            </p:style>
+            <p:txBody>
+              <a:bodyPr spcFirstLastPara="0" vert="horz" wrap="square" lIns="0" tIns="0" rIns="0" bIns="0" numCol="1" spcCol="1270" anchor="ctr" anchorCtr="0">
+                <a:noAutofit/>
+              </a:bodyPr>
+              <a:lstStyle/>
+              <a:p>
+                <a:pPr marL="0" lvl="0" indent="0" algn="ctr" defTabSz="222250">
+                  <a:lnSpc>
+                    <a:spcPct val="90000"/>
+                  </a:lnSpc>
+                  <a:spcBef>
+                    <a:spcPct val="0"/>
+                  </a:spcBef>
+                  <a:spcAft>
+                    <a:spcPct val="35000"/>
+                  </a:spcAft>
+                  <a:buNone/>
+                </a:pPr>
+                <a:endParaRPr lang="de-DE" sz="1400" kern="1200" dirty="0"/>
+              </a:p>
+            </p:txBody>
+          </p:sp>
+        </p:grpSp>
+        <p:grpSp>
+          <p:nvGrpSpPr>
+            <p:cNvPr id="327" name="Gruppieren 326">
+              <a:extLst>
+                <a:ext uri="{FF2B5EF4-FFF2-40B4-BE49-F238E27FC236}">
+                  <a16:creationId xmlns:a16="http://schemas.microsoft.com/office/drawing/2014/main" id="{73A68E7D-CF59-4C2A-B40A-91DE6026F0F0}"/>
+                </a:ext>
+              </a:extLst>
+            </p:cNvPr>
+            <p:cNvGrpSpPr/>
+            <p:nvPr/>
+          </p:nvGrpSpPr>
+          <p:grpSpPr>
+            <a:xfrm>
+              <a:off x="3661667" y="1957442"/>
+              <a:ext cx="277195" cy="496116"/>
+              <a:chOff x="459102" y="310320"/>
+              <a:chExt cx="88269" cy="103258"/>
+            </a:xfrm>
+          </p:grpSpPr>
+          <p:sp>
+            <p:nvSpPr>
+              <p:cNvPr id="328" name="Pfeil: nach rechts 327">
+                <a:extLst>
+                  <a:ext uri="{FF2B5EF4-FFF2-40B4-BE49-F238E27FC236}">
+                    <a16:creationId xmlns:a16="http://schemas.microsoft.com/office/drawing/2014/main" id="{B24FC867-2085-449B-90D1-21B3C739D6E6}"/>
+                  </a:ext>
+                </a:extLst>
+              </p:cNvPr>
+              <p:cNvSpPr/>
+              <p:nvPr/>
+            </p:nvSpPr>
+            <p:spPr>
+              <a:xfrm>
+                <a:off x="459102" y="310320"/>
+                <a:ext cx="88269" cy="103258"/>
+              </a:xfrm>
+              <a:prstGeom prst="rightArrow">
+                <a:avLst>
+                  <a:gd name="adj1" fmla="val 60000"/>
+                  <a:gd name="adj2" fmla="val 50000"/>
+                </a:avLst>
+              </a:prstGeom>
+            </p:spPr>
+            <p:style>
+              <a:lnRef idx="0">
+                <a:schemeClr val="accent5">
+                  <a:tint val="60000"/>
+                  <a:hueOff val="0"/>
+                  <a:satOff val="0"/>
+                  <a:lumOff val="0"/>
+                  <a:alphaOff val="0"/>
+                </a:schemeClr>
+              </a:lnRef>
+              <a:fillRef idx="3">
+                <a:schemeClr val="accent5">
+                  <a:tint val="60000"/>
+                  <a:hueOff val="0"/>
+                  <a:satOff val="0"/>
+                  <a:lumOff val="0"/>
+                  <a:alphaOff val="0"/>
+                </a:schemeClr>
+              </a:fillRef>
+              <a:effectRef idx="3">
+                <a:schemeClr val="accent5">
+                  <a:tint val="60000"/>
+                  <a:hueOff val="0"/>
+                  <a:satOff val="0"/>
+                  <a:lumOff val="0"/>
+                  <a:alphaOff val="0"/>
+                </a:schemeClr>
+              </a:effectRef>
+              <a:fontRef idx="minor">
+                <a:schemeClr val="lt1"/>
+              </a:fontRef>
+            </p:style>
+          </p:sp>
+          <p:sp>
+            <p:nvSpPr>
+              <p:cNvPr id="329" name="Pfeil: nach rechts 6">
+                <a:extLst>
+                  <a:ext uri="{FF2B5EF4-FFF2-40B4-BE49-F238E27FC236}">
+                    <a16:creationId xmlns:a16="http://schemas.microsoft.com/office/drawing/2014/main" id="{A89E11DD-38E8-4E75-A0CC-C980B2163827}"/>
+                  </a:ext>
+                </a:extLst>
+              </p:cNvPr>
+              <p:cNvSpPr txBox="1"/>
+              <p:nvPr/>
+            </p:nvSpPr>
+            <p:spPr>
+              <a:xfrm>
+                <a:off x="459102" y="330972"/>
+                <a:ext cx="61788" cy="61954"/>
+              </a:xfrm>
+              <a:prstGeom prst="rect">
+                <a:avLst/>
+              </a:prstGeom>
+            </p:spPr>
+            <p:style>
+              <a:lnRef idx="0">
+                <a:scrgbClr r="0" g="0" b="0"/>
+              </a:lnRef>
+              <a:fillRef idx="0">
+                <a:scrgbClr r="0" g="0" b="0"/>
+              </a:fillRef>
+              <a:effectRef idx="0">
+                <a:scrgbClr r="0" g="0" b="0"/>
+              </a:effectRef>
+              <a:fontRef idx="minor">
+                <a:schemeClr val="lt1"/>
+              </a:fontRef>
+            </p:style>
+            <p:txBody>
+              <a:bodyPr spcFirstLastPara="0" vert="horz" wrap="square" lIns="0" tIns="0" rIns="0" bIns="0" numCol="1" spcCol="1270" anchor="ctr" anchorCtr="0">
+                <a:noAutofit/>
+              </a:bodyPr>
+              <a:lstStyle/>
+              <a:p>
+                <a:pPr marL="0" lvl="0" indent="0" algn="ctr" defTabSz="222250">
+                  <a:lnSpc>
+                    <a:spcPct val="90000"/>
+                  </a:lnSpc>
+                  <a:spcBef>
+                    <a:spcPct val="0"/>
+                  </a:spcBef>
+                  <a:spcAft>
+                    <a:spcPct val="35000"/>
+                  </a:spcAft>
+                  <a:buNone/>
+                </a:pPr>
+                <a:endParaRPr lang="de-DE" sz="1400" kern="1200"/>
+              </a:p>
+            </p:txBody>
+          </p:sp>
+        </p:grpSp>
+        <p:grpSp>
+          <p:nvGrpSpPr>
+            <p:cNvPr id="330" name="Gruppieren 329">
+              <a:extLst>
+                <a:ext uri="{FF2B5EF4-FFF2-40B4-BE49-F238E27FC236}">
+                  <a16:creationId xmlns:a16="http://schemas.microsoft.com/office/drawing/2014/main" id="{FF17AFC1-DE59-44FC-A5AC-AAA553A989BE}"/>
+                </a:ext>
+              </a:extLst>
+            </p:cNvPr>
+            <p:cNvGrpSpPr/>
+            <p:nvPr/>
+          </p:nvGrpSpPr>
+          <p:grpSpPr>
+            <a:xfrm>
+              <a:off x="4944673" y="1957442"/>
+              <a:ext cx="277195" cy="496116"/>
+              <a:chOff x="459102" y="310320"/>
+              <a:chExt cx="88269" cy="103258"/>
+            </a:xfrm>
+          </p:grpSpPr>
+          <p:sp>
+            <p:nvSpPr>
+              <p:cNvPr id="331" name="Pfeil: nach rechts 330">
+                <a:extLst>
+                  <a:ext uri="{FF2B5EF4-FFF2-40B4-BE49-F238E27FC236}">
+                    <a16:creationId xmlns:a16="http://schemas.microsoft.com/office/drawing/2014/main" id="{ECDCB505-E54F-453B-95A4-AEF7CB6E554A}"/>
+                  </a:ext>
+                </a:extLst>
+              </p:cNvPr>
+              <p:cNvSpPr/>
+              <p:nvPr/>
+            </p:nvSpPr>
+            <p:spPr>
+              <a:xfrm>
+                <a:off x="459102" y="310320"/>
+                <a:ext cx="88269" cy="103258"/>
+              </a:xfrm>
+              <a:prstGeom prst="rightArrow">
+                <a:avLst>
+                  <a:gd name="adj1" fmla="val 60000"/>
+                  <a:gd name="adj2" fmla="val 50000"/>
+                </a:avLst>
+              </a:prstGeom>
+            </p:spPr>
+            <p:style>
+              <a:lnRef idx="0">
+                <a:schemeClr val="accent5">
+                  <a:tint val="60000"/>
+                  <a:hueOff val="0"/>
+                  <a:satOff val="0"/>
+                  <a:lumOff val="0"/>
+                  <a:alphaOff val="0"/>
+                </a:schemeClr>
+              </a:lnRef>
+              <a:fillRef idx="3">
+                <a:schemeClr val="accent5">
+                  <a:tint val="60000"/>
+                  <a:hueOff val="0"/>
+                  <a:satOff val="0"/>
+                  <a:lumOff val="0"/>
+                  <a:alphaOff val="0"/>
+                </a:schemeClr>
+              </a:fillRef>
+              <a:effectRef idx="3">
+                <a:schemeClr val="accent5">
+                  <a:tint val="60000"/>
+                  <a:hueOff val="0"/>
+                  <a:satOff val="0"/>
+                  <a:lumOff val="0"/>
+                  <a:alphaOff val="0"/>
+                </a:schemeClr>
+              </a:effectRef>
+              <a:fontRef idx="minor">
+                <a:schemeClr val="lt1"/>
+              </a:fontRef>
+            </p:style>
+          </p:sp>
+          <p:sp>
+            <p:nvSpPr>
+              <p:cNvPr id="332" name="Pfeil: nach rechts 6">
+                <a:extLst>
+                  <a:ext uri="{FF2B5EF4-FFF2-40B4-BE49-F238E27FC236}">
+                    <a16:creationId xmlns:a16="http://schemas.microsoft.com/office/drawing/2014/main" id="{837137FC-A39C-4C38-9CEE-3D49DA258CC2}"/>
+                  </a:ext>
+                </a:extLst>
+              </p:cNvPr>
+              <p:cNvSpPr txBox="1"/>
+              <p:nvPr/>
+            </p:nvSpPr>
+            <p:spPr>
+              <a:xfrm>
+                <a:off x="459102" y="330972"/>
+                <a:ext cx="61788" cy="61954"/>
+              </a:xfrm>
+              <a:prstGeom prst="rect">
+                <a:avLst/>
+              </a:prstGeom>
+            </p:spPr>
+            <p:style>
+              <a:lnRef idx="0">
+                <a:scrgbClr r="0" g="0" b="0"/>
+              </a:lnRef>
+              <a:fillRef idx="0">
+                <a:scrgbClr r="0" g="0" b="0"/>
+              </a:fillRef>
+              <a:effectRef idx="0">
+                <a:scrgbClr r="0" g="0" b="0"/>
+              </a:effectRef>
+              <a:fontRef idx="minor">
+                <a:schemeClr val="lt1"/>
+              </a:fontRef>
+            </p:style>
+            <p:txBody>
+              <a:bodyPr spcFirstLastPara="0" vert="horz" wrap="square" lIns="0" tIns="0" rIns="0" bIns="0" numCol="1" spcCol="1270" anchor="ctr" anchorCtr="0">
+                <a:noAutofit/>
+              </a:bodyPr>
+              <a:lstStyle/>
+              <a:p>
+                <a:pPr marL="0" lvl="0" indent="0" algn="ctr" defTabSz="222250">
+                  <a:lnSpc>
+                    <a:spcPct val="90000"/>
+                  </a:lnSpc>
+                  <a:spcBef>
+                    <a:spcPct val="0"/>
+                  </a:spcBef>
+                  <a:spcAft>
+                    <a:spcPct val="35000"/>
+                  </a:spcAft>
+                  <a:buNone/>
+                </a:pPr>
+                <a:endParaRPr lang="de-DE" sz="1400" kern="1200"/>
+              </a:p>
+            </p:txBody>
+          </p:sp>
+        </p:grpSp>
+        <p:grpSp>
+          <p:nvGrpSpPr>
+            <p:cNvPr id="333" name="Gruppieren 332">
+              <a:extLst>
+                <a:ext uri="{FF2B5EF4-FFF2-40B4-BE49-F238E27FC236}">
+                  <a16:creationId xmlns:a16="http://schemas.microsoft.com/office/drawing/2014/main" id="{716BF548-08DB-4071-803C-6A5D92CA3963}"/>
+                </a:ext>
+              </a:extLst>
+            </p:cNvPr>
+            <p:cNvGrpSpPr/>
+            <p:nvPr/>
+          </p:nvGrpSpPr>
+          <p:grpSpPr>
+            <a:xfrm>
+              <a:off x="6239246" y="1941792"/>
+              <a:ext cx="277195" cy="496116"/>
+              <a:chOff x="459102" y="310320"/>
+              <a:chExt cx="88269" cy="103258"/>
+            </a:xfrm>
+          </p:grpSpPr>
+          <p:sp>
+            <p:nvSpPr>
+              <p:cNvPr id="334" name="Pfeil: nach rechts 333">
+                <a:extLst>
+                  <a:ext uri="{FF2B5EF4-FFF2-40B4-BE49-F238E27FC236}">
+                    <a16:creationId xmlns:a16="http://schemas.microsoft.com/office/drawing/2014/main" id="{DCC6162D-05E8-4EDA-9147-DC08EE8D7045}"/>
+                  </a:ext>
+                </a:extLst>
+              </p:cNvPr>
+              <p:cNvSpPr/>
+              <p:nvPr/>
+            </p:nvSpPr>
+            <p:spPr>
+              <a:xfrm>
+                <a:off x="459102" y="310320"/>
+                <a:ext cx="88269" cy="103258"/>
+              </a:xfrm>
+              <a:prstGeom prst="rightArrow">
+                <a:avLst>
+                  <a:gd name="adj1" fmla="val 60000"/>
+                  <a:gd name="adj2" fmla="val 50000"/>
+                </a:avLst>
+              </a:prstGeom>
+            </p:spPr>
+            <p:style>
+              <a:lnRef idx="0">
+                <a:schemeClr val="accent5">
+                  <a:tint val="60000"/>
+                  <a:hueOff val="0"/>
+                  <a:satOff val="0"/>
+                  <a:lumOff val="0"/>
+                  <a:alphaOff val="0"/>
+                </a:schemeClr>
+              </a:lnRef>
+              <a:fillRef idx="3">
+                <a:schemeClr val="accent5">
+                  <a:tint val="60000"/>
+                  <a:hueOff val="0"/>
+                  <a:satOff val="0"/>
+                  <a:lumOff val="0"/>
+                  <a:alphaOff val="0"/>
+                </a:schemeClr>
+              </a:fillRef>
+              <a:effectRef idx="3">
+                <a:schemeClr val="accent5">
+                  <a:tint val="60000"/>
+                  <a:hueOff val="0"/>
+                  <a:satOff val="0"/>
+                  <a:lumOff val="0"/>
+                  <a:alphaOff val="0"/>
+                </a:schemeClr>
+              </a:effectRef>
+              <a:fontRef idx="minor">
+                <a:schemeClr val="lt1"/>
+              </a:fontRef>
+            </p:style>
+          </p:sp>
+          <p:sp>
+            <p:nvSpPr>
+              <p:cNvPr id="335" name="Pfeil: nach rechts 6">
+                <a:extLst>
+                  <a:ext uri="{FF2B5EF4-FFF2-40B4-BE49-F238E27FC236}">
+                    <a16:creationId xmlns:a16="http://schemas.microsoft.com/office/drawing/2014/main" id="{277CE62E-9A32-4C13-85A5-847196B7AF00}"/>
+                  </a:ext>
+                </a:extLst>
+              </p:cNvPr>
+              <p:cNvSpPr txBox="1"/>
+              <p:nvPr/>
+            </p:nvSpPr>
+            <p:spPr>
+              <a:xfrm>
+                <a:off x="459102" y="330972"/>
+                <a:ext cx="61788" cy="61954"/>
+              </a:xfrm>
+              <a:prstGeom prst="rect">
+                <a:avLst/>
+              </a:prstGeom>
+            </p:spPr>
+            <p:style>
+              <a:lnRef idx="0">
+                <a:scrgbClr r="0" g="0" b="0"/>
+              </a:lnRef>
+              <a:fillRef idx="0">
+                <a:scrgbClr r="0" g="0" b="0"/>
+              </a:fillRef>
+              <a:effectRef idx="0">
+                <a:scrgbClr r="0" g="0" b="0"/>
+              </a:effectRef>
+              <a:fontRef idx="minor">
+                <a:schemeClr val="lt1"/>
+              </a:fontRef>
+            </p:style>
+            <p:txBody>
+              <a:bodyPr spcFirstLastPara="0" vert="horz" wrap="square" lIns="0" tIns="0" rIns="0" bIns="0" numCol="1" spcCol="1270" anchor="ctr" anchorCtr="0">
+                <a:noAutofit/>
+              </a:bodyPr>
+              <a:lstStyle/>
+              <a:p>
+                <a:pPr marL="0" lvl="0" indent="0" algn="ctr" defTabSz="222250">
+                  <a:lnSpc>
+                    <a:spcPct val="90000"/>
+                  </a:lnSpc>
+                  <a:spcBef>
+                    <a:spcPct val="0"/>
+                  </a:spcBef>
+                  <a:spcAft>
+                    <a:spcPct val="35000"/>
+                  </a:spcAft>
+                  <a:buNone/>
+                </a:pPr>
+                <a:endParaRPr lang="de-DE" sz="1400" kern="1200"/>
+              </a:p>
+            </p:txBody>
+          </p:sp>
+        </p:grpSp>
+        <p:grpSp>
+          <p:nvGrpSpPr>
+            <p:cNvPr id="336" name="Gruppieren 335">
+              <a:extLst>
+                <a:ext uri="{FF2B5EF4-FFF2-40B4-BE49-F238E27FC236}">
+                  <a16:creationId xmlns:a16="http://schemas.microsoft.com/office/drawing/2014/main" id="{3ED20063-575B-4F53-96F2-C43B61C5933F}"/>
+                </a:ext>
+              </a:extLst>
+            </p:cNvPr>
+            <p:cNvGrpSpPr/>
+            <p:nvPr/>
+          </p:nvGrpSpPr>
+          <p:grpSpPr>
+            <a:xfrm>
+              <a:off x="7536054" y="1943564"/>
+              <a:ext cx="277195" cy="496116"/>
+              <a:chOff x="459102" y="310320"/>
+              <a:chExt cx="88269" cy="103258"/>
+            </a:xfrm>
+          </p:grpSpPr>
+          <p:sp>
+            <p:nvSpPr>
+              <p:cNvPr id="337" name="Pfeil: nach rechts 336">
+                <a:extLst>
+                  <a:ext uri="{FF2B5EF4-FFF2-40B4-BE49-F238E27FC236}">
+                    <a16:creationId xmlns:a16="http://schemas.microsoft.com/office/drawing/2014/main" id="{D1D66B14-A885-458D-BC70-B1C7A176DCFA}"/>
+                  </a:ext>
+                </a:extLst>
+              </p:cNvPr>
+              <p:cNvSpPr/>
+              <p:nvPr/>
+            </p:nvSpPr>
+            <p:spPr>
+              <a:xfrm>
+                <a:off x="459102" y="310320"/>
+                <a:ext cx="88269" cy="103258"/>
+              </a:xfrm>
+              <a:prstGeom prst="rightArrow">
+                <a:avLst>
+                  <a:gd name="adj1" fmla="val 60000"/>
+                  <a:gd name="adj2" fmla="val 50000"/>
+                </a:avLst>
+              </a:prstGeom>
+            </p:spPr>
+            <p:style>
+              <a:lnRef idx="0">
+                <a:schemeClr val="accent5">
+                  <a:tint val="60000"/>
+                  <a:hueOff val="0"/>
+                  <a:satOff val="0"/>
+                  <a:lumOff val="0"/>
+                  <a:alphaOff val="0"/>
+                </a:schemeClr>
+              </a:lnRef>
+              <a:fillRef idx="3">
+                <a:schemeClr val="accent5">
+                  <a:tint val="60000"/>
+                  <a:hueOff val="0"/>
+                  <a:satOff val="0"/>
+                  <a:lumOff val="0"/>
+                  <a:alphaOff val="0"/>
+                </a:schemeClr>
+              </a:fillRef>
+              <a:effectRef idx="3">
+                <a:schemeClr val="accent5">
+                  <a:tint val="60000"/>
+                  <a:hueOff val="0"/>
+                  <a:satOff val="0"/>
+                  <a:lumOff val="0"/>
+                  <a:alphaOff val="0"/>
+                </a:schemeClr>
+              </a:effectRef>
+              <a:fontRef idx="minor">
+                <a:schemeClr val="lt1"/>
+              </a:fontRef>
+            </p:style>
+          </p:sp>
+          <p:sp>
+            <p:nvSpPr>
+              <p:cNvPr id="338" name="Pfeil: nach rechts 6">
+                <a:extLst>
+                  <a:ext uri="{FF2B5EF4-FFF2-40B4-BE49-F238E27FC236}">
+                    <a16:creationId xmlns:a16="http://schemas.microsoft.com/office/drawing/2014/main" id="{E574CD86-BAD3-4F61-B0D2-2D4D0E03F6F1}"/>
+                  </a:ext>
+                </a:extLst>
+              </p:cNvPr>
+              <p:cNvSpPr txBox="1"/>
+              <p:nvPr/>
+            </p:nvSpPr>
+            <p:spPr>
+              <a:xfrm>
+                <a:off x="459102" y="330972"/>
+                <a:ext cx="61788" cy="61954"/>
+              </a:xfrm>
+              <a:prstGeom prst="rect">
+                <a:avLst/>
+              </a:prstGeom>
+            </p:spPr>
+            <p:style>
+              <a:lnRef idx="0">
+                <a:scrgbClr r="0" g="0" b="0"/>
+              </a:lnRef>
+              <a:fillRef idx="0">
+                <a:scrgbClr r="0" g="0" b="0"/>
+              </a:fillRef>
+              <a:effectRef idx="0">
+                <a:scrgbClr r="0" g="0" b="0"/>
+              </a:effectRef>
+              <a:fontRef idx="minor">
+                <a:schemeClr val="lt1"/>
+              </a:fontRef>
+            </p:style>
+            <p:txBody>
+              <a:bodyPr spcFirstLastPara="0" vert="horz" wrap="square" lIns="0" tIns="0" rIns="0" bIns="0" numCol="1" spcCol="1270" anchor="ctr" anchorCtr="0">
+                <a:noAutofit/>
+              </a:bodyPr>
+              <a:lstStyle/>
+              <a:p>
+                <a:pPr marL="0" lvl="0" indent="0" algn="ctr" defTabSz="222250">
+                  <a:lnSpc>
+                    <a:spcPct val="90000"/>
+                  </a:lnSpc>
+                  <a:spcBef>
+                    <a:spcPct val="0"/>
+                  </a:spcBef>
+                  <a:spcAft>
+                    <a:spcPct val="35000"/>
+                  </a:spcAft>
+                  <a:buNone/>
+                </a:pPr>
+                <a:endParaRPr lang="de-DE" sz="1400" kern="1200"/>
+              </a:p>
+            </p:txBody>
+          </p:sp>
+        </p:grpSp>
+        <p:grpSp>
+          <p:nvGrpSpPr>
+            <p:cNvPr id="339" name="Gruppieren 338">
+              <a:extLst>
+                <a:ext uri="{FF2B5EF4-FFF2-40B4-BE49-F238E27FC236}">
+                  <a16:creationId xmlns:a16="http://schemas.microsoft.com/office/drawing/2014/main" id="{48C977E1-DEBF-4F1E-B889-1870296479F5}"/>
+                </a:ext>
+              </a:extLst>
+            </p:cNvPr>
+            <p:cNvGrpSpPr/>
+            <p:nvPr/>
+          </p:nvGrpSpPr>
+          <p:grpSpPr>
+            <a:xfrm>
+              <a:off x="1419054" y="1824383"/>
+              <a:ext cx="909133" cy="828672"/>
+              <a:chOff x="584012" y="225329"/>
+              <a:chExt cx="416366" cy="273240"/>
+            </a:xfrm>
+          </p:grpSpPr>
+          <p:sp>
+            <p:nvSpPr>
+              <p:cNvPr id="340" name="Rechteck: abgerundete Ecken 339">
+                <a:extLst>
+                  <a:ext uri="{FF2B5EF4-FFF2-40B4-BE49-F238E27FC236}">
+                    <a16:creationId xmlns:a16="http://schemas.microsoft.com/office/drawing/2014/main" id="{DB6AD0DC-13CB-45B8-AC99-165070EF45D8}"/>
+                  </a:ext>
+                </a:extLst>
+              </p:cNvPr>
+              <p:cNvSpPr/>
+              <p:nvPr/>
+            </p:nvSpPr>
+            <p:spPr>
+              <a:xfrm>
+                <a:off x="584012" y="225329"/>
+                <a:ext cx="416366" cy="273240"/>
+              </a:xfrm>
+              <a:prstGeom prst="roundRect">
+                <a:avLst>
+                  <a:gd name="adj" fmla="val 10000"/>
+                </a:avLst>
+              </a:prstGeom>
+            </p:spPr>
+            <p:style>
+              <a:lnRef idx="0">
+                <a:schemeClr val="lt1">
+                  <a:hueOff val="0"/>
+                  <a:satOff val="0"/>
+                  <a:lumOff val="0"/>
+                  <a:alphaOff val="0"/>
+                </a:schemeClr>
+              </a:lnRef>
+              <a:fillRef idx="3">
+                <a:schemeClr val="accent5">
+                  <a:hueOff val="0"/>
+                  <a:satOff val="0"/>
+                  <a:lumOff val="0"/>
+                  <a:alphaOff val="0"/>
+                </a:schemeClr>
+              </a:fillRef>
+              <a:effectRef idx="3">
+                <a:schemeClr val="accent5">
+                  <a:hueOff val="0"/>
+                  <a:satOff val="0"/>
+                  <a:lumOff val="0"/>
+                  <a:alphaOff val="0"/>
+                </a:schemeClr>
+              </a:effectRef>
+              <a:fontRef idx="minor">
+                <a:schemeClr val="lt1"/>
+              </a:fontRef>
+            </p:style>
+          </p:sp>
+          <p:sp>
+            <p:nvSpPr>
+              <p:cNvPr id="341" name="Rechteck: abgerundete Ecken 8">
+                <a:extLst>
+                  <a:ext uri="{FF2B5EF4-FFF2-40B4-BE49-F238E27FC236}">
+                    <a16:creationId xmlns:a16="http://schemas.microsoft.com/office/drawing/2014/main" id="{40935E97-CA42-47E9-99E8-3B235423EB61}"/>
+                  </a:ext>
+                </a:extLst>
+              </p:cNvPr>
+              <p:cNvSpPr txBox="1"/>
+              <p:nvPr/>
+            </p:nvSpPr>
+            <p:spPr>
+              <a:xfrm>
+                <a:off x="592015" y="233332"/>
+                <a:ext cx="400360" cy="257234"/>
+              </a:xfrm>
+              <a:prstGeom prst="rect">
+                <a:avLst/>
+              </a:prstGeom>
+            </p:spPr>
+            <p:style>
+              <a:lnRef idx="0">
+                <a:scrgbClr r="0" g="0" b="0"/>
+              </a:lnRef>
+              <a:fillRef idx="0">
+                <a:scrgbClr r="0" g="0" b="0"/>
+              </a:fillRef>
+              <a:effectRef idx="0">
+                <a:scrgbClr r="0" g="0" b="0"/>
+              </a:effectRef>
+              <a:fontRef idx="minor">
+                <a:schemeClr val="lt1"/>
+              </a:fontRef>
+            </p:style>
+            <p:txBody>
+              <a:bodyPr spcFirstLastPara="0" vert="horz" wrap="square" lIns="19050" tIns="19050" rIns="19050" bIns="19050" numCol="1" spcCol="1270" anchor="ctr" anchorCtr="0">
+                <a:noAutofit/>
+              </a:bodyPr>
+              <a:lstStyle/>
+              <a:p>
+                <a:pPr marL="0" lvl="0" indent="0" algn="ctr" defTabSz="222250">
+                  <a:lnSpc>
+                    <a:spcPct val="90000"/>
+                  </a:lnSpc>
+                  <a:spcBef>
+                    <a:spcPct val="0"/>
+                  </a:spcBef>
+                  <a:spcAft>
+                    <a:spcPct val="35000"/>
+                  </a:spcAft>
+                  <a:buNone/>
+                </a:pPr>
+                <a:r>
+                  <a:rPr lang="de-DE" sz="1000" kern="1200" dirty="0"/>
+                  <a:t>Code Management and Analysis</a:t>
+                </a:r>
+              </a:p>
+            </p:txBody>
+          </p:sp>
+        </p:grpSp>
+        <p:grpSp>
+          <p:nvGrpSpPr>
+            <p:cNvPr id="342" name="Gruppieren 341">
+              <a:extLst>
+                <a:ext uri="{FF2B5EF4-FFF2-40B4-BE49-F238E27FC236}">
+                  <a16:creationId xmlns:a16="http://schemas.microsoft.com/office/drawing/2014/main" id="{1EB20007-E657-466E-9938-0D09329F204C}"/>
+                </a:ext>
+              </a:extLst>
+            </p:cNvPr>
+            <p:cNvGrpSpPr/>
+            <p:nvPr/>
+          </p:nvGrpSpPr>
+          <p:grpSpPr>
+            <a:xfrm>
+              <a:off x="2699751" y="1801312"/>
+              <a:ext cx="909133" cy="828672"/>
+              <a:chOff x="584012" y="225329"/>
+              <a:chExt cx="416366" cy="273240"/>
+            </a:xfrm>
+          </p:grpSpPr>
+          <p:sp>
+            <p:nvSpPr>
+              <p:cNvPr id="343" name="Rechteck: abgerundete Ecken 342">
+                <a:extLst>
+                  <a:ext uri="{FF2B5EF4-FFF2-40B4-BE49-F238E27FC236}">
+                    <a16:creationId xmlns:a16="http://schemas.microsoft.com/office/drawing/2014/main" id="{8526737F-04C2-40AB-BBE8-0CDFB5FAAF15}"/>
+                  </a:ext>
+                </a:extLst>
+              </p:cNvPr>
+              <p:cNvSpPr/>
+              <p:nvPr/>
+            </p:nvSpPr>
+            <p:spPr>
+              <a:xfrm>
+                <a:off x="584012" y="225329"/>
+                <a:ext cx="416366" cy="273240"/>
+              </a:xfrm>
+              <a:prstGeom prst="roundRect">
+                <a:avLst>
+                  <a:gd name="adj" fmla="val 10000"/>
+                </a:avLst>
+              </a:prstGeom>
+            </p:spPr>
+            <p:style>
+              <a:lnRef idx="0">
+                <a:schemeClr val="lt1">
+                  <a:hueOff val="0"/>
+                  <a:satOff val="0"/>
+                  <a:lumOff val="0"/>
+                  <a:alphaOff val="0"/>
+                </a:schemeClr>
+              </a:lnRef>
+              <a:fillRef idx="3">
+                <a:schemeClr val="accent5">
+                  <a:hueOff val="0"/>
+                  <a:satOff val="0"/>
+                  <a:lumOff val="0"/>
+                  <a:alphaOff val="0"/>
+                </a:schemeClr>
+              </a:fillRef>
+              <a:effectRef idx="3">
+                <a:schemeClr val="accent5">
+                  <a:hueOff val="0"/>
+                  <a:satOff val="0"/>
+                  <a:lumOff val="0"/>
+                  <a:alphaOff val="0"/>
+                </a:schemeClr>
+              </a:effectRef>
+              <a:fontRef idx="minor">
+                <a:schemeClr val="lt1"/>
+              </a:fontRef>
+            </p:style>
+          </p:sp>
+          <p:sp>
+            <p:nvSpPr>
+              <p:cNvPr id="344" name="Rechteck: abgerundete Ecken 8">
+                <a:extLst>
+                  <a:ext uri="{FF2B5EF4-FFF2-40B4-BE49-F238E27FC236}">
+                    <a16:creationId xmlns:a16="http://schemas.microsoft.com/office/drawing/2014/main" id="{81E46451-73FF-432B-AEB2-BC5787D36816}"/>
+                  </a:ext>
+                </a:extLst>
+              </p:cNvPr>
+              <p:cNvSpPr txBox="1"/>
+              <p:nvPr/>
+            </p:nvSpPr>
+            <p:spPr>
+              <a:xfrm>
+                <a:off x="592016" y="233332"/>
+                <a:ext cx="400360" cy="257234"/>
+              </a:xfrm>
+              <a:prstGeom prst="rect">
+                <a:avLst/>
+              </a:prstGeom>
+            </p:spPr>
+            <p:style>
+              <a:lnRef idx="0">
+                <a:scrgbClr r="0" g="0" b="0"/>
+              </a:lnRef>
+              <a:fillRef idx="0">
+                <a:scrgbClr r="0" g="0" b="0"/>
+              </a:fillRef>
+              <a:effectRef idx="0">
+                <a:scrgbClr r="0" g="0" b="0"/>
+              </a:effectRef>
+              <a:fontRef idx="minor">
+                <a:schemeClr val="lt1"/>
+              </a:fontRef>
+            </p:style>
+            <p:txBody>
+              <a:bodyPr spcFirstLastPara="0" vert="horz" wrap="square" lIns="19050" tIns="19050" rIns="19050" bIns="19050" numCol="1" spcCol="1270" anchor="ctr" anchorCtr="0">
+                <a:noAutofit/>
+              </a:bodyPr>
+              <a:lstStyle/>
+              <a:p>
+                <a:pPr lvl="0" algn="ctr"/>
+                <a:r>
+                  <a:rPr lang="de-DE" sz="1000" dirty="0" err="1"/>
+                  <a:t>Build</a:t>
+                </a:r>
+                <a:r>
+                  <a:rPr lang="de-DE" sz="1000" dirty="0"/>
+                  <a:t> System</a:t>
+                </a:r>
+              </a:p>
+            </p:txBody>
+          </p:sp>
+        </p:grpSp>
+        <p:grpSp>
+          <p:nvGrpSpPr>
+            <p:cNvPr id="345" name="Gruppieren 344">
+              <a:extLst>
+                <a:ext uri="{FF2B5EF4-FFF2-40B4-BE49-F238E27FC236}">
+                  <a16:creationId xmlns:a16="http://schemas.microsoft.com/office/drawing/2014/main" id="{9283C098-4ECE-4781-A2FC-E7E66C60DA51}"/>
+                </a:ext>
+              </a:extLst>
+            </p:cNvPr>
+            <p:cNvGrpSpPr/>
+            <p:nvPr/>
+          </p:nvGrpSpPr>
+          <p:grpSpPr>
+            <a:xfrm>
+              <a:off x="3972389" y="1810459"/>
+              <a:ext cx="909133" cy="828672"/>
+              <a:chOff x="584012" y="225329"/>
+              <a:chExt cx="416366" cy="273240"/>
+            </a:xfrm>
+          </p:grpSpPr>
+          <p:sp>
+            <p:nvSpPr>
+              <p:cNvPr id="346" name="Rechteck: abgerundete Ecken 345">
+                <a:extLst>
+                  <a:ext uri="{FF2B5EF4-FFF2-40B4-BE49-F238E27FC236}">
+                    <a16:creationId xmlns:a16="http://schemas.microsoft.com/office/drawing/2014/main" id="{51C4A412-4886-41F4-B968-55F108B34CB3}"/>
+                  </a:ext>
+                </a:extLst>
+              </p:cNvPr>
+              <p:cNvSpPr/>
+              <p:nvPr/>
+            </p:nvSpPr>
+            <p:spPr>
+              <a:xfrm>
+                <a:off x="584012" y="225329"/>
+                <a:ext cx="416366" cy="273240"/>
+              </a:xfrm>
+              <a:prstGeom prst="roundRect">
+                <a:avLst>
+                  <a:gd name="adj" fmla="val 10000"/>
+                </a:avLst>
+              </a:prstGeom>
+            </p:spPr>
+            <p:style>
+              <a:lnRef idx="0">
+                <a:schemeClr val="lt1">
+                  <a:hueOff val="0"/>
+                  <a:satOff val="0"/>
+                  <a:lumOff val="0"/>
+                  <a:alphaOff val="0"/>
+                </a:schemeClr>
+              </a:lnRef>
+              <a:fillRef idx="3">
+                <a:schemeClr val="accent5">
+                  <a:hueOff val="0"/>
+                  <a:satOff val="0"/>
+                  <a:lumOff val="0"/>
+                  <a:alphaOff val="0"/>
+                </a:schemeClr>
+              </a:fillRef>
+              <a:effectRef idx="3">
+                <a:schemeClr val="accent5">
+                  <a:hueOff val="0"/>
+                  <a:satOff val="0"/>
+                  <a:lumOff val="0"/>
+                  <a:alphaOff val="0"/>
+                </a:schemeClr>
+              </a:effectRef>
+              <a:fontRef idx="minor">
+                <a:schemeClr val="lt1"/>
+              </a:fontRef>
+            </p:style>
+          </p:sp>
+          <p:sp>
+            <p:nvSpPr>
+              <p:cNvPr id="347" name="Rechteck: abgerundete Ecken 8">
+                <a:extLst>
+                  <a:ext uri="{FF2B5EF4-FFF2-40B4-BE49-F238E27FC236}">
+                    <a16:creationId xmlns:a16="http://schemas.microsoft.com/office/drawing/2014/main" id="{9BC01B14-AFC4-4F20-AADC-57A17869C977}"/>
+                  </a:ext>
+                </a:extLst>
+              </p:cNvPr>
+              <p:cNvSpPr txBox="1"/>
+              <p:nvPr/>
+            </p:nvSpPr>
+            <p:spPr>
+              <a:xfrm>
+                <a:off x="592015" y="233332"/>
+                <a:ext cx="400360" cy="257234"/>
+              </a:xfrm>
+              <a:prstGeom prst="rect">
+                <a:avLst/>
+              </a:prstGeom>
+            </p:spPr>
+            <p:style>
+              <a:lnRef idx="0">
+                <a:scrgbClr r="0" g="0" b="0"/>
+              </a:lnRef>
+              <a:fillRef idx="0">
+                <a:scrgbClr r="0" g="0" b="0"/>
+              </a:fillRef>
+              <a:effectRef idx="0">
+                <a:scrgbClr r="0" g="0" b="0"/>
+              </a:effectRef>
+              <a:fontRef idx="minor">
+                <a:schemeClr val="lt1"/>
+              </a:fontRef>
+            </p:style>
+            <p:txBody>
+              <a:bodyPr spcFirstLastPara="0" vert="horz" wrap="square" lIns="19050" tIns="19050" rIns="19050" bIns="19050" numCol="1" spcCol="1270" anchor="ctr" anchorCtr="0">
+                <a:noAutofit/>
+              </a:bodyPr>
+              <a:lstStyle/>
+              <a:p>
+                <a:pPr lvl="0" algn="ctr"/>
+                <a:r>
+                  <a:rPr lang="de-DE" sz="1000" dirty="0"/>
+                  <a:t>CI Server</a:t>
+                </a:r>
+              </a:p>
+            </p:txBody>
+          </p:sp>
+        </p:grpSp>
+        <p:grpSp>
+          <p:nvGrpSpPr>
+            <p:cNvPr id="348" name="Gruppieren 347">
+              <a:extLst>
+                <a:ext uri="{FF2B5EF4-FFF2-40B4-BE49-F238E27FC236}">
+                  <a16:creationId xmlns:a16="http://schemas.microsoft.com/office/drawing/2014/main" id="{2AAE3329-F0D8-4641-9B74-3EDEF4B503B9}"/>
+                </a:ext>
+              </a:extLst>
+            </p:cNvPr>
+            <p:cNvGrpSpPr/>
+            <p:nvPr/>
+          </p:nvGrpSpPr>
+          <p:grpSpPr>
+            <a:xfrm>
+              <a:off x="5258805" y="1803769"/>
+              <a:ext cx="909133" cy="828672"/>
+              <a:chOff x="584012" y="225329"/>
+              <a:chExt cx="416366" cy="273240"/>
+            </a:xfrm>
+          </p:grpSpPr>
+          <p:sp>
+            <p:nvSpPr>
+              <p:cNvPr id="349" name="Rechteck: abgerundete Ecken 348">
+                <a:extLst>
+                  <a:ext uri="{FF2B5EF4-FFF2-40B4-BE49-F238E27FC236}">
+                    <a16:creationId xmlns:a16="http://schemas.microsoft.com/office/drawing/2014/main" id="{787A0EAB-BAB6-4E09-AE45-88AE14F62F4D}"/>
+                  </a:ext>
+                </a:extLst>
+              </p:cNvPr>
+              <p:cNvSpPr/>
+              <p:nvPr/>
+            </p:nvSpPr>
+            <p:spPr>
+              <a:xfrm>
+                <a:off x="584012" y="225329"/>
+                <a:ext cx="416366" cy="273240"/>
+              </a:xfrm>
+              <a:prstGeom prst="roundRect">
+                <a:avLst>
+                  <a:gd name="adj" fmla="val 10000"/>
+                </a:avLst>
+              </a:prstGeom>
+            </p:spPr>
+            <p:style>
+              <a:lnRef idx="0">
+                <a:schemeClr val="lt1">
+                  <a:hueOff val="0"/>
+                  <a:satOff val="0"/>
+                  <a:lumOff val="0"/>
+                  <a:alphaOff val="0"/>
+                </a:schemeClr>
+              </a:lnRef>
+              <a:fillRef idx="3">
+                <a:schemeClr val="accent5">
+                  <a:hueOff val="0"/>
+                  <a:satOff val="0"/>
+                  <a:lumOff val="0"/>
+                  <a:alphaOff val="0"/>
+                </a:schemeClr>
+              </a:fillRef>
+              <a:effectRef idx="3">
+                <a:schemeClr val="accent5">
+                  <a:hueOff val="0"/>
+                  <a:satOff val="0"/>
+                  <a:lumOff val="0"/>
+                  <a:alphaOff val="0"/>
+                </a:schemeClr>
+              </a:effectRef>
+              <a:fontRef idx="minor">
+                <a:schemeClr val="lt1"/>
+              </a:fontRef>
+            </p:style>
+          </p:sp>
+          <p:sp>
+            <p:nvSpPr>
+              <p:cNvPr id="350" name="Rechteck: abgerundete Ecken 8">
+                <a:extLst>
+                  <a:ext uri="{FF2B5EF4-FFF2-40B4-BE49-F238E27FC236}">
+                    <a16:creationId xmlns:a16="http://schemas.microsoft.com/office/drawing/2014/main" id="{44E28825-4B46-4FD1-9832-3323CA221231}"/>
+                  </a:ext>
+                </a:extLst>
+              </p:cNvPr>
+              <p:cNvSpPr txBox="1"/>
+              <p:nvPr/>
+            </p:nvSpPr>
+            <p:spPr>
+              <a:xfrm>
+                <a:off x="592015" y="233332"/>
+                <a:ext cx="400360" cy="257234"/>
+              </a:xfrm>
+              <a:prstGeom prst="rect">
+                <a:avLst/>
+              </a:prstGeom>
+            </p:spPr>
+            <p:style>
+              <a:lnRef idx="0">
+                <a:scrgbClr r="0" g="0" b="0"/>
+              </a:lnRef>
+              <a:fillRef idx="0">
+                <a:scrgbClr r="0" g="0" b="0"/>
+              </a:fillRef>
+              <a:effectRef idx="0">
+                <a:scrgbClr r="0" g="0" b="0"/>
+              </a:effectRef>
+              <a:fontRef idx="minor">
+                <a:schemeClr val="lt1"/>
+              </a:fontRef>
+            </p:style>
+            <p:txBody>
+              <a:bodyPr spcFirstLastPara="0" vert="horz" wrap="square" lIns="19050" tIns="19050" rIns="19050" bIns="19050" numCol="1" spcCol="1270" anchor="ctr" anchorCtr="0">
+                <a:noAutofit/>
+              </a:bodyPr>
+              <a:lstStyle/>
+              <a:p>
+                <a:pPr lvl="0" algn="ctr"/>
+                <a:r>
+                  <a:rPr lang="de-DE" sz="1000" dirty="0" err="1"/>
+                  <a:t>Testing</a:t>
+                </a:r>
+                <a:endParaRPr lang="de-DE" sz="1000" dirty="0"/>
+              </a:p>
+            </p:txBody>
+          </p:sp>
+        </p:grpSp>
+        <p:grpSp>
+          <p:nvGrpSpPr>
+            <p:cNvPr id="351" name="Gruppieren 350">
+              <a:extLst>
+                <a:ext uri="{FF2B5EF4-FFF2-40B4-BE49-F238E27FC236}">
+                  <a16:creationId xmlns:a16="http://schemas.microsoft.com/office/drawing/2014/main" id="{F5B191CD-04E3-44D5-A0E0-93F9AFEC835B}"/>
+                </a:ext>
+              </a:extLst>
+            </p:cNvPr>
+            <p:cNvGrpSpPr/>
+            <p:nvPr/>
+          </p:nvGrpSpPr>
+          <p:grpSpPr>
+            <a:xfrm>
+              <a:off x="6563378" y="1810459"/>
+              <a:ext cx="909133" cy="828672"/>
+              <a:chOff x="584012" y="225329"/>
+              <a:chExt cx="416366" cy="273240"/>
+            </a:xfrm>
+          </p:grpSpPr>
+          <p:sp>
+            <p:nvSpPr>
+              <p:cNvPr id="352" name="Rechteck: abgerundete Ecken 351">
+                <a:extLst>
+                  <a:ext uri="{FF2B5EF4-FFF2-40B4-BE49-F238E27FC236}">
+                    <a16:creationId xmlns:a16="http://schemas.microsoft.com/office/drawing/2014/main" id="{28952E69-D88C-4303-A629-7268000D068D}"/>
+                  </a:ext>
+                </a:extLst>
+              </p:cNvPr>
+              <p:cNvSpPr/>
+              <p:nvPr/>
+            </p:nvSpPr>
+            <p:spPr>
+              <a:xfrm>
+                <a:off x="584012" y="225329"/>
+                <a:ext cx="416366" cy="273240"/>
+              </a:xfrm>
+              <a:prstGeom prst="roundRect">
+                <a:avLst>
+                  <a:gd name="adj" fmla="val 10000"/>
+                </a:avLst>
+              </a:prstGeom>
+            </p:spPr>
+            <p:style>
+              <a:lnRef idx="0">
+                <a:schemeClr val="lt1">
+                  <a:hueOff val="0"/>
+                  <a:satOff val="0"/>
+                  <a:lumOff val="0"/>
+                  <a:alphaOff val="0"/>
+                </a:schemeClr>
+              </a:lnRef>
+              <a:fillRef idx="3">
+                <a:schemeClr val="accent5">
+                  <a:hueOff val="0"/>
+                  <a:satOff val="0"/>
+                  <a:lumOff val="0"/>
+                  <a:alphaOff val="0"/>
+                </a:schemeClr>
+              </a:fillRef>
+              <a:effectRef idx="3">
+                <a:schemeClr val="accent5">
+                  <a:hueOff val="0"/>
+                  <a:satOff val="0"/>
+                  <a:lumOff val="0"/>
+                  <a:alphaOff val="0"/>
+                </a:schemeClr>
+              </a:effectRef>
+              <a:fontRef idx="minor">
+                <a:schemeClr val="lt1"/>
+              </a:fontRef>
+            </p:style>
+          </p:sp>
+          <p:sp>
+            <p:nvSpPr>
+              <p:cNvPr id="353" name="Rechteck: abgerundete Ecken 8">
+                <a:extLst>
+                  <a:ext uri="{FF2B5EF4-FFF2-40B4-BE49-F238E27FC236}">
+                    <a16:creationId xmlns:a16="http://schemas.microsoft.com/office/drawing/2014/main" id="{4B629195-134D-44FF-AC96-1AC4AA0EF811}"/>
+                  </a:ext>
+                </a:extLst>
+              </p:cNvPr>
+              <p:cNvSpPr txBox="1"/>
+              <p:nvPr/>
+            </p:nvSpPr>
+            <p:spPr>
+              <a:xfrm>
+                <a:off x="592015" y="233332"/>
+                <a:ext cx="400360" cy="257234"/>
+              </a:xfrm>
+              <a:prstGeom prst="rect">
+                <a:avLst/>
+              </a:prstGeom>
+            </p:spPr>
+            <p:style>
+              <a:lnRef idx="0">
+                <a:scrgbClr r="0" g="0" b="0"/>
+              </a:lnRef>
+              <a:fillRef idx="0">
+                <a:scrgbClr r="0" g="0" b="0"/>
+              </a:fillRef>
+              <a:effectRef idx="0">
+                <a:scrgbClr r="0" g="0" b="0"/>
+              </a:effectRef>
+              <a:fontRef idx="minor">
+                <a:schemeClr val="lt1"/>
+              </a:fontRef>
+            </p:style>
+            <p:txBody>
+              <a:bodyPr spcFirstLastPara="0" vert="horz" wrap="square" lIns="19050" tIns="19050" rIns="19050" bIns="19050" numCol="1" spcCol="1270" anchor="ctr" anchorCtr="0">
+                <a:noAutofit/>
+              </a:bodyPr>
+              <a:lstStyle/>
+              <a:p>
+                <a:pPr lvl="0" algn="ctr"/>
+                <a:r>
+                  <a:rPr lang="de-DE" sz="1000" dirty="0" err="1"/>
+                  <a:t>Configuration</a:t>
+                </a:r>
+                <a:r>
+                  <a:rPr lang="de-DE" sz="1000" dirty="0"/>
+                  <a:t> and </a:t>
+                </a:r>
+                <a:r>
+                  <a:rPr lang="de-DE" sz="1000" dirty="0" err="1"/>
+                  <a:t>Provisioning</a:t>
+                </a:r>
+                <a:endParaRPr lang="de-DE" sz="1000" dirty="0"/>
+              </a:p>
+            </p:txBody>
+          </p:sp>
+        </p:grpSp>
+        <p:grpSp>
+          <p:nvGrpSpPr>
+            <p:cNvPr id="354" name="Gruppieren 353">
+              <a:extLst>
+                <a:ext uri="{FF2B5EF4-FFF2-40B4-BE49-F238E27FC236}">
+                  <a16:creationId xmlns:a16="http://schemas.microsoft.com/office/drawing/2014/main" id="{7E972DF3-5AD7-423B-941D-10A056DFA777}"/>
+                </a:ext>
+              </a:extLst>
+            </p:cNvPr>
+            <p:cNvGrpSpPr/>
+            <p:nvPr/>
+          </p:nvGrpSpPr>
+          <p:grpSpPr>
+            <a:xfrm>
+              <a:off x="7863550" y="1786992"/>
+              <a:ext cx="909133" cy="828672"/>
+              <a:chOff x="584012" y="225329"/>
+              <a:chExt cx="416366" cy="273240"/>
+            </a:xfrm>
+          </p:grpSpPr>
+          <p:sp>
+            <p:nvSpPr>
+              <p:cNvPr id="355" name="Rechteck: abgerundete Ecken 354">
+                <a:extLst>
+                  <a:ext uri="{FF2B5EF4-FFF2-40B4-BE49-F238E27FC236}">
+                    <a16:creationId xmlns:a16="http://schemas.microsoft.com/office/drawing/2014/main" id="{CB01381B-1AAB-4F6D-B43A-842A546BB804}"/>
+                  </a:ext>
+                </a:extLst>
+              </p:cNvPr>
+              <p:cNvSpPr/>
+              <p:nvPr/>
+            </p:nvSpPr>
+            <p:spPr>
+              <a:xfrm>
+                <a:off x="584012" y="225329"/>
+                <a:ext cx="416366" cy="273240"/>
+              </a:xfrm>
+              <a:prstGeom prst="roundRect">
+                <a:avLst>
+                  <a:gd name="adj" fmla="val 10000"/>
+                </a:avLst>
+              </a:prstGeom>
+            </p:spPr>
+            <p:style>
+              <a:lnRef idx="0">
+                <a:schemeClr val="lt1">
+                  <a:hueOff val="0"/>
+                  <a:satOff val="0"/>
+                  <a:lumOff val="0"/>
+                  <a:alphaOff val="0"/>
+                </a:schemeClr>
+              </a:lnRef>
+              <a:fillRef idx="3">
+                <a:schemeClr val="accent5">
+                  <a:hueOff val="0"/>
+                  <a:satOff val="0"/>
+                  <a:lumOff val="0"/>
+                  <a:alphaOff val="0"/>
+                </a:schemeClr>
+              </a:fillRef>
+              <a:effectRef idx="3">
+                <a:schemeClr val="accent5">
+                  <a:hueOff val="0"/>
+                  <a:satOff val="0"/>
+                  <a:lumOff val="0"/>
+                  <a:alphaOff val="0"/>
+                </a:schemeClr>
+              </a:effectRef>
+              <a:fontRef idx="minor">
+                <a:schemeClr val="lt1"/>
+              </a:fontRef>
+            </p:style>
+          </p:sp>
+          <p:sp>
+            <p:nvSpPr>
+              <p:cNvPr id="356" name="Rechteck: abgerundete Ecken 8">
+                <a:extLst>
+                  <a:ext uri="{FF2B5EF4-FFF2-40B4-BE49-F238E27FC236}">
+                    <a16:creationId xmlns:a16="http://schemas.microsoft.com/office/drawing/2014/main" id="{0AD56064-8D04-4487-999C-0A1293AC2358}"/>
+                  </a:ext>
+                </a:extLst>
+              </p:cNvPr>
+              <p:cNvSpPr txBox="1"/>
+              <p:nvPr/>
+            </p:nvSpPr>
+            <p:spPr>
+              <a:xfrm>
+                <a:off x="592015" y="233332"/>
+                <a:ext cx="400360" cy="257234"/>
+              </a:xfrm>
+              <a:prstGeom prst="rect">
+                <a:avLst/>
+              </a:prstGeom>
+            </p:spPr>
+            <p:style>
+              <a:lnRef idx="0">
+                <a:scrgbClr r="0" g="0" b="0"/>
+              </a:lnRef>
+              <a:fillRef idx="0">
+                <a:scrgbClr r="0" g="0" b="0"/>
+              </a:fillRef>
+              <a:effectRef idx="0">
+                <a:scrgbClr r="0" g="0" b="0"/>
+              </a:effectRef>
+              <a:fontRef idx="minor">
+                <a:schemeClr val="lt1"/>
+              </a:fontRef>
+            </p:style>
+            <p:txBody>
+              <a:bodyPr spcFirstLastPara="0" vert="horz" wrap="square" lIns="19050" tIns="19050" rIns="19050" bIns="19050" numCol="1" spcCol="1270" anchor="ctr" anchorCtr="0">
+                <a:noAutofit/>
+              </a:bodyPr>
+              <a:lstStyle/>
+              <a:p>
+                <a:pPr lvl="0"/>
+                <a:r>
+                  <a:rPr lang="de-DE" sz="1000" dirty="0"/>
+                  <a:t>CD Server</a:t>
+                </a:r>
+              </a:p>
+            </p:txBody>
+          </p:sp>
+        </p:grpSp>
+      </p:grpSp>
     </p:spTree>
     <p:extLst>
       <p:ext uri="{BB962C8B-B14F-4D97-AF65-F5344CB8AC3E}">
@@ -12605,7 +15320,7 @@
             <a:pPr lvl="1"/>
             <a:r>
               <a:rPr lang="en-US" dirty="0"/>
-              <a:t>Team Structure and closer collaboration</a:t>
+              <a:t>Team Structure and poor collaboration</a:t>
             </a:r>
           </a:p>
           <a:p>
@@ -12651,10 +15366,10 @@
       </p:sp>
       <p:grpSp>
         <p:nvGrpSpPr>
-          <p:cNvPr id="4" name="Gruppieren 21">
+          <p:cNvPr id="30" name="Gruppieren 21">
             <a:extLst>
               <a:ext uri="{FF2B5EF4-FFF2-40B4-BE49-F238E27FC236}">
-                <a16:creationId xmlns:a16="http://schemas.microsoft.com/office/drawing/2014/main" id="{AA131601-72E5-4228-A286-1E3E6D78B764}"/>
+                <a16:creationId xmlns:a16="http://schemas.microsoft.com/office/drawing/2014/main" id="{0587EAB0-62AE-4AAC-92B9-C24D805F5E39}"/>
               </a:ext>
             </a:extLst>
           </p:cNvPr>
@@ -12664,17 +15379,17 @@
         <p:grpSpPr>
           <a:xfrm>
             <a:off x="72000" y="4424179"/>
-            <a:ext cx="9072000" cy="322630"/>
+            <a:ext cx="9072854" cy="335167"/>
             <a:chOff x="25400" y="5986694"/>
-            <a:chExt cx="9072000" cy="322630"/>
+            <a:chExt cx="9072854" cy="335167"/>
           </a:xfrm>
         </p:grpSpPr>
         <p:sp>
           <p:nvSpPr>
-            <p:cNvPr id="5" name="Textfeld 13">
+            <p:cNvPr id="31" name="Textfeld 13">
               <a:extLst>
                 <a:ext uri="{FF2B5EF4-FFF2-40B4-BE49-F238E27FC236}">
-                  <a16:creationId xmlns:a16="http://schemas.microsoft.com/office/drawing/2014/main" id="{2BCE988F-F02A-4D6D-B2E3-D098FA90D670}"/>
+                  <a16:creationId xmlns:a16="http://schemas.microsoft.com/office/drawing/2014/main" id="{800EA15A-1C04-4073-9F7B-A0478BB03400}"/>
                 </a:ext>
               </a:extLst>
             </p:cNvPr>
@@ -12683,8 +15398,8 @@
           </p:nvSpPr>
           <p:spPr>
             <a:xfrm>
-              <a:off x="1493183" y="6032322"/>
-              <a:ext cx="554389" cy="276999"/>
+              <a:off x="1493804" y="5994910"/>
+              <a:ext cx="554389" cy="307777"/>
             </a:xfrm>
             <a:prstGeom prst="rect">
               <a:avLst/>
@@ -12716,7 +15431,7 @@
             <a:p>
               <a:pPr algn="ctr"/>
               <a:r>
-                <a:rPr lang="en-US" sz="1200" dirty="0"/>
+                <a:rPr lang="en-US" sz="1400" dirty="0"/>
                 <a:t>CSE</a:t>
               </a:r>
             </a:p>
@@ -12724,10 +15439,10 @@
         </p:sp>
         <p:sp>
           <p:nvSpPr>
-            <p:cNvPr id="6" name="Textfeld 14">
+            <p:cNvPr id="32" name="Textfeld 14">
               <a:extLst>
                 <a:ext uri="{FF2B5EF4-FFF2-40B4-BE49-F238E27FC236}">
-                  <a16:creationId xmlns:a16="http://schemas.microsoft.com/office/drawing/2014/main" id="{C8E64975-DD4E-484D-9EF4-CB11AB9E264F}"/>
+                  <a16:creationId xmlns:a16="http://schemas.microsoft.com/office/drawing/2014/main" id="{43ED7D31-45B8-4B55-9EFD-68C69316B785}"/>
                 </a:ext>
               </a:extLst>
             </p:cNvPr>
@@ -12736,8 +15451,8 @@
           </p:nvSpPr>
           <p:spPr>
             <a:xfrm>
-              <a:off x="6282440" y="6032325"/>
-              <a:ext cx="1005403" cy="276999"/>
+              <a:off x="6541624" y="6014084"/>
+              <a:ext cx="1161052" cy="307777"/>
             </a:xfrm>
             <a:prstGeom prst="rect">
               <a:avLst/>
@@ -12762,13 +15477,14 @@
             </a:fontRef>
           </p:style>
           <p:txBody>
-            <a:bodyPr wrap="none" rtlCol="0">
+            <a:bodyPr wrap="square" rtlCol="0">
               <a:spAutoFit/>
             </a:bodyPr>
             <a:lstStyle/>
             <a:p>
+              <a:pPr algn="ctr"/>
               <a:r>
-                <a:rPr lang="en-US" sz="1200" b="1" dirty="0"/>
+                <a:rPr lang="en-US" sz="1400" b="1" dirty="0"/>
                 <a:t>Challenges</a:t>
               </a:r>
             </a:p>
@@ -12776,10 +15492,10 @@
         </p:sp>
         <p:sp>
           <p:nvSpPr>
-            <p:cNvPr id="7" name="Textfeld 6">
+            <p:cNvPr id="33" name="Textfeld 32">
               <a:extLst>
                 <a:ext uri="{FF2B5EF4-FFF2-40B4-BE49-F238E27FC236}">
-                  <a16:creationId xmlns:a16="http://schemas.microsoft.com/office/drawing/2014/main" id="{5B1D65DE-7E84-4D4A-AD1F-FC54B535CB1E}"/>
+                  <a16:creationId xmlns:a16="http://schemas.microsoft.com/office/drawing/2014/main" id="{1AB9F6B6-3524-4C2C-8F19-125338E3AB1B}"/>
                 </a:ext>
               </a:extLst>
             </p:cNvPr>
@@ -12788,8 +15504,61 @@
           </p:nvSpPr>
           <p:spPr>
             <a:xfrm>
-              <a:off x="2361122" y="6032320"/>
-              <a:ext cx="1774155" cy="276999"/>
+              <a:off x="2214434" y="5993289"/>
+              <a:ext cx="2094942" cy="307777"/>
+            </a:xfrm>
+            <a:prstGeom prst="rect">
+              <a:avLst/>
+            </a:prstGeom>
+            <a:noFill/>
+            <a:ln>
+              <a:noFill/>
+            </a:ln>
+          </p:spPr>
+          <p:style>
+            <a:lnRef idx="2">
+              <a:schemeClr val="accent3"/>
+            </a:lnRef>
+            <a:fillRef idx="1">
+              <a:schemeClr val="lt1"/>
+            </a:fillRef>
+            <a:effectRef idx="0">
+              <a:schemeClr val="accent3"/>
+            </a:effectRef>
+            <a:fontRef idx="minor">
+              <a:schemeClr val="dk1"/>
+            </a:fontRef>
+          </p:style>
+          <p:txBody>
+            <a:bodyPr wrap="square" rtlCol="0">
+              <a:spAutoFit/>
+            </a:bodyPr>
+            <a:lstStyle/>
+            <a:p>
+              <a:pPr algn="ctr"/>
+              <a:r>
+                <a:rPr lang="en-US" sz="1400" dirty="0"/>
+                <a:t>The Stairway to Heaven</a:t>
+              </a:r>
+            </a:p>
+          </p:txBody>
+        </p:sp>
+        <p:sp>
+          <p:nvSpPr>
+            <p:cNvPr id="34" name="Textfeld 33">
+              <a:extLst>
+                <a:ext uri="{FF2B5EF4-FFF2-40B4-BE49-F238E27FC236}">
+                  <a16:creationId xmlns:a16="http://schemas.microsoft.com/office/drawing/2014/main" id="{6F02309A-B54B-479C-8C17-ECBF3E4DA228}"/>
+                </a:ext>
+              </a:extLst>
+            </p:cNvPr>
+            <p:cNvSpPr txBox="1"/>
+            <p:nvPr/>
+          </p:nvSpPr>
+          <p:spPr>
+            <a:xfrm>
+              <a:off x="7820226" y="6000783"/>
+              <a:ext cx="1278028" cy="307777"/>
             </a:xfrm>
             <a:prstGeom prst="rect">
               <a:avLst/>
@@ -12820,18 +15589,18 @@
             <a:lstStyle/>
             <a:p>
               <a:r>
-                <a:rPr lang="en-US" sz="1200" dirty="0"/>
-                <a:t>The Stairway to Haven</a:t>
+                <a:rPr lang="en-US" sz="1400" dirty="0"/>
+                <a:t>Conclusion</a:t>
               </a:r>
             </a:p>
           </p:txBody>
         </p:sp>
         <p:sp>
           <p:nvSpPr>
-            <p:cNvPr id="8" name="Textfeld 7">
+            <p:cNvPr id="35" name="Textfeld 34">
               <a:extLst>
                 <a:ext uri="{FF2B5EF4-FFF2-40B4-BE49-F238E27FC236}">
-                  <a16:creationId xmlns:a16="http://schemas.microsoft.com/office/drawing/2014/main" id="{8544E219-3395-4D35-AB47-83E797162EF8}"/>
+                  <a16:creationId xmlns:a16="http://schemas.microsoft.com/office/drawing/2014/main" id="{9C4D1ACF-1AFB-4F74-A49A-31638A88C2AA}"/>
                 </a:ext>
               </a:extLst>
             </p:cNvPr>
@@ -12840,8 +15609,8 @@
           </p:nvSpPr>
           <p:spPr>
             <a:xfrm>
-              <a:off x="7763010" y="6032321"/>
-              <a:ext cx="1278028" cy="276999"/>
+              <a:off x="158515" y="6000783"/>
+              <a:ext cx="1213939" cy="307777"/>
             </a:xfrm>
             <a:prstGeom prst="rect">
               <a:avLst/>
@@ -12872,59 +15641,7 @@
             <a:lstStyle/>
             <a:p>
               <a:r>
-                <a:rPr lang="en-US" sz="1200" dirty="0"/>
-                <a:t>Summary</a:t>
-              </a:r>
-            </a:p>
-          </p:txBody>
-        </p:sp>
-        <p:sp>
-          <p:nvSpPr>
-            <p:cNvPr id="9" name="Textfeld 8">
-              <a:extLst>
-                <a:ext uri="{FF2B5EF4-FFF2-40B4-BE49-F238E27FC236}">
-                  <a16:creationId xmlns:a16="http://schemas.microsoft.com/office/drawing/2014/main" id="{852888F9-9852-4482-8D86-9D678EB085AD}"/>
-                </a:ext>
-              </a:extLst>
-            </p:cNvPr>
-            <p:cNvSpPr txBox="1"/>
-            <p:nvPr/>
-          </p:nvSpPr>
-          <p:spPr>
-            <a:xfrm>
-              <a:off x="179512" y="6032321"/>
-              <a:ext cx="1213939" cy="276999"/>
-            </a:xfrm>
-            <a:prstGeom prst="rect">
-              <a:avLst/>
-            </a:prstGeom>
-            <a:noFill/>
-            <a:ln>
-              <a:noFill/>
-            </a:ln>
-          </p:spPr>
-          <p:style>
-            <a:lnRef idx="2">
-              <a:schemeClr val="accent3"/>
-            </a:lnRef>
-            <a:fillRef idx="1">
-              <a:schemeClr val="lt1"/>
-            </a:fillRef>
-            <a:effectRef idx="0">
-              <a:schemeClr val="accent3"/>
-            </a:effectRef>
-            <a:fontRef idx="minor">
-              <a:schemeClr val="dk1"/>
-            </a:fontRef>
-          </p:style>
-          <p:txBody>
-            <a:bodyPr wrap="square" rtlCol="0">
-              <a:spAutoFit/>
-            </a:bodyPr>
-            <a:lstStyle/>
-            <a:p>
-              <a:r>
-                <a:rPr lang="en-US" sz="1200" dirty="0"/>
+                <a:rPr lang="en-US" sz="1400" dirty="0"/>
                 <a:t>Introduction</a:t>
               </a:r>
             </a:p>
@@ -12932,10 +15649,10 @@
         </p:sp>
         <p:sp>
           <p:nvSpPr>
-            <p:cNvPr id="10" name="Eingekerbter Richtungspfeil 23">
+            <p:cNvPr id="36" name="Eingekerbter Richtungspfeil 23">
               <a:extLst>
                 <a:ext uri="{FF2B5EF4-FFF2-40B4-BE49-F238E27FC236}">
-                  <a16:creationId xmlns:a16="http://schemas.microsoft.com/office/drawing/2014/main" id="{C005311E-133F-493F-BFFC-C169B3CA8A86}"/>
+                  <a16:creationId xmlns:a16="http://schemas.microsoft.com/office/drawing/2014/main" id="{68C14798-3D57-442E-9FB9-53A74CC8CB49}"/>
                 </a:ext>
               </a:extLst>
             </p:cNvPr>
@@ -12944,7 +15661,7 @@
           </p:nvSpPr>
           <p:spPr>
             <a:xfrm>
-              <a:off x="1284399" y="6091574"/>
+              <a:off x="1277780" y="6067929"/>
               <a:ext cx="158496" cy="158496"/>
             </a:xfrm>
             <a:prstGeom prst="chevron">
@@ -12970,7 +15687,7 @@
             <a:lstStyle/>
             <a:p>
               <a:pPr algn="ctr"/>
-              <a:endParaRPr lang="de-DE" dirty="0">
+              <a:endParaRPr lang="de-DE" sz="1400" dirty="0">
                 <a:solidFill>
                   <a:schemeClr val="tx1"/>
                 </a:solidFill>
@@ -12980,10 +15697,10 @@
         </p:sp>
         <p:sp>
           <p:nvSpPr>
-            <p:cNvPr id="11" name="Eingekerbter Richtungspfeil 24">
+            <p:cNvPr id="37" name="Eingekerbter Richtungspfeil 24">
               <a:extLst>
                 <a:ext uri="{FF2B5EF4-FFF2-40B4-BE49-F238E27FC236}">
-                  <a16:creationId xmlns:a16="http://schemas.microsoft.com/office/drawing/2014/main" id="{13B86617-4353-46AD-97C4-7F02A1BA1B80}"/>
+                  <a16:creationId xmlns:a16="http://schemas.microsoft.com/office/drawing/2014/main" id="{54453DD4-EC6E-408A-BA81-C2CE161926B3}"/>
                 </a:ext>
               </a:extLst>
             </p:cNvPr>
@@ -12992,7 +15709,7 @@
           </p:nvSpPr>
           <p:spPr>
             <a:xfrm>
-              <a:off x="2052380" y="6091574"/>
+              <a:off x="2074801" y="6078481"/>
               <a:ext cx="158496" cy="158496"/>
             </a:xfrm>
             <a:prstGeom prst="chevron">
@@ -13018,7 +15735,7 @@
             <a:lstStyle/>
             <a:p>
               <a:pPr algn="ctr"/>
-              <a:endParaRPr lang="de-DE" dirty="0">
+              <a:endParaRPr lang="de-DE" sz="1400" dirty="0">
                 <a:solidFill>
                   <a:schemeClr val="tx1"/>
                 </a:solidFill>
@@ -13028,10 +15745,10 @@
         </p:sp>
         <p:sp>
           <p:nvSpPr>
-            <p:cNvPr id="12" name="Eingekerbter Richtungspfeil 25">
+            <p:cNvPr id="38" name="Eingekerbter Richtungspfeil 25">
               <a:extLst>
                 <a:ext uri="{FF2B5EF4-FFF2-40B4-BE49-F238E27FC236}">
-                  <a16:creationId xmlns:a16="http://schemas.microsoft.com/office/drawing/2014/main" id="{40D0FAF6-EB9E-4EEF-BCBE-972523E34CB7}"/>
+                  <a16:creationId xmlns:a16="http://schemas.microsoft.com/office/drawing/2014/main" id="{56747FC4-B7A1-47F6-80F2-BA7267386E5D}"/>
                 </a:ext>
               </a:extLst>
             </p:cNvPr>
@@ -13040,7 +15757,7 @@
           </p:nvSpPr>
           <p:spPr>
             <a:xfrm>
-              <a:off x="4116879" y="6091574"/>
+              <a:off x="4309376" y="6064001"/>
               <a:ext cx="158496" cy="158496"/>
             </a:xfrm>
             <a:prstGeom prst="chevron">
@@ -13066,7 +15783,7 @@
             <a:lstStyle/>
             <a:p>
               <a:pPr algn="ctr"/>
-              <a:endParaRPr lang="de-DE" dirty="0">
+              <a:endParaRPr lang="de-DE" sz="1400" dirty="0">
                 <a:solidFill>
                   <a:schemeClr val="tx1"/>
                 </a:solidFill>
@@ -13076,10 +15793,10 @@
         </p:sp>
         <p:sp>
           <p:nvSpPr>
-            <p:cNvPr id="13" name="Textfeld 12">
+            <p:cNvPr id="39" name="Textfeld 38">
               <a:extLst>
                 <a:ext uri="{FF2B5EF4-FFF2-40B4-BE49-F238E27FC236}">
-                  <a16:creationId xmlns:a16="http://schemas.microsoft.com/office/drawing/2014/main" id="{6910B1B0-7848-461D-A8EE-494297AF2C2C}"/>
+                  <a16:creationId xmlns:a16="http://schemas.microsoft.com/office/drawing/2014/main" id="{FF8A2CE7-CAEF-43EA-8A06-4B6DA6B536BB}"/>
                 </a:ext>
               </a:extLst>
             </p:cNvPr>
@@ -13088,8 +15805,8 @@
           </p:nvSpPr>
           <p:spPr>
             <a:xfrm>
-              <a:off x="4324070" y="6032320"/>
-              <a:ext cx="1588897" cy="276999"/>
+              <a:off x="4497856" y="5999483"/>
+              <a:ext cx="1827744" cy="307777"/>
             </a:xfrm>
             <a:prstGeom prst="rect">
               <a:avLst/>
@@ -13119,8 +15836,9 @@
             </a:bodyPr>
             <a:lstStyle/>
             <a:p>
+              <a:pPr algn="ctr"/>
               <a:r>
-                <a:rPr lang="en-US" sz="1200" dirty="0"/>
+                <a:rPr lang="en-US" sz="1400" dirty="0"/>
                 <a:t>Deployment Pipeline</a:t>
               </a:r>
             </a:p>
@@ -13128,10 +15846,10 @@
         </p:sp>
         <p:sp>
           <p:nvSpPr>
-            <p:cNvPr id="14" name="Eingekerbter Richtungspfeil 27">
+            <p:cNvPr id="40" name="Eingekerbter Richtungspfeil 27">
               <a:extLst>
                 <a:ext uri="{FF2B5EF4-FFF2-40B4-BE49-F238E27FC236}">
-                  <a16:creationId xmlns:a16="http://schemas.microsoft.com/office/drawing/2014/main" id="{C8C6383D-EFF4-4F8F-B7E7-55AA85D1E860}"/>
+                  <a16:creationId xmlns:a16="http://schemas.microsoft.com/office/drawing/2014/main" id="{E4EF1F48-BA18-458B-8F91-33ED76293B80}"/>
                 </a:ext>
               </a:extLst>
             </p:cNvPr>
@@ -13140,7 +15858,7 @@
           </p:nvSpPr>
           <p:spPr>
             <a:xfrm>
-              <a:off x="7320057" y="6091577"/>
+              <a:off x="7679272" y="6064001"/>
               <a:ext cx="158496" cy="158496"/>
             </a:xfrm>
             <a:prstGeom prst="chevron">
@@ -13166,7 +15884,7 @@
             <a:lstStyle/>
             <a:p>
               <a:pPr algn="ctr"/>
-              <a:endParaRPr lang="de-DE" dirty="0">
+              <a:endParaRPr lang="de-DE" sz="1400" dirty="0">
                 <a:solidFill>
                   <a:schemeClr val="tx1"/>
                 </a:solidFill>
@@ -13176,10 +15894,10 @@
         </p:sp>
         <p:cxnSp>
           <p:nvCxnSpPr>
-            <p:cNvPr id="15" name="Gerade Verbindung 28">
+            <p:cNvPr id="41" name="Gerade Verbindung 28">
               <a:extLst>
                 <a:ext uri="{FF2B5EF4-FFF2-40B4-BE49-F238E27FC236}">
-                  <a16:creationId xmlns:a16="http://schemas.microsoft.com/office/drawing/2014/main" id="{BE0E1948-1999-44A0-B261-866A1DF5995B}"/>
+                  <a16:creationId xmlns:a16="http://schemas.microsoft.com/office/drawing/2014/main" id="{9DBAFE4E-5F78-4986-BDE3-DCB1B351A79A}"/>
                 </a:ext>
               </a:extLst>
             </p:cNvPr>
@@ -13219,10 +15937,10 @@
         </p:cxnSp>
         <p:sp>
           <p:nvSpPr>
-            <p:cNvPr id="16" name="Eingekerbter Richtungspfeil 29">
+            <p:cNvPr id="42" name="Eingekerbter Richtungspfeil 29">
               <a:extLst>
                 <a:ext uri="{FF2B5EF4-FFF2-40B4-BE49-F238E27FC236}">
-                  <a16:creationId xmlns:a16="http://schemas.microsoft.com/office/drawing/2014/main" id="{A4600029-E40B-4FAC-BDEA-4C82CFF469F9}"/>
+                  <a16:creationId xmlns:a16="http://schemas.microsoft.com/office/drawing/2014/main" id="{CAB8A9A5-E1A0-448B-901C-823BAA8A5BF7}"/>
                 </a:ext>
               </a:extLst>
             </p:cNvPr>
@@ -13231,7 +15949,7 @@
           </p:nvSpPr>
           <p:spPr>
             <a:xfrm>
-              <a:off x="5925672" y="6091576"/>
+              <a:off x="6325600" y="6064001"/>
               <a:ext cx="158496" cy="158496"/>
             </a:xfrm>
             <a:prstGeom prst="chevron">
@@ -13257,7 +15975,7 @@
             <a:lstStyle/>
             <a:p>
               <a:pPr algn="ctr"/>
-              <a:endParaRPr lang="de-DE" dirty="0">
+              <a:endParaRPr lang="de-DE" sz="1400" dirty="0">
                 <a:solidFill>
                   <a:schemeClr val="tx1"/>
                 </a:solidFill>
